--- a/01 - Agile for Model-Based Standards Development/D - Presentations/PDES.Presentation.pptx
+++ b/01 - Agile for Model-Based Standards Development/D - Presentations/PDES.Presentation.pptx
@@ -5,19 +5,24 @@
     <p:sldMasterId id="2147483685" r:id="rId4"/>
   </p:sldMasterIdLst>
   <p:notesMasterIdLst>
-    <p:notesMasterId r:id="rId7"/>
+    <p:notesMasterId r:id="rId12"/>
   </p:notesMasterIdLst>
   <p:handoutMasterIdLst>
-    <p:handoutMasterId r:id="rId8"/>
+    <p:handoutMasterId r:id="rId13"/>
   </p:handoutMasterIdLst>
   <p:sldIdLst>
     <p:sldId id="256" r:id="rId5"/>
     <p:sldId id="257" r:id="rId6"/>
+    <p:sldId id="258" r:id="rId7"/>
+    <p:sldId id="259" r:id="rId8"/>
+    <p:sldId id="260" r:id="rId9"/>
+    <p:sldId id="261" r:id="rId10"/>
+    <p:sldId id="262" r:id="rId11"/>
   </p:sldIdLst>
   <p:sldSz cx="12188825" cy="6858000"/>
   <p:notesSz cx="7023100" cy="9309100"/>
   <p:custDataLst>
-    <p:tags r:id="rId9"/>
+    <p:tags r:id="rId14"/>
   </p:custDataLst>
   <p:defaultTextStyle>
     <a:defPPr>
@@ -7666,8 +7671,8 @@
         </p:nvSpPr>
         <p:spPr>
           <a:xfrm>
-            <a:off x="429768" y="2197052"/>
-            <a:ext cx="10360501" cy="1375761"/>
+            <a:off x="429768" y="2612549"/>
+            <a:ext cx="10360501" cy="544765"/>
           </a:xfrm>
         </p:spPr>
         <p:txBody>
@@ -7675,10 +7680,10 @@
           <a:lstStyle/>
           <a:p>
             <a:r>
-              <a:rPr lang="en-US" dirty="0" smtClean="0"/>
+              <a:rPr lang="en-US" sz="3600" dirty="0" smtClean="0"/>
               <a:t>Agile for Model-Based Standards Development</a:t>
             </a:r>
-            <a:endParaRPr lang="en-GB" dirty="0"/>
+            <a:endParaRPr lang="en-GB" sz="3600" dirty="0"/>
           </a:p>
         </p:txBody>
       </p:sp>
@@ -8096,6 +8101,505 @@
     <p:extLst>
       <p:ext uri="{BB962C8B-B14F-4D97-AF65-F5344CB8AC3E}">
         <p14:creationId xmlns:p14="http://schemas.microsoft.com/office/powerpoint/2010/main" val="1552090508"/>
+      </p:ext>
+    </p:extLst>
+  </p:cSld>
+  <p:clrMapOvr>
+    <a:masterClrMapping/>
+  </p:clrMapOvr>
+  <mc:AlternateContent xmlns:mc="http://schemas.openxmlformats.org/markup-compatibility/2006" xmlns:p14="http://schemas.microsoft.com/office/powerpoint/2010/main">
+    <mc:Choice Requires="p14">
+      <p:transition spd="med" p14:dur="700">
+        <p:fade/>
+      </p:transition>
+    </mc:Choice>
+    <mc:Fallback xmlns="">
+      <p:transition spd="med">
+        <p:fade/>
+      </p:transition>
+    </mc:Fallback>
+  </mc:AlternateContent>
+</p:sld>
+</file>
+
+<file path=ppt/slides/slide3.xml><?xml version="1.0" encoding="utf-8"?>
+<p:sld xmlns:a="http://schemas.openxmlformats.org/drawingml/2006/main" xmlns:r="http://schemas.openxmlformats.org/officeDocument/2006/relationships" xmlns:p="http://schemas.openxmlformats.org/presentationml/2006/main">
+  <p:cSld>
+    <p:spTree>
+      <p:nvGrpSpPr>
+        <p:cNvPr id="1" name=""/>
+        <p:cNvGrpSpPr/>
+        <p:nvPr/>
+      </p:nvGrpSpPr>
+      <p:grpSpPr>
+        <a:xfrm>
+          <a:off x="0" y="0"/>
+          <a:ext cx="0" cy="0"/>
+          <a:chOff x="0" y="0"/>
+          <a:chExt cx="0" cy="0"/>
+        </a:xfrm>
+      </p:grpSpPr>
+      <p:sp>
+        <p:nvSpPr>
+          <p:cNvPr id="2" name="Title 1"/>
+          <p:cNvSpPr>
+            <a:spLocks noGrp="1"/>
+          </p:cNvSpPr>
+          <p:nvPr>
+            <p:ph type="title"/>
+          </p:nvPr>
+        </p:nvSpPr>
+        <p:spPr/>
+        <p:txBody>
+          <a:bodyPr/>
+          <a:lstStyle/>
+          <a:p>
+            <a:r>
+              <a:rPr lang="en-US" dirty="0" smtClean="0"/>
+              <a:t>Business/Industry Needs</a:t>
+            </a:r>
+            <a:endParaRPr lang="en-GB" dirty="0"/>
+          </a:p>
+        </p:txBody>
+      </p:sp>
+      <p:sp>
+        <p:nvSpPr>
+          <p:cNvPr id="3" name="Text Placeholder 2"/>
+          <p:cNvSpPr>
+            <a:spLocks noGrp="1"/>
+          </p:cNvSpPr>
+          <p:nvPr>
+            <p:ph type="body" sz="quarter" idx="12"/>
+          </p:nvPr>
+        </p:nvSpPr>
+        <p:spPr/>
+        <p:txBody>
+          <a:bodyPr/>
+          <a:lstStyle/>
+          <a:p>
+            <a:endParaRPr lang="en-GB"/>
+          </a:p>
+        </p:txBody>
+      </p:sp>
+      <p:sp>
+        <p:nvSpPr>
+          <p:cNvPr id="4" name="Content Placeholder 3"/>
+          <p:cNvSpPr>
+            <a:spLocks noGrp="1"/>
+          </p:cNvSpPr>
+          <p:nvPr>
+            <p:ph sz="quarter" idx="16"/>
+          </p:nvPr>
+        </p:nvSpPr>
+        <p:spPr/>
+        <p:txBody>
+          <a:bodyPr/>
+          <a:lstStyle/>
+          <a:p>
+            <a:endParaRPr lang="en-GB"/>
+          </a:p>
+        </p:txBody>
+      </p:sp>
+    </p:spTree>
+    <p:extLst>
+      <p:ext uri="{BB962C8B-B14F-4D97-AF65-F5344CB8AC3E}">
+        <p14:creationId xmlns:p14="http://schemas.microsoft.com/office/powerpoint/2010/main" val="778432613"/>
+      </p:ext>
+    </p:extLst>
+  </p:cSld>
+  <p:clrMapOvr>
+    <a:masterClrMapping/>
+  </p:clrMapOvr>
+  <mc:AlternateContent xmlns:mc="http://schemas.openxmlformats.org/markup-compatibility/2006" xmlns:p14="http://schemas.microsoft.com/office/powerpoint/2010/main">
+    <mc:Choice Requires="p14">
+      <p:transition spd="med" p14:dur="700">
+        <p:fade/>
+      </p:transition>
+    </mc:Choice>
+    <mc:Fallback xmlns="">
+      <p:transition spd="med">
+        <p:fade/>
+      </p:transition>
+    </mc:Fallback>
+  </mc:AlternateContent>
+</p:sld>
+</file>
+
+<file path=ppt/slides/slide4.xml><?xml version="1.0" encoding="utf-8"?>
+<p:sld xmlns:a="http://schemas.openxmlformats.org/drawingml/2006/main" xmlns:r="http://schemas.openxmlformats.org/officeDocument/2006/relationships" xmlns:p="http://schemas.openxmlformats.org/presentationml/2006/main">
+  <p:cSld>
+    <p:spTree>
+      <p:nvGrpSpPr>
+        <p:cNvPr id="1" name=""/>
+        <p:cNvGrpSpPr/>
+        <p:nvPr/>
+      </p:nvGrpSpPr>
+      <p:grpSpPr>
+        <a:xfrm>
+          <a:off x="0" y="0"/>
+          <a:ext cx="0" cy="0"/>
+          <a:chOff x="0" y="0"/>
+          <a:chExt cx="0" cy="0"/>
+        </a:xfrm>
+      </p:grpSpPr>
+      <p:sp>
+        <p:nvSpPr>
+          <p:cNvPr id="2" name="Title 1"/>
+          <p:cNvSpPr>
+            <a:spLocks noGrp="1"/>
+          </p:cNvSpPr>
+          <p:nvPr>
+            <p:ph type="title"/>
+          </p:nvPr>
+        </p:nvSpPr>
+        <p:spPr/>
+        <p:txBody>
+          <a:bodyPr/>
+          <a:lstStyle/>
+          <a:p>
+            <a:endParaRPr lang="en-GB"/>
+          </a:p>
+        </p:txBody>
+      </p:sp>
+      <p:sp>
+        <p:nvSpPr>
+          <p:cNvPr id="3" name="Text Placeholder 2"/>
+          <p:cNvSpPr>
+            <a:spLocks noGrp="1"/>
+          </p:cNvSpPr>
+          <p:nvPr>
+            <p:ph type="body" sz="quarter" idx="12"/>
+          </p:nvPr>
+        </p:nvSpPr>
+        <p:spPr/>
+        <p:txBody>
+          <a:bodyPr/>
+          <a:lstStyle/>
+          <a:p>
+            <a:endParaRPr lang="en-GB"/>
+          </a:p>
+        </p:txBody>
+      </p:sp>
+      <p:sp>
+        <p:nvSpPr>
+          <p:cNvPr id="4" name="Content Placeholder 3"/>
+          <p:cNvSpPr>
+            <a:spLocks noGrp="1"/>
+          </p:cNvSpPr>
+          <p:nvPr>
+            <p:ph sz="quarter" idx="16"/>
+          </p:nvPr>
+        </p:nvSpPr>
+        <p:spPr/>
+        <p:txBody>
+          <a:bodyPr/>
+          <a:lstStyle/>
+          <a:p>
+            <a:endParaRPr lang="en-GB"/>
+          </a:p>
+        </p:txBody>
+      </p:sp>
+    </p:spTree>
+    <p:extLst>
+      <p:ext uri="{BB962C8B-B14F-4D97-AF65-F5344CB8AC3E}">
+        <p14:creationId xmlns:p14="http://schemas.microsoft.com/office/powerpoint/2010/main" val="4034539652"/>
+      </p:ext>
+    </p:extLst>
+  </p:cSld>
+  <p:clrMapOvr>
+    <a:masterClrMapping/>
+  </p:clrMapOvr>
+  <mc:AlternateContent xmlns:mc="http://schemas.openxmlformats.org/markup-compatibility/2006" xmlns:p14="http://schemas.microsoft.com/office/powerpoint/2010/main">
+    <mc:Choice Requires="p14">
+      <p:transition spd="med" p14:dur="700">
+        <p:fade/>
+      </p:transition>
+    </mc:Choice>
+    <mc:Fallback xmlns="">
+      <p:transition spd="med">
+        <p:fade/>
+      </p:transition>
+    </mc:Fallback>
+  </mc:AlternateContent>
+</p:sld>
+</file>
+
+<file path=ppt/slides/slide5.xml><?xml version="1.0" encoding="utf-8"?>
+<p:sld xmlns:a="http://schemas.openxmlformats.org/drawingml/2006/main" xmlns:r="http://schemas.openxmlformats.org/officeDocument/2006/relationships" xmlns:p="http://schemas.openxmlformats.org/presentationml/2006/main">
+  <p:cSld>
+    <p:spTree>
+      <p:nvGrpSpPr>
+        <p:cNvPr id="1" name=""/>
+        <p:cNvGrpSpPr/>
+        <p:nvPr/>
+      </p:nvGrpSpPr>
+      <p:grpSpPr>
+        <a:xfrm>
+          <a:off x="0" y="0"/>
+          <a:ext cx="0" cy="0"/>
+          <a:chOff x="0" y="0"/>
+          <a:chExt cx="0" cy="0"/>
+        </a:xfrm>
+      </p:grpSpPr>
+      <p:sp>
+        <p:nvSpPr>
+          <p:cNvPr id="2" name="Title 1"/>
+          <p:cNvSpPr>
+            <a:spLocks noGrp="1"/>
+          </p:cNvSpPr>
+          <p:nvPr>
+            <p:ph type="title"/>
+          </p:nvPr>
+        </p:nvSpPr>
+        <p:spPr/>
+        <p:txBody>
+          <a:bodyPr/>
+          <a:lstStyle/>
+          <a:p>
+            <a:endParaRPr lang="en-GB"/>
+          </a:p>
+        </p:txBody>
+      </p:sp>
+      <p:sp>
+        <p:nvSpPr>
+          <p:cNvPr id="3" name="Text Placeholder 2"/>
+          <p:cNvSpPr>
+            <a:spLocks noGrp="1"/>
+          </p:cNvSpPr>
+          <p:nvPr>
+            <p:ph type="body" sz="quarter" idx="12"/>
+          </p:nvPr>
+        </p:nvSpPr>
+        <p:spPr/>
+        <p:txBody>
+          <a:bodyPr/>
+          <a:lstStyle/>
+          <a:p>
+            <a:endParaRPr lang="en-GB"/>
+          </a:p>
+        </p:txBody>
+      </p:sp>
+      <p:sp>
+        <p:nvSpPr>
+          <p:cNvPr id="4" name="Content Placeholder 3"/>
+          <p:cNvSpPr>
+            <a:spLocks noGrp="1"/>
+          </p:cNvSpPr>
+          <p:nvPr>
+            <p:ph sz="quarter" idx="16"/>
+          </p:nvPr>
+        </p:nvSpPr>
+        <p:spPr/>
+        <p:txBody>
+          <a:bodyPr/>
+          <a:lstStyle/>
+          <a:p>
+            <a:endParaRPr lang="en-GB"/>
+          </a:p>
+        </p:txBody>
+      </p:sp>
+    </p:spTree>
+    <p:extLst>
+      <p:ext uri="{BB962C8B-B14F-4D97-AF65-F5344CB8AC3E}">
+        <p14:creationId xmlns:p14="http://schemas.microsoft.com/office/powerpoint/2010/main" val="1776094296"/>
+      </p:ext>
+    </p:extLst>
+  </p:cSld>
+  <p:clrMapOvr>
+    <a:masterClrMapping/>
+  </p:clrMapOvr>
+  <mc:AlternateContent xmlns:mc="http://schemas.openxmlformats.org/markup-compatibility/2006" xmlns:p14="http://schemas.microsoft.com/office/powerpoint/2010/main">
+    <mc:Choice Requires="p14">
+      <p:transition spd="med" p14:dur="700">
+        <p:fade/>
+      </p:transition>
+    </mc:Choice>
+    <mc:Fallback xmlns="">
+      <p:transition spd="med">
+        <p:fade/>
+      </p:transition>
+    </mc:Fallback>
+  </mc:AlternateContent>
+</p:sld>
+</file>
+
+<file path=ppt/slides/slide6.xml><?xml version="1.0" encoding="utf-8"?>
+<p:sld xmlns:a="http://schemas.openxmlformats.org/drawingml/2006/main" xmlns:r="http://schemas.openxmlformats.org/officeDocument/2006/relationships" xmlns:p="http://schemas.openxmlformats.org/presentationml/2006/main">
+  <p:cSld>
+    <p:spTree>
+      <p:nvGrpSpPr>
+        <p:cNvPr id="1" name=""/>
+        <p:cNvGrpSpPr/>
+        <p:nvPr/>
+      </p:nvGrpSpPr>
+      <p:grpSpPr>
+        <a:xfrm>
+          <a:off x="0" y="0"/>
+          <a:ext cx="0" cy="0"/>
+          <a:chOff x="0" y="0"/>
+          <a:chExt cx="0" cy="0"/>
+        </a:xfrm>
+      </p:grpSpPr>
+      <p:sp>
+        <p:nvSpPr>
+          <p:cNvPr id="2" name="Title 1"/>
+          <p:cNvSpPr>
+            <a:spLocks noGrp="1"/>
+          </p:cNvSpPr>
+          <p:nvPr>
+            <p:ph type="title"/>
+          </p:nvPr>
+        </p:nvSpPr>
+        <p:spPr/>
+        <p:txBody>
+          <a:bodyPr/>
+          <a:lstStyle/>
+          <a:p>
+            <a:endParaRPr lang="en-GB"/>
+          </a:p>
+        </p:txBody>
+      </p:sp>
+      <p:sp>
+        <p:nvSpPr>
+          <p:cNvPr id="3" name="Text Placeholder 2"/>
+          <p:cNvSpPr>
+            <a:spLocks noGrp="1"/>
+          </p:cNvSpPr>
+          <p:nvPr>
+            <p:ph type="body" sz="quarter" idx="12"/>
+          </p:nvPr>
+        </p:nvSpPr>
+        <p:spPr/>
+        <p:txBody>
+          <a:bodyPr/>
+          <a:lstStyle/>
+          <a:p>
+            <a:endParaRPr lang="en-GB"/>
+          </a:p>
+        </p:txBody>
+      </p:sp>
+      <p:sp>
+        <p:nvSpPr>
+          <p:cNvPr id="4" name="Content Placeholder 3"/>
+          <p:cNvSpPr>
+            <a:spLocks noGrp="1"/>
+          </p:cNvSpPr>
+          <p:nvPr>
+            <p:ph sz="quarter" idx="16"/>
+          </p:nvPr>
+        </p:nvSpPr>
+        <p:spPr/>
+        <p:txBody>
+          <a:bodyPr/>
+          <a:lstStyle/>
+          <a:p>
+            <a:endParaRPr lang="en-GB"/>
+          </a:p>
+        </p:txBody>
+      </p:sp>
+    </p:spTree>
+    <p:extLst>
+      <p:ext uri="{BB962C8B-B14F-4D97-AF65-F5344CB8AC3E}">
+        <p14:creationId xmlns:p14="http://schemas.microsoft.com/office/powerpoint/2010/main" val="3607805654"/>
+      </p:ext>
+    </p:extLst>
+  </p:cSld>
+  <p:clrMapOvr>
+    <a:masterClrMapping/>
+  </p:clrMapOvr>
+  <mc:AlternateContent xmlns:mc="http://schemas.openxmlformats.org/markup-compatibility/2006" xmlns:p14="http://schemas.microsoft.com/office/powerpoint/2010/main">
+    <mc:Choice Requires="p14">
+      <p:transition spd="med" p14:dur="700">
+        <p:fade/>
+      </p:transition>
+    </mc:Choice>
+    <mc:Fallback xmlns="">
+      <p:transition spd="med">
+        <p:fade/>
+      </p:transition>
+    </mc:Fallback>
+  </mc:AlternateContent>
+</p:sld>
+</file>
+
+<file path=ppt/slides/slide7.xml><?xml version="1.0" encoding="utf-8"?>
+<p:sld xmlns:a="http://schemas.openxmlformats.org/drawingml/2006/main" xmlns:r="http://schemas.openxmlformats.org/officeDocument/2006/relationships" xmlns:p="http://schemas.openxmlformats.org/presentationml/2006/main">
+  <p:cSld>
+    <p:spTree>
+      <p:nvGrpSpPr>
+        <p:cNvPr id="1" name=""/>
+        <p:cNvGrpSpPr/>
+        <p:nvPr/>
+      </p:nvGrpSpPr>
+      <p:grpSpPr>
+        <a:xfrm>
+          <a:off x="0" y="0"/>
+          <a:ext cx="0" cy="0"/>
+          <a:chOff x="0" y="0"/>
+          <a:chExt cx="0" cy="0"/>
+        </a:xfrm>
+      </p:grpSpPr>
+      <p:sp>
+        <p:nvSpPr>
+          <p:cNvPr id="2" name="Title 1"/>
+          <p:cNvSpPr>
+            <a:spLocks noGrp="1"/>
+          </p:cNvSpPr>
+          <p:nvPr>
+            <p:ph type="title"/>
+          </p:nvPr>
+        </p:nvSpPr>
+        <p:spPr/>
+        <p:txBody>
+          <a:bodyPr/>
+          <a:lstStyle/>
+          <a:p>
+            <a:endParaRPr lang="en-GB"/>
+          </a:p>
+        </p:txBody>
+      </p:sp>
+      <p:sp>
+        <p:nvSpPr>
+          <p:cNvPr id="3" name="Text Placeholder 2"/>
+          <p:cNvSpPr>
+            <a:spLocks noGrp="1"/>
+          </p:cNvSpPr>
+          <p:nvPr>
+            <p:ph type="body" sz="quarter" idx="12"/>
+          </p:nvPr>
+        </p:nvSpPr>
+        <p:spPr/>
+        <p:txBody>
+          <a:bodyPr/>
+          <a:lstStyle/>
+          <a:p>
+            <a:endParaRPr lang="en-GB"/>
+          </a:p>
+        </p:txBody>
+      </p:sp>
+      <p:sp>
+        <p:nvSpPr>
+          <p:cNvPr id="4" name="Content Placeholder 3"/>
+          <p:cNvSpPr>
+            <a:spLocks noGrp="1"/>
+          </p:cNvSpPr>
+          <p:nvPr>
+            <p:ph sz="quarter" idx="16"/>
+          </p:nvPr>
+        </p:nvSpPr>
+        <p:spPr/>
+        <p:txBody>
+          <a:bodyPr/>
+          <a:lstStyle/>
+          <a:p>
+            <a:endParaRPr lang="en-GB"/>
+          </a:p>
+        </p:txBody>
+      </p:sp>
+    </p:spTree>
+    <p:extLst>
+      <p:ext uri="{BB962C8B-B14F-4D97-AF65-F5344CB8AC3E}">
+        <p14:creationId xmlns:p14="http://schemas.microsoft.com/office/powerpoint/2010/main" val="1809149319"/>
       </p:ext>
     </p:extLst>
   </p:cSld>
@@ -9107,18 +9611,18 @@
 </file>
 
 <file path=customXml/item1.xml><?xml version="1.0" encoding="utf-8"?>
-<p:properties xmlns:p="http://schemas.microsoft.com/office/2006/metadata/properties" xmlns:xsi="http://www.w3.org/2001/XMLSchema-instance" xmlns:pc="http://schemas.microsoft.com/office/infopath/2007/PartnerControls">
-  <documentManagement/>
-</p:properties>
-</file>
-
-<file path=customXml/item2.xml><?xml version="1.0" encoding="utf-8"?>
 <?mso-contentType ?>
 <FormTemplates xmlns="http://schemas.microsoft.com/sharepoint/v3/contenttype/forms">
   <Display>DocumentLibraryForm</Display>
   <Edit>DocumentLibraryForm</Edit>
   <New>DocumentLibraryForm</New>
 </FormTemplates>
+</file>
+
+<file path=customXml/item2.xml><?xml version="1.0" encoding="utf-8"?>
+<p:properties xmlns:p="http://schemas.microsoft.com/office/2006/metadata/properties" xmlns:xsi="http://www.w3.org/2001/XMLSchema-instance" xmlns:pc="http://schemas.microsoft.com/office/infopath/2007/PartnerControls">
+  <documentManagement/>
+</p:properties>
 </file>
 
 <file path=customXml/item3.xml><?xml version="1.0" encoding="utf-8"?>
@@ -9236,6 +9740,14 @@
 </file>
 
 <file path=customXml/itemProps1.xml><?xml version="1.0" encoding="utf-8"?>
+<ds:datastoreItem xmlns:ds="http://schemas.openxmlformats.org/officeDocument/2006/customXml" ds:itemID="{16D4C100-0EDD-4DD2-914D-A957225F12B9}">
+  <ds:schemaRefs>
+    <ds:schemaRef ds:uri="http://schemas.microsoft.com/sharepoint/v3/contenttype/forms"/>
+  </ds:schemaRefs>
+</ds:datastoreItem>
+</file>
+
+<file path=customXml/itemProps2.xml><?xml version="1.0" encoding="utf-8"?>
 <ds:datastoreItem xmlns:ds="http://schemas.openxmlformats.org/officeDocument/2006/customXml" ds:itemID="{C691D66D-CA73-4591-BA35-882D4C096123}">
   <ds:schemaRefs>
     <ds:schemaRef ds:uri="http://schemas.microsoft.com/office/2006/metadata/properties"/>
@@ -9246,14 +9758,6 @@
     <ds:schemaRef ds:uri="http://purl.org/dc/elements/1.1/"/>
     <ds:schemaRef ds:uri="http://www.w3.org/XML/1998/namespace"/>
     <ds:schemaRef ds:uri="http://purl.org/dc/dcmitype/"/>
-  </ds:schemaRefs>
-</ds:datastoreItem>
-</file>
-
-<file path=customXml/itemProps2.xml><?xml version="1.0" encoding="utf-8"?>
-<ds:datastoreItem xmlns:ds="http://schemas.openxmlformats.org/officeDocument/2006/customXml" ds:itemID="{16D4C100-0EDD-4DD2-914D-A957225F12B9}">
-  <ds:schemaRefs>
-    <ds:schemaRef ds:uri="http://schemas.microsoft.com/sharepoint/v3/contenttype/forms"/>
   </ds:schemaRefs>
 </ds:datastoreItem>
 </file>

--- a/01 - Agile for Model-Based Standards Development/D - Presentations/PDES.Presentation.pptx
+++ b/01 - Agile for Model-Based Standards Development/D - Presentations/PDES.Presentation.pptx
@@ -14,10 +14,10 @@
     <p:sldId id="256" r:id="rId5"/>
     <p:sldId id="257" r:id="rId6"/>
     <p:sldId id="258" r:id="rId7"/>
-    <p:sldId id="259" r:id="rId8"/>
-    <p:sldId id="260" r:id="rId9"/>
-    <p:sldId id="261" r:id="rId10"/>
-    <p:sldId id="262" r:id="rId11"/>
+    <p:sldId id="263" r:id="rId8"/>
+    <p:sldId id="259" r:id="rId9"/>
+    <p:sldId id="260" r:id="rId10"/>
+    <p:sldId id="261" r:id="rId11"/>
   </p:sldIdLst>
   <p:sldSz cx="12188825" cy="6858000"/>
   <p:notesSz cx="7023100" cy="9309100"/>
@@ -285,7 +285,7 @@
             <a:fld id="{BE4E05A4-29A6-45AB-82C9-31FC81F0251A}" type="datetimeFigureOut">
               <a:rPr lang="en-US" smtClean="0"/>
               <a:pPr/>
-              <a:t>8/13/2019</a:t>
+              <a:t>8/15/2019</a:t>
             </a:fld>
             <a:endParaRPr lang="en-US" dirty="0"/>
           </a:p>
@@ -803,6 +803,390 @@
     </a:lvl9pPr>
   </p:notesStyle>
 </p:notesMaster>
+</file>
+
+<file path=ppt/notesSlides/notesSlide1.xml><?xml version="1.0" encoding="utf-8"?>
+<p:notes xmlns:a="http://schemas.openxmlformats.org/drawingml/2006/main" xmlns:r="http://schemas.openxmlformats.org/officeDocument/2006/relationships" xmlns:p="http://schemas.openxmlformats.org/presentationml/2006/main">
+  <p:cSld>
+    <p:spTree>
+      <p:nvGrpSpPr>
+        <p:cNvPr id="1" name=""/>
+        <p:cNvGrpSpPr/>
+        <p:nvPr/>
+      </p:nvGrpSpPr>
+      <p:grpSpPr>
+        <a:xfrm>
+          <a:off x="0" y="0"/>
+          <a:ext cx="0" cy="0"/>
+          <a:chOff x="0" y="0"/>
+          <a:chExt cx="0" cy="0"/>
+        </a:xfrm>
+      </p:grpSpPr>
+      <p:sp>
+        <p:nvSpPr>
+          <p:cNvPr id="2" name="Slide Image Placeholder 1"/>
+          <p:cNvSpPr>
+            <a:spLocks noGrp="1" noRot="1" noChangeAspect="1"/>
+          </p:cNvSpPr>
+          <p:nvPr>
+            <p:ph type="sldImg"/>
+          </p:nvPr>
+        </p:nvSpPr>
+        <p:spPr/>
+      </p:sp>
+      <p:sp>
+        <p:nvSpPr>
+          <p:cNvPr id="3" name="Notes Placeholder 2"/>
+          <p:cNvSpPr>
+            <a:spLocks noGrp="1"/>
+          </p:cNvSpPr>
+          <p:nvPr>
+            <p:ph type="body" idx="1"/>
+          </p:nvPr>
+        </p:nvSpPr>
+        <p:spPr/>
+        <p:txBody>
+          <a:bodyPr/>
+          <a:lstStyle/>
+          <a:p>
+            <a:endParaRPr lang="en-US" dirty="0"/>
+          </a:p>
+        </p:txBody>
+      </p:sp>
+      <p:sp>
+        <p:nvSpPr>
+          <p:cNvPr id="4" name="Slide Number Placeholder 3"/>
+          <p:cNvSpPr>
+            <a:spLocks noGrp="1"/>
+          </p:cNvSpPr>
+          <p:nvPr>
+            <p:ph type="sldNum" sz="quarter" idx="10"/>
+          </p:nvPr>
+        </p:nvSpPr>
+        <p:spPr/>
+        <p:txBody>
+          <a:bodyPr/>
+          <a:lstStyle/>
+          <a:p>
+            <a:fld id="{739F009B-AA83-4291-81BE-194F11CE1901}" type="slidenum">
+              <a:rPr lang="en-US" smtClean="0"/>
+              <a:pPr/>
+              <a:t>3</a:t>
+            </a:fld>
+            <a:endParaRPr lang="en-US" dirty="0"/>
+          </a:p>
+        </p:txBody>
+      </p:sp>
+    </p:spTree>
+    <p:extLst>
+      <p:ext uri="{BB962C8B-B14F-4D97-AF65-F5344CB8AC3E}">
+        <p14:creationId xmlns:p14="http://schemas.microsoft.com/office/powerpoint/2010/main" val="494030595"/>
+      </p:ext>
+    </p:extLst>
+  </p:cSld>
+  <p:clrMapOvr>
+    <a:masterClrMapping/>
+  </p:clrMapOvr>
+</p:notes>
+</file>
+
+<file path=ppt/notesSlides/notesSlide2.xml><?xml version="1.0" encoding="utf-8"?>
+<p:notes xmlns:a="http://schemas.openxmlformats.org/drawingml/2006/main" xmlns:r="http://schemas.openxmlformats.org/officeDocument/2006/relationships" xmlns:p="http://schemas.openxmlformats.org/presentationml/2006/main">
+  <p:cSld>
+    <p:spTree>
+      <p:nvGrpSpPr>
+        <p:cNvPr id="1" name=""/>
+        <p:cNvGrpSpPr/>
+        <p:nvPr/>
+      </p:nvGrpSpPr>
+      <p:grpSpPr>
+        <a:xfrm>
+          <a:off x="0" y="0"/>
+          <a:ext cx="0" cy="0"/>
+          <a:chOff x="0" y="0"/>
+          <a:chExt cx="0" cy="0"/>
+        </a:xfrm>
+      </p:grpSpPr>
+      <p:sp>
+        <p:nvSpPr>
+          <p:cNvPr id="2" name="Slide Image Placeholder 1"/>
+          <p:cNvSpPr>
+            <a:spLocks noGrp="1" noRot="1" noChangeAspect="1"/>
+          </p:cNvSpPr>
+          <p:nvPr>
+            <p:ph type="sldImg"/>
+          </p:nvPr>
+        </p:nvSpPr>
+        <p:spPr/>
+      </p:sp>
+      <p:sp>
+        <p:nvSpPr>
+          <p:cNvPr id="3" name="Notes Placeholder 2"/>
+          <p:cNvSpPr>
+            <a:spLocks noGrp="1"/>
+          </p:cNvSpPr>
+          <p:nvPr>
+            <p:ph type="body" idx="1"/>
+          </p:nvPr>
+        </p:nvSpPr>
+        <p:spPr/>
+        <p:txBody>
+          <a:bodyPr/>
+          <a:lstStyle/>
+          <a:p>
+            <a:pPr marL="0" indent="0">
+              <a:buFont typeface="Arial" panose="020B0604020202020204" pitchFamily="34" charset="0"/>
+              <a:buNone/>
+            </a:pPr>
+            <a:r>
+              <a:rPr lang="en-US" sz="1200" b="1" u="sng" kern="1200" dirty="0" smtClean="0">
+                <a:solidFill>
+                  <a:schemeClr val="tx1"/>
+                </a:solidFill>
+                <a:effectLst/>
+                <a:latin typeface="Arial" charset="0"/>
+                <a:ea typeface="+mn-ea"/>
+                <a:cs typeface="+mn-cs"/>
+              </a:rPr>
+              <a:t>Extended</a:t>
+            </a:r>
+            <a:r>
+              <a:rPr lang="en-US" sz="1200" b="1" u="sng" kern="1200" baseline="0" dirty="0" smtClean="0">
+                <a:solidFill>
+                  <a:schemeClr val="tx1"/>
+                </a:solidFill>
+                <a:effectLst/>
+                <a:latin typeface="Arial" charset="0"/>
+                <a:ea typeface="+mn-ea"/>
+                <a:cs typeface="+mn-cs"/>
+              </a:rPr>
+              <a:t> Length</a:t>
+            </a:r>
+            <a:endParaRPr lang="en-US" sz="1200" b="1" u="sng" kern="1200" dirty="0" smtClean="0">
+              <a:solidFill>
+                <a:schemeClr val="tx1"/>
+              </a:solidFill>
+              <a:effectLst/>
+              <a:latin typeface="Arial" charset="0"/>
+              <a:ea typeface="+mn-ea"/>
+              <a:cs typeface="+mn-cs"/>
+            </a:endParaRPr>
+          </a:p>
+          <a:p>
+            <a:pPr marL="171450" indent="-171450">
+              <a:buFont typeface="Arial" panose="020B0604020202020204" pitchFamily="34" charset="0"/>
+              <a:buChar char="•"/>
+            </a:pPr>
+            <a:r>
+              <a:rPr lang="en-US" sz="1200" kern="1200" dirty="0" smtClean="0">
+                <a:solidFill>
+                  <a:schemeClr val="tx1"/>
+                </a:solidFill>
+                <a:effectLst/>
+                <a:latin typeface="Arial" charset="0"/>
+                <a:ea typeface="+mn-ea"/>
+                <a:cs typeface="+mn-cs"/>
+              </a:rPr>
+              <a:t>sample across 8 standards and 16 edition publishes revealed the </a:t>
+            </a:r>
+          </a:p>
+          <a:p>
+            <a:pPr marL="171450" indent="-171450">
+              <a:buFont typeface="Arial" panose="020B0604020202020204" pitchFamily="34" charset="0"/>
+              <a:buChar char="•"/>
+            </a:pPr>
+            <a:r>
+              <a:rPr lang="en-US" sz="1200" kern="1200" dirty="0" smtClean="0">
+                <a:solidFill>
+                  <a:schemeClr val="tx1"/>
+                </a:solidFill>
+                <a:effectLst/>
+                <a:latin typeface="Arial" charset="0"/>
+                <a:ea typeface="+mn-ea"/>
+                <a:cs typeface="+mn-cs"/>
+              </a:rPr>
+              <a:t>current average project duration is 43.5 months</a:t>
+            </a:r>
+            <a:r>
+              <a:rPr lang="en-US" sz="1200" kern="1200" baseline="0" dirty="0" smtClean="0">
+                <a:solidFill>
+                  <a:schemeClr val="tx1"/>
+                </a:solidFill>
+                <a:effectLst/>
+                <a:latin typeface="Arial" charset="0"/>
+                <a:ea typeface="+mn-ea"/>
+                <a:cs typeface="+mn-cs"/>
+              </a:rPr>
+              <a:t> </a:t>
+            </a:r>
+            <a:r>
+              <a:rPr lang="en-US" sz="1200" kern="1200" dirty="0" smtClean="0">
+                <a:solidFill>
+                  <a:schemeClr val="tx1"/>
+                </a:solidFill>
+                <a:effectLst/>
+                <a:latin typeface="Arial" charset="0"/>
+                <a:ea typeface="+mn-ea"/>
+                <a:cs typeface="+mn-cs"/>
+              </a:rPr>
+              <a:t>(stage 10.99 to stage 60.60) </a:t>
+            </a:r>
+          </a:p>
+          <a:p>
+            <a:pPr marL="171450" indent="-171450">
+              <a:buFont typeface="Arial" panose="020B0604020202020204" pitchFamily="34" charset="0"/>
+              <a:buChar char="•"/>
+            </a:pPr>
+            <a:r>
+              <a:rPr lang="en-US" sz="1200" kern="1200" dirty="0" smtClean="0">
+                <a:solidFill>
+                  <a:schemeClr val="tx1"/>
+                </a:solidFill>
+                <a:effectLst/>
+                <a:latin typeface="Arial" charset="0"/>
+                <a:ea typeface="+mn-ea"/>
+                <a:cs typeface="+mn-cs"/>
+              </a:rPr>
+              <a:t>growth of 4.5 months from ed1 to ed2</a:t>
+            </a:r>
+          </a:p>
+          <a:p>
+            <a:pPr marL="171450" indent="-171450">
+              <a:buFont typeface="Arial" panose="020B0604020202020204" pitchFamily="34" charset="0"/>
+              <a:buChar char="•"/>
+            </a:pPr>
+            <a:endParaRPr lang="en-US" sz="1200" kern="1200" dirty="0" smtClean="0">
+              <a:solidFill>
+                <a:schemeClr val="tx1"/>
+              </a:solidFill>
+              <a:effectLst/>
+              <a:latin typeface="Arial" charset="0"/>
+              <a:ea typeface="+mn-ea"/>
+              <a:cs typeface="+mn-cs"/>
+            </a:endParaRPr>
+          </a:p>
+          <a:p>
+            <a:pPr marL="0" indent="0">
+              <a:buFont typeface="Arial" panose="020B0604020202020204" pitchFamily="34" charset="0"/>
+              <a:buNone/>
+            </a:pPr>
+            <a:r>
+              <a:rPr lang="en-US" sz="1200" b="1" u="sng" kern="1200" dirty="0" smtClean="0">
+                <a:solidFill>
+                  <a:schemeClr val="tx1"/>
+                </a:solidFill>
+                <a:effectLst/>
+                <a:latin typeface="Arial" charset="0"/>
+                <a:ea typeface="+mn-ea"/>
+                <a:cs typeface="+mn-cs"/>
+              </a:rPr>
+              <a:t>Quality</a:t>
+            </a:r>
+          </a:p>
+          <a:p>
+            <a:pPr marL="171450" indent="-171450">
+              <a:buFont typeface="Arial" panose="020B0604020202020204" pitchFamily="34" charset="0"/>
+              <a:buChar char="•"/>
+            </a:pPr>
+            <a:r>
+              <a:rPr lang="en-US" sz="1200" kern="1200" dirty="0" smtClean="0">
+                <a:solidFill>
+                  <a:schemeClr val="tx1"/>
+                </a:solidFill>
+                <a:effectLst/>
+                <a:latin typeface="Arial" charset="0"/>
+                <a:ea typeface="+mn-ea"/>
+                <a:cs typeface="+mn-cs"/>
+              </a:rPr>
+              <a:t>Data</a:t>
+            </a:r>
+            <a:r>
+              <a:rPr lang="en-US" sz="1200" kern="1200" baseline="0" dirty="0" smtClean="0">
+                <a:solidFill>
+                  <a:schemeClr val="tx1"/>
+                </a:solidFill>
+                <a:effectLst/>
+                <a:latin typeface="Arial" charset="0"/>
+                <a:ea typeface="+mn-ea"/>
+                <a:cs typeface="+mn-cs"/>
+              </a:rPr>
+              <a:t> Quality Issues</a:t>
+            </a:r>
+          </a:p>
+          <a:p>
+            <a:pPr marL="171450" indent="-171450">
+              <a:buFont typeface="Arial" panose="020B0604020202020204" pitchFamily="34" charset="0"/>
+              <a:buChar char="•"/>
+            </a:pPr>
+            <a:r>
+              <a:rPr lang="en-US" sz="1200" kern="1200" baseline="0" dirty="0" smtClean="0">
+                <a:solidFill>
+                  <a:schemeClr val="tx1"/>
+                </a:solidFill>
+                <a:effectLst/>
+                <a:latin typeface="Arial" charset="0"/>
+                <a:ea typeface="+mn-ea"/>
+                <a:cs typeface="+mn-cs"/>
+              </a:rPr>
+              <a:t>Incomplete Solutions</a:t>
+            </a:r>
+          </a:p>
+          <a:p>
+            <a:pPr marL="171450" indent="-171450">
+              <a:buFont typeface="Arial" panose="020B0604020202020204" pitchFamily="34" charset="0"/>
+              <a:buChar char="•"/>
+            </a:pPr>
+            <a:r>
+              <a:rPr lang="en-US" sz="1200" kern="1200" baseline="0" dirty="0" smtClean="0">
+                <a:solidFill>
+                  <a:schemeClr val="tx1"/>
+                </a:solidFill>
+                <a:effectLst/>
+                <a:latin typeface="Arial" charset="0"/>
+                <a:ea typeface="+mn-ea"/>
+                <a:cs typeface="+mn-cs"/>
+              </a:rPr>
+              <a:t>Overtly Complex/Non Implementable Solutions</a:t>
+            </a:r>
+            <a:endParaRPr lang="en-US" dirty="0"/>
+          </a:p>
+        </p:txBody>
+      </p:sp>
+      <p:sp>
+        <p:nvSpPr>
+          <p:cNvPr id="4" name="Slide Number Placeholder 3"/>
+          <p:cNvSpPr>
+            <a:spLocks noGrp="1"/>
+          </p:cNvSpPr>
+          <p:nvPr>
+            <p:ph type="sldNum" sz="quarter" idx="10"/>
+          </p:nvPr>
+        </p:nvSpPr>
+        <p:spPr/>
+        <p:txBody>
+          <a:bodyPr/>
+          <a:lstStyle/>
+          <a:p>
+            <a:fld id="{739F009B-AA83-4291-81BE-194F11CE1901}" type="slidenum">
+              <a:rPr lang="en-US" smtClean="0"/>
+              <a:pPr/>
+              <a:t>4</a:t>
+            </a:fld>
+            <a:endParaRPr lang="en-US" dirty="0"/>
+          </a:p>
+        </p:txBody>
+      </p:sp>
+    </p:spTree>
+    <p:extLst>
+      <p:ext uri="{BB962C8B-B14F-4D97-AF65-F5344CB8AC3E}">
+        <p14:creationId xmlns:p14="http://schemas.microsoft.com/office/powerpoint/2010/main" val="4022935417"/>
+      </p:ext>
+    </p:extLst>
+  </p:cSld>
+  <p:clrMapOvr>
+    <a:masterClrMapping/>
+  </p:clrMapOvr>
+</p:notes>
 </file>
 
 <file path=ppt/slideLayouts/slideLayout1.xml><?xml version="1.0" encoding="utf-8"?>
@@ -8065,30 +8449,35 @@
           <a:bodyPr/>
           <a:lstStyle/>
           <a:p>
+            <a:pPr marL="342900" indent="-342900"/>
             <a:r>
               <a:rPr lang="en-US" dirty="0" smtClean="0"/>
               <a:t>Statement of Business Need</a:t>
             </a:r>
           </a:p>
           <a:p>
+            <a:pPr marL="342900" indent="-342900"/>
             <a:r>
               <a:rPr lang="en-US" dirty="0" smtClean="0"/>
               <a:t>Problem Statement</a:t>
             </a:r>
           </a:p>
           <a:p>
+            <a:pPr marL="342900" indent="-342900"/>
             <a:r>
               <a:rPr lang="en-US" dirty="0" smtClean="0"/>
               <a:t>Proposed Solutions</a:t>
             </a:r>
           </a:p>
           <a:p>
+            <a:pPr marL="342900" indent="-342900"/>
             <a:r>
               <a:rPr lang="en-US" dirty="0" smtClean="0"/>
               <a:t>Benefits/Impacts</a:t>
             </a:r>
           </a:p>
           <a:p>
+            <a:pPr marL="342900" indent="-342900"/>
             <a:r>
               <a:rPr lang="en-US" dirty="0" smtClean="0"/>
               <a:t>Next Steps</a:t>
@@ -8177,13 +8566,289 @@
           <a:bodyPr/>
           <a:lstStyle/>
           <a:p>
-            <a:endParaRPr lang="en-GB"/>
+            <a:r>
+              <a:rPr lang="en-US" dirty="0">
+                <a:solidFill>
+                  <a:schemeClr val="bg1">
+                    <a:lumMod val="50000"/>
+                  </a:schemeClr>
+                </a:solidFill>
+              </a:rPr>
+              <a:t>Agile for Model-Based-Standards Development</a:t>
+            </a:r>
+            <a:endParaRPr lang="en-US" dirty="0">
+              <a:solidFill>
+                <a:schemeClr val="bg1">
+                  <a:lumMod val="50000"/>
+                </a:schemeClr>
+              </a:solidFill>
+            </a:endParaRPr>
           </a:p>
         </p:txBody>
       </p:sp>
       <p:sp>
         <p:nvSpPr>
-          <p:cNvPr id="4" name="Content Placeholder 3"/>
+          <p:cNvPr id="5" name="Content Placeholder 3"/>
+          <p:cNvSpPr txBox="1">
+            <a:spLocks/>
+          </p:cNvSpPr>
+          <p:nvPr/>
+        </p:nvSpPr>
+        <p:spPr bwMode="auto">
+          <a:xfrm>
+            <a:off x="6066857" y="1712091"/>
+            <a:ext cx="5601407" cy="1477328"/>
+          </a:xfrm>
+          <a:prstGeom prst="rect">
+            <a:avLst/>
+          </a:prstGeom>
+          <a:noFill/>
+          <a:ln w="9525">
+            <a:noFill/>
+            <a:miter lim="800000"/>
+            <a:headEnd/>
+            <a:tailEnd/>
+          </a:ln>
+          <a:effectLst/>
+        </p:spPr>
+        <p:txBody>
+          <a:bodyPr vert="horz" wrap="square" lIns="0" tIns="0" rIns="0" bIns="0" numCol="1" anchor="t" anchorCtr="0" compatLnSpc="1">
+            <a:prstTxWarp prst="textNoShape">
+              <a:avLst/>
+            </a:prstTxWarp>
+            <a:spAutoFit/>
+          </a:bodyPr>
+          <a:lstStyle>
+            <a:lvl1pPr marL="0" indent="0" algn="l" defTabSz="820738" rtl="0" eaLnBrk="1" fontAlgn="base" hangingPunct="1">
+              <a:lnSpc>
+                <a:spcPct val="90000"/>
+              </a:lnSpc>
+              <a:spcBef>
+                <a:spcPct val="30000"/>
+              </a:spcBef>
+              <a:spcAft>
+                <a:spcPct val="0"/>
+              </a:spcAft>
+              <a:buClr>
+                <a:schemeClr val="tx2"/>
+              </a:buClr>
+              <a:buFont typeface="Symbol" panose="05050102010706020507" pitchFamily="18" charset="2"/>
+              <a:buChar char=""/>
+              <a:defRPr sz="2000" b="1">
+                <a:solidFill>
+                  <a:schemeClr val="bg1"/>
+                </a:solidFill>
+                <a:latin typeface="+mn-lt"/>
+                <a:ea typeface="+mn-ea"/>
+                <a:cs typeface="+mn-cs"/>
+              </a:defRPr>
+            </a:lvl1pPr>
+            <a:lvl2pPr marL="288925" indent="-173038" algn="l" defTabSz="820738" rtl="0" eaLnBrk="1" fontAlgn="base" hangingPunct="1">
+              <a:lnSpc>
+                <a:spcPct val="90000"/>
+              </a:lnSpc>
+              <a:spcBef>
+                <a:spcPct val="30000"/>
+              </a:spcBef>
+              <a:spcAft>
+                <a:spcPct val="0"/>
+              </a:spcAft>
+              <a:buClr>
+                <a:schemeClr val="bg1"/>
+              </a:buClr>
+              <a:buFont typeface="Arial" panose="020B0604020202020204" pitchFamily="34" charset="0"/>
+              <a:buChar char="•"/>
+              <a:defRPr sz="2000">
+                <a:solidFill>
+                  <a:schemeClr val="bg1"/>
+                </a:solidFill>
+                <a:latin typeface="+mn-lt"/>
+              </a:defRPr>
+            </a:lvl2pPr>
+            <a:lvl3pPr marL="508000" indent="-184150" algn="l" defTabSz="820738" rtl="0" eaLnBrk="1" fontAlgn="base" hangingPunct="1">
+              <a:lnSpc>
+                <a:spcPct val="90000"/>
+              </a:lnSpc>
+              <a:spcBef>
+                <a:spcPct val="30000"/>
+              </a:spcBef>
+              <a:spcAft>
+                <a:spcPct val="0"/>
+              </a:spcAft>
+              <a:buClr>
+                <a:schemeClr val="bg1"/>
+              </a:buClr>
+              <a:buFont typeface="Arial" panose="020B0604020202020204" pitchFamily="34" charset="0"/>
+              <a:buChar char="•"/>
+              <a:defRPr>
+                <a:solidFill>
+                  <a:schemeClr val="bg1"/>
+                </a:solidFill>
+                <a:latin typeface="+mn-lt"/>
+              </a:defRPr>
+            </a:lvl3pPr>
+            <a:lvl4pPr marL="803275" indent="-225425" algn="l" defTabSz="820738" rtl="0" eaLnBrk="1" fontAlgn="base" hangingPunct="1">
+              <a:lnSpc>
+                <a:spcPct val="90000"/>
+              </a:lnSpc>
+              <a:spcBef>
+                <a:spcPct val="30000"/>
+              </a:spcBef>
+              <a:spcAft>
+                <a:spcPct val="0"/>
+              </a:spcAft>
+              <a:buClr>
+                <a:schemeClr val="bg1"/>
+              </a:buClr>
+              <a:buFont typeface="Arial" panose="020B0604020202020204" pitchFamily="34" charset="0"/>
+              <a:buChar char="•"/>
+              <a:defRPr sz="1600">
+                <a:solidFill>
+                  <a:schemeClr val="bg1"/>
+                </a:solidFill>
+                <a:latin typeface="+mn-lt"/>
+              </a:defRPr>
+            </a:lvl4pPr>
+            <a:lvl5pPr marL="957263" indent="-163513" algn="l" defTabSz="820738" rtl="0" eaLnBrk="1" fontAlgn="base" hangingPunct="1">
+              <a:lnSpc>
+                <a:spcPct val="90000"/>
+              </a:lnSpc>
+              <a:spcBef>
+                <a:spcPct val="30000"/>
+              </a:spcBef>
+              <a:spcAft>
+                <a:spcPct val="0"/>
+              </a:spcAft>
+              <a:buClr>
+                <a:schemeClr val="tx2"/>
+              </a:buClr>
+              <a:buFont typeface="Arial" charset="0"/>
+              <a:buChar char="–"/>
+              <a:defRPr sz="1600">
+                <a:solidFill>
+                  <a:schemeClr val="tx1">
+                    <a:lumMod val="75000"/>
+                    <a:lumOff val="25000"/>
+                  </a:schemeClr>
+                </a:solidFill>
+                <a:latin typeface="+mn-lt"/>
+              </a:defRPr>
+            </a:lvl5pPr>
+            <a:lvl6pPr marL="1414463" indent="-163513" algn="l" defTabSz="820738" rtl="0" eaLnBrk="1" fontAlgn="base" hangingPunct="1">
+              <a:lnSpc>
+                <a:spcPct val="90000"/>
+              </a:lnSpc>
+              <a:spcBef>
+                <a:spcPct val="30000"/>
+              </a:spcBef>
+              <a:spcAft>
+                <a:spcPct val="0"/>
+              </a:spcAft>
+              <a:buClr>
+                <a:schemeClr val="tx2"/>
+              </a:buClr>
+              <a:buFont typeface="Arial" charset="0"/>
+              <a:buChar char="–"/>
+              <a:defRPr sz="1600">
+                <a:solidFill>
+                  <a:schemeClr val="tx1"/>
+                </a:solidFill>
+                <a:latin typeface="+mn-lt"/>
+              </a:defRPr>
+            </a:lvl6pPr>
+            <a:lvl7pPr marL="1871663" indent="-163513" algn="l" defTabSz="820738" rtl="0" eaLnBrk="1" fontAlgn="base" hangingPunct="1">
+              <a:lnSpc>
+                <a:spcPct val="90000"/>
+              </a:lnSpc>
+              <a:spcBef>
+                <a:spcPct val="30000"/>
+              </a:spcBef>
+              <a:spcAft>
+                <a:spcPct val="0"/>
+              </a:spcAft>
+              <a:buClr>
+                <a:schemeClr val="tx2"/>
+              </a:buClr>
+              <a:buFont typeface="Arial" charset="0"/>
+              <a:buChar char="–"/>
+              <a:defRPr sz="1600">
+                <a:solidFill>
+                  <a:schemeClr val="tx1"/>
+                </a:solidFill>
+                <a:latin typeface="+mn-lt"/>
+              </a:defRPr>
+            </a:lvl7pPr>
+            <a:lvl8pPr marL="2328863" indent="-163513" algn="l" defTabSz="820738" rtl="0" eaLnBrk="1" fontAlgn="base" hangingPunct="1">
+              <a:lnSpc>
+                <a:spcPct val="90000"/>
+              </a:lnSpc>
+              <a:spcBef>
+                <a:spcPct val="30000"/>
+              </a:spcBef>
+              <a:spcAft>
+                <a:spcPct val="0"/>
+              </a:spcAft>
+              <a:buClr>
+                <a:schemeClr val="tx2"/>
+              </a:buClr>
+              <a:buFont typeface="Arial" charset="0"/>
+              <a:buChar char="–"/>
+              <a:defRPr sz="1600">
+                <a:solidFill>
+                  <a:schemeClr val="tx1"/>
+                </a:solidFill>
+                <a:latin typeface="+mn-lt"/>
+              </a:defRPr>
+            </a:lvl8pPr>
+            <a:lvl9pPr marL="2786063" indent="-163513" algn="l" defTabSz="820738" rtl="0" eaLnBrk="1" fontAlgn="base" hangingPunct="1">
+              <a:lnSpc>
+                <a:spcPct val="90000"/>
+              </a:lnSpc>
+              <a:spcBef>
+                <a:spcPct val="30000"/>
+              </a:spcBef>
+              <a:spcAft>
+                <a:spcPct val="0"/>
+              </a:spcAft>
+              <a:buClr>
+                <a:schemeClr val="tx2"/>
+              </a:buClr>
+              <a:buFont typeface="Arial" charset="0"/>
+              <a:buChar char="–"/>
+              <a:defRPr sz="1600">
+                <a:solidFill>
+                  <a:schemeClr val="tx1"/>
+                </a:solidFill>
+                <a:latin typeface="+mn-lt"/>
+              </a:defRPr>
+            </a:lvl9pPr>
+          </a:lstStyle>
+          <a:p>
+            <a:pPr marL="171450" indent="-171450"/>
+            <a:r>
+              <a:rPr lang="en-US" sz="1600" kern="0" dirty="0" smtClean="0"/>
+              <a:t>Information requirements are not represented in the standard (i.e. gaps)</a:t>
+            </a:r>
+          </a:p>
+          <a:p>
+            <a:pPr marL="171450" indent="-171450"/>
+            <a:r>
+              <a:rPr lang="en-US" sz="1600" kern="0" dirty="0" smtClean="0"/>
+              <a:t>Time to reduce gaps (standards development) is not keeping with the speed of business need</a:t>
+            </a:r>
+          </a:p>
+          <a:p>
+            <a:pPr marL="171450" indent="-171450"/>
+            <a:r>
+              <a:rPr lang="en-US" sz="1600" kern="0" dirty="0" smtClean="0"/>
+              <a:t>Interim interoperability cause non-value added costs to the business to:</a:t>
+            </a:r>
+          </a:p>
+        </p:txBody>
+      </p:sp>
+      <p:sp>
+        <p:nvSpPr>
+          <p:cNvPr id="6" name="Content Placeholder 3"/>
           <p:cNvSpPr>
             <a:spLocks noGrp="1"/>
           </p:cNvSpPr>
@@ -8191,12 +8856,622 @@
             <p:ph sz="quarter" idx="16"/>
           </p:nvPr>
         </p:nvSpPr>
-        <p:spPr/>
+        <p:spPr>
+          <a:xfrm>
+            <a:off x="405383" y="1283208"/>
+            <a:ext cx="5601407" cy="276999"/>
+          </a:xfrm>
+        </p:spPr>
         <p:txBody>
           <a:bodyPr/>
           <a:lstStyle/>
           <a:p>
-            <a:endParaRPr lang="en-GB"/>
+            <a:r>
+              <a:rPr lang="en-US" dirty="0" smtClean="0"/>
+              <a:t>Business Scenarios</a:t>
+            </a:r>
+            <a:endParaRPr lang="en-US" dirty="0"/>
+          </a:p>
+        </p:txBody>
+      </p:sp>
+      <p:sp>
+        <p:nvSpPr>
+          <p:cNvPr id="7" name="Content Placeholder 3"/>
+          <p:cNvSpPr txBox="1">
+            <a:spLocks/>
+          </p:cNvSpPr>
+          <p:nvPr/>
+        </p:nvSpPr>
+        <p:spPr bwMode="auto">
+          <a:xfrm>
+            <a:off x="6204017" y="1283208"/>
+            <a:ext cx="5601407" cy="276999"/>
+          </a:xfrm>
+          <a:prstGeom prst="rect">
+            <a:avLst/>
+          </a:prstGeom>
+          <a:solidFill>
+            <a:schemeClr val="tx1">
+              <a:lumMod val="75000"/>
+              <a:lumOff val="25000"/>
+            </a:schemeClr>
+          </a:solidFill>
+          <a:ln w="9525">
+            <a:noFill/>
+            <a:miter lim="800000"/>
+            <a:headEnd/>
+            <a:tailEnd/>
+          </a:ln>
+          <a:effectLst/>
+        </p:spPr>
+        <p:txBody>
+          <a:bodyPr vert="horz" wrap="square" lIns="0" tIns="0" rIns="0" bIns="0" numCol="1" anchor="t" anchorCtr="0" compatLnSpc="1">
+            <a:prstTxWarp prst="textNoShape">
+              <a:avLst/>
+            </a:prstTxWarp>
+            <a:spAutoFit/>
+          </a:bodyPr>
+          <a:lstStyle>
+            <a:lvl1pPr marL="0" indent="0" algn="l" defTabSz="820738" rtl="0" eaLnBrk="1" fontAlgn="base" hangingPunct="1">
+              <a:lnSpc>
+                <a:spcPct val="90000"/>
+              </a:lnSpc>
+              <a:spcBef>
+                <a:spcPct val="30000"/>
+              </a:spcBef>
+              <a:spcAft>
+                <a:spcPct val="0"/>
+              </a:spcAft>
+              <a:buClr>
+                <a:schemeClr val="tx2"/>
+              </a:buClr>
+              <a:buFont typeface="Symbol" panose="05050102010706020507" pitchFamily="18" charset="2"/>
+              <a:buChar char=""/>
+              <a:defRPr sz="2000" b="1">
+                <a:solidFill>
+                  <a:schemeClr val="bg1"/>
+                </a:solidFill>
+                <a:latin typeface="+mn-lt"/>
+                <a:ea typeface="+mn-ea"/>
+                <a:cs typeface="+mn-cs"/>
+              </a:defRPr>
+            </a:lvl1pPr>
+            <a:lvl2pPr marL="288925" indent="-173038" algn="l" defTabSz="820738" rtl="0" eaLnBrk="1" fontAlgn="base" hangingPunct="1">
+              <a:lnSpc>
+                <a:spcPct val="90000"/>
+              </a:lnSpc>
+              <a:spcBef>
+                <a:spcPct val="30000"/>
+              </a:spcBef>
+              <a:spcAft>
+                <a:spcPct val="0"/>
+              </a:spcAft>
+              <a:buClr>
+                <a:schemeClr val="bg1"/>
+              </a:buClr>
+              <a:buFont typeface="Arial" panose="020B0604020202020204" pitchFamily="34" charset="0"/>
+              <a:buChar char="•"/>
+              <a:defRPr sz="2000">
+                <a:solidFill>
+                  <a:schemeClr val="bg1"/>
+                </a:solidFill>
+                <a:latin typeface="+mn-lt"/>
+              </a:defRPr>
+            </a:lvl2pPr>
+            <a:lvl3pPr marL="508000" indent="-184150" algn="l" defTabSz="820738" rtl="0" eaLnBrk="1" fontAlgn="base" hangingPunct="1">
+              <a:lnSpc>
+                <a:spcPct val="90000"/>
+              </a:lnSpc>
+              <a:spcBef>
+                <a:spcPct val="30000"/>
+              </a:spcBef>
+              <a:spcAft>
+                <a:spcPct val="0"/>
+              </a:spcAft>
+              <a:buClr>
+                <a:schemeClr val="bg1"/>
+              </a:buClr>
+              <a:buFont typeface="Arial" panose="020B0604020202020204" pitchFamily="34" charset="0"/>
+              <a:buChar char="•"/>
+              <a:defRPr>
+                <a:solidFill>
+                  <a:schemeClr val="bg1"/>
+                </a:solidFill>
+                <a:latin typeface="+mn-lt"/>
+              </a:defRPr>
+            </a:lvl3pPr>
+            <a:lvl4pPr marL="803275" indent="-225425" algn="l" defTabSz="820738" rtl="0" eaLnBrk="1" fontAlgn="base" hangingPunct="1">
+              <a:lnSpc>
+                <a:spcPct val="90000"/>
+              </a:lnSpc>
+              <a:spcBef>
+                <a:spcPct val="30000"/>
+              </a:spcBef>
+              <a:spcAft>
+                <a:spcPct val="0"/>
+              </a:spcAft>
+              <a:buClr>
+                <a:schemeClr val="bg1"/>
+              </a:buClr>
+              <a:buFont typeface="Arial" panose="020B0604020202020204" pitchFamily="34" charset="0"/>
+              <a:buChar char="•"/>
+              <a:defRPr sz="1600">
+                <a:solidFill>
+                  <a:schemeClr val="bg1"/>
+                </a:solidFill>
+                <a:latin typeface="+mn-lt"/>
+              </a:defRPr>
+            </a:lvl4pPr>
+            <a:lvl5pPr marL="957263" indent="-163513" algn="l" defTabSz="820738" rtl="0" eaLnBrk="1" fontAlgn="base" hangingPunct="1">
+              <a:lnSpc>
+                <a:spcPct val="90000"/>
+              </a:lnSpc>
+              <a:spcBef>
+                <a:spcPct val="30000"/>
+              </a:spcBef>
+              <a:spcAft>
+                <a:spcPct val="0"/>
+              </a:spcAft>
+              <a:buClr>
+                <a:schemeClr val="tx2"/>
+              </a:buClr>
+              <a:buFont typeface="Arial" charset="0"/>
+              <a:buChar char="–"/>
+              <a:defRPr sz="1600">
+                <a:solidFill>
+                  <a:schemeClr val="tx1">
+                    <a:lumMod val="75000"/>
+                    <a:lumOff val="25000"/>
+                  </a:schemeClr>
+                </a:solidFill>
+                <a:latin typeface="+mn-lt"/>
+              </a:defRPr>
+            </a:lvl5pPr>
+            <a:lvl6pPr marL="1414463" indent="-163513" algn="l" defTabSz="820738" rtl="0" eaLnBrk="1" fontAlgn="base" hangingPunct="1">
+              <a:lnSpc>
+                <a:spcPct val="90000"/>
+              </a:lnSpc>
+              <a:spcBef>
+                <a:spcPct val="30000"/>
+              </a:spcBef>
+              <a:spcAft>
+                <a:spcPct val="0"/>
+              </a:spcAft>
+              <a:buClr>
+                <a:schemeClr val="tx2"/>
+              </a:buClr>
+              <a:buFont typeface="Arial" charset="0"/>
+              <a:buChar char="–"/>
+              <a:defRPr sz="1600">
+                <a:solidFill>
+                  <a:schemeClr val="tx1"/>
+                </a:solidFill>
+                <a:latin typeface="+mn-lt"/>
+              </a:defRPr>
+            </a:lvl6pPr>
+            <a:lvl7pPr marL="1871663" indent="-163513" algn="l" defTabSz="820738" rtl="0" eaLnBrk="1" fontAlgn="base" hangingPunct="1">
+              <a:lnSpc>
+                <a:spcPct val="90000"/>
+              </a:lnSpc>
+              <a:spcBef>
+                <a:spcPct val="30000"/>
+              </a:spcBef>
+              <a:spcAft>
+                <a:spcPct val="0"/>
+              </a:spcAft>
+              <a:buClr>
+                <a:schemeClr val="tx2"/>
+              </a:buClr>
+              <a:buFont typeface="Arial" charset="0"/>
+              <a:buChar char="–"/>
+              <a:defRPr sz="1600">
+                <a:solidFill>
+                  <a:schemeClr val="tx1"/>
+                </a:solidFill>
+                <a:latin typeface="+mn-lt"/>
+              </a:defRPr>
+            </a:lvl7pPr>
+            <a:lvl8pPr marL="2328863" indent="-163513" algn="l" defTabSz="820738" rtl="0" eaLnBrk="1" fontAlgn="base" hangingPunct="1">
+              <a:lnSpc>
+                <a:spcPct val="90000"/>
+              </a:lnSpc>
+              <a:spcBef>
+                <a:spcPct val="30000"/>
+              </a:spcBef>
+              <a:spcAft>
+                <a:spcPct val="0"/>
+              </a:spcAft>
+              <a:buClr>
+                <a:schemeClr val="tx2"/>
+              </a:buClr>
+              <a:buFont typeface="Arial" charset="0"/>
+              <a:buChar char="–"/>
+              <a:defRPr sz="1600">
+                <a:solidFill>
+                  <a:schemeClr val="tx1"/>
+                </a:solidFill>
+                <a:latin typeface="+mn-lt"/>
+              </a:defRPr>
+            </a:lvl8pPr>
+            <a:lvl9pPr marL="2786063" indent="-163513" algn="l" defTabSz="820738" rtl="0" eaLnBrk="1" fontAlgn="base" hangingPunct="1">
+              <a:lnSpc>
+                <a:spcPct val="90000"/>
+              </a:lnSpc>
+              <a:spcBef>
+                <a:spcPct val="30000"/>
+              </a:spcBef>
+              <a:spcAft>
+                <a:spcPct val="0"/>
+              </a:spcAft>
+              <a:buClr>
+                <a:schemeClr val="tx2"/>
+              </a:buClr>
+              <a:buFont typeface="Arial" charset="0"/>
+              <a:buChar char="–"/>
+              <a:defRPr sz="1600">
+                <a:solidFill>
+                  <a:schemeClr val="tx1"/>
+                </a:solidFill>
+                <a:latin typeface="+mn-lt"/>
+              </a:defRPr>
+            </a:lvl9pPr>
+          </a:lstStyle>
+          <a:p>
+            <a:r>
+              <a:rPr lang="en-US" kern="0" dirty="0" smtClean="0"/>
+              <a:t>Business Consequences</a:t>
+            </a:r>
+            <a:endParaRPr lang="en-US" kern="0" dirty="0"/>
+          </a:p>
+        </p:txBody>
+      </p:sp>
+      <p:sp>
+        <p:nvSpPr>
+          <p:cNvPr id="8" name="Content Placeholder 3"/>
+          <p:cNvSpPr txBox="1">
+            <a:spLocks/>
+          </p:cNvSpPr>
+          <p:nvPr/>
+        </p:nvSpPr>
+        <p:spPr bwMode="auto">
+          <a:xfrm>
+            <a:off x="256793" y="1712091"/>
+            <a:ext cx="5601407" cy="1034129"/>
+          </a:xfrm>
+          <a:prstGeom prst="rect">
+            <a:avLst/>
+          </a:prstGeom>
+          <a:solidFill>
+            <a:schemeClr val="tx1">
+              <a:lumMod val="75000"/>
+              <a:lumOff val="25000"/>
+            </a:schemeClr>
+          </a:solidFill>
+          <a:ln w="9525">
+            <a:noFill/>
+            <a:miter lim="800000"/>
+            <a:headEnd/>
+            <a:tailEnd/>
+          </a:ln>
+          <a:effectLst/>
+        </p:spPr>
+        <p:txBody>
+          <a:bodyPr vert="horz" wrap="square" lIns="0" tIns="0" rIns="0" bIns="0" numCol="1" anchor="t" anchorCtr="0" compatLnSpc="1">
+            <a:prstTxWarp prst="textNoShape">
+              <a:avLst/>
+            </a:prstTxWarp>
+            <a:spAutoFit/>
+          </a:bodyPr>
+          <a:lstStyle>
+            <a:lvl1pPr marL="0" indent="0" algn="l" defTabSz="820738" rtl="0" eaLnBrk="1" fontAlgn="base" hangingPunct="1">
+              <a:lnSpc>
+                <a:spcPct val="90000"/>
+              </a:lnSpc>
+              <a:spcBef>
+                <a:spcPct val="30000"/>
+              </a:spcBef>
+              <a:spcAft>
+                <a:spcPct val="0"/>
+              </a:spcAft>
+              <a:buClr>
+                <a:schemeClr val="tx2"/>
+              </a:buClr>
+              <a:buFont typeface="Symbol" panose="05050102010706020507" pitchFamily="18" charset="2"/>
+              <a:buChar char=""/>
+              <a:defRPr sz="2000" b="1">
+                <a:solidFill>
+                  <a:schemeClr val="bg1"/>
+                </a:solidFill>
+                <a:latin typeface="+mn-lt"/>
+                <a:ea typeface="+mn-ea"/>
+                <a:cs typeface="+mn-cs"/>
+              </a:defRPr>
+            </a:lvl1pPr>
+            <a:lvl2pPr marL="288925" indent="-173038" algn="l" defTabSz="820738" rtl="0" eaLnBrk="1" fontAlgn="base" hangingPunct="1">
+              <a:lnSpc>
+                <a:spcPct val="90000"/>
+              </a:lnSpc>
+              <a:spcBef>
+                <a:spcPct val="30000"/>
+              </a:spcBef>
+              <a:spcAft>
+                <a:spcPct val="0"/>
+              </a:spcAft>
+              <a:buClr>
+                <a:schemeClr val="bg1"/>
+              </a:buClr>
+              <a:buFont typeface="Arial" panose="020B0604020202020204" pitchFamily="34" charset="0"/>
+              <a:buChar char="•"/>
+              <a:defRPr sz="2000">
+                <a:solidFill>
+                  <a:schemeClr val="bg1"/>
+                </a:solidFill>
+                <a:latin typeface="+mn-lt"/>
+              </a:defRPr>
+            </a:lvl2pPr>
+            <a:lvl3pPr marL="508000" indent="-184150" algn="l" defTabSz="820738" rtl="0" eaLnBrk="1" fontAlgn="base" hangingPunct="1">
+              <a:lnSpc>
+                <a:spcPct val="90000"/>
+              </a:lnSpc>
+              <a:spcBef>
+                <a:spcPct val="30000"/>
+              </a:spcBef>
+              <a:spcAft>
+                <a:spcPct val="0"/>
+              </a:spcAft>
+              <a:buClr>
+                <a:schemeClr val="bg1"/>
+              </a:buClr>
+              <a:buFont typeface="Arial" panose="020B0604020202020204" pitchFamily="34" charset="0"/>
+              <a:buChar char="•"/>
+              <a:defRPr>
+                <a:solidFill>
+                  <a:schemeClr val="bg1"/>
+                </a:solidFill>
+                <a:latin typeface="+mn-lt"/>
+              </a:defRPr>
+            </a:lvl3pPr>
+            <a:lvl4pPr marL="803275" indent="-225425" algn="l" defTabSz="820738" rtl="0" eaLnBrk="1" fontAlgn="base" hangingPunct="1">
+              <a:lnSpc>
+                <a:spcPct val="90000"/>
+              </a:lnSpc>
+              <a:spcBef>
+                <a:spcPct val="30000"/>
+              </a:spcBef>
+              <a:spcAft>
+                <a:spcPct val="0"/>
+              </a:spcAft>
+              <a:buClr>
+                <a:schemeClr val="bg1"/>
+              </a:buClr>
+              <a:buFont typeface="Arial" panose="020B0604020202020204" pitchFamily="34" charset="0"/>
+              <a:buChar char="•"/>
+              <a:defRPr sz="1600">
+                <a:solidFill>
+                  <a:schemeClr val="bg1"/>
+                </a:solidFill>
+                <a:latin typeface="+mn-lt"/>
+              </a:defRPr>
+            </a:lvl4pPr>
+            <a:lvl5pPr marL="957263" indent="-163513" algn="l" defTabSz="820738" rtl="0" eaLnBrk="1" fontAlgn="base" hangingPunct="1">
+              <a:lnSpc>
+                <a:spcPct val="90000"/>
+              </a:lnSpc>
+              <a:spcBef>
+                <a:spcPct val="30000"/>
+              </a:spcBef>
+              <a:spcAft>
+                <a:spcPct val="0"/>
+              </a:spcAft>
+              <a:buClr>
+                <a:schemeClr val="tx2"/>
+              </a:buClr>
+              <a:buFont typeface="Arial" charset="0"/>
+              <a:buChar char="–"/>
+              <a:defRPr sz="1600">
+                <a:solidFill>
+                  <a:schemeClr val="tx1">
+                    <a:lumMod val="75000"/>
+                    <a:lumOff val="25000"/>
+                  </a:schemeClr>
+                </a:solidFill>
+                <a:latin typeface="+mn-lt"/>
+              </a:defRPr>
+            </a:lvl5pPr>
+            <a:lvl6pPr marL="1414463" indent="-163513" algn="l" defTabSz="820738" rtl="0" eaLnBrk="1" fontAlgn="base" hangingPunct="1">
+              <a:lnSpc>
+                <a:spcPct val="90000"/>
+              </a:lnSpc>
+              <a:spcBef>
+                <a:spcPct val="30000"/>
+              </a:spcBef>
+              <a:spcAft>
+                <a:spcPct val="0"/>
+              </a:spcAft>
+              <a:buClr>
+                <a:schemeClr val="tx2"/>
+              </a:buClr>
+              <a:buFont typeface="Arial" charset="0"/>
+              <a:buChar char="–"/>
+              <a:defRPr sz="1600">
+                <a:solidFill>
+                  <a:schemeClr val="tx1"/>
+                </a:solidFill>
+                <a:latin typeface="+mn-lt"/>
+              </a:defRPr>
+            </a:lvl6pPr>
+            <a:lvl7pPr marL="1871663" indent="-163513" algn="l" defTabSz="820738" rtl="0" eaLnBrk="1" fontAlgn="base" hangingPunct="1">
+              <a:lnSpc>
+                <a:spcPct val="90000"/>
+              </a:lnSpc>
+              <a:spcBef>
+                <a:spcPct val="30000"/>
+              </a:spcBef>
+              <a:spcAft>
+                <a:spcPct val="0"/>
+              </a:spcAft>
+              <a:buClr>
+                <a:schemeClr val="tx2"/>
+              </a:buClr>
+              <a:buFont typeface="Arial" charset="0"/>
+              <a:buChar char="–"/>
+              <a:defRPr sz="1600">
+                <a:solidFill>
+                  <a:schemeClr val="tx1"/>
+                </a:solidFill>
+                <a:latin typeface="+mn-lt"/>
+              </a:defRPr>
+            </a:lvl7pPr>
+            <a:lvl8pPr marL="2328863" indent="-163513" algn="l" defTabSz="820738" rtl="0" eaLnBrk="1" fontAlgn="base" hangingPunct="1">
+              <a:lnSpc>
+                <a:spcPct val="90000"/>
+              </a:lnSpc>
+              <a:spcBef>
+                <a:spcPct val="30000"/>
+              </a:spcBef>
+              <a:spcAft>
+                <a:spcPct val="0"/>
+              </a:spcAft>
+              <a:buClr>
+                <a:schemeClr val="tx2"/>
+              </a:buClr>
+              <a:buFont typeface="Arial" charset="0"/>
+              <a:buChar char="–"/>
+              <a:defRPr sz="1600">
+                <a:solidFill>
+                  <a:schemeClr val="tx1"/>
+                </a:solidFill>
+                <a:latin typeface="+mn-lt"/>
+              </a:defRPr>
+            </a:lvl8pPr>
+            <a:lvl9pPr marL="2786063" indent="-163513" algn="l" defTabSz="820738" rtl="0" eaLnBrk="1" fontAlgn="base" hangingPunct="1">
+              <a:lnSpc>
+                <a:spcPct val="90000"/>
+              </a:lnSpc>
+              <a:spcBef>
+                <a:spcPct val="30000"/>
+              </a:spcBef>
+              <a:spcAft>
+                <a:spcPct val="0"/>
+              </a:spcAft>
+              <a:buClr>
+                <a:schemeClr val="tx2"/>
+              </a:buClr>
+              <a:buFont typeface="Arial" charset="0"/>
+              <a:buChar char="–"/>
+              <a:defRPr sz="1600">
+                <a:solidFill>
+                  <a:schemeClr val="tx1"/>
+                </a:solidFill>
+                <a:latin typeface="+mn-lt"/>
+              </a:defRPr>
+            </a:lvl9pPr>
+          </a:lstStyle>
+          <a:p>
+            <a:pPr marL="171450" indent="-171450"/>
+            <a:r>
+              <a:rPr lang="en-US" sz="1600" kern="0" dirty="0" smtClean="0"/>
+              <a:t>OEM Submission of Technical Data Package to Authority for Certification</a:t>
+            </a:r>
+          </a:p>
+          <a:p>
+            <a:pPr marL="171450" indent="-171450"/>
+            <a:r>
+              <a:rPr lang="en-US" sz="1600" kern="0" dirty="0" smtClean="0"/>
+              <a:t>Manufacturing and Support Enablement</a:t>
+            </a:r>
+          </a:p>
+          <a:p>
+            <a:pPr marL="171450" indent="-171450"/>
+            <a:r>
+              <a:rPr lang="en-US" sz="1600" kern="0" dirty="0" smtClean="0"/>
+              <a:t>Design Integration</a:t>
+            </a:r>
+            <a:endParaRPr lang="en-US" sz="1600" kern="0" dirty="0"/>
+          </a:p>
+        </p:txBody>
+      </p:sp>
+      <p:sp>
+        <p:nvSpPr>
+          <p:cNvPr id="15" name="TextBox 14"/>
+          <p:cNvSpPr txBox="1"/>
+          <p:nvPr/>
+        </p:nvSpPr>
+        <p:spPr>
+          <a:xfrm>
+            <a:off x="6217920" y="3425093"/>
+            <a:ext cx="5657850" cy="830997"/>
+          </a:xfrm>
+          <a:prstGeom prst="rect">
+            <a:avLst/>
+          </a:prstGeom>
+          <a:noFill/>
+        </p:spPr>
+        <p:txBody>
+          <a:bodyPr wrap="square" numCol="2" rtlCol="0">
+            <a:spAutoFit/>
+          </a:bodyPr>
+          <a:lstStyle/>
+          <a:p>
+            <a:pPr marL="285750" indent="-285750">
+              <a:buFont typeface="Arial" panose="020B0604020202020204" pitchFamily="34" charset="0"/>
+              <a:buChar char="•"/>
+            </a:pPr>
+            <a:r>
+              <a:rPr lang="en-US" sz="1600" dirty="0" smtClean="0">
+                <a:solidFill>
+                  <a:schemeClr val="bg1"/>
+                </a:solidFill>
+              </a:rPr>
+              <a:t>Manual re-entry and remodeling</a:t>
+            </a:r>
+          </a:p>
+          <a:p>
+            <a:pPr marL="285750" indent="-285750">
+              <a:buFont typeface="Arial" panose="020B0604020202020204" pitchFamily="34" charset="0"/>
+              <a:buChar char="•"/>
+            </a:pPr>
+            <a:r>
+              <a:rPr lang="en-US" sz="1600" dirty="0" smtClean="0">
+                <a:solidFill>
+                  <a:schemeClr val="bg1"/>
+                </a:solidFill>
+              </a:rPr>
+              <a:t>Conversion cleanup</a:t>
+            </a:r>
+          </a:p>
+          <a:p>
+            <a:pPr marL="285750" indent="-285750">
+              <a:buFont typeface="Arial" panose="020B0604020202020204" pitchFamily="34" charset="0"/>
+              <a:buChar char="•"/>
+            </a:pPr>
+            <a:r>
+              <a:rPr lang="en-US" sz="1600" dirty="0" smtClean="0">
+                <a:solidFill>
+                  <a:schemeClr val="bg1"/>
+                </a:solidFill>
+              </a:rPr>
+              <a:t>Cost of maintaining multiple CAD licenses</a:t>
+            </a:r>
+          </a:p>
+          <a:p>
+            <a:pPr marL="285750" indent="-285750">
+              <a:buFont typeface="Arial" panose="020B0604020202020204" pitchFamily="34" charset="0"/>
+              <a:buChar char="•"/>
+            </a:pPr>
+            <a:r>
+              <a:rPr lang="en-US" sz="1600" dirty="0" smtClean="0">
+                <a:solidFill>
+                  <a:schemeClr val="bg1"/>
+                </a:solidFill>
+              </a:rPr>
+              <a:t>Supplier assertion costs</a:t>
+            </a:r>
+            <a:endParaRPr lang="en-US" sz="1600" dirty="0">
+              <a:solidFill>
+                <a:schemeClr val="bg1"/>
+              </a:solidFill>
+            </a:endParaRPr>
           </a:p>
         </p:txBody>
       </p:sp>
@@ -8244,6 +9519,295 @@
       </p:grpSpPr>
       <p:sp>
         <p:nvSpPr>
+          <p:cNvPr id="7" name="Content Placeholder 3"/>
+          <p:cNvSpPr txBox="1">
+            <a:spLocks/>
+          </p:cNvSpPr>
+          <p:nvPr/>
+        </p:nvSpPr>
+        <p:spPr bwMode="auto">
+          <a:xfrm>
+            <a:off x="6204017" y="4802532"/>
+            <a:ext cx="5601407" cy="1495794"/>
+          </a:xfrm>
+          <a:prstGeom prst="rect">
+            <a:avLst/>
+          </a:prstGeom>
+          <a:noFill/>
+          <a:ln w="9525">
+            <a:noFill/>
+            <a:miter lim="800000"/>
+            <a:headEnd/>
+            <a:tailEnd/>
+          </a:ln>
+          <a:effectLst/>
+        </p:spPr>
+        <p:txBody>
+          <a:bodyPr vert="horz" wrap="square" lIns="0" tIns="0" rIns="0" bIns="0" numCol="1" anchor="t" anchorCtr="0" compatLnSpc="1">
+            <a:prstTxWarp prst="textNoShape">
+              <a:avLst/>
+            </a:prstTxWarp>
+            <a:spAutoFit/>
+          </a:bodyPr>
+          <a:lstStyle>
+            <a:lvl1pPr marL="0" indent="0" algn="l" defTabSz="820738" rtl="0" eaLnBrk="1" fontAlgn="base" hangingPunct="1">
+              <a:lnSpc>
+                <a:spcPct val="90000"/>
+              </a:lnSpc>
+              <a:spcBef>
+                <a:spcPct val="30000"/>
+              </a:spcBef>
+              <a:spcAft>
+                <a:spcPct val="0"/>
+              </a:spcAft>
+              <a:buClr>
+                <a:schemeClr val="tx2"/>
+              </a:buClr>
+              <a:buFont typeface="Symbol" panose="05050102010706020507" pitchFamily="18" charset="2"/>
+              <a:buChar char=""/>
+              <a:defRPr sz="2000" b="1">
+                <a:solidFill>
+                  <a:schemeClr val="bg1"/>
+                </a:solidFill>
+                <a:latin typeface="+mn-lt"/>
+                <a:ea typeface="+mn-ea"/>
+                <a:cs typeface="+mn-cs"/>
+              </a:defRPr>
+            </a:lvl1pPr>
+            <a:lvl2pPr marL="288925" indent="-173038" algn="l" defTabSz="820738" rtl="0" eaLnBrk="1" fontAlgn="base" hangingPunct="1">
+              <a:lnSpc>
+                <a:spcPct val="90000"/>
+              </a:lnSpc>
+              <a:spcBef>
+                <a:spcPct val="30000"/>
+              </a:spcBef>
+              <a:spcAft>
+                <a:spcPct val="0"/>
+              </a:spcAft>
+              <a:buClr>
+                <a:schemeClr val="bg1"/>
+              </a:buClr>
+              <a:buFont typeface="Arial" panose="020B0604020202020204" pitchFamily="34" charset="0"/>
+              <a:buChar char="•"/>
+              <a:defRPr sz="2000">
+                <a:solidFill>
+                  <a:schemeClr val="bg1"/>
+                </a:solidFill>
+                <a:latin typeface="+mn-lt"/>
+              </a:defRPr>
+            </a:lvl2pPr>
+            <a:lvl3pPr marL="508000" indent="-184150" algn="l" defTabSz="820738" rtl="0" eaLnBrk="1" fontAlgn="base" hangingPunct="1">
+              <a:lnSpc>
+                <a:spcPct val="90000"/>
+              </a:lnSpc>
+              <a:spcBef>
+                <a:spcPct val="30000"/>
+              </a:spcBef>
+              <a:spcAft>
+                <a:spcPct val="0"/>
+              </a:spcAft>
+              <a:buClr>
+                <a:schemeClr val="bg1"/>
+              </a:buClr>
+              <a:buFont typeface="Arial" panose="020B0604020202020204" pitchFamily="34" charset="0"/>
+              <a:buChar char="•"/>
+              <a:defRPr>
+                <a:solidFill>
+                  <a:schemeClr val="bg1"/>
+                </a:solidFill>
+                <a:latin typeface="+mn-lt"/>
+              </a:defRPr>
+            </a:lvl3pPr>
+            <a:lvl4pPr marL="803275" indent="-225425" algn="l" defTabSz="820738" rtl="0" eaLnBrk="1" fontAlgn="base" hangingPunct="1">
+              <a:lnSpc>
+                <a:spcPct val="90000"/>
+              </a:lnSpc>
+              <a:spcBef>
+                <a:spcPct val="30000"/>
+              </a:spcBef>
+              <a:spcAft>
+                <a:spcPct val="0"/>
+              </a:spcAft>
+              <a:buClr>
+                <a:schemeClr val="bg1"/>
+              </a:buClr>
+              <a:buFont typeface="Arial" panose="020B0604020202020204" pitchFamily="34" charset="0"/>
+              <a:buChar char="•"/>
+              <a:defRPr sz="1600">
+                <a:solidFill>
+                  <a:schemeClr val="bg1"/>
+                </a:solidFill>
+                <a:latin typeface="+mn-lt"/>
+              </a:defRPr>
+            </a:lvl4pPr>
+            <a:lvl5pPr marL="957263" indent="-163513" algn="l" defTabSz="820738" rtl="0" eaLnBrk="1" fontAlgn="base" hangingPunct="1">
+              <a:lnSpc>
+                <a:spcPct val="90000"/>
+              </a:lnSpc>
+              <a:spcBef>
+                <a:spcPct val="30000"/>
+              </a:spcBef>
+              <a:spcAft>
+                <a:spcPct val="0"/>
+              </a:spcAft>
+              <a:buClr>
+                <a:schemeClr val="tx2"/>
+              </a:buClr>
+              <a:buFont typeface="Arial" charset="0"/>
+              <a:buChar char="–"/>
+              <a:defRPr sz="1600">
+                <a:solidFill>
+                  <a:schemeClr val="tx1">
+                    <a:lumMod val="75000"/>
+                    <a:lumOff val="25000"/>
+                  </a:schemeClr>
+                </a:solidFill>
+                <a:latin typeface="+mn-lt"/>
+              </a:defRPr>
+            </a:lvl5pPr>
+            <a:lvl6pPr marL="1414463" indent="-163513" algn="l" defTabSz="820738" rtl="0" eaLnBrk="1" fontAlgn="base" hangingPunct="1">
+              <a:lnSpc>
+                <a:spcPct val="90000"/>
+              </a:lnSpc>
+              <a:spcBef>
+                <a:spcPct val="30000"/>
+              </a:spcBef>
+              <a:spcAft>
+                <a:spcPct val="0"/>
+              </a:spcAft>
+              <a:buClr>
+                <a:schemeClr val="tx2"/>
+              </a:buClr>
+              <a:buFont typeface="Arial" charset="0"/>
+              <a:buChar char="–"/>
+              <a:defRPr sz="1600">
+                <a:solidFill>
+                  <a:schemeClr val="tx1"/>
+                </a:solidFill>
+                <a:latin typeface="+mn-lt"/>
+              </a:defRPr>
+            </a:lvl6pPr>
+            <a:lvl7pPr marL="1871663" indent="-163513" algn="l" defTabSz="820738" rtl="0" eaLnBrk="1" fontAlgn="base" hangingPunct="1">
+              <a:lnSpc>
+                <a:spcPct val="90000"/>
+              </a:lnSpc>
+              <a:spcBef>
+                <a:spcPct val="30000"/>
+              </a:spcBef>
+              <a:spcAft>
+                <a:spcPct val="0"/>
+              </a:spcAft>
+              <a:buClr>
+                <a:schemeClr val="tx2"/>
+              </a:buClr>
+              <a:buFont typeface="Arial" charset="0"/>
+              <a:buChar char="–"/>
+              <a:defRPr sz="1600">
+                <a:solidFill>
+                  <a:schemeClr val="tx1"/>
+                </a:solidFill>
+                <a:latin typeface="+mn-lt"/>
+              </a:defRPr>
+            </a:lvl7pPr>
+            <a:lvl8pPr marL="2328863" indent="-163513" algn="l" defTabSz="820738" rtl="0" eaLnBrk="1" fontAlgn="base" hangingPunct="1">
+              <a:lnSpc>
+                <a:spcPct val="90000"/>
+              </a:lnSpc>
+              <a:spcBef>
+                <a:spcPct val="30000"/>
+              </a:spcBef>
+              <a:spcAft>
+                <a:spcPct val="0"/>
+              </a:spcAft>
+              <a:buClr>
+                <a:schemeClr val="tx2"/>
+              </a:buClr>
+              <a:buFont typeface="Arial" charset="0"/>
+              <a:buChar char="–"/>
+              <a:defRPr sz="1600">
+                <a:solidFill>
+                  <a:schemeClr val="tx1"/>
+                </a:solidFill>
+                <a:latin typeface="+mn-lt"/>
+              </a:defRPr>
+            </a:lvl8pPr>
+            <a:lvl9pPr marL="2786063" indent="-163513" algn="l" defTabSz="820738" rtl="0" eaLnBrk="1" fontAlgn="base" hangingPunct="1">
+              <a:lnSpc>
+                <a:spcPct val="90000"/>
+              </a:lnSpc>
+              <a:spcBef>
+                <a:spcPct val="30000"/>
+              </a:spcBef>
+              <a:spcAft>
+                <a:spcPct val="0"/>
+              </a:spcAft>
+              <a:buClr>
+                <a:schemeClr val="tx2"/>
+              </a:buClr>
+              <a:buFont typeface="Arial" charset="0"/>
+              <a:buChar char="–"/>
+              <a:defRPr sz="1600">
+                <a:solidFill>
+                  <a:schemeClr val="tx1"/>
+                </a:solidFill>
+                <a:latin typeface="+mn-lt"/>
+              </a:defRPr>
+            </a:lvl9pPr>
+          </a:lstStyle>
+          <a:p>
+            <a:pPr marL="171450" indent="-171450"/>
+            <a:r>
+              <a:rPr lang="en-US" sz="1200" kern="0" dirty="0" smtClean="0"/>
+              <a:t>Lack of Knowledge</a:t>
+            </a:r>
+          </a:p>
+          <a:p>
+            <a:pPr lvl="1"/>
+            <a:r>
+              <a:rPr lang="en-US" sz="1200" kern="0" dirty="0" smtClean="0"/>
+              <a:t>Attrition</a:t>
+            </a:r>
+          </a:p>
+          <a:p>
+            <a:pPr lvl="1"/>
+            <a:r>
+              <a:rPr lang="en-US" sz="1200" kern="0" dirty="0" smtClean="0"/>
+              <a:t>Disjointed/Incomplete Training</a:t>
+            </a:r>
+          </a:p>
+          <a:p>
+            <a:pPr marL="171450" indent="-171450"/>
+            <a:r>
+              <a:rPr lang="en-US" sz="1200" kern="0" dirty="0" smtClean="0"/>
+              <a:t>Lack of Adequate Tool-Chain</a:t>
+            </a:r>
+          </a:p>
+          <a:p>
+            <a:pPr lvl="1"/>
+            <a:r>
+              <a:rPr lang="en-US" sz="1200" kern="0" dirty="0" smtClean="0"/>
+              <a:t>Manually Integrated (process controlled)</a:t>
+            </a:r>
+          </a:p>
+          <a:p>
+            <a:pPr lvl="1"/>
+            <a:r>
+              <a:rPr lang="en-US" sz="1200" kern="0" dirty="0" smtClean="0"/>
+              <a:t>Outdated Tools</a:t>
+            </a:r>
+          </a:p>
+          <a:p>
+            <a:pPr lvl="1"/>
+            <a:r>
+              <a:rPr lang="en-US" sz="1200" kern="0" dirty="0" smtClean="0"/>
+              <a:t>Tools Extended Past Intended Usage</a:t>
+            </a:r>
+            <a:endParaRPr lang="en-US" sz="1200" kern="0" dirty="0"/>
+          </a:p>
+        </p:txBody>
+      </p:sp>
+      <p:sp>
+        <p:nvSpPr>
           <p:cNvPr id="2" name="Title 1"/>
           <p:cNvSpPr>
             <a:spLocks noGrp="1"/>
@@ -8257,7 +9821,11 @@
           <a:bodyPr/>
           <a:lstStyle/>
           <a:p>
-            <a:endParaRPr lang="en-GB"/>
+            <a:r>
+              <a:rPr lang="en-US" dirty="0" smtClean="0"/>
+              <a:t>Problem Statement</a:t>
+            </a:r>
+            <a:endParaRPr lang="en-US" dirty="0"/>
           </a:p>
         </p:txBody>
       </p:sp>
@@ -8276,7 +9844,23 @@
           <a:bodyPr/>
           <a:lstStyle/>
           <a:p>
-            <a:endParaRPr lang="en-GB"/>
+            <a:r>
+              <a:rPr lang="en-US" dirty="0" smtClean="0">
+                <a:solidFill>
+                  <a:schemeClr val="bg1">
+                    <a:lumMod val="50000"/>
+                  </a:schemeClr>
+                </a:solidFill>
+              </a:rPr>
+              <a:t>Agile for Model-Based-Standards Development</a:t>
+            </a:r>
+            <a:endParaRPr lang="en-US" dirty="0">
+              <a:solidFill>
+                <a:schemeClr val="bg1">
+                  <a:lumMod val="50000"/>
+                </a:schemeClr>
+              </a:solidFill>
+            </a:endParaRPr>
           </a:p>
         </p:txBody>
       </p:sp>
@@ -8290,19 +9874,706 @@
             <p:ph sz="quarter" idx="16"/>
           </p:nvPr>
         </p:nvSpPr>
-        <p:spPr/>
+        <p:spPr>
+          <a:xfrm>
+            <a:off x="405383" y="1283208"/>
+            <a:ext cx="5601407" cy="276999"/>
+          </a:xfrm>
+        </p:spPr>
         <p:txBody>
           <a:bodyPr/>
           <a:lstStyle/>
           <a:p>
-            <a:endParaRPr lang="en-GB"/>
+            <a:r>
+              <a:rPr lang="en-US" dirty="0" smtClean="0"/>
+              <a:t>Extended Development Time Length</a:t>
+            </a:r>
+            <a:endParaRPr lang="en-US" dirty="0"/>
           </a:p>
         </p:txBody>
       </p:sp>
+      <p:sp>
+        <p:nvSpPr>
+          <p:cNvPr id="5" name="Content Placeholder 3"/>
+          <p:cNvSpPr txBox="1">
+            <a:spLocks/>
+          </p:cNvSpPr>
+          <p:nvPr/>
+        </p:nvSpPr>
+        <p:spPr bwMode="auto">
+          <a:xfrm>
+            <a:off x="6204017" y="1283208"/>
+            <a:ext cx="5601407" cy="276999"/>
+          </a:xfrm>
+          <a:prstGeom prst="rect">
+            <a:avLst/>
+          </a:prstGeom>
+          <a:solidFill>
+            <a:schemeClr val="tx1">
+              <a:lumMod val="75000"/>
+              <a:lumOff val="25000"/>
+            </a:schemeClr>
+          </a:solidFill>
+          <a:ln w="9525">
+            <a:noFill/>
+            <a:miter lim="800000"/>
+            <a:headEnd/>
+            <a:tailEnd/>
+          </a:ln>
+          <a:effectLst/>
+        </p:spPr>
+        <p:txBody>
+          <a:bodyPr vert="horz" wrap="square" lIns="0" tIns="0" rIns="0" bIns="0" numCol="1" anchor="t" anchorCtr="0" compatLnSpc="1">
+            <a:prstTxWarp prst="textNoShape">
+              <a:avLst/>
+            </a:prstTxWarp>
+            <a:spAutoFit/>
+          </a:bodyPr>
+          <a:lstStyle>
+            <a:lvl1pPr marL="0" indent="0" algn="l" defTabSz="820738" rtl="0" eaLnBrk="1" fontAlgn="base" hangingPunct="1">
+              <a:lnSpc>
+                <a:spcPct val="90000"/>
+              </a:lnSpc>
+              <a:spcBef>
+                <a:spcPct val="30000"/>
+              </a:spcBef>
+              <a:spcAft>
+                <a:spcPct val="0"/>
+              </a:spcAft>
+              <a:buClr>
+                <a:schemeClr val="tx2"/>
+              </a:buClr>
+              <a:buFont typeface="Symbol" panose="05050102010706020507" pitchFamily="18" charset="2"/>
+              <a:buChar char=""/>
+              <a:defRPr sz="2000" b="1">
+                <a:solidFill>
+                  <a:schemeClr val="bg1"/>
+                </a:solidFill>
+                <a:latin typeface="+mn-lt"/>
+                <a:ea typeface="+mn-ea"/>
+                <a:cs typeface="+mn-cs"/>
+              </a:defRPr>
+            </a:lvl1pPr>
+            <a:lvl2pPr marL="288925" indent="-173038" algn="l" defTabSz="820738" rtl="0" eaLnBrk="1" fontAlgn="base" hangingPunct="1">
+              <a:lnSpc>
+                <a:spcPct val="90000"/>
+              </a:lnSpc>
+              <a:spcBef>
+                <a:spcPct val="30000"/>
+              </a:spcBef>
+              <a:spcAft>
+                <a:spcPct val="0"/>
+              </a:spcAft>
+              <a:buClr>
+                <a:schemeClr val="bg1"/>
+              </a:buClr>
+              <a:buFont typeface="Arial" panose="020B0604020202020204" pitchFamily="34" charset="0"/>
+              <a:buChar char="•"/>
+              <a:defRPr sz="2000">
+                <a:solidFill>
+                  <a:schemeClr val="bg1"/>
+                </a:solidFill>
+                <a:latin typeface="+mn-lt"/>
+              </a:defRPr>
+            </a:lvl2pPr>
+            <a:lvl3pPr marL="508000" indent="-184150" algn="l" defTabSz="820738" rtl="0" eaLnBrk="1" fontAlgn="base" hangingPunct="1">
+              <a:lnSpc>
+                <a:spcPct val="90000"/>
+              </a:lnSpc>
+              <a:spcBef>
+                <a:spcPct val="30000"/>
+              </a:spcBef>
+              <a:spcAft>
+                <a:spcPct val="0"/>
+              </a:spcAft>
+              <a:buClr>
+                <a:schemeClr val="bg1"/>
+              </a:buClr>
+              <a:buFont typeface="Arial" panose="020B0604020202020204" pitchFamily="34" charset="0"/>
+              <a:buChar char="•"/>
+              <a:defRPr>
+                <a:solidFill>
+                  <a:schemeClr val="bg1"/>
+                </a:solidFill>
+                <a:latin typeface="+mn-lt"/>
+              </a:defRPr>
+            </a:lvl3pPr>
+            <a:lvl4pPr marL="803275" indent="-225425" algn="l" defTabSz="820738" rtl="0" eaLnBrk="1" fontAlgn="base" hangingPunct="1">
+              <a:lnSpc>
+                <a:spcPct val="90000"/>
+              </a:lnSpc>
+              <a:spcBef>
+                <a:spcPct val="30000"/>
+              </a:spcBef>
+              <a:spcAft>
+                <a:spcPct val="0"/>
+              </a:spcAft>
+              <a:buClr>
+                <a:schemeClr val="bg1"/>
+              </a:buClr>
+              <a:buFont typeface="Arial" panose="020B0604020202020204" pitchFamily="34" charset="0"/>
+              <a:buChar char="•"/>
+              <a:defRPr sz="1600">
+                <a:solidFill>
+                  <a:schemeClr val="bg1"/>
+                </a:solidFill>
+                <a:latin typeface="+mn-lt"/>
+              </a:defRPr>
+            </a:lvl4pPr>
+            <a:lvl5pPr marL="957263" indent="-163513" algn="l" defTabSz="820738" rtl="0" eaLnBrk="1" fontAlgn="base" hangingPunct="1">
+              <a:lnSpc>
+                <a:spcPct val="90000"/>
+              </a:lnSpc>
+              <a:spcBef>
+                <a:spcPct val="30000"/>
+              </a:spcBef>
+              <a:spcAft>
+                <a:spcPct val="0"/>
+              </a:spcAft>
+              <a:buClr>
+                <a:schemeClr val="tx2"/>
+              </a:buClr>
+              <a:buFont typeface="Arial" charset="0"/>
+              <a:buChar char="–"/>
+              <a:defRPr sz="1600">
+                <a:solidFill>
+                  <a:schemeClr val="tx1">
+                    <a:lumMod val="75000"/>
+                    <a:lumOff val="25000"/>
+                  </a:schemeClr>
+                </a:solidFill>
+                <a:latin typeface="+mn-lt"/>
+              </a:defRPr>
+            </a:lvl5pPr>
+            <a:lvl6pPr marL="1414463" indent="-163513" algn="l" defTabSz="820738" rtl="0" eaLnBrk="1" fontAlgn="base" hangingPunct="1">
+              <a:lnSpc>
+                <a:spcPct val="90000"/>
+              </a:lnSpc>
+              <a:spcBef>
+                <a:spcPct val="30000"/>
+              </a:spcBef>
+              <a:spcAft>
+                <a:spcPct val="0"/>
+              </a:spcAft>
+              <a:buClr>
+                <a:schemeClr val="tx2"/>
+              </a:buClr>
+              <a:buFont typeface="Arial" charset="0"/>
+              <a:buChar char="–"/>
+              <a:defRPr sz="1600">
+                <a:solidFill>
+                  <a:schemeClr val="tx1"/>
+                </a:solidFill>
+                <a:latin typeface="+mn-lt"/>
+              </a:defRPr>
+            </a:lvl6pPr>
+            <a:lvl7pPr marL="1871663" indent="-163513" algn="l" defTabSz="820738" rtl="0" eaLnBrk="1" fontAlgn="base" hangingPunct="1">
+              <a:lnSpc>
+                <a:spcPct val="90000"/>
+              </a:lnSpc>
+              <a:spcBef>
+                <a:spcPct val="30000"/>
+              </a:spcBef>
+              <a:spcAft>
+                <a:spcPct val="0"/>
+              </a:spcAft>
+              <a:buClr>
+                <a:schemeClr val="tx2"/>
+              </a:buClr>
+              <a:buFont typeface="Arial" charset="0"/>
+              <a:buChar char="–"/>
+              <a:defRPr sz="1600">
+                <a:solidFill>
+                  <a:schemeClr val="tx1"/>
+                </a:solidFill>
+                <a:latin typeface="+mn-lt"/>
+              </a:defRPr>
+            </a:lvl7pPr>
+            <a:lvl8pPr marL="2328863" indent="-163513" algn="l" defTabSz="820738" rtl="0" eaLnBrk="1" fontAlgn="base" hangingPunct="1">
+              <a:lnSpc>
+                <a:spcPct val="90000"/>
+              </a:lnSpc>
+              <a:spcBef>
+                <a:spcPct val="30000"/>
+              </a:spcBef>
+              <a:spcAft>
+                <a:spcPct val="0"/>
+              </a:spcAft>
+              <a:buClr>
+                <a:schemeClr val="tx2"/>
+              </a:buClr>
+              <a:buFont typeface="Arial" charset="0"/>
+              <a:buChar char="–"/>
+              <a:defRPr sz="1600">
+                <a:solidFill>
+                  <a:schemeClr val="tx1"/>
+                </a:solidFill>
+                <a:latin typeface="+mn-lt"/>
+              </a:defRPr>
+            </a:lvl8pPr>
+            <a:lvl9pPr marL="2786063" indent="-163513" algn="l" defTabSz="820738" rtl="0" eaLnBrk="1" fontAlgn="base" hangingPunct="1">
+              <a:lnSpc>
+                <a:spcPct val="90000"/>
+              </a:lnSpc>
+              <a:spcBef>
+                <a:spcPct val="30000"/>
+              </a:spcBef>
+              <a:spcAft>
+                <a:spcPct val="0"/>
+              </a:spcAft>
+              <a:buClr>
+                <a:schemeClr val="tx2"/>
+              </a:buClr>
+              <a:buFont typeface="Arial" charset="0"/>
+              <a:buChar char="–"/>
+              <a:defRPr sz="1600">
+                <a:solidFill>
+                  <a:schemeClr val="tx1"/>
+                </a:solidFill>
+                <a:latin typeface="+mn-lt"/>
+              </a:defRPr>
+            </a:lvl9pPr>
+          </a:lstStyle>
+          <a:p>
+            <a:r>
+              <a:rPr lang="en-US" kern="0" dirty="0" smtClean="0"/>
+              <a:t>Defects in Quality/Completeness of Releases</a:t>
+            </a:r>
+            <a:endParaRPr lang="en-US" kern="0" dirty="0"/>
+          </a:p>
+        </p:txBody>
+      </p:sp>
+      <p:sp>
+        <p:nvSpPr>
+          <p:cNvPr id="6" name="Content Placeholder 3"/>
+          <p:cNvSpPr txBox="1">
+            <a:spLocks/>
+          </p:cNvSpPr>
+          <p:nvPr/>
+        </p:nvSpPr>
+        <p:spPr bwMode="auto">
+          <a:xfrm>
+            <a:off x="405383" y="4802532"/>
+            <a:ext cx="5601407" cy="1495794"/>
+          </a:xfrm>
+          <a:prstGeom prst="rect">
+            <a:avLst/>
+          </a:prstGeom>
+          <a:solidFill>
+            <a:schemeClr val="tx1">
+              <a:lumMod val="75000"/>
+              <a:lumOff val="25000"/>
+            </a:schemeClr>
+          </a:solidFill>
+          <a:ln w="9525">
+            <a:noFill/>
+            <a:miter lim="800000"/>
+            <a:headEnd/>
+            <a:tailEnd/>
+          </a:ln>
+          <a:effectLst/>
+        </p:spPr>
+        <p:txBody>
+          <a:bodyPr vert="horz" wrap="square" lIns="0" tIns="0" rIns="0" bIns="0" numCol="1" anchor="t" anchorCtr="0" compatLnSpc="1">
+            <a:prstTxWarp prst="textNoShape">
+              <a:avLst/>
+            </a:prstTxWarp>
+            <a:spAutoFit/>
+          </a:bodyPr>
+          <a:lstStyle>
+            <a:lvl1pPr marL="0" indent="0" algn="l" defTabSz="820738" rtl="0" eaLnBrk="1" fontAlgn="base" hangingPunct="1">
+              <a:lnSpc>
+                <a:spcPct val="90000"/>
+              </a:lnSpc>
+              <a:spcBef>
+                <a:spcPct val="30000"/>
+              </a:spcBef>
+              <a:spcAft>
+                <a:spcPct val="0"/>
+              </a:spcAft>
+              <a:buClr>
+                <a:schemeClr val="tx2"/>
+              </a:buClr>
+              <a:buFont typeface="Symbol" panose="05050102010706020507" pitchFamily="18" charset="2"/>
+              <a:buChar char=""/>
+              <a:defRPr sz="2000" b="1">
+                <a:solidFill>
+                  <a:schemeClr val="bg1"/>
+                </a:solidFill>
+                <a:latin typeface="+mn-lt"/>
+                <a:ea typeface="+mn-ea"/>
+                <a:cs typeface="+mn-cs"/>
+              </a:defRPr>
+            </a:lvl1pPr>
+            <a:lvl2pPr marL="288925" indent="-173038" algn="l" defTabSz="820738" rtl="0" eaLnBrk="1" fontAlgn="base" hangingPunct="1">
+              <a:lnSpc>
+                <a:spcPct val="90000"/>
+              </a:lnSpc>
+              <a:spcBef>
+                <a:spcPct val="30000"/>
+              </a:spcBef>
+              <a:spcAft>
+                <a:spcPct val="0"/>
+              </a:spcAft>
+              <a:buClr>
+                <a:schemeClr val="bg1"/>
+              </a:buClr>
+              <a:buFont typeface="Arial" panose="020B0604020202020204" pitchFamily="34" charset="0"/>
+              <a:buChar char="•"/>
+              <a:defRPr sz="2000">
+                <a:solidFill>
+                  <a:schemeClr val="bg1"/>
+                </a:solidFill>
+                <a:latin typeface="+mn-lt"/>
+              </a:defRPr>
+            </a:lvl2pPr>
+            <a:lvl3pPr marL="508000" indent="-184150" algn="l" defTabSz="820738" rtl="0" eaLnBrk="1" fontAlgn="base" hangingPunct="1">
+              <a:lnSpc>
+                <a:spcPct val="90000"/>
+              </a:lnSpc>
+              <a:spcBef>
+                <a:spcPct val="30000"/>
+              </a:spcBef>
+              <a:spcAft>
+                <a:spcPct val="0"/>
+              </a:spcAft>
+              <a:buClr>
+                <a:schemeClr val="bg1"/>
+              </a:buClr>
+              <a:buFont typeface="Arial" panose="020B0604020202020204" pitchFamily="34" charset="0"/>
+              <a:buChar char="•"/>
+              <a:defRPr>
+                <a:solidFill>
+                  <a:schemeClr val="bg1"/>
+                </a:solidFill>
+                <a:latin typeface="+mn-lt"/>
+              </a:defRPr>
+            </a:lvl3pPr>
+            <a:lvl4pPr marL="803275" indent="-225425" algn="l" defTabSz="820738" rtl="0" eaLnBrk="1" fontAlgn="base" hangingPunct="1">
+              <a:lnSpc>
+                <a:spcPct val="90000"/>
+              </a:lnSpc>
+              <a:spcBef>
+                <a:spcPct val="30000"/>
+              </a:spcBef>
+              <a:spcAft>
+                <a:spcPct val="0"/>
+              </a:spcAft>
+              <a:buClr>
+                <a:schemeClr val="bg1"/>
+              </a:buClr>
+              <a:buFont typeface="Arial" panose="020B0604020202020204" pitchFamily="34" charset="0"/>
+              <a:buChar char="•"/>
+              <a:defRPr sz="1600">
+                <a:solidFill>
+                  <a:schemeClr val="bg1"/>
+                </a:solidFill>
+                <a:latin typeface="+mn-lt"/>
+              </a:defRPr>
+            </a:lvl4pPr>
+            <a:lvl5pPr marL="957263" indent="-163513" algn="l" defTabSz="820738" rtl="0" eaLnBrk="1" fontAlgn="base" hangingPunct="1">
+              <a:lnSpc>
+                <a:spcPct val="90000"/>
+              </a:lnSpc>
+              <a:spcBef>
+                <a:spcPct val="30000"/>
+              </a:spcBef>
+              <a:spcAft>
+                <a:spcPct val="0"/>
+              </a:spcAft>
+              <a:buClr>
+                <a:schemeClr val="tx2"/>
+              </a:buClr>
+              <a:buFont typeface="Arial" charset="0"/>
+              <a:buChar char="–"/>
+              <a:defRPr sz="1600">
+                <a:solidFill>
+                  <a:schemeClr val="tx1">
+                    <a:lumMod val="75000"/>
+                    <a:lumOff val="25000"/>
+                  </a:schemeClr>
+                </a:solidFill>
+                <a:latin typeface="+mn-lt"/>
+              </a:defRPr>
+            </a:lvl5pPr>
+            <a:lvl6pPr marL="1414463" indent="-163513" algn="l" defTabSz="820738" rtl="0" eaLnBrk="1" fontAlgn="base" hangingPunct="1">
+              <a:lnSpc>
+                <a:spcPct val="90000"/>
+              </a:lnSpc>
+              <a:spcBef>
+                <a:spcPct val="30000"/>
+              </a:spcBef>
+              <a:spcAft>
+                <a:spcPct val="0"/>
+              </a:spcAft>
+              <a:buClr>
+                <a:schemeClr val="tx2"/>
+              </a:buClr>
+              <a:buFont typeface="Arial" charset="0"/>
+              <a:buChar char="–"/>
+              <a:defRPr sz="1600">
+                <a:solidFill>
+                  <a:schemeClr val="tx1"/>
+                </a:solidFill>
+                <a:latin typeface="+mn-lt"/>
+              </a:defRPr>
+            </a:lvl6pPr>
+            <a:lvl7pPr marL="1871663" indent="-163513" algn="l" defTabSz="820738" rtl="0" eaLnBrk="1" fontAlgn="base" hangingPunct="1">
+              <a:lnSpc>
+                <a:spcPct val="90000"/>
+              </a:lnSpc>
+              <a:spcBef>
+                <a:spcPct val="30000"/>
+              </a:spcBef>
+              <a:spcAft>
+                <a:spcPct val="0"/>
+              </a:spcAft>
+              <a:buClr>
+                <a:schemeClr val="tx2"/>
+              </a:buClr>
+              <a:buFont typeface="Arial" charset="0"/>
+              <a:buChar char="–"/>
+              <a:defRPr sz="1600">
+                <a:solidFill>
+                  <a:schemeClr val="tx1"/>
+                </a:solidFill>
+                <a:latin typeface="+mn-lt"/>
+              </a:defRPr>
+            </a:lvl7pPr>
+            <a:lvl8pPr marL="2328863" indent="-163513" algn="l" defTabSz="820738" rtl="0" eaLnBrk="1" fontAlgn="base" hangingPunct="1">
+              <a:lnSpc>
+                <a:spcPct val="90000"/>
+              </a:lnSpc>
+              <a:spcBef>
+                <a:spcPct val="30000"/>
+              </a:spcBef>
+              <a:spcAft>
+                <a:spcPct val="0"/>
+              </a:spcAft>
+              <a:buClr>
+                <a:schemeClr val="tx2"/>
+              </a:buClr>
+              <a:buFont typeface="Arial" charset="0"/>
+              <a:buChar char="–"/>
+              <a:defRPr sz="1600">
+                <a:solidFill>
+                  <a:schemeClr val="tx1"/>
+                </a:solidFill>
+                <a:latin typeface="+mn-lt"/>
+              </a:defRPr>
+            </a:lvl8pPr>
+            <a:lvl9pPr marL="2786063" indent="-163513" algn="l" defTabSz="820738" rtl="0" eaLnBrk="1" fontAlgn="base" hangingPunct="1">
+              <a:lnSpc>
+                <a:spcPct val="90000"/>
+              </a:lnSpc>
+              <a:spcBef>
+                <a:spcPct val="30000"/>
+              </a:spcBef>
+              <a:spcAft>
+                <a:spcPct val="0"/>
+              </a:spcAft>
+              <a:buClr>
+                <a:schemeClr val="tx2"/>
+              </a:buClr>
+              <a:buFont typeface="Arial" charset="0"/>
+              <a:buChar char="–"/>
+              <a:defRPr sz="1600">
+                <a:solidFill>
+                  <a:schemeClr val="tx1"/>
+                </a:solidFill>
+                <a:latin typeface="+mn-lt"/>
+              </a:defRPr>
+            </a:lvl9pPr>
+          </a:lstStyle>
+          <a:p>
+            <a:pPr marL="285750" indent="-285750"/>
+            <a:r>
+              <a:rPr lang="en-US" sz="1200" kern="0" dirty="0" smtClean="0"/>
+              <a:t>Failure to Gain Consensus</a:t>
+            </a:r>
+          </a:p>
+          <a:p>
+            <a:pPr marL="574675" lvl="1" indent="-285750"/>
+            <a:r>
+              <a:rPr lang="en-US" sz="1200" kern="0" dirty="0"/>
+              <a:t>Non Optimized </a:t>
+            </a:r>
+            <a:r>
+              <a:rPr lang="en-US" sz="1200" kern="0" dirty="0" smtClean="0"/>
+              <a:t>Tool-Chain</a:t>
+            </a:r>
+          </a:p>
+          <a:p>
+            <a:pPr marL="574675" lvl="1" indent="-285750"/>
+            <a:r>
+              <a:rPr lang="en-US" sz="1200" kern="0" dirty="0" smtClean="0"/>
+              <a:t>Lack of Workflow Constraints</a:t>
+            </a:r>
+          </a:p>
+          <a:p>
+            <a:pPr marL="285750" indent="-285750"/>
+            <a:r>
+              <a:rPr lang="en-US" sz="1200" kern="0" dirty="0" smtClean="0"/>
+              <a:t>Resource Commitment/Management</a:t>
+            </a:r>
+          </a:p>
+          <a:p>
+            <a:pPr marL="574675" lvl="1" indent="-285750"/>
+            <a:r>
+              <a:rPr lang="en-US" sz="1200" kern="0" dirty="0" smtClean="0"/>
+              <a:t>Volunteer Staff</a:t>
+            </a:r>
+          </a:p>
+          <a:p>
+            <a:pPr marL="574675" lvl="1" indent="-285750"/>
+            <a:r>
+              <a:rPr lang="en-US" sz="1200" kern="0" dirty="0" smtClean="0"/>
+              <a:t>Lack of Resources</a:t>
+            </a:r>
+          </a:p>
+          <a:p>
+            <a:pPr marL="574675" lvl="1" indent="-285750"/>
+            <a:r>
+              <a:rPr lang="en-US" sz="1200" kern="0" dirty="0" smtClean="0"/>
+              <a:t>Virtually Distributed Team</a:t>
+            </a:r>
+            <a:endParaRPr lang="en-US" sz="1200" kern="0" dirty="0"/>
+          </a:p>
+        </p:txBody>
+      </p:sp>
+      <p:pic>
+        <p:nvPicPr>
+          <p:cNvPr id="8" name="Picture 7"/>
+          <p:cNvPicPr/>
+          <p:nvPr/>
+        </p:nvPicPr>
+        <p:blipFill>
+          <a:blip r:embed="rId3" cstate="print">
+            <a:extLst>
+              <a:ext uri="{28A0092B-C50C-407E-A947-70E740481C1C}">
+                <a14:useLocalDpi xmlns:a14="http://schemas.microsoft.com/office/drawing/2010/main" val="0"/>
+              </a:ext>
+            </a:extLst>
+          </a:blip>
+          <a:srcRect/>
+          <a:stretch>
+            <a:fillRect/>
+          </a:stretch>
+        </p:blipFill>
+        <p:spPr bwMode="auto">
+          <a:xfrm>
+            <a:off x="442231" y="1579277"/>
+            <a:ext cx="5195878" cy="3139176"/>
+          </a:xfrm>
+          <a:prstGeom prst="rect">
+            <a:avLst/>
+          </a:prstGeom>
+          <a:ln w="9525" cap="sq">
+            <a:solidFill>
+              <a:srgbClr val="000000"/>
+            </a:solidFill>
+            <a:prstDash val="solid"/>
+            <a:miter lim="800000"/>
+          </a:ln>
+          <a:effectLst>
+            <a:outerShdw blurRad="50800" dist="38100" dir="2700000" algn="tl" rotWithShape="0">
+              <a:srgbClr val="000000">
+                <a:alpha val="43000"/>
+              </a:srgbClr>
+            </a:outerShdw>
+          </a:effectLst>
+        </p:spPr>
+      </p:pic>
+      <p:pic>
+        <p:nvPicPr>
+          <p:cNvPr id="9" name="Picture 8"/>
+          <p:cNvPicPr/>
+          <p:nvPr/>
+        </p:nvPicPr>
+        <p:blipFill>
+          <a:blip r:embed="rId4" cstate="print">
+            <a:extLst>
+              <a:ext uri="{28A0092B-C50C-407E-A947-70E740481C1C}">
+                <a14:useLocalDpi xmlns:a14="http://schemas.microsoft.com/office/drawing/2010/main" val="0"/>
+              </a:ext>
+            </a:extLst>
+          </a:blip>
+          <a:srcRect/>
+          <a:stretch>
+            <a:fillRect/>
+          </a:stretch>
+        </p:blipFill>
+        <p:spPr bwMode="auto">
+          <a:xfrm>
+            <a:off x="6239441" y="1586075"/>
+            <a:ext cx="4997906" cy="3124943"/>
+          </a:xfrm>
+          <a:prstGeom prst="rect">
+            <a:avLst/>
+          </a:prstGeom>
+          <a:ln w="9525" cap="sq">
+            <a:solidFill>
+              <a:srgbClr val="000000"/>
+            </a:solidFill>
+            <a:prstDash val="solid"/>
+            <a:miter lim="800000"/>
+          </a:ln>
+          <a:effectLst>
+            <a:outerShdw blurRad="50800" dist="38100" dir="2700000" algn="tl" rotWithShape="0">
+              <a:srgbClr val="000000">
+                <a:alpha val="43000"/>
+              </a:srgbClr>
+            </a:outerShdw>
+          </a:effectLst>
+        </p:spPr>
+      </p:pic>
+      <p:pic>
+        <p:nvPicPr>
+          <p:cNvPr id="10" name="Picture 9"/>
+          <p:cNvPicPr/>
+          <p:nvPr/>
+        </p:nvPicPr>
+        <p:blipFill>
+          <a:blip r:embed="rId5" cstate="print">
+            <a:extLst>
+              <a:ext uri="{28A0092B-C50C-407E-A947-70E740481C1C}">
+                <a14:useLocalDpi xmlns:a14="http://schemas.microsoft.com/office/drawing/2010/main" val="0"/>
+              </a:ext>
+            </a:extLst>
+          </a:blip>
+          <a:srcRect/>
+          <a:stretch>
+            <a:fillRect/>
+          </a:stretch>
+        </p:blipFill>
+        <p:spPr bwMode="auto">
+          <a:xfrm>
+            <a:off x="9526587" y="2641600"/>
+            <a:ext cx="2531110" cy="1871980"/>
+          </a:xfrm>
+          <a:prstGeom prst="rect">
+            <a:avLst/>
+          </a:prstGeom>
+          <a:ln w="9525" cap="sq">
+            <a:solidFill>
+              <a:srgbClr val="000000"/>
+            </a:solidFill>
+            <a:prstDash val="solid"/>
+            <a:miter lim="800000"/>
+          </a:ln>
+          <a:effectLst>
+            <a:outerShdw blurRad="50800" dist="38100" dir="2700000" algn="tl" rotWithShape="0">
+              <a:srgbClr val="000000">
+                <a:alpha val="43000"/>
+              </a:srgbClr>
+            </a:outerShdw>
+          </a:effectLst>
+        </p:spPr>
+      </p:pic>
     </p:spTree>
     <p:extLst>
       <p:ext uri="{BB962C8B-B14F-4D97-AF65-F5344CB8AC3E}">
-        <p14:creationId xmlns:p14="http://schemas.microsoft.com/office/powerpoint/2010/main" val="4034539652"/>
+        <p14:creationId xmlns:p14="http://schemas.microsoft.com/office/powerpoint/2010/main" val="2417374964"/>
       </p:ext>
     </p:extLst>
   </p:cSld>
@@ -8356,7 +10627,11 @@
           <a:bodyPr/>
           <a:lstStyle/>
           <a:p>
-            <a:endParaRPr lang="en-GB"/>
+            <a:r>
+              <a:rPr lang="en-GB" dirty="0" smtClean="0"/>
+              <a:t>Proposed Solution</a:t>
+            </a:r>
+            <a:endParaRPr lang="en-GB" dirty="0"/>
           </a:p>
         </p:txBody>
       </p:sp>
@@ -8370,12 +10645,43 @@
             <p:ph type="body" sz="quarter" idx="12"/>
           </p:nvPr>
         </p:nvSpPr>
-        <p:spPr/>
+        <p:spPr>
+          <a:xfrm>
+            <a:off x="448055" y="777240"/>
+            <a:ext cx="11311128" cy="323165"/>
+          </a:xfrm>
+        </p:spPr>
         <p:txBody>
           <a:bodyPr/>
           <a:lstStyle/>
           <a:p>
-            <a:endParaRPr lang="en-GB"/>
+            <a:r>
+              <a:rPr lang="en-US" dirty="0">
+                <a:solidFill>
+                  <a:schemeClr val="bg1">
+                    <a:lumMod val="50000"/>
+                  </a:schemeClr>
+                </a:solidFill>
+              </a:rPr>
+              <a:t>Agile for Model-Based-Standards </a:t>
+            </a:r>
+            <a:r>
+              <a:rPr lang="en-US" dirty="0" smtClean="0">
+                <a:solidFill>
+                  <a:schemeClr val="bg1">
+                    <a:lumMod val="50000"/>
+                  </a:schemeClr>
+                </a:solidFill>
+              </a:rPr>
+              <a:t>Development</a:t>
+            </a:r>
+            <a:endParaRPr lang="en-US" dirty="0">
+              <a:solidFill>
+                <a:schemeClr val="bg1">
+                  <a:lumMod val="50000"/>
+                </a:schemeClr>
+              </a:solidFill>
+            </a:endParaRPr>
           </a:p>
         </p:txBody>
       </p:sp>
@@ -8389,7 +10695,12 @@
             <p:ph sz="quarter" idx="16"/>
           </p:nvPr>
         </p:nvSpPr>
-        <p:spPr/>
+        <p:spPr>
+          <a:xfrm>
+            <a:off x="405383" y="1283208"/>
+            <a:ext cx="11311128" cy="4839800"/>
+          </a:xfrm>
+        </p:spPr>
         <p:txBody>
           <a:bodyPr/>
           <a:lstStyle/>
@@ -8398,10 +10709,176 @@
           </a:p>
         </p:txBody>
       </p:sp>
+      <p:pic>
+        <p:nvPicPr>
+          <p:cNvPr id="5" name="Picture 4"/>
+          <p:cNvPicPr/>
+          <p:nvPr/>
+        </p:nvPicPr>
+        <p:blipFill>
+          <a:blip r:embed="rId3" cstate="print">
+            <a:extLst>
+              <a:ext uri="{28A0092B-C50C-407E-A947-70E740481C1C}">
+                <a14:useLocalDpi xmlns:a14="http://schemas.microsoft.com/office/drawing/2010/main" val="0"/>
+              </a:ext>
+            </a:extLst>
+          </a:blip>
+          <a:srcRect/>
+          <a:stretch>
+            <a:fillRect/>
+          </a:stretch>
+        </p:blipFill>
+        <p:spPr bwMode="auto">
+          <a:xfrm>
+            <a:off x="9262911" y="3487362"/>
+            <a:ext cx="2768118" cy="1176132"/>
+          </a:xfrm>
+          <a:prstGeom prst="rect">
+            <a:avLst/>
+          </a:prstGeom>
+          <a:solidFill>
+            <a:schemeClr val="bg1"/>
+          </a:solidFill>
+        </p:spPr>
+      </p:pic>
+      <p:pic>
+        <p:nvPicPr>
+          <p:cNvPr id="6" name="Picture 5"/>
+          <p:cNvPicPr/>
+          <p:nvPr/>
+        </p:nvPicPr>
+        <p:blipFill>
+          <a:blip r:embed="rId4">
+            <a:extLst>
+              <a:ext uri="{28A0092B-C50C-407E-A947-70E740481C1C}">
+                <a14:useLocalDpi xmlns:a14="http://schemas.microsoft.com/office/drawing/2010/main" val="0"/>
+              </a:ext>
+            </a:extLst>
+          </a:blip>
+          <a:stretch>
+            <a:fillRect/>
+          </a:stretch>
+        </p:blipFill>
+        <p:spPr>
+          <a:xfrm>
+            <a:off x="9252521" y="2737144"/>
+            <a:ext cx="2765782" cy="664596"/>
+          </a:xfrm>
+          <a:prstGeom prst="rect">
+            <a:avLst/>
+          </a:prstGeom>
+        </p:spPr>
+      </p:pic>
+      <p:sp>
+        <p:nvSpPr>
+          <p:cNvPr id="7" name="Rectangle 2"/>
+          <p:cNvSpPr>
+            <a:spLocks noChangeArrowheads="1"/>
+          </p:cNvSpPr>
+          <p:nvPr/>
+        </p:nvSpPr>
+        <p:spPr bwMode="auto">
+          <a:xfrm>
+            <a:off x="13487400" y="2087880"/>
+            <a:ext cx="12188825" cy="0"/>
+          </a:xfrm>
+          <a:prstGeom prst="rect">
+            <a:avLst/>
+          </a:prstGeom>
+          <a:solidFill>
+            <a:schemeClr val="bg1"/>
+          </a:solidFill>
+          <a:ln>
+            <a:noFill/>
+          </a:ln>
+          <a:effectLst/>
+        </p:spPr>
+        <p:txBody>
+          <a:bodyPr vert="horz" wrap="none" lIns="91440" tIns="45720" rIns="91440" bIns="45720" numCol="1" anchor="ctr" anchorCtr="0" compatLnSpc="1">
+            <a:prstTxWarp prst="textNoShape">
+              <a:avLst/>
+            </a:prstTxWarp>
+            <a:spAutoFit/>
+          </a:bodyPr>
+          <a:lstStyle/>
+          <a:p>
+            <a:endParaRPr lang="en-US"/>
+          </a:p>
+        </p:txBody>
+      </p:sp>
+      <p:graphicFrame>
+        <p:nvGraphicFramePr>
+          <p:cNvPr id="8" name="Object 7"/>
+          <p:cNvGraphicFramePr>
+            <a:graphicFrameLocks noChangeAspect="1"/>
+          </p:cNvGraphicFramePr>
+          <p:nvPr>
+            <p:extLst>
+              <p:ext uri="{D42A27DB-BD31-4B8C-83A1-F6EECF244321}">
+                <p14:modId xmlns:p14="http://schemas.microsoft.com/office/powerpoint/2010/main" val="3616864786"/>
+              </p:ext>
+            </p:extLst>
+          </p:nvPr>
+        </p:nvGraphicFramePr>
+        <p:xfrm>
+          <a:off x="9269007" y="4723049"/>
+          <a:ext cx="2743200" cy="1905000"/>
+        </p:xfrm>
+        <a:graphic>
+          <a:graphicData uri="http://schemas.openxmlformats.org/presentationml/2006/ole">
+            <mc:AlternateContent xmlns:mc="http://schemas.openxmlformats.org/markup-compatibility/2006">
+              <mc:Choice xmlns:v="urn:schemas-microsoft-com:vml" Requires="v">
+                <p:oleObj spid="_x0000_s1027" name="Visio" r:id="rId5" imgW="5467350" imgH="3819396" progId="Visio.Drawing.15">
+                  <p:embed/>
+                </p:oleObj>
+              </mc:Choice>
+              <mc:Fallback>
+                <p:oleObj name="Visio" r:id="rId5" imgW="5467350" imgH="3819396" progId="Visio.Drawing.15">
+                  <p:embed/>
+                  <p:pic>
+                    <p:nvPicPr>
+                      <p:cNvPr id="0" name="Object 1"/>
+                      <p:cNvPicPr>
+                        <a:picLocks noChangeAspect="1" noChangeArrowheads="1"/>
+                      </p:cNvPicPr>
+                      <p:nvPr/>
+                    </p:nvPicPr>
+                    <p:blipFill>
+                      <a:blip r:embed="rId6">
+                        <a:extLst>
+                          <a:ext uri="{28A0092B-C50C-407E-A947-70E740481C1C}">
+                            <a14:useLocalDpi xmlns:a14="http://schemas.microsoft.com/office/drawing/2010/main" val="0"/>
+                          </a:ext>
+                        </a:extLst>
+                      </a:blip>
+                      <a:srcRect/>
+                      <a:stretch>
+                        <a:fillRect/>
+                      </a:stretch>
+                    </p:blipFill>
+                    <p:spPr bwMode="auto">
+                      <a:xfrm>
+                        <a:off x="9269007" y="4723049"/>
+                        <a:ext cx="2743200" cy="1905000"/>
+                      </a:xfrm>
+                      <a:prstGeom prst="rect">
+                        <a:avLst/>
+                      </a:prstGeom>
+                      <a:solidFill>
+                        <a:schemeClr val="bg1"/>
+                      </a:solidFill>
+                    </p:spPr>
+                  </p:pic>
+                </p:oleObj>
+              </mc:Fallback>
+            </mc:AlternateContent>
+          </a:graphicData>
+        </a:graphic>
+      </p:graphicFrame>
     </p:spTree>
     <p:extLst>
       <p:ext uri="{BB962C8B-B14F-4D97-AF65-F5344CB8AC3E}">
-        <p14:creationId xmlns:p14="http://schemas.microsoft.com/office/powerpoint/2010/main" val="1776094296"/>
+        <p14:creationId xmlns:p14="http://schemas.microsoft.com/office/powerpoint/2010/main" val="4034539652"/>
       </p:ext>
     </p:extLst>
   </p:cSld>
@@ -8455,7 +10932,11 @@
           <a:bodyPr/>
           <a:lstStyle/>
           <a:p>
-            <a:endParaRPr lang="en-GB"/>
+            <a:r>
+              <a:rPr lang="en-GB" dirty="0" smtClean="0"/>
+              <a:t>Benefits &amp; Impacts</a:t>
+            </a:r>
+            <a:endParaRPr lang="en-GB" dirty="0"/>
           </a:p>
         </p:txBody>
       </p:sp>
@@ -8469,18 +10950,303 @@
             <p:ph type="body" sz="quarter" idx="12"/>
           </p:nvPr>
         </p:nvSpPr>
-        <p:spPr/>
+        <p:spPr>
+          <a:xfrm>
+            <a:off x="448055" y="777240"/>
+            <a:ext cx="11311128" cy="323165"/>
+          </a:xfrm>
+        </p:spPr>
         <p:txBody>
           <a:bodyPr/>
           <a:lstStyle/>
           <a:p>
-            <a:endParaRPr lang="en-GB"/>
+            <a:r>
+              <a:rPr lang="en-US" dirty="0">
+                <a:solidFill>
+                  <a:schemeClr val="bg1">
+                    <a:lumMod val="50000"/>
+                  </a:schemeClr>
+                </a:solidFill>
+              </a:rPr>
+              <a:t>Agile for Model-Based-Standards </a:t>
+            </a:r>
+            <a:r>
+              <a:rPr lang="en-US" dirty="0" smtClean="0">
+                <a:solidFill>
+                  <a:schemeClr val="bg1">
+                    <a:lumMod val="50000"/>
+                  </a:schemeClr>
+                </a:solidFill>
+              </a:rPr>
+              <a:t>Development</a:t>
+            </a:r>
+            <a:endParaRPr lang="en-US" dirty="0">
+              <a:solidFill>
+                <a:schemeClr val="bg1">
+                  <a:lumMod val="50000"/>
+                </a:schemeClr>
+              </a:solidFill>
+            </a:endParaRPr>
           </a:p>
         </p:txBody>
       </p:sp>
       <p:sp>
         <p:nvSpPr>
-          <p:cNvPr id="4" name="Content Placeholder 3"/>
+          <p:cNvPr id="5" name="Content Placeholder 3"/>
+          <p:cNvSpPr txBox="1">
+            <a:spLocks/>
+          </p:cNvSpPr>
+          <p:nvPr/>
+        </p:nvSpPr>
+        <p:spPr bwMode="auto">
+          <a:xfrm>
+            <a:off x="6285042" y="1705002"/>
+            <a:ext cx="5601407" cy="960263"/>
+          </a:xfrm>
+          <a:prstGeom prst="rect">
+            <a:avLst/>
+          </a:prstGeom>
+          <a:noFill/>
+          <a:ln w="9525">
+            <a:noFill/>
+            <a:miter lim="800000"/>
+            <a:headEnd/>
+            <a:tailEnd/>
+          </a:ln>
+          <a:effectLst/>
+        </p:spPr>
+        <p:txBody>
+          <a:bodyPr vert="horz" wrap="square" lIns="0" tIns="0" rIns="0" bIns="0" numCol="1" anchor="t" anchorCtr="0" compatLnSpc="1">
+            <a:prstTxWarp prst="textNoShape">
+              <a:avLst/>
+            </a:prstTxWarp>
+            <a:spAutoFit/>
+          </a:bodyPr>
+          <a:lstStyle>
+            <a:lvl1pPr marL="0" indent="0" algn="l" defTabSz="820738" rtl="0" eaLnBrk="1" fontAlgn="base" hangingPunct="1">
+              <a:lnSpc>
+                <a:spcPct val="90000"/>
+              </a:lnSpc>
+              <a:spcBef>
+                <a:spcPct val="30000"/>
+              </a:spcBef>
+              <a:spcAft>
+                <a:spcPct val="0"/>
+              </a:spcAft>
+              <a:buClr>
+                <a:schemeClr val="tx2"/>
+              </a:buClr>
+              <a:buFont typeface="Symbol" panose="05050102010706020507" pitchFamily="18" charset="2"/>
+              <a:buChar char=""/>
+              <a:defRPr sz="2000" b="1">
+                <a:solidFill>
+                  <a:schemeClr val="bg1"/>
+                </a:solidFill>
+                <a:latin typeface="+mn-lt"/>
+                <a:ea typeface="+mn-ea"/>
+                <a:cs typeface="+mn-cs"/>
+              </a:defRPr>
+            </a:lvl1pPr>
+            <a:lvl2pPr marL="288925" indent="-173038" algn="l" defTabSz="820738" rtl="0" eaLnBrk="1" fontAlgn="base" hangingPunct="1">
+              <a:lnSpc>
+                <a:spcPct val="90000"/>
+              </a:lnSpc>
+              <a:spcBef>
+                <a:spcPct val="30000"/>
+              </a:spcBef>
+              <a:spcAft>
+                <a:spcPct val="0"/>
+              </a:spcAft>
+              <a:buClr>
+                <a:schemeClr val="bg1"/>
+              </a:buClr>
+              <a:buFont typeface="Arial" panose="020B0604020202020204" pitchFamily="34" charset="0"/>
+              <a:buChar char="•"/>
+              <a:defRPr sz="2000">
+                <a:solidFill>
+                  <a:schemeClr val="bg1"/>
+                </a:solidFill>
+                <a:latin typeface="+mn-lt"/>
+              </a:defRPr>
+            </a:lvl2pPr>
+            <a:lvl3pPr marL="508000" indent="-184150" algn="l" defTabSz="820738" rtl="0" eaLnBrk="1" fontAlgn="base" hangingPunct="1">
+              <a:lnSpc>
+                <a:spcPct val="90000"/>
+              </a:lnSpc>
+              <a:spcBef>
+                <a:spcPct val="30000"/>
+              </a:spcBef>
+              <a:spcAft>
+                <a:spcPct val="0"/>
+              </a:spcAft>
+              <a:buClr>
+                <a:schemeClr val="bg1"/>
+              </a:buClr>
+              <a:buFont typeface="Arial" panose="020B0604020202020204" pitchFamily="34" charset="0"/>
+              <a:buChar char="•"/>
+              <a:defRPr>
+                <a:solidFill>
+                  <a:schemeClr val="bg1"/>
+                </a:solidFill>
+                <a:latin typeface="+mn-lt"/>
+              </a:defRPr>
+            </a:lvl3pPr>
+            <a:lvl4pPr marL="803275" indent="-225425" algn="l" defTabSz="820738" rtl="0" eaLnBrk="1" fontAlgn="base" hangingPunct="1">
+              <a:lnSpc>
+                <a:spcPct val="90000"/>
+              </a:lnSpc>
+              <a:spcBef>
+                <a:spcPct val="30000"/>
+              </a:spcBef>
+              <a:spcAft>
+                <a:spcPct val="0"/>
+              </a:spcAft>
+              <a:buClr>
+                <a:schemeClr val="bg1"/>
+              </a:buClr>
+              <a:buFont typeface="Arial" panose="020B0604020202020204" pitchFamily="34" charset="0"/>
+              <a:buChar char="•"/>
+              <a:defRPr sz="1600">
+                <a:solidFill>
+                  <a:schemeClr val="bg1"/>
+                </a:solidFill>
+                <a:latin typeface="+mn-lt"/>
+              </a:defRPr>
+            </a:lvl4pPr>
+            <a:lvl5pPr marL="957263" indent="-163513" algn="l" defTabSz="820738" rtl="0" eaLnBrk="1" fontAlgn="base" hangingPunct="1">
+              <a:lnSpc>
+                <a:spcPct val="90000"/>
+              </a:lnSpc>
+              <a:spcBef>
+                <a:spcPct val="30000"/>
+              </a:spcBef>
+              <a:spcAft>
+                <a:spcPct val="0"/>
+              </a:spcAft>
+              <a:buClr>
+                <a:schemeClr val="tx2"/>
+              </a:buClr>
+              <a:buFont typeface="Arial" charset="0"/>
+              <a:buChar char="–"/>
+              <a:defRPr sz="1600">
+                <a:solidFill>
+                  <a:schemeClr val="tx1">
+                    <a:lumMod val="75000"/>
+                    <a:lumOff val="25000"/>
+                  </a:schemeClr>
+                </a:solidFill>
+                <a:latin typeface="+mn-lt"/>
+              </a:defRPr>
+            </a:lvl5pPr>
+            <a:lvl6pPr marL="1414463" indent="-163513" algn="l" defTabSz="820738" rtl="0" eaLnBrk="1" fontAlgn="base" hangingPunct="1">
+              <a:lnSpc>
+                <a:spcPct val="90000"/>
+              </a:lnSpc>
+              <a:spcBef>
+                <a:spcPct val="30000"/>
+              </a:spcBef>
+              <a:spcAft>
+                <a:spcPct val="0"/>
+              </a:spcAft>
+              <a:buClr>
+                <a:schemeClr val="tx2"/>
+              </a:buClr>
+              <a:buFont typeface="Arial" charset="0"/>
+              <a:buChar char="–"/>
+              <a:defRPr sz="1600">
+                <a:solidFill>
+                  <a:schemeClr val="tx1"/>
+                </a:solidFill>
+                <a:latin typeface="+mn-lt"/>
+              </a:defRPr>
+            </a:lvl6pPr>
+            <a:lvl7pPr marL="1871663" indent="-163513" algn="l" defTabSz="820738" rtl="0" eaLnBrk="1" fontAlgn="base" hangingPunct="1">
+              <a:lnSpc>
+                <a:spcPct val="90000"/>
+              </a:lnSpc>
+              <a:spcBef>
+                <a:spcPct val="30000"/>
+              </a:spcBef>
+              <a:spcAft>
+                <a:spcPct val="0"/>
+              </a:spcAft>
+              <a:buClr>
+                <a:schemeClr val="tx2"/>
+              </a:buClr>
+              <a:buFont typeface="Arial" charset="0"/>
+              <a:buChar char="–"/>
+              <a:defRPr sz="1600">
+                <a:solidFill>
+                  <a:schemeClr val="tx1"/>
+                </a:solidFill>
+                <a:latin typeface="+mn-lt"/>
+              </a:defRPr>
+            </a:lvl7pPr>
+            <a:lvl8pPr marL="2328863" indent="-163513" algn="l" defTabSz="820738" rtl="0" eaLnBrk="1" fontAlgn="base" hangingPunct="1">
+              <a:lnSpc>
+                <a:spcPct val="90000"/>
+              </a:lnSpc>
+              <a:spcBef>
+                <a:spcPct val="30000"/>
+              </a:spcBef>
+              <a:spcAft>
+                <a:spcPct val="0"/>
+              </a:spcAft>
+              <a:buClr>
+                <a:schemeClr val="tx2"/>
+              </a:buClr>
+              <a:buFont typeface="Arial" charset="0"/>
+              <a:buChar char="–"/>
+              <a:defRPr sz="1600">
+                <a:solidFill>
+                  <a:schemeClr val="tx1"/>
+                </a:solidFill>
+                <a:latin typeface="+mn-lt"/>
+              </a:defRPr>
+            </a:lvl8pPr>
+            <a:lvl9pPr marL="2786063" indent="-163513" algn="l" defTabSz="820738" rtl="0" eaLnBrk="1" fontAlgn="base" hangingPunct="1">
+              <a:lnSpc>
+                <a:spcPct val="90000"/>
+              </a:lnSpc>
+              <a:spcBef>
+                <a:spcPct val="30000"/>
+              </a:spcBef>
+              <a:spcAft>
+                <a:spcPct val="0"/>
+              </a:spcAft>
+              <a:buClr>
+                <a:schemeClr val="tx2"/>
+              </a:buClr>
+              <a:buFont typeface="Arial" charset="0"/>
+              <a:buChar char="–"/>
+              <a:defRPr sz="1600">
+                <a:solidFill>
+                  <a:schemeClr val="tx1"/>
+                </a:solidFill>
+                <a:latin typeface="+mn-lt"/>
+              </a:defRPr>
+            </a:lvl9pPr>
+          </a:lstStyle>
+          <a:p>
+            <a:pPr marL="171450" indent="-171450"/>
+            <a:r>
+              <a:rPr lang="en-US" sz="1600" kern="0" dirty="0" smtClean="0"/>
+              <a:t>Increase speed of standards supporting info requirements gap closure</a:t>
+            </a:r>
+          </a:p>
+          <a:p>
+            <a:pPr marL="171450" indent="-171450"/>
+            <a:r>
+              <a:rPr lang="en-US" sz="1600" kern="0" dirty="0" smtClean="0"/>
+              <a:t>Reduction in interoperability costs (supplier assertion reduction, manual reentry, conversion)</a:t>
+            </a:r>
+            <a:endParaRPr lang="en-US" sz="1600" kern="0" dirty="0"/>
+          </a:p>
+        </p:txBody>
+      </p:sp>
+      <p:sp>
+        <p:nvSpPr>
+          <p:cNvPr id="6" name="Content Placeholder 3"/>
           <p:cNvSpPr>
             <a:spLocks noGrp="1"/>
           </p:cNvSpPr>
@@ -8488,19 +11254,552 @@
             <p:ph sz="quarter" idx="16"/>
           </p:nvPr>
         </p:nvSpPr>
-        <p:spPr/>
+        <p:spPr>
+          <a:xfrm>
+            <a:off x="405383" y="1283208"/>
+            <a:ext cx="5601407" cy="276999"/>
+          </a:xfrm>
+        </p:spPr>
         <p:txBody>
           <a:bodyPr/>
           <a:lstStyle/>
           <a:p>
-            <a:endParaRPr lang="en-GB"/>
+            <a:r>
+              <a:rPr lang="en-US" dirty="0" smtClean="0"/>
+              <a:t>Benefits to MBS Developer</a:t>
+            </a:r>
+            <a:endParaRPr lang="en-US" dirty="0"/>
+          </a:p>
+        </p:txBody>
+      </p:sp>
+      <p:sp>
+        <p:nvSpPr>
+          <p:cNvPr id="7" name="Content Placeholder 3"/>
+          <p:cNvSpPr txBox="1">
+            <a:spLocks/>
+          </p:cNvSpPr>
+          <p:nvPr/>
+        </p:nvSpPr>
+        <p:spPr bwMode="auto">
+          <a:xfrm>
+            <a:off x="6204017" y="1283208"/>
+            <a:ext cx="5601407" cy="276999"/>
+          </a:xfrm>
+          <a:prstGeom prst="rect">
+            <a:avLst/>
+          </a:prstGeom>
+          <a:solidFill>
+            <a:schemeClr val="tx1">
+              <a:lumMod val="75000"/>
+              <a:lumOff val="25000"/>
+            </a:schemeClr>
+          </a:solidFill>
+          <a:ln w="9525">
+            <a:noFill/>
+            <a:miter lim="800000"/>
+            <a:headEnd/>
+            <a:tailEnd/>
+          </a:ln>
+          <a:effectLst/>
+        </p:spPr>
+        <p:txBody>
+          <a:bodyPr vert="horz" wrap="square" lIns="0" tIns="0" rIns="0" bIns="0" numCol="1" anchor="t" anchorCtr="0" compatLnSpc="1">
+            <a:prstTxWarp prst="textNoShape">
+              <a:avLst/>
+            </a:prstTxWarp>
+            <a:spAutoFit/>
+          </a:bodyPr>
+          <a:lstStyle>
+            <a:lvl1pPr marL="0" indent="0" algn="l" defTabSz="820738" rtl="0" eaLnBrk="1" fontAlgn="base" hangingPunct="1">
+              <a:lnSpc>
+                <a:spcPct val="90000"/>
+              </a:lnSpc>
+              <a:spcBef>
+                <a:spcPct val="30000"/>
+              </a:spcBef>
+              <a:spcAft>
+                <a:spcPct val="0"/>
+              </a:spcAft>
+              <a:buClr>
+                <a:schemeClr val="tx2"/>
+              </a:buClr>
+              <a:buFont typeface="Symbol" panose="05050102010706020507" pitchFamily="18" charset="2"/>
+              <a:buChar char=""/>
+              <a:defRPr sz="2000" b="1">
+                <a:solidFill>
+                  <a:schemeClr val="bg1"/>
+                </a:solidFill>
+                <a:latin typeface="+mn-lt"/>
+                <a:ea typeface="+mn-ea"/>
+                <a:cs typeface="+mn-cs"/>
+              </a:defRPr>
+            </a:lvl1pPr>
+            <a:lvl2pPr marL="288925" indent="-173038" algn="l" defTabSz="820738" rtl="0" eaLnBrk="1" fontAlgn="base" hangingPunct="1">
+              <a:lnSpc>
+                <a:spcPct val="90000"/>
+              </a:lnSpc>
+              <a:spcBef>
+                <a:spcPct val="30000"/>
+              </a:spcBef>
+              <a:spcAft>
+                <a:spcPct val="0"/>
+              </a:spcAft>
+              <a:buClr>
+                <a:schemeClr val="bg1"/>
+              </a:buClr>
+              <a:buFont typeface="Arial" panose="020B0604020202020204" pitchFamily="34" charset="0"/>
+              <a:buChar char="•"/>
+              <a:defRPr sz="2000">
+                <a:solidFill>
+                  <a:schemeClr val="bg1"/>
+                </a:solidFill>
+                <a:latin typeface="+mn-lt"/>
+              </a:defRPr>
+            </a:lvl2pPr>
+            <a:lvl3pPr marL="508000" indent="-184150" algn="l" defTabSz="820738" rtl="0" eaLnBrk="1" fontAlgn="base" hangingPunct="1">
+              <a:lnSpc>
+                <a:spcPct val="90000"/>
+              </a:lnSpc>
+              <a:spcBef>
+                <a:spcPct val="30000"/>
+              </a:spcBef>
+              <a:spcAft>
+                <a:spcPct val="0"/>
+              </a:spcAft>
+              <a:buClr>
+                <a:schemeClr val="bg1"/>
+              </a:buClr>
+              <a:buFont typeface="Arial" panose="020B0604020202020204" pitchFamily="34" charset="0"/>
+              <a:buChar char="•"/>
+              <a:defRPr>
+                <a:solidFill>
+                  <a:schemeClr val="bg1"/>
+                </a:solidFill>
+                <a:latin typeface="+mn-lt"/>
+              </a:defRPr>
+            </a:lvl3pPr>
+            <a:lvl4pPr marL="803275" indent="-225425" algn="l" defTabSz="820738" rtl="0" eaLnBrk="1" fontAlgn="base" hangingPunct="1">
+              <a:lnSpc>
+                <a:spcPct val="90000"/>
+              </a:lnSpc>
+              <a:spcBef>
+                <a:spcPct val="30000"/>
+              </a:spcBef>
+              <a:spcAft>
+                <a:spcPct val="0"/>
+              </a:spcAft>
+              <a:buClr>
+                <a:schemeClr val="bg1"/>
+              </a:buClr>
+              <a:buFont typeface="Arial" panose="020B0604020202020204" pitchFamily="34" charset="0"/>
+              <a:buChar char="•"/>
+              <a:defRPr sz="1600">
+                <a:solidFill>
+                  <a:schemeClr val="bg1"/>
+                </a:solidFill>
+                <a:latin typeface="+mn-lt"/>
+              </a:defRPr>
+            </a:lvl4pPr>
+            <a:lvl5pPr marL="957263" indent="-163513" algn="l" defTabSz="820738" rtl="0" eaLnBrk="1" fontAlgn="base" hangingPunct="1">
+              <a:lnSpc>
+                <a:spcPct val="90000"/>
+              </a:lnSpc>
+              <a:spcBef>
+                <a:spcPct val="30000"/>
+              </a:spcBef>
+              <a:spcAft>
+                <a:spcPct val="0"/>
+              </a:spcAft>
+              <a:buClr>
+                <a:schemeClr val="tx2"/>
+              </a:buClr>
+              <a:buFont typeface="Arial" charset="0"/>
+              <a:buChar char="–"/>
+              <a:defRPr sz="1600">
+                <a:solidFill>
+                  <a:schemeClr val="tx1">
+                    <a:lumMod val="75000"/>
+                    <a:lumOff val="25000"/>
+                  </a:schemeClr>
+                </a:solidFill>
+                <a:latin typeface="+mn-lt"/>
+              </a:defRPr>
+            </a:lvl5pPr>
+            <a:lvl6pPr marL="1414463" indent="-163513" algn="l" defTabSz="820738" rtl="0" eaLnBrk="1" fontAlgn="base" hangingPunct="1">
+              <a:lnSpc>
+                <a:spcPct val="90000"/>
+              </a:lnSpc>
+              <a:spcBef>
+                <a:spcPct val="30000"/>
+              </a:spcBef>
+              <a:spcAft>
+                <a:spcPct val="0"/>
+              </a:spcAft>
+              <a:buClr>
+                <a:schemeClr val="tx2"/>
+              </a:buClr>
+              <a:buFont typeface="Arial" charset="0"/>
+              <a:buChar char="–"/>
+              <a:defRPr sz="1600">
+                <a:solidFill>
+                  <a:schemeClr val="tx1"/>
+                </a:solidFill>
+                <a:latin typeface="+mn-lt"/>
+              </a:defRPr>
+            </a:lvl6pPr>
+            <a:lvl7pPr marL="1871663" indent="-163513" algn="l" defTabSz="820738" rtl="0" eaLnBrk="1" fontAlgn="base" hangingPunct="1">
+              <a:lnSpc>
+                <a:spcPct val="90000"/>
+              </a:lnSpc>
+              <a:spcBef>
+                <a:spcPct val="30000"/>
+              </a:spcBef>
+              <a:spcAft>
+                <a:spcPct val="0"/>
+              </a:spcAft>
+              <a:buClr>
+                <a:schemeClr val="tx2"/>
+              </a:buClr>
+              <a:buFont typeface="Arial" charset="0"/>
+              <a:buChar char="–"/>
+              <a:defRPr sz="1600">
+                <a:solidFill>
+                  <a:schemeClr val="tx1"/>
+                </a:solidFill>
+                <a:latin typeface="+mn-lt"/>
+              </a:defRPr>
+            </a:lvl7pPr>
+            <a:lvl8pPr marL="2328863" indent="-163513" algn="l" defTabSz="820738" rtl="0" eaLnBrk="1" fontAlgn="base" hangingPunct="1">
+              <a:lnSpc>
+                <a:spcPct val="90000"/>
+              </a:lnSpc>
+              <a:spcBef>
+                <a:spcPct val="30000"/>
+              </a:spcBef>
+              <a:spcAft>
+                <a:spcPct val="0"/>
+              </a:spcAft>
+              <a:buClr>
+                <a:schemeClr val="tx2"/>
+              </a:buClr>
+              <a:buFont typeface="Arial" charset="0"/>
+              <a:buChar char="–"/>
+              <a:defRPr sz="1600">
+                <a:solidFill>
+                  <a:schemeClr val="tx1"/>
+                </a:solidFill>
+                <a:latin typeface="+mn-lt"/>
+              </a:defRPr>
+            </a:lvl8pPr>
+            <a:lvl9pPr marL="2786063" indent="-163513" algn="l" defTabSz="820738" rtl="0" eaLnBrk="1" fontAlgn="base" hangingPunct="1">
+              <a:lnSpc>
+                <a:spcPct val="90000"/>
+              </a:lnSpc>
+              <a:spcBef>
+                <a:spcPct val="30000"/>
+              </a:spcBef>
+              <a:spcAft>
+                <a:spcPct val="0"/>
+              </a:spcAft>
+              <a:buClr>
+                <a:schemeClr val="tx2"/>
+              </a:buClr>
+              <a:buFont typeface="Arial" charset="0"/>
+              <a:buChar char="–"/>
+              <a:defRPr sz="1600">
+                <a:solidFill>
+                  <a:schemeClr val="tx1"/>
+                </a:solidFill>
+                <a:latin typeface="+mn-lt"/>
+              </a:defRPr>
+            </a:lvl9pPr>
+          </a:lstStyle>
+          <a:p>
+            <a:r>
+              <a:rPr lang="en-US" kern="0" dirty="0" smtClean="0"/>
+              <a:t>Benefits to Industry/Enterprise</a:t>
+            </a:r>
+            <a:endParaRPr lang="en-US" kern="0" dirty="0"/>
+          </a:p>
+        </p:txBody>
+      </p:sp>
+      <p:sp>
+        <p:nvSpPr>
+          <p:cNvPr id="8" name="Content Placeholder 3"/>
+          <p:cNvSpPr txBox="1">
+            <a:spLocks/>
+          </p:cNvSpPr>
+          <p:nvPr/>
+        </p:nvSpPr>
+        <p:spPr bwMode="auto">
+          <a:xfrm>
+            <a:off x="405383" y="1705002"/>
+            <a:ext cx="5601407" cy="1329595"/>
+          </a:xfrm>
+          <a:prstGeom prst="rect">
+            <a:avLst/>
+          </a:prstGeom>
+          <a:solidFill>
+            <a:schemeClr val="tx1">
+              <a:lumMod val="75000"/>
+              <a:lumOff val="25000"/>
+            </a:schemeClr>
+          </a:solidFill>
+          <a:ln w="9525">
+            <a:noFill/>
+            <a:miter lim="800000"/>
+            <a:headEnd/>
+            <a:tailEnd/>
+          </a:ln>
+          <a:effectLst/>
+        </p:spPr>
+        <p:txBody>
+          <a:bodyPr vert="horz" wrap="square" lIns="0" tIns="0" rIns="0" bIns="0" numCol="1" anchor="t" anchorCtr="0" compatLnSpc="1">
+            <a:prstTxWarp prst="textNoShape">
+              <a:avLst/>
+            </a:prstTxWarp>
+            <a:spAutoFit/>
+          </a:bodyPr>
+          <a:lstStyle>
+            <a:lvl1pPr marL="0" indent="0" algn="l" defTabSz="820738" rtl="0" eaLnBrk="1" fontAlgn="base" hangingPunct="1">
+              <a:lnSpc>
+                <a:spcPct val="90000"/>
+              </a:lnSpc>
+              <a:spcBef>
+                <a:spcPct val="30000"/>
+              </a:spcBef>
+              <a:spcAft>
+                <a:spcPct val="0"/>
+              </a:spcAft>
+              <a:buClr>
+                <a:schemeClr val="tx2"/>
+              </a:buClr>
+              <a:buFont typeface="Symbol" panose="05050102010706020507" pitchFamily="18" charset="2"/>
+              <a:buChar char=""/>
+              <a:defRPr sz="2000" b="1">
+                <a:solidFill>
+                  <a:schemeClr val="bg1"/>
+                </a:solidFill>
+                <a:latin typeface="+mn-lt"/>
+                <a:ea typeface="+mn-ea"/>
+                <a:cs typeface="+mn-cs"/>
+              </a:defRPr>
+            </a:lvl1pPr>
+            <a:lvl2pPr marL="288925" indent="-173038" algn="l" defTabSz="820738" rtl="0" eaLnBrk="1" fontAlgn="base" hangingPunct="1">
+              <a:lnSpc>
+                <a:spcPct val="90000"/>
+              </a:lnSpc>
+              <a:spcBef>
+                <a:spcPct val="30000"/>
+              </a:spcBef>
+              <a:spcAft>
+                <a:spcPct val="0"/>
+              </a:spcAft>
+              <a:buClr>
+                <a:schemeClr val="bg1"/>
+              </a:buClr>
+              <a:buFont typeface="Arial" panose="020B0604020202020204" pitchFamily="34" charset="0"/>
+              <a:buChar char="•"/>
+              <a:defRPr sz="2000">
+                <a:solidFill>
+                  <a:schemeClr val="bg1"/>
+                </a:solidFill>
+                <a:latin typeface="+mn-lt"/>
+              </a:defRPr>
+            </a:lvl2pPr>
+            <a:lvl3pPr marL="508000" indent="-184150" algn="l" defTabSz="820738" rtl="0" eaLnBrk="1" fontAlgn="base" hangingPunct="1">
+              <a:lnSpc>
+                <a:spcPct val="90000"/>
+              </a:lnSpc>
+              <a:spcBef>
+                <a:spcPct val="30000"/>
+              </a:spcBef>
+              <a:spcAft>
+                <a:spcPct val="0"/>
+              </a:spcAft>
+              <a:buClr>
+                <a:schemeClr val="bg1"/>
+              </a:buClr>
+              <a:buFont typeface="Arial" panose="020B0604020202020204" pitchFamily="34" charset="0"/>
+              <a:buChar char="•"/>
+              <a:defRPr>
+                <a:solidFill>
+                  <a:schemeClr val="bg1"/>
+                </a:solidFill>
+                <a:latin typeface="+mn-lt"/>
+              </a:defRPr>
+            </a:lvl3pPr>
+            <a:lvl4pPr marL="803275" indent="-225425" algn="l" defTabSz="820738" rtl="0" eaLnBrk="1" fontAlgn="base" hangingPunct="1">
+              <a:lnSpc>
+                <a:spcPct val="90000"/>
+              </a:lnSpc>
+              <a:spcBef>
+                <a:spcPct val="30000"/>
+              </a:spcBef>
+              <a:spcAft>
+                <a:spcPct val="0"/>
+              </a:spcAft>
+              <a:buClr>
+                <a:schemeClr val="bg1"/>
+              </a:buClr>
+              <a:buFont typeface="Arial" panose="020B0604020202020204" pitchFamily="34" charset="0"/>
+              <a:buChar char="•"/>
+              <a:defRPr sz="1600">
+                <a:solidFill>
+                  <a:schemeClr val="bg1"/>
+                </a:solidFill>
+                <a:latin typeface="+mn-lt"/>
+              </a:defRPr>
+            </a:lvl4pPr>
+            <a:lvl5pPr marL="957263" indent="-163513" algn="l" defTabSz="820738" rtl="0" eaLnBrk="1" fontAlgn="base" hangingPunct="1">
+              <a:lnSpc>
+                <a:spcPct val="90000"/>
+              </a:lnSpc>
+              <a:spcBef>
+                <a:spcPct val="30000"/>
+              </a:spcBef>
+              <a:spcAft>
+                <a:spcPct val="0"/>
+              </a:spcAft>
+              <a:buClr>
+                <a:schemeClr val="tx2"/>
+              </a:buClr>
+              <a:buFont typeface="Arial" charset="0"/>
+              <a:buChar char="–"/>
+              <a:defRPr sz="1600">
+                <a:solidFill>
+                  <a:schemeClr val="tx1">
+                    <a:lumMod val="75000"/>
+                    <a:lumOff val="25000"/>
+                  </a:schemeClr>
+                </a:solidFill>
+                <a:latin typeface="+mn-lt"/>
+              </a:defRPr>
+            </a:lvl5pPr>
+            <a:lvl6pPr marL="1414463" indent="-163513" algn="l" defTabSz="820738" rtl="0" eaLnBrk="1" fontAlgn="base" hangingPunct="1">
+              <a:lnSpc>
+                <a:spcPct val="90000"/>
+              </a:lnSpc>
+              <a:spcBef>
+                <a:spcPct val="30000"/>
+              </a:spcBef>
+              <a:spcAft>
+                <a:spcPct val="0"/>
+              </a:spcAft>
+              <a:buClr>
+                <a:schemeClr val="tx2"/>
+              </a:buClr>
+              <a:buFont typeface="Arial" charset="0"/>
+              <a:buChar char="–"/>
+              <a:defRPr sz="1600">
+                <a:solidFill>
+                  <a:schemeClr val="tx1"/>
+                </a:solidFill>
+                <a:latin typeface="+mn-lt"/>
+              </a:defRPr>
+            </a:lvl6pPr>
+            <a:lvl7pPr marL="1871663" indent="-163513" algn="l" defTabSz="820738" rtl="0" eaLnBrk="1" fontAlgn="base" hangingPunct="1">
+              <a:lnSpc>
+                <a:spcPct val="90000"/>
+              </a:lnSpc>
+              <a:spcBef>
+                <a:spcPct val="30000"/>
+              </a:spcBef>
+              <a:spcAft>
+                <a:spcPct val="0"/>
+              </a:spcAft>
+              <a:buClr>
+                <a:schemeClr val="tx2"/>
+              </a:buClr>
+              <a:buFont typeface="Arial" charset="0"/>
+              <a:buChar char="–"/>
+              <a:defRPr sz="1600">
+                <a:solidFill>
+                  <a:schemeClr val="tx1"/>
+                </a:solidFill>
+                <a:latin typeface="+mn-lt"/>
+              </a:defRPr>
+            </a:lvl7pPr>
+            <a:lvl8pPr marL="2328863" indent="-163513" algn="l" defTabSz="820738" rtl="0" eaLnBrk="1" fontAlgn="base" hangingPunct="1">
+              <a:lnSpc>
+                <a:spcPct val="90000"/>
+              </a:lnSpc>
+              <a:spcBef>
+                <a:spcPct val="30000"/>
+              </a:spcBef>
+              <a:spcAft>
+                <a:spcPct val="0"/>
+              </a:spcAft>
+              <a:buClr>
+                <a:schemeClr val="tx2"/>
+              </a:buClr>
+              <a:buFont typeface="Arial" charset="0"/>
+              <a:buChar char="–"/>
+              <a:defRPr sz="1600">
+                <a:solidFill>
+                  <a:schemeClr val="tx1"/>
+                </a:solidFill>
+                <a:latin typeface="+mn-lt"/>
+              </a:defRPr>
+            </a:lvl8pPr>
+            <a:lvl9pPr marL="2786063" indent="-163513" algn="l" defTabSz="820738" rtl="0" eaLnBrk="1" fontAlgn="base" hangingPunct="1">
+              <a:lnSpc>
+                <a:spcPct val="90000"/>
+              </a:lnSpc>
+              <a:spcBef>
+                <a:spcPct val="30000"/>
+              </a:spcBef>
+              <a:spcAft>
+                <a:spcPct val="0"/>
+              </a:spcAft>
+              <a:buClr>
+                <a:schemeClr val="tx2"/>
+              </a:buClr>
+              <a:buFont typeface="Arial" charset="0"/>
+              <a:buChar char="–"/>
+              <a:defRPr sz="1600">
+                <a:solidFill>
+                  <a:schemeClr val="tx1"/>
+                </a:solidFill>
+                <a:latin typeface="+mn-lt"/>
+              </a:defRPr>
+            </a:lvl9pPr>
+          </a:lstStyle>
+          <a:p>
+            <a:pPr marL="285750" indent="-285750"/>
+            <a:r>
+              <a:rPr lang="en-US" sz="1600" kern="0" dirty="0" smtClean="0"/>
+              <a:t>Immediate feedback loop to detect and fix issues early</a:t>
+            </a:r>
+          </a:p>
+          <a:p>
+            <a:pPr marL="285750" indent="-285750"/>
+            <a:r>
+              <a:rPr lang="en-US" sz="1600" kern="0" dirty="0" smtClean="0"/>
+              <a:t>Increase transparency and visibility to other developers and team members </a:t>
+            </a:r>
+          </a:p>
+          <a:p>
+            <a:pPr marL="285750" indent="-285750"/>
+            <a:r>
+              <a:rPr lang="en-US" sz="1600" kern="0" dirty="0" smtClean="0"/>
+              <a:t>Avoid “integration hell”</a:t>
+            </a:r>
+          </a:p>
+          <a:p>
+            <a:pPr marL="285750" indent="-285750"/>
+            <a:r>
+              <a:rPr lang="en-US" sz="1600" kern="0" dirty="0" smtClean="0"/>
+              <a:t>Improve quality and testability</a:t>
+            </a:r>
+            <a:endParaRPr lang="en-US" sz="1600" kern="0" dirty="0"/>
           </a:p>
         </p:txBody>
       </p:sp>
     </p:spTree>
     <p:extLst>
       <p:ext uri="{BB962C8B-B14F-4D97-AF65-F5344CB8AC3E}">
-        <p14:creationId xmlns:p14="http://schemas.microsoft.com/office/powerpoint/2010/main" val="3607805654"/>
+        <p14:creationId xmlns:p14="http://schemas.microsoft.com/office/powerpoint/2010/main" val="1776094296"/>
       </p:ext>
     </p:extLst>
   </p:cSld>
@@ -8519,6 +11818,13 @@
       </p:transition>
     </mc:Fallback>
   </mc:AlternateContent>
+  <p:timing>
+    <p:tnLst>
+      <p:par>
+        <p:cTn id="1" dur="indefinite" restart="never" nodeType="tmRoot"/>
+      </p:par>
+    </p:tnLst>
+  </p:timing>
 </p:sld>
 </file>
 
@@ -8554,7 +11860,11 @@
           <a:bodyPr/>
           <a:lstStyle/>
           <a:p>
-            <a:endParaRPr lang="en-GB"/>
+            <a:r>
+              <a:rPr lang="en-GB" dirty="0" smtClean="0"/>
+              <a:t>Next Steps</a:t>
+            </a:r>
+            <a:endParaRPr lang="en-GB" dirty="0"/>
           </a:p>
         </p:txBody>
       </p:sp>
@@ -8568,12 +11878,43 @@
             <p:ph type="body" sz="quarter" idx="12"/>
           </p:nvPr>
         </p:nvSpPr>
-        <p:spPr/>
+        <p:spPr>
+          <a:xfrm>
+            <a:off x="448055" y="777240"/>
+            <a:ext cx="11311128" cy="323165"/>
+          </a:xfrm>
+        </p:spPr>
         <p:txBody>
           <a:bodyPr/>
           <a:lstStyle/>
           <a:p>
-            <a:endParaRPr lang="en-GB"/>
+            <a:r>
+              <a:rPr lang="en-US" dirty="0">
+                <a:solidFill>
+                  <a:schemeClr val="bg1">
+                    <a:lumMod val="50000"/>
+                  </a:schemeClr>
+                </a:solidFill>
+              </a:rPr>
+              <a:t>Agile for Model-Based-Standards </a:t>
+            </a:r>
+            <a:r>
+              <a:rPr lang="en-US" dirty="0" smtClean="0">
+                <a:solidFill>
+                  <a:schemeClr val="bg1">
+                    <a:lumMod val="50000"/>
+                  </a:schemeClr>
+                </a:solidFill>
+              </a:rPr>
+              <a:t>Development</a:t>
+            </a:r>
+            <a:endParaRPr lang="en-US" dirty="0">
+              <a:solidFill>
+                <a:schemeClr val="bg1">
+                  <a:lumMod val="50000"/>
+                </a:schemeClr>
+              </a:solidFill>
+            </a:endParaRPr>
           </a:p>
         </p:txBody>
       </p:sp>
@@ -8587,19 +11928,37 @@
             <p:ph sz="quarter" idx="16"/>
           </p:nvPr>
         </p:nvSpPr>
-        <p:spPr/>
+        <p:spPr>
+          <a:xfrm>
+            <a:off x="405383" y="1283208"/>
+            <a:ext cx="11311128" cy="1015663"/>
+          </a:xfrm>
+        </p:spPr>
         <p:txBody>
           <a:bodyPr/>
           <a:lstStyle/>
           <a:p>
-            <a:endParaRPr lang="en-GB"/>
+            <a:r>
+              <a:rPr lang="en-GB" dirty="0" smtClean="0"/>
+              <a:t>Implement:</a:t>
+            </a:r>
+          </a:p>
+          <a:p>
+            <a:endParaRPr lang="en-GB" dirty="0"/>
+          </a:p>
+          <a:p>
+            <a:r>
+              <a:rPr lang="en-GB" dirty="0" smtClean="0"/>
+              <a:t>Continued Research:</a:t>
+            </a:r>
+            <a:endParaRPr lang="en-GB" dirty="0"/>
           </a:p>
         </p:txBody>
       </p:sp>
     </p:spTree>
     <p:extLst>
       <p:ext uri="{BB962C8B-B14F-4D97-AF65-F5344CB8AC3E}">
-        <p14:creationId xmlns:p14="http://schemas.microsoft.com/office/powerpoint/2010/main" val="1809149319"/>
+        <p14:creationId xmlns:p14="http://schemas.microsoft.com/office/powerpoint/2010/main" val="3607805654"/>
       </p:ext>
     </p:extLst>
   </p:cSld>
@@ -8618,6 +11977,13 @@
       </p:transition>
     </mc:Fallback>
   </mc:AlternateContent>
+  <p:timing>
+    <p:tnLst>
+      <p:par>
+        <p:cTn id="1" dur="indefinite" restart="never" nodeType="tmRoot"/>
+      </p:par>
+    </p:tnLst>
+  </p:timing>
 </p:sld>
 </file>
 
@@ -9620,12 +12986,6 @@
 </file>
 
 <file path=customXml/item2.xml><?xml version="1.0" encoding="utf-8"?>
-<p:properties xmlns:p="http://schemas.microsoft.com/office/2006/metadata/properties" xmlns:xsi="http://www.w3.org/2001/XMLSchema-instance" xmlns:pc="http://schemas.microsoft.com/office/infopath/2007/PartnerControls">
-  <documentManagement/>
-</p:properties>
-</file>
-
-<file path=customXml/item3.xml><?xml version="1.0" encoding="utf-8"?>
 <ct:contentTypeSchema xmlns:ct="http://schemas.microsoft.com/office/2006/metadata/contentType" xmlns:ma="http://schemas.microsoft.com/office/2006/metadata/properties/metaAttributes" ct:_="" ma:_="" ma:contentTypeName="Document" ma:contentTypeID="0x010100B928359CC7305D47809A6E4D09895B12" ma:contentTypeVersion="0" ma:contentTypeDescription="Create a new document." ma:contentTypeScope="" ma:versionID="58734b0d5d00aaa9ecfcecd44c708e1b">
   <xsd:schema xmlns:xsd="http://www.w3.org/2001/XMLSchema" xmlns:xs="http://www.w3.org/2001/XMLSchema" xmlns:p="http://schemas.microsoft.com/office/2006/metadata/properties" targetNamespace="http://schemas.microsoft.com/office/2006/metadata/properties" ma:root="true" ma:fieldsID="1b05d82d297216baf5b26c55225140df">
     <xsd:element name="properties">
@@ -9739,6 +13099,12 @@
 </ct:contentTypeSchema>
 </file>
 
+<file path=customXml/item3.xml><?xml version="1.0" encoding="utf-8"?>
+<p:properties xmlns:p="http://schemas.microsoft.com/office/2006/metadata/properties" xmlns:xsi="http://www.w3.org/2001/XMLSchema-instance" xmlns:pc="http://schemas.microsoft.com/office/infopath/2007/PartnerControls">
+  <documentManagement/>
+</p:properties>
+</file>
+
 <file path=customXml/itemProps1.xml><?xml version="1.0" encoding="utf-8"?>
 <ds:datastoreItem xmlns:ds="http://schemas.openxmlformats.org/officeDocument/2006/customXml" ds:itemID="{16D4C100-0EDD-4DD2-914D-A957225F12B9}">
   <ds:schemaRefs>
@@ -9748,21 +13114,6 @@
 </file>
 
 <file path=customXml/itemProps2.xml><?xml version="1.0" encoding="utf-8"?>
-<ds:datastoreItem xmlns:ds="http://schemas.openxmlformats.org/officeDocument/2006/customXml" ds:itemID="{C691D66D-CA73-4591-BA35-882D4C096123}">
-  <ds:schemaRefs>
-    <ds:schemaRef ds:uri="http://schemas.microsoft.com/office/2006/metadata/properties"/>
-    <ds:schemaRef ds:uri="http://purl.org/dc/terms/"/>
-    <ds:schemaRef ds:uri="http://schemas.openxmlformats.org/package/2006/metadata/core-properties"/>
-    <ds:schemaRef ds:uri="http://schemas.microsoft.com/office/2006/documentManagement/types"/>
-    <ds:schemaRef ds:uri="http://schemas.microsoft.com/office/infopath/2007/PartnerControls"/>
-    <ds:schemaRef ds:uri="http://purl.org/dc/elements/1.1/"/>
-    <ds:schemaRef ds:uri="http://www.w3.org/XML/1998/namespace"/>
-    <ds:schemaRef ds:uri="http://purl.org/dc/dcmitype/"/>
-  </ds:schemaRefs>
-</ds:datastoreItem>
-</file>
-
-<file path=customXml/itemProps3.xml><?xml version="1.0" encoding="utf-8"?>
 <ds:datastoreItem xmlns:ds="http://schemas.openxmlformats.org/officeDocument/2006/customXml" ds:itemID="{FFB024C0-3292-4B7C-9F10-F14F1C85528A}">
   <ds:schemaRefs>
     <ds:schemaRef ds:uri="http://schemas.microsoft.com/office/2006/metadata/contentType"/>
@@ -9776,4 +13127,19 @@
     <ds:schemaRef ds:uri="http://schemas.microsoft.com/office/infopath/2007/PartnerControls"/>
   </ds:schemaRefs>
 </ds:datastoreItem>
+</file>
+
+<file path=customXml/itemProps3.xml><?xml version="1.0" encoding="utf-8"?>
+<ds:datastoreItem xmlns:ds="http://schemas.openxmlformats.org/officeDocument/2006/customXml" ds:itemID="{C691D66D-CA73-4591-BA35-882D4C096123}">
+  <ds:schemaRefs>
+    <ds:schemaRef ds:uri="http://purl.org/dc/terms/"/>
+    <ds:schemaRef ds:uri="http://schemas.openxmlformats.org/package/2006/metadata/core-properties"/>
+    <ds:schemaRef ds:uri="http://purl.org/dc/dcmitype/"/>
+    <ds:schemaRef ds:uri="http://schemas.microsoft.com/office/infopath/2007/PartnerControls"/>
+    <ds:schemaRef ds:uri="http://purl.org/dc/elements/1.1/"/>
+    <ds:schemaRef ds:uri="http://schemas.microsoft.com/office/2006/documentManagement/types"/>
+    <ds:schemaRef ds:uri="http://schemas.microsoft.com/office/2006/metadata/properties"/>
+    <ds:schemaRef ds:uri="http://www.w3.org/XML/1998/namespace"/>
+  </ds:schemaRefs>
+</ds:datastoreItem>
 </file>
--- a/01 - Agile for Model-Based Standards Development/D - Presentations/PDES.Presentation.pptx
+++ b/01 - Agile for Model-Based Standards Development/D - Presentations/PDES.Presentation.pptx
@@ -285,7 +285,7 @@
             <a:fld id="{BE4E05A4-29A6-45AB-82C9-31FC81F0251A}" type="datetimeFigureOut">
               <a:rPr lang="en-US" smtClean="0"/>
               <a:pPr/>
-              <a:t>8/15/2019</a:t>
+              <a:t>8/20/2019</a:t>
             </a:fld>
             <a:endParaRPr lang="en-US" dirty="0"/>
           </a:p>
@@ -8416,16 +8416,21 @@
             <p:ph type="title"/>
           </p:nvPr>
         </p:nvSpPr>
-        <p:spPr/>
+        <p:spPr>
+          <a:xfrm>
+            <a:off x="448055" y="457200"/>
+            <a:ext cx="11311128" cy="489365"/>
+          </a:xfrm>
+        </p:spPr>
         <p:txBody>
           <a:bodyPr/>
           <a:lstStyle/>
           <a:p>
             <a:r>
-              <a:rPr lang="en-US" dirty="0" smtClean="0"/>
+              <a:rPr lang="en-US" sz="3200" dirty="0" smtClean="0"/>
               <a:t>Presentation Overview</a:t>
             </a:r>
-            <a:endParaRPr lang="en-GB" dirty="0"/>
+            <a:endParaRPr lang="en-GB" sz="3200" dirty="0"/>
           </a:p>
         </p:txBody>
       </p:sp>
@@ -8538,51 +8543,21 @@
             <p:ph type="title"/>
           </p:nvPr>
         </p:nvSpPr>
-        <p:spPr/>
+        <p:spPr>
+          <a:xfrm>
+            <a:off x="448055" y="457200"/>
+            <a:ext cx="11311128" cy="489365"/>
+          </a:xfrm>
+        </p:spPr>
         <p:txBody>
           <a:bodyPr/>
           <a:lstStyle/>
           <a:p>
             <a:r>
-              <a:rPr lang="en-US" dirty="0" smtClean="0"/>
+              <a:rPr lang="en-US" sz="3200" dirty="0" smtClean="0"/>
               <a:t>Business/Industry Needs</a:t>
             </a:r>
-            <a:endParaRPr lang="en-GB" dirty="0"/>
-          </a:p>
-        </p:txBody>
-      </p:sp>
-      <p:sp>
-        <p:nvSpPr>
-          <p:cNvPr id="3" name="Text Placeholder 2"/>
-          <p:cNvSpPr>
-            <a:spLocks noGrp="1"/>
-          </p:cNvSpPr>
-          <p:nvPr>
-            <p:ph type="body" sz="quarter" idx="12"/>
-          </p:nvPr>
-        </p:nvSpPr>
-        <p:spPr/>
-        <p:txBody>
-          <a:bodyPr/>
-          <a:lstStyle/>
-          <a:p>
-            <a:r>
-              <a:rPr lang="en-US" dirty="0">
-                <a:solidFill>
-                  <a:schemeClr val="bg1">
-                    <a:lumMod val="50000"/>
-                  </a:schemeClr>
-                </a:solidFill>
-              </a:rPr>
-              <a:t>Agile for Model-Based-Standards Development</a:t>
-            </a:r>
-            <a:endParaRPr lang="en-US" dirty="0">
-              <a:solidFill>
-                <a:schemeClr val="bg1">
-                  <a:lumMod val="50000"/>
-                </a:schemeClr>
-              </a:solidFill>
-            </a:endParaRPr>
+            <a:endParaRPr lang="en-GB" sz="3200" dirty="0"/>
           </a:p>
         </p:txBody>
       </p:sp>
@@ -8596,7 +8571,7 @@
         </p:nvSpPr>
         <p:spPr bwMode="auto">
           <a:xfrm>
-            <a:off x="6066857" y="1712091"/>
+            <a:off x="6066857" y="1829321"/>
             <a:ext cx="5601407" cy="1477328"/>
           </a:xfrm>
           <a:prstGeom prst="rect">
@@ -8858,7 +8833,7 @@
         </p:nvSpPr>
         <p:spPr>
           <a:xfrm>
-            <a:off x="405383" y="1283208"/>
+            <a:off x="405383" y="1400438"/>
             <a:ext cx="5601407" cy="276999"/>
           </a:xfrm>
         </p:spPr>
@@ -8884,7 +8859,7 @@
         </p:nvSpPr>
         <p:spPr bwMode="auto">
           <a:xfrm>
-            <a:off x="6204017" y="1283208"/>
+            <a:off x="6204017" y="1400438"/>
             <a:ext cx="5601407" cy="276999"/>
           </a:xfrm>
           <a:prstGeom prst="rect">
@@ -9135,7 +9110,7 @@
         </p:nvSpPr>
         <p:spPr bwMode="auto">
           <a:xfrm>
-            <a:off x="256793" y="1712091"/>
+            <a:off x="256793" y="1829321"/>
             <a:ext cx="5601407" cy="1034129"/>
           </a:xfrm>
           <a:prstGeom prst="rect">
@@ -9475,6 +9450,299 @@
           </a:p>
         </p:txBody>
       </p:sp>
+      <p:sp>
+        <p:nvSpPr>
+          <p:cNvPr id="10" name="Text Placeholder 2"/>
+          <p:cNvSpPr txBox="1">
+            <a:spLocks/>
+          </p:cNvSpPr>
+          <p:nvPr/>
+        </p:nvSpPr>
+        <p:spPr bwMode="auto">
+          <a:xfrm>
+            <a:off x="448055" y="917917"/>
+            <a:ext cx="11311128" cy="323165"/>
+          </a:xfrm>
+          <a:prstGeom prst="rect">
+            <a:avLst/>
+          </a:prstGeom>
+          <a:solidFill>
+            <a:schemeClr val="tx1">
+              <a:lumMod val="75000"/>
+              <a:lumOff val="25000"/>
+            </a:schemeClr>
+          </a:solidFill>
+          <a:ln w="9525">
+            <a:noFill/>
+            <a:miter lim="800000"/>
+            <a:headEnd/>
+            <a:tailEnd/>
+          </a:ln>
+          <a:effectLst/>
+        </p:spPr>
+        <p:txBody>
+          <a:bodyPr vert="horz" wrap="square" lIns="0" tIns="45720" rIns="0" bIns="0" numCol="1" anchor="t" anchorCtr="0" compatLnSpc="1">
+            <a:prstTxWarp prst="textNoShape">
+              <a:avLst/>
+            </a:prstTxWarp>
+            <a:spAutoFit/>
+          </a:bodyPr>
+          <a:lstStyle>
+            <a:lvl1pPr marL="0" indent="0" algn="l" defTabSz="820738" rtl="0" eaLnBrk="1" fontAlgn="base" hangingPunct="1">
+              <a:lnSpc>
+                <a:spcPct val="90000"/>
+              </a:lnSpc>
+              <a:spcBef>
+                <a:spcPct val="30000"/>
+              </a:spcBef>
+              <a:spcAft>
+                <a:spcPct val="0"/>
+              </a:spcAft>
+              <a:buClr>
+                <a:schemeClr val="tx2"/>
+              </a:buClr>
+              <a:buFont typeface="Symbol" panose="05050102010706020507" pitchFamily="18" charset="2"/>
+              <a:buNone/>
+              <a:defRPr sz="2000" b="0">
+                <a:solidFill>
+                  <a:schemeClr val="bg1"/>
+                </a:solidFill>
+                <a:latin typeface="+mn-lt"/>
+                <a:ea typeface="+mn-ea"/>
+                <a:cs typeface="+mn-cs"/>
+              </a:defRPr>
+            </a:lvl1pPr>
+            <a:lvl2pPr marL="288925" indent="-173038" algn="l" defTabSz="820738" rtl="0" eaLnBrk="1" fontAlgn="base" hangingPunct="1">
+              <a:lnSpc>
+                <a:spcPct val="90000"/>
+              </a:lnSpc>
+              <a:spcBef>
+                <a:spcPct val="30000"/>
+              </a:spcBef>
+              <a:spcAft>
+                <a:spcPct val="0"/>
+              </a:spcAft>
+              <a:buClr>
+                <a:schemeClr val="bg1"/>
+              </a:buClr>
+              <a:buFont typeface="Arial" panose="020B0604020202020204" pitchFamily="34" charset="0"/>
+              <a:buChar char="•"/>
+              <a:defRPr sz="2000">
+                <a:solidFill>
+                  <a:schemeClr val="bg1"/>
+                </a:solidFill>
+                <a:latin typeface="+mn-lt"/>
+              </a:defRPr>
+            </a:lvl2pPr>
+            <a:lvl3pPr marL="508000" indent="-184150" algn="l" defTabSz="820738" rtl="0" eaLnBrk="1" fontAlgn="base" hangingPunct="1">
+              <a:lnSpc>
+                <a:spcPct val="90000"/>
+              </a:lnSpc>
+              <a:spcBef>
+                <a:spcPct val="30000"/>
+              </a:spcBef>
+              <a:spcAft>
+                <a:spcPct val="0"/>
+              </a:spcAft>
+              <a:buClr>
+                <a:schemeClr val="bg1"/>
+              </a:buClr>
+              <a:buFont typeface="Arial" panose="020B0604020202020204" pitchFamily="34" charset="0"/>
+              <a:buChar char="•"/>
+              <a:defRPr>
+                <a:solidFill>
+                  <a:schemeClr val="bg1"/>
+                </a:solidFill>
+                <a:latin typeface="+mn-lt"/>
+              </a:defRPr>
+            </a:lvl3pPr>
+            <a:lvl4pPr marL="803275" indent="-225425" algn="l" defTabSz="820738" rtl="0" eaLnBrk="1" fontAlgn="base" hangingPunct="1">
+              <a:lnSpc>
+                <a:spcPct val="90000"/>
+              </a:lnSpc>
+              <a:spcBef>
+                <a:spcPct val="30000"/>
+              </a:spcBef>
+              <a:spcAft>
+                <a:spcPct val="0"/>
+              </a:spcAft>
+              <a:buClr>
+                <a:schemeClr val="bg1"/>
+              </a:buClr>
+              <a:buFont typeface="Arial" panose="020B0604020202020204" pitchFamily="34" charset="0"/>
+              <a:buChar char="•"/>
+              <a:defRPr sz="1600">
+                <a:solidFill>
+                  <a:schemeClr val="bg1"/>
+                </a:solidFill>
+                <a:latin typeface="+mn-lt"/>
+              </a:defRPr>
+            </a:lvl4pPr>
+            <a:lvl5pPr marL="957263" indent="-163513" algn="l" defTabSz="820738" rtl="0" eaLnBrk="1" fontAlgn="base" hangingPunct="1">
+              <a:lnSpc>
+                <a:spcPct val="90000"/>
+              </a:lnSpc>
+              <a:spcBef>
+                <a:spcPct val="30000"/>
+              </a:spcBef>
+              <a:spcAft>
+                <a:spcPct val="0"/>
+              </a:spcAft>
+              <a:buClr>
+                <a:schemeClr val="tx2"/>
+              </a:buClr>
+              <a:buFont typeface="Arial" charset="0"/>
+              <a:buChar char="–"/>
+              <a:defRPr sz="1600">
+                <a:solidFill>
+                  <a:schemeClr val="tx1">
+                    <a:lumMod val="75000"/>
+                    <a:lumOff val="25000"/>
+                  </a:schemeClr>
+                </a:solidFill>
+                <a:latin typeface="+mn-lt"/>
+              </a:defRPr>
+            </a:lvl5pPr>
+            <a:lvl6pPr marL="1414463" indent="-163513" algn="l" defTabSz="820738" rtl="0" eaLnBrk="1" fontAlgn="base" hangingPunct="1">
+              <a:lnSpc>
+                <a:spcPct val="90000"/>
+              </a:lnSpc>
+              <a:spcBef>
+                <a:spcPct val="30000"/>
+              </a:spcBef>
+              <a:spcAft>
+                <a:spcPct val="0"/>
+              </a:spcAft>
+              <a:buClr>
+                <a:schemeClr val="tx2"/>
+              </a:buClr>
+              <a:buFont typeface="Arial" charset="0"/>
+              <a:buChar char="–"/>
+              <a:defRPr sz="1600">
+                <a:solidFill>
+                  <a:schemeClr val="tx1"/>
+                </a:solidFill>
+                <a:latin typeface="+mn-lt"/>
+              </a:defRPr>
+            </a:lvl6pPr>
+            <a:lvl7pPr marL="1871663" indent="-163513" algn="l" defTabSz="820738" rtl="0" eaLnBrk="1" fontAlgn="base" hangingPunct="1">
+              <a:lnSpc>
+                <a:spcPct val="90000"/>
+              </a:lnSpc>
+              <a:spcBef>
+                <a:spcPct val="30000"/>
+              </a:spcBef>
+              <a:spcAft>
+                <a:spcPct val="0"/>
+              </a:spcAft>
+              <a:buClr>
+                <a:schemeClr val="tx2"/>
+              </a:buClr>
+              <a:buFont typeface="Arial" charset="0"/>
+              <a:buChar char="–"/>
+              <a:defRPr sz="1600">
+                <a:solidFill>
+                  <a:schemeClr val="tx1"/>
+                </a:solidFill>
+                <a:latin typeface="+mn-lt"/>
+              </a:defRPr>
+            </a:lvl7pPr>
+            <a:lvl8pPr marL="2328863" indent="-163513" algn="l" defTabSz="820738" rtl="0" eaLnBrk="1" fontAlgn="base" hangingPunct="1">
+              <a:lnSpc>
+                <a:spcPct val="90000"/>
+              </a:lnSpc>
+              <a:spcBef>
+                <a:spcPct val="30000"/>
+              </a:spcBef>
+              <a:spcAft>
+                <a:spcPct val="0"/>
+              </a:spcAft>
+              <a:buClr>
+                <a:schemeClr val="tx2"/>
+              </a:buClr>
+              <a:buFont typeface="Arial" charset="0"/>
+              <a:buChar char="–"/>
+              <a:defRPr sz="1600">
+                <a:solidFill>
+                  <a:schemeClr val="tx1"/>
+                </a:solidFill>
+                <a:latin typeface="+mn-lt"/>
+              </a:defRPr>
+            </a:lvl8pPr>
+            <a:lvl9pPr marL="2786063" indent="-163513" algn="l" defTabSz="820738" rtl="0" eaLnBrk="1" fontAlgn="base" hangingPunct="1">
+              <a:lnSpc>
+                <a:spcPct val="90000"/>
+              </a:lnSpc>
+              <a:spcBef>
+                <a:spcPct val="30000"/>
+              </a:spcBef>
+              <a:spcAft>
+                <a:spcPct val="0"/>
+              </a:spcAft>
+              <a:buClr>
+                <a:schemeClr val="tx2"/>
+              </a:buClr>
+              <a:buFont typeface="Arial" charset="0"/>
+              <a:buChar char="–"/>
+              <a:defRPr sz="1600">
+                <a:solidFill>
+                  <a:schemeClr val="tx1"/>
+                </a:solidFill>
+                <a:latin typeface="+mn-lt"/>
+              </a:defRPr>
+            </a:lvl9pPr>
+          </a:lstStyle>
+          <a:p>
+            <a:r>
+              <a:rPr lang="en-US" kern="0" smtClean="0">
+                <a:solidFill>
+                  <a:schemeClr val="bg1">
+                    <a:lumMod val="50000"/>
+                  </a:schemeClr>
+                </a:solidFill>
+              </a:rPr>
+              <a:t>Agile for Model-Based-Standards Development</a:t>
+            </a:r>
+            <a:endParaRPr lang="en-US" kern="0" dirty="0">
+              <a:solidFill>
+                <a:schemeClr val="bg1">
+                  <a:lumMod val="50000"/>
+                </a:schemeClr>
+              </a:solidFill>
+            </a:endParaRPr>
+          </a:p>
+        </p:txBody>
+      </p:sp>
+      <p:pic>
+        <p:nvPicPr>
+          <p:cNvPr id="9" name="Picture 8"/>
+          <p:cNvPicPr>
+            <a:picLocks noChangeAspect="1"/>
+          </p:cNvPicPr>
+          <p:nvPr/>
+        </p:nvPicPr>
+        <p:blipFill>
+          <a:blip r:embed="rId3" cstate="print">
+            <a:extLst>
+              <a:ext uri="{28A0092B-C50C-407E-A947-70E740481C1C}">
+                <a14:useLocalDpi xmlns:a14="http://schemas.microsoft.com/office/drawing/2010/main" val="0"/>
+              </a:ext>
+            </a:extLst>
+          </a:blip>
+          <a:stretch>
+            <a:fillRect/>
+          </a:stretch>
+        </p:blipFill>
+        <p:spPr>
+          <a:xfrm>
+            <a:off x="-3717804" y="2621846"/>
+            <a:ext cx="2381373" cy="1786030"/>
+          </a:xfrm>
+          <a:prstGeom prst="rect">
+            <a:avLst/>
+          </a:prstGeom>
+        </p:spPr>
+      </p:pic>
     </p:spTree>
     <p:extLst>
       <p:ext uri="{BB962C8B-B14F-4D97-AF65-F5344CB8AC3E}">
@@ -9816,51 +10084,21 @@
             <p:ph type="title"/>
           </p:nvPr>
         </p:nvSpPr>
-        <p:spPr/>
+        <p:spPr>
+          <a:xfrm>
+            <a:off x="448055" y="457200"/>
+            <a:ext cx="11311128" cy="489365"/>
+          </a:xfrm>
+        </p:spPr>
         <p:txBody>
           <a:bodyPr/>
           <a:lstStyle/>
           <a:p>
             <a:r>
-              <a:rPr lang="en-US" dirty="0" smtClean="0"/>
+              <a:rPr lang="en-US" sz="3200" dirty="0" smtClean="0"/>
               <a:t>Problem Statement</a:t>
             </a:r>
-            <a:endParaRPr lang="en-US" dirty="0"/>
-          </a:p>
-        </p:txBody>
-      </p:sp>
-      <p:sp>
-        <p:nvSpPr>
-          <p:cNvPr id="3" name="Text Placeholder 2"/>
-          <p:cNvSpPr>
-            <a:spLocks noGrp="1"/>
-          </p:cNvSpPr>
-          <p:nvPr>
-            <p:ph type="body" sz="quarter" idx="12"/>
-          </p:nvPr>
-        </p:nvSpPr>
-        <p:spPr/>
-        <p:txBody>
-          <a:bodyPr/>
-          <a:lstStyle/>
-          <a:p>
-            <a:r>
-              <a:rPr lang="en-US" dirty="0" smtClean="0">
-                <a:solidFill>
-                  <a:schemeClr val="bg1">
-                    <a:lumMod val="50000"/>
-                  </a:schemeClr>
-                </a:solidFill>
-              </a:rPr>
-              <a:t>Agile for Model-Based-Standards Development</a:t>
-            </a:r>
-            <a:endParaRPr lang="en-US" dirty="0">
-              <a:solidFill>
-                <a:schemeClr val="bg1">
-                  <a:lumMod val="50000"/>
-                </a:schemeClr>
-              </a:solidFill>
-            </a:endParaRPr>
+            <a:endParaRPr lang="en-US" sz="3200" dirty="0"/>
           </a:p>
         </p:txBody>
       </p:sp>
@@ -10570,6 +10808,56 @@
           </a:effectLst>
         </p:spPr>
       </p:pic>
+      <p:sp>
+        <p:nvSpPr>
+          <p:cNvPr id="12" name="Text Placeholder 2"/>
+          <p:cNvSpPr>
+            <a:spLocks noGrp="1"/>
+          </p:cNvSpPr>
+          <p:nvPr>
+            <p:ph type="body" sz="quarter" idx="12"/>
+          </p:nvPr>
+        </p:nvSpPr>
+        <p:spPr>
+          <a:xfrm>
+            <a:off x="448055" y="917917"/>
+            <a:ext cx="11311128" cy="323165"/>
+          </a:xfrm>
+        </p:spPr>
+        <p:txBody>
+          <a:bodyPr/>
+          <a:lstStyle/>
+          <a:p>
+            <a:r>
+              <a:rPr lang="en-US" dirty="0">
+                <a:solidFill>
+                  <a:schemeClr val="bg1">
+                    <a:lumMod val="50000"/>
+                  </a:schemeClr>
+                </a:solidFill>
+              </a:rPr>
+              <a:t>Agile for Model-Based-Standards </a:t>
+            </a:r>
+            <a:r>
+              <a:rPr lang="en-US" dirty="0" smtClean="0">
+                <a:solidFill>
+                  <a:schemeClr val="bg1">
+                    <a:lumMod val="50000"/>
+                  </a:schemeClr>
+                </a:solidFill>
+              </a:rPr>
+              <a:t>Development</a:t>
+            </a:r>
+            <a:endParaRPr lang="en-US" dirty="0">
+              <a:solidFill>
+                <a:schemeClr val="bg1">
+                  <a:lumMod val="50000"/>
+                </a:schemeClr>
+              </a:solidFill>
+            </a:endParaRPr>
+          </a:p>
+        </p:txBody>
+      </p:sp>
     </p:spTree>
     <p:extLst>
       <p:ext uri="{BB962C8B-B14F-4D97-AF65-F5344CB8AC3E}">
@@ -10622,22 +10910,88 @@
             <p:ph type="title"/>
           </p:nvPr>
         </p:nvSpPr>
-        <p:spPr/>
+        <p:spPr>
+          <a:xfrm>
+            <a:off x="448055" y="457200"/>
+            <a:ext cx="11311128" cy="489365"/>
+          </a:xfrm>
+        </p:spPr>
         <p:txBody>
           <a:bodyPr/>
           <a:lstStyle/>
           <a:p>
             <a:r>
-              <a:rPr lang="en-GB" dirty="0" smtClean="0"/>
+              <a:rPr lang="en-GB" sz="3200" dirty="0" smtClean="0"/>
               <a:t>Proposed Solution</a:t>
             </a:r>
-            <a:endParaRPr lang="en-GB" dirty="0"/>
+            <a:endParaRPr lang="en-GB" sz="3200" dirty="0"/>
           </a:p>
         </p:txBody>
       </p:sp>
       <p:sp>
         <p:nvSpPr>
-          <p:cNvPr id="3" name="Text Placeholder 2"/>
+          <p:cNvPr id="4" name="Content Placeholder 3"/>
+          <p:cNvSpPr>
+            <a:spLocks noGrp="1"/>
+          </p:cNvSpPr>
+          <p:nvPr>
+            <p:ph sz="quarter" idx="16"/>
+          </p:nvPr>
+        </p:nvSpPr>
+        <p:spPr>
+          <a:xfrm>
+            <a:off x="405383" y="1400438"/>
+            <a:ext cx="5444432" cy="4839800"/>
+          </a:xfrm>
+        </p:spPr>
+        <p:txBody>
+          <a:bodyPr/>
+          <a:lstStyle/>
+          <a:p>
+            <a:endParaRPr lang="en-GB"/>
+          </a:p>
+        </p:txBody>
+      </p:sp>
+      <p:sp>
+        <p:nvSpPr>
+          <p:cNvPr id="7" name="Rectangle 2"/>
+          <p:cNvSpPr>
+            <a:spLocks noChangeArrowheads="1"/>
+          </p:cNvSpPr>
+          <p:nvPr/>
+        </p:nvSpPr>
+        <p:spPr bwMode="auto">
+          <a:xfrm>
+            <a:off x="13487400" y="2087880"/>
+            <a:ext cx="12188825" cy="0"/>
+          </a:xfrm>
+          <a:prstGeom prst="rect">
+            <a:avLst/>
+          </a:prstGeom>
+          <a:solidFill>
+            <a:schemeClr val="bg1"/>
+          </a:solidFill>
+          <a:ln>
+            <a:noFill/>
+          </a:ln>
+          <a:effectLst/>
+        </p:spPr>
+        <p:txBody>
+          <a:bodyPr vert="horz" wrap="none" lIns="91440" tIns="45720" rIns="91440" bIns="45720" numCol="1" anchor="ctr" anchorCtr="0" compatLnSpc="1">
+            <a:prstTxWarp prst="textNoShape">
+              <a:avLst/>
+            </a:prstTxWarp>
+            <a:spAutoFit/>
+          </a:bodyPr>
+          <a:lstStyle/>
+          <a:p>
+            <a:endParaRPr lang="en-US"/>
+          </a:p>
+        </p:txBody>
+      </p:sp>
+      <p:sp>
+        <p:nvSpPr>
+          <p:cNvPr id="11" name="Text Placeholder 2"/>
           <p:cNvSpPr>
             <a:spLocks noGrp="1"/>
           </p:cNvSpPr>
@@ -10647,7 +11001,7 @@
         </p:nvSpPr>
         <p:spPr>
           <a:xfrm>
-            <a:off x="448055" y="777240"/>
+            <a:off x="448055" y="917917"/>
             <a:ext cx="11311128" cy="323165"/>
           </a:xfrm>
         </p:spPr>
@@ -10685,30 +11039,6 @@
           </a:p>
         </p:txBody>
       </p:sp>
-      <p:sp>
-        <p:nvSpPr>
-          <p:cNvPr id="4" name="Content Placeholder 3"/>
-          <p:cNvSpPr>
-            <a:spLocks noGrp="1"/>
-          </p:cNvSpPr>
-          <p:nvPr>
-            <p:ph sz="quarter" idx="16"/>
-          </p:nvPr>
-        </p:nvSpPr>
-        <p:spPr>
-          <a:xfrm>
-            <a:off x="405383" y="1283208"/>
-            <a:ext cx="11311128" cy="4839800"/>
-          </a:xfrm>
-        </p:spPr>
-        <p:txBody>
-          <a:bodyPr/>
-          <a:lstStyle/>
-          <a:p>
-            <a:endParaRPr lang="en-GB"/>
-          </a:p>
-        </p:txBody>
-      </p:sp>
       <p:pic>
         <p:nvPicPr>
           <p:cNvPr id="5" name="Picture 4"/>
@@ -10730,7 +11060,7 @@
         </p:blipFill>
         <p:spPr bwMode="auto">
           <a:xfrm>
-            <a:off x="9262911" y="3487362"/>
+            <a:off x="9098788" y="1435824"/>
             <a:ext cx="2768118" cy="1176132"/>
           </a:xfrm>
           <a:prstGeom prst="rect">
@@ -10761,7 +11091,7 @@
         </p:blipFill>
         <p:spPr>
           <a:xfrm>
-            <a:off x="9252521" y="2737144"/>
+            <a:off x="6251413" y="3463975"/>
             <a:ext cx="2765782" cy="664596"/>
           </a:xfrm>
           <a:prstGeom prst="rect">
@@ -10769,43 +11099,6 @@
           </a:prstGeom>
         </p:spPr>
       </p:pic>
-      <p:sp>
-        <p:nvSpPr>
-          <p:cNvPr id="7" name="Rectangle 2"/>
-          <p:cNvSpPr>
-            <a:spLocks noChangeArrowheads="1"/>
-          </p:cNvSpPr>
-          <p:nvPr/>
-        </p:nvSpPr>
-        <p:spPr bwMode="auto">
-          <a:xfrm>
-            <a:off x="13487400" y="2087880"/>
-            <a:ext cx="12188825" cy="0"/>
-          </a:xfrm>
-          <a:prstGeom prst="rect">
-            <a:avLst/>
-          </a:prstGeom>
-          <a:solidFill>
-            <a:schemeClr val="bg1"/>
-          </a:solidFill>
-          <a:ln>
-            <a:noFill/>
-          </a:ln>
-          <a:effectLst/>
-        </p:spPr>
-        <p:txBody>
-          <a:bodyPr vert="horz" wrap="none" lIns="91440" tIns="45720" rIns="91440" bIns="45720" numCol="1" anchor="ctr" anchorCtr="0" compatLnSpc="1">
-            <a:prstTxWarp prst="textNoShape">
-              <a:avLst/>
-            </a:prstTxWarp>
-            <a:spAutoFit/>
-          </a:bodyPr>
-          <a:lstStyle/>
-          <a:p>
-            <a:endParaRPr lang="en-US"/>
-          </a:p>
-        </p:txBody>
-      </p:sp>
       <p:graphicFrame>
         <p:nvGraphicFramePr>
           <p:cNvPr id="8" name="Object 7"/>
@@ -10815,20 +11108,20 @@
           <p:nvPr>
             <p:extLst>
               <p:ext uri="{D42A27DB-BD31-4B8C-83A1-F6EECF244321}">
-                <p14:modId xmlns:p14="http://schemas.microsoft.com/office/powerpoint/2010/main" val="3616864786"/>
+                <p14:modId xmlns:p14="http://schemas.microsoft.com/office/powerpoint/2010/main" val="2883177976"/>
               </p:ext>
             </p:extLst>
           </p:nvPr>
         </p:nvGraphicFramePr>
         <p:xfrm>
-          <a:off x="9269007" y="4723049"/>
+          <a:off x="9104884" y="2671511"/>
           <a:ext cx="2743200" cy="1905000"/>
         </p:xfrm>
         <a:graphic>
           <a:graphicData uri="http://schemas.openxmlformats.org/presentationml/2006/ole">
             <mc:AlternateContent xmlns:mc="http://schemas.openxmlformats.org/markup-compatibility/2006">
               <mc:Choice xmlns:v="urn:schemas-microsoft-com:vml" Requires="v">
-                <p:oleObj spid="_x0000_s1027" name="Visio" r:id="rId5" imgW="5467350" imgH="3819396" progId="Visio.Drawing.15">
+                <p:oleObj spid="_x0000_s1032" name="Visio" r:id="rId5" imgW="5467350" imgH="3819396" progId="Visio.Drawing.15">
                   <p:embed/>
                 </p:oleObj>
               </mc:Choice>
@@ -10858,7 +11151,7 @@
                     </p:blipFill>
                     <p:spPr bwMode="auto">
                       <a:xfrm>
-                        <a:off x="9269007" y="4723049"/>
+                        <a:off x="9104884" y="2671511"/>
                         <a:ext cx="2743200" cy="1905000"/>
                       </a:xfrm>
                       <a:prstGeom prst="rect">
@@ -10875,6 +11168,30 @@
           </a:graphicData>
         </a:graphic>
       </p:graphicFrame>
+      <p:pic>
+        <p:nvPicPr>
+          <p:cNvPr id="9" name="Picture 8"/>
+          <p:cNvPicPr>
+            <a:picLocks noChangeAspect="1"/>
+          </p:cNvPicPr>
+          <p:nvPr/>
+        </p:nvPicPr>
+        <p:blipFill>
+          <a:blip r:embed="rId7"/>
+          <a:stretch>
+            <a:fillRect/>
+          </a:stretch>
+        </p:blipFill>
+        <p:spPr>
+          <a:xfrm>
+            <a:off x="6241235" y="1441937"/>
+            <a:ext cx="2798687" cy="1961105"/>
+          </a:xfrm>
+          <a:prstGeom prst="rect">
+            <a:avLst/>
+          </a:prstGeom>
+        </p:spPr>
+      </p:pic>
     </p:spTree>
     <p:extLst>
       <p:ext uri="{BB962C8B-B14F-4D97-AF65-F5344CB8AC3E}">
@@ -10927,33 +11244,10 @@
             <p:ph type="title"/>
           </p:nvPr>
         </p:nvSpPr>
-        <p:spPr/>
-        <p:txBody>
-          <a:bodyPr/>
-          <a:lstStyle/>
-          <a:p>
-            <a:r>
-              <a:rPr lang="en-GB" dirty="0" smtClean="0"/>
-              <a:t>Benefits &amp; Impacts</a:t>
-            </a:r>
-            <a:endParaRPr lang="en-GB" dirty="0"/>
-          </a:p>
-        </p:txBody>
-      </p:sp>
-      <p:sp>
-        <p:nvSpPr>
-          <p:cNvPr id="3" name="Text Placeholder 2"/>
-          <p:cNvSpPr>
-            <a:spLocks noGrp="1"/>
-          </p:cNvSpPr>
-          <p:nvPr>
-            <p:ph type="body" sz="quarter" idx="12"/>
-          </p:nvPr>
-        </p:nvSpPr>
         <p:spPr>
           <a:xfrm>
-            <a:off x="448055" y="777240"/>
-            <a:ext cx="11311128" cy="323165"/>
+            <a:off x="448055" y="457200"/>
+            <a:ext cx="11311128" cy="489365"/>
           </a:xfrm>
         </p:spPr>
         <p:txBody>
@@ -10961,32 +11255,10 @@
           <a:lstStyle/>
           <a:p>
             <a:r>
-              <a:rPr lang="en-US" dirty="0">
-                <a:solidFill>
-                  <a:schemeClr val="bg1">
-                    <a:lumMod val="50000"/>
-                  </a:schemeClr>
-                </a:solidFill>
-              </a:rPr>
-              <a:t>Agile for Model-Based-Standards </a:t>
+              <a:rPr lang="en-GB" sz="3200" dirty="0" smtClean="0"/>
+              <a:t>Benefits &amp; Impacts</a:t>
             </a:r>
-            <a:r>
-              <a:rPr lang="en-US" dirty="0" smtClean="0">
-                <a:solidFill>
-                  <a:schemeClr val="bg1">
-                    <a:lumMod val="50000"/>
-                  </a:schemeClr>
-                </a:solidFill>
-              </a:rPr>
-              <a:t>Development</a:t>
-            </a:r>
-            <a:endParaRPr lang="en-US" dirty="0">
-              <a:solidFill>
-                <a:schemeClr val="bg1">
-                  <a:lumMod val="50000"/>
-                </a:schemeClr>
-              </a:solidFill>
-            </a:endParaRPr>
+            <a:endParaRPr lang="en-GB" sz="3200" dirty="0"/>
           </a:p>
         </p:txBody>
       </p:sp>
@@ -11000,7 +11272,7 @@
         </p:nvSpPr>
         <p:spPr bwMode="auto">
           <a:xfrm>
-            <a:off x="6285042" y="1705002"/>
+            <a:off x="6285042" y="1822232"/>
             <a:ext cx="5601407" cy="960263"/>
           </a:xfrm>
           <a:prstGeom prst="rect">
@@ -11256,7 +11528,7 @@
         </p:nvSpPr>
         <p:spPr>
           <a:xfrm>
-            <a:off x="405383" y="1283208"/>
+            <a:off x="405383" y="1400438"/>
             <a:ext cx="5601407" cy="276999"/>
           </a:xfrm>
         </p:spPr>
@@ -11282,7 +11554,7 @@
         </p:nvSpPr>
         <p:spPr bwMode="auto">
           <a:xfrm>
-            <a:off x="6204017" y="1283208"/>
+            <a:off x="6204017" y="1400438"/>
             <a:ext cx="5601407" cy="276999"/>
           </a:xfrm>
           <a:prstGeom prst="rect">
@@ -11533,7 +11805,7 @@
         </p:nvSpPr>
         <p:spPr bwMode="auto">
           <a:xfrm>
-            <a:off x="405383" y="1705002"/>
+            <a:off x="405383" y="1822232"/>
             <a:ext cx="5601407" cy="1329595"/>
           </a:xfrm>
           <a:prstGeom prst="rect">
@@ -11796,6 +12068,56 @@
           </a:p>
         </p:txBody>
       </p:sp>
+      <p:sp>
+        <p:nvSpPr>
+          <p:cNvPr id="9" name="Text Placeholder 2"/>
+          <p:cNvSpPr>
+            <a:spLocks noGrp="1"/>
+          </p:cNvSpPr>
+          <p:nvPr>
+            <p:ph type="body" sz="quarter" idx="12"/>
+          </p:nvPr>
+        </p:nvSpPr>
+        <p:spPr>
+          <a:xfrm>
+            <a:off x="448055" y="917917"/>
+            <a:ext cx="11311128" cy="323165"/>
+          </a:xfrm>
+        </p:spPr>
+        <p:txBody>
+          <a:bodyPr/>
+          <a:lstStyle/>
+          <a:p>
+            <a:r>
+              <a:rPr lang="en-US" dirty="0">
+                <a:solidFill>
+                  <a:schemeClr val="bg1">
+                    <a:lumMod val="50000"/>
+                  </a:schemeClr>
+                </a:solidFill>
+              </a:rPr>
+              <a:t>Agile for Model-Based-Standards </a:t>
+            </a:r>
+            <a:r>
+              <a:rPr lang="en-US" dirty="0" smtClean="0">
+                <a:solidFill>
+                  <a:schemeClr val="bg1">
+                    <a:lumMod val="50000"/>
+                  </a:schemeClr>
+                </a:solidFill>
+              </a:rPr>
+              <a:t>Development</a:t>
+            </a:r>
+            <a:endParaRPr lang="en-US" dirty="0">
+              <a:solidFill>
+                <a:schemeClr val="bg1">
+                  <a:lumMod val="50000"/>
+                </a:schemeClr>
+              </a:solidFill>
+            </a:endParaRPr>
+          </a:p>
+        </p:txBody>
+      </p:sp>
     </p:spTree>
     <p:extLst>
       <p:ext uri="{BB962C8B-B14F-4D97-AF65-F5344CB8AC3E}">
@@ -11855,16 +12177,21 @@
             <p:ph type="title"/>
           </p:nvPr>
         </p:nvSpPr>
-        <p:spPr/>
+        <p:spPr>
+          <a:xfrm>
+            <a:off x="448055" y="457200"/>
+            <a:ext cx="11311128" cy="489365"/>
+          </a:xfrm>
+        </p:spPr>
         <p:txBody>
           <a:bodyPr/>
           <a:lstStyle/>
           <a:p>
             <a:r>
-              <a:rPr lang="en-GB" dirty="0" smtClean="0"/>
+              <a:rPr lang="en-GB" sz="3200" dirty="0" smtClean="0"/>
               <a:t>Next Steps</a:t>
             </a:r>
-            <a:endParaRPr lang="en-GB" dirty="0"/>
+            <a:endParaRPr lang="en-GB" sz="3200" dirty="0"/>
           </a:p>
         </p:txBody>
       </p:sp>
@@ -11880,7 +12207,7 @@
         </p:nvSpPr>
         <p:spPr>
           <a:xfrm>
-            <a:off x="448055" y="777240"/>
+            <a:off x="448055" y="917917"/>
             <a:ext cx="11311128" cy="323165"/>
           </a:xfrm>
         </p:spPr>
@@ -11930,7 +12257,7 @@
         </p:nvSpPr>
         <p:spPr>
           <a:xfrm>
-            <a:off x="405383" y="1283208"/>
+            <a:off x="405383" y="1400438"/>
             <a:ext cx="11311128" cy="1015663"/>
           </a:xfrm>
         </p:spPr>
@@ -13132,13 +13459,13 @@
 <file path=customXml/itemProps3.xml><?xml version="1.0" encoding="utf-8"?>
 <ds:datastoreItem xmlns:ds="http://schemas.openxmlformats.org/officeDocument/2006/customXml" ds:itemID="{C691D66D-CA73-4591-BA35-882D4C096123}">
   <ds:schemaRefs>
+    <ds:schemaRef ds:uri="http://schemas.microsoft.com/office/2006/metadata/properties"/>
     <ds:schemaRef ds:uri="http://purl.org/dc/terms/"/>
     <ds:schemaRef ds:uri="http://schemas.openxmlformats.org/package/2006/metadata/core-properties"/>
+    <ds:schemaRef ds:uri="http://schemas.microsoft.com/office/2006/documentManagement/types"/>
     <ds:schemaRef ds:uri="http://purl.org/dc/dcmitype/"/>
     <ds:schemaRef ds:uri="http://schemas.microsoft.com/office/infopath/2007/PartnerControls"/>
     <ds:schemaRef ds:uri="http://purl.org/dc/elements/1.1/"/>
-    <ds:schemaRef ds:uri="http://schemas.microsoft.com/office/2006/documentManagement/types"/>
-    <ds:schemaRef ds:uri="http://schemas.microsoft.com/office/2006/metadata/properties"/>
     <ds:schemaRef ds:uri="http://www.w3.org/XML/1998/namespace"/>
   </ds:schemaRefs>
 </ds:datastoreItem>

--- a/01 - Agile for Model-Based Standards Development/D - Presentations/PDES.Presentation.pptx
+++ b/01 - Agile for Model-Based Standards Development/D - Presentations/PDES.Presentation.pptx
@@ -5,10 +5,10 @@
     <p:sldMasterId id="2147483685" r:id="rId4"/>
   </p:sldMasterIdLst>
   <p:notesMasterIdLst>
-    <p:notesMasterId r:id="rId12"/>
+    <p:notesMasterId r:id="rId16"/>
   </p:notesMasterIdLst>
   <p:handoutMasterIdLst>
-    <p:handoutMasterId r:id="rId13"/>
+    <p:handoutMasterId r:id="rId17"/>
   </p:handoutMasterIdLst>
   <p:sldIdLst>
     <p:sldId id="256" r:id="rId5"/>
@@ -16,13 +16,17 @@
     <p:sldId id="258" r:id="rId7"/>
     <p:sldId id="263" r:id="rId8"/>
     <p:sldId id="259" r:id="rId9"/>
-    <p:sldId id="260" r:id="rId10"/>
-    <p:sldId id="261" r:id="rId11"/>
+    <p:sldId id="265" r:id="rId10"/>
+    <p:sldId id="264" r:id="rId11"/>
+    <p:sldId id="266" r:id="rId12"/>
+    <p:sldId id="267" r:id="rId13"/>
+    <p:sldId id="260" r:id="rId14"/>
+    <p:sldId id="261" r:id="rId15"/>
   </p:sldIdLst>
   <p:sldSz cx="12188825" cy="6858000"/>
   <p:notesSz cx="7023100" cy="9309100"/>
   <p:custDataLst>
-    <p:tags r:id="rId14"/>
+    <p:tags r:id="rId18"/>
   </p:custDataLst>
   <p:defaultTextStyle>
     <a:defPPr>
@@ -285,7 +289,7 @@
             <a:fld id="{BE4E05A4-29A6-45AB-82C9-31FC81F0251A}" type="datetimeFigureOut">
               <a:rPr lang="en-US" smtClean="0"/>
               <a:pPr/>
-              <a:t>8/20/2019</a:t>
+              <a:t>8/26/2019</a:t>
             </a:fld>
             <a:endParaRPr lang="en-US" dirty="0"/>
           </a:p>
@@ -1180,6 +1184,431 @@
     <p:extLst>
       <p:ext uri="{BB962C8B-B14F-4D97-AF65-F5344CB8AC3E}">
         <p14:creationId xmlns:p14="http://schemas.microsoft.com/office/powerpoint/2010/main" val="4022935417"/>
+      </p:ext>
+    </p:extLst>
+  </p:cSld>
+  <p:clrMapOvr>
+    <a:masterClrMapping/>
+  </p:clrMapOvr>
+</p:notes>
+</file>
+
+<file path=ppt/notesSlides/notesSlide3.xml><?xml version="1.0" encoding="utf-8"?>
+<p:notes xmlns:a="http://schemas.openxmlformats.org/drawingml/2006/main" xmlns:r="http://schemas.openxmlformats.org/officeDocument/2006/relationships" xmlns:p="http://schemas.openxmlformats.org/presentationml/2006/main">
+  <p:cSld>
+    <p:spTree>
+      <p:nvGrpSpPr>
+        <p:cNvPr id="1" name=""/>
+        <p:cNvGrpSpPr/>
+        <p:nvPr/>
+      </p:nvGrpSpPr>
+      <p:grpSpPr>
+        <a:xfrm>
+          <a:off x="0" y="0"/>
+          <a:ext cx="0" cy="0"/>
+          <a:chOff x="0" y="0"/>
+          <a:chExt cx="0" cy="0"/>
+        </a:xfrm>
+      </p:grpSpPr>
+      <p:sp>
+        <p:nvSpPr>
+          <p:cNvPr id="2" name="Slide Image Placeholder 1"/>
+          <p:cNvSpPr>
+            <a:spLocks noGrp="1" noRot="1" noChangeAspect="1"/>
+          </p:cNvSpPr>
+          <p:nvPr>
+            <p:ph type="sldImg"/>
+          </p:nvPr>
+        </p:nvSpPr>
+        <p:spPr/>
+      </p:sp>
+      <p:sp>
+        <p:nvSpPr>
+          <p:cNvPr id="3" name="Notes Placeholder 2"/>
+          <p:cNvSpPr>
+            <a:spLocks noGrp="1"/>
+          </p:cNvSpPr>
+          <p:nvPr>
+            <p:ph type="body" idx="1"/>
+          </p:nvPr>
+        </p:nvSpPr>
+        <p:spPr/>
+        <p:txBody>
+          <a:bodyPr/>
+          <a:lstStyle/>
+          <a:p>
+            <a:endParaRPr lang="en-US" dirty="0"/>
+          </a:p>
+        </p:txBody>
+      </p:sp>
+      <p:sp>
+        <p:nvSpPr>
+          <p:cNvPr id="4" name="Slide Number Placeholder 3"/>
+          <p:cNvSpPr>
+            <a:spLocks noGrp="1"/>
+          </p:cNvSpPr>
+          <p:nvPr>
+            <p:ph type="sldNum" sz="quarter" idx="10"/>
+          </p:nvPr>
+        </p:nvSpPr>
+        <p:spPr/>
+        <p:txBody>
+          <a:bodyPr/>
+          <a:lstStyle/>
+          <a:p>
+            <a:fld id="{739F009B-AA83-4291-81BE-194F11CE1901}" type="slidenum">
+              <a:rPr lang="en-US" smtClean="0"/>
+              <a:pPr/>
+              <a:t>5</a:t>
+            </a:fld>
+            <a:endParaRPr lang="en-US" dirty="0"/>
+          </a:p>
+        </p:txBody>
+      </p:sp>
+    </p:spTree>
+    <p:extLst>
+      <p:ext uri="{BB962C8B-B14F-4D97-AF65-F5344CB8AC3E}">
+        <p14:creationId xmlns:p14="http://schemas.microsoft.com/office/powerpoint/2010/main" val="3687389563"/>
+      </p:ext>
+    </p:extLst>
+  </p:cSld>
+  <p:clrMapOvr>
+    <a:masterClrMapping/>
+  </p:clrMapOvr>
+</p:notes>
+</file>
+
+<file path=ppt/notesSlides/notesSlide4.xml><?xml version="1.0" encoding="utf-8"?>
+<p:notes xmlns:a="http://schemas.openxmlformats.org/drawingml/2006/main" xmlns:r="http://schemas.openxmlformats.org/officeDocument/2006/relationships" xmlns:p="http://schemas.openxmlformats.org/presentationml/2006/main">
+  <p:cSld>
+    <p:spTree>
+      <p:nvGrpSpPr>
+        <p:cNvPr id="1" name=""/>
+        <p:cNvGrpSpPr/>
+        <p:nvPr/>
+      </p:nvGrpSpPr>
+      <p:grpSpPr>
+        <a:xfrm>
+          <a:off x="0" y="0"/>
+          <a:ext cx="0" cy="0"/>
+          <a:chOff x="0" y="0"/>
+          <a:chExt cx="0" cy="0"/>
+        </a:xfrm>
+      </p:grpSpPr>
+      <p:sp>
+        <p:nvSpPr>
+          <p:cNvPr id="2" name="Slide Image Placeholder 1"/>
+          <p:cNvSpPr>
+            <a:spLocks noGrp="1" noRot="1" noChangeAspect="1"/>
+          </p:cNvSpPr>
+          <p:nvPr>
+            <p:ph type="sldImg"/>
+          </p:nvPr>
+        </p:nvSpPr>
+        <p:spPr/>
+      </p:sp>
+      <p:sp>
+        <p:nvSpPr>
+          <p:cNvPr id="3" name="Notes Placeholder 2"/>
+          <p:cNvSpPr>
+            <a:spLocks noGrp="1"/>
+          </p:cNvSpPr>
+          <p:nvPr>
+            <p:ph type="body" idx="1"/>
+          </p:nvPr>
+        </p:nvSpPr>
+        <p:spPr/>
+        <p:txBody>
+          <a:bodyPr/>
+          <a:lstStyle/>
+          <a:p>
+            <a:endParaRPr lang="en-US" dirty="0"/>
+          </a:p>
+        </p:txBody>
+      </p:sp>
+      <p:sp>
+        <p:nvSpPr>
+          <p:cNvPr id="4" name="Slide Number Placeholder 3"/>
+          <p:cNvSpPr>
+            <a:spLocks noGrp="1"/>
+          </p:cNvSpPr>
+          <p:nvPr>
+            <p:ph type="sldNum" sz="quarter" idx="10"/>
+          </p:nvPr>
+        </p:nvSpPr>
+        <p:spPr/>
+        <p:txBody>
+          <a:bodyPr/>
+          <a:lstStyle/>
+          <a:p>
+            <a:fld id="{739F009B-AA83-4291-81BE-194F11CE1901}" type="slidenum">
+              <a:rPr lang="en-US" smtClean="0"/>
+              <a:pPr/>
+              <a:t>6</a:t>
+            </a:fld>
+            <a:endParaRPr lang="en-US" dirty="0"/>
+          </a:p>
+        </p:txBody>
+      </p:sp>
+    </p:spTree>
+    <p:extLst>
+      <p:ext uri="{BB962C8B-B14F-4D97-AF65-F5344CB8AC3E}">
+        <p14:creationId xmlns:p14="http://schemas.microsoft.com/office/powerpoint/2010/main" val="2493210088"/>
+      </p:ext>
+    </p:extLst>
+  </p:cSld>
+  <p:clrMapOvr>
+    <a:masterClrMapping/>
+  </p:clrMapOvr>
+</p:notes>
+</file>
+
+<file path=ppt/notesSlides/notesSlide5.xml><?xml version="1.0" encoding="utf-8"?>
+<p:notes xmlns:a="http://schemas.openxmlformats.org/drawingml/2006/main" xmlns:r="http://schemas.openxmlformats.org/officeDocument/2006/relationships" xmlns:p="http://schemas.openxmlformats.org/presentationml/2006/main">
+  <p:cSld>
+    <p:spTree>
+      <p:nvGrpSpPr>
+        <p:cNvPr id="1" name=""/>
+        <p:cNvGrpSpPr/>
+        <p:nvPr/>
+      </p:nvGrpSpPr>
+      <p:grpSpPr>
+        <a:xfrm>
+          <a:off x="0" y="0"/>
+          <a:ext cx="0" cy="0"/>
+          <a:chOff x="0" y="0"/>
+          <a:chExt cx="0" cy="0"/>
+        </a:xfrm>
+      </p:grpSpPr>
+      <p:sp>
+        <p:nvSpPr>
+          <p:cNvPr id="2" name="Slide Image Placeholder 1"/>
+          <p:cNvSpPr>
+            <a:spLocks noGrp="1" noRot="1" noChangeAspect="1"/>
+          </p:cNvSpPr>
+          <p:nvPr>
+            <p:ph type="sldImg"/>
+          </p:nvPr>
+        </p:nvSpPr>
+        <p:spPr/>
+      </p:sp>
+      <p:sp>
+        <p:nvSpPr>
+          <p:cNvPr id="3" name="Notes Placeholder 2"/>
+          <p:cNvSpPr>
+            <a:spLocks noGrp="1"/>
+          </p:cNvSpPr>
+          <p:nvPr>
+            <p:ph type="body" idx="1"/>
+          </p:nvPr>
+        </p:nvSpPr>
+        <p:spPr/>
+        <p:txBody>
+          <a:bodyPr/>
+          <a:lstStyle/>
+          <a:p>
+            <a:endParaRPr lang="en-US" dirty="0"/>
+          </a:p>
+        </p:txBody>
+      </p:sp>
+      <p:sp>
+        <p:nvSpPr>
+          <p:cNvPr id="4" name="Slide Number Placeholder 3"/>
+          <p:cNvSpPr>
+            <a:spLocks noGrp="1"/>
+          </p:cNvSpPr>
+          <p:nvPr>
+            <p:ph type="sldNum" sz="quarter" idx="10"/>
+          </p:nvPr>
+        </p:nvSpPr>
+        <p:spPr/>
+        <p:txBody>
+          <a:bodyPr/>
+          <a:lstStyle/>
+          <a:p>
+            <a:fld id="{739F009B-AA83-4291-81BE-194F11CE1901}" type="slidenum">
+              <a:rPr lang="en-US" smtClean="0"/>
+              <a:pPr/>
+              <a:t>7</a:t>
+            </a:fld>
+            <a:endParaRPr lang="en-US" dirty="0"/>
+          </a:p>
+        </p:txBody>
+      </p:sp>
+    </p:spTree>
+    <p:extLst>
+      <p:ext uri="{BB962C8B-B14F-4D97-AF65-F5344CB8AC3E}">
+        <p14:creationId xmlns:p14="http://schemas.microsoft.com/office/powerpoint/2010/main" val="521656160"/>
+      </p:ext>
+    </p:extLst>
+  </p:cSld>
+  <p:clrMapOvr>
+    <a:masterClrMapping/>
+  </p:clrMapOvr>
+</p:notes>
+</file>
+
+<file path=ppt/notesSlides/notesSlide6.xml><?xml version="1.0" encoding="utf-8"?>
+<p:notes xmlns:a="http://schemas.openxmlformats.org/drawingml/2006/main" xmlns:r="http://schemas.openxmlformats.org/officeDocument/2006/relationships" xmlns:p="http://schemas.openxmlformats.org/presentationml/2006/main">
+  <p:cSld>
+    <p:spTree>
+      <p:nvGrpSpPr>
+        <p:cNvPr id="1" name=""/>
+        <p:cNvGrpSpPr/>
+        <p:nvPr/>
+      </p:nvGrpSpPr>
+      <p:grpSpPr>
+        <a:xfrm>
+          <a:off x="0" y="0"/>
+          <a:ext cx="0" cy="0"/>
+          <a:chOff x="0" y="0"/>
+          <a:chExt cx="0" cy="0"/>
+        </a:xfrm>
+      </p:grpSpPr>
+      <p:sp>
+        <p:nvSpPr>
+          <p:cNvPr id="2" name="Slide Image Placeholder 1"/>
+          <p:cNvSpPr>
+            <a:spLocks noGrp="1" noRot="1" noChangeAspect="1"/>
+          </p:cNvSpPr>
+          <p:nvPr>
+            <p:ph type="sldImg"/>
+          </p:nvPr>
+        </p:nvSpPr>
+        <p:spPr/>
+      </p:sp>
+      <p:sp>
+        <p:nvSpPr>
+          <p:cNvPr id="3" name="Notes Placeholder 2"/>
+          <p:cNvSpPr>
+            <a:spLocks noGrp="1"/>
+          </p:cNvSpPr>
+          <p:nvPr>
+            <p:ph type="body" idx="1"/>
+          </p:nvPr>
+        </p:nvSpPr>
+        <p:spPr/>
+        <p:txBody>
+          <a:bodyPr/>
+          <a:lstStyle/>
+          <a:p>
+            <a:endParaRPr lang="en-US" dirty="0"/>
+          </a:p>
+        </p:txBody>
+      </p:sp>
+      <p:sp>
+        <p:nvSpPr>
+          <p:cNvPr id="4" name="Slide Number Placeholder 3"/>
+          <p:cNvSpPr>
+            <a:spLocks noGrp="1"/>
+          </p:cNvSpPr>
+          <p:nvPr>
+            <p:ph type="sldNum" sz="quarter" idx="10"/>
+          </p:nvPr>
+        </p:nvSpPr>
+        <p:spPr/>
+        <p:txBody>
+          <a:bodyPr/>
+          <a:lstStyle/>
+          <a:p>
+            <a:fld id="{739F009B-AA83-4291-81BE-194F11CE1901}" type="slidenum">
+              <a:rPr lang="en-US" smtClean="0"/>
+              <a:pPr/>
+              <a:t>8</a:t>
+            </a:fld>
+            <a:endParaRPr lang="en-US" dirty="0"/>
+          </a:p>
+        </p:txBody>
+      </p:sp>
+    </p:spTree>
+    <p:extLst>
+      <p:ext uri="{BB962C8B-B14F-4D97-AF65-F5344CB8AC3E}">
+        <p14:creationId xmlns:p14="http://schemas.microsoft.com/office/powerpoint/2010/main" val="3142276306"/>
+      </p:ext>
+    </p:extLst>
+  </p:cSld>
+  <p:clrMapOvr>
+    <a:masterClrMapping/>
+  </p:clrMapOvr>
+</p:notes>
+</file>
+
+<file path=ppt/notesSlides/notesSlide7.xml><?xml version="1.0" encoding="utf-8"?>
+<p:notes xmlns:a="http://schemas.openxmlformats.org/drawingml/2006/main" xmlns:r="http://schemas.openxmlformats.org/officeDocument/2006/relationships" xmlns:p="http://schemas.openxmlformats.org/presentationml/2006/main">
+  <p:cSld>
+    <p:spTree>
+      <p:nvGrpSpPr>
+        <p:cNvPr id="1" name=""/>
+        <p:cNvGrpSpPr/>
+        <p:nvPr/>
+      </p:nvGrpSpPr>
+      <p:grpSpPr>
+        <a:xfrm>
+          <a:off x="0" y="0"/>
+          <a:ext cx="0" cy="0"/>
+          <a:chOff x="0" y="0"/>
+          <a:chExt cx="0" cy="0"/>
+        </a:xfrm>
+      </p:grpSpPr>
+      <p:sp>
+        <p:nvSpPr>
+          <p:cNvPr id="2" name="Slide Image Placeholder 1"/>
+          <p:cNvSpPr>
+            <a:spLocks noGrp="1" noRot="1" noChangeAspect="1"/>
+          </p:cNvSpPr>
+          <p:nvPr>
+            <p:ph type="sldImg"/>
+          </p:nvPr>
+        </p:nvSpPr>
+        <p:spPr/>
+      </p:sp>
+      <p:sp>
+        <p:nvSpPr>
+          <p:cNvPr id="3" name="Notes Placeholder 2"/>
+          <p:cNvSpPr>
+            <a:spLocks noGrp="1"/>
+          </p:cNvSpPr>
+          <p:nvPr>
+            <p:ph type="body" idx="1"/>
+          </p:nvPr>
+        </p:nvSpPr>
+        <p:spPr/>
+        <p:txBody>
+          <a:bodyPr/>
+          <a:lstStyle/>
+          <a:p>
+            <a:endParaRPr lang="en-US" dirty="0"/>
+          </a:p>
+        </p:txBody>
+      </p:sp>
+      <p:sp>
+        <p:nvSpPr>
+          <p:cNvPr id="4" name="Slide Number Placeholder 3"/>
+          <p:cNvSpPr>
+            <a:spLocks noGrp="1"/>
+          </p:cNvSpPr>
+          <p:nvPr>
+            <p:ph type="sldNum" sz="quarter" idx="10"/>
+          </p:nvPr>
+        </p:nvSpPr>
+        <p:spPr/>
+        <p:txBody>
+          <a:bodyPr/>
+          <a:lstStyle/>
+          <a:p>
+            <a:fld id="{739F009B-AA83-4291-81BE-194F11CE1901}" type="slidenum">
+              <a:rPr lang="en-US" smtClean="0"/>
+              <a:pPr/>
+              <a:t>9</a:t>
+            </a:fld>
+            <a:endParaRPr lang="en-US" dirty="0"/>
+          </a:p>
+        </p:txBody>
+      </p:sp>
+    </p:spTree>
+    <p:extLst>
+      <p:ext uri="{BB962C8B-B14F-4D97-AF65-F5344CB8AC3E}">
+        <p14:creationId xmlns:p14="http://schemas.microsoft.com/office/powerpoint/2010/main" val="2364482150"/>
       </p:ext>
     </p:extLst>
   </p:cSld>
@@ -8386,6 +8815,1421 @@
       </p:transition>
     </mc:Fallback>
   </mc:AlternateContent>
+  <p:timing>
+    <p:tnLst>
+      <p:par>
+        <p:cTn id="1" dur="indefinite" restart="never" nodeType="tmRoot"/>
+      </p:par>
+    </p:tnLst>
+  </p:timing>
+</p:sld>
+</file>
+
+<file path=ppt/slides/slide10.xml><?xml version="1.0" encoding="utf-8"?>
+<p:sld xmlns:a="http://schemas.openxmlformats.org/drawingml/2006/main" xmlns:r="http://schemas.openxmlformats.org/officeDocument/2006/relationships" xmlns:p="http://schemas.openxmlformats.org/presentationml/2006/main">
+  <p:cSld>
+    <p:spTree>
+      <p:nvGrpSpPr>
+        <p:cNvPr id="1" name=""/>
+        <p:cNvGrpSpPr/>
+        <p:nvPr/>
+      </p:nvGrpSpPr>
+      <p:grpSpPr>
+        <a:xfrm>
+          <a:off x="0" y="0"/>
+          <a:ext cx="0" cy="0"/>
+          <a:chOff x="0" y="0"/>
+          <a:chExt cx="0" cy="0"/>
+        </a:xfrm>
+      </p:grpSpPr>
+      <p:sp>
+        <p:nvSpPr>
+          <p:cNvPr id="2" name="Title 1"/>
+          <p:cNvSpPr>
+            <a:spLocks noGrp="1"/>
+          </p:cNvSpPr>
+          <p:nvPr>
+            <p:ph type="title"/>
+          </p:nvPr>
+        </p:nvSpPr>
+        <p:spPr>
+          <a:xfrm>
+            <a:off x="448055" y="457200"/>
+            <a:ext cx="11311128" cy="489365"/>
+          </a:xfrm>
+        </p:spPr>
+        <p:txBody>
+          <a:bodyPr/>
+          <a:lstStyle/>
+          <a:p>
+            <a:r>
+              <a:rPr lang="en-GB" sz="3200" dirty="0" smtClean="0"/>
+              <a:t>Benefits &amp; Impacts</a:t>
+            </a:r>
+            <a:endParaRPr lang="en-GB" sz="3200" dirty="0"/>
+          </a:p>
+        </p:txBody>
+      </p:sp>
+      <p:sp>
+        <p:nvSpPr>
+          <p:cNvPr id="5" name="Content Placeholder 3"/>
+          <p:cNvSpPr txBox="1">
+            <a:spLocks/>
+          </p:cNvSpPr>
+          <p:nvPr/>
+        </p:nvSpPr>
+        <p:spPr bwMode="auto">
+          <a:xfrm>
+            <a:off x="6285042" y="1822232"/>
+            <a:ext cx="5601407" cy="960263"/>
+          </a:xfrm>
+          <a:prstGeom prst="rect">
+            <a:avLst/>
+          </a:prstGeom>
+          <a:noFill/>
+          <a:ln w="9525">
+            <a:noFill/>
+            <a:miter lim="800000"/>
+            <a:headEnd/>
+            <a:tailEnd/>
+          </a:ln>
+          <a:effectLst/>
+        </p:spPr>
+        <p:txBody>
+          <a:bodyPr vert="horz" wrap="square" lIns="0" tIns="0" rIns="0" bIns="0" numCol="1" anchor="t" anchorCtr="0" compatLnSpc="1">
+            <a:prstTxWarp prst="textNoShape">
+              <a:avLst/>
+            </a:prstTxWarp>
+            <a:spAutoFit/>
+          </a:bodyPr>
+          <a:lstStyle>
+            <a:lvl1pPr marL="0" indent="0" algn="l" defTabSz="820738" rtl="0" eaLnBrk="1" fontAlgn="base" hangingPunct="1">
+              <a:lnSpc>
+                <a:spcPct val="90000"/>
+              </a:lnSpc>
+              <a:spcBef>
+                <a:spcPct val="30000"/>
+              </a:spcBef>
+              <a:spcAft>
+                <a:spcPct val="0"/>
+              </a:spcAft>
+              <a:buClr>
+                <a:schemeClr val="tx2"/>
+              </a:buClr>
+              <a:buFont typeface="Symbol" panose="05050102010706020507" pitchFamily="18" charset="2"/>
+              <a:buChar char=""/>
+              <a:defRPr sz="2000" b="1">
+                <a:solidFill>
+                  <a:schemeClr val="bg1"/>
+                </a:solidFill>
+                <a:latin typeface="+mn-lt"/>
+                <a:ea typeface="+mn-ea"/>
+                <a:cs typeface="+mn-cs"/>
+              </a:defRPr>
+            </a:lvl1pPr>
+            <a:lvl2pPr marL="288925" indent="-173038" algn="l" defTabSz="820738" rtl="0" eaLnBrk="1" fontAlgn="base" hangingPunct="1">
+              <a:lnSpc>
+                <a:spcPct val="90000"/>
+              </a:lnSpc>
+              <a:spcBef>
+                <a:spcPct val="30000"/>
+              </a:spcBef>
+              <a:spcAft>
+                <a:spcPct val="0"/>
+              </a:spcAft>
+              <a:buClr>
+                <a:schemeClr val="bg1"/>
+              </a:buClr>
+              <a:buFont typeface="Arial" panose="020B0604020202020204" pitchFamily="34" charset="0"/>
+              <a:buChar char="•"/>
+              <a:defRPr sz="2000">
+                <a:solidFill>
+                  <a:schemeClr val="bg1"/>
+                </a:solidFill>
+                <a:latin typeface="+mn-lt"/>
+              </a:defRPr>
+            </a:lvl2pPr>
+            <a:lvl3pPr marL="508000" indent="-184150" algn="l" defTabSz="820738" rtl="0" eaLnBrk="1" fontAlgn="base" hangingPunct="1">
+              <a:lnSpc>
+                <a:spcPct val="90000"/>
+              </a:lnSpc>
+              <a:spcBef>
+                <a:spcPct val="30000"/>
+              </a:spcBef>
+              <a:spcAft>
+                <a:spcPct val="0"/>
+              </a:spcAft>
+              <a:buClr>
+                <a:schemeClr val="bg1"/>
+              </a:buClr>
+              <a:buFont typeface="Arial" panose="020B0604020202020204" pitchFamily="34" charset="0"/>
+              <a:buChar char="•"/>
+              <a:defRPr>
+                <a:solidFill>
+                  <a:schemeClr val="bg1"/>
+                </a:solidFill>
+                <a:latin typeface="+mn-lt"/>
+              </a:defRPr>
+            </a:lvl3pPr>
+            <a:lvl4pPr marL="803275" indent="-225425" algn="l" defTabSz="820738" rtl="0" eaLnBrk="1" fontAlgn="base" hangingPunct="1">
+              <a:lnSpc>
+                <a:spcPct val="90000"/>
+              </a:lnSpc>
+              <a:spcBef>
+                <a:spcPct val="30000"/>
+              </a:spcBef>
+              <a:spcAft>
+                <a:spcPct val="0"/>
+              </a:spcAft>
+              <a:buClr>
+                <a:schemeClr val="bg1"/>
+              </a:buClr>
+              <a:buFont typeface="Arial" panose="020B0604020202020204" pitchFamily="34" charset="0"/>
+              <a:buChar char="•"/>
+              <a:defRPr sz="1600">
+                <a:solidFill>
+                  <a:schemeClr val="bg1"/>
+                </a:solidFill>
+                <a:latin typeface="+mn-lt"/>
+              </a:defRPr>
+            </a:lvl4pPr>
+            <a:lvl5pPr marL="957263" indent="-163513" algn="l" defTabSz="820738" rtl="0" eaLnBrk="1" fontAlgn="base" hangingPunct="1">
+              <a:lnSpc>
+                <a:spcPct val="90000"/>
+              </a:lnSpc>
+              <a:spcBef>
+                <a:spcPct val="30000"/>
+              </a:spcBef>
+              <a:spcAft>
+                <a:spcPct val="0"/>
+              </a:spcAft>
+              <a:buClr>
+                <a:schemeClr val="tx2"/>
+              </a:buClr>
+              <a:buFont typeface="Arial" charset="0"/>
+              <a:buChar char="–"/>
+              <a:defRPr sz="1600">
+                <a:solidFill>
+                  <a:schemeClr val="tx1">
+                    <a:lumMod val="75000"/>
+                    <a:lumOff val="25000"/>
+                  </a:schemeClr>
+                </a:solidFill>
+                <a:latin typeface="+mn-lt"/>
+              </a:defRPr>
+            </a:lvl5pPr>
+            <a:lvl6pPr marL="1414463" indent="-163513" algn="l" defTabSz="820738" rtl="0" eaLnBrk="1" fontAlgn="base" hangingPunct="1">
+              <a:lnSpc>
+                <a:spcPct val="90000"/>
+              </a:lnSpc>
+              <a:spcBef>
+                <a:spcPct val="30000"/>
+              </a:spcBef>
+              <a:spcAft>
+                <a:spcPct val="0"/>
+              </a:spcAft>
+              <a:buClr>
+                <a:schemeClr val="tx2"/>
+              </a:buClr>
+              <a:buFont typeface="Arial" charset="0"/>
+              <a:buChar char="–"/>
+              <a:defRPr sz="1600">
+                <a:solidFill>
+                  <a:schemeClr val="tx1"/>
+                </a:solidFill>
+                <a:latin typeface="+mn-lt"/>
+              </a:defRPr>
+            </a:lvl6pPr>
+            <a:lvl7pPr marL="1871663" indent="-163513" algn="l" defTabSz="820738" rtl="0" eaLnBrk="1" fontAlgn="base" hangingPunct="1">
+              <a:lnSpc>
+                <a:spcPct val="90000"/>
+              </a:lnSpc>
+              <a:spcBef>
+                <a:spcPct val="30000"/>
+              </a:spcBef>
+              <a:spcAft>
+                <a:spcPct val="0"/>
+              </a:spcAft>
+              <a:buClr>
+                <a:schemeClr val="tx2"/>
+              </a:buClr>
+              <a:buFont typeface="Arial" charset="0"/>
+              <a:buChar char="–"/>
+              <a:defRPr sz="1600">
+                <a:solidFill>
+                  <a:schemeClr val="tx1"/>
+                </a:solidFill>
+                <a:latin typeface="+mn-lt"/>
+              </a:defRPr>
+            </a:lvl7pPr>
+            <a:lvl8pPr marL="2328863" indent="-163513" algn="l" defTabSz="820738" rtl="0" eaLnBrk="1" fontAlgn="base" hangingPunct="1">
+              <a:lnSpc>
+                <a:spcPct val="90000"/>
+              </a:lnSpc>
+              <a:spcBef>
+                <a:spcPct val="30000"/>
+              </a:spcBef>
+              <a:spcAft>
+                <a:spcPct val="0"/>
+              </a:spcAft>
+              <a:buClr>
+                <a:schemeClr val="tx2"/>
+              </a:buClr>
+              <a:buFont typeface="Arial" charset="0"/>
+              <a:buChar char="–"/>
+              <a:defRPr sz="1600">
+                <a:solidFill>
+                  <a:schemeClr val="tx1"/>
+                </a:solidFill>
+                <a:latin typeface="+mn-lt"/>
+              </a:defRPr>
+            </a:lvl8pPr>
+            <a:lvl9pPr marL="2786063" indent="-163513" algn="l" defTabSz="820738" rtl="0" eaLnBrk="1" fontAlgn="base" hangingPunct="1">
+              <a:lnSpc>
+                <a:spcPct val="90000"/>
+              </a:lnSpc>
+              <a:spcBef>
+                <a:spcPct val="30000"/>
+              </a:spcBef>
+              <a:spcAft>
+                <a:spcPct val="0"/>
+              </a:spcAft>
+              <a:buClr>
+                <a:schemeClr val="tx2"/>
+              </a:buClr>
+              <a:buFont typeface="Arial" charset="0"/>
+              <a:buChar char="–"/>
+              <a:defRPr sz="1600">
+                <a:solidFill>
+                  <a:schemeClr val="tx1"/>
+                </a:solidFill>
+                <a:latin typeface="+mn-lt"/>
+              </a:defRPr>
+            </a:lvl9pPr>
+          </a:lstStyle>
+          <a:p>
+            <a:pPr marL="171450" indent="-171450"/>
+            <a:r>
+              <a:rPr lang="en-US" sz="1600" kern="0" dirty="0" smtClean="0"/>
+              <a:t>Increase speed of standards supporting info requirements gap closure</a:t>
+            </a:r>
+          </a:p>
+          <a:p>
+            <a:pPr marL="171450" indent="-171450"/>
+            <a:r>
+              <a:rPr lang="en-US" sz="1600" kern="0" dirty="0" smtClean="0"/>
+              <a:t>Reduction in interoperability costs (supplier assertion reduction, manual reentry, conversion)</a:t>
+            </a:r>
+            <a:endParaRPr lang="en-US" sz="1600" kern="0" dirty="0"/>
+          </a:p>
+        </p:txBody>
+      </p:sp>
+      <p:sp>
+        <p:nvSpPr>
+          <p:cNvPr id="6" name="Content Placeholder 3"/>
+          <p:cNvSpPr>
+            <a:spLocks noGrp="1"/>
+          </p:cNvSpPr>
+          <p:nvPr>
+            <p:ph sz="quarter" idx="16"/>
+          </p:nvPr>
+        </p:nvSpPr>
+        <p:spPr>
+          <a:xfrm>
+            <a:off x="405383" y="1400438"/>
+            <a:ext cx="5601407" cy="276999"/>
+          </a:xfrm>
+        </p:spPr>
+        <p:txBody>
+          <a:bodyPr/>
+          <a:lstStyle/>
+          <a:p>
+            <a:r>
+              <a:rPr lang="en-US" dirty="0" smtClean="0"/>
+              <a:t>Benefits to MBS Developer</a:t>
+            </a:r>
+            <a:endParaRPr lang="en-US" dirty="0"/>
+          </a:p>
+        </p:txBody>
+      </p:sp>
+      <p:sp>
+        <p:nvSpPr>
+          <p:cNvPr id="7" name="Content Placeholder 3"/>
+          <p:cNvSpPr txBox="1">
+            <a:spLocks/>
+          </p:cNvSpPr>
+          <p:nvPr/>
+        </p:nvSpPr>
+        <p:spPr bwMode="auto">
+          <a:xfrm>
+            <a:off x="6204017" y="1400438"/>
+            <a:ext cx="5601407" cy="276999"/>
+          </a:xfrm>
+          <a:prstGeom prst="rect">
+            <a:avLst/>
+          </a:prstGeom>
+          <a:solidFill>
+            <a:schemeClr val="tx1">
+              <a:lumMod val="75000"/>
+              <a:lumOff val="25000"/>
+            </a:schemeClr>
+          </a:solidFill>
+          <a:ln w="9525">
+            <a:noFill/>
+            <a:miter lim="800000"/>
+            <a:headEnd/>
+            <a:tailEnd/>
+          </a:ln>
+          <a:effectLst/>
+        </p:spPr>
+        <p:txBody>
+          <a:bodyPr vert="horz" wrap="square" lIns="0" tIns="0" rIns="0" bIns="0" numCol="1" anchor="t" anchorCtr="0" compatLnSpc="1">
+            <a:prstTxWarp prst="textNoShape">
+              <a:avLst/>
+            </a:prstTxWarp>
+            <a:spAutoFit/>
+          </a:bodyPr>
+          <a:lstStyle>
+            <a:lvl1pPr marL="0" indent="0" algn="l" defTabSz="820738" rtl="0" eaLnBrk="1" fontAlgn="base" hangingPunct="1">
+              <a:lnSpc>
+                <a:spcPct val="90000"/>
+              </a:lnSpc>
+              <a:spcBef>
+                <a:spcPct val="30000"/>
+              </a:spcBef>
+              <a:spcAft>
+                <a:spcPct val="0"/>
+              </a:spcAft>
+              <a:buClr>
+                <a:schemeClr val="tx2"/>
+              </a:buClr>
+              <a:buFont typeface="Symbol" panose="05050102010706020507" pitchFamily="18" charset="2"/>
+              <a:buChar char=""/>
+              <a:defRPr sz="2000" b="1">
+                <a:solidFill>
+                  <a:schemeClr val="bg1"/>
+                </a:solidFill>
+                <a:latin typeface="+mn-lt"/>
+                <a:ea typeface="+mn-ea"/>
+                <a:cs typeface="+mn-cs"/>
+              </a:defRPr>
+            </a:lvl1pPr>
+            <a:lvl2pPr marL="288925" indent="-173038" algn="l" defTabSz="820738" rtl="0" eaLnBrk="1" fontAlgn="base" hangingPunct="1">
+              <a:lnSpc>
+                <a:spcPct val="90000"/>
+              </a:lnSpc>
+              <a:spcBef>
+                <a:spcPct val="30000"/>
+              </a:spcBef>
+              <a:spcAft>
+                <a:spcPct val="0"/>
+              </a:spcAft>
+              <a:buClr>
+                <a:schemeClr val="bg1"/>
+              </a:buClr>
+              <a:buFont typeface="Arial" panose="020B0604020202020204" pitchFamily="34" charset="0"/>
+              <a:buChar char="•"/>
+              <a:defRPr sz="2000">
+                <a:solidFill>
+                  <a:schemeClr val="bg1"/>
+                </a:solidFill>
+                <a:latin typeface="+mn-lt"/>
+              </a:defRPr>
+            </a:lvl2pPr>
+            <a:lvl3pPr marL="508000" indent="-184150" algn="l" defTabSz="820738" rtl="0" eaLnBrk="1" fontAlgn="base" hangingPunct="1">
+              <a:lnSpc>
+                <a:spcPct val="90000"/>
+              </a:lnSpc>
+              <a:spcBef>
+                <a:spcPct val="30000"/>
+              </a:spcBef>
+              <a:spcAft>
+                <a:spcPct val="0"/>
+              </a:spcAft>
+              <a:buClr>
+                <a:schemeClr val="bg1"/>
+              </a:buClr>
+              <a:buFont typeface="Arial" panose="020B0604020202020204" pitchFamily="34" charset="0"/>
+              <a:buChar char="•"/>
+              <a:defRPr>
+                <a:solidFill>
+                  <a:schemeClr val="bg1"/>
+                </a:solidFill>
+                <a:latin typeface="+mn-lt"/>
+              </a:defRPr>
+            </a:lvl3pPr>
+            <a:lvl4pPr marL="803275" indent="-225425" algn="l" defTabSz="820738" rtl="0" eaLnBrk="1" fontAlgn="base" hangingPunct="1">
+              <a:lnSpc>
+                <a:spcPct val="90000"/>
+              </a:lnSpc>
+              <a:spcBef>
+                <a:spcPct val="30000"/>
+              </a:spcBef>
+              <a:spcAft>
+                <a:spcPct val="0"/>
+              </a:spcAft>
+              <a:buClr>
+                <a:schemeClr val="bg1"/>
+              </a:buClr>
+              <a:buFont typeface="Arial" panose="020B0604020202020204" pitchFamily="34" charset="0"/>
+              <a:buChar char="•"/>
+              <a:defRPr sz="1600">
+                <a:solidFill>
+                  <a:schemeClr val="bg1"/>
+                </a:solidFill>
+                <a:latin typeface="+mn-lt"/>
+              </a:defRPr>
+            </a:lvl4pPr>
+            <a:lvl5pPr marL="957263" indent="-163513" algn="l" defTabSz="820738" rtl="0" eaLnBrk="1" fontAlgn="base" hangingPunct="1">
+              <a:lnSpc>
+                <a:spcPct val="90000"/>
+              </a:lnSpc>
+              <a:spcBef>
+                <a:spcPct val="30000"/>
+              </a:spcBef>
+              <a:spcAft>
+                <a:spcPct val="0"/>
+              </a:spcAft>
+              <a:buClr>
+                <a:schemeClr val="tx2"/>
+              </a:buClr>
+              <a:buFont typeface="Arial" charset="0"/>
+              <a:buChar char="–"/>
+              <a:defRPr sz="1600">
+                <a:solidFill>
+                  <a:schemeClr val="tx1">
+                    <a:lumMod val="75000"/>
+                    <a:lumOff val="25000"/>
+                  </a:schemeClr>
+                </a:solidFill>
+                <a:latin typeface="+mn-lt"/>
+              </a:defRPr>
+            </a:lvl5pPr>
+            <a:lvl6pPr marL="1414463" indent="-163513" algn="l" defTabSz="820738" rtl="0" eaLnBrk="1" fontAlgn="base" hangingPunct="1">
+              <a:lnSpc>
+                <a:spcPct val="90000"/>
+              </a:lnSpc>
+              <a:spcBef>
+                <a:spcPct val="30000"/>
+              </a:spcBef>
+              <a:spcAft>
+                <a:spcPct val="0"/>
+              </a:spcAft>
+              <a:buClr>
+                <a:schemeClr val="tx2"/>
+              </a:buClr>
+              <a:buFont typeface="Arial" charset="0"/>
+              <a:buChar char="–"/>
+              <a:defRPr sz="1600">
+                <a:solidFill>
+                  <a:schemeClr val="tx1"/>
+                </a:solidFill>
+                <a:latin typeface="+mn-lt"/>
+              </a:defRPr>
+            </a:lvl6pPr>
+            <a:lvl7pPr marL="1871663" indent="-163513" algn="l" defTabSz="820738" rtl="0" eaLnBrk="1" fontAlgn="base" hangingPunct="1">
+              <a:lnSpc>
+                <a:spcPct val="90000"/>
+              </a:lnSpc>
+              <a:spcBef>
+                <a:spcPct val="30000"/>
+              </a:spcBef>
+              <a:spcAft>
+                <a:spcPct val="0"/>
+              </a:spcAft>
+              <a:buClr>
+                <a:schemeClr val="tx2"/>
+              </a:buClr>
+              <a:buFont typeface="Arial" charset="0"/>
+              <a:buChar char="–"/>
+              <a:defRPr sz="1600">
+                <a:solidFill>
+                  <a:schemeClr val="tx1"/>
+                </a:solidFill>
+                <a:latin typeface="+mn-lt"/>
+              </a:defRPr>
+            </a:lvl7pPr>
+            <a:lvl8pPr marL="2328863" indent="-163513" algn="l" defTabSz="820738" rtl="0" eaLnBrk="1" fontAlgn="base" hangingPunct="1">
+              <a:lnSpc>
+                <a:spcPct val="90000"/>
+              </a:lnSpc>
+              <a:spcBef>
+                <a:spcPct val="30000"/>
+              </a:spcBef>
+              <a:spcAft>
+                <a:spcPct val="0"/>
+              </a:spcAft>
+              <a:buClr>
+                <a:schemeClr val="tx2"/>
+              </a:buClr>
+              <a:buFont typeface="Arial" charset="0"/>
+              <a:buChar char="–"/>
+              <a:defRPr sz="1600">
+                <a:solidFill>
+                  <a:schemeClr val="tx1"/>
+                </a:solidFill>
+                <a:latin typeface="+mn-lt"/>
+              </a:defRPr>
+            </a:lvl8pPr>
+            <a:lvl9pPr marL="2786063" indent="-163513" algn="l" defTabSz="820738" rtl="0" eaLnBrk="1" fontAlgn="base" hangingPunct="1">
+              <a:lnSpc>
+                <a:spcPct val="90000"/>
+              </a:lnSpc>
+              <a:spcBef>
+                <a:spcPct val="30000"/>
+              </a:spcBef>
+              <a:spcAft>
+                <a:spcPct val="0"/>
+              </a:spcAft>
+              <a:buClr>
+                <a:schemeClr val="tx2"/>
+              </a:buClr>
+              <a:buFont typeface="Arial" charset="0"/>
+              <a:buChar char="–"/>
+              <a:defRPr sz="1600">
+                <a:solidFill>
+                  <a:schemeClr val="tx1"/>
+                </a:solidFill>
+                <a:latin typeface="+mn-lt"/>
+              </a:defRPr>
+            </a:lvl9pPr>
+          </a:lstStyle>
+          <a:p>
+            <a:r>
+              <a:rPr lang="en-US" kern="0" dirty="0" smtClean="0"/>
+              <a:t>Benefits to Industry/Enterprise</a:t>
+            </a:r>
+            <a:endParaRPr lang="en-US" kern="0" dirty="0"/>
+          </a:p>
+        </p:txBody>
+      </p:sp>
+      <p:sp>
+        <p:nvSpPr>
+          <p:cNvPr id="8" name="Content Placeholder 3"/>
+          <p:cNvSpPr txBox="1">
+            <a:spLocks/>
+          </p:cNvSpPr>
+          <p:nvPr/>
+        </p:nvSpPr>
+        <p:spPr bwMode="auto">
+          <a:xfrm>
+            <a:off x="405383" y="1822232"/>
+            <a:ext cx="5601407" cy="1329595"/>
+          </a:xfrm>
+          <a:prstGeom prst="rect">
+            <a:avLst/>
+          </a:prstGeom>
+          <a:solidFill>
+            <a:schemeClr val="tx1">
+              <a:lumMod val="75000"/>
+              <a:lumOff val="25000"/>
+            </a:schemeClr>
+          </a:solidFill>
+          <a:ln w="9525">
+            <a:noFill/>
+            <a:miter lim="800000"/>
+            <a:headEnd/>
+            <a:tailEnd/>
+          </a:ln>
+          <a:effectLst/>
+        </p:spPr>
+        <p:txBody>
+          <a:bodyPr vert="horz" wrap="square" lIns="0" tIns="0" rIns="0" bIns="0" numCol="1" anchor="t" anchorCtr="0" compatLnSpc="1">
+            <a:prstTxWarp prst="textNoShape">
+              <a:avLst/>
+            </a:prstTxWarp>
+            <a:spAutoFit/>
+          </a:bodyPr>
+          <a:lstStyle>
+            <a:lvl1pPr marL="0" indent="0" algn="l" defTabSz="820738" rtl="0" eaLnBrk="1" fontAlgn="base" hangingPunct="1">
+              <a:lnSpc>
+                <a:spcPct val="90000"/>
+              </a:lnSpc>
+              <a:spcBef>
+                <a:spcPct val="30000"/>
+              </a:spcBef>
+              <a:spcAft>
+                <a:spcPct val="0"/>
+              </a:spcAft>
+              <a:buClr>
+                <a:schemeClr val="tx2"/>
+              </a:buClr>
+              <a:buFont typeface="Symbol" panose="05050102010706020507" pitchFamily="18" charset="2"/>
+              <a:buChar char=""/>
+              <a:defRPr sz="2000" b="1">
+                <a:solidFill>
+                  <a:schemeClr val="bg1"/>
+                </a:solidFill>
+                <a:latin typeface="+mn-lt"/>
+                <a:ea typeface="+mn-ea"/>
+                <a:cs typeface="+mn-cs"/>
+              </a:defRPr>
+            </a:lvl1pPr>
+            <a:lvl2pPr marL="288925" indent="-173038" algn="l" defTabSz="820738" rtl="0" eaLnBrk="1" fontAlgn="base" hangingPunct="1">
+              <a:lnSpc>
+                <a:spcPct val="90000"/>
+              </a:lnSpc>
+              <a:spcBef>
+                <a:spcPct val="30000"/>
+              </a:spcBef>
+              <a:spcAft>
+                <a:spcPct val="0"/>
+              </a:spcAft>
+              <a:buClr>
+                <a:schemeClr val="bg1"/>
+              </a:buClr>
+              <a:buFont typeface="Arial" panose="020B0604020202020204" pitchFamily="34" charset="0"/>
+              <a:buChar char="•"/>
+              <a:defRPr sz="2000">
+                <a:solidFill>
+                  <a:schemeClr val="bg1"/>
+                </a:solidFill>
+                <a:latin typeface="+mn-lt"/>
+              </a:defRPr>
+            </a:lvl2pPr>
+            <a:lvl3pPr marL="508000" indent="-184150" algn="l" defTabSz="820738" rtl="0" eaLnBrk="1" fontAlgn="base" hangingPunct="1">
+              <a:lnSpc>
+                <a:spcPct val="90000"/>
+              </a:lnSpc>
+              <a:spcBef>
+                <a:spcPct val="30000"/>
+              </a:spcBef>
+              <a:spcAft>
+                <a:spcPct val="0"/>
+              </a:spcAft>
+              <a:buClr>
+                <a:schemeClr val="bg1"/>
+              </a:buClr>
+              <a:buFont typeface="Arial" panose="020B0604020202020204" pitchFamily="34" charset="0"/>
+              <a:buChar char="•"/>
+              <a:defRPr>
+                <a:solidFill>
+                  <a:schemeClr val="bg1"/>
+                </a:solidFill>
+                <a:latin typeface="+mn-lt"/>
+              </a:defRPr>
+            </a:lvl3pPr>
+            <a:lvl4pPr marL="803275" indent="-225425" algn="l" defTabSz="820738" rtl="0" eaLnBrk="1" fontAlgn="base" hangingPunct="1">
+              <a:lnSpc>
+                <a:spcPct val="90000"/>
+              </a:lnSpc>
+              <a:spcBef>
+                <a:spcPct val="30000"/>
+              </a:spcBef>
+              <a:spcAft>
+                <a:spcPct val="0"/>
+              </a:spcAft>
+              <a:buClr>
+                <a:schemeClr val="bg1"/>
+              </a:buClr>
+              <a:buFont typeface="Arial" panose="020B0604020202020204" pitchFamily="34" charset="0"/>
+              <a:buChar char="•"/>
+              <a:defRPr sz="1600">
+                <a:solidFill>
+                  <a:schemeClr val="bg1"/>
+                </a:solidFill>
+                <a:latin typeface="+mn-lt"/>
+              </a:defRPr>
+            </a:lvl4pPr>
+            <a:lvl5pPr marL="957263" indent="-163513" algn="l" defTabSz="820738" rtl="0" eaLnBrk="1" fontAlgn="base" hangingPunct="1">
+              <a:lnSpc>
+                <a:spcPct val="90000"/>
+              </a:lnSpc>
+              <a:spcBef>
+                <a:spcPct val="30000"/>
+              </a:spcBef>
+              <a:spcAft>
+                <a:spcPct val="0"/>
+              </a:spcAft>
+              <a:buClr>
+                <a:schemeClr val="tx2"/>
+              </a:buClr>
+              <a:buFont typeface="Arial" charset="0"/>
+              <a:buChar char="–"/>
+              <a:defRPr sz="1600">
+                <a:solidFill>
+                  <a:schemeClr val="tx1">
+                    <a:lumMod val="75000"/>
+                    <a:lumOff val="25000"/>
+                  </a:schemeClr>
+                </a:solidFill>
+                <a:latin typeface="+mn-lt"/>
+              </a:defRPr>
+            </a:lvl5pPr>
+            <a:lvl6pPr marL="1414463" indent="-163513" algn="l" defTabSz="820738" rtl="0" eaLnBrk="1" fontAlgn="base" hangingPunct="1">
+              <a:lnSpc>
+                <a:spcPct val="90000"/>
+              </a:lnSpc>
+              <a:spcBef>
+                <a:spcPct val="30000"/>
+              </a:spcBef>
+              <a:spcAft>
+                <a:spcPct val="0"/>
+              </a:spcAft>
+              <a:buClr>
+                <a:schemeClr val="tx2"/>
+              </a:buClr>
+              <a:buFont typeface="Arial" charset="0"/>
+              <a:buChar char="–"/>
+              <a:defRPr sz="1600">
+                <a:solidFill>
+                  <a:schemeClr val="tx1"/>
+                </a:solidFill>
+                <a:latin typeface="+mn-lt"/>
+              </a:defRPr>
+            </a:lvl6pPr>
+            <a:lvl7pPr marL="1871663" indent="-163513" algn="l" defTabSz="820738" rtl="0" eaLnBrk="1" fontAlgn="base" hangingPunct="1">
+              <a:lnSpc>
+                <a:spcPct val="90000"/>
+              </a:lnSpc>
+              <a:spcBef>
+                <a:spcPct val="30000"/>
+              </a:spcBef>
+              <a:spcAft>
+                <a:spcPct val="0"/>
+              </a:spcAft>
+              <a:buClr>
+                <a:schemeClr val="tx2"/>
+              </a:buClr>
+              <a:buFont typeface="Arial" charset="0"/>
+              <a:buChar char="–"/>
+              <a:defRPr sz="1600">
+                <a:solidFill>
+                  <a:schemeClr val="tx1"/>
+                </a:solidFill>
+                <a:latin typeface="+mn-lt"/>
+              </a:defRPr>
+            </a:lvl7pPr>
+            <a:lvl8pPr marL="2328863" indent="-163513" algn="l" defTabSz="820738" rtl="0" eaLnBrk="1" fontAlgn="base" hangingPunct="1">
+              <a:lnSpc>
+                <a:spcPct val="90000"/>
+              </a:lnSpc>
+              <a:spcBef>
+                <a:spcPct val="30000"/>
+              </a:spcBef>
+              <a:spcAft>
+                <a:spcPct val="0"/>
+              </a:spcAft>
+              <a:buClr>
+                <a:schemeClr val="tx2"/>
+              </a:buClr>
+              <a:buFont typeface="Arial" charset="0"/>
+              <a:buChar char="–"/>
+              <a:defRPr sz="1600">
+                <a:solidFill>
+                  <a:schemeClr val="tx1"/>
+                </a:solidFill>
+                <a:latin typeface="+mn-lt"/>
+              </a:defRPr>
+            </a:lvl8pPr>
+            <a:lvl9pPr marL="2786063" indent="-163513" algn="l" defTabSz="820738" rtl="0" eaLnBrk="1" fontAlgn="base" hangingPunct="1">
+              <a:lnSpc>
+                <a:spcPct val="90000"/>
+              </a:lnSpc>
+              <a:spcBef>
+                <a:spcPct val="30000"/>
+              </a:spcBef>
+              <a:spcAft>
+                <a:spcPct val="0"/>
+              </a:spcAft>
+              <a:buClr>
+                <a:schemeClr val="tx2"/>
+              </a:buClr>
+              <a:buFont typeface="Arial" charset="0"/>
+              <a:buChar char="–"/>
+              <a:defRPr sz="1600">
+                <a:solidFill>
+                  <a:schemeClr val="tx1"/>
+                </a:solidFill>
+                <a:latin typeface="+mn-lt"/>
+              </a:defRPr>
+            </a:lvl9pPr>
+          </a:lstStyle>
+          <a:p>
+            <a:pPr marL="285750" indent="-285750"/>
+            <a:r>
+              <a:rPr lang="en-US" sz="1600" kern="0" dirty="0" smtClean="0"/>
+              <a:t>Immediate feedback loop to detect and fix issues early</a:t>
+            </a:r>
+          </a:p>
+          <a:p>
+            <a:pPr marL="285750" indent="-285750"/>
+            <a:r>
+              <a:rPr lang="en-US" sz="1600" kern="0" dirty="0" smtClean="0"/>
+              <a:t>Increase transparency and visibility to other developers and team members </a:t>
+            </a:r>
+          </a:p>
+          <a:p>
+            <a:pPr marL="285750" indent="-285750"/>
+            <a:r>
+              <a:rPr lang="en-US" sz="1600" kern="0" dirty="0" smtClean="0"/>
+              <a:t>Avoid “integration hell”</a:t>
+            </a:r>
+          </a:p>
+          <a:p>
+            <a:pPr marL="285750" indent="-285750"/>
+            <a:r>
+              <a:rPr lang="en-US" sz="1600" kern="0" dirty="0" smtClean="0"/>
+              <a:t>Improve quality and testability</a:t>
+            </a:r>
+            <a:endParaRPr lang="en-US" sz="1600" kern="0" dirty="0"/>
+          </a:p>
+        </p:txBody>
+      </p:sp>
+      <p:sp>
+        <p:nvSpPr>
+          <p:cNvPr id="9" name="Text Placeholder 2"/>
+          <p:cNvSpPr>
+            <a:spLocks noGrp="1"/>
+          </p:cNvSpPr>
+          <p:nvPr>
+            <p:ph type="body" sz="quarter" idx="12"/>
+          </p:nvPr>
+        </p:nvSpPr>
+        <p:spPr>
+          <a:xfrm>
+            <a:off x="448055" y="917917"/>
+            <a:ext cx="11311128" cy="323165"/>
+          </a:xfrm>
+        </p:spPr>
+        <p:txBody>
+          <a:bodyPr/>
+          <a:lstStyle/>
+          <a:p>
+            <a:r>
+              <a:rPr lang="en-US" dirty="0">
+                <a:solidFill>
+                  <a:schemeClr val="bg1">
+                    <a:lumMod val="50000"/>
+                  </a:schemeClr>
+                </a:solidFill>
+              </a:rPr>
+              <a:t>Agile for Model-Based-Standards </a:t>
+            </a:r>
+            <a:r>
+              <a:rPr lang="en-US" dirty="0" smtClean="0">
+                <a:solidFill>
+                  <a:schemeClr val="bg1">
+                    <a:lumMod val="50000"/>
+                  </a:schemeClr>
+                </a:solidFill>
+              </a:rPr>
+              <a:t>Development</a:t>
+            </a:r>
+            <a:endParaRPr lang="en-US" dirty="0">
+              <a:solidFill>
+                <a:schemeClr val="bg1">
+                  <a:lumMod val="50000"/>
+                </a:schemeClr>
+              </a:solidFill>
+            </a:endParaRPr>
+          </a:p>
+        </p:txBody>
+      </p:sp>
+      <p:sp>
+        <p:nvSpPr>
+          <p:cNvPr id="4" name="Rectangle 3"/>
+          <p:cNvSpPr/>
+          <p:nvPr/>
+        </p:nvSpPr>
+        <p:spPr>
+          <a:xfrm>
+            <a:off x="4770974" y="2967335"/>
+            <a:ext cx="2646879" cy="923330"/>
+          </a:xfrm>
+          <a:prstGeom prst="rect">
+            <a:avLst/>
+          </a:prstGeom>
+          <a:noFill/>
+        </p:spPr>
+        <p:txBody>
+          <a:bodyPr wrap="none" lIns="91440" tIns="45720" rIns="91440" bIns="45720">
+            <a:spAutoFit/>
+          </a:bodyPr>
+          <a:lstStyle/>
+          <a:p>
+            <a:pPr algn="ctr"/>
+            <a:r>
+              <a:rPr lang="en-US" sz="5400" b="1" dirty="0" smtClean="0">
+                <a:ln w="22225">
+                  <a:solidFill>
+                    <a:schemeClr val="accent2"/>
+                  </a:solidFill>
+                  <a:prstDash val="solid"/>
+                </a:ln>
+                <a:solidFill>
+                  <a:schemeClr val="accent2">
+                    <a:lumMod val="40000"/>
+                    <a:lumOff val="60000"/>
+                  </a:schemeClr>
+                </a:solidFill>
+              </a:rPr>
+              <a:t>Sylvere</a:t>
+            </a:r>
+            <a:endParaRPr lang="en-US" sz="5400" b="1" cap="none" spc="0" dirty="0">
+              <a:ln w="22225">
+                <a:solidFill>
+                  <a:schemeClr val="accent2"/>
+                </a:solidFill>
+                <a:prstDash val="solid"/>
+              </a:ln>
+              <a:solidFill>
+                <a:schemeClr val="accent2">
+                  <a:lumMod val="40000"/>
+                  <a:lumOff val="60000"/>
+                </a:schemeClr>
+              </a:solidFill>
+              <a:effectLst/>
+            </a:endParaRPr>
+          </a:p>
+        </p:txBody>
+      </p:sp>
+    </p:spTree>
+    <p:extLst>
+      <p:ext uri="{BB962C8B-B14F-4D97-AF65-F5344CB8AC3E}">
+        <p14:creationId xmlns:p14="http://schemas.microsoft.com/office/powerpoint/2010/main" val="1776094296"/>
+      </p:ext>
+    </p:extLst>
+  </p:cSld>
+  <p:clrMapOvr>
+    <a:masterClrMapping/>
+  </p:clrMapOvr>
+  <mc:AlternateContent xmlns:mc="http://schemas.openxmlformats.org/markup-compatibility/2006" xmlns:p14="http://schemas.microsoft.com/office/powerpoint/2010/main">
+    <mc:Choice Requires="p14">
+      <p:transition spd="med" p14:dur="700">
+        <p:fade/>
+      </p:transition>
+    </mc:Choice>
+    <mc:Fallback xmlns="">
+      <p:transition spd="med">
+        <p:fade/>
+      </p:transition>
+    </mc:Fallback>
+  </mc:AlternateContent>
+  <p:timing>
+    <p:tnLst>
+      <p:par>
+        <p:cTn id="1" dur="indefinite" restart="never" nodeType="tmRoot"/>
+      </p:par>
+    </p:tnLst>
+  </p:timing>
+</p:sld>
+</file>
+
+<file path=ppt/slides/slide11.xml><?xml version="1.0" encoding="utf-8"?>
+<p:sld xmlns:a="http://schemas.openxmlformats.org/drawingml/2006/main" xmlns:r="http://schemas.openxmlformats.org/officeDocument/2006/relationships" xmlns:p="http://schemas.openxmlformats.org/presentationml/2006/main">
+  <p:cSld>
+    <p:spTree>
+      <p:nvGrpSpPr>
+        <p:cNvPr id="1" name=""/>
+        <p:cNvGrpSpPr/>
+        <p:nvPr/>
+      </p:nvGrpSpPr>
+      <p:grpSpPr>
+        <a:xfrm>
+          <a:off x="0" y="0"/>
+          <a:ext cx="0" cy="0"/>
+          <a:chOff x="0" y="0"/>
+          <a:chExt cx="0" cy="0"/>
+        </a:xfrm>
+      </p:grpSpPr>
+      <p:sp>
+        <p:nvSpPr>
+          <p:cNvPr id="2" name="Title 1"/>
+          <p:cNvSpPr>
+            <a:spLocks noGrp="1"/>
+          </p:cNvSpPr>
+          <p:nvPr>
+            <p:ph type="title"/>
+          </p:nvPr>
+        </p:nvSpPr>
+        <p:spPr>
+          <a:xfrm>
+            <a:off x="448055" y="457200"/>
+            <a:ext cx="11311128" cy="489365"/>
+          </a:xfrm>
+        </p:spPr>
+        <p:txBody>
+          <a:bodyPr/>
+          <a:lstStyle/>
+          <a:p>
+            <a:r>
+              <a:rPr lang="en-GB" sz="3200" dirty="0" smtClean="0"/>
+              <a:t>Next Steps</a:t>
+            </a:r>
+            <a:endParaRPr lang="en-GB" sz="3200" dirty="0"/>
+          </a:p>
+        </p:txBody>
+      </p:sp>
+      <p:sp>
+        <p:nvSpPr>
+          <p:cNvPr id="3" name="Text Placeholder 2"/>
+          <p:cNvSpPr>
+            <a:spLocks noGrp="1"/>
+          </p:cNvSpPr>
+          <p:nvPr>
+            <p:ph type="body" sz="quarter" idx="12"/>
+          </p:nvPr>
+        </p:nvSpPr>
+        <p:spPr>
+          <a:xfrm>
+            <a:off x="448055" y="917917"/>
+            <a:ext cx="11311128" cy="323165"/>
+          </a:xfrm>
+        </p:spPr>
+        <p:txBody>
+          <a:bodyPr/>
+          <a:lstStyle/>
+          <a:p>
+            <a:r>
+              <a:rPr lang="en-US" dirty="0">
+                <a:solidFill>
+                  <a:schemeClr val="bg1">
+                    <a:lumMod val="50000"/>
+                  </a:schemeClr>
+                </a:solidFill>
+              </a:rPr>
+              <a:t>Agile for Model-Based-Standards </a:t>
+            </a:r>
+            <a:r>
+              <a:rPr lang="en-US" dirty="0" smtClean="0">
+                <a:solidFill>
+                  <a:schemeClr val="bg1">
+                    <a:lumMod val="50000"/>
+                  </a:schemeClr>
+                </a:solidFill>
+              </a:rPr>
+              <a:t>Development</a:t>
+            </a:r>
+            <a:endParaRPr lang="en-US" dirty="0">
+              <a:solidFill>
+                <a:schemeClr val="bg1">
+                  <a:lumMod val="50000"/>
+                </a:schemeClr>
+              </a:solidFill>
+            </a:endParaRPr>
+          </a:p>
+        </p:txBody>
+      </p:sp>
+      <p:sp>
+        <p:nvSpPr>
+          <p:cNvPr id="4" name="Content Placeholder 3"/>
+          <p:cNvSpPr>
+            <a:spLocks noGrp="1"/>
+          </p:cNvSpPr>
+          <p:nvPr>
+            <p:ph sz="quarter" idx="16"/>
+          </p:nvPr>
+        </p:nvSpPr>
+        <p:spPr>
+          <a:xfrm>
+            <a:off x="405383" y="1400438"/>
+            <a:ext cx="11311128" cy="5336846"/>
+          </a:xfrm>
+        </p:spPr>
+        <p:txBody>
+          <a:bodyPr/>
+          <a:lstStyle/>
+          <a:p>
+            <a:pPr>
+              <a:buClr>
+                <a:schemeClr val="bg1"/>
+              </a:buClr>
+            </a:pPr>
+            <a:r>
+              <a:rPr lang="en-GB" sz="2800" u="sng" dirty="0" smtClean="0"/>
+              <a:t>Implement</a:t>
+            </a:r>
+            <a:r>
+              <a:rPr lang="en-GB" sz="2800" u="sng" dirty="0" smtClean="0"/>
+              <a:t>:</a:t>
+            </a:r>
+          </a:p>
+          <a:p>
+            <a:pPr>
+              <a:buClr>
+                <a:schemeClr val="bg1"/>
+              </a:buClr>
+              <a:buNone/>
+            </a:pPr>
+            <a:r>
+              <a:rPr lang="en-GB" b="0" dirty="0" smtClean="0"/>
+              <a:t>Backlog Management</a:t>
+            </a:r>
+          </a:p>
+          <a:p>
+            <a:pPr marL="631825" lvl="1" indent="-342900">
+              <a:buFont typeface="Wingdings" panose="05000000000000000000" pitchFamily="2" charset="2"/>
+              <a:buChar char="§"/>
+            </a:pPr>
+            <a:r>
+              <a:rPr lang="en-GB" dirty="0" smtClean="0"/>
+              <a:t>JIRA or GIT KANBANs</a:t>
+            </a:r>
+          </a:p>
+          <a:p>
+            <a:pPr>
+              <a:buClr>
+                <a:schemeClr val="bg1"/>
+              </a:buClr>
+              <a:buNone/>
+            </a:pPr>
+            <a:r>
+              <a:rPr lang="en-GB" b="0" dirty="0" smtClean="0"/>
+              <a:t>Agile Release Train</a:t>
+            </a:r>
+          </a:p>
+          <a:p>
+            <a:pPr marL="631825" lvl="1" indent="-342900">
+              <a:buFont typeface="Wingdings" panose="05000000000000000000" pitchFamily="2" charset="2"/>
+              <a:buChar char="§"/>
+            </a:pPr>
+            <a:r>
+              <a:rPr lang="en-GB" dirty="0" smtClean="0"/>
+              <a:t>JIRA Workflow Management</a:t>
+            </a:r>
+            <a:endParaRPr lang="en-GB" b="0" dirty="0" smtClean="0"/>
+          </a:p>
+          <a:p>
+            <a:pPr>
+              <a:buClr>
+                <a:schemeClr val="bg1"/>
+              </a:buClr>
+              <a:buNone/>
+            </a:pPr>
+            <a:r>
+              <a:rPr lang="en-GB" b="0" dirty="0" smtClean="0"/>
+              <a:t>Program Increment Planning</a:t>
+            </a:r>
+          </a:p>
+          <a:p>
+            <a:pPr marL="631825" lvl="1" indent="-342900">
+              <a:buFont typeface="Wingdings" panose="05000000000000000000" pitchFamily="2" charset="2"/>
+              <a:buChar char="§"/>
+            </a:pPr>
+            <a:r>
+              <a:rPr lang="en-GB" b="0" dirty="0"/>
+              <a:t>JIRA Workflow </a:t>
+            </a:r>
+            <a:r>
+              <a:rPr lang="en-GB" b="0" dirty="0" smtClean="0"/>
+              <a:t>Management</a:t>
+            </a:r>
+          </a:p>
+          <a:p>
+            <a:pPr marL="631825" lvl="1" indent="-342900">
+              <a:buFont typeface="Wingdings" panose="05000000000000000000" pitchFamily="2" charset="2"/>
+              <a:buChar char="§"/>
+            </a:pPr>
+            <a:r>
+              <a:rPr lang="en-US" dirty="0"/>
+              <a:t>Planning Poker, T-Shirt Sizes, Dot Voting </a:t>
+            </a:r>
+            <a:endParaRPr lang="en-GB" b="0" dirty="0"/>
+          </a:p>
+          <a:p>
+            <a:pPr marL="342900" indent="-342900">
+              <a:buClr>
+                <a:schemeClr val="bg1"/>
+              </a:buClr>
+              <a:buFont typeface="Wingdings" panose="05000000000000000000" pitchFamily="2" charset="2"/>
+              <a:buChar char="§"/>
+            </a:pPr>
+            <a:endParaRPr lang="en-GB" dirty="0"/>
+          </a:p>
+          <a:p>
+            <a:pPr>
+              <a:buClr>
+                <a:schemeClr val="bg1"/>
+              </a:buClr>
+            </a:pPr>
+            <a:r>
+              <a:rPr lang="en-GB" sz="2800" u="sng" dirty="0" smtClean="0"/>
+              <a:t>Continued Research</a:t>
+            </a:r>
+            <a:r>
+              <a:rPr lang="en-GB" sz="2800" u="sng" dirty="0" smtClean="0"/>
+              <a:t>:</a:t>
+            </a:r>
+          </a:p>
+          <a:p>
+            <a:pPr marL="342900" indent="-342900">
+              <a:buClr>
+                <a:schemeClr val="bg1"/>
+              </a:buClr>
+              <a:buFont typeface="Wingdings" panose="05000000000000000000" pitchFamily="2" charset="2"/>
+              <a:buChar char="§"/>
+            </a:pPr>
+            <a:r>
+              <a:rPr lang="en-GB" b="0" dirty="0" smtClean="0"/>
+              <a:t>Advanced Communication Tools </a:t>
+            </a:r>
+            <a:r>
+              <a:rPr lang="en-GB" sz="1600" b="0" dirty="0"/>
+              <a:t>(for consensus management; requirements traceability)</a:t>
+            </a:r>
+          </a:p>
+          <a:p>
+            <a:pPr marL="342900" indent="-342900">
+              <a:buClr>
+                <a:schemeClr val="bg1"/>
+              </a:buClr>
+              <a:buFont typeface="Wingdings" panose="05000000000000000000" pitchFamily="2" charset="2"/>
+              <a:buChar char="§"/>
+            </a:pPr>
+            <a:r>
+              <a:rPr lang="en-GB" b="0" dirty="0" smtClean="0"/>
+              <a:t>Continuous Integration Tools &amp; Automation </a:t>
+            </a:r>
+            <a:r>
+              <a:rPr lang="en-GB" sz="1600" b="0" dirty="0" smtClean="0"/>
+              <a:t>(</a:t>
+            </a:r>
+            <a:r>
+              <a:rPr lang="en-US" sz="1600" b="0" dirty="0" err="1"/>
+              <a:t>Bitbucket</a:t>
+            </a:r>
+            <a:r>
+              <a:rPr lang="en-US" sz="1600" b="0" dirty="0"/>
+              <a:t>/Bamboo, Jenkins, AWS </a:t>
+            </a:r>
+            <a:r>
+              <a:rPr lang="en-US" sz="1600" b="0" dirty="0" err="1"/>
+              <a:t>CodePipeline</a:t>
+            </a:r>
+            <a:r>
+              <a:rPr lang="en-US" sz="1600" b="0" dirty="0"/>
+              <a:t>, and </a:t>
+            </a:r>
+            <a:r>
+              <a:rPr lang="en-US" sz="1600" b="0" dirty="0" err="1" smtClean="0"/>
+              <a:t>Gitlab</a:t>
+            </a:r>
+            <a:r>
+              <a:rPr lang="en-US" sz="1600" b="0" dirty="0" smtClean="0"/>
+              <a:t>)</a:t>
+            </a:r>
+            <a:endParaRPr lang="en-US" b="0" dirty="0" smtClean="0"/>
+          </a:p>
+          <a:p>
+            <a:pPr marL="631825" lvl="1" indent="-342900">
+              <a:buFont typeface="Wingdings" panose="05000000000000000000" pitchFamily="2" charset="2"/>
+              <a:buChar char="§"/>
+            </a:pPr>
+            <a:r>
+              <a:rPr lang="en-US" dirty="0"/>
+              <a:t>EXPRESS Engine, JSDAI Compiles, Python scripts or ANT Builds</a:t>
+            </a:r>
+            <a:endParaRPr lang="en-GB" b="0" dirty="0"/>
+          </a:p>
+          <a:p>
+            <a:pPr marL="342900" indent="-342900">
+              <a:buClr>
+                <a:schemeClr val="bg1"/>
+              </a:buClr>
+              <a:buFont typeface="Wingdings" panose="05000000000000000000" pitchFamily="2" charset="2"/>
+              <a:buChar char="§"/>
+            </a:pPr>
+            <a:endParaRPr lang="en-GB" b="0" dirty="0"/>
+          </a:p>
+        </p:txBody>
+      </p:sp>
+      <p:graphicFrame>
+        <p:nvGraphicFramePr>
+          <p:cNvPr id="6" name="Object 5"/>
+          <p:cNvGraphicFramePr>
+            <a:graphicFrameLocks noChangeAspect="1"/>
+          </p:cNvGraphicFramePr>
+          <p:nvPr>
+            <p:extLst>
+              <p:ext uri="{D42A27DB-BD31-4B8C-83A1-F6EECF244321}">
+                <p14:modId xmlns:p14="http://schemas.microsoft.com/office/powerpoint/2010/main" val="3534968585"/>
+              </p:ext>
+            </p:extLst>
+          </p:nvPr>
+        </p:nvGraphicFramePr>
+        <p:xfrm>
+          <a:off x="7256585" y="1606060"/>
+          <a:ext cx="3552092" cy="2466731"/>
+        </p:xfrm>
+        <a:graphic>
+          <a:graphicData uri="http://schemas.openxmlformats.org/presentationml/2006/ole">
+            <mc:AlternateContent xmlns:mc="http://schemas.openxmlformats.org/markup-compatibility/2006">
+              <mc:Choice xmlns:v="urn:schemas-microsoft-com:vml" Requires="v">
+                <p:oleObj spid="_x0000_s2054" name="Visio" r:id="rId3" imgW="5467350" imgH="3819396" progId="Visio.Drawing.15">
+                  <p:embed/>
+                </p:oleObj>
+              </mc:Choice>
+              <mc:Fallback>
+                <p:oleObj name="Visio" r:id="rId3" imgW="5467350" imgH="3819396" progId="Visio.Drawing.15">
+                  <p:embed/>
+                  <p:pic>
+                    <p:nvPicPr>
+                      <p:cNvPr id="0" name="Object 1"/>
+                      <p:cNvPicPr>
+                        <a:picLocks noChangeAspect="1" noChangeArrowheads="1"/>
+                      </p:cNvPicPr>
+                      <p:nvPr/>
+                    </p:nvPicPr>
+                    <p:blipFill>
+                      <a:blip r:embed="rId4">
+                        <a:extLst>
+                          <a:ext uri="{28A0092B-C50C-407E-A947-70E740481C1C}">
+                            <a14:useLocalDpi xmlns:a14="http://schemas.microsoft.com/office/drawing/2010/main" val="0"/>
+                          </a:ext>
+                        </a:extLst>
+                      </a:blip>
+                      <a:srcRect/>
+                      <a:stretch>
+                        <a:fillRect/>
+                      </a:stretch>
+                    </p:blipFill>
+                    <p:spPr bwMode="auto">
+                      <a:xfrm>
+                        <a:off x="7256585" y="1606060"/>
+                        <a:ext cx="3552092" cy="2466731"/>
+                      </a:xfrm>
+                      <a:prstGeom prst="rect">
+                        <a:avLst/>
+                      </a:prstGeom>
+                      <a:noFill/>
+                    </p:spPr>
+                  </p:pic>
+                </p:oleObj>
+              </mc:Fallback>
+            </mc:AlternateContent>
+          </a:graphicData>
+        </a:graphic>
+      </p:graphicFrame>
+    </p:spTree>
+    <p:extLst>
+      <p:ext uri="{BB962C8B-B14F-4D97-AF65-F5344CB8AC3E}">
+        <p14:creationId xmlns:p14="http://schemas.microsoft.com/office/powerpoint/2010/main" val="3607805654"/>
+      </p:ext>
+    </p:extLst>
+  </p:cSld>
+  <p:clrMapOvr>
+    <a:masterClrMapping/>
+  </p:clrMapOvr>
+  <mc:AlternateContent xmlns:mc="http://schemas.openxmlformats.org/markup-compatibility/2006" xmlns:p14="http://schemas.microsoft.com/office/powerpoint/2010/main">
+    <mc:Choice Requires="p14">
+      <p:transition spd="med" p14:dur="700">
+        <p:fade/>
+      </p:transition>
+    </mc:Choice>
+    <mc:Fallback xmlns="">
+      <p:transition spd="med">
+        <p:fade/>
+      </p:transition>
+    </mc:Fallback>
+  </mc:AlternateContent>
+  <p:timing>
+    <p:tnLst>
+      <p:par>
+        <p:cTn id="1" dur="indefinite" restart="never" nodeType="tmRoot"/>
+      </p:par>
+    </p:tnLst>
+  </p:timing>
 </p:sld>
 </file>
 
@@ -8513,6 +10357,13 @@
       </p:transition>
     </mc:Fallback>
   </mc:AlternateContent>
+  <p:timing>
+    <p:tnLst>
+      <p:par>
+        <p:cTn id="1" dur="indefinite" restart="never" nodeType="tmRoot"/>
+      </p:par>
+    </p:tnLst>
+  </p:timing>
 </p:sld>
 </file>
 
@@ -8802,15 +10653,25 @@
             <a:pPr marL="171450" indent="-171450"/>
             <a:r>
               <a:rPr lang="en-US" sz="1600" kern="0" dirty="0" smtClean="0"/>
-              <a:t>Information requirements are not represented in the standard (i.e. gaps)</a:t>
+              <a:t>Information requirements are not represented in the standard (i.e. gaps</a:t>
             </a:r>
+            <a:r>
+              <a:rPr lang="en-US" sz="1600" kern="0" dirty="0" smtClean="0"/>
+              <a:t>).</a:t>
+            </a:r>
+            <a:endParaRPr lang="en-US" sz="1600" kern="0" dirty="0" smtClean="0"/>
           </a:p>
           <a:p>
             <a:pPr marL="171450" indent="-171450"/>
             <a:r>
               <a:rPr lang="en-US" sz="1600" kern="0" dirty="0" smtClean="0"/>
-              <a:t>Time to reduce gaps (standards development) is not keeping with the speed of business need</a:t>
+              <a:t>Time to reduce gaps (standards development) is not keeping with the speed of business </a:t>
             </a:r>
+            <a:r>
+              <a:rPr lang="en-US" sz="1600" kern="0" dirty="0" smtClean="0"/>
+              <a:t>need.</a:t>
+            </a:r>
+            <a:endParaRPr lang="en-US" sz="1600" kern="0" dirty="0" smtClean="0"/>
           </a:p>
           <a:p>
             <a:pPr marL="171450" indent="-171450"/>
@@ -9111,7 +10972,7 @@
         <p:spPr bwMode="auto">
           <a:xfrm>
             <a:off x="256793" y="1829321"/>
-            <a:ext cx="5601407" cy="1034129"/>
+            <a:ext cx="5601407" cy="1625060"/>
           </a:xfrm>
           <a:prstGeom prst="rect">
             <a:avLst/>
@@ -9345,22 +11206,20 @@
           <a:p>
             <a:pPr marL="171450" indent="-171450"/>
             <a:r>
-              <a:rPr lang="en-US" sz="1600" kern="0" dirty="0" smtClean="0"/>
-              <a:t>OEM Submission of Technical Data Package to Authority for Certification</a:t>
+              <a:rPr lang="en-US" sz="1600" dirty="0"/>
+              <a:t>Today, organizations are more aware of the importance of the digital integration and exchange of information assets. </a:t>
             </a:r>
+            <a:endParaRPr lang="en-US" sz="1600" dirty="0" smtClean="0"/>
           </a:p>
           <a:p>
             <a:pPr marL="171450" indent="-171450"/>
             <a:r>
-              <a:rPr lang="en-US" sz="1600" kern="0" dirty="0" smtClean="0"/>
-              <a:t>Manufacturing and Support Enablement</a:t>
+              <a:rPr lang="en-US" sz="1600" dirty="0" smtClean="0"/>
+              <a:t>Hence</a:t>
             </a:r>
-          </a:p>
-          <a:p>
-            <a:pPr marL="171450" indent="-171450"/>
             <a:r>
-              <a:rPr lang="en-US" sz="1600" kern="0" dirty="0" smtClean="0"/>
-              <a:t>Design Integration</a:t>
+              <a:rPr lang="en-US" sz="1600" dirty="0"/>
+              <a:t>, information standards are developed to ensure an optimal interoperability and compatibility between information assets in order to exploit and process these assets in a consistent fashion.</a:t>
             </a:r>
             <a:endParaRPr lang="en-US" sz="1600" kern="0" dirty="0"/>
           </a:p>
@@ -9374,8 +11233,8 @@
         </p:nvSpPr>
         <p:spPr>
           <a:xfrm>
-            <a:off x="6217920" y="3425093"/>
-            <a:ext cx="5657850" cy="830997"/>
+            <a:off x="6217920" y="3835401"/>
+            <a:ext cx="5657850" cy="1077218"/>
           </a:xfrm>
           <a:prstGeom prst="rect">
             <a:avLst/>
@@ -9383,7 +11242,7 @@
           <a:noFill/>
         </p:spPr>
         <p:txBody>
-          <a:bodyPr wrap="square" numCol="2" rtlCol="0">
+          <a:bodyPr wrap="square" numCol="1" rtlCol="0">
             <a:spAutoFit/>
           </a:bodyPr>
           <a:lstStyle/>
@@ -9743,6 +11602,71 @@
           </a:prstGeom>
         </p:spPr>
       </p:pic>
+      <p:sp>
+        <p:nvSpPr>
+          <p:cNvPr id="11" name="TextBox 10"/>
+          <p:cNvSpPr txBox="1"/>
+          <p:nvPr/>
+        </p:nvSpPr>
+        <p:spPr>
+          <a:xfrm>
+            <a:off x="365760" y="3835401"/>
+            <a:ext cx="5657850" cy="1077218"/>
+          </a:xfrm>
+          <a:prstGeom prst="rect">
+            <a:avLst/>
+          </a:prstGeom>
+          <a:noFill/>
+        </p:spPr>
+        <p:txBody>
+          <a:bodyPr wrap="square" numCol="1" rtlCol="0">
+            <a:spAutoFit/>
+          </a:bodyPr>
+          <a:lstStyle/>
+          <a:p>
+            <a:pPr marL="285750" indent="-285750">
+              <a:buFont typeface="Arial" panose="020B0604020202020204" pitchFamily="34" charset="0"/>
+              <a:buChar char="•"/>
+            </a:pPr>
+            <a:r>
+              <a:rPr lang="en-US" sz="1600" dirty="0">
+                <a:solidFill>
+                  <a:schemeClr val="bg1"/>
+                </a:solidFill>
+              </a:rPr>
+              <a:t>OEM Submission of Technical Data Package to Authority for Certification</a:t>
+            </a:r>
+          </a:p>
+          <a:p>
+            <a:pPr marL="285750" indent="-285750">
+              <a:buFont typeface="Arial" panose="020B0604020202020204" pitchFamily="34" charset="0"/>
+              <a:buChar char="•"/>
+            </a:pPr>
+            <a:r>
+              <a:rPr lang="en-US" sz="1600" dirty="0">
+                <a:solidFill>
+                  <a:schemeClr val="bg1"/>
+                </a:solidFill>
+              </a:rPr>
+              <a:t>Manufacturing and Support Enablement</a:t>
+            </a:r>
+          </a:p>
+          <a:p>
+            <a:pPr marL="285750" indent="-285750">
+              <a:buFont typeface="Arial" panose="020B0604020202020204" pitchFamily="34" charset="0"/>
+              <a:buChar char="•"/>
+            </a:pPr>
+            <a:r>
+              <a:rPr lang="en-US" sz="1600" dirty="0">
+                <a:solidFill>
+                  <a:schemeClr val="bg1"/>
+                </a:solidFill>
+              </a:rPr>
+              <a:t>Design Integration</a:t>
+            </a:r>
+          </a:p>
+        </p:txBody>
+      </p:sp>
     </p:spTree>
     <p:extLst>
       <p:ext uri="{BB962C8B-B14F-4D97-AF65-F5344CB8AC3E}">
@@ -9765,6 +11689,13 @@
       </p:transition>
     </mc:Fallback>
   </mc:AlternateContent>
+  <p:timing>
+    <p:tnLst>
+      <p:par>
+        <p:cTn id="1" dur="indefinite" restart="never" nodeType="tmRoot"/>
+      </p:par>
+    </p:tnLst>
+  </p:timing>
 </p:sld>
 </file>
 
@@ -10902,6 +12833,55 @@
       </p:grpSpPr>
       <p:sp>
         <p:nvSpPr>
+          <p:cNvPr id="75" name="Rectangle 74"/>
+          <p:cNvSpPr/>
+          <p:nvPr/>
+        </p:nvSpPr>
+        <p:spPr>
+          <a:xfrm>
+            <a:off x="2783840" y="6263640"/>
+            <a:ext cx="6797040" cy="1188720"/>
+          </a:xfrm>
+          <a:prstGeom prst="rect">
+            <a:avLst/>
+          </a:prstGeom>
+          <a:solidFill>
+            <a:schemeClr val="tx1">
+              <a:lumMod val="75000"/>
+              <a:lumOff val="25000"/>
+            </a:schemeClr>
+          </a:solidFill>
+          <a:ln>
+            <a:noFill/>
+          </a:ln>
+        </p:spPr>
+        <p:style>
+          <a:lnRef idx="2">
+            <a:schemeClr val="accent1">
+              <a:shade val="50000"/>
+            </a:schemeClr>
+          </a:lnRef>
+          <a:fillRef idx="1">
+            <a:schemeClr val="accent1"/>
+          </a:fillRef>
+          <a:effectRef idx="0">
+            <a:schemeClr val="accent1"/>
+          </a:effectRef>
+          <a:fontRef idx="minor">
+            <a:schemeClr val="lt1"/>
+          </a:fontRef>
+        </p:style>
+        <p:txBody>
+          <a:bodyPr rtlCol="0" anchor="ctr"/>
+          <a:lstStyle/>
+          <a:p>
+            <a:pPr algn="ctr"/>
+            <a:endParaRPr lang="en-US"/>
+          </a:p>
+        </p:txBody>
+      </p:sp>
+      <p:sp>
+        <p:nvSpPr>
           <p:cNvPr id="2" name="Title 1"/>
           <p:cNvSpPr>
             <a:spLocks noGrp="1"/>
@@ -10922,33 +12902,13 @@
           <a:p>
             <a:r>
               <a:rPr lang="en-GB" sz="3200" dirty="0" smtClean="0"/>
-              <a:t>Proposed Solution</a:t>
+              <a:t>Proposed </a:t>
+            </a:r>
+            <a:r>
+              <a:rPr lang="en-GB" sz="3200" dirty="0" smtClean="0"/>
+              <a:t>Solution 1: Backlog Management</a:t>
             </a:r>
             <a:endParaRPr lang="en-GB" sz="3200" dirty="0"/>
-          </a:p>
-        </p:txBody>
-      </p:sp>
-      <p:sp>
-        <p:nvSpPr>
-          <p:cNvPr id="4" name="Content Placeholder 3"/>
-          <p:cNvSpPr>
-            <a:spLocks noGrp="1"/>
-          </p:cNvSpPr>
-          <p:nvPr>
-            <p:ph sz="quarter" idx="16"/>
-          </p:nvPr>
-        </p:nvSpPr>
-        <p:spPr>
-          <a:xfrm>
-            <a:off x="405383" y="1400438"/>
-            <a:ext cx="5444432" cy="4839800"/>
-          </a:xfrm>
-        </p:spPr>
-        <p:txBody>
-          <a:bodyPr/>
-          <a:lstStyle/>
-          <a:p>
-            <a:endParaRPr lang="en-GB"/>
           </a:p>
         </p:txBody>
       </p:sp>
@@ -11041,38 +13001,6 @@
       </p:sp>
       <p:pic>
         <p:nvPicPr>
-          <p:cNvPr id="5" name="Picture 4"/>
-          <p:cNvPicPr/>
-          <p:nvPr/>
-        </p:nvPicPr>
-        <p:blipFill>
-          <a:blip r:embed="rId3" cstate="print">
-            <a:extLst>
-              <a:ext uri="{28A0092B-C50C-407E-A947-70E740481C1C}">
-                <a14:useLocalDpi xmlns:a14="http://schemas.microsoft.com/office/drawing/2010/main" val="0"/>
-              </a:ext>
-            </a:extLst>
-          </a:blip>
-          <a:srcRect/>
-          <a:stretch>
-            <a:fillRect/>
-          </a:stretch>
-        </p:blipFill>
-        <p:spPr bwMode="auto">
-          <a:xfrm>
-            <a:off x="9098788" y="1435824"/>
-            <a:ext cx="2768118" cy="1176132"/>
-          </a:xfrm>
-          <a:prstGeom prst="rect">
-            <a:avLst/>
-          </a:prstGeom>
-          <a:solidFill>
-            <a:schemeClr val="bg1"/>
-          </a:solidFill>
-        </p:spPr>
-      </p:pic>
-      <p:pic>
-        <p:nvPicPr>
           <p:cNvPr id="6" name="Picture 5"/>
           <p:cNvPicPr/>
           <p:nvPr/>
@@ -11091,7 +13019,7 @@
         </p:blipFill>
         <p:spPr>
           <a:xfrm>
-            <a:off x="6251413" y="3463975"/>
+            <a:off x="12312244" y="2022038"/>
             <a:ext cx="2765782" cy="664596"/>
           </a:xfrm>
           <a:prstGeom prst="rect">
@@ -11108,20 +13036,20 @@
           <p:nvPr>
             <p:extLst>
               <p:ext uri="{D42A27DB-BD31-4B8C-83A1-F6EECF244321}">
-                <p14:modId xmlns:p14="http://schemas.microsoft.com/office/powerpoint/2010/main" val="2883177976"/>
+                <p14:modId xmlns:p14="http://schemas.microsoft.com/office/powerpoint/2010/main" val="2978736040"/>
               </p:ext>
             </p:extLst>
           </p:nvPr>
         </p:nvGraphicFramePr>
         <p:xfrm>
-          <a:off x="9104884" y="2671511"/>
+          <a:off x="12317007" y="4031389"/>
           <a:ext cx="2743200" cy="1905000"/>
         </p:xfrm>
         <a:graphic>
           <a:graphicData uri="http://schemas.openxmlformats.org/presentationml/2006/ole">
             <mc:AlternateContent xmlns:mc="http://schemas.openxmlformats.org/markup-compatibility/2006">
               <mc:Choice xmlns:v="urn:schemas-microsoft-com:vml" Requires="v">
-                <p:oleObj spid="_x0000_s1032" name="Visio" r:id="rId5" imgW="5467350" imgH="3819396" progId="Visio.Drawing.15">
+                <p:oleObj spid="_x0000_s1039" name="Visio" r:id="rId5" imgW="5467350" imgH="3819396" progId="Visio.Drawing.15">
                   <p:embed/>
                 </p:oleObj>
               </mc:Choice>
@@ -11151,7 +13079,7 @@
                     </p:blipFill>
                     <p:spPr bwMode="auto">
                       <a:xfrm>
-                        <a:off x="9104884" y="2671511"/>
+                        <a:off x="12317007" y="4031389"/>
                         <a:ext cx="2743200" cy="1905000"/>
                       </a:xfrm>
                       <a:prstGeom prst="rect">
@@ -11184,7 +13112,7 @@
         </p:blipFill>
         <p:spPr>
           <a:xfrm>
-            <a:off x="6241235" y="1441937"/>
+            <a:off x="12302066" y="0"/>
             <a:ext cx="2798687" cy="1961105"/>
           </a:xfrm>
           <a:prstGeom prst="rect">
@@ -11192,6 +13120,83 @@
           </a:prstGeom>
         </p:spPr>
       </p:pic>
+      <p:sp>
+        <p:nvSpPr>
+          <p:cNvPr id="76" name="Content Placeholder 75"/>
+          <p:cNvSpPr>
+            <a:spLocks noGrp="1"/>
+          </p:cNvSpPr>
+          <p:nvPr>
+            <p:ph sz="quarter" idx="16"/>
+          </p:nvPr>
+        </p:nvSpPr>
+        <p:spPr/>
+        <p:txBody>
+          <a:bodyPr/>
+          <a:lstStyle/>
+          <a:p>
+            <a:endParaRPr lang="en-US"/>
+          </a:p>
+        </p:txBody>
+      </p:sp>
+      <p:sp>
+        <p:nvSpPr>
+          <p:cNvPr id="77" name="Rectangle 76"/>
+          <p:cNvSpPr/>
+          <p:nvPr/>
+        </p:nvSpPr>
+        <p:spPr>
+          <a:xfrm>
+            <a:off x="3905355" y="2967335"/>
+            <a:ext cx="4378122" cy="923330"/>
+          </a:xfrm>
+          <a:prstGeom prst="rect">
+            <a:avLst/>
+          </a:prstGeom>
+          <a:noFill/>
+        </p:spPr>
+        <p:txBody>
+          <a:bodyPr wrap="none" lIns="91440" tIns="45720" rIns="91440" bIns="45720">
+            <a:spAutoFit/>
+          </a:bodyPr>
+          <a:lstStyle/>
+          <a:p>
+            <a:pPr algn="ctr"/>
+            <a:r>
+              <a:rPr lang="en-US" sz="5400" b="1" dirty="0" smtClean="0">
+                <a:ln w="22225">
+                  <a:solidFill>
+                    <a:schemeClr val="accent2"/>
+                  </a:solidFill>
+                  <a:prstDash val="solid"/>
+                </a:ln>
+                <a:solidFill>
+                  <a:schemeClr val="accent2">
+                    <a:lumMod val="40000"/>
+                    <a:lumOff val="60000"/>
+                  </a:schemeClr>
+                </a:solidFill>
+              </a:rPr>
+              <a:t>Mel/Brandon</a:t>
+            </a:r>
+            <a:endParaRPr lang="en-US" sz="5400" b="1" cap="none" spc="0" dirty="0">
+              <a:ln w="22225">
+                <a:solidFill>
+                  <a:schemeClr val="accent2"/>
+                </a:solidFill>
+                <a:prstDash val="solid"/>
+              </a:ln>
+              <a:solidFill>
+                <a:schemeClr val="accent2">
+                  <a:lumMod val="40000"/>
+                  <a:lumOff val="60000"/>
+                </a:schemeClr>
+              </a:solidFill>
+              <a:effectLst/>
+            </a:endParaRPr>
+          </a:p>
+        </p:txBody>
+      </p:sp>
     </p:spTree>
     <p:extLst>
       <p:ext uri="{BB962C8B-B14F-4D97-AF65-F5344CB8AC3E}">
@@ -11236,6 +13241,55 @@
       </p:grpSpPr>
       <p:sp>
         <p:nvSpPr>
+          <p:cNvPr id="75" name="Rectangle 74"/>
+          <p:cNvSpPr/>
+          <p:nvPr/>
+        </p:nvSpPr>
+        <p:spPr>
+          <a:xfrm>
+            <a:off x="2783840" y="6263640"/>
+            <a:ext cx="6797040" cy="1188720"/>
+          </a:xfrm>
+          <a:prstGeom prst="rect">
+            <a:avLst/>
+          </a:prstGeom>
+          <a:solidFill>
+            <a:schemeClr val="tx1">
+              <a:lumMod val="75000"/>
+              <a:lumOff val="25000"/>
+            </a:schemeClr>
+          </a:solidFill>
+          <a:ln>
+            <a:noFill/>
+          </a:ln>
+        </p:spPr>
+        <p:style>
+          <a:lnRef idx="2">
+            <a:schemeClr val="accent1">
+              <a:shade val="50000"/>
+            </a:schemeClr>
+          </a:lnRef>
+          <a:fillRef idx="1">
+            <a:schemeClr val="accent1"/>
+          </a:fillRef>
+          <a:effectRef idx="0">
+            <a:schemeClr val="accent1"/>
+          </a:effectRef>
+          <a:fontRef idx="minor">
+            <a:schemeClr val="lt1"/>
+          </a:fontRef>
+        </p:style>
+        <p:txBody>
+          <a:bodyPr rtlCol="0" anchor="ctr"/>
+          <a:lstStyle/>
+          <a:p>
+            <a:pPr algn="ctr"/>
+            <a:endParaRPr lang="en-US"/>
+          </a:p>
+        </p:txBody>
+      </p:sp>
+      <p:sp>
+        <p:nvSpPr>
           <p:cNvPr id="2" name="Title 1"/>
           <p:cNvSpPr>
             <a:spLocks noGrp="1"/>
@@ -11256,7 +13310,11 @@
           <a:p>
             <a:r>
               <a:rPr lang="en-GB" sz="3200" dirty="0" smtClean="0"/>
-              <a:t>Benefits &amp; Impacts</a:t>
+              <a:t>Proposed </a:t>
+            </a:r>
+            <a:r>
+              <a:rPr lang="en-GB" sz="3200" dirty="0" smtClean="0"/>
+              <a:t>Solution 2: Agile Release Train</a:t>
             </a:r>
             <a:endParaRPr lang="en-GB" sz="3200" dirty="0"/>
           </a:p>
@@ -11264,813 +13322,44 @@
       </p:sp>
       <p:sp>
         <p:nvSpPr>
-          <p:cNvPr id="5" name="Content Placeholder 3"/>
-          <p:cNvSpPr txBox="1">
-            <a:spLocks/>
+          <p:cNvPr id="7" name="Rectangle 2"/>
+          <p:cNvSpPr>
+            <a:spLocks noChangeArrowheads="1"/>
           </p:cNvSpPr>
           <p:nvPr/>
         </p:nvSpPr>
         <p:spPr bwMode="auto">
           <a:xfrm>
-            <a:off x="6285042" y="1822232"/>
-            <a:ext cx="5601407" cy="960263"/>
+            <a:off x="13487400" y="2087880"/>
+            <a:ext cx="12188825" cy="0"/>
           </a:xfrm>
           <a:prstGeom prst="rect">
             <a:avLst/>
           </a:prstGeom>
-          <a:noFill/>
-          <a:ln w="9525">
+          <a:solidFill>
+            <a:schemeClr val="bg1"/>
+          </a:solidFill>
+          <a:ln>
             <a:noFill/>
-            <a:miter lim="800000"/>
-            <a:headEnd/>
-            <a:tailEnd/>
           </a:ln>
           <a:effectLst/>
         </p:spPr>
         <p:txBody>
-          <a:bodyPr vert="horz" wrap="square" lIns="0" tIns="0" rIns="0" bIns="0" numCol="1" anchor="t" anchorCtr="0" compatLnSpc="1">
+          <a:bodyPr vert="horz" wrap="none" lIns="91440" tIns="45720" rIns="91440" bIns="45720" numCol="1" anchor="ctr" anchorCtr="0" compatLnSpc="1">
             <a:prstTxWarp prst="textNoShape">
               <a:avLst/>
             </a:prstTxWarp>
             <a:spAutoFit/>
           </a:bodyPr>
-          <a:lstStyle>
-            <a:lvl1pPr marL="0" indent="0" algn="l" defTabSz="820738" rtl="0" eaLnBrk="1" fontAlgn="base" hangingPunct="1">
-              <a:lnSpc>
-                <a:spcPct val="90000"/>
-              </a:lnSpc>
-              <a:spcBef>
-                <a:spcPct val="30000"/>
-              </a:spcBef>
-              <a:spcAft>
-                <a:spcPct val="0"/>
-              </a:spcAft>
-              <a:buClr>
-                <a:schemeClr val="tx2"/>
-              </a:buClr>
-              <a:buFont typeface="Symbol" panose="05050102010706020507" pitchFamily="18" charset="2"/>
-              <a:buChar char=""/>
-              <a:defRPr sz="2000" b="1">
-                <a:solidFill>
-                  <a:schemeClr val="bg1"/>
-                </a:solidFill>
-                <a:latin typeface="+mn-lt"/>
-                <a:ea typeface="+mn-ea"/>
-                <a:cs typeface="+mn-cs"/>
-              </a:defRPr>
-            </a:lvl1pPr>
-            <a:lvl2pPr marL="288925" indent="-173038" algn="l" defTabSz="820738" rtl="0" eaLnBrk="1" fontAlgn="base" hangingPunct="1">
-              <a:lnSpc>
-                <a:spcPct val="90000"/>
-              </a:lnSpc>
-              <a:spcBef>
-                <a:spcPct val="30000"/>
-              </a:spcBef>
-              <a:spcAft>
-                <a:spcPct val="0"/>
-              </a:spcAft>
-              <a:buClr>
-                <a:schemeClr val="bg1"/>
-              </a:buClr>
-              <a:buFont typeface="Arial" panose="020B0604020202020204" pitchFamily="34" charset="0"/>
-              <a:buChar char="•"/>
-              <a:defRPr sz="2000">
-                <a:solidFill>
-                  <a:schemeClr val="bg1"/>
-                </a:solidFill>
-                <a:latin typeface="+mn-lt"/>
-              </a:defRPr>
-            </a:lvl2pPr>
-            <a:lvl3pPr marL="508000" indent="-184150" algn="l" defTabSz="820738" rtl="0" eaLnBrk="1" fontAlgn="base" hangingPunct="1">
-              <a:lnSpc>
-                <a:spcPct val="90000"/>
-              </a:lnSpc>
-              <a:spcBef>
-                <a:spcPct val="30000"/>
-              </a:spcBef>
-              <a:spcAft>
-                <a:spcPct val="0"/>
-              </a:spcAft>
-              <a:buClr>
-                <a:schemeClr val="bg1"/>
-              </a:buClr>
-              <a:buFont typeface="Arial" panose="020B0604020202020204" pitchFamily="34" charset="0"/>
-              <a:buChar char="•"/>
-              <a:defRPr>
-                <a:solidFill>
-                  <a:schemeClr val="bg1"/>
-                </a:solidFill>
-                <a:latin typeface="+mn-lt"/>
-              </a:defRPr>
-            </a:lvl3pPr>
-            <a:lvl4pPr marL="803275" indent="-225425" algn="l" defTabSz="820738" rtl="0" eaLnBrk="1" fontAlgn="base" hangingPunct="1">
-              <a:lnSpc>
-                <a:spcPct val="90000"/>
-              </a:lnSpc>
-              <a:spcBef>
-                <a:spcPct val="30000"/>
-              </a:spcBef>
-              <a:spcAft>
-                <a:spcPct val="0"/>
-              </a:spcAft>
-              <a:buClr>
-                <a:schemeClr val="bg1"/>
-              </a:buClr>
-              <a:buFont typeface="Arial" panose="020B0604020202020204" pitchFamily="34" charset="0"/>
-              <a:buChar char="•"/>
-              <a:defRPr sz="1600">
-                <a:solidFill>
-                  <a:schemeClr val="bg1"/>
-                </a:solidFill>
-                <a:latin typeface="+mn-lt"/>
-              </a:defRPr>
-            </a:lvl4pPr>
-            <a:lvl5pPr marL="957263" indent="-163513" algn="l" defTabSz="820738" rtl="0" eaLnBrk="1" fontAlgn="base" hangingPunct="1">
-              <a:lnSpc>
-                <a:spcPct val="90000"/>
-              </a:lnSpc>
-              <a:spcBef>
-                <a:spcPct val="30000"/>
-              </a:spcBef>
-              <a:spcAft>
-                <a:spcPct val="0"/>
-              </a:spcAft>
-              <a:buClr>
-                <a:schemeClr val="tx2"/>
-              </a:buClr>
-              <a:buFont typeface="Arial" charset="0"/>
-              <a:buChar char="–"/>
-              <a:defRPr sz="1600">
-                <a:solidFill>
-                  <a:schemeClr val="tx1">
-                    <a:lumMod val="75000"/>
-                    <a:lumOff val="25000"/>
-                  </a:schemeClr>
-                </a:solidFill>
-                <a:latin typeface="+mn-lt"/>
-              </a:defRPr>
-            </a:lvl5pPr>
-            <a:lvl6pPr marL="1414463" indent="-163513" algn="l" defTabSz="820738" rtl="0" eaLnBrk="1" fontAlgn="base" hangingPunct="1">
-              <a:lnSpc>
-                <a:spcPct val="90000"/>
-              </a:lnSpc>
-              <a:spcBef>
-                <a:spcPct val="30000"/>
-              </a:spcBef>
-              <a:spcAft>
-                <a:spcPct val="0"/>
-              </a:spcAft>
-              <a:buClr>
-                <a:schemeClr val="tx2"/>
-              </a:buClr>
-              <a:buFont typeface="Arial" charset="0"/>
-              <a:buChar char="–"/>
-              <a:defRPr sz="1600">
-                <a:solidFill>
-                  <a:schemeClr val="tx1"/>
-                </a:solidFill>
-                <a:latin typeface="+mn-lt"/>
-              </a:defRPr>
-            </a:lvl6pPr>
-            <a:lvl7pPr marL="1871663" indent="-163513" algn="l" defTabSz="820738" rtl="0" eaLnBrk="1" fontAlgn="base" hangingPunct="1">
-              <a:lnSpc>
-                <a:spcPct val="90000"/>
-              </a:lnSpc>
-              <a:spcBef>
-                <a:spcPct val="30000"/>
-              </a:spcBef>
-              <a:spcAft>
-                <a:spcPct val="0"/>
-              </a:spcAft>
-              <a:buClr>
-                <a:schemeClr val="tx2"/>
-              </a:buClr>
-              <a:buFont typeface="Arial" charset="0"/>
-              <a:buChar char="–"/>
-              <a:defRPr sz="1600">
-                <a:solidFill>
-                  <a:schemeClr val="tx1"/>
-                </a:solidFill>
-                <a:latin typeface="+mn-lt"/>
-              </a:defRPr>
-            </a:lvl7pPr>
-            <a:lvl8pPr marL="2328863" indent="-163513" algn="l" defTabSz="820738" rtl="0" eaLnBrk="1" fontAlgn="base" hangingPunct="1">
-              <a:lnSpc>
-                <a:spcPct val="90000"/>
-              </a:lnSpc>
-              <a:spcBef>
-                <a:spcPct val="30000"/>
-              </a:spcBef>
-              <a:spcAft>
-                <a:spcPct val="0"/>
-              </a:spcAft>
-              <a:buClr>
-                <a:schemeClr val="tx2"/>
-              </a:buClr>
-              <a:buFont typeface="Arial" charset="0"/>
-              <a:buChar char="–"/>
-              <a:defRPr sz="1600">
-                <a:solidFill>
-                  <a:schemeClr val="tx1"/>
-                </a:solidFill>
-                <a:latin typeface="+mn-lt"/>
-              </a:defRPr>
-            </a:lvl8pPr>
-            <a:lvl9pPr marL="2786063" indent="-163513" algn="l" defTabSz="820738" rtl="0" eaLnBrk="1" fontAlgn="base" hangingPunct="1">
-              <a:lnSpc>
-                <a:spcPct val="90000"/>
-              </a:lnSpc>
-              <a:spcBef>
-                <a:spcPct val="30000"/>
-              </a:spcBef>
-              <a:spcAft>
-                <a:spcPct val="0"/>
-              </a:spcAft>
-              <a:buClr>
-                <a:schemeClr val="tx2"/>
-              </a:buClr>
-              <a:buFont typeface="Arial" charset="0"/>
-              <a:buChar char="–"/>
-              <a:defRPr sz="1600">
-                <a:solidFill>
-                  <a:schemeClr val="tx1"/>
-                </a:solidFill>
-                <a:latin typeface="+mn-lt"/>
-              </a:defRPr>
-            </a:lvl9pPr>
-          </a:lstStyle>
+          <a:lstStyle/>
           <a:p>
-            <a:pPr marL="171450" indent="-171450"/>
-            <a:r>
-              <a:rPr lang="en-US" sz="1600" kern="0" dirty="0" smtClean="0"/>
-              <a:t>Increase speed of standards supporting info requirements gap closure</a:t>
-            </a:r>
-          </a:p>
-          <a:p>
-            <a:pPr marL="171450" indent="-171450"/>
-            <a:r>
-              <a:rPr lang="en-US" sz="1600" kern="0" dirty="0" smtClean="0"/>
-              <a:t>Reduction in interoperability costs (supplier assertion reduction, manual reentry, conversion)</a:t>
-            </a:r>
-            <a:endParaRPr lang="en-US" sz="1600" kern="0" dirty="0"/>
+            <a:endParaRPr lang="en-US"/>
           </a:p>
         </p:txBody>
       </p:sp>
       <p:sp>
         <p:nvSpPr>
-          <p:cNvPr id="6" name="Content Placeholder 3"/>
-          <p:cNvSpPr>
-            <a:spLocks noGrp="1"/>
-          </p:cNvSpPr>
-          <p:nvPr>
-            <p:ph sz="quarter" idx="16"/>
-          </p:nvPr>
-        </p:nvSpPr>
-        <p:spPr>
-          <a:xfrm>
-            <a:off x="405383" y="1400438"/>
-            <a:ext cx="5601407" cy="276999"/>
-          </a:xfrm>
-        </p:spPr>
-        <p:txBody>
-          <a:bodyPr/>
-          <a:lstStyle/>
-          <a:p>
-            <a:r>
-              <a:rPr lang="en-US" dirty="0" smtClean="0"/>
-              <a:t>Benefits to MBS Developer</a:t>
-            </a:r>
-            <a:endParaRPr lang="en-US" dirty="0"/>
-          </a:p>
-        </p:txBody>
-      </p:sp>
-      <p:sp>
-        <p:nvSpPr>
-          <p:cNvPr id="7" name="Content Placeholder 3"/>
-          <p:cNvSpPr txBox="1">
-            <a:spLocks/>
-          </p:cNvSpPr>
-          <p:nvPr/>
-        </p:nvSpPr>
-        <p:spPr bwMode="auto">
-          <a:xfrm>
-            <a:off x="6204017" y="1400438"/>
-            <a:ext cx="5601407" cy="276999"/>
-          </a:xfrm>
-          <a:prstGeom prst="rect">
-            <a:avLst/>
-          </a:prstGeom>
-          <a:solidFill>
-            <a:schemeClr val="tx1">
-              <a:lumMod val="75000"/>
-              <a:lumOff val="25000"/>
-            </a:schemeClr>
-          </a:solidFill>
-          <a:ln w="9525">
-            <a:noFill/>
-            <a:miter lim="800000"/>
-            <a:headEnd/>
-            <a:tailEnd/>
-          </a:ln>
-          <a:effectLst/>
-        </p:spPr>
-        <p:txBody>
-          <a:bodyPr vert="horz" wrap="square" lIns="0" tIns="0" rIns="0" bIns="0" numCol="1" anchor="t" anchorCtr="0" compatLnSpc="1">
-            <a:prstTxWarp prst="textNoShape">
-              <a:avLst/>
-            </a:prstTxWarp>
-            <a:spAutoFit/>
-          </a:bodyPr>
-          <a:lstStyle>
-            <a:lvl1pPr marL="0" indent="0" algn="l" defTabSz="820738" rtl="0" eaLnBrk="1" fontAlgn="base" hangingPunct="1">
-              <a:lnSpc>
-                <a:spcPct val="90000"/>
-              </a:lnSpc>
-              <a:spcBef>
-                <a:spcPct val="30000"/>
-              </a:spcBef>
-              <a:spcAft>
-                <a:spcPct val="0"/>
-              </a:spcAft>
-              <a:buClr>
-                <a:schemeClr val="tx2"/>
-              </a:buClr>
-              <a:buFont typeface="Symbol" panose="05050102010706020507" pitchFamily="18" charset="2"/>
-              <a:buChar char=""/>
-              <a:defRPr sz="2000" b="1">
-                <a:solidFill>
-                  <a:schemeClr val="bg1"/>
-                </a:solidFill>
-                <a:latin typeface="+mn-lt"/>
-                <a:ea typeface="+mn-ea"/>
-                <a:cs typeface="+mn-cs"/>
-              </a:defRPr>
-            </a:lvl1pPr>
-            <a:lvl2pPr marL="288925" indent="-173038" algn="l" defTabSz="820738" rtl="0" eaLnBrk="1" fontAlgn="base" hangingPunct="1">
-              <a:lnSpc>
-                <a:spcPct val="90000"/>
-              </a:lnSpc>
-              <a:spcBef>
-                <a:spcPct val="30000"/>
-              </a:spcBef>
-              <a:spcAft>
-                <a:spcPct val="0"/>
-              </a:spcAft>
-              <a:buClr>
-                <a:schemeClr val="bg1"/>
-              </a:buClr>
-              <a:buFont typeface="Arial" panose="020B0604020202020204" pitchFamily="34" charset="0"/>
-              <a:buChar char="•"/>
-              <a:defRPr sz="2000">
-                <a:solidFill>
-                  <a:schemeClr val="bg1"/>
-                </a:solidFill>
-                <a:latin typeface="+mn-lt"/>
-              </a:defRPr>
-            </a:lvl2pPr>
-            <a:lvl3pPr marL="508000" indent="-184150" algn="l" defTabSz="820738" rtl="0" eaLnBrk="1" fontAlgn="base" hangingPunct="1">
-              <a:lnSpc>
-                <a:spcPct val="90000"/>
-              </a:lnSpc>
-              <a:spcBef>
-                <a:spcPct val="30000"/>
-              </a:spcBef>
-              <a:spcAft>
-                <a:spcPct val="0"/>
-              </a:spcAft>
-              <a:buClr>
-                <a:schemeClr val="bg1"/>
-              </a:buClr>
-              <a:buFont typeface="Arial" panose="020B0604020202020204" pitchFamily="34" charset="0"/>
-              <a:buChar char="•"/>
-              <a:defRPr>
-                <a:solidFill>
-                  <a:schemeClr val="bg1"/>
-                </a:solidFill>
-                <a:latin typeface="+mn-lt"/>
-              </a:defRPr>
-            </a:lvl3pPr>
-            <a:lvl4pPr marL="803275" indent="-225425" algn="l" defTabSz="820738" rtl="0" eaLnBrk="1" fontAlgn="base" hangingPunct="1">
-              <a:lnSpc>
-                <a:spcPct val="90000"/>
-              </a:lnSpc>
-              <a:spcBef>
-                <a:spcPct val="30000"/>
-              </a:spcBef>
-              <a:spcAft>
-                <a:spcPct val="0"/>
-              </a:spcAft>
-              <a:buClr>
-                <a:schemeClr val="bg1"/>
-              </a:buClr>
-              <a:buFont typeface="Arial" panose="020B0604020202020204" pitchFamily="34" charset="0"/>
-              <a:buChar char="•"/>
-              <a:defRPr sz="1600">
-                <a:solidFill>
-                  <a:schemeClr val="bg1"/>
-                </a:solidFill>
-                <a:latin typeface="+mn-lt"/>
-              </a:defRPr>
-            </a:lvl4pPr>
-            <a:lvl5pPr marL="957263" indent="-163513" algn="l" defTabSz="820738" rtl="0" eaLnBrk="1" fontAlgn="base" hangingPunct="1">
-              <a:lnSpc>
-                <a:spcPct val="90000"/>
-              </a:lnSpc>
-              <a:spcBef>
-                <a:spcPct val="30000"/>
-              </a:spcBef>
-              <a:spcAft>
-                <a:spcPct val="0"/>
-              </a:spcAft>
-              <a:buClr>
-                <a:schemeClr val="tx2"/>
-              </a:buClr>
-              <a:buFont typeface="Arial" charset="0"/>
-              <a:buChar char="–"/>
-              <a:defRPr sz="1600">
-                <a:solidFill>
-                  <a:schemeClr val="tx1">
-                    <a:lumMod val="75000"/>
-                    <a:lumOff val="25000"/>
-                  </a:schemeClr>
-                </a:solidFill>
-                <a:latin typeface="+mn-lt"/>
-              </a:defRPr>
-            </a:lvl5pPr>
-            <a:lvl6pPr marL="1414463" indent="-163513" algn="l" defTabSz="820738" rtl="0" eaLnBrk="1" fontAlgn="base" hangingPunct="1">
-              <a:lnSpc>
-                <a:spcPct val="90000"/>
-              </a:lnSpc>
-              <a:spcBef>
-                <a:spcPct val="30000"/>
-              </a:spcBef>
-              <a:spcAft>
-                <a:spcPct val="0"/>
-              </a:spcAft>
-              <a:buClr>
-                <a:schemeClr val="tx2"/>
-              </a:buClr>
-              <a:buFont typeface="Arial" charset="0"/>
-              <a:buChar char="–"/>
-              <a:defRPr sz="1600">
-                <a:solidFill>
-                  <a:schemeClr val="tx1"/>
-                </a:solidFill>
-                <a:latin typeface="+mn-lt"/>
-              </a:defRPr>
-            </a:lvl6pPr>
-            <a:lvl7pPr marL="1871663" indent="-163513" algn="l" defTabSz="820738" rtl="0" eaLnBrk="1" fontAlgn="base" hangingPunct="1">
-              <a:lnSpc>
-                <a:spcPct val="90000"/>
-              </a:lnSpc>
-              <a:spcBef>
-                <a:spcPct val="30000"/>
-              </a:spcBef>
-              <a:spcAft>
-                <a:spcPct val="0"/>
-              </a:spcAft>
-              <a:buClr>
-                <a:schemeClr val="tx2"/>
-              </a:buClr>
-              <a:buFont typeface="Arial" charset="0"/>
-              <a:buChar char="–"/>
-              <a:defRPr sz="1600">
-                <a:solidFill>
-                  <a:schemeClr val="tx1"/>
-                </a:solidFill>
-                <a:latin typeface="+mn-lt"/>
-              </a:defRPr>
-            </a:lvl7pPr>
-            <a:lvl8pPr marL="2328863" indent="-163513" algn="l" defTabSz="820738" rtl="0" eaLnBrk="1" fontAlgn="base" hangingPunct="1">
-              <a:lnSpc>
-                <a:spcPct val="90000"/>
-              </a:lnSpc>
-              <a:spcBef>
-                <a:spcPct val="30000"/>
-              </a:spcBef>
-              <a:spcAft>
-                <a:spcPct val="0"/>
-              </a:spcAft>
-              <a:buClr>
-                <a:schemeClr val="tx2"/>
-              </a:buClr>
-              <a:buFont typeface="Arial" charset="0"/>
-              <a:buChar char="–"/>
-              <a:defRPr sz="1600">
-                <a:solidFill>
-                  <a:schemeClr val="tx1"/>
-                </a:solidFill>
-                <a:latin typeface="+mn-lt"/>
-              </a:defRPr>
-            </a:lvl8pPr>
-            <a:lvl9pPr marL="2786063" indent="-163513" algn="l" defTabSz="820738" rtl="0" eaLnBrk="1" fontAlgn="base" hangingPunct="1">
-              <a:lnSpc>
-                <a:spcPct val="90000"/>
-              </a:lnSpc>
-              <a:spcBef>
-                <a:spcPct val="30000"/>
-              </a:spcBef>
-              <a:spcAft>
-                <a:spcPct val="0"/>
-              </a:spcAft>
-              <a:buClr>
-                <a:schemeClr val="tx2"/>
-              </a:buClr>
-              <a:buFont typeface="Arial" charset="0"/>
-              <a:buChar char="–"/>
-              <a:defRPr sz="1600">
-                <a:solidFill>
-                  <a:schemeClr val="tx1"/>
-                </a:solidFill>
-                <a:latin typeface="+mn-lt"/>
-              </a:defRPr>
-            </a:lvl9pPr>
-          </a:lstStyle>
-          <a:p>
-            <a:r>
-              <a:rPr lang="en-US" kern="0" dirty="0" smtClean="0"/>
-              <a:t>Benefits to Industry/Enterprise</a:t>
-            </a:r>
-            <a:endParaRPr lang="en-US" kern="0" dirty="0"/>
-          </a:p>
-        </p:txBody>
-      </p:sp>
-      <p:sp>
-        <p:nvSpPr>
-          <p:cNvPr id="8" name="Content Placeholder 3"/>
-          <p:cNvSpPr txBox="1">
-            <a:spLocks/>
-          </p:cNvSpPr>
-          <p:nvPr/>
-        </p:nvSpPr>
-        <p:spPr bwMode="auto">
-          <a:xfrm>
-            <a:off x="405383" y="1822232"/>
-            <a:ext cx="5601407" cy="1329595"/>
-          </a:xfrm>
-          <a:prstGeom prst="rect">
-            <a:avLst/>
-          </a:prstGeom>
-          <a:solidFill>
-            <a:schemeClr val="tx1">
-              <a:lumMod val="75000"/>
-              <a:lumOff val="25000"/>
-            </a:schemeClr>
-          </a:solidFill>
-          <a:ln w="9525">
-            <a:noFill/>
-            <a:miter lim="800000"/>
-            <a:headEnd/>
-            <a:tailEnd/>
-          </a:ln>
-          <a:effectLst/>
-        </p:spPr>
-        <p:txBody>
-          <a:bodyPr vert="horz" wrap="square" lIns="0" tIns="0" rIns="0" bIns="0" numCol="1" anchor="t" anchorCtr="0" compatLnSpc="1">
-            <a:prstTxWarp prst="textNoShape">
-              <a:avLst/>
-            </a:prstTxWarp>
-            <a:spAutoFit/>
-          </a:bodyPr>
-          <a:lstStyle>
-            <a:lvl1pPr marL="0" indent="0" algn="l" defTabSz="820738" rtl="0" eaLnBrk="1" fontAlgn="base" hangingPunct="1">
-              <a:lnSpc>
-                <a:spcPct val="90000"/>
-              </a:lnSpc>
-              <a:spcBef>
-                <a:spcPct val="30000"/>
-              </a:spcBef>
-              <a:spcAft>
-                <a:spcPct val="0"/>
-              </a:spcAft>
-              <a:buClr>
-                <a:schemeClr val="tx2"/>
-              </a:buClr>
-              <a:buFont typeface="Symbol" panose="05050102010706020507" pitchFamily="18" charset="2"/>
-              <a:buChar char=""/>
-              <a:defRPr sz="2000" b="1">
-                <a:solidFill>
-                  <a:schemeClr val="bg1"/>
-                </a:solidFill>
-                <a:latin typeface="+mn-lt"/>
-                <a:ea typeface="+mn-ea"/>
-                <a:cs typeface="+mn-cs"/>
-              </a:defRPr>
-            </a:lvl1pPr>
-            <a:lvl2pPr marL="288925" indent="-173038" algn="l" defTabSz="820738" rtl="0" eaLnBrk="1" fontAlgn="base" hangingPunct="1">
-              <a:lnSpc>
-                <a:spcPct val="90000"/>
-              </a:lnSpc>
-              <a:spcBef>
-                <a:spcPct val="30000"/>
-              </a:spcBef>
-              <a:spcAft>
-                <a:spcPct val="0"/>
-              </a:spcAft>
-              <a:buClr>
-                <a:schemeClr val="bg1"/>
-              </a:buClr>
-              <a:buFont typeface="Arial" panose="020B0604020202020204" pitchFamily="34" charset="0"/>
-              <a:buChar char="•"/>
-              <a:defRPr sz="2000">
-                <a:solidFill>
-                  <a:schemeClr val="bg1"/>
-                </a:solidFill>
-                <a:latin typeface="+mn-lt"/>
-              </a:defRPr>
-            </a:lvl2pPr>
-            <a:lvl3pPr marL="508000" indent="-184150" algn="l" defTabSz="820738" rtl="0" eaLnBrk="1" fontAlgn="base" hangingPunct="1">
-              <a:lnSpc>
-                <a:spcPct val="90000"/>
-              </a:lnSpc>
-              <a:spcBef>
-                <a:spcPct val="30000"/>
-              </a:spcBef>
-              <a:spcAft>
-                <a:spcPct val="0"/>
-              </a:spcAft>
-              <a:buClr>
-                <a:schemeClr val="bg1"/>
-              </a:buClr>
-              <a:buFont typeface="Arial" panose="020B0604020202020204" pitchFamily="34" charset="0"/>
-              <a:buChar char="•"/>
-              <a:defRPr>
-                <a:solidFill>
-                  <a:schemeClr val="bg1"/>
-                </a:solidFill>
-                <a:latin typeface="+mn-lt"/>
-              </a:defRPr>
-            </a:lvl3pPr>
-            <a:lvl4pPr marL="803275" indent="-225425" algn="l" defTabSz="820738" rtl="0" eaLnBrk="1" fontAlgn="base" hangingPunct="1">
-              <a:lnSpc>
-                <a:spcPct val="90000"/>
-              </a:lnSpc>
-              <a:spcBef>
-                <a:spcPct val="30000"/>
-              </a:spcBef>
-              <a:spcAft>
-                <a:spcPct val="0"/>
-              </a:spcAft>
-              <a:buClr>
-                <a:schemeClr val="bg1"/>
-              </a:buClr>
-              <a:buFont typeface="Arial" panose="020B0604020202020204" pitchFamily="34" charset="0"/>
-              <a:buChar char="•"/>
-              <a:defRPr sz="1600">
-                <a:solidFill>
-                  <a:schemeClr val="bg1"/>
-                </a:solidFill>
-                <a:latin typeface="+mn-lt"/>
-              </a:defRPr>
-            </a:lvl4pPr>
-            <a:lvl5pPr marL="957263" indent="-163513" algn="l" defTabSz="820738" rtl="0" eaLnBrk="1" fontAlgn="base" hangingPunct="1">
-              <a:lnSpc>
-                <a:spcPct val="90000"/>
-              </a:lnSpc>
-              <a:spcBef>
-                <a:spcPct val="30000"/>
-              </a:spcBef>
-              <a:spcAft>
-                <a:spcPct val="0"/>
-              </a:spcAft>
-              <a:buClr>
-                <a:schemeClr val="tx2"/>
-              </a:buClr>
-              <a:buFont typeface="Arial" charset="0"/>
-              <a:buChar char="–"/>
-              <a:defRPr sz="1600">
-                <a:solidFill>
-                  <a:schemeClr val="tx1">
-                    <a:lumMod val="75000"/>
-                    <a:lumOff val="25000"/>
-                  </a:schemeClr>
-                </a:solidFill>
-                <a:latin typeface="+mn-lt"/>
-              </a:defRPr>
-            </a:lvl5pPr>
-            <a:lvl6pPr marL="1414463" indent="-163513" algn="l" defTabSz="820738" rtl="0" eaLnBrk="1" fontAlgn="base" hangingPunct="1">
-              <a:lnSpc>
-                <a:spcPct val="90000"/>
-              </a:lnSpc>
-              <a:spcBef>
-                <a:spcPct val="30000"/>
-              </a:spcBef>
-              <a:spcAft>
-                <a:spcPct val="0"/>
-              </a:spcAft>
-              <a:buClr>
-                <a:schemeClr val="tx2"/>
-              </a:buClr>
-              <a:buFont typeface="Arial" charset="0"/>
-              <a:buChar char="–"/>
-              <a:defRPr sz="1600">
-                <a:solidFill>
-                  <a:schemeClr val="tx1"/>
-                </a:solidFill>
-                <a:latin typeface="+mn-lt"/>
-              </a:defRPr>
-            </a:lvl6pPr>
-            <a:lvl7pPr marL="1871663" indent="-163513" algn="l" defTabSz="820738" rtl="0" eaLnBrk="1" fontAlgn="base" hangingPunct="1">
-              <a:lnSpc>
-                <a:spcPct val="90000"/>
-              </a:lnSpc>
-              <a:spcBef>
-                <a:spcPct val="30000"/>
-              </a:spcBef>
-              <a:spcAft>
-                <a:spcPct val="0"/>
-              </a:spcAft>
-              <a:buClr>
-                <a:schemeClr val="tx2"/>
-              </a:buClr>
-              <a:buFont typeface="Arial" charset="0"/>
-              <a:buChar char="–"/>
-              <a:defRPr sz="1600">
-                <a:solidFill>
-                  <a:schemeClr val="tx1"/>
-                </a:solidFill>
-                <a:latin typeface="+mn-lt"/>
-              </a:defRPr>
-            </a:lvl7pPr>
-            <a:lvl8pPr marL="2328863" indent="-163513" algn="l" defTabSz="820738" rtl="0" eaLnBrk="1" fontAlgn="base" hangingPunct="1">
-              <a:lnSpc>
-                <a:spcPct val="90000"/>
-              </a:lnSpc>
-              <a:spcBef>
-                <a:spcPct val="30000"/>
-              </a:spcBef>
-              <a:spcAft>
-                <a:spcPct val="0"/>
-              </a:spcAft>
-              <a:buClr>
-                <a:schemeClr val="tx2"/>
-              </a:buClr>
-              <a:buFont typeface="Arial" charset="0"/>
-              <a:buChar char="–"/>
-              <a:defRPr sz="1600">
-                <a:solidFill>
-                  <a:schemeClr val="tx1"/>
-                </a:solidFill>
-                <a:latin typeface="+mn-lt"/>
-              </a:defRPr>
-            </a:lvl8pPr>
-            <a:lvl9pPr marL="2786063" indent="-163513" algn="l" defTabSz="820738" rtl="0" eaLnBrk="1" fontAlgn="base" hangingPunct="1">
-              <a:lnSpc>
-                <a:spcPct val="90000"/>
-              </a:lnSpc>
-              <a:spcBef>
-                <a:spcPct val="30000"/>
-              </a:spcBef>
-              <a:spcAft>
-                <a:spcPct val="0"/>
-              </a:spcAft>
-              <a:buClr>
-                <a:schemeClr val="tx2"/>
-              </a:buClr>
-              <a:buFont typeface="Arial" charset="0"/>
-              <a:buChar char="–"/>
-              <a:defRPr sz="1600">
-                <a:solidFill>
-                  <a:schemeClr val="tx1"/>
-                </a:solidFill>
-                <a:latin typeface="+mn-lt"/>
-              </a:defRPr>
-            </a:lvl9pPr>
-          </a:lstStyle>
-          <a:p>
-            <a:pPr marL="285750" indent="-285750"/>
-            <a:r>
-              <a:rPr lang="en-US" sz="1600" kern="0" dirty="0" smtClean="0"/>
-              <a:t>Immediate feedback loop to detect and fix issues early</a:t>
-            </a:r>
-          </a:p>
-          <a:p>
-            <a:pPr marL="285750" indent="-285750"/>
-            <a:r>
-              <a:rPr lang="en-US" sz="1600" kern="0" dirty="0" smtClean="0"/>
-              <a:t>Increase transparency and visibility to other developers and team members </a:t>
-            </a:r>
-          </a:p>
-          <a:p>
-            <a:pPr marL="285750" indent="-285750"/>
-            <a:r>
-              <a:rPr lang="en-US" sz="1600" kern="0" dirty="0" smtClean="0"/>
-              <a:t>Avoid “integration hell”</a:t>
-            </a:r>
-          </a:p>
-          <a:p>
-            <a:pPr marL="285750" indent="-285750"/>
-            <a:r>
-              <a:rPr lang="en-US" sz="1600" kern="0" dirty="0" smtClean="0"/>
-              <a:t>Improve quality and testability</a:t>
-            </a:r>
-            <a:endParaRPr lang="en-US" sz="1600" kern="0" dirty="0"/>
-          </a:p>
-        </p:txBody>
-      </p:sp>
-      <p:sp>
-        <p:nvSpPr>
-          <p:cNvPr id="9" name="Text Placeholder 2"/>
+          <p:cNvPr id="11" name="Text Placeholder 2"/>
           <p:cNvSpPr>
             <a:spLocks noGrp="1"/>
           </p:cNvSpPr>
@@ -12118,10 +13407,2258 @@
           </a:p>
         </p:txBody>
       </p:sp>
+      <p:pic>
+        <p:nvPicPr>
+          <p:cNvPr id="6" name="Picture 5"/>
+          <p:cNvPicPr/>
+          <p:nvPr/>
+        </p:nvPicPr>
+        <p:blipFill>
+          <a:blip r:embed="rId4">
+            <a:extLst>
+              <a:ext uri="{28A0092B-C50C-407E-A947-70E740481C1C}">
+                <a14:useLocalDpi xmlns:a14="http://schemas.microsoft.com/office/drawing/2010/main" val="0"/>
+              </a:ext>
+            </a:extLst>
+          </a:blip>
+          <a:stretch>
+            <a:fillRect/>
+          </a:stretch>
+        </p:blipFill>
+        <p:spPr>
+          <a:xfrm>
+            <a:off x="12312244" y="2022038"/>
+            <a:ext cx="2765782" cy="664596"/>
+          </a:xfrm>
+          <a:prstGeom prst="rect">
+            <a:avLst/>
+          </a:prstGeom>
+        </p:spPr>
+      </p:pic>
+      <p:graphicFrame>
+        <p:nvGraphicFramePr>
+          <p:cNvPr id="8" name="Object 7"/>
+          <p:cNvGraphicFramePr>
+            <a:graphicFrameLocks noChangeAspect="1"/>
+          </p:cNvGraphicFramePr>
+          <p:nvPr>
+            <p:extLst>
+              <p:ext uri="{D42A27DB-BD31-4B8C-83A1-F6EECF244321}">
+                <p14:modId xmlns:p14="http://schemas.microsoft.com/office/powerpoint/2010/main" val="2978736040"/>
+              </p:ext>
+            </p:extLst>
+          </p:nvPr>
+        </p:nvGraphicFramePr>
+        <p:xfrm>
+          <a:off x="12317007" y="4031389"/>
+          <a:ext cx="2743200" cy="1905000"/>
+        </p:xfrm>
+        <a:graphic>
+          <a:graphicData uri="http://schemas.openxmlformats.org/presentationml/2006/ole">
+            <mc:AlternateContent xmlns:mc="http://schemas.openxmlformats.org/markup-compatibility/2006">
+              <mc:Choice xmlns:v="urn:schemas-microsoft-com:vml" Requires="v">
+                <p:oleObj spid="_x0000_s3075" name="Visio" r:id="rId5" imgW="5467350" imgH="3819396" progId="Visio.Drawing.15">
+                  <p:embed/>
+                </p:oleObj>
+              </mc:Choice>
+              <mc:Fallback>
+                <p:oleObj name="Visio" r:id="rId5" imgW="5467350" imgH="3819396" progId="Visio.Drawing.15">
+                  <p:embed/>
+                  <p:pic>
+                    <p:nvPicPr>
+                      <p:cNvPr id="0" name=""/>
+                      <p:cNvPicPr>
+                        <a:picLocks noChangeAspect="1" noChangeArrowheads="1"/>
+                      </p:cNvPicPr>
+                      <p:nvPr/>
+                    </p:nvPicPr>
+                    <p:blipFill>
+                      <a:blip r:embed="rId6">
+                        <a:extLst>
+                          <a:ext uri="{28A0092B-C50C-407E-A947-70E740481C1C}">
+                            <a14:useLocalDpi xmlns:a14="http://schemas.microsoft.com/office/drawing/2010/main" val="0"/>
+                          </a:ext>
+                        </a:extLst>
+                      </a:blip>
+                      <a:srcRect/>
+                      <a:stretch>
+                        <a:fillRect/>
+                      </a:stretch>
+                    </p:blipFill>
+                    <p:spPr bwMode="auto">
+                      <a:xfrm>
+                        <a:off x="12317007" y="4031389"/>
+                        <a:ext cx="2743200" cy="1905000"/>
+                      </a:xfrm>
+                      <a:prstGeom prst="rect">
+                        <a:avLst/>
+                      </a:prstGeom>
+                      <a:solidFill>
+                        <a:schemeClr val="bg1"/>
+                      </a:solidFill>
+                    </p:spPr>
+                  </p:pic>
+                </p:oleObj>
+              </mc:Fallback>
+            </mc:AlternateContent>
+          </a:graphicData>
+        </a:graphic>
+      </p:graphicFrame>
+      <p:pic>
+        <p:nvPicPr>
+          <p:cNvPr id="9" name="Picture 8"/>
+          <p:cNvPicPr>
+            <a:picLocks noChangeAspect="1"/>
+          </p:cNvPicPr>
+          <p:nvPr/>
+        </p:nvPicPr>
+        <p:blipFill>
+          <a:blip r:embed="rId7"/>
+          <a:stretch>
+            <a:fillRect/>
+          </a:stretch>
+        </p:blipFill>
+        <p:spPr>
+          <a:xfrm>
+            <a:off x="12302066" y="0"/>
+            <a:ext cx="2798687" cy="1961105"/>
+          </a:xfrm>
+          <a:prstGeom prst="rect">
+            <a:avLst/>
+          </a:prstGeom>
+        </p:spPr>
+      </p:pic>
+      <p:sp>
+        <p:nvSpPr>
+          <p:cNvPr id="10" name="Rounded Rectangle 9"/>
+          <p:cNvSpPr/>
+          <p:nvPr/>
+        </p:nvSpPr>
+        <p:spPr>
+          <a:xfrm>
+            <a:off x="3446584" y="1264530"/>
+            <a:ext cx="5275384" cy="492369"/>
+          </a:xfrm>
+          <a:prstGeom prst="roundRect">
+            <a:avLst/>
+          </a:prstGeom>
+        </p:spPr>
+        <p:style>
+          <a:lnRef idx="2">
+            <a:schemeClr val="accent1">
+              <a:shade val="50000"/>
+            </a:schemeClr>
+          </a:lnRef>
+          <a:fillRef idx="1">
+            <a:schemeClr val="accent1"/>
+          </a:fillRef>
+          <a:effectRef idx="0">
+            <a:schemeClr val="accent1"/>
+          </a:effectRef>
+          <a:fontRef idx="minor">
+            <a:schemeClr val="lt1"/>
+          </a:fontRef>
+        </p:style>
+        <p:txBody>
+          <a:bodyPr rtlCol="0" anchor="ctr"/>
+          <a:lstStyle/>
+          <a:p>
+            <a:pPr algn="ctr"/>
+            <a:r>
+              <a:rPr lang="en-US" dirty="0" smtClean="0"/>
+              <a:t>AP242e3</a:t>
+            </a:r>
+            <a:endParaRPr lang="en-US" dirty="0"/>
+          </a:p>
+        </p:txBody>
+      </p:sp>
+      <p:grpSp>
+        <p:nvGrpSpPr>
+          <p:cNvPr id="15" name="Group 14"/>
+          <p:cNvGrpSpPr/>
+          <p:nvPr/>
+        </p:nvGrpSpPr>
+        <p:grpSpPr>
+          <a:xfrm>
+            <a:off x="3507767" y="1862406"/>
+            <a:ext cx="1149588" cy="4079631"/>
+            <a:chOff x="6541479" y="2233246"/>
+            <a:chExt cx="799459" cy="3557954"/>
+          </a:xfrm>
+          <a:solidFill>
+            <a:schemeClr val="tx2">
+              <a:lumMod val="20000"/>
+              <a:lumOff val="80000"/>
+            </a:schemeClr>
+          </a:solidFill>
+        </p:grpSpPr>
+        <p:sp>
+          <p:nvSpPr>
+            <p:cNvPr id="13" name="Flowchart: Delay 12"/>
+            <p:cNvSpPr/>
+            <p:nvPr/>
+          </p:nvSpPr>
+          <p:spPr>
+            <a:xfrm rot="16200000">
+              <a:off x="6546699" y="2230315"/>
+              <a:ext cx="791308" cy="797170"/>
+            </a:xfrm>
+            <a:prstGeom prst="flowChartDelay">
+              <a:avLst/>
+            </a:prstGeom>
+            <a:grpFill/>
+            <a:ln>
+              <a:noFill/>
+            </a:ln>
+          </p:spPr>
+          <p:style>
+            <a:lnRef idx="2">
+              <a:schemeClr val="accent1">
+                <a:shade val="50000"/>
+              </a:schemeClr>
+            </a:lnRef>
+            <a:fillRef idx="1">
+              <a:schemeClr val="accent1"/>
+            </a:fillRef>
+            <a:effectRef idx="0">
+              <a:schemeClr val="accent1"/>
+            </a:effectRef>
+            <a:fontRef idx="minor">
+              <a:schemeClr val="lt1"/>
+            </a:fontRef>
+          </p:style>
+          <p:txBody>
+            <a:bodyPr rtlCol="0" anchor="ctr"/>
+            <a:lstStyle/>
+            <a:p>
+              <a:pPr algn="ctr"/>
+              <a:endParaRPr lang="en-US"/>
+            </a:p>
+          </p:txBody>
+        </p:sp>
+        <p:sp>
+          <p:nvSpPr>
+            <p:cNvPr id="14" name="Rectangle 13"/>
+            <p:cNvSpPr/>
+            <p:nvPr/>
+          </p:nvSpPr>
+          <p:spPr>
+            <a:xfrm>
+              <a:off x="6541479" y="3012831"/>
+              <a:ext cx="797169" cy="2778369"/>
+            </a:xfrm>
+            <a:prstGeom prst="rect">
+              <a:avLst/>
+            </a:prstGeom>
+            <a:grpFill/>
+            <a:ln>
+              <a:noFill/>
+            </a:ln>
+          </p:spPr>
+          <p:style>
+            <a:lnRef idx="2">
+              <a:schemeClr val="accent1">
+                <a:shade val="50000"/>
+              </a:schemeClr>
+            </a:lnRef>
+            <a:fillRef idx="1">
+              <a:schemeClr val="accent1"/>
+            </a:fillRef>
+            <a:effectRef idx="0">
+              <a:schemeClr val="accent1"/>
+            </a:effectRef>
+            <a:fontRef idx="minor">
+              <a:schemeClr val="lt1"/>
+            </a:fontRef>
+          </p:style>
+          <p:txBody>
+            <a:bodyPr rtlCol="0" anchor="ctr"/>
+            <a:lstStyle/>
+            <a:p>
+              <a:pPr algn="ctr"/>
+              <a:endParaRPr lang="en-US"/>
+            </a:p>
+          </p:txBody>
+        </p:sp>
+      </p:grpSp>
+      <p:grpSp>
+        <p:nvGrpSpPr>
+          <p:cNvPr id="16" name="Group 15"/>
+          <p:cNvGrpSpPr/>
+          <p:nvPr/>
+        </p:nvGrpSpPr>
+        <p:grpSpPr>
+          <a:xfrm>
+            <a:off x="4855918" y="1862406"/>
+            <a:ext cx="1149591" cy="4079631"/>
+            <a:chOff x="6541477" y="2233246"/>
+            <a:chExt cx="799461" cy="3557954"/>
+          </a:xfrm>
+          <a:solidFill>
+            <a:schemeClr val="accent4">
+              <a:lumMod val="40000"/>
+              <a:lumOff val="60000"/>
+            </a:schemeClr>
+          </a:solidFill>
+        </p:grpSpPr>
+        <p:sp>
+          <p:nvSpPr>
+            <p:cNvPr id="17" name="Flowchart: Delay 16"/>
+            <p:cNvSpPr/>
+            <p:nvPr/>
+          </p:nvSpPr>
+          <p:spPr>
+            <a:xfrm rot="16200000">
+              <a:off x="6546699" y="2230315"/>
+              <a:ext cx="791308" cy="797170"/>
+            </a:xfrm>
+            <a:prstGeom prst="flowChartDelay">
+              <a:avLst/>
+            </a:prstGeom>
+            <a:grpFill/>
+            <a:ln>
+              <a:noFill/>
+            </a:ln>
+          </p:spPr>
+          <p:style>
+            <a:lnRef idx="2">
+              <a:schemeClr val="accent1">
+                <a:shade val="50000"/>
+              </a:schemeClr>
+            </a:lnRef>
+            <a:fillRef idx="1">
+              <a:schemeClr val="accent1"/>
+            </a:fillRef>
+            <a:effectRef idx="0">
+              <a:schemeClr val="accent1"/>
+            </a:effectRef>
+            <a:fontRef idx="minor">
+              <a:schemeClr val="lt1"/>
+            </a:fontRef>
+          </p:style>
+          <p:txBody>
+            <a:bodyPr rtlCol="0" anchor="ctr"/>
+            <a:lstStyle/>
+            <a:p>
+              <a:pPr algn="ctr"/>
+              <a:endParaRPr lang="en-US"/>
+            </a:p>
+          </p:txBody>
+        </p:sp>
+        <p:sp>
+          <p:nvSpPr>
+            <p:cNvPr id="18" name="Rectangle 17"/>
+            <p:cNvSpPr/>
+            <p:nvPr/>
+          </p:nvSpPr>
+          <p:spPr>
+            <a:xfrm>
+              <a:off x="6541477" y="3012831"/>
+              <a:ext cx="797169" cy="2778369"/>
+            </a:xfrm>
+            <a:prstGeom prst="rect">
+              <a:avLst/>
+            </a:prstGeom>
+            <a:grpFill/>
+            <a:ln>
+              <a:noFill/>
+            </a:ln>
+          </p:spPr>
+          <p:style>
+            <a:lnRef idx="2">
+              <a:schemeClr val="accent1">
+                <a:shade val="50000"/>
+              </a:schemeClr>
+            </a:lnRef>
+            <a:fillRef idx="1">
+              <a:schemeClr val="accent1"/>
+            </a:fillRef>
+            <a:effectRef idx="0">
+              <a:schemeClr val="accent1"/>
+            </a:effectRef>
+            <a:fontRef idx="minor">
+              <a:schemeClr val="lt1"/>
+            </a:fontRef>
+          </p:style>
+          <p:txBody>
+            <a:bodyPr rtlCol="0" anchor="ctr"/>
+            <a:lstStyle/>
+            <a:p>
+              <a:pPr algn="ctr"/>
+              <a:endParaRPr lang="en-US"/>
+            </a:p>
+          </p:txBody>
+        </p:sp>
+      </p:grpSp>
+      <p:grpSp>
+        <p:nvGrpSpPr>
+          <p:cNvPr id="19" name="Group 18"/>
+          <p:cNvGrpSpPr/>
+          <p:nvPr/>
+        </p:nvGrpSpPr>
+        <p:grpSpPr>
+          <a:xfrm>
+            <a:off x="6192349" y="1862406"/>
+            <a:ext cx="1149591" cy="4079631"/>
+            <a:chOff x="6541477" y="2233246"/>
+            <a:chExt cx="799461" cy="3557954"/>
+          </a:xfrm>
+          <a:solidFill>
+            <a:schemeClr val="accent6">
+              <a:lumMod val="60000"/>
+              <a:lumOff val="40000"/>
+            </a:schemeClr>
+          </a:solidFill>
+        </p:grpSpPr>
+        <p:sp>
+          <p:nvSpPr>
+            <p:cNvPr id="20" name="Flowchart: Delay 19"/>
+            <p:cNvSpPr/>
+            <p:nvPr/>
+          </p:nvSpPr>
+          <p:spPr>
+            <a:xfrm rot="16200000">
+              <a:off x="6546699" y="2230315"/>
+              <a:ext cx="791308" cy="797170"/>
+            </a:xfrm>
+            <a:prstGeom prst="flowChartDelay">
+              <a:avLst/>
+            </a:prstGeom>
+            <a:grpFill/>
+            <a:ln>
+              <a:noFill/>
+            </a:ln>
+          </p:spPr>
+          <p:style>
+            <a:lnRef idx="2">
+              <a:schemeClr val="accent1">
+                <a:shade val="50000"/>
+              </a:schemeClr>
+            </a:lnRef>
+            <a:fillRef idx="1">
+              <a:schemeClr val="accent1"/>
+            </a:fillRef>
+            <a:effectRef idx="0">
+              <a:schemeClr val="accent1"/>
+            </a:effectRef>
+            <a:fontRef idx="minor">
+              <a:schemeClr val="lt1"/>
+            </a:fontRef>
+          </p:style>
+          <p:txBody>
+            <a:bodyPr rtlCol="0" anchor="ctr"/>
+            <a:lstStyle/>
+            <a:p>
+              <a:pPr algn="ctr"/>
+              <a:endParaRPr lang="en-US"/>
+            </a:p>
+          </p:txBody>
+        </p:sp>
+        <p:sp>
+          <p:nvSpPr>
+            <p:cNvPr id="21" name="Rectangle 20"/>
+            <p:cNvSpPr/>
+            <p:nvPr/>
+          </p:nvSpPr>
+          <p:spPr>
+            <a:xfrm>
+              <a:off x="6541477" y="3012831"/>
+              <a:ext cx="797169" cy="2778369"/>
+            </a:xfrm>
+            <a:prstGeom prst="rect">
+              <a:avLst/>
+            </a:prstGeom>
+            <a:grpFill/>
+            <a:ln>
+              <a:noFill/>
+            </a:ln>
+          </p:spPr>
+          <p:style>
+            <a:lnRef idx="2">
+              <a:schemeClr val="accent1">
+                <a:shade val="50000"/>
+              </a:schemeClr>
+            </a:lnRef>
+            <a:fillRef idx="1">
+              <a:schemeClr val="accent1"/>
+            </a:fillRef>
+            <a:effectRef idx="0">
+              <a:schemeClr val="accent1"/>
+            </a:effectRef>
+            <a:fontRef idx="minor">
+              <a:schemeClr val="lt1"/>
+            </a:fontRef>
+          </p:style>
+          <p:txBody>
+            <a:bodyPr rtlCol="0" anchor="ctr"/>
+            <a:lstStyle/>
+            <a:p>
+              <a:pPr algn="ctr"/>
+              <a:endParaRPr lang="en-US"/>
+            </a:p>
+          </p:txBody>
+        </p:sp>
+      </p:grpSp>
+      <p:grpSp>
+        <p:nvGrpSpPr>
+          <p:cNvPr id="22" name="Group 21"/>
+          <p:cNvGrpSpPr/>
+          <p:nvPr/>
+        </p:nvGrpSpPr>
+        <p:grpSpPr>
+          <a:xfrm>
+            <a:off x="7563949" y="1862406"/>
+            <a:ext cx="1149591" cy="4079631"/>
+            <a:chOff x="6541477" y="2233246"/>
+            <a:chExt cx="799461" cy="3557954"/>
+          </a:xfrm>
+          <a:solidFill>
+            <a:schemeClr val="bg1">
+              <a:lumMod val="75000"/>
+            </a:schemeClr>
+          </a:solidFill>
+        </p:grpSpPr>
+        <p:sp>
+          <p:nvSpPr>
+            <p:cNvPr id="23" name="Flowchart: Delay 22"/>
+            <p:cNvSpPr/>
+            <p:nvPr/>
+          </p:nvSpPr>
+          <p:spPr>
+            <a:xfrm rot="16200000">
+              <a:off x="6546699" y="2230315"/>
+              <a:ext cx="791308" cy="797170"/>
+            </a:xfrm>
+            <a:prstGeom prst="flowChartDelay">
+              <a:avLst/>
+            </a:prstGeom>
+            <a:grpFill/>
+            <a:ln>
+              <a:noFill/>
+            </a:ln>
+          </p:spPr>
+          <p:style>
+            <a:lnRef idx="2">
+              <a:schemeClr val="accent1">
+                <a:shade val="50000"/>
+              </a:schemeClr>
+            </a:lnRef>
+            <a:fillRef idx="1">
+              <a:schemeClr val="accent1"/>
+            </a:fillRef>
+            <a:effectRef idx="0">
+              <a:schemeClr val="accent1"/>
+            </a:effectRef>
+            <a:fontRef idx="minor">
+              <a:schemeClr val="lt1"/>
+            </a:fontRef>
+          </p:style>
+          <p:txBody>
+            <a:bodyPr rtlCol="0" anchor="ctr"/>
+            <a:lstStyle/>
+            <a:p>
+              <a:pPr algn="ctr"/>
+              <a:endParaRPr lang="en-US"/>
+            </a:p>
+          </p:txBody>
+        </p:sp>
+        <p:sp>
+          <p:nvSpPr>
+            <p:cNvPr id="24" name="Rectangle 23"/>
+            <p:cNvSpPr/>
+            <p:nvPr/>
+          </p:nvSpPr>
+          <p:spPr>
+            <a:xfrm>
+              <a:off x="6541477" y="3012831"/>
+              <a:ext cx="797169" cy="2778369"/>
+            </a:xfrm>
+            <a:prstGeom prst="rect">
+              <a:avLst/>
+            </a:prstGeom>
+            <a:grpFill/>
+            <a:ln>
+              <a:noFill/>
+            </a:ln>
+          </p:spPr>
+          <p:style>
+            <a:lnRef idx="2">
+              <a:schemeClr val="accent1">
+                <a:shade val="50000"/>
+              </a:schemeClr>
+            </a:lnRef>
+            <a:fillRef idx="1">
+              <a:schemeClr val="accent1"/>
+            </a:fillRef>
+            <a:effectRef idx="0">
+              <a:schemeClr val="accent1"/>
+            </a:effectRef>
+            <a:fontRef idx="minor">
+              <a:schemeClr val="lt1"/>
+            </a:fontRef>
+          </p:style>
+          <p:txBody>
+            <a:bodyPr rtlCol="0" anchor="ctr"/>
+            <a:lstStyle/>
+            <a:p>
+              <a:pPr algn="ctr"/>
+              <a:endParaRPr lang="en-US"/>
+            </a:p>
+          </p:txBody>
+        </p:sp>
+      </p:grpSp>
+      <p:pic>
+        <p:nvPicPr>
+          <p:cNvPr id="25" name="Content Placeholder 24"/>
+          <p:cNvPicPr>
+            <a:picLocks noGrp="1" noChangeAspect="1"/>
+          </p:cNvPicPr>
+          <p:nvPr>
+            <p:ph sz="quarter" idx="16"/>
+          </p:nvPr>
+        </p:nvPicPr>
+        <p:blipFill>
+          <a:blip r:embed="rId8" cstate="print">
+            <a:extLst>
+              <a:ext uri="{28A0092B-C50C-407E-A947-70E740481C1C}">
+                <a14:useLocalDpi xmlns:a14="http://schemas.microsoft.com/office/drawing/2010/main" val="0"/>
+              </a:ext>
+            </a:extLst>
+          </a:blip>
+          <a:stretch>
+            <a:fillRect/>
+          </a:stretch>
+        </p:blipFill>
+        <p:spPr>
+          <a:xfrm>
+            <a:off x="3779105" y="2542344"/>
+            <a:ext cx="636404" cy="636404"/>
+          </a:xfrm>
+          <a:prstGeom prst="ellipse">
+            <a:avLst/>
+          </a:prstGeom>
+          <a:ln w="6350" cap="rnd">
+            <a:solidFill>
+              <a:srgbClr val="333333"/>
+            </a:solidFill>
+          </a:ln>
+          <a:effectLst>
+            <a:outerShdw blurRad="381000" dist="292100" dir="5400000" sx="-80000" sy="-18000" rotWithShape="0">
+              <a:srgbClr val="000000">
+                <a:alpha val="22000"/>
+              </a:srgbClr>
+            </a:outerShdw>
+          </a:effectLst>
+          <a:scene3d>
+            <a:camera prst="orthographicFront"/>
+            <a:lightRig rig="contrasting" dir="t">
+              <a:rot lat="0" lon="0" rev="3000000"/>
+            </a:lightRig>
+          </a:scene3d>
+          <a:sp3d contourW="7620">
+            <a:bevelT w="95250" h="31750"/>
+            <a:contourClr>
+              <a:srgbClr val="333333"/>
+            </a:contourClr>
+          </a:sp3d>
+        </p:spPr>
+      </p:pic>
+      <p:pic>
+        <p:nvPicPr>
+          <p:cNvPr id="26" name="Picture 25"/>
+          <p:cNvPicPr>
+            <a:picLocks noChangeAspect="1"/>
+          </p:cNvPicPr>
+          <p:nvPr/>
+        </p:nvPicPr>
+        <p:blipFill>
+          <a:blip r:embed="rId9" cstate="print">
+            <a:extLst>
+              <a:ext uri="{BEBA8EAE-BF5A-486C-A8C5-ECC9F3942E4B}">
+                <a14:imgProps xmlns:a14="http://schemas.microsoft.com/office/drawing/2010/main">
+                  <a14:imgLayer r:embed="rId10">
+                    <a14:imgEffect>
+                      <a14:brightnessContrast bright="20000"/>
+                    </a14:imgEffect>
+                  </a14:imgLayer>
+                </a14:imgProps>
+              </a:ext>
+              <a:ext uri="{28A0092B-C50C-407E-A947-70E740481C1C}">
+                <a14:useLocalDpi xmlns:a14="http://schemas.microsoft.com/office/drawing/2010/main" val="0"/>
+              </a:ext>
+            </a:extLst>
+          </a:blip>
+          <a:stretch>
+            <a:fillRect/>
+          </a:stretch>
+        </p:blipFill>
+        <p:spPr>
+          <a:xfrm>
+            <a:off x="5129214" y="2541174"/>
+            <a:ext cx="668359" cy="634215"/>
+          </a:xfrm>
+          <a:prstGeom prst="ellipse">
+            <a:avLst/>
+          </a:prstGeom>
+          <a:ln w="6350" cap="rnd">
+            <a:solidFill>
+              <a:srgbClr val="333333"/>
+            </a:solidFill>
+          </a:ln>
+          <a:effectLst>
+            <a:outerShdw blurRad="381000" dist="292100" dir="5400000" sx="-80000" sy="-18000" rotWithShape="0">
+              <a:srgbClr val="000000">
+                <a:alpha val="22000"/>
+              </a:srgbClr>
+            </a:outerShdw>
+          </a:effectLst>
+          <a:scene3d>
+            <a:camera prst="orthographicFront"/>
+            <a:lightRig rig="contrasting" dir="t">
+              <a:rot lat="0" lon="0" rev="3000000"/>
+            </a:lightRig>
+          </a:scene3d>
+          <a:sp3d contourW="7620">
+            <a:bevelT w="95250" h="31750"/>
+            <a:contourClr>
+              <a:srgbClr val="333333"/>
+            </a:contourClr>
+          </a:sp3d>
+        </p:spPr>
+      </p:pic>
+      <p:pic>
+        <p:nvPicPr>
+          <p:cNvPr id="27" name="Picture 26"/>
+          <p:cNvPicPr>
+            <a:picLocks noChangeAspect="1"/>
+          </p:cNvPicPr>
+          <p:nvPr/>
+        </p:nvPicPr>
+        <p:blipFill>
+          <a:blip r:embed="rId11" cstate="print">
+            <a:lum bright="70000" contrast="-70000"/>
+            <a:extLst>
+              <a:ext uri="{28A0092B-C50C-407E-A947-70E740481C1C}">
+                <a14:useLocalDpi xmlns:a14="http://schemas.microsoft.com/office/drawing/2010/main" val="0"/>
+              </a:ext>
+            </a:extLst>
+          </a:blip>
+          <a:stretch>
+            <a:fillRect/>
+          </a:stretch>
+        </p:blipFill>
+        <p:spPr>
+          <a:xfrm>
+            <a:off x="6453065" y="2537809"/>
+            <a:ext cx="671706" cy="625858"/>
+          </a:xfrm>
+          <a:prstGeom prst="ellipse">
+            <a:avLst/>
+          </a:prstGeom>
+          <a:ln w="6350" cap="rnd">
+            <a:solidFill>
+              <a:srgbClr val="333333"/>
+            </a:solidFill>
+          </a:ln>
+          <a:effectLst>
+            <a:outerShdw blurRad="381000" dist="292100" dir="5400000" sx="-80000" sy="-18000" rotWithShape="0">
+              <a:srgbClr val="000000">
+                <a:alpha val="22000"/>
+              </a:srgbClr>
+            </a:outerShdw>
+          </a:effectLst>
+          <a:scene3d>
+            <a:camera prst="orthographicFront"/>
+            <a:lightRig rig="contrasting" dir="t">
+              <a:rot lat="0" lon="0" rev="3000000"/>
+            </a:lightRig>
+          </a:scene3d>
+          <a:sp3d contourW="7620">
+            <a:bevelT w="95250" h="31750"/>
+            <a:contourClr>
+              <a:srgbClr val="333333"/>
+            </a:contourClr>
+          </a:sp3d>
+        </p:spPr>
+      </p:pic>
+      <p:pic>
+        <p:nvPicPr>
+          <p:cNvPr id="28" name="Content Placeholder 24"/>
+          <p:cNvPicPr>
+            <a:picLocks noChangeAspect="1"/>
+          </p:cNvPicPr>
+          <p:nvPr/>
+        </p:nvPicPr>
+        <p:blipFill>
+          <a:blip r:embed="rId8" cstate="print">
+            <a:extLst>
+              <a:ext uri="{28A0092B-C50C-407E-A947-70E740481C1C}">
+                <a14:useLocalDpi xmlns:a14="http://schemas.microsoft.com/office/drawing/2010/main" val="0"/>
+              </a:ext>
+            </a:extLst>
+          </a:blip>
+          <a:stretch>
+            <a:fillRect/>
+          </a:stretch>
+        </p:blipFill>
+        <p:spPr bwMode="auto">
+          <a:xfrm>
+            <a:off x="7870459" y="2542344"/>
+            <a:ext cx="636404" cy="636404"/>
+          </a:xfrm>
+          <a:prstGeom prst="ellipse">
+            <a:avLst/>
+          </a:prstGeom>
+          <a:solidFill>
+            <a:schemeClr val="tx1">
+              <a:lumMod val="75000"/>
+              <a:lumOff val="25000"/>
+            </a:schemeClr>
+          </a:solidFill>
+          <a:ln w="6350" cap="rnd">
+            <a:solidFill>
+              <a:srgbClr val="333333"/>
+            </a:solidFill>
+            <a:miter lim="800000"/>
+            <a:headEnd/>
+            <a:tailEnd/>
+          </a:ln>
+          <a:effectLst>
+            <a:outerShdw blurRad="381000" dist="292100" dir="5400000" sx="-80000" sy="-18000" rotWithShape="0">
+              <a:srgbClr val="000000">
+                <a:alpha val="22000"/>
+              </a:srgbClr>
+            </a:outerShdw>
+          </a:effectLst>
+          <a:scene3d>
+            <a:camera prst="orthographicFront"/>
+            <a:lightRig rig="contrasting" dir="t">
+              <a:rot lat="0" lon="0" rev="3000000"/>
+            </a:lightRig>
+          </a:scene3d>
+          <a:sp3d contourW="7620">
+            <a:bevelT w="95250" h="31750"/>
+            <a:contourClr>
+              <a:srgbClr val="333333"/>
+            </a:contourClr>
+          </a:sp3d>
+        </p:spPr>
+      </p:pic>
+      <p:sp>
+        <p:nvSpPr>
+          <p:cNvPr id="29" name="Rounded Rectangle 28"/>
+          <p:cNvSpPr/>
+          <p:nvPr/>
+        </p:nvSpPr>
+        <p:spPr>
+          <a:xfrm>
+            <a:off x="2110153" y="2518898"/>
+            <a:ext cx="6784489" cy="691662"/>
+          </a:xfrm>
+          <a:prstGeom prst="roundRect">
+            <a:avLst/>
+          </a:prstGeom>
+          <a:noFill/>
+          <a:ln>
+            <a:solidFill>
+              <a:schemeClr val="tx1"/>
+            </a:solidFill>
+          </a:ln>
+        </p:spPr>
+        <p:style>
+          <a:lnRef idx="2">
+            <a:schemeClr val="accent1">
+              <a:shade val="50000"/>
+            </a:schemeClr>
+          </a:lnRef>
+          <a:fillRef idx="1">
+            <a:schemeClr val="accent1"/>
+          </a:fillRef>
+          <a:effectRef idx="0">
+            <a:schemeClr val="accent1"/>
+          </a:effectRef>
+          <a:fontRef idx="minor">
+            <a:schemeClr val="lt1"/>
+          </a:fontRef>
+        </p:style>
+        <p:txBody>
+          <a:bodyPr rtlCol="0" anchor="ctr"/>
+          <a:lstStyle/>
+          <a:p>
+            <a:pPr algn="ctr"/>
+            <a:endParaRPr lang="en-US"/>
+          </a:p>
+        </p:txBody>
+      </p:sp>
+      <p:sp>
+        <p:nvSpPr>
+          <p:cNvPr id="30" name="TextBox 29"/>
+          <p:cNvSpPr txBox="1"/>
+          <p:nvPr/>
+        </p:nvSpPr>
+        <p:spPr>
+          <a:xfrm>
+            <a:off x="2180492" y="2671298"/>
+            <a:ext cx="1105559" cy="338554"/>
+          </a:xfrm>
+          <a:prstGeom prst="rect">
+            <a:avLst/>
+          </a:prstGeom>
+          <a:noFill/>
+        </p:spPr>
+        <p:txBody>
+          <a:bodyPr wrap="none" rtlCol="0">
+            <a:spAutoFit/>
+          </a:bodyPr>
+          <a:lstStyle/>
+          <a:p>
+            <a:r>
+              <a:rPr lang="en-US" sz="1600" dirty="0" smtClean="0"/>
+              <a:t>PMI Team</a:t>
+            </a:r>
+            <a:endParaRPr lang="en-US" sz="1600" dirty="0"/>
+          </a:p>
+        </p:txBody>
+      </p:sp>
+      <p:sp>
+        <p:nvSpPr>
+          <p:cNvPr id="31" name="Rounded Rectangle 30"/>
+          <p:cNvSpPr/>
+          <p:nvPr/>
+        </p:nvSpPr>
+        <p:spPr>
+          <a:xfrm>
+            <a:off x="2110153" y="3878775"/>
+            <a:ext cx="6784489" cy="691662"/>
+          </a:xfrm>
+          <a:prstGeom prst="roundRect">
+            <a:avLst/>
+          </a:prstGeom>
+          <a:noFill/>
+          <a:ln>
+            <a:solidFill>
+              <a:schemeClr val="tx1"/>
+            </a:solidFill>
+          </a:ln>
+        </p:spPr>
+        <p:style>
+          <a:lnRef idx="2">
+            <a:schemeClr val="accent1">
+              <a:shade val="50000"/>
+            </a:schemeClr>
+          </a:lnRef>
+          <a:fillRef idx="1">
+            <a:schemeClr val="accent1"/>
+          </a:fillRef>
+          <a:effectRef idx="0">
+            <a:schemeClr val="accent1"/>
+          </a:effectRef>
+          <a:fontRef idx="minor">
+            <a:schemeClr val="lt1"/>
+          </a:fontRef>
+        </p:style>
+        <p:txBody>
+          <a:bodyPr rtlCol="0" anchor="ctr"/>
+          <a:lstStyle/>
+          <a:p>
+            <a:pPr algn="ctr"/>
+            <a:endParaRPr lang="en-US"/>
+          </a:p>
+        </p:txBody>
+      </p:sp>
+      <p:sp>
+        <p:nvSpPr>
+          <p:cNvPr id="32" name="TextBox 31"/>
+          <p:cNvSpPr txBox="1"/>
+          <p:nvPr/>
+        </p:nvSpPr>
+        <p:spPr>
+          <a:xfrm>
+            <a:off x="2180492" y="4031175"/>
+            <a:ext cx="1217769" cy="338554"/>
+          </a:xfrm>
+          <a:prstGeom prst="rect">
+            <a:avLst/>
+          </a:prstGeom>
+          <a:noFill/>
+        </p:spPr>
+        <p:txBody>
+          <a:bodyPr wrap="none" rtlCol="0">
+            <a:spAutoFit/>
+          </a:bodyPr>
+          <a:lstStyle/>
+          <a:p>
+            <a:r>
+              <a:rPr lang="en-US" sz="1600" dirty="0" smtClean="0"/>
+              <a:t>EWH Team</a:t>
+            </a:r>
+            <a:endParaRPr lang="en-US" sz="1600" dirty="0"/>
+          </a:p>
+        </p:txBody>
+      </p:sp>
+      <p:sp>
+        <p:nvSpPr>
+          <p:cNvPr id="33" name="TextBox 32"/>
+          <p:cNvSpPr txBox="1"/>
+          <p:nvPr/>
+        </p:nvSpPr>
+        <p:spPr>
+          <a:xfrm>
+            <a:off x="3783428" y="3362959"/>
+            <a:ext cx="627095" cy="276999"/>
+          </a:xfrm>
+          <a:prstGeom prst="rect">
+            <a:avLst/>
+          </a:prstGeom>
+          <a:noFill/>
+        </p:spPr>
+        <p:txBody>
+          <a:bodyPr wrap="none" rtlCol="0">
+            <a:spAutoFit/>
+          </a:bodyPr>
+          <a:lstStyle/>
+          <a:p>
+            <a:r>
+              <a:rPr lang="en-US" sz="1200" dirty="0" smtClean="0"/>
+              <a:t>Define</a:t>
+            </a:r>
+          </a:p>
+        </p:txBody>
+      </p:sp>
+      <p:sp>
+        <p:nvSpPr>
+          <p:cNvPr id="34" name="TextBox 33"/>
+          <p:cNvSpPr txBox="1"/>
+          <p:nvPr/>
+        </p:nvSpPr>
+        <p:spPr>
+          <a:xfrm>
+            <a:off x="5166751" y="3362959"/>
+            <a:ext cx="524503" cy="276999"/>
+          </a:xfrm>
+          <a:prstGeom prst="rect">
+            <a:avLst/>
+          </a:prstGeom>
+          <a:noFill/>
+        </p:spPr>
+        <p:txBody>
+          <a:bodyPr wrap="none" rtlCol="0">
+            <a:spAutoFit/>
+          </a:bodyPr>
+          <a:lstStyle/>
+          <a:p>
+            <a:r>
+              <a:rPr lang="en-US" sz="1200" dirty="0" smtClean="0"/>
+              <a:t>Build</a:t>
+            </a:r>
+          </a:p>
+        </p:txBody>
+      </p:sp>
+      <p:sp>
+        <p:nvSpPr>
+          <p:cNvPr id="35" name="TextBox 34"/>
+          <p:cNvSpPr txBox="1"/>
+          <p:nvPr/>
+        </p:nvSpPr>
+        <p:spPr>
+          <a:xfrm>
+            <a:off x="6491459" y="3362959"/>
+            <a:ext cx="467372" cy="276999"/>
+          </a:xfrm>
+          <a:prstGeom prst="rect">
+            <a:avLst/>
+          </a:prstGeom>
+          <a:noFill/>
+        </p:spPr>
+        <p:txBody>
+          <a:bodyPr wrap="none" rtlCol="0">
+            <a:spAutoFit/>
+          </a:bodyPr>
+          <a:lstStyle/>
+          <a:p>
+            <a:r>
+              <a:rPr lang="en-US" sz="1200" dirty="0" smtClean="0"/>
+              <a:t>Test</a:t>
+            </a:r>
+          </a:p>
+        </p:txBody>
+      </p:sp>
+      <p:sp>
+        <p:nvSpPr>
+          <p:cNvPr id="36" name="TextBox 35"/>
+          <p:cNvSpPr txBox="1"/>
+          <p:nvPr/>
+        </p:nvSpPr>
+        <p:spPr>
+          <a:xfrm>
+            <a:off x="7874782" y="3362959"/>
+            <a:ext cx="660758" cy="276999"/>
+          </a:xfrm>
+          <a:prstGeom prst="rect">
+            <a:avLst/>
+          </a:prstGeom>
+          <a:noFill/>
+        </p:spPr>
+        <p:txBody>
+          <a:bodyPr wrap="none" rtlCol="0">
+            <a:spAutoFit/>
+          </a:bodyPr>
+          <a:lstStyle/>
+          <a:p>
+            <a:r>
+              <a:rPr lang="en-US" sz="1200" dirty="0" smtClean="0"/>
+              <a:t>Deploy</a:t>
+            </a:r>
+          </a:p>
+        </p:txBody>
+      </p:sp>
+      <p:pic>
+        <p:nvPicPr>
+          <p:cNvPr id="37" name="Content Placeholder 24"/>
+          <p:cNvPicPr>
+            <a:picLocks noChangeAspect="1"/>
+          </p:cNvPicPr>
+          <p:nvPr/>
+        </p:nvPicPr>
+        <p:blipFill>
+          <a:blip r:embed="rId8" cstate="print">
+            <a:extLst>
+              <a:ext uri="{BEBA8EAE-BF5A-486C-A8C5-ECC9F3942E4B}">
+                <a14:imgProps xmlns:a14="http://schemas.microsoft.com/office/drawing/2010/main">
+                  <a14:imgLayer r:embed="rId12">
+                    <a14:imgEffect>
+                      <a14:brightnessContrast bright="20000" contrast="-40000"/>
+                    </a14:imgEffect>
+                  </a14:imgLayer>
+                </a14:imgProps>
+              </a:ext>
+              <a:ext uri="{28A0092B-C50C-407E-A947-70E740481C1C}">
+                <a14:useLocalDpi xmlns:a14="http://schemas.microsoft.com/office/drawing/2010/main" val="0"/>
+              </a:ext>
+            </a:extLst>
+          </a:blip>
+          <a:stretch>
+            <a:fillRect/>
+          </a:stretch>
+        </p:blipFill>
+        <p:spPr bwMode="auto">
+          <a:xfrm>
+            <a:off x="3779105" y="3902221"/>
+            <a:ext cx="636404" cy="636404"/>
+          </a:xfrm>
+          <a:prstGeom prst="ellipse">
+            <a:avLst/>
+          </a:prstGeom>
+          <a:solidFill>
+            <a:schemeClr val="tx1">
+              <a:lumMod val="75000"/>
+              <a:lumOff val="25000"/>
+            </a:schemeClr>
+          </a:solidFill>
+          <a:ln w="6350" cap="rnd">
+            <a:solidFill>
+              <a:srgbClr val="333333"/>
+            </a:solidFill>
+            <a:miter lim="800000"/>
+            <a:headEnd/>
+            <a:tailEnd/>
+          </a:ln>
+          <a:effectLst>
+            <a:outerShdw blurRad="381000" dist="292100" dir="5400000" sx="-80000" sy="-18000" rotWithShape="0">
+              <a:srgbClr val="000000">
+                <a:alpha val="22000"/>
+              </a:srgbClr>
+            </a:outerShdw>
+          </a:effectLst>
+          <a:scene3d>
+            <a:camera prst="orthographicFront"/>
+            <a:lightRig rig="contrasting" dir="t">
+              <a:rot lat="0" lon="0" rev="3000000"/>
+            </a:lightRig>
+          </a:scene3d>
+          <a:sp3d contourW="7620">
+            <a:bevelT w="95250" h="31750"/>
+            <a:contourClr>
+              <a:srgbClr val="333333"/>
+            </a:contourClr>
+          </a:sp3d>
+        </p:spPr>
+      </p:pic>
+      <p:pic>
+        <p:nvPicPr>
+          <p:cNvPr id="38" name="Picture 37"/>
+          <p:cNvPicPr>
+            <a:picLocks noChangeAspect="1"/>
+          </p:cNvPicPr>
+          <p:nvPr/>
+        </p:nvPicPr>
+        <p:blipFill>
+          <a:blip r:embed="rId13" cstate="print">
+            <a:extLst>
+              <a:ext uri="{BEBA8EAE-BF5A-486C-A8C5-ECC9F3942E4B}">
+                <a14:imgProps xmlns:a14="http://schemas.microsoft.com/office/drawing/2010/main">
+                  <a14:imgLayer r:embed="rId10">
+                    <a14:imgEffect>
+                      <a14:brightnessContrast bright="20000"/>
+                    </a14:imgEffect>
+                  </a14:imgLayer>
+                </a14:imgProps>
+              </a:ext>
+              <a:ext uri="{28A0092B-C50C-407E-A947-70E740481C1C}">
+                <a14:useLocalDpi xmlns:a14="http://schemas.microsoft.com/office/drawing/2010/main" val="0"/>
+              </a:ext>
+            </a:extLst>
+          </a:blip>
+          <a:stretch>
+            <a:fillRect/>
+          </a:stretch>
+        </p:blipFill>
+        <p:spPr>
+          <a:xfrm>
+            <a:off x="5129214" y="3901051"/>
+            <a:ext cx="668359" cy="634215"/>
+          </a:xfrm>
+          <a:prstGeom prst="ellipse">
+            <a:avLst/>
+          </a:prstGeom>
+          <a:ln w="6350" cap="rnd">
+            <a:solidFill>
+              <a:srgbClr val="333333"/>
+            </a:solidFill>
+          </a:ln>
+          <a:effectLst>
+            <a:outerShdw blurRad="381000" dist="292100" dir="5400000" sx="-80000" sy="-18000" rotWithShape="0">
+              <a:srgbClr val="000000">
+                <a:alpha val="22000"/>
+              </a:srgbClr>
+            </a:outerShdw>
+          </a:effectLst>
+          <a:scene3d>
+            <a:camera prst="orthographicFront"/>
+            <a:lightRig rig="contrasting" dir="t">
+              <a:rot lat="0" lon="0" rev="3000000"/>
+            </a:lightRig>
+          </a:scene3d>
+          <a:sp3d contourW="7620">
+            <a:bevelT w="95250" h="31750"/>
+            <a:contourClr>
+              <a:srgbClr val="333333"/>
+            </a:contourClr>
+          </a:sp3d>
+        </p:spPr>
+      </p:pic>
+      <p:pic>
+        <p:nvPicPr>
+          <p:cNvPr id="39" name="Picture 38"/>
+          <p:cNvPicPr>
+            <a:picLocks noChangeAspect="1"/>
+          </p:cNvPicPr>
+          <p:nvPr/>
+        </p:nvPicPr>
+        <p:blipFill>
+          <a:blip r:embed="rId11" cstate="print">
+            <a:lum bright="70000" contrast="-70000"/>
+            <a:extLst>
+              <a:ext uri="{BEBA8EAE-BF5A-486C-A8C5-ECC9F3942E4B}">
+                <a14:imgProps xmlns:a14="http://schemas.microsoft.com/office/drawing/2010/main">
+                  <a14:imgLayer r:embed="rId14">
+                    <a14:imgEffect>
+                      <a14:brightnessContrast bright="-20000"/>
+                    </a14:imgEffect>
+                  </a14:imgLayer>
+                </a14:imgProps>
+              </a:ext>
+              <a:ext uri="{28A0092B-C50C-407E-A947-70E740481C1C}">
+                <a14:useLocalDpi xmlns:a14="http://schemas.microsoft.com/office/drawing/2010/main" val="0"/>
+              </a:ext>
+            </a:extLst>
+          </a:blip>
+          <a:stretch>
+            <a:fillRect/>
+          </a:stretch>
+        </p:blipFill>
+        <p:spPr>
+          <a:xfrm>
+            <a:off x="6453065" y="3897686"/>
+            <a:ext cx="671706" cy="625858"/>
+          </a:xfrm>
+          <a:prstGeom prst="ellipse">
+            <a:avLst/>
+          </a:prstGeom>
+          <a:ln w="6350" cap="rnd">
+            <a:solidFill>
+              <a:srgbClr val="333333"/>
+            </a:solidFill>
+          </a:ln>
+          <a:effectLst>
+            <a:outerShdw blurRad="381000" dist="292100" dir="5400000" sx="-80000" sy="-18000" rotWithShape="0">
+              <a:srgbClr val="000000">
+                <a:alpha val="22000"/>
+              </a:srgbClr>
+            </a:outerShdw>
+          </a:effectLst>
+          <a:scene3d>
+            <a:camera prst="orthographicFront"/>
+            <a:lightRig rig="contrasting" dir="t">
+              <a:rot lat="0" lon="0" rev="3000000"/>
+            </a:lightRig>
+          </a:scene3d>
+          <a:sp3d contourW="7620">
+            <a:bevelT w="95250" h="31750"/>
+            <a:contourClr>
+              <a:srgbClr val="333333"/>
+            </a:contourClr>
+          </a:sp3d>
+        </p:spPr>
+      </p:pic>
+      <p:pic>
+        <p:nvPicPr>
+          <p:cNvPr id="40" name="Content Placeholder 24"/>
+          <p:cNvPicPr>
+            <a:picLocks noChangeAspect="1"/>
+          </p:cNvPicPr>
+          <p:nvPr/>
+        </p:nvPicPr>
+        <p:blipFill>
+          <a:blip r:embed="rId8" cstate="print">
+            <a:extLst>
+              <a:ext uri="{28A0092B-C50C-407E-A947-70E740481C1C}">
+                <a14:useLocalDpi xmlns:a14="http://schemas.microsoft.com/office/drawing/2010/main" val="0"/>
+              </a:ext>
+            </a:extLst>
+          </a:blip>
+          <a:stretch>
+            <a:fillRect/>
+          </a:stretch>
+        </p:blipFill>
+        <p:spPr bwMode="auto">
+          <a:xfrm>
+            <a:off x="7870459" y="3902221"/>
+            <a:ext cx="636404" cy="636404"/>
+          </a:xfrm>
+          <a:prstGeom prst="ellipse">
+            <a:avLst/>
+          </a:prstGeom>
+          <a:solidFill>
+            <a:schemeClr val="tx1">
+              <a:lumMod val="75000"/>
+              <a:lumOff val="25000"/>
+            </a:schemeClr>
+          </a:solidFill>
+          <a:ln w="6350" cap="rnd">
+            <a:solidFill>
+              <a:srgbClr val="333333"/>
+            </a:solidFill>
+            <a:miter lim="800000"/>
+            <a:headEnd/>
+            <a:tailEnd/>
+          </a:ln>
+          <a:effectLst>
+            <a:outerShdw blurRad="381000" dist="292100" dir="5400000" sx="-80000" sy="-18000" rotWithShape="0">
+              <a:srgbClr val="000000">
+                <a:alpha val="22000"/>
+              </a:srgbClr>
+            </a:outerShdw>
+          </a:effectLst>
+          <a:scene3d>
+            <a:camera prst="orthographicFront"/>
+            <a:lightRig rig="contrasting" dir="t">
+              <a:rot lat="0" lon="0" rev="3000000"/>
+            </a:lightRig>
+          </a:scene3d>
+          <a:sp3d contourW="7620">
+            <a:bevelT w="95250" h="31750"/>
+            <a:contourClr>
+              <a:srgbClr val="333333"/>
+            </a:contourClr>
+          </a:sp3d>
+        </p:spPr>
+      </p:pic>
+      <p:sp>
+        <p:nvSpPr>
+          <p:cNvPr id="41" name="Rounded Rectangle 40"/>
+          <p:cNvSpPr/>
+          <p:nvPr/>
+        </p:nvSpPr>
+        <p:spPr>
+          <a:xfrm>
+            <a:off x="2110153" y="5180036"/>
+            <a:ext cx="6784489" cy="691662"/>
+          </a:xfrm>
+          <a:prstGeom prst="roundRect">
+            <a:avLst/>
+          </a:prstGeom>
+          <a:noFill/>
+          <a:ln>
+            <a:solidFill>
+              <a:schemeClr val="tx1"/>
+            </a:solidFill>
+          </a:ln>
+        </p:spPr>
+        <p:style>
+          <a:lnRef idx="2">
+            <a:schemeClr val="accent1">
+              <a:shade val="50000"/>
+            </a:schemeClr>
+          </a:lnRef>
+          <a:fillRef idx="1">
+            <a:schemeClr val="accent1"/>
+          </a:fillRef>
+          <a:effectRef idx="0">
+            <a:schemeClr val="accent1"/>
+          </a:effectRef>
+          <a:fontRef idx="minor">
+            <a:schemeClr val="lt1"/>
+          </a:fontRef>
+        </p:style>
+        <p:txBody>
+          <a:bodyPr rtlCol="0" anchor="ctr"/>
+          <a:lstStyle/>
+          <a:p>
+            <a:pPr algn="ctr"/>
+            <a:endParaRPr lang="en-US"/>
+          </a:p>
+        </p:txBody>
+      </p:sp>
+      <p:sp>
+        <p:nvSpPr>
+          <p:cNvPr id="42" name="TextBox 41"/>
+          <p:cNvSpPr txBox="1"/>
+          <p:nvPr/>
+        </p:nvSpPr>
+        <p:spPr>
+          <a:xfrm>
+            <a:off x="2180492" y="5332436"/>
+            <a:ext cx="1047851" cy="338554"/>
+          </a:xfrm>
+          <a:prstGeom prst="rect">
+            <a:avLst/>
+          </a:prstGeom>
+          <a:noFill/>
+        </p:spPr>
+        <p:txBody>
+          <a:bodyPr wrap="none" rtlCol="0">
+            <a:spAutoFit/>
+          </a:bodyPr>
+          <a:lstStyle/>
+          <a:p>
+            <a:r>
+              <a:rPr lang="en-US" sz="1600" dirty="0" smtClean="0"/>
+              <a:t>AM Team</a:t>
+            </a:r>
+            <a:endParaRPr lang="en-US" sz="1600" dirty="0"/>
+          </a:p>
+        </p:txBody>
+      </p:sp>
+      <p:pic>
+        <p:nvPicPr>
+          <p:cNvPr id="43" name="Content Placeholder 24"/>
+          <p:cNvPicPr>
+            <a:picLocks noChangeAspect="1"/>
+          </p:cNvPicPr>
+          <p:nvPr/>
+        </p:nvPicPr>
+        <p:blipFill>
+          <a:blip r:embed="rId8" cstate="print">
+            <a:extLst>
+              <a:ext uri="{28A0092B-C50C-407E-A947-70E740481C1C}">
+                <a14:useLocalDpi xmlns:a14="http://schemas.microsoft.com/office/drawing/2010/main" val="0"/>
+              </a:ext>
+            </a:extLst>
+          </a:blip>
+          <a:stretch>
+            <a:fillRect/>
+          </a:stretch>
+        </p:blipFill>
+        <p:spPr bwMode="auto">
+          <a:xfrm>
+            <a:off x="3779105" y="5203482"/>
+            <a:ext cx="636404" cy="636404"/>
+          </a:xfrm>
+          <a:prstGeom prst="ellipse">
+            <a:avLst/>
+          </a:prstGeom>
+          <a:solidFill>
+            <a:schemeClr val="tx1">
+              <a:lumMod val="75000"/>
+              <a:lumOff val="25000"/>
+            </a:schemeClr>
+          </a:solidFill>
+          <a:ln w="6350" cap="rnd">
+            <a:solidFill>
+              <a:srgbClr val="333333"/>
+            </a:solidFill>
+            <a:miter lim="800000"/>
+            <a:headEnd/>
+            <a:tailEnd/>
+          </a:ln>
+          <a:effectLst>
+            <a:outerShdw blurRad="381000" dist="292100" dir="5400000" sx="-80000" sy="-18000" rotWithShape="0">
+              <a:srgbClr val="000000">
+                <a:alpha val="22000"/>
+              </a:srgbClr>
+            </a:outerShdw>
+          </a:effectLst>
+          <a:scene3d>
+            <a:camera prst="orthographicFront"/>
+            <a:lightRig rig="contrasting" dir="t">
+              <a:rot lat="0" lon="0" rev="3000000"/>
+            </a:lightRig>
+          </a:scene3d>
+          <a:sp3d contourW="7620">
+            <a:bevelT w="95250" h="31750"/>
+            <a:contourClr>
+              <a:srgbClr val="333333"/>
+            </a:contourClr>
+          </a:sp3d>
+        </p:spPr>
+      </p:pic>
+      <p:pic>
+        <p:nvPicPr>
+          <p:cNvPr id="44" name="Picture 43"/>
+          <p:cNvPicPr>
+            <a:picLocks noChangeAspect="1"/>
+          </p:cNvPicPr>
+          <p:nvPr/>
+        </p:nvPicPr>
+        <p:blipFill>
+          <a:blip r:embed="rId13" cstate="print">
+            <a:extLst>
+              <a:ext uri="{BEBA8EAE-BF5A-486C-A8C5-ECC9F3942E4B}">
+                <a14:imgProps xmlns:a14="http://schemas.microsoft.com/office/drawing/2010/main">
+                  <a14:imgLayer r:embed="rId10">
+                    <a14:imgEffect>
+                      <a14:brightnessContrast bright="20000"/>
+                    </a14:imgEffect>
+                  </a14:imgLayer>
+                </a14:imgProps>
+              </a:ext>
+              <a:ext uri="{28A0092B-C50C-407E-A947-70E740481C1C}">
+                <a14:useLocalDpi xmlns:a14="http://schemas.microsoft.com/office/drawing/2010/main" val="0"/>
+              </a:ext>
+            </a:extLst>
+          </a:blip>
+          <a:stretch>
+            <a:fillRect/>
+          </a:stretch>
+        </p:blipFill>
+        <p:spPr>
+          <a:xfrm>
+            <a:off x="5129214" y="5202312"/>
+            <a:ext cx="668359" cy="634215"/>
+          </a:xfrm>
+          <a:prstGeom prst="ellipse">
+            <a:avLst/>
+          </a:prstGeom>
+          <a:ln w="6350" cap="rnd">
+            <a:solidFill>
+              <a:srgbClr val="333333"/>
+            </a:solidFill>
+          </a:ln>
+          <a:effectLst>
+            <a:outerShdw blurRad="381000" dist="292100" dir="5400000" sx="-80000" sy="-18000" rotWithShape="0">
+              <a:srgbClr val="000000">
+                <a:alpha val="22000"/>
+              </a:srgbClr>
+            </a:outerShdw>
+          </a:effectLst>
+          <a:scene3d>
+            <a:camera prst="orthographicFront"/>
+            <a:lightRig rig="contrasting" dir="t">
+              <a:rot lat="0" lon="0" rev="3000000"/>
+            </a:lightRig>
+          </a:scene3d>
+          <a:sp3d contourW="7620">
+            <a:bevelT w="95250" h="31750"/>
+            <a:contourClr>
+              <a:srgbClr val="333333"/>
+            </a:contourClr>
+          </a:sp3d>
+        </p:spPr>
+      </p:pic>
+      <p:pic>
+        <p:nvPicPr>
+          <p:cNvPr id="45" name="Picture 44"/>
+          <p:cNvPicPr>
+            <a:picLocks noChangeAspect="1"/>
+          </p:cNvPicPr>
+          <p:nvPr/>
+        </p:nvPicPr>
+        <p:blipFill>
+          <a:blip r:embed="rId11" cstate="print">
+            <a:lum bright="70000" contrast="-70000"/>
+            <a:extLst>
+              <a:ext uri="{28A0092B-C50C-407E-A947-70E740481C1C}">
+                <a14:useLocalDpi xmlns:a14="http://schemas.microsoft.com/office/drawing/2010/main" val="0"/>
+              </a:ext>
+            </a:extLst>
+          </a:blip>
+          <a:stretch>
+            <a:fillRect/>
+          </a:stretch>
+        </p:blipFill>
+        <p:spPr>
+          <a:xfrm>
+            <a:off x="6453065" y="5198947"/>
+            <a:ext cx="671706" cy="625858"/>
+          </a:xfrm>
+          <a:prstGeom prst="ellipse">
+            <a:avLst/>
+          </a:prstGeom>
+          <a:ln w="6350" cap="rnd">
+            <a:solidFill>
+              <a:srgbClr val="333333"/>
+            </a:solidFill>
+          </a:ln>
+          <a:effectLst>
+            <a:outerShdw blurRad="381000" dist="292100" dir="5400000" sx="-80000" sy="-18000" rotWithShape="0">
+              <a:srgbClr val="000000">
+                <a:alpha val="22000"/>
+              </a:srgbClr>
+            </a:outerShdw>
+          </a:effectLst>
+          <a:scene3d>
+            <a:camera prst="orthographicFront"/>
+            <a:lightRig rig="contrasting" dir="t">
+              <a:rot lat="0" lon="0" rev="3000000"/>
+            </a:lightRig>
+          </a:scene3d>
+          <a:sp3d contourW="7620">
+            <a:bevelT w="95250" h="31750"/>
+            <a:contourClr>
+              <a:srgbClr val="333333"/>
+            </a:contourClr>
+          </a:sp3d>
+        </p:spPr>
+      </p:pic>
+      <p:pic>
+        <p:nvPicPr>
+          <p:cNvPr id="46" name="Content Placeholder 24"/>
+          <p:cNvPicPr>
+            <a:picLocks noChangeAspect="1"/>
+          </p:cNvPicPr>
+          <p:nvPr/>
+        </p:nvPicPr>
+        <p:blipFill>
+          <a:blip r:embed="rId8" cstate="print">
+            <a:extLst>
+              <a:ext uri="{28A0092B-C50C-407E-A947-70E740481C1C}">
+                <a14:useLocalDpi xmlns:a14="http://schemas.microsoft.com/office/drawing/2010/main" val="0"/>
+              </a:ext>
+            </a:extLst>
+          </a:blip>
+          <a:stretch>
+            <a:fillRect/>
+          </a:stretch>
+        </p:blipFill>
+        <p:spPr bwMode="auto">
+          <a:xfrm>
+            <a:off x="7870459" y="5203482"/>
+            <a:ext cx="636404" cy="636404"/>
+          </a:xfrm>
+          <a:prstGeom prst="ellipse">
+            <a:avLst/>
+          </a:prstGeom>
+          <a:solidFill>
+            <a:schemeClr val="tx1">
+              <a:lumMod val="75000"/>
+              <a:lumOff val="25000"/>
+            </a:schemeClr>
+          </a:solidFill>
+          <a:ln w="6350" cap="rnd">
+            <a:solidFill>
+              <a:srgbClr val="333333"/>
+            </a:solidFill>
+            <a:miter lim="800000"/>
+            <a:headEnd/>
+            <a:tailEnd/>
+          </a:ln>
+          <a:effectLst>
+            <a:outerShdw blurRad="381000" dist="292100" dir="5400000" sx="-80000" sy="-18000" rotWithShape="0">
+              <a:srgbClr val="000000">
+                <a:alpha val="22000"/>
+              </a:srgbClr>
+            </a:outerShdw>
+          </a:effectLst>
+          <a:scene3d>
+            <a:camera prst="orthographicFront"/>
+            <a:lightRig rig="contrasting" dir="t">
+              <a:rot lat="0" lon="0" rev="3000000"/>
+            </a:lightRig>
+          </a:scene3d>
+          <a:sp3d contourW="7620">
+            <a:bevelT w="95250" h="31750"/>
+            <a:contourClr>
+              <a:srgbClr val="333333"/>
+            </a:contourClr>
+          </a:sp3d>
+        </p:spPr>
+      </p:pic>
+      <p:sp>
+        <p:nvSpPr>
+          <p:cNvPr id="47" name="TextBox 46"/>
+          <p:cNvSpPr txBox="1"/>
+          <p:nvPr/>
+        </p:nvSpPr>
+        <p:spPr>
+          <a:xfrm>
+            <a:off x="3783428" y="4675944"/>
+            <a:ext cx="627095" cy="276999"/>
+          </a:xfrm>
+          <a:prstGeom prst="rect">
+            <a:avLst/>
+          </a:prstGeom>
+          <a:noFill/>
+        </p:spPr>
+        <p:txBody>
+          <a:bodyPr wrap="none" rtlCol="0">
+            <a:spAutoFit/>
+          </a:bodyPr>
+          <a:lstStyle/>
+          <a:p>
+            <a:r>
+              <a:rPr lang="en-US" sz="1200" dirty="0" smtClean="0"/>
+              <a:t>Define</a:t>
+            </a:r>
+          </a:p>
+        </p:txBody>
+      </p:sp>
+      <p:sp>
+        <p:nvSpPr>
+          <p:cNvPr id="48" name="TextBox 47"/>
+          <p:cNvSpPr txBox="1"/>
+          <p:nvPr/>
+        </p:nvSpPr>
+        <p:spPr>
+          <a:xfrm>
+            <a:off x="5166751" y="4675944"/>
+            <a:ext cx="524503" cy="276999"/>
+          </a:xfrm>
+          <a:prstGeom prst="rect">
+            <a:avLst/>
+          </a:prstGeom>
+          <a:noFill/>
+        </p:spPr>
+        <p:txBody>
+          <a:bodyPr wrap="none" rtlCol="0">
+            <a:spAutoFit/>
+          </a:bodyPr>
+          <a:lstStyle/>
+          <a:p>
+            <a:r>
+              <a:rPr lang="en-US" sz="1200" dirty="0" smtClean="0"/>
+              <a:t>Build</a:t>
+            </a:r>
+          </a:p>
+        </p:txBody>
+      </p:sp>
+      <p:sp>
+        <p:nvSpPr>
+          <p:cNvPr id="49" name="TextBox 48"/>
+          <p:cNvSpPr txBox="1"/>
+          <p:nvPr/>
+        </p:nvSpPr>
+        <p:spPr>
+          <a:xfrm>
+            <a:off x="6491459" y="4675944"/>
+            <a:ext cx="467372" cy="276999"/>
+          </a:xfrm>
+          <a:prstGeom prst="rect">
+            <a:avLst/>
+          </a:prstGeom>
+          <a:noFill/>
+        </p:spPr>
+        <p:txBody>
+          <a:bodyPr wrap="none" rtlCol="0">
+            <a:spAutoFit/>
+          </a:bodyPr>
+          <a:lstStyle/>
+          <a:p>
+            <a:r>
+              <a:rPr lang="en-US" sz="1200" dirty="0" smtClean="0"/>
+              <a:t>Test</a:t>
+            </a:r>
+          </a:p>
+        </p:txBody>
+      </p:sp>
+      <p:sp>
+        <p:nvSpPr>
+          <p:cNvPr id="50" name="TextBox 49"/>
+          <p:cNvSpPr txBox="1"/>
+          <p:nvPr/>
+        </p:nvSpPr>
+        <p:spPr>
+          <a:xfrm>
+            <a:off x="7874782" y="4675944"/>
+            <a:ext cx="660758" cy="276999"/>
+          </a:xfrm>
+          <a:prstGeom prst="rect">
+            <a:avLst/>
+          </a:prstGeom>
+          <a:noFill/>
+        </p:spPr>
+        <p:txBody>
+          <a:bodyPr wrap="none" rtlCol="0">
+            <a:spAutoFit/>
+          </a:bodyPr>
+          <a:lstStyle/>
+          <a:p>
+            <a:r>
+              <a:rPr lang="en-US" sz="1200" dirty="0" smtClean="0"/>
+              <a:t>Deploy</a:t>
+            </a:r>
+          </a:p>
+        </p:txBody>
+      </p:sp>
+      <p:sp>
+        <p:nvSpPr>
+          <p:cNvPr id="51" name="TextBox 50"/>
+          <p:cNvSpPr txBox="1"/>
+          <p:nvPr/>
+        </p:nvSpPr>
+        <p:spPr>
+          <a:xfrm>
+            <a:off x="9859106" y="1347373"/>
+            <a:ext cx="589713" cy="338554"/>
+          </a:xfrm>
+          <a:prstGeom prst="rect">
+            <a:avLst/>
+          </a:prstGeom>
+          <a:noFill/>
+        </p:spPr>
+        <p:txBody>
+          <a:bodyPr wrap="none" rtlCol="0">
+            <a:spAutoFit/>
+          </a:bodyPr>
+          <a:lstStyle/>
+          <a:p>
+            <a:r>
+              <a:rPr lang="en-US" sz="1600" dirty="0" smtClean="0">
+                <a:solidFill>
+                  <a:schemeClr val="bg1"/>
+                </a:solidFill>
+              </a:rPr>
+              <a:t>ART</a:t>
+            </a:r>
+            <a:endParaRPr lang="en-US" sz="1600" dirty="0">
+              <a:solidFill>
+                <a:schemeClr val="bg1"/>
+              </a:solidFill>
+            </a:endParaRPr>
+          </a:p>
+        </p:txBody>
+      </p:sp>
+      <p:sp>
+        <p:nvSpPr>
+          <p:cNvPr id="52" name="TextBox 51"/>
+          <p:cNvSpPr txBox="1"/>
+          <p:nvPr/>
+        </p:nvSpPr>
+        <p:spPr>
+          <a:xfrm>
+            <a:off x="9835660" y="4055405"/>
+            <a:ext cx="1296317" cy="338554"/>
+          </a:xfrm>
+          <a:prstGeom prst="rect">
+            <a:avLst/>
+          </a:prstGeom>
+          <a:noFill/>
+        </p:spPr>
+        <p:txBody>
+          <a:bodyPr wrap="none" rtlCol="0">
+            <a:spAutoFit/>
+          </a:bodyPr>
+          <a:lstStyle/>
+          <a:p>
+            <a:r>
+              <a:rPr lang="en-US" sz="1600" dirty="0" smtClean="0">
+                <a:solidFill>
+                  <a:schemeClr val="bg1"/>
+                </a:solidFill>
+              </a:rPr>
+              <a:t>Agile Teams</a:t>
+            </a:r>
+            <a:endParaRPr lang="en-US" sz="1600" dirty="0">
+              <a:solidFill>
+                <a:schemeClr val="bg1"/>
+              </a:solidFill>
+            </a:endParaRPr>
+          </a:p>
+        </p:txBody>
+      </p:sp>
+      <p:cxnSp>
+        <p:nvCxnSpPr>
+          <p:cNvPr id="54" name="Straight Arrow Connector 53"/>
+          <p:cNvCxnSpPr>
+            <a:stCxn id="52" idx="1"/>
+            <a:endCxn id="29" idx="3"/>
+          </p:cNvCxnSpPr>
+          <p:nvPr/>
+        </p:nvCxnSpPr>
+        <p:spPr>
+          <a:xfrm flipH="1" flipV="1">
+            <a:off x="8894642" y="2864729"/>
+            <a:ext cx="941018" cy="1359953"/>
+          </a:xfrm>
+          <a:prstGeom prst="straightConnector1">
+            <a:avLst/>
+          </a:prstGeom>
+          <a:ln w="28575">
+            <a:solidFill>
+              <a:schemeClr val="bg1"/>
+            </a:solidFill>
+            <a:tailEnd type="triangle"/>
+          </a:ln>
+        </p:spPr>
+        <p:style>
+          <a:lnRef idx="1">
+            <a:schemeClr val="accent1"/>
+          </a:lnRef>
+          <a:fillRef idx="0">
+            <a:schemeClr val="accent1"/>
+          </a:fillRef>
+          <a:effectRef idx="0">
+            <a:schemeClr val="accent1"/>
+          </a:effectRef>
+          <a:fontRef idx="minor">
+            <a:schemeClr val="tx1"/>
+          </a:fontRef>
+        </p:style>
+      </p:cxnSp>
+      <p:cxnSp>
+        <p:nvCxnSpPr>
+          <p:cNvPr id="56" name="Straight Arrow Connector 55"/>
+          <p:cNvCxnSpPr>
+            <a:stCxn id="52" idx="1"/>
+            <a:endCxn id="31" idx="3"/>
+          </p:cNvCxnSpPr>
+          <p:nvPr/>
+        </p:nvCxnSpPr>
+        <p:spPr>
+          <a:xfrm flipH="1" flipV="1">
+            <a:off x="8894642" y="4224606"/>
+            <a:ext cx="941018" cy="76"/>
+          </a:xfrm>
+          <a:prstGeom prst="straightConnector1">
+            <a:avLst/>
+          </a:prstGeom>
+          <a:ln w="28575">
+            <a:solidFill>
+              <a:schemeClr val="bg1"/>
+            </a:solidFill>
+            <a:tailEnd type="triangle"/>
+          </a:ln>
+        </p:spPr>
+        <p:style>
+          <a:lnRef idx="1">
+            <a:schemeClr val="accent1"/>
+          </a:lnRef>
+          <a:fillRef idx="0">
+            <a:schemeClr val="accent1"/>
+          </a:fillRef>
+          <a:effectRef idx="0">
+            <a:schemeClr val="accent1"/>
+          </a:effectRef>
+          <a:fontRef idx="minor">
+            <a:schemeClr val="tx1"/>
+          </a:fontRef>
+        </p:style>
+      </p:cxnSp>
+      <p:cxnSp>
+        <p:nvCxnSpPr>
+          <p:cNvPr id="58" name="Straight Arrow Connector 57"/>
+          <p:cNvCxnSpPr>
+            <a:stCxn id="52" idx="1"/>
+            <a:endCxn id="41" idx="3"/>
+          </p:cNvCxnSpPr>
+          <p:nvPr/>
+        </p:nvCxnSpPr>
+        <p:spPr>
+          <a:xfrm flipH="1">
+            <a:off x="8894642" y="4224682"/>
+            <a:ext cx="941018" cy="1301185"/>
+          </a:xfrm>
+          <a:prstGeom prst="straightConnector1">
+            <a:avLst/>
+          </a:prstGeom>
+          <a:ln w="28575">
+            <a:solidFill>
+              <a:schemeClr val="bg1"/>
+            </a:solidFill>
+            <a:tailEnd type="triangle"/>
+          </a:ln>
+        </p:spPr>
+        <p:style>
+          <a:lnRef idx="1">
+            <a:schemeClr val="accent1"/>
+          </a:lnRef>
+          <a:fillRef idx="0">
+            <a:schemeClr val="accent1"/>
+          </a:fillRef>
+          <a:effectRef idx="0">
+            <a:schemeClr val="accent1"/>
+          </a:effectRef>
+          <a:fontRef idx="minor">
+            <a:schemeClr val="tx1"/>
+          </a:fontRef>
+        </p:style>
+      </p:cxnSp>
+      <p:cxnSp>
+        <p:nvCxnSpPr>
+          <p:cNvPr id="62" name="Straight Arrow Connector 61"/>
+          <p:cNvCxnSpPr>
+            <a:stCxn id="51" idx="1"/>
+            <a:endCxn id="10" idx="3"/>
+          </p:cNvCxnSpPr>
+          <p:nvPr/>
+        </p:nvCxnSpPr>
+        <p:spPr>
+          <a:xfrm flipH="1" flipV="1">
+            <a:off x="8721968" y="1510715"/>
+            <a:ext cx="1137138" cy="5935"/>
+          </a:xfrm>
+          <a:prstGeom prst="straightConnector1">
+            <a:avLst/>
+          </a:prstGeom>
+          <a:ln w="28575">
+            <a:solidFill>
+              <a:schemeClr val="bg1"/>
+            </a:solidFill>
+            <a:tailEnd type="triangle"/>
+          </a:ln>
+        </p:spPr>
+        <p:style>
+          <a:lnRef idx="1">
+            <a:schemeClr val="accent1"/>
+          </a:lnRef>
+          <a:fillRef idx="0">
+            <a:schemeClr val="accent1"/>
+          </a:fillRef>
+          <a:effectRef idx="0">
+            <a:schemeClr val="accent1"/>
+          </a:effectRef>
+          <a:fontRef idx="minor">
+            <a:schemeClr val="tx1"/>
+          </a:fontRef>
+        </p:style>
+      </p:cxnSp>
+      <p:sp>
+        <p:nvSpPr>
+          <p:cNvPr id="65" name="TextBox 64"/>
+          <p:cNvSpPr txBox="1"/>
+          <p:nvPr/>
+        </p:nvSpPr>
+        <p:spPr>
+          <a:xfrm>
+            <a:off x="1887416" y="6211668"/>
+            <a:ext cx="8499230" cy="338554"/>
+          </a:xfrm>
+          <a:prstGeom prst="rect">
+            <a:avLst/>
+          </a:prstGeom>
+          <a:noFill/>
+        </p:spPr>
+        <p:txBody>
+          <a:bodyPr wrap="square" rtlCol="0">
+            <a:spAutoFit/>
+          </a:bodyPr>
+          <a:lstStyle/>
+          <a:p>
+            <a:pPr algn="ctr"/>
+            <a:r>
+              <a:rPr lang="en-US" sz="1600" dirty="0" smtClean="0">
+                <a:solidFill>
+                  <a:schemeClr val="bg1"/>
+                </a:solidFill>
+              </a:rPr>
+              <a:t>Scrum Master	Product Owner	Development Team</a:t>
+            </a:r>
+            <a:endParaRPr lang="en-US" sz="1600" dirty="0">
+              <a:solidFill>
+                <a:schemeClr val="bg1"/>
+              </a:solidFill>
+            </a:endParaRPr>
+          </a:p>
+        </p:txBody>
+      </p:sp>
+      <p:cxnSp>
+        <p:nvCxnSpPr>
+          <p:cNvPr id="66" name="Straight Arrow Connector 65"/>
+          <p:cNvCxnSpPr>
+            <a:stCxn id="65" idx="0"/>
+            <a:endCxn id="43" idx="4"/>
+          </p:cNvCxnSpPr>
+          <p:nvPr/>
+        </p:nvCxnSpPr>
+        <p:spPr>
+          <a:xfrm flipH="1" flipV="1">
+            <a:off x="4097307" y="5839886"/>
+            <a:ext cx="2039724" cy="371782"/>
+          </a:xfrm>
+          <a:prstGeom prst="straightConnector1">
+            <a:avLst/>
+          </a:prstGeom>
+          <a:ln w="28575">
+            <a:solidFill>
+              <a:schemeClr val="bg1"/>
+            </a:solidFill>
+            <a:tailEnd type="triangle"/>
+          </a:ln>
+        </p:spPr>
+        <p:style>
+          <a:lnRef idx="1">
+            <a:schemeClr val="accent1"/>
+          </a:lnRef>
+          <a:fillRef idx="0">
+            <a:schemeClr val="accent1"/>
+          </a:fillRef>
+          <a:effectRef idx="0">
+            <a:schemeClr val="accent1"/>
+          </a:effectRef>
+          <a:fontRef idx="minor">
+            <a:schemeClr val="tx1"/>
+          </a:fontRef>
+        </p:style>
+      </p:cxnSp>
+      <p:cxnSp>
+        <p:nvCxnSpPr>
+          <p:cNvPr id="69" name="Straight Arrow Connector 68"/>
+          <p:cNvCxnSpPr>
+            <a:stCxn id="65" idx="0"/>
+          </p:cNvCxnSpPr>
+          <p:nvPr/>
+        </p:nvCxnSpPr>
+        <p:spPr>
+          <a:xfrm flipH="1" flipV="1">
+            <a:off x="6131169" y="5859976"/>
+            <a:ext cx="5862" cy="351692"/>
+          </a:xfrm>
+          <a:prstGeom prst="straightConnector1">
+            <a:avLst/>
+          </a:prstGeom>
+          <a:ln w="28575">
+            <a:solidFill>
+              <a:schemeClr val="bg1"/>
+            </a:solidFill>
+            <a:tailEnd type="triangle"/>
+          </a:ln>
+        </p:spPr>
+        <p:style>
+          <a:lnRef idx="1">
+            <a:schemeClr val="accent1"/>
+          </a:lnRef>
+          <a:fillRef idx="0">
+            <a:schemeClr val="accent1"/>
+          </a:fillRef>
+          <a:effectRef idx="0">
+            <a:schemeClr val="accent1"/>
+          </a:effectRef>
+          <a:fontRef idx="minor">
+            <a:schemeClr val="tx1"/>
+          </a:fontRef>
+        </p:style>
+      </p:cxnSp>
+      <p:cxnSp>
+        <p:nvCxnSpPr>
+          <p:cNvPr id="72" name="Straight Arrow Connector 71"/>
+          <p:cNvCxnSpPr>
+            <a:stCxn id="65" idx="0"/>
+            <a:endCxn id="46" idx="4"/>
+          </p:cNvCxnSpPr>
+          <p:nvPr/>
+        </p:nvCxnSpPr>
+        <p:spPr>
+          <a:xfrm flipV="1">
+            <a:off x="6137031" y="5839886"/>
+            <a:ext cx="2051630" cy="371782"/>
+          </a:xfrm>
+          <a:prstGeom prst="straightConnector1">
+            <a:avLst/>
+          </a:prstGeom>
+          <a:ln w="28575">
+            <a:solidFill>
+              <a:schemeClr val="bg1"/>
+            </a:solidFill>
+            <a:tailEnd type="triangle"/>
+          </a:ln>
+        </p:spPr>
+        <p:style>
+          <a:lnRef idx="1">
+            <a:schemeClr val="accent1"/>
+          </a:lnRef>
+          <a:fillRef idx="0">
+            <a:schemeClr val="accent1"/>
+          </a:fillRef>
+          <a:effectRef idx="0">
+            <a:schemeClr val="accent1"/>
+          </a:effectRef>
+          <a:fontRef idx="minor">
+            <a:schemeClr val="tx1"/>
+          </a:fontRef>
+        </p:style>
+      </p:cxnSp>
+      <p:sp>
+        <p:nvSpPr>
+          <p:cNvPr id="59" name="Rectangle 58"/>
+          <p:cNvSpPr/>
+          <p:nvPr/>
+        </p:nvSpPr>
+        <p:spPr>
+          <a:xfrm>
+            <a:off x="3905355" y="2967335"/>
+            <a:ext cx="4378122" cy="923330"/>
+          </a:xfrm>
+          <a:prstGeom prst="rect">
+            <a:avLst/>
+          </a:prstGeom>
+          <a:noFill/>
+        </p:spPr>
+        <p:txBody>
+          <a:bodyPr wrap="none" lIns="91440" tIns="45720" rIns="91440" bIns="45720">
+            <a:spAutoFit/>
+          </a:bodyPr>
+          <a:lstStyle/>
+          <a:p>
+            <a:pPr algn="ctr"/>
+            <a:r>
+              <a:rPr lang="en-US" sz="5400" b="1" dirty="0" smtClean="0">
+                <a:ln w="22225">
+                  <a:solidFill>
+                    <a:schemeClr val="accent2"/>
+                  </a:solidFill>
+                  <a:prstDash val="solid"/>
+                </a:ln>
+                <a:solidFill>
+                  <a:schemeClr val="accent2">
+                    <a:lumMod val="40000"/>
+                    <a:lumOff val="60000"/>
+                  </a:schemeClr>
+                </a:solidFill>
+              </a:rPr>
+              <a:t>Mel/Brandon</a:t>
+            </a:r>
+            <a:endParaRPr lang="en-US" sz="5400" b="1" cap="none" spc="0" dirty="0">
+              <a:ln w="22225">
+                <a:solidFill>
+                  <a:schemeClr val="accent2"/>
+                </a:solidFill>
+                <a:prstDash val="solid"/>
+              </a:ln>
+              <a:solidFill>
+                <a:schemeClr val="accent2">
+                  <a:lumMod val="40000"/>
+                  <a:lumOff val="60000"/>
+                </a:schemeClr>
+              </a:solidFill>
+              <a:effectLst/>
+            </a:endParaRPr>
+          </a:p>
+        </p:txBody>
+      </p:sp>
     </p:spTree>
     <p:extLst>
       <p:ext uri="{BB962C8B-B14F-4D97-AF65-F5344CB8AC3E}">
-        <p14:creationId xmlns:p14="http://schemas.microsoft.com/office/powerpoint/2010/main" val="1776094296"/>
+        <p14:creationId xmlns:p14="http://schemas.microsoft.com/office/powerpoint/2010/main" val="3829985097"/>
       </p:ext>
     </p:extLst>
   </p:cSld>
@@ -12140,13 +15677,6 @@
       </p:transition>
     </mc:Fallback>
   </mc:AlternateContent>
-  <p:timing>
-    <p:tnLst>
-      <p:par>
-        <p:cTn id="1" dur="indefinite" restart="never" nodeType="tmRoot"/>
-      </p:par>
-    </p:tnLst>
-  </p:timing>
 </p:sld>
 </file>
 
@@ -12169,6 +15699,55 @@
       </p:grpSpPr>
       <p:sp>
         <p:nvSpPr>
+          <p:cNvPr id="75" name="Rectangle 74"/>
+          <p:cNvSpPr/>
+          <p:nvPr/>
+        </p:nvSpPr>
+        <p:spPr>
+          <a:xfrm>
+            <a:off x="2783840" y="6263640"/>
+            <a:ext cx="6797040" cy="1188720"/>
+          </a:xfrm>
+          <a:prstGeom prst="rect">
+            <a:avLst/>
+          </a:prstGeom>
+          <a:solidFill>
+            <a:schemeClr val="tx1">
+              <a:lumMod val="75000"/>
+              <a:lumOff val="25000"/>
+            </a:schemeClr>
+          </a:solidFill>
+          <a:ln>
+            <a:noFill/>
+          </a:ln>
+        </p:spPr>
+        <p:style>
+          <a:lnRef idx="2">
+            <a:schemeClr val="accent1">
+              <a:shade val="50000"/>
+            </a:schemeClr>
+          </a:lnRef>
+          <a:fillRef idx="1">
+            <a:schemeClr val="accent1"/>
+          </a:fillRef>
+          <a:effectRef idx="0">
+            <a:schemeClr val="accent1"/>
+          </a:effectRef>
+          <a:fontRef idx="minor">
+            <a:schemeClr val="lt1"/>
+          </a:fontRef>
+        </p:style>
+        <p:txBody>
+          <a:bodyPr rtlCol="0" anchor="ctr"/>
+          <a:lstStyle/>
+          <a:p>
+            <a:pPr algn="ctr"/>
+            <a:endParaRPr lang="en-US"/>
+          </a:p>
+        </p:txBody>
+      </p:sp>
+      <p:sp>
+        <p:nvSpPr>
           <p:cNvPr id="2" name="Title 1"/>
           <p:cNvSpPr>
             <a:spLocks noGrp="1"/>
@@ -12189,7 +15768,11 @@
           <a:p>
             <a:r>
               <a:rPr lang="en-GB" sz="3200" dirty="0" smtClean="0"/>
-              <a:t>Next Steps</a:t>
+              <a:t>Proposed </a:t>
+            </a:r>
+            <a:r>
+              <a:rPr lang="en-GB" sz="3200" dirty="0" smtClean="0"/>
+              <a:t>Solution 3: Program Increment Planning</a:t>
             </a:r>
             <a:endParaRPr lang="en-GB" sz="3200" dirty="0"/>
           </a:p>
@@ -12197,7 +15780,44 @@
       </p:sp>
       <p:sp>
         <p:nvSpPr>
-          <p:cNvPr id="3" name="Text Placeholder 2"/>
+          <p:cNvPr id="7" name="Rectangle 2"/>
+          <p:cNvSpPr>
+            <a:spLocks noChangeArrowheads="1"/>
+          </p:cNvSpPr>
+          <p:nvPr/>
+        </p:nvSpPr>
+        <p:spPr bwMode="auto">
+          <a:xfrm>
+            <a:off x="13487400" y="2087880"/>
+            <a:ext cx="12188825" cy="0"/>
+          </a:xfrm>
+          <a:prstGeom prst="rect">
+            <a:avLst/>
+          </a:prstGeom>
+          <a:solidFill>
+            <a:schemeClr val="bg1"/>
+          </a:solidFill>
+          <a:ln>
+            <a:noFill/>
+          </a:ln>
+          <a:effectLst/>
+        </p:spPr>
+        <p:txBody>
+          <a:bodyPr vert="horz" wrap="none" lIns="91440" tIns="45720" rIns="91440" bIns="45720" numCol="1" anchor="ctr" anchorCtr="0" compatLnSpc="1">
+            <a:prstTxWarp prst="textNoShape">
+              <a:avLst/>
+            </a:prstTxWarp>
+            <a:spAutoFit/>
+          </a:bodyPr>
+          <a:lstStyle/>
+          <a:p>
+            <a:endParaRPr lang="en-US"/>
+          </a:p>
+        </p:txBody>
+      </p:sp>
+      <p:sp>
+        <p:nvSpPr>
+          <p:cNvPr id="11" name="Text Placeholder 2"/>
           <p:cNvSpPr>
             <a:spLocks noGrp="1"/>
           </p:cNvSpPr>
@@ -12245,9 +15865,168 @@
           </a:p>
         </p:txBody>
       </p:sp>
+      <p:pic>
+        <p:nvPicPr>
+          <p:cNvPr id="6" name="Picture 5"/>
+          <p:cNvPicPr/>
+          <p:nvPr/>
+        </p:nvPicPr>
+        <p:blipFill>
+          <a:blip r:embed="rId4">
+            <a:extLst>
+              <a:ext uri="{28A0092B-C50C-407E-A947-70E740481C1C}">
+                <a14:useLocalDpi xmlns:a14="http://schemas.microsoft.com/office/drawing/2010/main" val="0"/>
+              </a:ext>
+            </a:extLst>
+          </a:blip>
+          <a:stretch>
+            <a:fillRect/>
+          </a:stretch>
+        </p:blipFill>
+        <p:spPr>
+          <a:xfrm>
+            <a:off x="12312244" y="2022038"/>
+            <a:ext cx="2765782" cy="664596"/>
+          </a:xfrm>
+          <a:prstGeom prst="rect">
+            <a:avLst/>
+          </a:prstGeom>
+        </p:spPr>
+      </p:pic>
+      <p:graphicFrame>
+        <p:nvGraphicFramePr>
+          <p:cNvPr id="8" name="Object 7"/>
+          <p:cNvGraphicFramePr>
+            <a:graphicFrameLocks noChangeAspect="1"/>
+          </p:cNvGraphicFramePr>
+          <p:nvPr>
+            <p:extLst>
+              <p:ext uri="{D42A27DB-BD31-4B8C-83A1-F6EECF244321}">
+                <p14:modId xmlns:p14="http://schemas.microsoft.com/office/powerpoint/2010/main" val="2978736040"/>
+              </p:ext>
+            </p:extLst>
+          </p:nvPr>
+        </p:nvGraphicFramePr>
+        <p:xfrm>
+          <a:off x="12317007" y="4031389"/>
+          <a:ext cx="2743200" cy="1905000"/>
+        </p:xfrm>
+        <a:graphic>
+          <a:graphicData uri="http://schemas.openxmlformats.org/presentationml/2006/ole">
+            <mc:AlternateContent xmlns:mc="http://schemas.openxmlformats.org/markup-compatibility/2006">
+              <mc:Choice xmlns:v="urn:schemas-microsoft-com:vml" Requires="v">
+                <p:oleObj spid="_x0000_s4099" name="Visio" r:id="rId5" imgW="5467350" imgH="3819396" progId="Visio.Drawing.15">
+                  <p:embed/>
+                </p:oleObj>
+              </mc:Choice>
+              <mc:Fallback>
+                <p:oleObj name="Visio" r:id="rId5" imgW="5467350" imgH="3819396" progId="Visio.Drawing.15">
+                  <p:embed/>
+                  <p:pic>
+                    <p:nvPicPr>
+                      <p:cNvPr id="0" name=""/>
+                      <p:cNvPicPr>
+                        <a:picLocks noChangeAspect="1" noChangeArrowheads="1"/>
+                      </p:cNvPicPr>
+                      <p:nvPr/>
+                    </p:nvPicPr>
+                    <p:blipFill>
+                      <a:blip r:embed="rId6">
+                        <a:extLst>
+                          <a:ext uri="{28A0092B-C50C-407E-A947-70E740481C1C}">
+                            <a14:useLocalDpi xmlns:a14="http://schemas.microsoft.com/office/drawing/2010/main" val="0"/>
+                          </a:ext>
+                        </a:extLst>
+                      </a:blip>
+                      <a:srcRect/>
+                      <a:stretch>
+                        <a:fillRect/>
+                      </a:stretch>
+                    </p:blipFill>
+                    <p:spPr bwMode="auto">
+                      <a:xfrm>
+                        <a:off x="12317007" y="4031389"/>
+                        <a:ext cx="2743200" cy="1905000"/>
+                      </a:xfrm>
+                      <a:prstGeom prst="rect">
+                        <a:avLst/>
+                      </a:prstGeom>
+                      <a:solidFill>
+                        <a:schemeClr val="bg1"/>
+                      </a:solidFill>
+                    </p:spPr>
+                  </p:pic>
+                </p:oleObj>
+              </mc:Fallback>
+            </mc:AlternateContent>
+          </a:graphicData>
+        </a:graphic>
+      </p:graphicFrame>
+      <p:pic>
+        <p:nvPicPr>
+          <p:cNvPr id="9" name="Picture 8"/>
+          <p:cNvPicPr>
+            <a:picLocks noChangeAspect="1"/>
+          </p:cNvPicPr>
+          <p:nvPr/>
+        </p:nvPicPr>
+        <p:blipFill>
+          <a:blip r:embed="rId7"/>
+          <a:stretch>
+            <a:fillRect/>
+          </a:stretch>
+        </p:blipFill>
+        <p:spPr>
+          <a:xfrm>
+            <a:off x="12302066" y="0"/>
+            <a:ext cx="2798687" cy="1961105"/>
+          </a:xfrm>
+          <a:prstGeom prst="rect">
+            <a:avLst/>
+          </a:prstGeom>
+        </p:spPr>
+      </p:pic>
       <p:sp>
         <p:nvSpPr>
-          <p:cNvPr id="4" name="Content Placeholder 3"/>
+          <p:cNvPr id="51" name="TextBox 50"/>
+          <p:cNvSpPr txBox="1"/>
+          <p:nvPr/>
+        </p:nvSpPr>
+        <p:spPr>
+          <a:xfrm>
+            <a:off x="9859106" y="1347373"/>
+            <a:ext cx="589713" cy="338554"/>
+          </a:xfrm>
+          <a:prstGeom prst="rect">
+            <a:avLst/>
+          </a:prstGeom>
+          <a:noFill/>
+        </p:spPr>
+        <p:txBody>
+          <a:bodyPr wrap="none" rtlCol="0">
+            <a:spAutoFit/>
+          </a:bodyPr>
+          <a:lstStyle/>
+          <a:p>
+            <a:r>
+              <a:rPr lang="en-US" sz="1600" dirty="0" smtClean="0">
+                <a:solidFill>
+                  <a:schemeClr val="bg1"/>
+                </a:solidFill>
+              </a:rPr>
+              <a:t>ART</a:t>
+            </a:r>
+            <a:endParaRPr lang="en-US" sz="1600" dirty="0">
+              <a:solidFill>
+                <a:schemeClr val="bg1"/>
+              </a:solidFill>
+            </a:endParaRPr>
+          </a:p>
+        </p:txBody>
+      </p:sp>
+      <p:sp>
+        <p:nvSpPr>
+          <p:cNvPr id="3" name="Content Placeholder 2"/>
           <p:cNvSpPr>
             <a:spLocks noGrp="1"/>
           </p:cNvSpPr>
@@ -12255,37 +16034,77 @@
             <p:ph sz="quarter" idx="16"/>
           </p:nvPr>
         </p:nvSpPr>
-        <p:spPr>
-          <a:xfrm>
-            <a:off x="405383" y="1400438"/>
-            <a:ext cx="11311128" cy="1015663"/>
-          </a:xfrm>
-        </p:spPr>
+        <p:spPr/>
         <p:txBody>
           <a:bodyPr/>
           <a:lstStyle/>
           <a:p>
+            <a:endParaRPr lang="en-US"/>
+          </a:p>
+        </p:txBody>
+      </p:sp>
+      <p:sp>
+        <p:nvSpPr>
+          <p:cNvPr id="59" name="Rectangle 58"/>
+          <p:cNvSpPr/>
+          <p:nvPr/>
+        </p:nvSpPr>
+        <p:spPr>
+          <a:xfrm>
+            <a:off x="3905355" y="2967335"/>
+            <a:ext cx="4378122" cy="923330"/>
+          </a:xfrm>
+          <a:prstGeom prst="rect">
+            <a:avLst/>
+          </a:prstGeom>
+          <a:noFill/>
+        </p:spPr>
+        <p:txBody>
+          <a:bodyPr wrap="none" lIns="91440" tIns="45720" rIns="91440" bIns="45720">
+            <a:spAutoFit/>
+          </a:bodyPr>
+          <a:lstStyle/>
+          <a:p>
+            <a:pPr algn="ctr"/>
             <a:r>
-              <a:rPr lang="en-GB" dirty="0" smtClean="0"/>
-              <a:t>Implement:</a:t>
+              <a:rPr lang="en-US" sz="5400" b="1" dirty="0" smtClean="0">
+                <a:ln w="22225">
+                  <a:solidFill>
+                    <a:schemeClr val="accent2"/>
+                  </a:solidFill>
+                  <a:prstDash val="solid"/>
+                </a:ln>
+                <a:solidFill>
+                  <a:schemeClr val="accent2">
+                    <a:lumMod val="40000"/>
+                    <a:lumOff val="60000"/>
+                  </a:schemeClr>
+                </a:solidFill>
+              </a:rPr>
+              <a:t>Mel/Brandon</a:t>
             </a:r>
-          </a:p>
-          <a:p>
-            <a:endParaRPr lang="en-GB" dirty="0"/>
-          </a:p>
-          <a:p>
-            <a:r>
-              <a:rPr lang="en-GB" dirty="0" smtClean="0"/>
-              <a:t>Continued Research:</a:t>
-            </a:r>
-            <a:endParaRPr lang="en-GB" dirty="0"/>
+            <a:endParaRPr lang="en-US" sz="5400" b="1" cap="none" spc="0" dirty="0">
+              <a:ln w="22225">
+                <a:solidFill>
+                  <a:schemeClr val="accent2"/>
+                </a:solidFill>
+                <a:prstDash val="solid"/>
+              </a:ln>
+              <a:solidFill>
+                <a:schemeClr val="accent2">
+                  <a:lumMod val="40000"/>
+                  <a:lumOff val="60000"/>
+                </a:schemeClr>
+              </a:solidFill>
+              <a:effectLst/>
+            </a:endParaRPr>
           </a:p>
         </p:txBody>
       </p:sp>
     </p:spTree>
     <p:extLst>
       <p:ext uri="{BB962C8B-B14F-4D97-AF65-F5344CB8AC3E}">
-        <p14:creationId xmlns:p14="http://schemas.microsoft.com/office/powerpoint/2010/main" val="3607805654"/>
+        <p14:creationId xmlns:p14="http://schemas.microsoft.com/office/powerpoint/2010/main" val="2676938144"/>
       </p:ext>
     </p:extLst>
   </p:cSld>
@@ -12304,13 +16123,890 @@
       </p:transition>
     </mc:Fallback>
   </mc:AlternateContent>
-  <p:timing>
-    <p:tnLst>
-      <p:par>
-        <p:cTn id="1" dur="indefinite" restart="never" nodeType="tmRoot"/>
-      </p:par>
-    </p:tnLst>
-  </p:timing>
+</p:sld>
+</file>
+
+<file path=ppt/slides/slide8.xml><?xml version="1.0" encoding="utf-8"?>
+<p:sld xmlns:a="http://schemas.openxmlformats.org/drawingml/2006/main" xmlns:r="http://schemas.openxmlformats.org/officeDocument/2006/relationships" xmlns:p="http://schemas.openxmlformats.org/presentationml/2006/main">
+  <p:cSld>
+    <p:spTree>
+      <p:nvGrpSpPr>
+        <p:cNvPr id="1" name=""/>
+        <p:cNvGrpSpPr/>
+        <p:nvPr/>
+      </p:nvGrpSpPr>
+      <p:grpSpPr>
+        <a:xfrm>
+          <a:off x="0" y="0"/>
+          <a:ext cx="0" cy="0"/>
+          <a:chOff x="0" y="0"/>
+          <a:chExt cx="0" cy="0"/>
+        </a:xfrm>
+      </p:grpSpPr>
+      <p:sp>
+        <p:nvSpPr>
+          <p:cNvPr id="75" name="Rectangle 74"/>
+          <p:cNvSpPr/>
+          <p:nvPr/>
+        </p:nvSpPr>
+        <p:spPr>
+          <a:xfrm>
+            <a:off x="2783840" y="6263640"/>
+            <a:ext cx="6797040" cy="1188720"/>
+          </a:xfrm>
+          <a:prstGeom prst="rect">
+            <a:avLst/>
+          </a:prstGeom>
+          <a:solidFill>
+            <a:schemeClr val="tx1">
+              <a:lumMod val="75000"/>
+              <a:lumOff val="25000"/>
+            </a:schemeClr>
+          </a:solidFill>
+          <a:ln>
+            <a:noFill/>
+          </a:ln>
+        </p:spPr>
+        <p:style>
+          <a:lnRef idx="2">
+            <a:schemeClr val="accent1">
+              <a:shade val="50000"/>
+            </a:schemeClr>
+          </a:lnRef>
+          <a:fillRef idx="1">
+            <a:schemeClr val="accent1"/>
+          </a:fillRef>
+          <a:effectRef idx="0">
+            <a:schemeClr val="accent1"/>
+          </a:effectRef>
+          <a:fontRef idx="minor">
+            <a:schemeClr val="lt1"/>
+          </a:fontRef>
+        </p:style>
+        <p:txBody>
+          <a:bodyPr rtlCol="0" anchor="ctr"/>
+          <a:lstStyle/>
+          <a:p>
+            <a:pPr algn="ctr"/>
+            <a:endParaRPr lang="en-US"/>
+          </a:p>
+        </p:txBody>
+      </p:sp>
+      <p:sp>
+        <p:nvSpPr>
+          <p:cNvPr id="2" name="Title 1"/>
+          <p:cNvSpPr>
+            <a:spLocks noGrp="1"/>
+          </p:cNvSpPr>
+          <p:nvPr>
+            <p:ph type="title"/>
+          </p:nvPr>
+        </p:nvSpPr>
+        <p:spPr>
+          <a:xfrm>
+            <a:off x="448055" y="457200"/>
+            <a:ext cx="11311128" cy="489365"/>
+          </a:xfrm>
+        </p:spPr>
+        <p:txBody>
+          <a:bodyPr/>
+          <a:lstStyle/>
+          <a:p>
+            <a:r>
+              <a:rPr lang="en-GB" sz="3200" dirty="0" smtClean="0"/>
+              <a:t>Continued Research 1: Advanced Communication Tools</a:t>
+            </a:r>
+            <a:endParaRPr lang="en-GB" sz="3200" dirty="0"/>
+          </a:p>
+        </p:txBody>
+      </p:sp>
+      <p:sp>
+        <p:nvSpPr>
+          <p:cNvPr id="7" name="Rectangle 2"/>
+          <p:cNvSpPr>
+            <a:spLocks noChangeArrowheads="1"/>
+          </p:cNvSpPr>
+          <p:nvPr/>
+        </p:nvSpPr>
+        <p:spPr bwMode="auto">
+          <a:xfrm>
+            <a:off x="13487400" y="2087880"/>
+            <a:ext cx="12188825" cy="0"/>
+          </a:xfrm>
+          <a:prstGeom prst="rect">
+            <a:avLst/>
+          </a:prstGeom>
+          <a:solidFill>
+            <a:schemeClr val="bg1"/>
+          </a:solidFill>
+          <a:ln>
+            <a:noFill/>
+          </a:ln>
+          <a:effectLst/>
+        </p:spPr>
+        <p:txBody>
+          <a:bodyPr vert="horz" wrap="none" lIns="91440" tIns="45720" rIns="91440" bIns="45720" numCol="1" anchor="ctr" anchorCtr="0" compatLnSpc="1">
+            <a:prstTxWarp prst="textNoShape">
+              <a:avLst/>
+            </a:prstTxWarp>
+            <a:spAutoFit/>
+          </a:bodyPr>
+          <a:lstStyle/>
+          <a:p>
+            <a:endParaRPr lang="en-US"/>
+          </a:p>
+        </p:txBody>
+      </p:sp>
+      <p:sp>
+        <p:nvSpPr>
+          <p:cNvPr id="11" name="Text Placeholder 2"/>
+          <p:cNvSpPr>
+            <a:spLocks noGrp="1"/>
+          </p:cNvSpPr>
+          <p:nvPr>
+            <p:ph type="body" sz="quarter" idx="12"/>
+          </p:nvPr>
+        </p:nvSpPr>
+        <p:spPr>
+          <a:xfrm>
+            <a:off x="448055" y="917917"/>
+            <a:ext cx="11311128" cy="323165"/>
+          </a:xfrm>
+        </p:spPr>
+        <p:txBody>
+          <a:bodyPr/>
+          <a:lstStyle/>
+          <a:p>
+            <a:r>
+              <a:rPr lang="en-US" dirty="0">
+                <a:solidFill>
+                  <a:schemeClr val="bg1">
+                    <a:lumMod val="50000"/>
+                  </a:schemeClr>
+                </a:solidFill>
+              </a:rPr>
+              <a:t>Agile for Model-Based-Standards </a:t>
+            </a:r>
+            <a:r>
+              <a:rPr lang="en-US" dirty="0" smtClean="0">
+                <a:solidFill>
+                  <a:schemeClr val="bg1">
+                    <a:lumMod val="50000"/>
+                  </a:schemeClr>
+                </a:solidFill>
+              </a:rPr>
+              <a:t>Development</a:t>
+            </a:r>
+            <a:endParaRPr lang="en-US" dirty="0">
+              <a:solidFill>
+                <a:schemeClr val="bg1">
+                  <a:lumMod val="50000"/>
+                </a:schemeClr>
+              </a:solidFill>
+            </a:endParaRPr>
+          </a:p>
+        </p:txBody>
+      </p:sp>
+      <p:pic>
+        <p:nvPicPr>
+          <p:cNvPr id="6" name="Picture 5"/>
+          <p:cNvPicPr/>
+          <p:nvPr/>
+        </p:nvPicPr>
+        <p:blipFill>
+          <a:blip r:embed="rId4">
+            <a:extLst>
+              <a:ext uri="{28A0092B-C50C-407E-A947-70E740481C1C}">
+                <a14:useLocalDpi xmlns:a14="http://schemas.microsoft.com/office/drawing/2010/main" val="0"/>
+              </a:ext>
+            </a:extLst>
+          </a:blip>
+          <a:stretch>
+            <a:fillRect/>
+          </a:stretch>
+        </p:blipFill>
+        <p:spPr>
+          <a:xfrm>
+            <a:off x="12312244" y="2022038"/>
+            <a:ext cx="2765782" cy="664596"/>
+          </a:xfrm>
+          <a:prstGeom prst="rect">
+            <a:avLst/>
+          </a:prstGeom>
+        </p:spPr>
+      </p:pic>
+      <p:graphicFrame>
+        <p:nvGraphicFramePr>
+          <p:cNvPr id="8" name="Object 7"/>
+          <p:cNvGraphicFramePr>
+            <a:graphicFrameLocks noChangeAspect="1"/>
+          </p:cNvGraphicFramePr>
+          <p:nvPr>
+            <p:extLst>
+              <p:ext uri="{D42A27DB-BD31-4B8C-83A1-F6EECF244321}">
+                <p14:modId xmlns:p14="http://schemas.microsoft.com/office/powerpoint/2010/main" val="2978736040"/>
+              </p:ext>
+            </p:extLst>
+          </p:nvPr>
+        </p:nvGraphicFramePr>
+        <p:xfrm>
+          <a:off x="12317007" y="4031389"/>
+          <a:ext cx="2743200" cy="1905000"/>
+        </p:xfrm>
+        <a:graphic>
+          <a:graphicData uri="http://schemas.openxmlformats.org/presentationml/2006/ole">
+            <mc:AlternateContent xmlns:mc="http://schemas.openxmlformats.org/markup-compatibility/2006">
+              <mc:Choice xmlns:v="urn:schemas-microsoft-com:vml" Requires="v">
+                <p:oleObj spid="_x0000_s5123" name="Visio" r:id="rId5" imgW="5467350" imgH="3819396" progId="Visio.Drawing.15">
+                  <p:embed/>
+                </p:oleObj>
+              </mc:Choice>
+              <mc:Fallback>
+                <p:oleObj name="Visio" r:id="rId5" imgW="5467350" imgH="3819396" progId="Visio.Drawing.15">
+                  <p:embed/>
+                  <p:pic>
+                    <p:nvPicPr>
+                      <p:cNvPr id="0" name=""/>
+                      <p:cNvPicPr>
+                        <a:picLocks noChangeAspect="1" noChangeArrowheads="1"/>
+                      </p:cNvPicPr>
+                      <p:nvPr/>
+                    </p:nvPicPr>
+                    <p:blipFill>
+                      <a:blip r:embed="rId6">
+                        <a:extLst>
+                          <a:ext uri="{28A0092B-C50C-407E-A947-70E740481C1C}">
+                            <a14:useLocalDpi xmlns:a14="http://schemas.microsoft.com/office/drawing/2010/main" val="0"/>
+                          </a:ext>
+                        </a:extLst>
+                      </a:blip>
+                      <a:srcRect/>
+                      <a:stretch>
+                        <a:fillRect/>
+                      </a:stretch>
+                    </p:blipFill>
+                    <p:spPr bwMode="auto">
+                      <a:xfrm>
+                        <a:off x="12317007" y="4031389"/>
+                        <a:ext cx="2743200" cy="1905000"/>
+                      </a:xfrm>
+                      <a:prstGeom prst="rect">
+                        <a:avLst/>
+                      </a:prstGeom>
+                      <a:solidFill>
+                        <a:schemeClr val="bg1"/>
+                      </a:solidFill>
+                    </p:spPr>
+                  </p:pic>
+                </p:oleObj>
+              </mc:Fallback>
+            </mc:AlternateContent>
+          </a:graphicData>
+        </a:graphic>
+      </p:graphicFrame>
+      <p:pic>
+        <p:nvPicPr>
+          <p:cNvPr id="9" name="Picture 8"/>
+          <p:cNvPicPr>
+            <a:picLocks noChangeAspect="1"/>
+          </p:cNvPicPr>
+          <p:nvPr/>
+        </p:nvPicPr>
+        <p:blipFill>
+          <a:blip r:embed="rId7"/>
+          <a:stretch>
+            <a:fillRect/>
+          </a:stretch>
+        </p:blipFill>
+        <p:spPr>
+          <a:xfrm>
+            <a:off x="12302066" y="0"/>
+            <a:ext cx="2798687" cy="1961105"/>
+          </a:xfrm>
+          <a:prstGeom prst="rect">
+            <a:avLst/>
+          </a:prstGeom>
+        </p:spPr>
+      </p:pic>
+      <p:sp>
+        <p:nvSpPr>
+          <p:cNvPr id="51" name="TextBox 50"/>
+          <p:cNvSpPr txBox="1"/>
+          <p:nvPr/>
+        </p:nvSpPr>
+        <p:spPr>
+          <a:xfrm>
+            <a:off x="9859106" y="1347373"/>
+            <a:ext cx="589713" cy="338554"/>
+          </a:xfrm>
+          <a:prstGeom prst="rect">
+            <a:avLst/>
+          </a:prstGeom>
+          <a:noFill/>
+        </p:spPr>
+        <p:txBody>
+          <a:bodyPr wrap="none" rtlCol="0">
+            <a:spAutoFit/>
+          </a:bodyPr>
+          <a:lstStyle/>
+          <a:p>
+            <a:r>
+              <a:rPr lang="en-US" sz="1600" dirty="0" smtClean="0">
+                <a:solidFill>
+                  <a:schemeClr val="bg1"/>
+                </a:solidFill>
+              </a:rPr>
+              <a:t>ART</a:t>
+            </a:r>
+            <a:endParaRPr lang="en-US" sz="1600" dirty="0">
+              <a:solidFill>
+                <a:schemeClr val="bg1"/>
+              </a:solidFill>
+            </a:endParaRPr>
+          </a:p>
+        </p:txBody>
+      </p:sp>
+      <p:sp>
+        <p:nvSpPr>
+          <p:cNvPr id="3" name="Content Placeholder 2"/>
+          <p:cNvSpPr>
+            <a:spLocks noGrp="1"/>
+          </p:cNvSpPr>
+          <p:nvPr>
+            <p:ph sz="quarter" idx="16"/>
+          </p:nvPr>
+        </p:nvSpPr>
+        <p:spPr/>
+        <p:txBody>
+          <a:bodyPr/>
+          <a:lstStyle/>
+          <a:p>
+            <a:endParaRPr lang="en-US"/>
+          </a:p>
+        </p:txBody>
+      </p:sp>
+      <p:sp>
+        <p:nvSpPr>
+          <p:cNvPr id="59" name="Rectangle 58"/>
+          <p:cNvSpPr/>
+          <p:nvPr/>
+        </p:nvSpPr>
+        <p:spPr>
+          <a:xfrm>
+            <a:off x="4867156" y="2967335"/>
+            <a:ext cx="2454518" cy="923330"/>
+          </a:xfrm>
+          <a:prstGeom prst="rect">
+            <a:avLst/>
+          </a:prstGeom>
+          <a:noFill/>
+        </p:spPr>
+        <p:txBody>
+          <a:bodyPr wrap="none" lIns="91440" tIns="45720" rIns="91440" bIns="45720">
+            <a:spAutoFit/>
+          </a:bodyPr>
+          <a:lstStyle/>
+          <a:p>
+            <a:pPr algn="ctr"/>
+            <a:r>
+              <a:rPr lang="en-US" sz="5400" b="1" dirty="0" smtClean="0">
+                <a:ln w="22225">
+                  <a:solidFill>
+                    <a:schemeClr val="accent2"/>
+                  </a:solidFill>
+                  <a:prstDash val="solid"/>
+                </a:ln>
+                <a:solidFill>
+                  <a:schemeClr val="accent2">
+                    <a:lumMod val="40000"/>
+                    <a:lumOff val="60000"/>
+                  </a:schemeClr>
+                </a:solidFill>
+              </a:rPr>
+              <a:t>Marion</a:t>
+            </a:r>
+            <a:endParaRPr lang="en-US" sz="5400" b="1" cap="none" spc="0" dirty="0">
+              <a:ln w="22225">
+                <a:solidFill>
+                  <a:schemeClr val="accent2"/>
+                </a:solidFill>
+                <a:prstDash val="solid"/>
+              </a:ln>
+              <a:solidFill>
+                <a:schemeClr val="accent2">
+                  <a:lumMod val="40000"/>
+                  <a:lumOff val="60000"/>
+                </a:schemeClr>
+              </a:solidFill>
+              <a:effectLst/>
+            </a:endParaRPr>
+          </a:p>
+        </p:txBody>
+      </p:sp>
+    </p:spTree>
+    <p:extLst>
+      <p:ext uri="{BB962C8B-B14F-4D97-AF65-F5344CB8AC3E}">
+        <p14:creationId xmlns:p14="http://schemas.microsoft.com/office/powerpoint/2010/main" val="3937910976"/>
+      </p:ext>
+    </p:extLst>
+  </p:cSld>
+  <p:clrMapOvr>
+    <a:masterClrMapping/>
+  </p:clrMapOvr>
+  <mc:AlternateContent xmlns:mc="http://schemas.openxmlformats.org/markup-compatibility/2006" xmlns:p14="http://schemas.microsoft.com/office/powerpoint/2010/main">
+    <mc:Choice Requires="p14">
+      <p:transition spd="med" p14:dur="700">
+        <p:fade/>
+      </p:transition>
+    </mc:Choice>
+    <mc:Fallback xmlns="">
+      <p:transition spd="med">
+        <p:fade/>
+      </p:transition>
+    </mc:Fallback>
+  </mc:AlternateContent>
+</p:sld>
+</file>
+
+<file path=ppt/slides/slide9.xml><?xml version="1.0" encoding="utf-8"?>
+<p:sld xmlns:a="http://schemas.openxmlformats.org/drawingml/2006/main" xmlns:r="http://schemas.openxmlformats.org/officeDocument/2006/relationships" xmlns:p="http://schemas.openxmlformats.org/presentationml/2006/main">
+  <p:cSld>
+    <p:spTree>
+      <p:nvGrpSpPr>
+        <p:cNvPr id="1" name=""/>
+        <p:cNvGrpSpPr/>
+        <p:nvPr/>
+      </p:nvGrpSpPr>
+      <p:grpSpPr>
+        <a:xfrm>
+          <a:off x="0" y="0"/>
+          <a:ext cx="0" cy="0"/>
+          <a:chOff x="0" y="0"/>
+          <a:chExt cx="0" cy="0"/>
+        </a:xfrm>
+      </p:grpSpPr>
+      <p:sp>
+        <p:nvSpPr>
+          <p:cNvPr id="75" name="Rectangle 74"/>
+          <p:cNvSpPr/>
+          <p:nvPr/>
+        </p:nvSpPr>
+        <p:spPr>
+          <a:xfrm>
+            <a:off x="2783840" y="6263640"/>
+            <a:ext cx="6797040" cy="1188720"/>
+          </a:xfrm>
+          <a:prstGeom prst="rect">
+            <a:avLst/>
+          </a:prstGeom>
+          <a:solidFill>
+            <a:schemeClr val="tx1">
+              <a:lumMod val="75000"/>
+              <a:lumOff val="25000"/>
+            </a:schemeClr>
+          </a:solidFill>
+          <a:ln>
+            <a:noFill/>
+          </a:ln>
+        </p:spPr>
+        <p:style>
+          <a:lnRef idx="2">
+            <a:schemeClr val="accent1">
+              <a:shade val="50000"/>
+            </a:schemeClr>
+          </a:lnRef>
+          <a:fillRef idx="1">
+            <a:schemeClr val="accent1"/>
+          </a:fillRef>
+          <a:effectRef idx="0">
+            <a:schemeClr val="accent1"/>
+          </a:effectRef>
+          <a:fontRef idx="minor">
+            <a:schemeClr val="lt1"/>
+          </a:fontRef>
+        </p:style>
+        <p:txBody>
+          <a:bodyPr rtlCol="0" anchor="ctr"/>
+          <a:lstStyle/>
+          <a:p>
+            <a:pPr algn="ctr"/>
+            <a:endParaRPr lang="en-US"/>
+          </a:p>
+        </p:txBody>
+      </p:sp>
+      <p:sp>
+        <p:nvSpPr>
+          <p:cNvPr id="2" name="Title 1"/>
+          <p:cNvSpPr>
+            <a:spLocks noGrp="1"/>
+          </p:cNvSpPr>
+          <p:nvPr>
+            <p:ph type="title"/>
+          </p:nvPr>
+        </p:nvSpPr>
+        <p:spPr>
+          <a:xfrm>
+            <a:off x="448055" y="457200"/>
+            <a:ext cx="11311128" cy="489365"/>
+          </a:xfrm>
+        </p:spPr>
+        <p:txBody>
+          <a:bodyPr/>
+          <a:lstStyle/>
+          <a:p>
+            <a:r>
+              <a:rPr lang="en-GB" sz="3200" dirty="0" smtClean="0"/>
+              <a:t>Continued Research 2: Continuous Integration</a:t>
+            </a:r>
+            <a:endParaRPr lang="en-GB" sz="3200" dirty="0"/>
+          </a:p>
+        </p:txBody>
+      </p:sp>
+      <p:sp>
+        <p:nvSpPr>
+          <p:cNvPr id="7" name="Rectangle 2"/>
+          <p:cNvSpPr>
+            <a:spLocks noChangeArrowheads="1"/>
+          </p:cNvSpPr>
+          <p:nvPr/>
+        </p:nvSpPr>
+        <p:spPr bwMode="auto">
+          <a:xfrm>
+            <a:off x="13487400" y="2087880"/>
+            <a:ext cx="12188825" cy="0"/>
+          </a:xfrm>
+          <a:prstGeom prst="rect">
+            <a:avLst/>
+          </a:prstGeom>
+          <a:solidFill>
+            <a:schemeClr val="bg1"/>
+          </a:solidFill>
+          <a:ln>
+            <a:noFill/>
+          </a:ln>
+          <a:effectLst/>
+        </p:spPr>
+        <p:txBody>
+          <a:bodyPr vert="horz" wrap="none" lIns="91440" tIns="45720" rIns="91440" bIns="45720" numCol="1" anchor="ctr" anchorCtr="0" compatLnSpc="1">
+            <a:prstTxWarp prst="textNoShape">
+              <a:avLst/>
+            </a:prstTxWarp>
+            <a:spAutoFit/>
+          </a:bodyPr>
+          <a:lstStyle/>
+          <a:p>
+            <a:endParaRPr lang="en-US"/>
+          </a:p>
+        </p:txBody>
+      </p:sp>
+      <p:sp>
+        <p:nvSpPr>
+          <p:cNvPr id="11" name="Text Placeholder 2"/>
+          <p:cNvSpPr>
+            <a:spLocks noGrp="1"/>
+          </p:cNvSpPr>
+          <p:nvPr>
+            <p:ph type="body" sz="quarter" idx="12"/>
+          </p:nvPr>
+        </p:nvSpPr>
+        <p:spPr>
+          <a:xfrm>
+            <a:off x="448055" y="917917"/>
+            <a:ext cx="11311128" cy="323165"/>
+          </a:xfrm>
+        </p:spPr>
+        <p:txBody>
+          <a:bodyPr/>
+          <a:lstStyle/>
+          <a:p>
+            <a:r>
+              <a:rPr lang="en-US" dirty="0">
+                <a:solidFill>
+                  <a:schemeClr val="bg1">
+                    <a:lumMod val="50000"/>
+                  </a:schemeClr>
+                </a:solidFill>
+              </a:rPr>
+              <a:t>Agile for Model-Based-Standards </a:t>
+            </a:r>
+            <a:r>
+              <a:rPr lang="en-US" dirty="0" smtClean="0">
+                <a:solidFill>
+                  <a:schemeClr val="bg1">
+                    <a:lumMod val="50000"/>
+                  </a:schemeClr>
+                </a:solidFill>
+              </a:rPr>
+              <a:t>Development</a:t>
+            </a:r>
+            <a:endParaRPr lang="en-US" dirty="0">
+              <a:solidFill>
+                <a:schemeClr val="bg1">
+                  <a:lumMod val="50000"/>
+                </a:schemeClr>
+              </a:solidFill>
+            </a:endParaRPr>
+          </a:p>
+        </p:txBody>
+      </p:sp>
+      <p:pic>
+        <p:nvPicPr>
+          <p:cNvPr id="6" name="Picture 5"/>
+          <p:cNvPicPr/>
+          <p:nvPr/>
+        </p:nvPicPr>
+        <p:blipFill>
+          <a:blip r:embed="rId4">
+            <a:extLst>
+              <a:ext uri="{28A0092B-C50C-407E-A947-70E740481C1C}">
+                <a14:useLocalDpi xmlns:a14="http://schemas.microsoft.com/office/drawing/2010/main" val="0"/>
+              </a:ext>
+            </a:extLst>
+          </a:blip>
+          <a:stretch>
+            <a:fillRect/>
+          </a:stretch>
+        </p:blipFill>
+        <p:spPr>
+          <a:xfrm>
+            <a:off x="12312244" y="2022038"/>
+            <a:ext cx="2765782" cy="664596"/>
+          </a:xfrm>
+          <a:prstGeom prst="rect">
+            <a:avLst/>
+          </a:prstGeom>
+        </p:spPr>
+      </p:pic>
+      <p:graphicFrame>
+        <p:nvGraphicFramePr>
+          <p:cNvPr id="8" name="Object 7"/>
+          <p:cNvGraphicFramePr>
+            <a:graphicFrameLocks noChangeAspect="1"/>
+          </p:cNvGraphicFramePr>
+          <p:nvPr>
+            <p:extLst>
+              <p:ext uri="{D42A27DB-BD31-4B8C-83A1-F6EECF244321}">
+                <p14:modId xmlns:p14="http://schemas.microsoft.com/office/powerpoint/2010/main" val="2978736040"/>
+              </p:ext>
+            </p:extLst>
+          </p:nvPr>
+        </p:nvGraphicFramePr>
+        <p:xfrm>
+          <a:off x="12317007" y="4031389"/>
+          <a:ext cx="2743200" cy="1905000"/>
+        </p:xfrm>
+        <a:graphic>
+          <a:graphicData uri="http://schemas.openxmlformats.org/presentationml/2006/ole">
+            <mc:AlternateContent xmlns:mc="http://schemas.openxmlformats.org/markup-compatibility/2006">
+              <mc:Choice xmlns:v="urn:schemas-microsoft-com:vml" Requires="v">
+                <p:oleObj spid="_x0000_s6147" name="Visio" r:id="rId5" imgW="5467350" imgH="3819396" progId="Visio.Drawing.15">
+                  <p:embed/>
+                </p:oleObj>
+              </mc:Choice>
+              <mc:Fallback>
+                <p:oleObj name="Visio" r:id="rId5" imgW="5467350" imgH="3819396" progId="Visio.Drawing.15">
+                  <p:embed/>
+                  <p:pic>
+                    <p:nvPicPr>
+                      <p:cNvPr id="0" name=""/>
+                      <p:cNvPicPr>
+                        <a:picLocks noChangeAspect="1" noChangeArrowheads="1"/>
+                      </p:cNvPicPr>
+                      <p:nvPr/>
+                    </p:nvPicPr>
+                    <p:blipFill>
+                      <a:blip r:embed="rId6">
+                        <a:extLst>
+                          <a:ext uri="{28A0092B-C50C-407E-A947-70E740481C1C}">
+                            <a14:useLocalDpi xmlns:a14="http://schemas.microsoft.com/office/drawing/2010/main" val="0"/>
+                          </a:ext>
+                        </a:extLst>
+                      </a:blip>
+                      <a:srcRect/>
+                      <a:stretch>
+                        <a:fillRect/>
+                      </a:stretch>
+                    </p:blipFill>
+                    <p:spPr bwMode="auto">
+                      <a:xfrm>
+                        <a:off x="12317007" y="4031389"/>
+                        <a:ext cx="2743200" cy="1905000"/>
+                      </a:xfrm>
+                      <a:prstGeom prst="rect">
+                        <a:avLst/>
+                      </a:prstGeom>
+                      <a:solidFill>
+                        <a:schemeClr val="bg1"/>
+                      </a:solidFill>
+                    </p:spPr>
+                  </p:pic>
+                </p:oleObj>
+              </mc:Fallback>
+            </mc:AlternateContent>
+          </a:graphicData>
+        </a:graphic>
+      </p:graphicFrame>
+      <p:pic>
+        <p:nvPicPr>
+          <p:cNvPr id="9" name="Picture 8"/>
+          <p:cNvPicPr>
+            <a:picLocks noChangeAspect="1"/>
+          </p:cNvPicPr>
+          <p:nvPr/>
+        </p:nvPicPr>
+        <p:blipFill>
+          <a:blip r:embed="rId7"/>
+          <a:stretch>
+            <a:fillRect/>
+          </a:stretch>
+        </p:blipFill>
+        <p:spPr>
+          <a:xfrm>
+            <a:off x="12302066" y="0"/>
+            <a:ext cx="2798687" cy="1961105"/>
+          </a:xfrm>
+          <a:prstGeom prst="rect">
+            <a:avLst/>
+          </a:prstGeom>
+        </p:spPr>
+      </p:pic>
+      <p:sp>
+        <p:nvSpPr>
+          <p:cNvPr id="51" name="TextBox 50"/>
+          <p:cNvSpPr txBox="1"/>
+          <p:nvPr/>
+        </p:nvSpPr>
+        <p:spPr>
+          <a:xfrm>
+            <a:off x="9859106" y="1347373"/>
+            <a:ext cx="589713" cy="338554"/>
+          </a:xfrm>
+          <a:prstGeom prst="rect">
+            <a:avLst/>
+          </a:prstGeom>
+          <a:noFill/>
+        </p:spPr>
+        <p:txBody>
+          <a:bodyPr wrap="none" rtlCol="0">
+            <a:spAutoFit/>
+          </a:bodyPr>
+          <a:lstStyle/>
+          <a:p>
+            <a:r>
+              <a:rPr lang="en-US" sz="1600" dirty="0" smtClean="0">
+                <a:solidFill>
+                  <a:schemeClr val="bg1"/>
+                </a:solidFill>
+              </a:rPr>
+              <a:t>ART</a:t>
+            </a:r>
+            <a:endParaRPr lang="en-US" sz="1600" dirty="0">
+              <a:solidFill>
+                <a:schemeClr val="bg1"/>
+              </a:solidFill>
+            </a:endParaRPr>
+          </a:p>
+        </p:txBody>
+      </p:sp>
+      <p:sp>
+        <p:nvSpPr>
+          <p:cNvPr id="3" name="Content Placeholder 2"/>
+          <p:cNvSpPr>
+            <a:spLocks noGrp="1"/>
+          </p:cNvSpPr>
+          <p:nvPr>
+            <p:ph sz="quarter" idx="16"/>
+          </p:nvPr>
+        </p:nvSpPr>
+        <p:spPr/>
+        <p:txBody>
+          <a:bodyPr/>
+          <a:lstStyle/>
+          <a:p>
+            <a:endParaRPr lang="en-US" dirty="0"/>
+          </a:p>
+        </p:txBody>
+      </p:sp>
+      <p:sp>
+        <p:nvSpPr>
+          <p:cNvPr id="59" name="Rectangle 58"/>
+          <p:cNvSpPr/>
+          <p:nvPr/>
+        </p:nvSpPr>
+        <p:spPr>
+          <a:xfrm>
+            <a:off x="3539871" y="2967335"/>
+            <a:ext cx="5109091" cy="923330"/>
+          </a:xfrm>
+          <a:prstGeom prst="rect">
+            <a:avLst/>
+          </a:prstGeom>
+          <a:noFill/>
+        </p:spPr>
+        <p:txBody>
+          <a:bodyPr wrap="none" lIns="91440" tIns="45720" rIns="91440" bIns="45720">
+            <a:spAutoFit/>
+          </a:bodyPr>
+          <a:lstStyle/>
+          <a:p>
+            <a:pPr algn="ctr"/>
+            <a:r>
+              <a:rPr lang="en-US" sz="5400" b="1" dirty="0" smtClean="0">
+                <a:ln w="22225">
+                  <a:solidFill>
+                    <a:schemeClr val="accent2"/>
+                  </a:solidFill>
+                  <a:prstDash val="solid"/>
+                </a:ln>
+                <a:solidFill>
+                  <a:schemeClr val="accent2">
+                    <a:lumMod val="40000"/>
+                    <a:lumOff val="60000"/>
+                  </a:schemeClr>
+                </a:solidFill>
+              </a:rPr>
+              <a:t>Marion/Sylvere</a:t>
+            </a:r>
+            <a:endParaRPr lang="en-US" sz="5400" b="1" cap="none" spc="0" dirty="0">
+              <a:ln w="22225">
+                <a:solidFill>
+                  <a:schemeClr val="accent2"/>
+                </a:solidFill>
+                <a:prstDash val="solid"/>
+              </a:ln>
+              <a:solidFill>
+                <a:schemeClr val="accent2">
+                  <a:lumMod val="40000"/>
+                  <a:lumOff val="60000"/>
+                </a:schemeClr>
+              </a:solidFill>
+              <a:effectLst/>
+            </a:endParaRPr>
+          </a:p>
+        </p:txBody>
+      </p:sp>
+    </p:spTree>
+    <p:extLst>
+      <p:ext uri="{BB962C8B-B14F-4D97-AF65-F5344CB8AC3E}">
+        <p14:creationId xmlns:p14="http://schemas.microsoft.com/office/powerpoint/2010/main" val="436849323"/>
+      </p:ext>
+    </p:extLst>
+  </p:cSld>
+  <p:clrMapOvr>
+    <a:masterClrMapping/>
+  </p:clrMapOvr>
+  <mc:AlternateContent xmlns:mc="http://schemas.openxmlformats.org/markup-compatibility/2006" xmlns:p14="http://schemas.microsoft.com/office/powerpoint/2010/main">
+    <mc:Choice Requires="p14">
+      <p:transition spd="med" p14:dur="700">
+        <p:fade/>
+      </p:transition>
+    </mc:Choice>
+    <mc:Fallback xmlns="">
+      <p:transition spd="med">
+        <p:fade/>
+      </p:transition>
+    </mc:Fallback>
+  </mc:AlternateContent>
 </p:sld>
 </file>
 
@@ -13313,6 +18009,12 @@
 </file>
 
 <file path=customXml/item2.xml><?xml version="1.0" encoding="utf-8"?>
+<p:properties xmlns:p="http://schemas.microsoft.com/office/2006/metadata/properties" xmlns:xsi="http://www.w3.org/2001/XMLSchema-instance" xmlns:pc="http://schemas.microsoft.com/office/infopath/2007/PartnerControls">
+  <documentManagement/>
+</p:properties>
+</file>
+
+<file path=customXml/item3.xml><?xml version="1.0" encoding="utf-8"?>
 <ct:contentTypeSchema xmlns:ct="http://schemas.microsoft.com/office/2006/metadata/contentType" xmlns:ma="http://schemas.microsoft.com/office/2006/metadata/properties/metaAttributes" ct:_="" ma:_="" ma:contentTypeName="Document" ma:contentTypeID="0x010100B928359CC7305D47809A6E4D09895B12" ma:contentTypeVersion="0" ma:contentTypeDescription="Create a new document." ma:contentTypeScope="" ma:versionID="58734b0d5d00aaa9ecfcecd44c708e1b">
   <xsd:schema xmlns:xsd="http://www.w3.org/2001/XMLSchema" xmlns:xs="http://www.w3.org/2001/XMLSchema" xmlns:p="http://schemas.microsoft.com/office/2006/metadata/properties" targetNamespace="http://schemas.microsoft.com/office/2006/metadata/properties" ma:root="true" ma:fieldsID="1b05d82d297216baf5b26c55225140df">
     <xsd:element name="properties">
@@ -13426,12 +18128,6 @@
 </ct:contentTypeSchema>
 </file>
 
-<file path=customXml/item3.xml><?xml version="1.0" encoding="utf-8"?>
-<p:properties xmlns:p="http://schemas.microsoft.com/office/2006/metadata/properties" xmlns:xsi="http://www.w3.org/2001/XMLSchema-instance" xmlns:pc="http://schemas.microsoft.com/office/infopath/2007/PartnerControls">
-  <documentManagement/>
-</p:properties>
-</file>
-
 <file path=customXml/itemProps1.xml><?xml version="1.0" encoding="utf-8"?>
 <ds:datastoreItem xmlns:ds="http://schemas.openxmlformats.org/officeDocument/2006/customXml" ds:itemID="{16D4C100-0EDD-4DD2-914D-A957225F12B9}">
   <ds:schemaRefs>
@@ -13441,6 +18137,21 @@
 </file>
 
 <file path=customXml/itemProps2.xml><?xml version="1.0" encoding="utf-8"?>
+<ds:datastoreItem xmlns:ds="http://schemas.openxmlformats.org/officeDocument/2006/customXml" ds:itemID="{C691D66D-CA73-4591-BA35-882D4C096123}">
+  <ds:schemaRefs>
+    <ds:schemaRef ds:uri="http://schemas.microsoft.com/office/infopath/2007/PartnerControls"/>
+    <ds:schemaRef ds:uri="http://purl.org/dc/elements/1.1/"/>
+    <ds:schemaRef ds:uri="http://schemas.microsoft.com/office/2006/metadata/properties"/>
+    <ds:schemaRef ds:uri="http://schemas.microsoft.com/office/2006/documentManagement/types"/>
+    <ds:schemaRef ds:uri="http://purl.org/dc/terms/"/>
+    <ds:schemaRef ds:uri="http://schemas.openxmlformats.org/package/2006/metadata/core-properties"/>
+    <ds:schemaRef ds:uri="http://purl.org/dc/dcmitype/"/>
+    <ds:schemaRef ds:uri="http://www.w3.org/XML/1998/namespace"/>
+  </ds:schemaRefs>
+</ds:datastoreItem>
+</file>
+
+<file path=customXml/itemProps3.xml><?xml version="1.0" encoding="utf-8"?>
 <ds:datastoreItem xmlns:ds="http://schemas.openxmlformats.org/officeDocument/2006/customXml" ds:itemID="{FFB024C0-3292-4B7C-9F10-F14F1C85528A}">
   <ds:schemaRefs>
     <ds:schemaRef ds:uri="http://schemas.microsoft.com/office/2006/metadata/contentType"/>
@@ -13454,19 +18165,4 @@
     <ds:schemaRef ds:uri="http://schemas.microsoft.com/office/infopath/2007/PartnerControls"/>
   </ds:schemaRefs>
 </ds:datastoreItem>
-</file>
-
-<file path=customXml/itemProps3.xml><?xml version="1.0" encoding="utf-8"?>
-<ds:datastoreItem xmlns:ds="http://schemas.openxmlformats.org/officeDocument/2006/customXml" ds:itemID="{C691D66D-CA73-4591-BA35-882D4C096123}">
-  <ds:schemaRefs>
-    <ds:schemaRef ds:uri="http://schemas.microsoft.com/office/2006/metadata/properties"/>
-    <ds:schemaRef ds:uri="http://purl.org/dc/terms/"/>
-    <ds:schemaRef ds:uri="http://schemas.openxmlformats.org/package/2006/metadata/core-properties"/>
-    <ds:schemaRef ds:uri="http://schemas.microsoft.com/office/2006/documentManagement/types"/>
-    <ds:schemaRef ds:uri="http://purl.org/dc/dcmitype/"/>
-    <ds:schemaRef ds:uri="http://schemas.microsoft.com/office/infopath/2007/PartnerControls"/>
-    <ds:schemaRef ds:uri="http://purl.org/dc/elements/1.1/"/>
-    <ds:schemaRef ds:uri="http://www.w3.org/XML/1998/namespace"/>
-  </ds:schemaRefs>
-</ds:datastoreItem>
 </file>
--- a/01 - Agile for Model-Based Standards Development/D - Presentations/PDES.Presentation.pptx
+++ b/01 - Agile for Model-Based Standards Development/D - Presentations/PDES.Presentation.pptx
@@ -2523,33 +2523,33 @@
     </dgm:pt>
   </dgm:ptLst>
   <dgm:cxnLst>
+    <dgm:cxn modelId="{A6907A7E-A55E-47FA-B1F3-964EFEF9AE25}" type="presOf" srcId="{C9F0BCF3-7371-42AB-AA4B-6CAC960428D7}" destId="{90D41594-0E97-42B3-8BF6-FCF7E952F75E}" srcOrd="0" destOrd="0" presId="urn:microsoft.com/office/officeart/2005/8/layout/hierarchy1"/>
+    <dgm:cxn modelId="{B4917B5C-AA07-4B2E-85C6-5322991C709F}" type="presOf" srcId="{1DA6A3D5-5D9C-4E83-8556-7454127E06DB}" destId="{34BBFDDB-178A-478F-8C2C-86AE73BADB9F}" srcOrd="0" destOrd="0" presId="urn:microsoft.com/office/officeart/2005/8/layout/hierarchy1"/>
+    <dgm:cxn modelId="{3DD99893-393D-4A78-86C0-5C4DDA762A87}" type="presOf" srcId="{7E3BC734-5CC2-45D1-9DAE-97017B4E8344}" destId="{B9333F26-0247-4A78-AFBE-8A54EBE51586}" srcOrd="0" destOrd="0" presId="urn:microsoft.com/office/officeart/2005/8/layout/hierarchy1"/>
+    <dgm:cxn modelId="{A90B4160-8D82-43A9-AE1C-517427354990}" type="presOf" srcId="{65DDDE58-FC51-4958-A1C4-10F689EA5102}" destId="{F6320BA3-B26E-41DC-8F77-0282D34FC7EC}" srcOrd="0" destOrd="0" presId="urn:microsoft.com/office/officeart/2005/8/layout/hierarchy1"/>
+    <dgm:cxn modelId="{33909104-FAA7-4203-A269-363540333C84}" type="presOf" srcId="{FC37E264-0664-4800-A68C-17D5E5C5E646}" destId="{891CE3A4-7004-47B7-81FE-F7D6C8EA5E1A}" srcOrd="0" destOrd="0" presId="urn:microsoft.com/office/officeart/2005/8/layout/hierarchy1"/>
+    <dgm:cxn modelId="{7F6D4BF2-1CF5-47BD-8890-F2EF11887789}" type="presOf" srcId="{2EEBE18C-76F4-40CA-9A39-CBFCBE56FAD0}" destId="{EDB533F1-19EF-42D9-A34F-D79180C4300C}" srcOrd="0" destOrd="0" presId="urn:microsoft.com/office/officeart/2005/8/layout/hierarchy1"/>
+    <dgm:cxn modelId="{4235AC4A-CC3C-405C-A14A-A6DACD976FC0}" type="presOf" srcId="{3BCC7075-410E-46A1-957C-436981906740}" destId="{2002CF55-12DA-4CAD-88B9-A69942EB0BC0}" srcOrd="0" destOrd="0" presId="urn:microsoft.com/office/officeart/2005/8/layout/hierarchy1"/>
+    <dgm:cxn modelId="{0A1E17E0-2B39-45A2-BA8F-C42B03FEB53E}" type="presOf" srcId="{2FBFD0D6-1527-44A0-873A-0E7B2C4EFDA2}" destId="{2FAC46AF-7811-4F03-AB46-E5D2016BADE2}" srcOrd="0" destOrd="0" presId="urn:microsoft.com/office/officeart/2005/8/layout/hierarchy1"/>
+    <dgm:cxn modelId="{08940164-14A9-422C-A5AD-05ABA33D241A}" srcId="{7E3BC734-5CC2-45D1-9DAE-97017B4E8344}" destId="{DEE30799-3154-459A-A33E-58660FADB428}" srcOrd="2" destOrd="0" parTransId="{D39D5272-DFDE-4972-BB90-0225CC151F1E}" sibTransId="{73051EBE-22F1-47E7-B943-C96C26718053}"/>
+    <dgm:cxn modelId="{A6E0C19E-C8FA-4551-B991-546E41F16AAD}" type="presOf" srcId="{CB2B0350-1136-4B68-A15A-E9553E030FCE}" destId="{E442DBE6-C1E3-4DD7-892C-B7DEE89C2236}" srcOrd="0" destOrd="0" presId="urn:microsoft.com/office/officeart/2005/8/layout/hierarchy1"/>
+    <dgm:cxn modelId="{4D59888D-8A9A-4D4A-B754-C92A87B3D5F7}" srcId="{65DDDE58-FC51-4958-A1C4-10F689EA5102}" destId="{CB2B0350-1136-4B68-A15A-E9553E030FCE}" srcOrd="0" destOrd="0" parTransId="{72AECD28-A57F-48A2-BB86-1CE4F688B74A}" sibTransId="{27C6A7EB-DD3A-4E2D-BE7A-4720F4971602}"/>
+    <dgm:cxn modelId="{E91DE3CB-E307-4E87-BA44-C098183B8FB5}" type="presOf" srcId="{53041CDD-C0A0-4966-89B8-D24A7CE79CEB}" destId="{A77715FD-0F18-4FC2-9BCB-F5F1DF47F330}" srcOrd="0" destOrd="0" presId="urn:microsoft.com/office/officeart/2005/8/layout/hierarchy1"/>
+    <dgm:cxn modelId="{689D012A-8F3B-4B59-AD3D-07C1B75A03F9}" type="presOf" srcId="{72AECD28-A57F-48A2-BB86-1CE4F688B74A}" destId="{AC339D72-C85E-485E-8BD2-9C34192AA842}" srcOrd="0" destOrd="0" presId="urn:microsoft.com/office/officeart/2005/8/layout/hierarchy1"/>
+    <dgm:cxn modelId="{D6CC1703-08A1-420C-A0D4-E5562B6B343A}" type="presOf" srcId="{6793C9E3-6CC0-44A9-B9A4-ED7CE453EE53}" destId="{955F3E12-743F-4409-BA61-CF7EF6DAC3AC}" srcOrd="0" destOrd="0" presId="urn:microsoft.com/office/officeart/2005/8/layout/hierarchy1"/>
     <dgm:cxn modelId="{34741218-10D5-49FF-BBA5-C6C1105696C3}" type="presOf" srcId="{8EF9896D-6849-4641-A7B9-C38F2841686F}" destId="{37249595-215E-4F29-9BF5-C73C3224EDAD}" srcOrd="0" destOrd="0" presId="urn:microsoft.com/office/officeart/2005/8/layout/hierarchy1"/>
+    <dgm:cxn modelId="{EEC7F682-A43D-46F0-A0FC-1045C569BE00}" srcId="{7561AD79-FA45-4AB3-BC88-014F91DA7F6B}" destId="{2EEBE18C-76F4-40CA-9A39-CBFCBE56FAD0}" srcOrd="0" destOrd="0" parTransId="{C9F0BCF3-7371-42AB-AA4B-6CAC960428D7}" sibTransId="{861F2ABB-075B-42D7-A57E-44C31E5D0C1D}"/>
     <dgm:cxn modelId="{A429C025-BC54-45ED-B64E-B1F02528CF6F}" srcId="{DEE30799-3154-459A-A33E-58660FADB428}" destId="{2FBFD0D6-1527-44A0-873A-0E7B2C4EFDA2}" srcOrd="0" destOrd="0" parTransId="{6793C9E3-6CC0-44A9-B9A4-ED7CE453EE53}" sibTransId="{8284448E-C6CB-4872-BED7-E87B1F667CC1}"/>
-    <dgm:cxn modelId="{4235AC4A-CC3C-405C-A14A-A6DACD976FC0}" type="presOf" srcId="{3BCC7075-410E-46A1-957C-436981906740}" destId="{2002CF55-12DA-4CAD-88B9-A69942EB0BC0}" srcOrd="0" destOrd="0" presId="urn:microsoft.com/office/officeart/2005/8/layout/hierarchy1"/>
-    <dgm:cxn modelId="{D6CC1703-08A1-420C-A0D4-E5562B6B343A}" type="presOf" srcId="{6793C9E3-6CC0-44A9-B9A4-ED7CE453EE53}" destId="{955F3E12-743F-4409-BA61-CF7EF6DAC3AC}" srcOrd="0" destOrd="0" presId="urn:microsoft.com/office/officeart/2005/8/layout/hierarchy1"/>
-    <dgm:cxn modelId="{DD420A22-E26D-41E6-AECF-0782590B53B2}" type="presOf" srcId="{D39D5272-DFDE-4972-BB90-0225CC151F1E}" destId="{CE7FD837-61FA-4D43-AD05-53188E2B589F}" srcOrd="0" destOrd="0" presId="urn:microsoft.com/office/officeart/2005/8/layout/hierarchy1"/>
-    <dgm:cxn modelId="{A90B4160-8D82-43A9-AE1C-517427354990}" type="presOf" srcId="{65DDDE58-FC51-4958-A1C4-10F689EA5102}" destId="{F6320BA3-B26E-41DC-8F77-0282D34FC7EC}" srcOrd="0" destOrd="0" presId="urn:microsoft.com/office/officeart/2005/8/layout/hierarchy1"/>
-    <dgm:cxn modelId="{A6907A7E-A55E-47FA-B1F3-964EFEF9AE25}" type="presOf" srcId="{C9F0BCF3-7371-42AB-AA4B-6CAC960428D7}" destId="{90D41594-0E97-42B3-8BF6-FCF7E952F75E}" srcOrd="0" destOrd="0" presId="urn:microsoft.com/office/officeart/2005/8/layout/hierarchy1"/>
-    <dgm:cxn modelId="{4724D504-275D-418A-8968-874C6321DC00}" type="presOf" srcId="{7561AD79-FA45-4AB3-BC88-014F91DA7F6B}" destId="{B2189546-A8BC-4DC1-87D3-0133FD61C8D2}" srcOrd="0" destOrd="0" presId="urn:microsoft.com/office/officeart/2005/8/layout/hierarchy1"/>
-    <dgm:cxn modelId="{A6E0C19E-C8FA-4551-B991-546E41F16AAD}" type="presOf" srcId="{CB2B0350-1136-4B68-A15A-E9553E030FCE}" destId="{E442DBE6-C1E3-4DD7-892C-B7DEE89C2236}" srcOrd="0" destOrd="0" presId="urn:microsoft.com/office/officeart/2005/8/layout/hierarchy1"/>
-    <dgm:cxn modelId="{EEC7F682-A43D-46F0-A0FC-1045C569BE00}" srcId="{7561AD79-FA45-4AB3-BC88-014F91DA7F6B}" destId="{2EEBE18C-76F4-40CA-9A39-CBFCBE56FAD0}" srcOrd="0" destOrd="0" parTransId="{C9F0BCF3-7371-42AB-AA4B-6CAC960428D7}" sibTransId="{861F2ABB-075B-42D7-A57E-44C31E5D0C1D}"/>
-    <dgm:cxn modelId="{ACEEE512-9B45-44E5-ADBB-B1E02FEE8397}" type="presOf" srcId="{DEE30799-3154-459A-A33E-58660FADB428}" destId="{ADCFEE8E-215D-40D0-8330-FF4F29094455}" srcOrd="0" destOrd="0" presId="urn:microsoft.com/office/officeart/2005/8/layout/hierarchy1"/>
-    <dgm:cxn modelId="{08940164-14A9-422C-A5AD-05ABA33D241A}" srcId="{7E3BC734-5CC2-45D1-9DAE-97017B4E8344}" destId="{DEE30799-3154-459A-A33E-58660FADB428}" srcOrd="2" destOrd="0" parTransId="{D39D5272-DFDE-4972-BB90-0225CC151F1E}" sibTransId="{73051EBE-22F1-47E7-B943-C96C26718053}"/>
     <dgm:cxn modelId="{0FA8D5E5-1640-478E-8080-A501BBC47067}" srcId="{53041CDD-C0A0-4966-89B8-D24A7CE79CEB}" destId="{7561AD79-FA45-4AB3-BC88-014F91DA7F6B}" srcOrd="0" destOrd="0" parTransId="{FC37E264-0664-4800-A68C-17D5E5C5E646}" sibTransId="{9921F63A-788E-4A9E-B215-B98A15496BF0}"/>
-    <dgm:cxn modelId="{3DD99893-393D-4A78-86C0-5C4DDA762A87}" type="presOf" srcId="{7E3BC734-5CC2-45D1-9DAE-97017B4E8344}" destId="{B9333F26-0247-4A78-AFBE-8A54EBE51586}" srcOrd="0" destOrd="0" presId="urn:microsoft.com/office/officeart/2005/8/layout/hierarchy1"/>
-    <dgm:cxn modelId="{4D59888D-8A9A-4D4A-B754-C92A87B3D5F7}" srcId="{65DDDE58-FC51-4958-A1C4-10F689EA5102}" destId="{CB2B0350-1136-4B68-A15A-E9553E030FCE}" srcOrd="0" destOrd="0" parTransId="{72AECD28-A57F-48A2-BB86-1CE4F688B74A}" sibTransId="{27C6A7EB-DD3A-4E2D-BE7A-4720F4971602}"/>
-    <dgm:cxn modelId="{B4917B5C-AA07-4B2E-85C6-5322991C709F}" type="presOf" srcId="{1DA6A3D5-5D9C-4E83-8556-7454127E06DB}" destId="{34BBFDDB-178A-478F-8C2C-86AE73BADB9F}" srcOrd="0" destOrd="0" presId="urn:microsoft.com/office/officeart/2005/8/layout/hierarchy1"/>
-    <dgm:cxn modelId="{A034DC19-E1B6-4C14-9383-049FFF47962E}" srcId="{7E3BC734-5CC2-45D1-9DAE-97017B4E8344}" destId="{53041CDD-C0A0-4966-89B8-D24A7CE79CEB}" srcOrd="0" destOrd="0" parTransId="{3BCC7075-410E-46A1-957C-436981906740}" sibTransId="{B395BCD7-9EFE-47E9-9DBF-C519B94DEE8A}"/>
-    <dgm:cxn modelId="{A1A0B68C-E3FA-4D3A-9E7F-B776E5B0946E}" srcId="{7E3BC734-5CC2-45D1-9DAE-97017B4E8344}" destId="{8EF9896D-6849-4641-A7B9-C38F2841686F}" srcOrd="1" destOrd="0" parTransId="{87377AC6-182B-43B6-8BF2-A385508E382F}" sibTransId="{72677875-4EEF-466D-ABE3-D48026C20C35}"/>
     <dgm:cxn modelId="{D18155BC-41E6-4790-8675-593608575B97}" type="presOf" srcId="{F04020B0-8553-415B-9C61-A451FD4ABE26}" destId="{4515E9F4-D146-4A88-A761-284FCFC69ECF}" srcOrd="0" destOrd="0" presId="urn:microsoft.com/office/officeart/2005/8/layout/hierarchy1"/>
-    <dgm:cxn modelId="{2C837C27-1364-4EEA-9664-892D0CA866C2}" type="presOf" srcId="{87377AC6-182B-43B6-8BF2-A385508E382F}" destId="{3D74E8F0-9F38-4135-93A1-F1D60BBB19E0}" srcOrd="0" destOrd="0" presId="urn:microsoft.com/office/officeart/2005/8/layout/hierarchy1"/>
-    <dgm:cxn modelId="{0A1E17E0-2B39-45A2-BA8F-C42B03FEB53E}" type="presOf" srcId="{2FBFD0D6-1527-44A0-873A-0E7B2C4EFDA2}" destId="{2FAC46AF-7811-4F03-AB46-E5D2016BADE2}" srcOrd="0" destOrd="0" presId="urn:microsoft.com/office/officeart/2005/8/layout/hierarchy1"/>
-    <dgm:cxn modelId="{689D012A-8F3B-4B59-AD3D-07C1B75A03F9}" type="presOf" srcId="{72AECD28-A57F-48A2-BB86-1CE4F688B74A}" destId="{AC339D72-C85E-485E-8BD2-9C34192AA842}" srcOrd="0" destOrd="0" presId="urn:microsoft.com/office/officeart/2005/8/layout/hierarchy1"/>
-    <dgm:cxn modelId="{7F6D4BF2-1CF5-47BD-8890-F2EF11887789}" type="presOf" srcId="{2EEBE18C-76F4-40CA-9A39-CBFCBE56FAD0}" destId="{EDB533F1-19EF-42D9-A34F-D79180C4300C}" srcOrd="0" destOrd="0" presId="urn:microsoft.com/office/officeart/2005/8/layout/hierarchy1"/>
-    <dgm:cxn modelId="{33909104-FAA7-4203-A269-363540333C84}" type="presOf" srcId="{FC37E264-0664-4800-A68C-17D5E5C5E646}" destId="{891CE3A4-7004-47B7-81FE-F7D6C8EA5E1A}" srcOrd="0" destOrd="0" presId="urn:microsoft.com/office/officeart/2005/8/layout/hierarchy1"/>
-    <dgm:cxn modelId="{E91DE3CB-E307-4E87-BA44-C098183B8FB5}" type="presOf" srcId="{53041CDD-C0A0-4966-89B8-D24A7CE79CEB}" destId="{A77715FD-0F18-4FC2-9BCB-F5F1DF47F330}" srcOrd="0" destOrd="0" presId="urn:microsoft.com/office/officeart/2005/8/layout/hierarchy1"/>
     <dgm:cxn modelId="{FE4FBB48-8BCE-4B41-990F-4023E56F7698}" srcId="{8EF9896D-6849-4641-A7B9-C38F2841686F}" destId="{65DDDE58-FC51-4958-A1C4-10F689EA5102}" srcOrd="0" destOrd="0" parTransId="{F04020B0-8553-415B-9C61-A451FD4ABE26}" sibTransId="{A69E6302-9B3B-43D2-A647-76B9A2FCEAD6}"/>
     <dgm:cxn modelId="{17AD2774-6657-4362-9C06-C0CE2E5F3E3D}" srcId="{1DA6A3D5-5D9C-4E83-8556-7454127E06DB}" destId="{7E3BC734-5CC2-45D1-9DAE-97017B4E8344}" srcOrd="0" destOrd="0" parTransId="{10877CDC-6570-4F32-B7EC-50D7075F259F}" sibTransId="{58CB7E8D-6120-4EBE-9F32-0DD73D16D490}"/>
+    <dgm:cxn modelId="{ACEEE512-9B45-44E5-ADBB-B1E02FEE8397}" type="presOf" srcId="{DEE30799-3154-459A-A33E-58660FADB428}" destId="{ADCFEE8E-215D-40D0-8330-FF4F29094455}" srcOrd="0" destOrd="0" presId="urn:microsoft.com/office/officeart/2005/8/layout/hierarchy1"/>
+    <dgm:cxn modelId="{A034DC19-E1B6-4C14-9383-049FFF47962E}" srcId="{7E3BC734-5CC2-45D1-9DAE-97017B4E8344}" destId="{53041CDD-C0A0-4966-89B8-D24A7CE79CEB}" srcOrd="0" destOrd="0" parTransId="{3BCC7075-410E-46A1-957C-436981906740}" sibTransId="{B395BCD7-9EFE-47E9-9DBF-C519B94DEE8A}"/>
+    <dgm:cxn modelId="{2C837C27-1364-4EEA-9664-892D0CA866C2}" type="presOf" srcId="{87377AC6-182B-43B6-8BF2-A385508E382F}" destId="{3D74E8F0-9F38-4135-93A1-F1D60BBB19E0}" srcOrd="0" destOrd="0" presId="urn:microsoft.com/office/officeart/2005/8/layout/hierarchy1"/>
+    <dgm:cxn modelId="{4724D504-275D-418A-8968-874C6321DC00}" type="presOf" srcId="{7561AD79-FA45-4AB3-BC88-014F91DA7F6B}" destId="{B2189546-A8BC-4DC1-87D3-0133FD61C8D2}" srcOrd="0" destOrd="0" presId="urn:microsoft.com/office/officeart/2005/8/layout/hierarchy1"/>
+    <dgm:cxn modelId="{A1A0B68C-E3FA-4D3A-9E7F-B776E5B0946E}" srcId="{7E3BC734-5CC2-45D1-9DAE-97017B4E8344}" destId="{8EF9896D-6849-4641-A7B9-C38F2841686F}" srcOrd="1" destOrd="0" parTransId="{87377AC6-182B-43B6-8BF2-A385508E382F}" sibTransId="{72677875-4EEF-466D-ABE3-D48026C20C35}"/>
+    <dgm:cxn modelId="{DD420A22-E26D-41E6-AECF-0782590B53B2}" type="presOf" srcId="{D39D5272-DFDE-4972-BB90-0225CC151F1E}" destId="{CE7FD837-61FA-4D43-AD05-53188E2B589F}" srcOrd="0" destOrd="0" presId="urn:microsoft.com/office/officeart/2005/8/layout/hierarchy1"/>
     <dgm:cxn modelId="{028F736F-FB6C-4664-9989-783A4EC5E9D3}" type="presParOf" srcId="{34BBFDDB-178A-478F-8C2C-86AE73BADB9F}" destId="{2E8763B1-202C-41BE-BEA5-EC11C4AA3123}" srcOrd="0" destOrd="0" presId="urn:microsoft.com/office/officeart/2005/8/layout/hierarchy1"/>
     <dgm:cxn modelId="{29AFDB10-3A07-42F9-8F3D-DDCDD2D3A77F}" type="presParOf" srcId="{2E8763B1-202C-41BE-BEA5-EC11C4AA3123}" destId="{3934D702-C6B6-4FCA-98DA-3B2AD85A29D0}" srcOrd="0" destOrd="0" presId="urn:microsoft.com/office/officeart/2005/8/layout/hierarchy1"/>
     <dgm:cxn modelId="{EC1E2327-6BDB-496D-A769-22C324364D73}" type="presParOf" srcId="{3934D702-C6B6-4FCA-98DA-3B2AD85A29D0}" destId="{FC7A4125-0503-48A8-9DC6-A2BF6D3F8429}" srcOrd="0" destOrd="0" presId="urn:microsoft.com/office/officeart/2005/8/layout/hierarchy1"/>
@@ -3032,8 +3032,8 @@
     <dgm:cxn modelId="{51B02C4B-4786-4690-A610-87B12937DB42}" type="presOf" srcId="{92B4914A-9A21-4029-AAB0-86491DBD2B99}" destId="{C13CE1D4-A293-46C3-9833-3BACA356438D}" srcOrd="0" destOrd="0" presId="urn:microsoft.com/office/officeart/2005/8/layout/hierarchy1"/>
     <dgm:cxn modelId="{633376E1-DBC4-4918-91CB-C9B3104F73E5}" srcId="{92B4914A-9A21-4029-AAB0-86491DBD2B99}" destId="{3F750F3F-1DB2-430A-8106-B351F85706C8}" srcOrd="3" destOrd="0" parTransId="{72B78277-99EE-4250-AAF5-7DABCCCCB885}" sibTransId="{A0173C50-389C-4268-A091-4467865E0ED8}"/>
     <dgm:cxn modelId="{33C04AE2-3CE7-452F-9564-C1DADF5737B6}" type="presOf" srcId="{8BBFDE87-B888-4B2E-8FCD-98C31FE1441E}" destId="{ADABFE7A-5C54-4787-B30F-CFC9B6FCCE40}" srcOrd="0" destOrd="0" presId="urn:microsoft.com/office/officeart/2005/8/layout/hierarchy1"/>
+    <dgm:cxn modelId="{77081F86-4D90-4F7A-B382-2981996419E3}" type="presOf" srcId="{2651679B-D449-45FE-9BC7-42C535DADE2F}" destId="{A1DAF81C-3ECD-4CF1-86B6-9E85F067F8EE}" srcOrd="0" destOrd="0" presId="urn:microsoft.com/office/officeart/2005/8/layout/hierarchy1"/>
     <dgm:cxn modelId="{91915B56-5144-4486-B192-02192DB64D02}" srcId="{92B4914A-9A21-4029-AAB0-86491DBD2B99}" destId="{D0E3A328-E6C7-47FC-9425-DFDC43106D4D}" srcOrd="2" destOrd="0" parTransId="{2651679B-D449-45FE-9BC7-42C535DADE2F}" sibTransId="{E9585694-EE42-4475-88B7-716EC43ADA70}"/>
-    <dgm:cxn modelId="{77081F86-4D90-4F7A-B382-2981996419E3}" type="presOf" srcId="{2651679B-D449-45FE-9BC7-42C535DADE2F}" destId="{A1DAF81C-3ECD-4CF1-86B6-9E85F067F8EE}" srcOrd="0" destOrd="0" presId="urn:microsoft.com/office/officeart/2005/8/layout/hierarchy1"/>
     <dgm:cxn modelId="{C17C1C81-C090-4C68-B91D-A71A9175F2C2}" srcId="{92B4914A-9A21-4029-AAB0-86491DBD2B99}" destId="{84EFD6CC-7712-44F3-A61E-5593A43C9C47}" srcOrd="1" destOrd="0" parTransId="{F2C34D9E-A478-407A-B298-C5B33AA4B127}" sibTransId="{67308DD2-EE4B-46E3-A41C-CF357DCEBDC1}"/>
     <dgm:cxn modelId="{1A3EFF65-6B0A-402B-AB34-1FC63F49ABEE}" type="presOf" srcId="{1DA6A3D5-5D9C-4E83-8556-7454127E06DB}" destId="{34BBFDDB-178A-478F-8C2C-86AE73BADB9F}" srcOrd="0" destOrd="0" presId="urn:microsoft.com/office/officeart/2005/8/layout/hierarchy1"/>
     <dgm:cxn modelId="{DB87014A-F033-4AE9-A779-FCD9616A2F9C}" srcId="{1DA6A3D5-5D9C-4E83-8556-7454127E06DB}" destId="{92B4914A-9A21-4029-AAB0-86491DBD2B99}" srcOrd="0" destOrd="0" parTransId="{27FA8F7E-2561-449A-A894-CB055ED5F397}" sibTransId="{5D7201F9-7A65-44D4-A05E-47E6C5105EE4}"/>
@@ -19016,7 +19016,7 @@
           <a:graphicData uri="http://schemas.openxmlformats.org/presentationml/2006/ole">
             <mc:AlternateContent xmlns:mc="http://schemas.openxmlformats.org/markup-compatibility/2006">
               <mc:Choice xmlns:v="urn:schemas-microsoft-com:vml" Requires="v">
-                <p:oleObj spid="_x0000_s2057" name="Visio" r:id="rId3" imgW="5467350" imgH="3819396" progId="Visio.Drawing.15">
+                <p:oleObj spid="_x0000_s2060" name="Visio" r:id="rId3" imgW="5467350" imgH="3819396" progId="Visio.Drawing.15">
                   <p:embed/>
                 </p:oleObj>
               </mc:Choice>
@@ -19061,6 +19061,65 @@
           </a:graphicData>
         </a:graphic>
       </p:graphicFrame>
+      <p:sp>
+        <p:nvSpPr>
+          <p:cNvPr id="7" name="Rectangle 6"/>
+          <p:cNvSpPr/>
+          <p:nvPr/>
+        </p:nvSpPr>
+        <p:spPr>
+          <a:xfrm>
+            <a:off x="10849996" y="-80420"/>
+            <a:ext cx="1338829" cy="923330"/>
+          </a:xfrm>
+          <a:prstGeom prst="rect">
+            <a:avLst/>
+          </a:prstGeom>
+          <a:noFill/>
+        </p:spPr>
+        <p:txBody>
+          <a:bodyPr wrap="none" lIns="91440" tIns="45720" rIns="91440" bIns="45720">
+            <a:spAutoFit/>
+          </a:bodyPr>
+          <a:lstStyle/>
+          <a:p>
+            <a:pPr algn="ctr"/>
+            <a:r>
+              <a:rPr lang="en-US" sz="5400" b="1" cap="none" spc="0" dirty="0" smtClean="0">
+                <a:ln w="22225">
+                  <a:solidFill>
+                    <a:schemeClr val="accent2"/>
+                  </a:solidFill>
+                  <a:prstDash val="solid"/>
+                </a:ln>
+                <a:solidFill>
+                  <a:schemeClr val="accent2">
+                    <a:lumMod val="40000"/>
+                    <a:lumOff val="60000"/>
+                  </a:schemeClr>
+                </a:solidFill>
+                <a:effectLst/>
+              </a:rPr>
+              <a:t>Mel</a:t>
+            </a:r>
+            <a:endParaRPr lang="en-US" sz="5400" b="1" cap="none" spc="0" dirty="0">
+              <a:ln w="22225">
+                <a:solidFill>
+                  <a:schemeClr val="accent2"/>
+                </a:solidFill>
+                <a:prstDash val="solid"/>
+              </a:ln>
+              <a:solidFill>
+                <a:schemeClr val="accent2">
+                  <a:lumMod val="40000"/>
+                  <a:lumOff val="60000"/>
+                </a:schemeClr>
+              </a:solidFill>
+              <a:effectLst/>
+            </a:endParaRPr>
+          </a:p>
+        </p:txBody>
+      </p:sp>
     </p:spTree>
     <p:extLst>
       <p:ext uri="{BB962C8B-B14F-4D97-AF65-F5344CB8AC3E}">
@@ -20517,6 +20576,65 @@
           </a:p>
         </p:txBody>
       </p:sp>
+      <p:sp>
+        <p:nvSpPr>
+          <p:cNvPr id="12" name="Rectangle 11"/>
+          <p:cNvSpPr/>
+          <p:nvPr/>
+        </p:nvSpPr>
+        <p:spPr>
+          <a:xfrm>
+            <a:off x="10849996" y="-80420"/>
+            <a:ext cx="1338829" cy="923330"/>
+          </a:xfrm>
+          <a:prstGeom prst="rect">
+            <a:avLst/>
+          </a:prstGeom>
+          <a:noFill/>
+        </p:spPr>
+        <p:txBody>
+          <a:bodyPr wrap="none" lIns="91440" tIns="45720" rIns="91440" bIns="45720">
+            <a:spAutoFit/>
+          </a:bodyPr>
+          <a:lstStyle/>
+          <a:p>
+            <a:pPr algn="ctr"/>
+            <a:r>
+              <a:rPr lang="en-US" sz="5400" b="1" cap="none" spc="0" dirty="0" smtClean="0">
+                <a:ln w="22225">
+                  <a:solidFill>
+                    <a:schemeClr val="accent2"/>
+                  </a:solidFill>
+                  <a:prstDash val="solid"/>
+                </a:ln>
+                <a:solidFill>
+                  <a:schemeClr val="accent2">
+                    <a:lumMod val="40000"/>
+                    <a:lumOff val="60000"/>
+                  </a:schemeClr>
+                </a:solidFill>
+                <a:effectLst/>
+              </a:rPr>
+              <a:t>Mel</a:t>
+            </a:r>
+            <a:endParaRPr lang="en-US" sz="5400" b="1" cap="none" spc="0" dirty="0">
+              <a:ln w="22225">
+                <a:solidFill>
+                  <a:schemeClr val="accent2"/>
+                </a:solidFill>
+                <a:prstDash val="solid"/>
+              </a:ln>
+              <a:solidFill>
+                <a:schemeClr val="accent2">
+                  <a:lumMod val="40000"/>
+                  <a:lumOff val="60000"/>
+                </a:schemeClr>
+              </a:solidFill>
+              <a:effectLst/>
+            </a:endParaRPr>
+          </a:p>
+        </p:txBody>
+      </p:sp>
     </p:spTree>
     <p:extLst>
       <p:ext uri="{BB962C8B-B14F-4D97-AF65-F5344CB8AC3E}">
@@ -21639,6 +21757,65 @@
           </a:p>
         </p:txBody>
       </p:sp>
+      <p:sp>
+        <p:nvSpPr>
+          <p:cNvPr id="11" name="Rectangle 10"/>
+          <p:cNvSpPr/>
+          <p:nvPr/>
+        </p:nvSpPr>
+        <p:spPr>
+          <a:xfrm>
+            <a:off x="10849996" y="-80420"/>
+            <a:ext cx="1338829" cy="923330"/>
+          </a:xfrm>
+          <a:prstGeom prst="rect">
+            <a:avLst/>
+          </a:prstGeom>
+          <a:noFill/>
+        </p:spPr>
+        <p:txBody>
+          <a:bodyPr wrap="none" lIns="91440" tIns="45720" rIns="91440" bIns="45720">
+            <a:spAutoFit/>
+          </a:bodyPr>
+          <a:lstStyle/>
+          <a:p>
+            <a:pPr algn="ctr"/>
+            <a:r>
+              <a:rPr lang="en-US" sz="5400" b="1" cap="none" spc="0" dirty="0" smtClean="0">
+                <a:ln w="22225">
+                  <a:solidFill>
+                    <a:schemeClr val="accent2"/>
+                  </a:solidFill>
+                  <a:prstDash val="solid"/>
+                </a:ln>
+                <a:solidFill>
+                  <a:schemeClr val="accent2">
+                    <a:lumMod val="40000"/>
+                    <a:lumOff val="60000"/>
+                  </a:schemeClr>
+                </a:solidFill>
+                <a:effectLst/>
+              </a:rPr>
+              <a:t>Mel</a:t>
+            </a:r>
+            <a:endParaRPr lang="en-US" sz="5400" b="1" cap="none" spc="0" dirty="0">
+              <a:ln w="22225">
+                <a:solidFill>
+                  <a:schemeClr val="accent2"/>
+                </a:solidFill>
+                <a:prstDash val="solid"/>
+              </a:ln>
+              <a:solidFill>
+                <a:schemeClr val="accent2">
+                  <a:lumMod val="40000"/>
+                  <a:lumOff val="60000"/>
+                </a:schemeClr>
+              </a:solidFill>
+              <a:effectLst/>
+            </a:endParaRPr>
+          </a:p>
+        </p:txBody>
+      </p:sp>
     </p:spTree>
     <p:extLst>
       <p:ext uri="{BB962C8B-B14F-4D97-AF65-F5344CB8AC3E}">
@@ -21703,15 +21880,7 @@
           <a:p>
             <a:r>
               <a:rPr lang="en-GB" sz="3200" dirty="0" smtClean="0"/>
-              <a:t>Proposed Solution </a:t>
-            </a:r>
-            <a:r>
-              <a:rPr lang="en-GB" sz="3200" dirty="0" smtClean="0"/>
-              <a:t>1: </a:t>
-            </a:r>
-            <a:r>
-              <a:rPr lang="en-GB" sz="3200" dirty="0" smtClean="0"/>
-              <a:t>Backlog Management</a:t>
+              <a:t>Proposed Solution 1: Backlog Management</a:t>
             </a:r>
             <a:endParaRPr lang="en-GB" sz="3200" dirty="0"/>
           </a:p>
@@ -22152,7 +22321,7 @@
         <p:spPr bwMode="auto">
           <a:xfrm>
             <a:off x="405383" y="1770888"/>
-            <a:ext cx="5248657" cy="1384995"/>
+            <a:ext cx="5248657" cy="1052596"/>
           </a:xfrm>
           <a:prstGeom prst="rect">
             <a:avLst/>
@@ -22394,35 +22563,34 @@
             </a:r>
           </a:p>
           <a:p>
-            <a:pPr marL="342900" indent="-342900">
-              <a:buFont typeface="Arial" panose="020B0604020202020204" pitchFamily="34" charset="0"/>
-              <a:buChar char="•"/>
-            </a:pPr>
+            <a:pPr marL="631825" lvl="1" indent="-342900"/>
             <a:r>
-              <a:rPr lang="en-US" b="0" kern="0" dirty="0" smtClean="0"/>
-              <a:t>All issues are a bug</a:t>
+              <a:rPr lang="en-US" sz="1400" b="0" kern="0" dirty="0" smtClean="0"/>
+              <a:t>All </a:t>
+            </a:r>
+            <a:r>
+              <a:rPr lang="en-US" sz="1400" b="0" kern="0" dirty="0" smtClean="0"/>
+              <a:t>new items </a:t>
+            </a:r>
+            <a:r>
+              <a:rPr lang="en-US" sz="1400" b="0" kern="0" dirty="0" smtClean="0"/>
+              <a:t>are a bug</a:t>
             </a:r>
           </a:p>
           <a:p>
-            <a:pPr marL="342900" indent="-342900">
-              <a:buFont typeface="Arial" panose="020B0604020202020204" pitchFamily="34" charset="0"/>
-              <a:buChar char="•"/>
-            </a:pPr>
+            <a:pPr marL="631825" lvl="1" indent="-342900"/>
             <a:r>
-              <a:rPr lang="en-US" b="0" kern="0" dirty="0" smtClean="0"/>
+              <a:rPr lang="en-US" sz="1400" b="0" kern="0" dirty="0" smtClean="0"/>
               <a:t>Bulk milestone assignment</a:t>
             </a:r>
           </a:p>
           <a:p>
-            <a:pPr marL="342900" indent="-342900">
-              <a:buFont typeface="Arial" panose="020B0604020202020204" pitchFamily="34" charset="0"/>
-              <a:buChar char="•"/>
-            </a:pPr>
+            <a:pPr marL="631825" lvl="1" indent="-342900"/>
             <a:r>
-              <a:rPr lang="en-US" b="0" kern="0" dirty="0" smtClean="0"/>
+              <a:rPr lang="en-US" sz="1400" b="0" kern="0" dirty="0" smtClean="0"/>
               <a:t>Assessment performed during project</a:t>
             </a:r>
-            <a:endParaRPr lang="en-US" b="0" kern="0" dirty="0"/>
+            <a:endParaRPr lang="en-US" sz="1400" b="0" kern="0" dirty="0"/>
           </a:p>
         </p:txBody>
       </p:sp>
@@ -22437,7 +22605,7 @@
         <p:spPr bwMode="auto">
           <a:xfrm>
             <a:off x="6409943" y="1770888"/>
-            <a:ext cx="5248657" cy="3970318"/>
+            <a:ext cx="5248657" cy="2585323"/>
           </a:xfrm>
           <a:prstGeom prst="rect">
             <a:avLst/>
@@ -22679,43 +22847,34 @@
             </a:r>
           </a:p>
           <a:p>
-            <a:pPr marL="342900" indent="-342900">
-              <a:buFont typeface="Arial" panose="020B0604020202020204" pitchFamily="34" charset="0"/>
-              <a:buChar char="•"/>
-            </a:pPr>
+            <a:pPr marL="631825" lvl="1" indent="-342900"/>
             <a:r>
-              <a:rPr lang="en-US" b="0" kern="0" dirty="0" smtClean="0"/>
+              <a:rPr lang="en-US" sz="1400" b="0" kern="0" dirty="0" smtClean="0"/>
               <a:t>New items assigned as (fig below)</a:t>
-            </a:r>
-          </a:p>
-          <a:p>
-            <a:pPr marL="342900" indent="-342900">
-              <a:buFont typeface="Arial" panose="020B0604020202020204" pitchFamily="34" charset="0"/>
-              <a:buChar char="•"/>
-            </a:pPr>
-            <a:r>
-              <a:rPr lang="en-US" b="0" kern="0" dirty="0" smtClean="0"/>
-              <a:t>Establish/maintain priority ranking</a:t>
-            </a:r>
-          </a:p>
-          <a:p>
-            <a:pPr marL="342900" indent="-342900">
-              <a:buFont typeface="Arial" panose="020B0604020202020204" pitchFamily="34" charset="0"/>
-              <a:buChar char="•"/>
-            </a:pPr>
-            <a:r>
-              <a:rPr lang="en-US" b="0" kern="0" dirty="0" smtClean="0"/>
-              <a:t>Assign product owner/manager role</a:t>
             </a:r>
           </a:p>
           <a:p>
             <a:pPr marL="631825" lvl="1" indent="-342900"/>
             <a:r>
-              <a:rPr lang="en-US" dirty="0"/>
+              <a:rPr lang="en-US" sz="1400" b="0" kern="0" dirty="0" smtClean="0"/>
+              <a:t>Establish/maintain priority ranking</a:t>
+            </a:r>
+          </a:p>
+          <a:p>
+            <a:pPr marL="631825" lvl="1" indent="-342900"/>
+            <a:r>
+              <a:rPr lang="en-US" sz="1400" b="0" kern="0" dirty="0" smtClean="0"/>
+              <a:t>Assign product owner/manager role</a:t>
+            </a:r>
+          </a:p>
+          <a:p>
+            <a:pPr marL="850900" lvl="2" indent="-342900"/>
+            <a:r>
+              <a:rPr lang="en-US" sz="1200" dirty="0"/>
               <a:t>actively manages the backlog by reprioritizing, adjusting, grooming and adding to the </a:t>
             </a:r>
             <a:r>
-              <a:rPr lang="en-US" dirty="0" smtClean="0"/>
+              <a:rPr lang="en-US" sz="1200" dirty="0" smtClean="0"/>
               <a:t>backlog</a:t>
             </a:r>
           </a:p>
@@ -22729,18 +22888,18 @@
           <a:p>
             <a:pPr marL="631825" lvl="1" indent="-342900"/>
             <a:r>
-              <a:rPr lang="en-US" dirty="0"/>
+              <a:rPr lang="en-US" sz="1400" dirty="0"/>
               <a:t>prevent the backlog from getting too big or out of date. </a:t>
             </a:r>
-            <a:endParaRPr lang="en-US" b="0" kern="0" dirty="0" smtClean="0"/>
+            <a:endParaRPr lang="en-US" sz="1400" b="0" kern="0" dirty="0" smtClean="0"/>
           </a:p>
           <a:p>
             <a:pPr marL="631825" lvl="1" indent="-342900"/>
             <a:r>
-              <a:rPr lang="en-US" dirty="0"/>
+              <a:rPr lang="en-US" sz="1400" dirty="0"/>
               <a:t>It will also provide reliable work that is ready for the team to assign to a sprint</a:t>
             </a:r>
-            <a:endParaRPr lang="en-US" b="0" kern="0" dirty="0" smtClean="0"/>
+            <a:endParaRPr lang="en-US" sz="1400" b="0" kern="0" dirty="0" smtClean="0"/>
           </a:p>
         </p:txBody>
       </p:sp>
@@ -22753,13 +22912,13 @@
           <p:nvPr>
             <p:extLst>
               <p:ext uri="{D42A27DB-BD31-4B8C-83A1-F6EECF244321}">
-                <p14:modId xmlns:p14="http://schemas.microsoft.com/office/powerpoint/2010/main" val="1098471132"/>
+                <p14:modId xmlns:p14="http://schemas.microsoft.com/office/powerpoint/2010/main" val="3961591486"/>
               </p:ext>
             </p:extLst>
           </p:nvPr>
         </p:nvGraphicFramePr>
         <p:xfrm>
-          <a:off x="8130540" y="5888007"/>
+          <a:off x="7621720" y="4191942"/>
           <a:ext cx="3582988" cy="2547049"/>
         </p:xfrm>
         <a:graphic>
@@ -22777,13 +22936,13 @@
           <p:nvPr>
             <p:extLst>
               <p:ext uri="{D42A27DB-BD31-4B8C-83A1-F6EECF244321}">
-                <p14:modId xmlns:p14="http://schemas.microsoft.com/office/powerpoint/2010/main" val="153744080"/>
+                <p14:modId xmlns:p14="http://schemas.microsoft.com/office/powerpoint/2010/main" val="2167525978"/>
               </p:ext>
             </p:extLst>
           </p:nvPr>
         </p:nvGraphicFramePr>
         <p:xfrm>
-          <a:off x="672803" y="4572000"/>
+          <a:off x="894028" y="2698955"/>
           <a:ext cx="3246609" cy="1910827"/>
         </p:xfrm>
         <a:graphic>
@@ -22905,15 +23064,7 @@
           <a:p>
             <a:r>
               <a:rPr lang="en-GB" sz="3200" dirty="0" smtClean="0"/>
-              <a:t>Proposed Solution </a:t>
-            </a:r>
-            <a:r>
-              <a:rPr lang="en-GB" sz="3200" dirty="0" smtClean="0"/>
-              <a:t>2: </a:t>
-            </a:r>
-            <a:r>
-              <a:rPr lang="en-GB" sz="3200" dirty="0" smtClean="0"/>
-              <a:t>Agile Release Train</a:t>
+              <a:t>Proposed Solution 2: Agile Release Train</a:t>
             </a:r>
             <a:endParaRPr lang="en-GB" sz="3200" dirty="0"/>
           </a:p>
@@ -23014,7 +23165,7 @@
         </p:nvSpPr>
         <p:spPr>
           <a:xfrm>
-            <a:off x="3916869" y="1991534"/>
+            <a:off x="3916869" y="1927736"/>
             <a:ext cx="4289871" cy="436567"/>
           </a:xfrm>
           <a:prstGeom prst="roundRect">
@@ -23073,7 +23224,7 @@
         </p:nvSpPr>
         <p:spPr>
           <a:xfrm rot="16200000">
-            <a:off x="4588044" y="2488037"/>
+            <a:off x="4588044" y="2424239"/>
             <a:ext cx="804499" cy="842226"/>
           </a:xfrm>
           <a:prstGeom prst="flowChartDelay">
@@ -23122,7 +23273,7 @@
         </p:nvSpPr>
         <p:spPr>
           <a:xfrm>
-            <a:off x="4565887" y="3305964"/>
+            <a:off x="4565887" y="3242166"/>
             <a:ext cx="842226" cy="3177735"/>
           </a:xfrm>
           <a:prstGeom prst="rect">
@@ -23171,7 +23322,7 @@
         </p:nvSpPr>
         <p:spPr>
           <a:xfrm rot="16200000">
-            <a:off x="5524718" y="2488037"/>
+            <a:off x="5524718" y="2424239"/>
             <a:ext cx="804499" cy="842226"/>
           </a:xfrm>
           <a:prstGeom prst="flowChartDelay">
@@ -23220,7 +23371,7 @@
         </p:nvSpPr>
         <p:spPr>
           <a:xfrm>
-            <a:off x="5502558" y="3305964"/>
+            <a:off x="5502558" y="3242166"/>
             <a:ext cx="842226" cy="3177735"/>
           </a:xfrm>
           <a:prstGeom prst="rect">
@@ -23269,7 +23420,7 @@
         </p:nvSpPr>
         <p:spPr>
           <a:xfrm rot="16200000">
-            <a:off x="6457289" y="2488037"/>
+            <a:off x="6457289" y="2424239"/>
             <a:ext cx="804499" cy="842226"/>
           </a:xfrm>
           <a:prstGeom prst="flowChartDelay">
@@ -23318,7 +23469,7 @@
         </p:nvSpPr>
         <p:spPr>
           <a:xfrm>
-            <a:off x="6435129" y="3305964"/>
+            <a:off x="6435129" y="3242166"/>
             <a:ext cx="842226" cy="3177735"/>
           </a:xfrm>
           <a:prstGeom prst="rect">
@@ -23367,7 +23518,7 @@
         </p:nvSpPr>
         <p:spPr>
           <a:xfrm rot="16200000">
-            <a:off x="7356448" y="2488037"/>
+            <a:off x="7356448" y="2424239"/>
             <a:ext cx="804499" cy="842226"/>
           </a:xfrm>
           <a:prstGeom prst="flowChartDelay">
@@ -23415,7 +23566,7 @@
         </p:nvSpPr>
         <p:spPr>
           <a:xfrm>
-            <a:off x="7334288" y="3305964"/>
+            <a:off x="7334288" y="3242166"/>
             <a:ext cx="842226" cy="3177735"/>
           </a:xfrm>
           <a:prstGeom prst="rect">
@@ -23479,7 +23630,7 @@
         </p:blipFill>
         <p:spPr>
           <a:xfrm>
-            <a:off x="4701970" y="3156132"/>
+            <a:off x="4701970" y="3092334"/>
             <a:ext cx="467590" cy="564278"/>
           </a:xfrm>
           <a:prstGeom prst="ellipse">
@@ -23542,7 +23693,7 @@
         </p:blipFill>
         <p:spPr>
           <a:xfrm>
-            <a:off x="5649074" y="3154713"/>
+            <a:off x="5649074" y="3090915"/>
             <a:ext cx="491069" cy="562338"/>
           </a:xfrm>
           <a:prstGeom prst="ellipse">
@@ -23597,7 +23748,7 @@
         </p:blipFill>
         <p:spPr>
           <a:xfrm>
-            <a:off x="6569953" y="3150401"/>
+            <a:off x="6569953" y="3086603"/>
             <a:ext cx="493528" cy="554927"/>
           </a:xfrm>
           <a:prstGeom prst="ellipse">
@@ -23651,7 +23802,7 @@
         </p:blipFill>
         <p:spPr bwMode="auto">
           <a:xfrm>
-            <a:off x="7505543" y="3156132"/>
+            <a:off x="7505543" y="3092334"/>
             <a:ext cx="467590" cy="564278"/>
           </a:xfrm>
           <a:prstGeom prst="ellipse">
@@ -23700,7 +23851,7 @@
         </p:nvSpPr>
         <p:spPr>
           <a:xfrm>
-            <a:off x="3989927" y="3138948"/>
+            <a:off x="3989927" y="3075150"/>
             <a:ext cx="4262534" cy="613274"/>
           </a:xfrm>
           <a:prstGeom prst="roundRect">
@@ -23746,7 +23897,7 @@
         </p:nvSpPr>
         <p:spPr>
           <a:xfrm>
-            <a:off x="3970020" y="3251330"/>
+            <a:off x="3970020" y="3187532"/>
             <a:ext cx="640080" cy="415498"/>
           </a:xfrm>
           <a:prstGeom prst="rect">
@@ -23777,7 +23928,7 @@
         </p:nvSpPr>
         <p:spPr>
           <a:xfrm>
-            <a:off x="3989927" y="4498825"/>
+            <a:off x="3989927" y="4435027"/>
             <a:ext cx="4262534" cy="613274"/>
           </a:xfrm>
           <a:prstGeom prst="roundRect">
@@ -23823,7 +23974,7 @@
         </p:nvSpPr>
         <p:spPr>
           <a:xfrm>
-            <a:off x="3980559" y="4595967"/>
+            <a:off x="3980559" y="4532169"/>
             <a:ext cx="629542" cy="415498"/>
           </a:xfrm>
           <a:prstGeom prst="rect">
@@ -23842,7 +23993,6 @@
               <a:rPr lang="en-US" sz="1050" dirty="0" smtClean="0"/>
               <a:t>EWH </a:t>
             </a:r>
-            <a:endParaRPr lang="en-US" sz="1050" dirty="0" smtClean="0"/>
           </a:p>
           <a:p>
             <a:pPr algn="ctr"/>
@@ -23862,7 +24012,7 @@
         </p:nvSpPr>
         <p:spPr>
           <a:xfrm>
-            <a:off x="4572002" y="3936014"/>
+            <a:off x="4572002" y="3872216"/>
             <a:ext cx="845820" cy="230832"/>
           </a:xfrm>
           <a:prstGeom prst="rect">
@@ -23892,7 +24042,7 @@
         </p:nvSpPr>
         <p:spPr>
           <a:xfrm>
-            <a:off x="5494021" y="3936014"/>
+            <a:off x="5494021" y="3872216"/>
             <a:ext cx="861060" cy="230832"/>
           </a:xfrm>
           <a:prstGeom prst="rect">
@@ -23922,7 +24072,7 @@
         </p:nvSpPr>
         <p:spPr>
           <a:xfrm>
-            <a:off x="6438901" y="3936014"/>
+            <a:off x="6438901" y="3872216"/>
             <a:ext cx="838200" cy="230832"/>
           </a:xfrm>
           <a:prstGeom prst="rect">
@@ -23952,7 +24102,7 @@
         </p:nvSpPr>
         <p:spPr>
           <a:xfrm>
-            <a:off x="7338060" y="3936014"/>
+            <a:off x="7338060" y="3872216"/>
             <a:ext cx="838200" cy="230832"/>
           </a:xfrm>
           <a:prstGeom prst="rect">
@@ -24005,7 +24155,7 @@
         </p:blipFill>
         <p:spPr bwMode="auto">
           <a:xfrm>
-            <a:off x="4701970" y="4516009"/>
+            <a:off x="4701970" y="4452211"/>
             <a:ext cx="467590" cy="564278"/>
           </a:xfrm>
           <a:prstGeom prst="ellipse">
@@ -24077,7 +24227,7 @@
         </p:blipFill>
         <p:spPr>
           <a:xfrm>
-            <a:off x="5649074" y="4514590"/>
+            <a:off x="5649074" y="4450792"/>
             <a:ext cx="491069" cy="562338"/>
           </a:xfrm>
           <a:prstGeom prst="ellipse">
@@ -24141,7 +24291,7 @@
         </p:blipFill>
         <p:spPr>
           <a:xfrm>
-            <a:off x="6569953" y="4510278"/>
+            <a:off x="6569953" y="4446480"/>
             <a:ext cx="493528" cy="554927"/>
           </a:xfrm>
           <a:prstGeom prst="ellipse">
@@ -24195,7 +24345,7 @@
         </p:blipFill>
         <p:spPr bwMode="auto">
           <a:xfrm>
-            <a:off x="7505543" y="4516009"/>
+            <a:off x="7505543" y="4452211"/>
             <a:ext cx="467590" cy="564278"/>
           </a:xfrm>
           <a:prstGeom prst="ellipse">
@@ -24244,7 +24394,7 @@
         </p:nvSpPr>
         <p:spPr>
           <a:xfrm>
-            <a:off x="3989927" y="5800086"/>
+            <a:off x="3989927" y="5736288"/>
             <a:ext cx="4262534" cy="613274"/>
           </a:xfrm>
           <a:prstGeom prst="roundRect">
@@ -24290,7 +24440,7 @@
         </p:nvSpPr>
         <p:spPr>
           <a:xfrm>
-            <a:off x="3958072" y="5912468"/>
+            <a:off x="3958072" y="5848670"/>
             <a:ext cx="613928" cy="415498"/>
           </a:xfrm>
           <a:prstGeom prst="rect">
@@ -24335,7 +24485,7 @@
         </p:blipFill>
         <p:spPr bwMode="auto">
           <a:xfrm>
-            <a:off x="4701970" y="5817270"/>
+            <a:off x="4701970" y="5753472"/>
             <a:ext cx="467590" cy="564278"/>
           </a:xfrm>
           <a:prstGeom prst="ellipse">
@@ -24407,7 +24557,7 @@
         </p:blipFill>
         <p:spPr>
           <a:xfrm>
-            <a:off x="5649074" y="5815851"/>
+            <a:off x="5649074" y="5752053"/>
             <a:ext cx="491069" cy="562338"/>
           </a:xfrm>
           <a:prstGeom prst="ellipse">
@@ -24462,7 +24612,7 @@
         </p:blipFill>
         <p:spPr>
           <a:xfrm>
-            <a:off x="6569953" y="5811539"/>
+            <a:off x="6569953" y="5747741"/>
             <a:ext cx="493528" cy="554927"/>
           </a:xfrm>
           <a:prstGeom prst="ellipse">
@@ -24516,7 +24666,7 @@
         </p:blipFill>
         <p:spPr bwMode="auto">
           <a:xfrm>
-            <a:off x="7505543" y="5817270"/>
+            <a:off x="7505543" y="5753472"/>
             <a:ext cx="467590" cy="564278"/>
           </a:xfrm>
           <a:prstGeom prst="ellipse">
@@ -24565,7 +24715,7 @@
         </p:nvSpPr>
         <p:spPr>
           <a:xfrm>
-            <a:off x="4564382" y="5248998"/>
+            <a:off x="4564382" y="5185200"/>
             <a:ext cx="845820" cy="230832"/>
           </a:xfrm>
           <a:prstGeom prst="rect">
@@ -24595,7 +24745,7 @@
         </p:nvSpPr>
         <p:spPr>
           <a:xfrm>
-            <a:off x="5501641" y="5248998"/>
+            <a:off x="5501641" y="5185200"/>
             <a:ext cx="861060" cy="230832"/>
           </a:xfrm>
           <a:prstGeom prst="rect">
@@ -24625,7 +24775,7 @@
         </p:nvSpPr>
         <p:spPr>
           <a:xfrm>
-            <a:off x="6431281" y="5248998"/>
+            <a:off x="6431281" y="5185200"/>
             <a:ext cx="853440" cy="230832"/>
           </a:xfrm>
           <a:prstGeom prst="rect">
@@ -24655,7 +24805,7 @@
         </p:nvSpPr>
         <p:spPr>
           <a:xfrm>
-            <a:off x="7345680" y="5248998"/>
+            <a:off x="7345680" y="5185200"/>
             <a:ext cx="838200" cy="230832"/>
           </a:xfrm>
           <a:prstGeom prst="rect">
@@ -24685,7 +24835,7 @@
         </p:nvSpPr>
         <p:spPr>
           <a:xfrm>
-            <a:off x="4533900" y="6604084"/>
+            <a:off x="4533900" y="6540286"/>
             <a:ext cx="3718560" cy="253916"/>
           </a:xfrm>
           <a:prstGeom prst="rect">
@@ -24706,15 +24856,7 @@
                   <a:schemeClr val="bg1"/>
                 </a:solidFill>
               </a:rPr>
-              <a:t>Scrum </a:t>
-            </a:r>
-            <a:r>
-              <a:rPr lang="en-US" sz="1050" dirty="0" smtClean="0">
-                <a:solidFill>
-                  <a:schemeClr val="bg1"/>
-                </a:solidFill>
-              </a:rPr>
-              <a:t>Master     </a:t>
+              <a:t>Scrum Master     </a:t>
             </a:r>
             <a:r>
               <a:rPr lang="en-US" sz="1050" dirty="0" smtClean="0">
@@ -24730,15 +24872,7 @@
                   <a:schemeClr val="bg1"/>
                 </a:solidFill>
               </a:rPr>
-              <a:t>Development </a:t>
-            </a:r>
-            <a:r>
-              <a:rPr lang="en-US" sz="1050" dirty="0" smtClean="0">
-                <a:solidFill>
-                  <a:schemeClr val="bg1"/>
-                </a:solidFill>
-              </a:rPr>
-              <a:t>Team</a:t>
+              <a:t>Development Team</a:t>
             </a:r>
             <a:endParaRPr lang="en-US" sz="1050" dirty="0">
               <a:solidFill>
@@ -24759,7 +24893,7 @@
         </p:nvCxnSpPr>
         <p:spPr>
           <a:xfrm flipH="1" flipV="1">
-            <a:off x="4935765" y="6381548"/>
+            <a:off x="4935765" y="6317750"/>
             <a:ext cx="1457415" cy="222536"/>
           </a:xfrm>
           <a:prstGeom prst="straightConnector1">
@@ -24797,7 +24931,7 @@
         </p:nvCxnSpPr>
         <p:spPr>
           <a:xfrm flipV="1">
-            <a:off x="6393180" y="6408420"/>
+            <a:off x="6393180" y="6344622"/>
             <a:ext cx="0" cy="195664"/>
           </a:xfrm>
           <a:prstGeom prst="straightConnector1">
@@ -24836,7 +24970,7 @@
         </p:nvCxnSpPr>
         <p:spPr>
           <a:xfrm flipV="1">
-            <a:off x="6393180" y="6381548"/>
+            <a:off x="6393180" y="6317750"/>
             <a:ext cx="1346158" cy="222536"/>
           </a:xfrm>
           <a:prstGeom prst="straightConnector1">
@@ -24872,7 +25006,7 @@
         </p:nvSpPr>
         <p:spPr>
           <a:xfrm>
-            <a:off x="3970020" y="2865120"/>
+            <a:off x="3970020" y="2801322"/>
             <a:ext cx="647700" cy="3733800"/>
           </a:xfrm>
           <a:prstGeom prst="roundRect">
@@ -24919,7 +25053,7 @@
         </p:nvSpPr>
         <p:spPr>
           <a:xfrm>
-            <a:off x="2697480" y="4590842"/>
+            <a:off x="2697480" y="4527044"/>
             <a:ext cx="914400" cy="415498"/>
           </a:xfrm>
           <a:prstGeom prst="rect">
@@ -24961,7 +25095,7 @@
         </p:nvCxnSpPr>
         <p:spPr>
           <a:xfrm>
-            <a:off x="3611880" y="4798591"/>
+            <a:off x="3611880" y="4734793"/>
             <a:ext cx="368679" cy="5125"/>
           </a:xfrm>
           <a:prstGeom prst="straightConnector1">
@@ -24997,7 +25131,7 @@
         </p:nvSpPr>
         <p:spPr>
           <a:xfrm>
-            <a:off x="3931920" y="1691640"/>
+            <a:off x="3931920" y="1627842"/>
             <a:ext cx="4267199" cy="251460"/>
           </a:xfrm>
           <a:prstGeom prst="roundRect">
@@ -25053,7 +25187,7 @@
         </p:nvSpPr>
         <p:spPr>
           <a:xfrm>
-            <a:off x="3924300" y="1386840"/>
+            <a:off x="3924300" y="1323042"/>
             <a:ext cx="4267199" cy="259080"/>
           </a:xfrm>
           <a:prstGeom prst="roundRect">
@@ -25093,6 +25227,64 @@
               </a:rPr>
               <a:t>(ART/EPIC)</a:t>
             </a:r>
+          </a:p>
+        </p:txBody>
+      </p:sp>
+      <p:sp>
+        <p:nvSpPr>
+          <p:cNvPr id="51" name="Rectangle 50"/>
+          <p:cNvSpPr/>
+          <p:nvPr/>
+        </p:nvSpPr>
+        <p:spPr>
+          <a:xfrm>
+            <a:off x="7882995" y="-73045"/>
+            <a:ext cx="4378122" cy="923330"/>
+          </a:xfrm>
+          <a:prstGeom prst="rect">
+            <a:avLst/>
+          </a:prstGeom>
+          <a:noFill/>
+        </p:spPr>
+        <p:txBody>
+          <a:bodyPr wrap="none" lIns="91440" tIns="45720" rIns="91440" bIns="45720">
+            <a:spAutoFit/>
+          </a:bodyPr>
+          <a:lstStyle/>
+          <a:p>
+            <a:pPr algn="ctr"/>
+            <a:r>
+              <a:rPr lang="en-US" sz="5400" b="1" dirty="0" smtClean="0">
+                <a:ln w="22225">
+                  <a:solidFill>
+                    <a:schemeClr val="accent2"/>
+                  </a:solidFill>
+                  <a:prstDash val="solid"/>
+                </a:ln>
+                <a:solidFill>
+                  <a:schemeClr val="accent2">
+                    <a:lumMod val="40000"/>
+                    <a:lumOff val="60000"/>
+                  </a:schemeClr>
+                </a:solidFill>
+              </a:rPr>
+              <a:t>Mel/Brandon</a:t>
+            </a:r>
+            <a:endParaRPr lang="en-US" sz="5400" b="1" cap="none" spc="0" dirty="0">
+              <a:ln w="22225">
+                <a:solidFill>
+                  <a:schemeClr val="accent2"/>
+                </a:solidFill>
+                <a:prstDash val="solid"/>
+              </a:ln>
+              <a:solidFill>
+                <a:schemeClr val="accent2">
+                  <a:lumMod val="40000"/>
+                  <a:lumOff val="60000"/>
+                </a:schemeClr>
+              </a:solidFill>
+              <a:effectLst/>
+            </a:endParaRPr>
           </a:p>
         </p:txBody>
       </p:sp>
@@ -26196,7 +26388,6 @@
               <a:rPr lang="en-US" sz="1050" dirty="0" smtClean="0"/>
               <a:t>EWH </a:t>
             </a:r>
-            <a:endParaRPr lang="en-US" sz="1050" dirty="0" smtClean="0"/>
           </a:p>
           <a:p>
             <a:pPr algn="ctr"/>
@@ -27060,15 +27251,7 @@
                   <a:schemeClr val="bg1"/>
                 </a:solidFill>
               </a:rPr>
-              <a:t>Scrum </a:t>
-            </a:r>
-            <a:r>
-              <a:rPr lang="en-US" sz="1050" dirty="0" smtClean="0">
-                <a:solidFill>
-                  <a:schemeClr val="bg1"/>
-                </a:solidFill>
-              </a:rPr>
-              <a:t>Master     </a:t>
+              <a:t>Scrum Master     </a:t>
             </a:r>
             <a:r>
               <a:rPr lang="en-US" sz="1050" dirty="0" smtClean="0">
@@ -27084,15 +27267,7 @@
                   <a:schemeClr val="bg1"/>
                 </a:solidFill>
               </a:rPr>
-              <a:t>Development </a:t>
-            </a:r>
-            <a:r>
-              <a:rPr lang="en-US" sz="1050" dirty="0" smtClean="0">
-                <a:solidFill>
-                  <a:schemeClr val="bg1"/>
-                </a:solidFill>
-              </a:rPr>
-              <a:t>Team</a:t>
+              <a:t>Development Team</a:t>
             </a:r>
             <a:endParaRPr lang="en-US" sz="1050" dirty="0">
               <a:solidFill>
@@ -27890,7 +28065,6 @@
                 <a:rPr lang="en-US" sz="1000" dirty="0"/>
                 <a:t> work) </a:t>
               </a:r>
-              <a:endParaRPr lang="en-US" sz="1000" dirty="0"/>
             </a:p>
           </p:txBody>
         </p:sp>
@@ -28602,127 +28776,6 @@
           </a:p>
         </p:txBody>
       </p:sp>
-      <p:pic>
-        <p:nvPicPr>
-          <p:cNvPr id="6" name="Picture 5"/>
-          <p:cNvPicPr/>
-          <p:nvPr/>
-        </p:nvPicPr>
-        <p:blipFill>
-          <a:blip r:embed="rId4">
-            <a:extLst>
-              <a:ext uri="{28A0092B-C50C-407E-A947-70E740481C1C}">
-                <a14:useLocalDpi xmlns:a14="http://schemas.microsoft.com/office/drawing/2010/main" val="0"/>
-              </a:ext>
-            </a:extLst>
-          </a:blip>
-          <a:stretch>
-            <a:fillRect/>
-          </a:stretch>
-        </p:blipFill>
-        <p:spPr>
-          <a:xfrm>
-            <a:off x="12312244" y="2022038"/>
-            <a:ext cx="2765782" cy="664596"/>
-          </a:xfrm>
-          <a:prstGeom prst="rect">
-            <a:avLst/>
-          </a:prstGeom>
-        </p:spPr>
-      </p:pic>
-      <p:graphicFrame>
-        <p:nvGraphicFramePr>
-          <p:cNvPr id="8" name="Object 7"/>
-          <p:cNvGraphicFramePr>
-            <a:graphicFrameLocks noChangeAspect="1"/>
-          </p:cNvGraphicFramePr>
-          <p:nvPr>
-            <p:extLst>
-              <p:ext uri="{D42A27DB-BD31-4B8C-83A1-F6EECF244321}">
-                <p14:modId xmlns:p14="http://schemas.microsoft.com/office/powerpoint/2010/main" val="2978736040"/>
-              </p:ext>
-            </p:extLst>
-          </p:nvPr>
-        </p:nvGraphicFramePr>
-        <p:xfrm>
-          <a:off x="12317007" y="4031389"/>
-          <a:ext cx="2743200" cy="1905000"/>
-        </p:xfrm>
-        <a:graphic>
-          <a:graphicData uri="http://schemas.openxmlformats.org/presentationml/2006/ole">
-            <mc:AlternateContent xmlns:mc="http://schemas.openxmlformats.org/markup-compatibility/2006">
-              <mc:Choice xmlns:v="urn:schemas-microsoft-com:vml" Requires="v">
-                <p:oleObj spid="_x0000_s5127" name="Visio" r:id="rId5" imgW="5467350" imgH="3819396" progId="Visio.Drawing.15">
-                  <p:embed/>
-                </p:oleObj>
-              </mc:Choice>
-              <mc:Fallback>
-                <p:oleObj name="Visio" r:id="rId5" imgW="5467350" imgH="3819396" progId="Visio.Drawing.15">
-                  <p:embed/>
-                  <p:pic>
-                    <p:nvPicPr>
-                      <p:cNvPr id="0" name=""/>
-                      <p:cNvPicPr>
-                        <a:picLocks noChangeAspect="1" noChangeArrowheads="1"/>
-                      </p:cNvPicPr>
-                      <p:nvPr/>
-                    </p:nvPicPr>
-                    <p:blipFill>
-                      <a:blip r:embed="rId6">
-                        <a:extLst>
-                          <a:ext uri="{28A0092B-C50C-407E-A947-70E740481C1C}">
-                            <a14:useLocalDpi xmlns:a14="http://schemas.microsoft.com/office/drawing/2010/main" val="0"/>
-                          </a:ext>
-                        </a:extLst>
-                      </a:blip>
-                      <a:srcRect/>
-                      <a:stretch>
-                        <a:fillRect/>
-                      </a:stretch>
-                    </p:blipFill>
-                    <p:spPr bwMode="auto">
-                      <a:xfrm>
-                        <a:off x="12317007" y="4031389"/>
-                        <a:ext cx="2743200" cy="1905000"/>
-                      </a:xfrm>
-                      <a:prstGeom prst="rect">
-                        <a:avLst/>
-                      </a:prstGeom>
-                      <a:solidFill>
-                        <a:schemeClr val="bg1"/>
-                      </a:solidFill>
-                    </p:spPr>
-                  </p:pic>
-                </p:oleObj>
-              </mc:Fallback>
-            </mc:AlternateContent>
-          </a:graphicData>
-        </a:graphic>
-      </p:graphicFrame>
-      <p:pic>
-        <p:nvPicPr>
-          <p:cNvPr id="9" name="Picture 8"/>
-          <p:cNvPicPr>
-            <a:picLocks noChangeAspect="1"/>
-          </p:cNvPicPr>
-          <p:nvPr/>
-        </p:nvPicPr>
-        <p:blipFill>
-          <a:blip r:embed="rId7"/>
-          <a:stretch>
-            <a:fillRect/>
-          </a:stretch>
-        </p:blipFill>
-        <p:spPr>
-          <a:xfrm>
-            <a:off x="12302066" y="0"/>
-            <a:ext cx="2798687" cy="1961105"/>
-          </a:xfrm>
-          <a:prstGeom prst="rect">
-            <a:avLst/>
-          </a:prstGeom>
-        </p:spPr>
-      </p:pic>
       <p:sp>
         <p:nvSpPr>
           <p:cNvPr id="51" name="TextBox 50"/>
@@ -28995,127 +29048,6 @@
           </a:p>
         </p:txBody>
       </p:sp>
-      <p:pic>
-        <p:nvPicPr>
-          <p:cNvPr id="6" name="Picture 5"/>
-          <p:cNvPicPr/>
-          <p:nvPr/>
-        </p:nvPicPr>
-        <p:blipFill>
-          <a:blip r:embed="rId4">
-            <a:extLst>
-              <a:ext uri="{28A0092B-C50C-407E-A947-70E740481C1C}">
-                <a14:useLocalDpi xmlns:a14="http://schemas.microsoft.com/office/drawing/2010/main" val="0"/>
-              </a:ext>
-            </a:extLst>
-          </a:blip>
-          <a:stretch>
-            <a:fillRect/>
-          </a:stretch>
-        </p:blipFill>
-        <p:spPr>
-          <a:xfrm>
-            <a:off x="12312244" y="2022038"/>
-            <a:ext cx="2765782" cy="664596"/>
-          </a:xfrm>
-          <a:prstGeom prst="rect">
-            <a:avLst/>
-          </a:prstGeom>
-        </p:spPr>
-      </p:pic>
-      <p:graphicFrame>
-        <p:nvGraphicFramePr>
-          <p:cNvPr id="8" name="Object 7"/>
-          <p:cNvGraphicFramePr>
-            <a:graphicFrameLocks noChangeAspect="1"/>
-          </p:cNvGraphicFramePr>
-          <p:nvPr>
-            <p:extLst>
-              <p:ext uri="{D42A27DB-BD31-4B8C-83A1-F6EECF244321}">
-                <p14:modId xmlns:p14="http://schemas.microsoft.com/office/powerpoint/2010/main" val="2978736040"/>
-              </p:ext>
-            </p:extLst>
-          </p:nvPr>
-        </p:nvGraphicFramePr>
-        <p:xfrm>
-          <a:off x="12317007" y="4031389"/>
-          <a:ext cx="2743200" cy="1905000"/>
-        </p:xfrm>
-        <a:graphic>
-          <a:graphicData uri="http://schemas.openxmlformats.org/presentationml/2006/ole">
-            <mc:AlternateContent xmlns:mc="http://schemas.openxmlformats.org/markup-compatibility/2006">
-              <mc:Choice xmlns:v="urn:schemas-microsoft-com:vml" Requires="v">
-                <p:oleObj spid="_x0000_s6151" name="Visio" r:id="rId5" imgW="5467350" imgH="3819396" progId="Visio.Drawing.15">
-                  <p:embed/>
-                </p:oleObj>
-              </mc:Choice>
-              <mc:Fallback>
-                <p:oleObj name="Visio" r:id="rId5" imgW="5467350" imgH="3819396" progId="Visio.Drawing.15">
-                  <p:embed/>
-                  <p:pic>
-                    <p:nvPicPr>
-                      <p:cNvPr id="0" name=""/>
-                      <p:cNvPicPr>
-                        <a:picLocks noChangeAspect="1" noChangeArrowheads="1"/>
-                      </p:cNvPicPr>
-                      <p:nvPr/>
-                    </p:nvPicPr>
-                    <p:blipFill>
-                      <a:blip r:embed="rId6">
-                        <a:extLst>
-                          <a:ext uri="{28A0092B-C50C-407E-A947-70E740481C1C}">
-                            <a14:useLocalDpi xmlns:a14="http://schemas.microsoft.com/office/drawing/2010/main" val="0"/>
-                          </a:ext>
-                        </a:extLst>
-                      </a:blip>
-                      <a:srcRect/>
-                      <a:stretch>
-                        <a:fillRect/>
-                      </a:stretch>
-                    </p:blipFill>
-                    <p:spPr bwMode="auto">
-                      <a:xfrm>
-                        <a:off x="12317007" y="4031389"/>
-                        <a:ext cx="2743200" cy="1905000"/>
-                      </a:xfrm>
-                      <a:prstGeom prst="rect">
-                        <a:avLst/>
-                      </a:prstGeom>
-                      <a:solidFill>
-                        <a:schemeClr val="bg1"/>
-                      </a:solidFill>
-                    </p:spPr>
-                  </p:pic>
-                </p:oleObj>
-              </mc:Fallback>
-            </mc:AlternateContent>
-          </a:graphicData>
-        </a:graphic>
-      </p:graphicFrame>
-      <p:pic>
-        <p:nvPicPr>
-          <p:cNvPr id="9" name="Picture 8"/>
-          <p:cNvPicPr>
-            <a:picLocks noChangeAspect="1"/>
-          </p:cNvPicPr>
-          <p:nvPr/>
-        </p:nvPicPr>
-        <p:blipFill>
-          <a:blip r:embed="rId7"/>
-          <a:stretch>
-            <a:fillRect/>
-          </a:stretch>
-        </p:blipFill>
-        <p:spPr>
-          <a:xfrm>
-            <a:off x="12302066" y="0"/>
-            <a:ext cx="2798687" cy="1961105"/>
-          </a:xfrm>
-          <a:prstGeom prst="rect">
-            <a:avLst/>
-          </a:prstGeom>
-        </p:spPr>
-      </p:pic>
       <p:sp>
         <p:nvSpPr>
           <p:cNvPr id="51" name="TextBox 50"/>
@@ -30246,12 +30178,9 @@
 </file>
 
 <file path=customXml/item1.xml><?xml version="1.0" encoding="utf-8"?>
-<?mso-contentType ?>
-<FormTemplates xmlns="http://schemas.microsoft.com/sharepoint/v3/contenttype/forms">
-  <Display>DocumentLibraryForm</Display>
-  <Edit>DocumentLibraryForm</Edit>
-  <New>DocumentLibraryForm</New>
-</FormTemplates>
+<p:properties xmlns:p="http://schemas.microsoft.com/office/2006/metadata/properties" xmlns:xsi="http://www.w3.org/2001/XMLSchema-instance" xmlns:pc="http://schemas.microsoft.com/office/infopath/2007/PartnerControls">
+  <documentManagement/>
+</p:properties>
 </file>
 
 <file path=customXml/item2.xml><?xml version="1.0" encoding="utf-8"?>
@@ -30369,15 +30298,25 @@
 </file>
 
 <file path=customXml/item3.xml><?xml version="1.0" encoding="utf-8"?>
-<p:properties xmlns:p="http://schemas.microsoft.com/office/2006/metadata/properties" xmlns:xsi="http://www.w3.org/2001/XMLSchema-instance" xmlns:pc="http://schemas.microsoft.com/office/infopath/2007/PartnerControls">
-  <documentManagement/>
-</p:properties>
+<?mso-contentType ?>
+<FormTemplates xmlns="http://schemas.microsoft.com/sharepoint/v3/contenttype/forms">
+  <Display>DocumentLibraryForm</Display>
+  <Edit>DocumentLibraryForm</Edit>
+  <New>DocumentLibraryForm</New>
+</FormTemplates>
 </file>
 
 <file path=customXml/itemProps1.xml><?xml version="1.0" encoding="utf-8"?>
-<ds:datastoreItem xmlns:ds="http://schemas.openxmlformats.org/officeDocument/2006/customXml" ds:itemID="{16D4C100-0EDD-4DD2-914D-A957225F12B9}">
+<ds:datastoreItem xmlns:ds="http://schemas.openxmlformats.org/officeDocument/2006/customXml" ds:itemID="{C691D66D-CA73-4591-BA35-882D4C096123}">
   <ds:schemaRefs>
-    <ds:schemaRef ds:uri="http://schemas.microsoft.com/sharepoint/v3/contenttype/forms"/>
+    <ds:schemaRef ds:uri="http://purl.org/dc/terms/"/>
+    <ds:schemaRef ds:uri="http://schemas.openxmlformats.org/package/2006/metadata/core-properties"/>
+    <ds:schemaRef ds:uri="http://schemas.microsoft.com/office/2006/documentManagement/types"/>
+    <ds:schemaRef ds:uri="http://schemas.microsoft.com/office/infopath/2007/PartnerControls"/>
+    <ds:schemaRef ds:uri="http://purl.org/dc/elements/1.1/"/>
+    <ds:schemaRef ds:uri="http://schemas.microsoft.com/office/2006/metadata/properties"/>
+    <ds:schemaRef ds:uri="http://www.w3.org/XML/1998/namespace"/>
+    <ds:schemaRef ds:uri="http://purl.org/dc/dcmitype/"/>
   </ds:schemaRefs>
 </ds:datastoreItem>
 </file>
@@ -30399,16 +30338,9 @@
 </file>
 
 <file path=customXml/itemProps3.xml><?xml version="1.0" encoding="utf-8"?>
-<ds:datastoreItem xmlns:ds="http://schemas.openxmlformats.org/officeDocument/2006/customXml" ds:itemID="{C691D66D-CA73-4591-BA35-882D4C096123}">
+<ds:datastoreItem xmlns:ds="http://schemas.openxmlformats.org/officeDocument/2006/customXml" ds:itemID="{16D4C100-0EDD-4DD2-914D-A957225F12B9}">
   <ds:schemaRefs>
-    <ds:schemaRef ds:uri="http://purl.org/dc/terms/"/>
-    <ds:schemaRef ds:uri="http://schemas.openxmlformats.org/package/2006/metadata/core-properties"/>
-    <ds:schemaRef ds:uri="http://purl.org/dc/dcmitype/"/>
-    <ds:schemaRef ds:uri="http://schemas.microsoft.com/office/infopath/2007/PartnerControls"/>
-    <ds:schemaRef ds:uri="http://purl.org/dc/elements/1.1/"/>
-    <ds:schemaRef ds:uri="http://schemas.microsoft.com/office/2006/documentManagement/types"/>
-    <ds:schemaRef ds:uri="http://schemas.microsoft.com/office/2006/metadata/properties"/>
-    <ds:schemaRef ds:uri="http://www.w3.org/XML/1998/namespace"/>
+    <ds:schemaRef ds:uri="http://schemas.microsoft.com/sharepoint/v3/contenttype/forms"/>
   </ds:schemaRefs>
 </ds:datastoreItem>
 </file>
--- a/01 - Agile for Model-Based Standards Development/D - Presentations/PDES.Presentation.pptx
+++ b/01 - Agile for Model-Based Standards Development/D - Presentations/PDES.Presentation.pptx
@@ -2523,33 +2523,33 @@
     </dgm:pt>
   </dgm:ptLst>
   <dgm:cxnLst>
+    <dgm:cxn modelId="{34741218-10D5-49FF-BBA5-C6C1105696C3}" type="presOf" srcId="{8EF9896D-6849-4641-A7B9-C38F2841686F}" destId="{37249595-215E-4F29-9BF5-C73C3224EDAD}" srcOrd="0" destOrd="0" presId="urn:microsoft.com/office/officeart/2005/8/layout/hierarchy1"/>
+    <dgm:cxn modelId="{A429C025-BC54-45ED-B64E-B1F02528CF6F}" srcId="{DEE30799-3154-459A-A33E-58660FADB428}" destId="{2FBFD0D6-1527-44A0-873A-0E7B2C4EFDA2}" srcOrd="0" destOrd="0" parTransId="{6793C9E3-6CC0-44A9-B9A4-ED7CE453EE53}" sibTransId="{8284448E-C6CB-4872-BED7-E87B1F667CC1}"/>
+    <dgm:cxn modelId="{4235AC4A-CC3C-405C-A14A-A6DACD976FC0}" type="presOf" srcId="{3BCC7075-410E-46A1-957C-436981906740}" destId="{2002CF55-12DA-4CAD-88B9-A69942EB0BC0}" srcOrd="0" destOrd="0" presId="urn:microsoft.com/office/officeart/2005/8/layout/hierarchy1"/>
+    <dgm:cxn modelId="{D6CC1703-08A1-420C-A0D4-E5562B6B343A}" type="presOf" srcId="{6793C9E3-6CC0-44A9-B9A4-ED7CE453EE53}" destId="{955F3E12-743F-4409-BA61-CF7EF6DAC3AC}" srcOrd="0" destOrd="0" presId="urn:microsoft.com/office/officeart/2005/8/layout/hierarchy1"/>
+    <dgm:cxn modelId="{DD420A22-E26D-41E6-AECF-0782590B53B2}" type="presOf" srcId="{D39D5272-DFDE-4972-BB90-0225CC151F1E}" destId="{CE7FD837-61FA-4D43-AD05-53188E2B589F}" srcOrd="0" destOrd="0" presId="urn:microsoft.com/office/officeart/2005/8/layout/hierarchy1"/>
+    <dgm:cxn modelId="{A90B4160-8D82-43A9-AE1C-517427354990}" type="presOf" srcId="{65DDDE58-FC51-4958-A1C4-10F689EA5102}" destId="{F6320BA3-B26E-41DC-8F77-0282D34FC7EC}" srcOrd="0" destOrd="0" presId="urn:microsoft.com/office/officeart/2005/8/layout/hierarchy1"/>
     <dgm:cxn modelId="{A6907A7E-A55E-47FA-B1F3-964EFEF9AE25}" type="presOf" srcId="{C9F0BCF3-7371-42AB-AA4B-6CAC960428D7}" destId="{90D41594-0E97-42B3-8BF6-FCF7E952F75E}" srcOrd="0" destOrd="0" presId="urn:microsoft.com/office/officeart/2005/8/layout/hierarchy1"/>
+    <dgm:cxn modelId="{4724D504-275D-418A-8968-874C6321DC00}" type="presOf" srcId="{7561AD79-FA45-4AB3-BC88-014F91DA7F6B}" destId="{B2189546-A8BC-4DC1-87D3-0133FD61C8D2}" srcOrd="0" destOrd="0" presId="urn:microsoft.com/office/officeart/2005/8/layout/hierarchy1"/>
+    <dgm:cxn modelId="{A6E0C19E-C8FA-4551-B991-546E41F16AAD}" type="presOf" srcId="{CB2B0350-1136-4B68-A15A-E9553E030FCE}" destId="{E442DBE6-C1E3-4DD7-892C-B7DEE89C2236}" srcOrd="0" destOrd="0" presId="urn:microsoft.com/office/officeart/2005/8/layout/hierarchy1"/>
+    <dgm:cxn modelId="{EEC7F682-A43D-46F0-A0FC-1045C569BE00}" srcId="{7561AD79-FA45-4AB3-BC88-014F91DA7F6B}" destId="{2EEBE18C-76F4-40CA-9A39-CBFCBE56FAD0}" srcOrd="0" destOrd="0" parTransId="{C9F0BCF3-7371-42AB-AA4B-6CAC960428D7}" sibTransId="{861F2ABB-075B-42D7-A57E-44C31E5D0C1D}"/>
+    <dgm:cxn modelId="{ACEEE512-9B45-44E5-ADBB-B1E02FEE8397}" type="presOf" srcId="{DEE30799-3154-459A-A33E-58660FADB428}" destId="{ADCFEE8E-215D-40D0-8330-FF4F29094455}" srcOrd="0" destOrd="0" presId="urn:microsoft.com/office/officeart/2005/8/layout/hierarchy1"/>
+    <dgm:cxn modelId="{08940164-14A9-422C-A5AD-05ABA33D241A}" srcId="{7E3BC734-5CC2-45D1-9DAE-97017B4E8344}" destId="{DEE30799-3154-459A-A33E-58660FADB428}" srcOrd="2" destOrd="0" parTransId="{D39D5272-DFDE-4972-BB90-0225CC151F1E}" sibTransId="{73051EBE-22F1-47E7-B943-C96C26718053}"/>
+    <dgm:cxn modelId="{0FA8D5E5-1640-478E-8080-A501BBC47067}" srcId="{53041CDD-C0A0-4966-89B8-D24A7CE79CEB}" destId="{7561AD79-FA45-4AB3-BC88-014F91DA7F6B}" srcOrd="0" destOrd="0" parTransId="{FC37E264-0664-4800-A68C-17D5E5C5E646}" sibTransId="{9921F63A-788E-4A9E-B215-B98A15496BF0}"/>
+    <dgm:cxn modelId="{3DD99893-393D-4A78-86C0-5C4DDA762A87}" type="presOf" srcId="{7E3BC734-5CC2-45D1-9DAE-97017B4E8344}" destId="{B9333F26-0247-4A78-AFBE-8A54EBE51586}" srcOrd="0" destOrd="0" presId="urn:microsoft.com/office/officeart/2005/8/layout/hierarchy1"/>
+    <dgm:cxn modelId="{4D59888D-8A9A-4D4A-B754-C92A87B3D5F7}" srcId="{65DDDE58-FC51-4958-A1C4-10F689EA5102}" destId="{CB2B0350-1136-4B68-A15A-E9553E030FCE}" srcOrd="0" destOrd="0" parTransId="{72AECD28-A57F-48A2-BB86-1CE4F688B74A}" sibTransId="{27C6A7EB-DD3A-4E2D-BE7A-4720F4971602}"/>
     <dgm:cxn modelId="{B4917B5C-AA07-4B2E-85C6-5322991C709F}" type="presOf" srcId="{1DA6A3D5-5D9C-4E83-8556-7454127E06DB}" destId="{34BBFDDB-178A-478F-8C2C-86AE73BADB9F}" srcOrd="0" destOrd="0" presId="urn:microsoft.com/office/officeart/2005/8/layout/hierarchy1"/>
-    <dgm:cxn modelId="{3DD99893-393D-4A78-86C0-5C4DDA762A87}" type="presOf" srcId="{7E3BC734-5CC2-45D1-9DAE-97017B4E8344}" destId="{B9333F26-0247-4A78-AFBE-8A54EBE51586}" srcOrd="0" destOrd="0" presId="urn:microsoft.com/office/officeart/2005/8/layout/hierarchy1"/>
-    <dgm:cxn modelId="{A90B4160-8D82-43A9-AE1C-517427354990}" type="presOf" srcId="{65DDDE58-FC51-4958-A1C4-10F689EA5102}" destId="{F6320BA3-B26E-41DC-8F77-0282D34FC7EC}" srcOrd="0" destOrd="0" presId="urn:microsoft.com/office/officeart/2005/8/layout/hierarchy1"/>
+    <dgm:cxn modelId="{A034DC19-E1B6-4C14-9383-049FFF47962E}" srcId="{7E3BC734-5CC2-45D1-9DAE-97017B4E8344}" destId="{53041CDD-C0A0-4966-89B8-D24A7CE79CEB}" srcOrd="0" destOrd="0" parTransId="{3BCC7075-410E-46A1-957C-436981906740}" sibTransId="{B395BCD7-9EFE-47E9-9DBF-C519B94DEE8A}"/>
+    <dgm:cxn modelId="{A1A0B68C-E3FA-4D3A-9E7F-B776E5B0946E}" srcId="{7E3BC734-5CC2-45D1-9DAE-97017B4E8344}" destId="{8EF9896D-6849-4641-A7B9-C38F2841686F}" srcOrd="1" destOrd="0" parTransId="{87377AC6-182B-43B6-8BF2-A385508E382F}" sibTransId="{72677875-4EEF-466D-ABE3-D48026C20C35}"/>
+    <dgm:cxn modelId="{D18155BC-41E6-4790-8675-593608575B97}" type="presOf" srcId="{F04020B0-8553-415B-9C61-A451FD4ABE26}" destId="{4515E9F4-D146-4A88-A761-284FCFC69ECF}" srcOrd="0" destOrd="0" presId="urn:microsoft.com/office/officeart/2005/8/layout/hierarchy1"/>
+    <dgm:cxn modelId="{2C837C27-1364-4EEA-9664-892D0CA866C2}" type="presOf" srcId="{87377AC6-182B-43B6-8BF2-A385508E382F}" destId="{3D74E8F0-9F38-4135-93A1-F1D60BBB19E0}" srcOrd="0" destOrd="0" presId="urn:microsoft.com/office/officeart/2005/8/layout/hierarchy1"/>
+    <dgm:cxn modelId="{0A1E17E0-2B39-45A2-BA8F-C42B03FEB53E}" type="presOf" srcId="{2FBFD0D6-1527-44A0-873A-0E7B2C4EFDA2}" destId="{2FAC46AF-7811-4F03-AB46-E5D2016BADE2}" srcOrd="0" destOrd="0" presId="urn:microsoft.com/office/officeart/2005/8/layout/hierarchy1"/>
+    <dgm:cxn modelId="{689D012A-8F3B-4B59-AD3D-07C1B75A03F9}" type="presOf" srcId="{72AECD28-A57F-48A2-BB86-1CE4F688B74A}" destId="{AC339D72-C85E-485E-8BD2-9C34192AA842}" srcOrd="0" destOrd="0" presId="urn:microsoft.com/office/officeart/2005/8/layout/hierarchy1"/>
+    <dgm:cxn modelId="{7F6D4BF2-1CF5-47BD-8890-F2EF11887789}" type="presOf" srcId="{2EEBE18C-76F4-40CA-9A39-CBFCBE56FAD0}" destId="{EDB533F1-19EF-42D9-A34F-D79180C4300C}" srcOrd="0" destOrd="0" presId="urn:microsoft.com/office/officeart/2005/8/layout/hierarchy1"/>
     <dgm:cxn modelId="{33909104-FAA7-4203-A269-363540333C84}" type="presOf" srcId="{FC37E264-0664-4800-A68C-17D5E5C5E646}" destId="{891CE3A4-7004-47B7-81FE-F7D6C8EA5E1A}" srcOrd="0" destOrd="0" presId="urn:microsoft.com/office/officeart/2005/8/layout/hierarchy1"/>
-    <dgm:cxn modelId="{7F6D4BF2-1CF5-47BD-8890-F2EF11887789}" type="presOf" srcId="{2EEBE18C-76F4-40CA-9A39-CBFCBE56FAD0}" destId="{EDB533F1-19EF-42D9-A34F-D79180C4300C}" srcOrd="0" destOrd="0" presId="urn:microsoft.com/office/officeart/2005/8/layout/hierarchy1"/>
-    <dgm:cxn modelId="{4235AC4A-CC3C-405C-A14A-A6DACD976FC0}" type="presOf" srcId="{3BCC7075-410E-46A1-957C-436981906740}" destId="{2002CF55-12DA-4CAD-88B9-A69942EB0BC0}" srcOrd="0" destOrd="0" presId="urn:microsoft.com/office/officeart/2005/8/layout/hierarchy1"/>
-    <dgm:cxn modelId="{0A1E17E0-2B39-45A2-BA8F-C42B03FEB53E}" type="presOf" srcId="{2FBFD0D6-1527-44A0-873A-0E7B2C4EFDA2}" destId="{2FAC46AF-7811-4F03-AB46-E5D2016BADE2}" srcOrd="0" destOrd="0" presId="urn:microsoft.com/office/officeart/2005/8/layout/hierarchy1"/>
-    <dgm:cxn modelId="{08940164-14A9-422C-A5AD-05ABA33D241A}" srcId="{7E3BC734-5CC2-45D1-9DAE-97017B4E8344}" destId="{DEE30799-3154-459A-A33E-58660FADB428}" srcOrd="2" destOrd="0" parTransId="{D39D5272-DFDE-4972-BB90-0225CC151F1E}" sibTransId="{73051EBE-22F1-47E7-B943-C96C26718053}"/>
-    <dgm:cxn modelId="{A6E0C19E-C8FA-4551-B991-546E41F16AAD}" type="presOf" srcId="{CB2B0350-1136-4B68-A15A-E9553E030FCE}" destId="{E442DBE6-C1E3-4DD7-892C-B7DEE89C2236}" srcOrd="0" destOrd="0" presId="urn:microsoft.com/office/officeart/2005/8/layout/hierarchy1"/>
-    <dgm:cxn modelId="{4D59888D-8A9A-4D4A-B754-C92A87B3D5F7}" srcId="{65DDDE58-FC51-4958-A1C4-10F689EA5102}" destId="{CB2B0350-1136-4B68-A15A-E9553E030FCE}" srcOrd="0" destOrd="0" parTransId="{72AECD28-A57F-48A2-BB86-1CE4F688B74A}" sibTransId="{27C6A7EB-DD3A-4E2D-BE7A-4720F4971602}"/>
     <dgm:cxn modelId="{E91DE3CB-E307-4E87-BA44-C098183B8FB5}" type="presOf" srcId="{53041CDD-C0A0-4966-89B8-D24A7CE79CEB}" destId="{A77715FD-0F18-4FC2-9BCB-F5F1DF47F330}" srcOrd="0" destOrd="0" presId="urn:microsoft.com/office/officeart/2005/8/layout/hierarchy1"/>
-    <dgm:cxn modelId="{689D012A-8F3B-4B59-AD3D-07C1B75A03F9}" type="presOf" srcId="{72AECD28-A57F-48A2-BB86-1CE4F688B74A}" destId="{AC339D72-C85E-485E-8BD2-9C34192AA842}" srcOrd="0" destOrd="0" presId="urn:microsoft.com/office/officeart/2005/8/layout/hierarchy1"/>
-    <dgm:cxn modelId="{D6CC1703-08A1-420C-A0D4-E5562B6B343A}" type="presOf" srcId="{6793C9E3-6CC0-44A9-B9A4-ED7CE453EE53}" destId="{955F3E12-743F-4409-BA61-CF7EF6DAC3AC}" srcOrd="0" destOrd="0" presId="urn:microsoft.com/office/officeart/2005/8/layout/hierarchy1"/>
-    <dgm:cxn modelId="{34741218-10D5-49FF-BBA5-C6C1105696C3}" type="presOf" srcId="{8EF9896D-6849-4641-A7B9-C38F2841686F}" destId="{37249595-215E-4F29-9BF5-C73C3224EDAD}" srcOrd="0" destOrd="0" presId="urn:microsoft.com/office/officeart/2005/8/layout/hierarchy1"/>
-    <dgm:cxn modelId="{EEC7F682-A43D-46F0-A0FC-1045C569BE00}" srcId="{7561AD79-FA45-4AB3-BC88-014F91DA7F6B}" destId="{2EEBE18C-76F4-40CA-9A39-CBFCBE56FAD0}" srcOrd="0" destOrd="0" parTransId="{C9F0BCF3-7371-42AB-AA4B-6CAC960428D7}" sibTransId="{861F2ABB-075B-42D7-A57E-44C31E5D0C1D}"/>
-    <dgm:cxn modelId="{A429C025-BC54-45ED-B64E-B1F02528CF6F}" srcId="{DEE30799-3154-459A-A33E-58660FADB428}" destId="{2FBFD0D6-1527-44A0-873A-0E7B2C4EFDA2}" srcOrd="0" destOrd="0" parTransId="{6793C9E3-6CC0-44A9-B9A4-ED7CE453EE53}" sibTransId="{8284448E-C6CB-4872-BED7-E87B1F667CC1}"/>
-    <dgm:cxn modelId="{0FA8D5E5-1640-478E-8080-A501BBC47067}" srcId="{53041CDD-C0A0-4966-89B8-D24A7CE79CEB}" destId="{7561AD79-FA45-4AB3-BC88-014F91DA7F6B}" srcOrd="0" destOrd="0" parTransId="{FC37E264-0664-4800-A68C-17D5E5C5E646}" sibTransId="{9921F63A-788E-4A9E-B215-B98A15496BF0}"/>
-    <dgm:cxn modelId="{D18155BC-41E6-4790-8675-593608575B97}" type="presOf" srcId="{F04020B0-8553-415B-9C61-A451FD4ABE26}" destId="{4515E9F4-D146-4A88-A761-284FCFC69ECF}" srcOrd="0" destOrd="0" presId="urn:microsoft.com/office/officeart/2005/8/layout/hierarchy1"/>
     <dgm:cxn modelId="{FE4FBB48-8BCE-4B41-990F-4023E56F7698}" srcId="{8EF9896D-6849-4641-A7B9-C38F2841686F}" destId="{65DDDE58-FC51-4958-A1C4-10F689EA5102}" srcOrd="0" destOrd="0" parTransId="{F04020B0-8553-415B-9C61-A451FD4ABE26}" sibTransId="{A69E6302-9B3B-43D2-A647-76B9A2FCEAD6}"/>
     <dgm:cxn modelId="{17AD2774-6657-4362-9C06-C0CE2E5F3E3D}" srcId="{1DA6A3D5-5D9C-4E83-8556-7454127E06DB}" destId="{7E3BC734-5CC2-45D1-9DAE-97017B4E8344}" srcOrd="0" destOrd="0" parTransId="{10877CDC-6570-4F32-B7EC-50D7075F259F}" sibTransId="{58CB7E8D-6120-4EBE-9F32-0DD73D16D490}"/>
-    <dgm:cxn modelId="{ACEEE512-9B45-44E5-ADBB-B1E02FEE8397}" type="presOf" srcId="{DEE30799-3154-459A-A33E-58660FADB428}" destId="{ADCFEE8E-215D-40D0-8330-FF4F29094455}" srcOrd="0" destOrd="0" presId="urn:microsoft.com/office/officeart/2005/8/layout/hierarchy1"/>
-    <dgm:cxn modelId="{A034DC19-E1B6-4C14-9383-049FFF47962E}" srcId="{7E3BC734-5CC2-45D1-9DAE-97017B4E8344}" destId="{53041CDD-C0A0-4966-89B8-D24A7CE79CEB}" srcOrd="0" destOrd="0" parTransId="{3BCC7075-410E-46A1-957C-436981906740}" sibTransId="{B395BCD7-9EFE-47E9-9DBF-C519B94DEE8A}"/>
-    <dgm:cxn modelId="{2C837C27-1364-4EEA-9664-892D0CA866C2}" type="presOf" srcId="{87377AC6-182B-43B6-8BF2-A385508E382F}" destId="{3D74E8F0-9F38-4135-93A1-F1D60BBB19E0}" srcOrd="0" destOrd="0" presId="urn:microsoft.com/office/officeart/2005/8/layout/hierarchy1"/>
-    <dgm:cxn modelId="{4724D504-275D-418A-8968-874C6321DC00}" type="presOf" srcId="{7561AD79-FA45-4AB3-BC88-014F91DA7F6B}" destId="{B2189546-A8BC-4DC1-87D3-0133FD61C8D2}" srcOrd="0" destOrd="0" presId="urn:microsoft.com/office/officeart/2005/8/layout/hierarchy1"/>
-    <dgm:cxn modelId="{A1A0B68C-E3FA-4D3A-9E7F-B776E5B0946E}" srcId="{7E3BC734-5CC2-45D1-9DAE-97017B4E8344}" destId="{8EF9896D-6849-4641-A7B9-C38F2841686F}" srcOrd="1" destOrd="0" parTransId="{87377AC6-182B-43B6-8BF2-A385508E382F}" sibTransId="{72677875-4EEF-466D-ABE3-D48026C20C35}"/>
-    <dgm:cxn modelId="{DD420A22-E26D-41E6-AECF-0782590B53B2}" type="presOf" srcId="{D39D5272-DFDE-4972-BB90-0225CC151F1E}" destId="{CE7FD837-61FA-4D43-AD05-53188E2B589F}" srcOrd="0" destOrd="0" presId="urn:microsoft.com/office/officeart/2005/8/layout/hierarchy1"/>
     <dgm:cxn modelId="{028F736F-FB6C-4664-9989-783A4EC5E9D3}" type="presParOf" srcId="{34BBFDDB-178A-478F-8C2C-86AE73BADB9F}" destId="{2E8763B1-202C-41BE-BEA5-EC11C4AA3123}" srcOrd="0" destOrd="0" presId="urn:microsoft.com/office/officeart/2005/8/layout/hierarchy1"/>
     <dgm:cxn modelId="{29AFDB10-3A07-42F9-8F3D-DDCDD2D3A77F}" type="presParOf" srcId="{2E8763B1-202C-41BE-BEA5-EC11C4AA3123}" destId="{3934D702-C6B6-4FCA-98DA-3B2AD85A29D0}" srcOrd="0" destOrd="0" presId="urn:microsoft.com/office/officeart/2005/8/layout/hierarchy1"/>
     <dgm:cxn modelId="{EC1E2327-6BDB-496D-A769-22C324364D73}" type="presParOf" srcId="{3934D702-C6B6-4FCA-98DA-3B2AD85A29D0}" destId="{FC7A4125-0503-48A8-9DC6-A2BF6D3F8429}" srcOrd="0" destOrd="0" presId="urn:microsoft.com/office/officeart/2005/8/layout/hierarchy1"/>
@@ -8843,7 +8843,7 @@
             <a:fld id="{BE4E05A4-29A6-45AB-82C9-31FC81F0251A}" type="datetimeFigureOut">
               <a:rPr lang="en-US" smtClean="0"/>
               <a:pPr/>
-              <a:t>8/27/2019</a:t>
+              <a:t>9/3/2019</a:t>
             </a:fld>
             <a:endParaRPr lang="en-US" dirty="0"/>
           </a:p>
@@ -17661,6 +17661,58 @@
           </a:p>
         </p:txBody>
       </p:sp>
+      <p:sp>
+        <p:nvSpPr>
+          <p:cNvPr id="6" name="Rectangle 5"/>
+          <p:cNvSpPr/>
+          <p:nvPr/>
+        </p:nvSpPr>
+        <p:spPr>
+          <a:xfrm>
+            <a:off x="8856619" y="-4467"/>
+            <a:ext cx="3339377" cy="923330"/>
+          </a:xfrm>
+          <a:prstGeom prst="rect">
+            <a:avLst/>
+          </a:prstGeom>
+          <a:noFill/>
+        </p:spPr>
+        <p:txBody>
+          <a:bodyPr wrap="none" lIns="91440" tIns="45720" rIns="91440" bIns="45720">
+            <a:spAutoFit/>
+            <a:scene3d>
+              <a:camera prst="orthographicFront"/>
+              <a:lightRig rig="soft" dir="t">
+                <a:rot lat="0" lon="0" rev="15600000"/>
+              </a:lightRig>
+            </a:scene3d>
+            <a:sp3d extrusionH="57150" prstMaterial="softEdge">
+              <a:bevelT w="25400" h="38100"/>
+            </a:sp3d>
+          </a:bodyPr>
+          <a:lstStyle/>
+          <a:p>
+            <a:pPr algn="ctr"/>
+            <a:r>
+              <a:rPr lang="en-US" sz="5400" b="1" cap="none" spc="0" dirty="0" smtClean="0">
+                <a:ln/>
+                <a:solidFill>
+                  <a:schemeClr val="accent4"/>
+                </a:solidFill>
+                <a:effectLst/>
+              </a:rPr>
+              <a:t>Complete</a:t>
+            </a:r>
+            <a:endParaRPr lang="en-US" sz="5400" b="1" cap="none" spc="0" dirty="0">
+              <a:ln/>
+              <a:solidFill>
+                <a:schemeClr val="accent4"/>
+              </a:solidFill>
+              <a:effectLst/>
+            </a:endParaRPr>
+          </a:p>
+        </p:txBody>
+      </p:sp>
     </p:spTree>
     <p:extLst>
       <p:ext uri="{BB962C8B-B14F-4D97-AF65-F5344CB8AC3E}">
@@ -18602,8 +18654,8 @@
         </p:nvSpPr>
         <p:spPr>
           <a:xfrm>
-            <a:off x="4770974" y="2967335"/>
-            <a:ext cx="2646879" cy="923330"/>
+            <a:off x="3251329" y="2967335"/>
+            <a:ext cx="5686172" cy="923330"/>
           </a:xfrm>
           <a:prstGeom prst="rect">
             <a:avLst/>
@@ -18632,7 +18684,7 @@
                   </a:schemeClr>
                 </a:solidFill>
               </a:rPr>
-              <a:t>Sylvere</a:t>
+              <a:t>Sylvere/Brandon</a:t>
             </a:r>
             <a:endParaRPr lang="en-US" sz="5400" b="1" cap="none" spc="0" dirty="0">
               <a:ln w="22225">
@@ -19016,7 +19068,7 @@
           <a:graphicData uri="http://schemas.openxmlformats.org/presentationml/2006/ole">
             <mc:AlternateContent xmlns:mc="http://schemas.openxmlformats.org/markup-compatibility/2006">
               <mc:Choice xmlns:v="urn:schemas-microsoft-com:vml" Requires="v">
-                <p:oleObj spid="_x0000_s2060" name="Visio" r:id="rId3" imgW="5467350" imgH="3819396" progId="Visio.Drawing.15">
+                <p:oleObj spid="_x0000_s2062" name="Visio" r:id="rId3" imgW="5467350" imgH="3819396" progId="Visio.Drawing.15">
                   <p:embed/>
                 </p:oleObj>
               </mc:Choice>
@@ -19063,14 +19115,14 @@
       </p:graphicFrame>
       <p:sp>
         <p:nvSpPr>
-          <p:cNvPr id="7" name="Rectangle 6"/>
+          <p:cNvPr id="8" name="Rectangle 7"/>
           <p:cNvSpPr/>
           <p:nvPr/>
         </p:nvSpPr>
         <p:spPr>
           <a:xfrm>
-            <a:off x="10849996" y="-80420"/>
-            <a:ext cx="1338829" cy="923330"/>
+            <a:off x="8856619" y="-4467"/>
+            <a:ext cx="3339377" cy="923330"/>
           </a:xfrm>
           <a:prstGeom prst="rect">
             <a:avLst/>
@@ -19080,40 +19132,33 @@
         <p:txBody>
           <a:bodyPr wrap="none" lIns="91440" tIns="45720" rIns="91440" bIns="45720">
             <a:spAutoFit/>
+            <a:scene3d>
+              <a:camera prst="orthographicFront"/>
+              <a:lightRig rig="soft" dir="t">
+                <a:rot lat="0" lon="0" rev="15600000"/>
+              </a:lightRig>
+            </a:scene3d>
+            <a:sp3d extrusionH="57150" prstMaterial="softEdge">
+              <a:bevelT w="25400" h="38100"/>
+            </a:sp3d>
           </a:bodyPr>
           <a:lstStyle/>
           <a:p>
             <a:pPr algn="ctr"/>
             <a:r>
               <a:rPr lang="en-US" sz="5400" b="1" cap="none" spc="0" dirty="0" smtClean="0">
-                <a:ln w="22225">
-                  <a:solidFill>
-                    <a:schemeClr val="accent2"/>
-                  </a:solidFill>
-                  <a:prstDash val="solid"/>
-                </a:ln>
+                <a:ln/>
                 <a:solidFill>
-                  <a:schemeClr val="accent2">
-                    <a:lumMod val="40000"/>
-                    <a:lumOff val="60000"/>
-                  </a:schemeClr>
+                  <a:schemeClr val="accent4"/>
                 </a:solidFill>
                 <a:effectLst/>
               </a:rPr>
-              <a:t>Mel</a:t>
+              <a:t>Complete</a:t>
             </a:r>
             <a:endParaRPr lang="en-US" sz="5400" b="1" cap="none" spc="0" dirty="0">
-              <a:ln w="22225">
-                <a:solidFill>
-                  <a:schemeClr val="accent2"/>
-                </a:solidFill>
-                <a:prstDash val="solid"/>
-              </a:ln>
+              <a:ln/>
               <a:solidFill>
-                <a:schemeClr val="accent2">
-                  <a:lumMod val="40000"/>
-                  <a:lumOff val="60000"/>
-                </a:schemeClr>
+                <a:schemeClr val="accent4"/>
               </a:solidFill>
               <a:effectLst/>
             </a:endParaRPr>
@@ -19251,6 +19296,58 @@
               <a:t>Next Steps</a:t>
             </a:r>
             <a:endParaRPr lang="en-GB" dirty="0"/>
+          </a:p>
+        </p:txBody>
+      </p:sp>
+      <p:sp>
+        <p:nvSpPr>
+          <p:cNvPr id="5" name="Rectangle 4"/>
+          <p:cNvSpPr/>
+          <p:nvPr/>
+        </p:nvSpPr>
+        <p:spPr>
+          <a:xfrm>
+            <a:off x="8856619" y="-4467"/>
+            <a:ext cx="3339377" cy="923330"/>
+          </a:xfrm>
+          <a:prstGeom prst="rect">
+            <a:avLst/>
+          </a:prstGeom>
+          <a:noFill/>
+        </p:spPr>
+        <p:txBody>
+          <a:bodyPr wrap="none" lIns="91440" tIns="45720" rIns="91440" bIns="45720">
+            <a:spAutoFit/>
+            <a:scene3d>
+              <a:camera prst="orthographicFront"/>
+              <a:lightRig rig="soft" dir="t">
+                <a:rot lat="0" lon="0" rev="15600000"/>
+              </a:lightRig>
+            </a:scene3d>
+            <a:sp3d extrusionH="57150" prstMaterial="softEdge">
+              <a:bevelT w="25400" h="38100"/>
+            </a:sp3d>
+          </a:bodyPr>
+          <a:lstStyle/>
+          <a:p>
+            <a:pPr algn="ctr"/>
+            <a:r>
+              <a:rPr lang="en-US" sz="5400" b="1" cap="none" spc="0" dirty="0" smtClean="0">
+                <a:ln/>
+                <a:solidFill>
+                  <a:schemeClr val="accent4"/>
+                </a:solidFill>
+                <a:effectLst/>
+              </a:rPr>
+              <a:t>Complete</a:t>
+            </a:r>
+            <a:endParaRPr lang="en-US" sz="5400" b="1" cap="none" spc="0" dirty="0">
+              <a:ln/>
+              <a:solidFill>
+                <a:schemeClr val="accent4"/>
+              </a:solidFill>
+              <a:effectLst/>
+            </a:endParaRPr>
           </a:p>
         </p:txBody>
       </p:sp>
@@ -20481,36 +20578,6 @@
           </a:p>
         </p:txBody>
       </p:sp>
-      <p:pic>
-        <p:nvPicPr>
-          <p:cNvPr id="9" name="Picture 8"/>
-          <p:cNvPicPr>
-            <a:picLocks noChangeAspect="1"/>
-          </p:cNvPicPr>
-          <p:nvPr/>
-        </p:nvPicPr>
-        <p:blipFill>
-          <a:blip r:embed="rId3" cstate="print">
-            <a:extLst>
-              <a:ext uri="{28A0092B-C50C-407E-A947-70E740481C1C}">
-                <a14:useLocalDpi xmlns:a14="http://schemas.microsoft.com/office/drawing/2010/main" val="0"/>
-              </a:ext>
-            </a:extLst>
-          </a:blip>
-          <a:stretch>
-            <a:fillRect/>
-          </a:stretch>
-        </p:blipFill>
-        <p:spPr>
-          <a:xfrm>
-            <a:off x="-3717804" y="2621846"/>
-            <a:ext cx="2381373" cy="1786030"/>
-          </a:xfrm>
-          <a:prstGeom prst="rect">
-            <a:avLst/>
-          </a:prstGeom>
-        </p:spPr>
-      </p:pic>
       <p:sp>
         <p:nvSpPr>
           <p:cNvPr id="11" name="TextBox 10"/>
@@ -20578,14 +20645,14 @@
       </p:sp>
       <p:sp>
         <p:nvSpPr>
-          <p:cNvPr id="12" name="Rectangle 11"/>
+          <p:cNvPr id="13" name="Rectangle 12"/>
           <p:cNvSpPr/>
           <p:nvPr/>
         </p:nvSpPr>
         <p:spPr>
           <a:xfrm>
-            <a:off x="10849996" y="-80420"/>
-            <a:ext cx="1338829" cy="923330"/>
+            <a:off x="8856619" y="-4467"/>
+            <a:ext cx="3339377" cy="923330"/>
           </a:xfrm>
           <a:prstGeom prst="rect">
             <a:avLst/>
@@ -20595,40 +20662,33 @@
         <p:txBody>
           <a:bodyPr wrap="none" lIns="91440" tIns="45720" rIns="91440" bIns="45720">
             <a:spAutoFit/>
+            <a:scene3d>
+              <a:camera prst="orthographicFront"/>
+              <a:lightRig rig="soft" dir="t">
+                <a:rot lat="0" lon="0" rev="15600000"/>
+              </a:lightRig>
+            </a:scene3d>
+            <a:sp3d extrusionH="57150" prstMaterial="softEdge">
+              <a:bevelT w="25400" h="38100"/>
+            </a:sp3d>
           </a:bodyPr>
           <a:lstStyle/>
           <a:p>
             <a:pPr algn="ctr"/>
             <a:r>
               <a:rPr lang="en-US" sz="5400" b="1" cap="none" spc="0" dirty="0" smtClean="0">
-                <a:ln w="22225">
-                  <a:solidFill>
-                    <a:schemeClr val="accent2"/>
-                  </a:solidFill>
-                  <a:prstDash val="solid"/>
-                </a:ln>
+                <a:ln/>
                 <a:solidFill>
-                  <a:schemeClr val="accent2">
-                    <a:lumMod val="40000"/>
-                    <a:lumOff val="60000"/>
-                  </a:schemeClr>
+                  <a:schemeClr val="accent4"/>
                 </a:solidFill>
                 <a:effectLst/>
               </a:rPr>
-              <a:t>Mel</a:t>
+              <a:t>Complete</a:t>
             </a:r>
             <a:endParaRPr lang="en-US" sz="5400" b="1" cap="none" spc="0" dirty="0">
-              <a:ln w="22225">
-                <a:solidFill>
-                  <a:schemeClr val="accent2"/>
-                </a:solidFill>
-                <a:prstDash val="solid"/>
-              </a:ln>
+              <a:ln/>
               <a:solidFill>
-                <a:schemeClr val="accent2">
-                  <a:lumMod val="40000"/>
-                  <a:lumOff val="60000"/>
-                </a:schemeClr>
+                <a:schemeClr val="accent4"/>
               </a:solidFill>
               <a:effectLst/>
             </a:endParaRPr>
@@ -21759,14 +21819,14 @@
       </p:sp>
       <p:sp>
         <p:nvSpPr>
-          <p:cNvPr id="11" name="Rectangle 10"/>
+          <p:cNvPr id="13" name="Rectangle 12"/>
           <p:cNvSpPr/>
           <p:nvPr/>
         </p:nvSpPr>
         <p:spPr>
           <a:xfrm>
-            <a:off x="10849996" y="-80420"/>
-            <a:ext cx="1338829" cy="923330"/>
+            <a:off x="8856619" y="-4467"/>
+            <a:ext cx="3339377" cy="923330"/>
           </a:xfrm>
           <a:prstGeom prst="rect">
             <a:avLst/>
@@ -21776,40 +21836,33 @@
         <p:txBody>
           <a:bodyPr wrap="none" lIns="91440" tIns="45720" rIns="91440" bIns="45720">
             <a:spAutoFit/>
+            <a:scene3d>
+              <a:camera prst="orthographicFront"/>
+              <a:lightRig rig="soft" dir="t">
+                <a:rot lat="0" lon="0" rev="15600000"/>
+              </a:lightRig>
+            </a:scene3d>
+            <a:sp3d extrusionH="57150" prstMaterial="softEdge">
+              <a:bevelT w="25400" h="38100"/>
+            </a:sp3d>
           </a:bodyPr>
           <a:lstStyle/>
           <a:p>
             <a:pPr algn="ctr"/>
             <a:r>
               <a:rPr lang="en-US" sz="5400" b="1" cap="none" spc="0" dirty="0" smtClean="0">
-                <a:ln w="22225">
-                  <a:solidFill>
-                    <a:schemeClr val="accent2"/>
-                  </a:solidFill>
-                  <a:prstDash val="solid"/>
-                </a:ln>
+                <a:ln/>
                 <a:solidFill>
-                  <a:schemeClr val="accent2">
-                    <a:lumMod val="40000"/>
-                    <a:lumOff val="60000"/>
-                  </a:schemeClr>
+                  <a:schemeClr val="accent4"/>
                 </a:solidFill>
                 <a:effectLst/>
               </a:rPr>
-              <a:t>Mel</a:t>
+              <a:t>Complete</a:t>
             </a:r>
             <a:endParaRPr lang="en-US" sz="5400" b="1" cap="none" spc="0" dirty="0">
-              <a:ln w="22225">
-                <a:solidFill>
-                  <a:schemeClr val="accent2"/>
-                </a:solidFill>
-                <a:prstDash val="solid"/>
-              </a:ln>
+              <a:ln/>
               <a:solidFill>
-                <a:schemeClr val="accent2">
-                  <a:lumMod val="40000"/>
-                  <a:lumOff val="60000"/>
-                </a:schemeClr>
+                <a:schemeClr val="accent4"/>
               </a:solidFill>
               <a:effectLst/>
             </a:endParaRPr>
@@ -21838,6 +21891,13 @@
       </p:transition>
     </mc:Fallback>
   </mc:AlternateContent>
+  <p:timing>
+    <p:tnLst>
+      <p:par>
+        <p:cTn id="1" dur="indefinite" restart="never" nodeType="tmRoot"/>
+      </p:par>
+    </p:tnLst>
+  </p:timing>
 </p:sld>
 </file>
 
@@ -21998,64 +22058,6 @@
               <a:t>Current State</a:t>
             </a:r>
             <a:endParaRPr lang="en-US" dirty="0"/>
-          </a:p>
-        </p:txBody>
-      </p:sp>
-      <p:sp>
-        <p:nvSpPr>
-          <p:cNvPr id="77" name="Rectangle 76"/>
-          <p:cNvSpPr/>
-          <p:nvPr/>
-        </p:nvSpPr>
-        <p:spPr>
-          <a:xfrm>
-            <a:off x="7692495" y="125075"/>
-            <a:ext cx="4378122" cy="923330"/>
-          </a:xfrm>
-          <a:prstGeom prst="rect">
-            <a:avLst/>
-          </a:prstGeom>
-          <a:noFill/>
-        </p:spPr>
-        <p:txBody>
-          <a:bodyPr wrap="none" lIns="91440" tIns="45720" rIns="91440" bIns="45720">
-            <a:spAutoFit/>
-          </a:bodyPr>
-          <a:lstStyle/>
-          <a:p>
-            <a:pPr algn="ctr"/>
-            <a:r>
-              <a:rPr lang="en-US" sz="5400" b="1" dirty="0" smtClean="0">
-                <a:ln w="22225">
-                  <a:solidFill>
-                    <a:schemeClr val="accent2"/>
-                  </a:solidFill>
-                  <a:prstDash val="solid"/>
-                </a:ln>
-                <a:solidFill>
-                  <a:schemeClr val="accent2">
-                    <a:lumMod val="40000"/>
-                    <a:lumOff val="60000"/>
-                  </a:schemeClr>
-                </a:solidFill>
-              </a:rPr>
-              <a:t>Mel/Brandon</a:t>
-            </a:r>
-            <a:endParaRPr lang="en-US" sz="5400" b="1" cap="none" spc="0" dirty="0">
-              <a:ln w="22225">
-                <a:solidFill>
-                  <a:schemeClr val="accent2"/>
-                </a:solidFill>
-                <a:prstDash val="solid"/>
-              </a:ln>
-              <a:solidFill>
-                <a:schemeClr val="accent2">
-                  <a:lumMod val="40000"/>
-                  <a:lumOff val="60000"/>
-                </a:schemeClr>
-              </a:solidFill>
-              <a:effectLst/>
-            </a:endParaRPr>
           </a:p>
         </p:txBody>
       </p:sp>
@@ -22566,15 +22568,7 @@
             <a:pPr marL="631825" lvl="1" indent="-342900"/>
             <a:r>
               <a:rPr lang="en-US" sz="1400" b="0" kern="0" dirty="0" smtClean="0"/>
-              <a:t>All </a:t>
-            </a:r>
-            <a:r>
-              <a:rPr lang="en-US" sz="1400" b="0" kern="0" dirty="0" smtClean="0"/>
-              <a:t>new items </a:t>
-            </a:r>
-            <a:r>
-              <a:rPr lang="en-US" sz="1400" b="0" kern="0" dirty="0" smtClean="0"/>
-              <a:t>are a bug</a:t>
+              <a:t>All new items are a bug</a:t>
             </a:r>
           </a:p>
           <a:p>
@@ -22951,6 +22945,58 @@
           </a:graphicData>
         </a:graphic>
       </p:graphicFrame>
+      <p:sp>
+        <p:nvSpPr>
+          <p:cNvPr id="17" name="Rectangle 16"/>
+          <p:cNvSpPr/>
+          <p:nvPr/>
+        </p:nvSpPr>
+        <p:spPr>
+          <a:xfrm>
+            <a:off x="8856619" y="-4467"/>
+            <a:ext cx="3339377" cy="923330"/>
+          </a:xfrm>
+          <a:prstGeom prst="rect">
+            <a:avLst/>
+          </a:prstGeom>
+          <a:noFill/>
+        </p:spPr>
+        <p:txBody>
+          <a:bodyPr wrap="none" lIns="91440" tIns="45720" rIns="91440" bIns="45720">
+            <a:spAutoFit/>
+            <a:scene3d>
+              <a:camera prst="orthographicFront"/>
+              <a:lightRig rig="soft" dir="t">
+                <a:rot lat="0" lon="0" rev="15600000"/>
+              </a:lightRig>
+            </a:scene3d>
+            <a:sp3d extrusionH="57150" prstMaterial="softEdge">
+              <a:bevelT w="25400" h="38100"/>
+            </a:sp3d>
+          </a:bodyPr>
+          <a:lstStyle/>
+          <a:p>
+            <a:pPr algn="ctr"/>
+            <a:r>
+              <a:rPr lang="en-US" sz="5400" b="1" cap="none" spc="0" dirty="0" smtClean="0">
+                <a:ln/>
+                <a:solidFill>
+                  <a:schemeClr val="accent4"/>
+                </a:solidFill>
+                <a:effectLst/>
+              </a:rPr>
+              <a:t>Complete</a:t>
+            </a:r>
+            <a:endParaRPr lang="en-US" sz="5400" b="1" cap="none" spc="0" dirty="0">
+              <a:ln/>
+              <a:solidFill>
+                <a:schemeClr val="accent4"/>
+              </a:solidFill>
+              <a:effectLst/>
+            </a:endParaRPr>
+          </a:p>
+        </p:txBody>
+      </p:sp>
     </p:spTree>
     <p:extLst>
       <p:ext uri="{BB962C8B-B14F-4D97-AF65-F5344CB8AC3E}">
@@ -22973,6 +23019,13 @@
       </p:transition>
     </mc:Fallback>
   </mc:AlternateContent>
+  <p:timing>
+    <p:tnLst>
+      <p:par>
+        <p:cTn id="1" dur="indefinite" restart="never" nodeType="tmRoot"/>
+      </p:par>
+    </p:tnLst>
+  </p:timing>
 </p:sld>
 </file>
 
@@ -25232,14 +25285,14 @@
       </p:sp>
       <p:sp>
         <p:nvSpPr>
-          <p:cNvPr id="51" name="Rectangle 50"/>
+          <p:cNvPr id="52" name="Rectangle 51"/>
           <p:cNvSpPr/>
           <p:nvPr/>
         </p:nvSpPr>
         <p:spPr>
           <a:xfrm>
-            <a:off x="7882995" y="-73045"/>
-            <a:ext cx="4378122" cy="923330"/>
+            <a:off x="8856619" y="-4467"/>
+            <a:ext cx="3339377" cy="923330"/>
           </a:xfrm>
           <a:prstGeom prst="rect">
             <a:avLst/>
@@ -25249,39 +25302,33 @@
         <p:txBody>
           <a:bodyPr wrap="none" lIns="91440" tIns="45720" rIns="91440" bIns="45720">
             <a:spAutoFit/>
+            <a:scene3d>
+              <a:camera prst="orthographicFront"/>
+              <a:lightRig rig="soft" dir="t">
+                <a:rot lat="0" lon="0" rev="15600000"/>
+              </a:lightRig>
+            </a:scene3d>
+            <a:sp3d extrusionH="57150" prstMaterial="softEdge">
+              <a:bevelT w="25400" h="38100"/>
+            </a:sp3d>
           </a:bodyPr>
           <a:lstStyle/>
           <a:p>
             <a:pPr algn="ctr"/>
             <a:r>
-              <a:rPr lang="en-US" sz="5400" b="1" dirty="0" smtClean="0">
-                <a:ln w="22225">
-                  <a:solidFill>
-                    <a:schemeClr val="accent2"/>
-                  </a:solidFill>
-                  <a:prstDash val="solid"/>
-                </a:ln>
+              <a:rPr lang="en-US" sz="5400" b="1" cap="none" spc="0" dirty="0" smtClean="0">
+                <a:ln/>
                 <a:solidFill>
-                  <a:schemeClr val="accent2">
-                    <a:lumMod val="40000"/>
-                    <a:lumOff val="60000"/>
-                  </a:schemeClr>
+                  <a:schemeClr val="accent4"/>
                 </a:solidFill>
+                <a:effectLst/>
               </a:rPr>
-              <a:t>Mel/Brandon</a:t>
+              <a:t>Complete</a:t>
             </a:r>
             <a:endParaRPr lang="en-US" sz="5400" b="1" cap="none" spc="0" dirty="0">
-              <a:ln w="22225">
-                <a:solidFill>
-                  <a:schemeClr val="accent2"/>
-                </a:solidFill>
-                <a:prstDash val="solid"/>
-              </a:ln>
+              <a:ln/>
               <a:solidFill>
-                <a:schemeClr val="accent2">
-                  <a:lumMod val="40000"/>
-                  <a:lumOff val="60000"/>
-                </a:schemeClr>
+                <a:schemeClr val="accent4"/>
               </a:solidFill>
               <a:effectLst/>
             </a:endParaRPr>
@@ -25310,6 +25357,13 @@
       </p:transition>
     </mc:Fallback>
   </mc:AlternateContent>
+  <p:timing>
+    <p:tnLst>
+      <p:par>
+        <p:cTn id="1" dur="indefinite" restart="never" nodeType="tmRoot"/>
+      </p:par>
+    </p:tnLst>
+  </p:timing>
 </p:sld>
 </file>
 
@@ -25441,64 +25495,6 @@
                   <a:lumMod val="50000"/>
                 </a:schemeClr>
               </a:solidFill>
-            </a:endParaRPr>
-          </a:p>
-        </p:txBody>
-      </p:sp>
-      <p:sp>
-        <p:nvSpPr>
-          <p:cNvPr id="59" name="Rectangle 58"/>
-          <p:cNvSpPr/>
-          <p:nvPr/>
-        </p:nvSpPr>
-        <p:spPr>
-          <a:xfrm>
-            <a:off x="7882995" y="-73045"/>
-            <a:ext cx="4378122" cy="923330"/>
-          </a:xfrm>
-          <a:prstGeom prst="rect">
-            <a:avLst/>
-          </a:prstGeom>
-          <a:noFill/>
-        </p:spPr>
-        <p:txBody>
-          <a:bodyPr wrap="none" lIns="91440" tIns="45720" rIns="91440" bIns="45720">
-            <a:spAutoFit/>
-          </a:bodyPr>
-          <a:lstStyle/>
-          <a:p>
-            <a:pPr algn="ctr"/>
-            <a:r>
-              <a:rPr lang="en-US" sz="5400" b="1" dirty="0" smtClean="0">
-                <a:ln w="22225">
-                  <a:solidFill>
-                    <a:schemeClr val="accent2"/>
-                  </a:solidFill>
-                  <a:prstDash val="solid"/>
-                </a:ln>
-                <a:solidFill>
-                  <a:schemeClr val="accent2">
-                    <a:lumMod val="40000"/>
-                    <a:lumOff val="60000"/>
-                  </a:schemeClr>
-                </a:solidFill>
-              </a:rPr>
-              <a:t>Mel/Brandon</a:t>
-            </a:r>
-            <a:endParaRPr lang="en-US" sz="5400" b="1" cap="none" spc="0" dirty="0">
-              <a:ln w="22225">
-                <a:solidFill>
-                  <a:schemeClr val="accent2"/>
-                </a:solidFill>
-                <a:prstDash val="solid"/>
-              </a:ln>
-              <a:solidFill>
-                <a:schemeClr val="accent2">
-                  <a:lumMod val="40000"/>
-                  <a:lumOff val="60000"/>
-                </a:schemeClr>
-              </a:solidFill>
-              <a:effectLst/>
             </a:endParaRPr>
           </a:p>
         </p:txBody>
@@ -28619,6 +28615,58 @@
           </a:fontRef>
         </p:style>
       </p:cxnSp>
+      <p:sp>
+        <p:nvSpPr>
+          <p:cNvPr id="75" name="Rectangle 74"/>
+          <p:cNvSpPr/>
+          <p:nvPr/>
+        </p:nvSpPr>
+        <p:spPr>
+          <a:xfrm>
+            <a:off x="8856619" y="-4467"/>
+            <a:ext cx="3339377" cy="923330"/>
+          </a:xfrm>
+          <a:prstGeom prst="rect">
+            <a:avLst/>
+          </a:prstGeom>
+          <a:noFill/>
+        </p:spPr>
+        <p:txBody>
+          <a:bodyPr wrap="none" lIns="91440" tIns="45720" rIns="91440" bIns="45720">
+            <a:spAutoFit/>
+            <a:scene3d>
+              <a:camera prst="orthographicFront"/>
+              <a:lightRig rig="soft" dir="t">
+                <a:rot lat="0" lon="0" rev="15600000"/>
+              </a:lightRig>
+            </a:scene3d>
+            <a:sp3d extrusionH="57150" prstMaterial="softEdge">
+              <a:bevelT w="25400" h="38100"/>
+            </a:sp3d>
+          </a:bodyPr>
+          <a:lstStyle/>
+          <a:p>
+            <a:pPr algn="ctr"/>
+            <a:r>
+              <a:rPr lang="en-US" sz="5400" b="1" cap="none" spc="0" dirty="0" smtClean="0">
+                <a:ln/>
+                <a:solidFill>
+                  <a:schemeClr val="accent4"/>
+                </a:solidFill>
+                <a:effectLst/>
+              </a:rPr>
+              <a:t>Complete</a:t>
+            </a:r>
+            <a:endParaRPr lang="en-US" sz="5400" b="1" cap="none" spc="0" dirty="0">
+              <a:ln/>
+              <a:solidFill>
+                <a:schemeClr val="accent4"/>
+              </a:solidFill>
+              <a:effectLst/>
+            </a:endParaRPr>
+          </a:p>
+        </p:txBody>
+      </p:sp>
     </p:spTree>
     <p:extLst>
       <p:ext uri="{BB962C8B-B14F-4D97-AF65-F5344CB8AC3E}">
@@ -28641,6 +28689,13 @@
       </p:transition>
     </mc:Fallback>
   </mc:AlternateContent>
+  <p:timing>
+    <p:tnLst>
+      <p:par>
+        <p:cTn id="1" dur="indefinite" restart="never" nodeType="tmRoot"/>
+      </p:par>
+    </p:tnLst>
+  </p:timing>
 </p:sld>
 </file>
 
@@ -28913,6 +28968,13 @@
       </p:transition>
     </mc:Fallback>
   </mc:AlternateContent>
+  <p:timing>
+    <p:tnLst>
+      <p:par>
+        <p:cTn id="1" dur="indefinite" restart="never" nodeType="tmRoot"/>
+      </p:par>
+    </p:tnLst>
+  </p:timing>
 </p:sld>
 </file>
 
@@ -29185,6 +29247,13 @@
       </p:transition>
     </mc:Fallback>
   </mc:AlternateContent>
+  <p:timing>
+    <p:tnLst>
+      <p:par>
+        <p:cTn id="1" dur="indefinite" restart="never" nodeType="tmRoot"/>
+      </p:par>
+    </p:tnLst>
+  </p:timing>
 </p:sld>
 </file>
 
@@ -30184,6 +30253,15 @@
 </file>
 
 <file path=customXml/item2.xml><?xml version="1.0" encoding="utf-8"?>
+<?mso-contentType ?>
+<FormTemplates xmlns="http://schemas.microsoft.com/sharepoint/v3/contenttype/forms">
+  <Display>DocumentLibraryForm</Display>
+  <Edit>DocumentLibraryForm</Edit>
+  <New>DocumentLibraryForm</New>
+</FormTemplates>
+</file>
+
+<file path=customXml/item3.xml><?xml version="1.0" encoding="utf-8"?>
 <ct:contentTypeSchema xmlns:ct="http://schemas.microsoft.com/office/2006/metadata/contentType" xmlns:ma="http://schemas.microsoft.com/office/2006/metadata/properties/metaAttributes" ct:_="" ma:_="" ma:contentTypeName="Document" ma:contentTypeID="0x010100B928359CC7305D47809A6E4D09895B12" ma:contentTypeVersion="0" ma:contentTypeDescription="Create a new document." ma:contentTypeScope="" ma:versionID="58734b0d5d00aaa9ecfcecd44c708e1b">
   <xsd:schema xmlns:xsd="http://www.w3.org/2001/XMLSchema" xmlns:xs="http://www.w3.org/2001/XMLSchema" xmlns:p="http://schemas.microsoft.com/office/2006/metadata/properties" targetNamespace="http://schemas.microsoft.com/office/2006/metadata/properties" ma:root="true" ma:fieldsID="1b05d82d297216baf5b26c55225140df">
     <xsd:element name="properties">
@@ -30297,31 +30375,30 @@
 </ct:contentTypeSchema>
 </file>
 
-<file path=customXml/item3.xml><?xml version="1.0" encoding="utf-8"?>
-<?mso-contentType ?>
-<FormTemplates xmlns="http://schemas.microsoft.com/sharepoint/v3/contenttype/forms">
-  <Display>DocumentLibraryForm</Display>
-  <Edit>DocumentLibraryForm</Edit>
-  <New>DocumentLibraryForm</New>
-</FormTemplates>
-</file>
-
 <file path=customXml/itemProps1.xml><?xml version="1.0" encoding="utf-8"?>
 <ds:datastoreItem xmlns:ds="http://schemas.openxmlformats.org/officeDocument/2006/customXml" ds:itemID="{C691D66D-CA73-4591-BA35-882D4C096123}">
   <ds:schemaRefs>
     <ds:schemaRef ds:uri="http://purl.org/dc/terms/"/>
     <ds:schemaRef ds:uri="http://schemas.openxmlformats.org/package/2006/metadata/core-properties"/>
+    <ds:schemaRef ds:uri="http://purl.org/dc/dcmitype/"/>
     <ds:schemaRef ds:uri="http://schemas.microsoft.com/office/2006/documentManagement/types"/>
-    <ds:schemaRef ds:uri="http://schemas.microsoft.com/office/infopath/2007/PartnerControls"/>
     <ds:schemaRef ds:uri="http://purl.org/dc/elements/1.1/"/>
     <ds:schemaRef ds:uri="http://schemas.microsoft.com/office/2006/metadata/properties"/>
+    <ds:schemaRef ds:uri="http://schemas.microsoft.com/office/infopath/2007/PartnerControls"/>
     <ds:schemaRef ds:uri="http://www.w3.org/XML/1998/namespace"/>
-    <ds:schemaRef ds:uri="http://purl.org/dc/dcmitype/"/>
   </ds:schemaRefs>
 </ds:datastoreItem>
 </file>
 
 <file path=customXml/itemProps2.xml><?xml version="1.0" encoding="utf-8"?>
+<ds:datastoreItem xmlns:ds="http://schemas.openxmlformats.org/officeDocument/2006/customXml" ds:itemID="{16D4C100-0EDD-4DD2-914D-A957225F12B9}">
+  <ds:schemaRefs>
+    <ds:schemaRef ds:uri="http://schemas.microsoft.com/sharepoint/v3/contenttype/forms"/>
+  </ds:schemaRefs>
+</ds:datastoreItem>
+</file>
+
+<file path=customXml/itemProps3.xml><?xml version="1.0" encoding="utf-8"?>
 <ds:datastoreItem xmlns:ds="http://schemas.openxmlformats.org/officeDocument/2006/customXml" ds:itemID="{FFB024C0-3292-4B7C-9F10-F14F1C85528A}">
   <ds:schemaRefs>
     <ds:schemaRef ds:uri="http://schemas.microsoft.com/office/2006/metadata/contentType"/>
@@ -30335,12 +30412,4 @@
     <ds:schemaRef ds:uri="http://schemas.microsoft.com/office/infopath/2007/PartnerControls"/>
   </ds:schemaRefs>
 </ds:datastoreItem>
-</file>
-
-<file path=customXml/itemProps3.xml><?xml version="1.0" encoding="utf-8"?>
-<ds:datastoreItem xmlns:ds="http://schemas.openxmlformats.org/officeDocument/2006/customXml" ds:itemID="{16D4C100-0EDD-4DD2-914D-A957225F12B9}">
-  <ds:schemaRefs>
-    <ds:schemaRef ds:uri="http://schemas.microsoft.com/sharepoint/v3/contenttype/forms"/>
-  </ds:schemaRefs>
-</ds:datastoreItem>
 </file>
--- a/01 - Agile for Model-Based Standards Development/D - Presentations/PDES.Presentation.pptx
+++ b/01 - Agile for Model-Based Standards Development/D - Presentations/PDES.Presentation.pptx
@@ -5,10 +5,10 @@
     <p:sldMasterId id="2147483685" r:id="rId4"/>
   </p:sldMasterIdLst>
   <p:notesMasterIdLst>
-    <p:notesMasterId r:id="rId16"/>
+    <p:notesMasterId r:id="rId20"/>
   </p:notesMasterIdLst>
   <p:handoutMasterIdLst>
-    <p:handoutMasterId r:id="rId17"/>
+    <p:handoutMasterId r:id="rId21"/>
   </p:handoutMasterIdLst>
   <p:sldIdLst>
     <p:sldId id="256" r:id="rId5"/>
@@ -21,12 +21,16 @@
     <p:sldId id="267" r:id="rId12"/>
     <p:sldId id="265" r:id="rId13"/>
     <p:sldId id="264" r:id="rId14"/>
-    <p:sldId id="261" r:id="rId15"/>
+    <p:sldId id="274" r:id="rId15"/>
+    <p:sldId id="272" r:id="rId16"/>
+    <p:sldId id="273" r:id="rId17"/>
+    <p:sldId id="275" r:id="rId18"/>
+    <p:sldId id="261" r:id="rId19"/>
   </p:sldIdLst>
   <p:sldSz cx="12188825" cy="6858000"/>
   <p:notesSz cx="7023100" cy="9309100"/>
   <p:custDataLst>
-    <p:tags r:id="rId18"/>
+    <p:tags r:id="rId22"/>
   </p:custDataLst>
   <p:defaultTextStyle>
     <a:defPPr>
@@ -289,7 +293,7 @@
             <a:fld id="{BE4E05A4-29A6-45AB-82C9-31FC81F0251A}" type="datetimeFigureOut">
               <a:rPr lang="en-US" smtClean="0"/>
               <a:pPr/>
-              <a:t>9/4/2019</a:t>
+              <a:t>9/5/19</a:t>
             </a:fld>
             <a:endParaRPr lang="en-US" dirty="0"/>
           </a:p>
@@ -854,11 +858,11 @@
           <a:lstStyle/>
           <a:p>
             <a:r>
-              <a:rPr lang="en-US" b="1" dirty="0" smtClean="0"/>
+              <a:rPr lang="en-US" b="1" dirty="0"/>
               <a:t>Problem with traditional development</a:t>
             </a:r>
             <a:r>
-              <a:rPr lang="en-US" b="1" baseline="0" dirty="0" smtClean="0"/>
+              <a:rPr lang="en-US" b="1" baseline="0" dirty="0"/>
               <a:t> methods leads to long project phases for:</a:t>
             </a:r>
           </a:p>
@@ -868,7 +872,7 @@
               <a:buChar char="•"/>
             </a:pPr>
             <a:r>
-              <a:rPr lang="en-US" sz="1200" kern="1200" dirty="0" smtClean="0">
+              <a:rPr lang="en-US" sz="1200" kern="1200" dirty="0">
                 <a:solidFill>
                   <a:schemeClr val="tx1"/>
                 </a:solidFill>
@@ -886,7 +890,7 @@
               <a:buChar char="•"/>
             </a:pPr>
             <a:r>
-              <a:rPr lang="en-US" sz="1200" kern="1200" dirty="0" smtClean="0">
+              <a:rPr lang="en-US" sz="1200" kern="1200" dirty="0">
                 <a:solidFill>
                   <a:schemeClr val="tx1"/>
                 </a:solidFill>
@@ -904,7 +908,7 @@
               <a:buChar char="•"/>
             </a:pPr>
             <a:r>
-              <a:rPr lang="en-US" sz="1200" kern="1200" dirty="0" smtClean="0">
+              <a:rPr lang="en-US" sz="1200" kern="1200" dirty="0">
                 <a:solidFill>
                   <a:schemeClr val="tx1"/>
                 </a:solidFill>
@@ -922,7 +926,7 @@
               <a:buChar char="•"/>
             </a:pPr>
             <a:r>
-              <a:rPr lang="en-US" sz="1200" kern="1200" dirty="0" smtClean="0">
+              <a:rPr lang="en-US" sz="1200" kern="1200" dirty="0">
                 <a:solidFill>
                   <a:schemeClr val="tx1"/>
                 </a:solidFill>
@@ -940,7 +944,7 @@
               <a:buChar char="•"/>
             </a:pPr>
             <a:r>
-              <a:rPr lang="en-US" sz="1200" kern="1200" dirty="0" smtClean="0">
+              <a:rPr lang="en-US" sz="1200" kern="1200" dirty="0">
                 <a:solidFill>
                   <a:schemeClr val="tx1"/>
                 </a:solidFill>
@@ -958,7 +962,7 @@
               <a:buNone/>
             </a:pPr>
             <a:r>
-              <a:rPr lang="en-US" sz="1200" b="1" kern="1200" dirty="0" smtClean="0">
+              <a:rPr lang="en-US" sz="1200" b="1" kern="1200" dirty="0">
                 <a:solidFill>
                   <a:schemeClr val="tx1"/>
                 </a:solidFill>
@@ -970,7 +974,7 @@
               <a:t>Agile</a:t>
             </a:r>
             <a:r>
-              <a:rPr lang="en-US" sz="1200" b="1" kern="1200" baseline="0" dirty="0" smtClean="0">
+              <a:rPr lang="en-US" sz="1200" b="1" kern="1200" baseline="0" dirty="0">
                 <a:solidFill>
                   <a:schemeClr val="tx1"/>
                 </a:solidFill>
@@ -988,7 +992,7 @@
               <a:buChar char="•"/>
             </a:pPr>
             <a:r>
-              <a:rPr lang="en-US" sz="1200" kern="1200" baseline="0" dirty="0" smtClean="0">
+              <a:rPr lang="en-US" sz="1200" kern="1200" baseline="0" dirty="0">
                 <a:solidFill>
                   <a:schemeClr val="tx1"/>
                 </a:solidFill>
@@ -1006,7 +1010,7 @@
               <a:buChar char="•"/>
             </a:pPr>
             <a:r>
-              <a:rPr lang="en-US" sz="1200" kern="1200" baseline="0" dirty="0" smtClean="0">
+              <a:rPr lang="en-US" sz="1200" kern="1200" baseline="0" dirty="0">
                 <a:solidFill>
                   <a:schemeClr val="tx1"/>
                 </a:solidFill>
@@ -1024,7 +1028,7 @@
               <a:buNone/>
             </a:pPr>
             <a:r>
-              <a:rPr lang="en-US" sz="1200" b="1" kern="1200" baseline="0" dirty="0" smtClean="0">
+              <a:rPr lang="en-US" sz="1200" b="1" kern="1200" baseline="0" dirty="0">
                 <a:solidFill>
                   <a:schemeClr val="tx1"/>
                 </a:solidFill>
@@ -1042,7 +1046,7 @@
               <a:buChar char="•"/>
             </a:pPr>
             <a:r>
-              <a:rPr lang="en-US" sz="1200" kern="1200" dirty="0" smtClean="0">
+              <a:rPr lang="en-US" sz="1200" kern="1200" dirty="0">
                 <a:solidFill>
                   <a:schemeClr val="tx1"/>
                 </a:solidFill>
@@ -1054,7 +1058,7 @@
               <a:t>“Deliver working software frequently.”</a:t>
             </a:r>
             <a:r>
-              <a:rPr lang="en-US" sz="1200" kern="1200" baseline="0" dirty="0" smtClean="0">
+              <a:rPr lang="en-US" sz="1200" kern="1200" baseline="0" dirty="0">
                 <a:solidFill>
                   <a:schemeClr val="tx1"/>
                 </a:solidFill>
@@ -1072,7 +1076,7 @@
               <a:buChar char="•"/>
             </a:pPr>
             <a:r>
-              <a:rPr lang="en-US" sz="1200" kern="1200" dirty="0" smtClean="0">
+              <a:rPr lang="en-US" sz="1200" kern="1200" dirty="0">
                 <a:solidFill>
                   <a:schemeClr val="tx1"/>
                 </a:solidFill>
@@ -1090,7 +1094,7 @@
               <a:buChar char="•"/>
             </a:pPr>
             <a:r>
-              <a:rPr lang="en-US" sz="1200" kern="1200" dirty="0" smtClean="0">
+              <a:rPr lang="en-US" sz="1200" kern="1200" dirty="0">
                 <a:solidFill>
                   <a:schemeClr val="tx1"/>
                 </a:solidFill>
@@ -1107,7 +1111,7 @@
               <a:buFont typeface="Arial" panose="020B0604020202020204" pitchFamily="34" charset="0"/>
               <a:buNone/>
             </a:pPr>
-            <a:endParaRPr lang="en-US" sz="1200" b="1" kern="1200" dirty="0" smtClean="0">
+            <a:endParaRPr lang="en-US" sz="1200" b="1" kern="1200" dirty="0">
               <a:solidFill>
                 <a:schemeClr val="tx1"/>
               </a:solidFill>
@@ -1123,7 +1127,7 @@
               <a:buNone/>
             </a:pPr>
             <a:r>
-              <a:rPr lang="en-US" sz="1200" b="1" kern="1200" dirty="0" smtClean="0">
+              <a:rPr lang="en-US" sz="1200" b="1" kern="1200" dirty="0">
                 <a:solidFill>
                   <a:schemeClr val="tx1"/>
                 </a:solidFill>
@@ -1140,7 +1144,7 @@
               <a:buFont typeface="Arial" panose="020B0604020202020204" pitchFamily="34" charset="0"/>
               <a:buNone/>
             </a:pPr>
-            <a:endParaRPr lang="en-US" sz="1200" b="1" kern="1200" dirty="0" smtClean="0">
+            <a:endParaRPr lang="en-US" sz="1200" b="1" kern="1200" dirty="0">
               <a:solidFill>
                 <a:schemeClr val="tx1"/>
               </a:solidFill>
@@ -1156,7 +1160,7 @@
               <a:buNone/>
             </a:pPr>
             <a:r>
-              <a:rPr lang="en-US" sz="1200" b="1" kern="1200" dirty="0" smtClean="0">
+              <a:rPr lang="en-US" sz="1200" b="1" kern="1200" dirty="0">
                 <a:solidFill>
                   <a:schemeClr val="tx1"/>
                 </a:solidFill>
@@ -1284,6 +1288,261 @@
     <p:extLst>
       <p:ext uri="{BB962C8B-B14F-4D97-AF65-F5344CB8AC3E}">
         <p14:creationId xmlns:p14="http://schemas.microsoft.com/office/powerpoint/2010/main" val="521656160"/>
+      </p:ext>
+    </p:extLst>
+  </p:cSld>
+  <p:clrMapOvr>
+    <a:masterClrMapping/>
+  </p:clrMapOvr>
+</p:notes>
+</file>
+
+<file path=ppt/notesSlides/notesSlide3.xml><?xml version="1.0" encoding="utf-8"?>
+<p:notes xmlns:a="http://schemas.openxmlformats.org/drawingml/2006/main" xmlns:r="http://schemas.openxmlformats.org/officeDocument/2006/relationships" xmlns:p="http://schemas.openxmlformats.org/presentationml/2006/main">
+  <p:cSld>
+    <p:spTree>
+      <p:nvGrpSpPr>
+        <p:cNvPr id="1" name=""/>
+        <p:cNvGrpSpPr/>
+        <p:nvPr/>
+      </p:nvGrpSpPr>
+      <p:grpSpPr>
+        <a:xfrm>
+          <a:off x="0" y="0"/>
+          <a:ext cx="0" cy="0"/>
+          <a:chOff x="0" y="0"/>
+          <a:chExt cx="0" cy="0"/>
+        </a:xfrm>
+      </p:grpSpPr>
+      <p:sp>
+        <p:nvSpPr>
+          <p:cNvPr id="2" name="Slide Image Placeholder 1"/>
+          <p:cNvSpPr>
+            <a:spLocks noGrp="1" noRot="1" noChangeAspect="1"/>
+          </p:cNvSpPr>
+          <p:nvPr>
+            <p:ph type="sldImg"/>
+          </p:nvPr>
+        </p:nvSpPr>
+        <p:spPr/>
+      </p:sp>
+      <p:sp>
+        <p:nvSpPr>
+          <p:cNvPr id="3" name="Notes Placeholder 2"/>
+          <p:cNvSpPr>
+            <a:spLocks noGrp="1"/>
+          </p:cNvSpPr>
+          <p:nvPr>
+            <p:ph type="body" idx="1"/>
+          </p:nvPr>
+        </p:nvSpPr>
+        <p:spPr/>
+        <p:txBody>
+          <a:bodyPr/>
+          <a:lstStyle/>
+          <a:p>
+            <a:endParaRPr lang="en-US" dirty="0"/>
+          </a:p>
+        </p:txBody>
+      </p:sp>
+      <p:sp>
+        <p:nvSpPr>
+          <p:cNvPr id="4" name="Slide Number Placeholder 3"/>
+          <p:cNvSpPr>
+            <a:spLocks noGrp="1"/>
+          </p:cNvSpPr>
+          <p:nvPr>
+            <p:ph type="sldNum" sz="quarter" idx="10"/>
+          </p:nvPr>
+        </p:nvSpPr>
+        <p:spPr/>
+        <p:txBody>
+          <a:bodyPr/>
+          <a:lstStyle/>
+          <a:p>
+            <a:fld id="{739F009B-AA83-4291-81BE-194F11CE1901}" type="slidenum">
+              <a:rPr lang="en-US" smtClean="0"/>
+              <a:pPr/>
+              <a:t>11</a:t>
+            </a:fld>
+            <a:endParaRPr lang="en-US" dirty="0"/>
+          </a:p>
+        </p:txBody>
+      </p:sp>
+    </p:spTree>
+    <p:extLst>
+      <p:ext uri="{BB962C8B-B14F-4D97-AF65-F5344CB8AC3E}">
+        <p14:creationId xmlns:p14="http://schemas.microsoft.com/office/powerpoint/2010/main" val="2165089036"/>
+      </p:ext>
+    </p:extLst>
+  </p:cSld>
+  <p:clrMapOvr>
+    <a:masterClrMapping/>
+  </p:clrMapOvr>
+</p:notes>
+</file>
+
+<file path=ppt/notesSlides/notesSlide4.xml><?xml version="1.0" encoding="utf-8"?>
+<p:notes xmlns:a="http://schemas.openxmlformats.org/drawingml/2006/main" xmlns:r="http://schemas.openxmlformats.org/officeDocument/2006/relationships" xmlns:p="http://schemas.openxmlformats.org/presentationml/2006/main">
+  <p:cSld>
+    <p:spTree>
+      <p:nvGrpSpPr>
+        <p:cNvPr id="1" name=""/>
+        <p:cNvGrpSpPr/>
+        <p:nvPr/>
+      </p:nvGrpSpPr>
+      <p:grpSpPr>
+        <a:xfrm>
+          <a:off x="0" y="0"/>
+          <a:ext cx="0" cy="0"/>
+          <a:chOff x="0" y="0"/>
+          <a:chExt cx="0" cy="0"/>
+        </a:xfrm>
+      </p:grpSpPr>
+      <p:sp>
+        <p:nvSpPr>
+          <p:cNvPr id="2" name="Slide Image Placeholder 1"/>
+          <p:cNvSpPr>
+            <a:spLocks noGrp="1" noRot="1" noChangeAspect="1"/>
+          </p:cNvSpPr>
+          <p:nvPr>
+            <p:ph type="sldImg"/>
+          </p:nvPr>
+        </p:nvSpPr>
+        <p:spPr/>
+      </p:sp>
+      <p:sp>
+        <p:nvSpPr>
+          <p:cNvPr id="3" name="Notes Placeholder 2"/>
+          <p:cNvSpPr>
+            <a:spLocks noGrp="1"/>
+          </p:cNvSpPr>
+          <p:nvPr>
+            <p:ph type="body" idx="1"/>
+          </p:nvPr>
+        </p:nvSpPr>
+        <p:spPr/>
+        <p:txBody>
+          <a:bodyPr/>
+          <a:lstStyle/>
+          <a:p>
+            <a:endParaRPr lang="en-US" dirty="0"/>
+          </a:p>
+        </p:txBody>
+      </p:sp>
+      <p:sp>
+        <p:nvSpPr>
+          <p:cNvPr id="4" name="Slide Number Placeholder 3"/>
+          <p:cNvSpPr>
+            <a:spLocks noGrp="1"/>
+          </p:cNvSpPr>
+          <p:nvPr>
+            <p:ph type="sldNum" sz="quarter" idx="10"/>
+          </p:nvPr>
+        </p:nvSpPr>
+        <p:spPr/>
+        <p:txBody>
+          <a:bodyPr/>
+          <a:lstStyle/>
+          <a:p>
+            <a:fld id="{739F009B-AA83-4291-81BE-194F11CE1901}" type="slidenum">
+              <a:rPr lang="en-US" smtClean="0"/>
+              <a:pPr/>
+              <a:t>12</a:t>
+            </a:fld>
+            <a:endParaRPr lang="en-US" dirty="0"/>
+          </a:p>
+        </p:txBody>
+      </p:sp>
+    </p:spTree>
+    <p:extLst>
+      <p:ext uri="{BB962C8B-B14F-4D97-AF65-F5344CB8AC3E}">
+        <p14:creationId xmlns:p14="http://schemas.microsoft.com/office/powerpoint/2010/main" val="1232374971"/>
+      </p:ext>
+    </p:extLst>
+  </p:cSld>
+  <p:clrMapOvr>
+    <a:masterClrMapping/>
+  </p:clrMapOvr>
+</p:notes>
+</file>
+
+<file path=ppt/notesSlides/notesSlide5.xml><?xml version="1.0" encoding="utf-8"?>
+<p:notes xmlns:a="http://schemas.openxmlformats.org/drawingml/2006/main" xmlns:r="http://schemas.openxmlformats.org/officeDocument/2006/relationships" xmlns:p="http://schemas.openxmlformats.org/presentationml/2006/main">
+  <p:cSld>
+    <p:spTree>
+      <p:nvGrpSpPr>
+        <p:cNvPr id="1" name=""/>
+        <p:cNvGrpSpPr/>
+        <p:nvPr/>
+      </p:nvGrpSpPr>
+      <p:grpSpPr>
+        <a:xfrm>
+          <a:off x="0" y="0"/>
+          <a:ext cx="0" cy="0"/>
+          <a:chOff x="0" y="0"/>
+          <a:chExt cx="0" cy="0"/>
+        </a:xfrm>
+      </p:grpSpPr>
+      <p:sp>
+        <p:nvSpPr>
+          <p:cNvPr id="2" name="Slide Image Placeholder 1"/>
+          <p:cNvSpPr>
+            <a:spLocks noGrp="1" noRot="1" noChangeAspect="1"/>
+          </p:cNvSpPr>
+          <p:nvPr>
+            <p:ph type="sldImg"/>
+          </p:nvPr>
+        </p:nvSpPr>
+        <p:spPr/>
+      </p:sp>
+      <p:sp>
+        <p:nvSpPr>
+          <p:cNvPr id="3" name="Notes Placeholder 2"/>
+          <p:cNvSpPr>
+            <a:spLocks noGrp="1"/>
+          </p:cNvSpPr>
+          <p:nvPr>
+            <p:ph type="body" idx="1"/>
+          </p:nvPr>
+        </p:nvSpPr>
+        <p:spPr/>
+        <p:txBody>
+          <a:bodyPr/>
+          <a:lstStyle/>
+          <a:p>
+            <a:endParaRPr lang="en-US" dirty="0"/>
+          </a:p>
+        </p:txBody>
+      </p:sp>
+      <p:sp>
+        <p:nvSpPr>
+          <p:cNvPr id="4" name="Slide Number Placeholder 3"/>
+          <p:cNvSpPr>
+            <a:spLocks noGrp="1"/>
+          </p:cNvSpPr>
+          <p:nvPr>
+            <p:ph type="sldNum" sz="quarter" idx="10"/>
+          </p:nvPr>
+        </p:nvSpPr>
+        <p:spPr/>
+        <p:txBody>
+          <a:bodyPr/>
+          <a:lstStyle/>
+          <a:p>
+            <a:fld id="{739F009B-AA83-4291-81BE-194F11CE1901}" type="slidenum">
+              <a:rPr lang="en-US" smtClean="0"/>
+              <a:pPr/>
+              <a:t>13</a:t>
+            </a:fld>
+            <a:endParaRPr lang="en-US" dirty="0"/>
+          </a:p>
+        </p:txBody>
+      </p:sp>
+    </p:spTree>
+    <p:extLst>
+      <p:ext uri="{BB962C8B-B14F-4D97-AF65-F5344CB8AC3E}">
+        <p14:creationId xmlns:p14="http://schemas.microsoft.com/office/powerpoint/2010/main" val="530435100"/>
       </p:ext>
     </p:extLst>
   </p:cSld>
@@ -3339,13 +3598,6 @@
       </p:transition>
     </mc:Fallback>
   </mc:AlternateContent>
-  <p:timing>
-    <p:tnLst>
-      <p:par>
-        <p:cTn id="1" dur="indefinite" restart="never" nodeType="tmRoot"/>
-      </p:par>
-    </p:tnLst>
-  </p:timing>
 </p:sldLayout>
 </file>
 
@@ -5395,13 +5647,6 @@
       </p:transition>
     </mc:Fallback>
   </mc:AlternateContent>
-  <p:timing>
-    <p:tnLst>
-      <p:par>
-        <p:cTn id="1" dur="indefinite" restart="never" nodeType="tmRoot"/>
-      </p:par>
-    </p:tnLst>
-  </p:timing>
 </p:sldLayout>
 </file>
 
@@ -5639,13 +5884,6 @@
       </p:transition>
     </mc:Fallback>
   </mc:AlternateContent>
-  <p:timing>
-    <p:tnLst>
-      <p:par>
-        <p:cTn id="1" dur="indefinite" restart="never" nodeType="tmRoot"/>
-      </p:par>
-    </p:tnLst>
-  </p:timing>
 </p:sldLayout>
 </file>
 
@@ -5682,7 +5920,7 @@
           <a:lstStyle/>
           <a:p>
             <a:r>
-              <a:rPr lang="en-US" smtClean="0"/>
+              <a:rPr lang="en-US"/>
               <a:t>Click to edit Master title style</a:t>
             </a:r>
             <a:endParaRPr lang="en-GB"/>
@@ -5711,35 +5949,35 @@
           <a:p>
             <a:pPr lvl="0"/>
             <a:r>
-              <a:rPr lang="en-US" smtClean="0"/>
+              <a:rPr lang="en-US"/>
               <a:t>Edit Master text styles</a:t>
             </a:r>
           </a:p>
           <a:p>
             <a:pPr lvl="1"/>
             <a:r>
-              <a:rPr lang="en-US" smtClean="0"/>
+              <a:rPr lang="en-US"/>
               <a:t>Second level</a:t>
             </a:r>
           </a:p>
           <a:p>
             <a:pPr lvl="2"/>
             <a:r>
-              <a:rPr lang="en-US" smtClean="0"/>
+              <a:rPr lang="en-US"/>
               <a:t>Third level</a:t>
             </a:r>
           </a:p>
           <a:p>
             <a:pPr lvl="3"/>
             <a:r>
-              <a:rPr lang="en-US" smtClean="0"/>
+              <a:rPr lang="en-US"/>
               <a:t>Fourth level</a:t>
             </a:r>
           </a:p>
           <a:p>
             <a:pPr lvl="4"/>
             <a:r>
-              <a:rPr lang="en-US" smtClean="0"/>
+              <a:rPr lang="en-US"/>
               <a:t>Fifth level</a:t>
             </a:r>
             <a:endParaRPr lang="en-GB"/>
@@ -5768,13 +6006,6 @@
       </p:transition>
     </mc:Fallback>
   </mc:AlternateContent>
-  <p:timing>
-    <p:tnLst>
-      <p:par>
-        <p:cTn id="1" dur="indefinite" restart="never" nodeType="tmRoot"/>
-      </p:par>
-    </p:tnLst>
-  </p:timing>
 </p:sldLayout>
 </file>
 
@@ -7818,13 +8049,6 @@
       </p:transition>
     </mc:Fallback>
   </mc:AlternateContent>
-  <p:timing>
-    <p:tnLst>
-      <p:par>
-        <p:cTn id="1" dur="indefinite" restart="never" nodeType="tmRoot"/>
-      </p:par>
-    </p:tnLst>
-  </p:timing>
   <p:hf hdr="0" ftr="0" dt="0"/>
   <p:txStyles>
     <p:titleStyle>
@@ -8326,7 +8550,7 @@
           <a:lstStyle/>
           <a:p>
             <a:r>
-              <a:rPr lang="en-US" sz="3600" dirty="0" smtClean="0"/>
+              <a:rPr lang="en-US" sz="3600" dirty="0"/>
               <a:t>Agile for Model-Based Standards Development</a:t>
             </a:r>
             <a:endParaRPr lang="en-GB" sz="3600" dirty="0"/>
@@ -8354,13 +8578,13 @@
           <a:lstStyle/>
           <a:p>
             <a:r>
-              <a:rPr lang="en-US" dirty="0" smtClean="0"/>
+              <a:rPr lang="en-US" dirty="0"/>
               <a:t>Brandon Sapp</a:t>
             </a:r>
           </a:p>
           <a:p>
             <a:r>
-              <a:rPr lang="en-US" dirty="0" smtClean="0"/>
+              <a:rPr lang="en-US" dirty="0"/>
               <a:t>Melissa Harvey</a:t>
             </a:r>
             <a:endParaRPr lang="en-GB" dirty="0"/>
@@ -8612,15 +8836,15 @@
           <a:p>
             <a:pPr algn="r"/>
             <a:r>
-              <a:rPr lang="en-US" kern="0" dirty="0" smtClean="0"/>
+              <a:rPr lang="en-US" kern="0" dirty="0"/>
               <a:t>Sylvere Krima</a:t>
             </a:r>
-            <a:endParaRPr lang="en-GB" kern="0" dirty="0" smtClean="0"/>
+            <a:endParaRPr lang="en-GB" kern="0" dirty="0"/>
           </a:p>
           <a:p>
             <a:pPr algn="r"/>
             <a:r>
-              <a:rPr lang="en-US" kern="0" dirty="0" smtClean="0"/>
+              <a:rPr lang="en-US" kern="0" dirty="0"/>
               <a:t>Marion Toussaint</a:t>
             </a:r>
           </a:p>
@@ -8648,13 +8872,6 @@
       </p:transition>
     </mc:Fallback>
   </mc:AlternateContent>
-  <p:timing>
-    <p:tnLst>
-      <p:par>
-        <p:cTn id="1" dur="indefinite" restart="never" nodeType="tmRoot"/>
-      </p:par>
-    </p:tnLst>
-  </p:timing>
 </p:sld>
 </file>
 
@@ -8696,10 +8913,9 @@
           <a:lstStyle/>
           <a:p>
             <a:r>
-              <a:rPr lang="en-GB" sz="3200" dirty="0" smtClean="0"/>
+              <a:rPr lang="en-GB" sz="3200" dirty="0"/>
               <a:t>Proposed Solution 3: Program Increment Planning</a:t>
             </a:r>
-            <a:endParaRPr lang="en-GB" sz="3200" dirty="0"/>
           </a:p>
         </p:txBody>
       </p:sp>
@@ -8768,25 +8984,8 @@
                   </a:schemeClr>
                 </a:solidFill>
               </a:rPr>
-              <a:t>Agile for Model-Based-Standards </a:t>
-            </a:r>
-            <a:r>
-              <a:rPr lang="en-US" dirty="0" smtClean="0">
-                <a:solidFill>
-                  <a:schemeClr val="bg1">
-                    <a:lumMod val="50000"/>
-                  </a:schemeClr>
-                </a:solidFill>
-              </a:rPr>
-              <a:t>Development</a:t>
-            </a:r>
-            <a:endParaRPr lang="en-US" dirty="0">
-              <a:solidFill>
-                <a:schemeClr val="bg1">
-                  <a:lumMod val="50000"/>
-                </a:schemeClr>
-              </a:solidFill>
-            </a:endParaRPr>
+              <a:t>Agile for Model-Based-Standards Development</a:t>
+            </a:r>
           </a:p>
         </p:txBody>
       </p:sp>
@@ -8876,25 +9075,20 @@
           <a:p>
             <a:pPr algn="ctr"/>
             <a:r>
-              <a:rPr lang="en-US" sz="1100" dirty="0" smtClean="0"/>
+              <a:rPr lang="en-US" sz="1100" dirty="0"/>
               <a:t>AP242e3</a:t>
             </a:r>
           </a:p>
           <a:p>
             <a:pPr algn="ctr"/>
             <a:r>
-              <a:rPr lang="en-US" sz="1100" dirty="0" smtClean="0">
+              <a:rPr lang="en-US" sz="1100" dirty="0">
                 <a:solidFill>
                   <a:schemeClr val="accent3"/>
                 </a:solidFill>
               </a:rPr>
               <a:t>(ART/EPIC)</a:t>
             </a:r>
-            <a:endParaRPr lang="en-US" sz="1100" dirty="0">
-              <a:solidFill>
-                <a:schemeClr val="accent3"/>
-              </a:solidFill>
-            </a:endParaRPr>
           </a:p>
         </p:txBody>
       </p:sp>
@@ -9595,10 +9789,9 @@
           <a:p>
             <a:pPr algn="ctr"/>
             <a:r>
-              <a:rPr lang="en-US" sz="1050" dirty="0" smtClean="0"/>
+              <a:rPr lang="en-US" sz="1050" dirty="0"/>
               <a:t>PMI Team</a:t>
             </a:r>
-            <a:endParaRPr lang="en-US" sz="1050" dirty="0"/>
           </a:p>
         </p:txBody>
       </p:sp>
@@ -9672,17 +9865,16 @@
           <a:p>
             <a:pPr algn="ctr"/>
             <a:r>
-              <a:rPr lang="en-US" sz="1050" dirty="0" smtClean="0"/>
+              <a:rPr lang="en-US" sz="1050" dirty="0"/>
               <a:t>EWH </a:t>
             </a:r>
           </a:p>
           <a:p>
             <a:pPr algn="ctr"/>
             <a:r>
-              <a:rPr lang="en-US" sz="1050" dirty="0" smtClean="0"/>
+              <a:rPr lang="en-US" sz="1050" dirty="0"/>
               <a:t>Team</a:t>
             </a:r>
-            <a:endParaRPr lang="en-US" sz="1050" dirty="0"/>
           </a:p>
         </p:txBody>
       </p:sp>
@@ -9710,7 +9902,7 @@
           <a:p>
             <a:pPr algn="ctr"/>
             <a:r>
-              <a:rPr lang="en-US" sz="900" dirty="0" smtClean="0"/>
+              <a:rPr lang="en-US" sz="900" dirty="0"/>
               <a:t>Define</a:t>
             </a:r>
           </a:p>
@@ -9740,7 +9932,7 @@
           <a:p>
             <a:pPr algn="ctr"/>
             <a:r>
-              <a:rPr lang="en-US" sz="900" dirty="0" smtClean="0"/>
+              <a:rPr lang="en-US" sz="900" dirty="0"/>
               <a:t>Build</a:t>
             </a:r>
           </a:p>
@@ -9770,7 +9962,7 @@
           <a:p>
             <a:pPr algn="ctr"/>
             <a:r>
-              <a:rPr lang="en-US" sz="900" dirty="0" smtClean="0"/>
+              <a:rPr lang="en-US" sz="900" dirty="0"/>
               <a:t>Test</a:t>
             </a:r>
           </a:p>
@@ -9800,7 +9992,7 @@
           <a:p>
             <a:pPr algn="ctr"/>
             <a:r>
-              <a:rPr lang="en-US" sz="900" dirty="0" smtClean="0"/>
+              <a:rPr lang="en-US" sz="900" dirty="0"/>
               <a:t>Deploy</a:t>
             </a:r>
           </a:p>
@@ -10138,10 +10330,9 @@
           <a:p>
             <a:pPr algn="ctr"/>
             <a:r>
-              <a:rPr lang="en-US" sz="1050" dirty="0" smtClean="0"/>
+              <a:rPr lang="en-US" sz="1050" dirty="0"/>
               <a:t>AM Team</a:t>
             </a:r>
-            <a:endParaRPr lang="en-US" sz="1050" dirty="0"/>
           </a:p>
         </p:txBody>
       </p:sp>
@@ -10413,7 +10604,7 @@
           <a:p>
             <a:pPr algn="ctr"/>
             <a:r>
-              <a:rPr lang="en-US" sz="900" dirty="0" smtClean="0"/>
+              <a:rPr lang="en-US" sz="900" dirty="0"/>
               <a:t>Define</a:t>
             </a:r>
           </a:p>
@@ -10443,7 +10634,7 @@
           <a:p>
             <a:pPr algn="ctr"/>
             <a:r>
-              <a:rPr lang="en-US" sz="900" dirty="0" smtClean="0"/>
+              <a:rPr lang="en-US" sz="900" dirty="0"/>
               <a:t>Build</a:t>
             </a:r>
           </a:p>
@@ -10473,7 +10664,7 @@
           <a:p>
             <a:pPr algn="ctr"/>
             <a:r>
-              <a:rPr lang="en-US" sz="900" dirty="0" smtClean="0"/>
+              <a:rPr lang="en-US" sz="900" dirty="0"/>
               <a:t>Test</a:t>
             </a:r>
           </a:p>
@@ -10503,7 +10694,7 @@
           <a:p>
             <a:pPr algn="ctr"/>
             <a:r>
-              <a:rPr lang="en-US" sz="900" dirty="0" smtClean="0"/>
+              <a:rPr lang="en-US" sz="900" dirty="0"/>
               <a:t>Deploy</a:t>
             </a:r>
           </a:p>
@@ -10533,7 +10724,7 @@
           <a:p>
             <a:pPr algn="ctr"/>
             <a:r>
-              <a:rPr lang="en-US" sz="1050" dirty="0" smtClean="0">
+              <a:rPr lang="en-US" sz="1050" dirty="0">
                 <a:solidFill>
                   <a:schemeClr val="bg1"/>
                 </a:solidFill>
@@ -10541,7 +10732,7 @@
               <a:t>Scrum Master     </a:t>
             </a:r>
             <a:r>
-              <a:rPr lang="en-US" sz="1050" dirty="0" smtClean="0">
+              <a:rPr lang="en-US" sz="1050" dirty="0">
                 <a:solidFill>
                   <a:schemeClr val="accent3"/>
                 </a:solidFill>
@@ -10549,18 +10740,13 @@
               <a:t>Product Owner     </a:t>
             </a:r>
             <a:r>
-              <a:rPr lang="en-US" sz="1050" dirty="0" smtClean="0">
+              <a:rPr lang="en-US" sz="1050" dirty="0">
                 <a:solidFill>
                   <a:schemeClr val="bg1"/>
                 </a:solidFill>
               </a:rPr>
               <a:t>Development Team</a:t>
             </a:r>
-            <a:endParaRPr lang="en-US" sz="1050" dirty="0">
-              <a:solidFill>
-                <a:schemeClr val="bg1"/>
-              </a:solidFill>
-            </a:endParaRPr>
           </a:p>
         </p:txBody>
       </p:sp>
@@ -10751,18 +10937,13 @@
           <a:p>
             <a:pPr algn="ctr"/>
             <a:r>
-              <a:rPr lang="en-US" sz="1050" dirty="0" smtClean="0">
+              <a:rPr lang="en-US" sz="1050" dirty="0">
                 <a:solidFill>
                   <a:schemeClr val="accent3"/>
                 </a:solidFill>
               </a:rPr>
               <a:t>Agile Teams</a:t>
             </a:r>
-            <a:endParaRPr lang="en-US" sz="1050" dirty="0">
-              <a:solidFill>
-                <a:schemeClr val="accent3"/>
-              </a:solidFill>
-            </a:endParaRPr>
           </a:p>
         </p:txBody>
       </p:sp>
@@ -10903,7 +11084,7 @@
             <a:p>
               <a:pPr algn="ctr"/>
               <a:r>
-                <a:rPr lang="en-US" sz="1100" dirty="0" smtClean="0">
+                <a:rPr lang="en-US" sz="1100" dirty="0">
                   <a:solidFill>
                     <a:schemeClr val="tx1"/>
                   </a:solidFill>
@@ -10914,7 +11095,7 @@
             <a:p>
               <a:pPr algn="ctr"/>
               <a:r>
-                <a:rPr lang="en-US" sz="1100" dirty="0" smtClean="0">
+                <a:rPr lang="en-US" sz="1100" dirty="0">
                   <a:solidFill>
                     <a:schemeClr val="tx1"/>
                   </a:solidFill>
@@ -10977,18 +11158,13 @@
             <a:p>
               <a:pPr algn="ctr"/>
               <a:r>
-                <a:rPr lang="en-US" sz="800" dirty="0" smtClean="0">
+                <a:rPr lang="en-US" sz="800" dirty="0">
                   <a:solidFill>
                     <a:schemeClr val="tx1"/>
                   </a:solidFill>
                 </a:rPr>
                 <a:t>Implicit Holes</a:t>
               </a:r>
-              <a:endParaRPr lang="en-US" sz="800" dirty="0">
-                <a:solidFill>
-                  <a:schemeClr val="tx1"/>
-                </a:solidFill>
-              </a:endParaRPr>
             </a:p>
           </p:txBody>
         </p:sp>
@@ -11037,18 +11213,13 @@
             <a:p>
               <a:pPr algn="ctr"/>
               <a:r>
-                <a:rPr lang="en-US" sz="800" dirty="0" smtClean="0">
+                <a:rPr lang="en-US" sz="800" dirty="0">
                   <a:solidFill>
                     <a:schemeClr val="tx1"/>
                   </a:solidFill>
                 </a:rPr>
                 <a:t>Implicit Fasteners</a:t>
               </a:r>
-              <a:endParaRPr lang="en-US" sz="800" dirty="0">
-                <a:solidFill>
-                  <a:schemeClr val="tx1"/>
-                </a:solidFill>
-              </a:endParaRPr>
             </a:p>
           </p:txBody>
         </p:sp>
@@ -11097,18 +11268,13 @@
             <a:p>
               <a:pPr algn="ctr"/>
               <a:r>
-                <a:rPr lang="en-US" sz="800" dirty="0" smtClean="0">
+                <a:rPr lang="en-US" sz="800" dirty="0">
                   <a:solidFill>
                     <a:schemeClr val="tx1"/>
                   </a:solidFill>
                 </a:rPr>
                 <a:t>Explicit Holes</a:t>
               </a:r>
-              <a:endParaRPr lang="en-US" sz="800" dirty="0">
-                <a:solidFill>
-                  <a:schemeClr val="tx1"/>
-                </a:solidFill>
-              </a:endParaRPr>
             </a:p>
           </p:txBody>
         </p:sp>
@@ -11157,18 +11323,13 @@
             <a:p>
               <a:pPr algn="ctr"/>
               <a:r>
-                <a:rPr lang="en-US" sz="800" dirty="0" smtClean="0">
+                <a:rPr lang="en-US" sz="800" dirty="0">
                   <a:solidFill>
                     <a:schemeClr val="tx1"/>
                   </a:solidFill>
                 </a:rPr>
                 <a:t>Explicit Fasteners</a:t>
               </a:r>
-              <a:endParaRPr lang="en-US" sz="800" dirty="0">
-                <a:solidFill>
-                  <a:schemeClr val="tx1"/>
-                </a:solidFill>
-              </a:endParaRPr>
             </a:p>
           </p:txBody>
         </p:sp>
@@ -11289,25 +11450,24 @@
             <a:p>
               <a:pPr algn="ctr"/>
               <a:r>
-                <a:rPr lang="en-US" sz="1000" dirty="0" smtClean="0"/>
+                <a:rPr lang="en-US" sz="1000" dirty="0"/>
                 <a:t>program increment</a:t>
               </a:r>
             </a:p>
             <a:p>
               <a:pPr algn="ctr"/>
               <a:r>
-                <a:rPr lang="en-US" sz="1000" dirty="0" smtClean="0"/>
+                <a:rPr lang="en-US" sz="1000" dirty="0"/>
                 <a:t>(1-4 </a:t>
               </a:r>
               <a:r>
-                <a:rPr lang="en-US" sz="1000" dirty="0" err="1" smtClean="0"/>
+                <a:rPr lang="en-US" sz="1000" dirty="0" err="1"/>
                 <a:t>wks</a:t>
               </a:r>
               <a:r>
-                <a:rPr lang="en-US" sz="1000" dirty="0" smtClean="0"/>
+                <a:rPr lang="en-US" sz="1000" dirty="0"/>
                 <a:t> work) </a:t>
               </a:r>
-              <a:endParaRPr lang="en-US" sz="1000" dirty="0"/>
             </a:p>
           </p:txBody>
         </p:sp>
@@ -11415,7 +11575,7 @@
             <a:p>
               <a:pPr algn="ctr"/>
               <a:r>
-                <a:rPr lang="en-US" sz="1100" dirty="0" smtClean="0">
+                <a:rPr lang="en-US" sz="1100" dirty="0">
                   <a:solidFill>
                     <a:schemeClr val="tx1"/>
                   </a:solidFill>
@@ -11478,18 +11638,13 @@
             <a:p>
               <a:pPr algn="ctr"/>
               <a:r>
-                <a:rPr lang="en-US" sz="800" dirty="0" smtClean="0">
+                <a:rPr lang="en-US" sz="800" dirty="0">
                   <a:solidFill>
                     <a:schemeClr val="tx1"/>
                   </a:solidFill>
                 </a:rPr>
                 <a:t>User Story</a:t>
               </a:r>
-              <a:endParaRPr lang="en-US" sz="800" dirty="0">
-                <a:solidFill>
-                  <a:schemeClr val="tx1"/>
-                </a:solidFill>
-              </a:endParaRPr>
             </a:p>
           </p:txBody>
         </p:sp>
@@ -11538,18 +11693,13 @@
             <a:p>
               <a:pPr algn="ctr"/>
               <a:r>
-                <a:rPr lang="en-US" sz="800" dirty="0" smtClean="0">
+                <a:rPr lang="en-US" sz="800" dirty="0">
                   <a:solidFill>
                     <a:schemeClr val="tx1"/>
                   </a:solidFill>
                 </a:rPr>
                 <a:t>User Story</a:t>
               </a:r>
-              <a:endParaRPr lang="en-US" sz="800" dirty="0">
-                <a:solidFill>
-                  <a:schemeClr val="tx1"/>
-                </a:solidFill>
-              </a:endParaRPr>
             </a:p>
           </p:txBody>
         </p:sp>
@@ -11598,18 +11748,13 @@
             <a:p>
               <a:pPr algn="ctr"/>
               <a:r>
-                <a:rPr lang="en-US" sz="800" dirty="0" smtClean="0">
+                <a:rPr lang="en-US" sz="800" dirty="0">
                   <a:solidFill>
                     <a:schemeClr val="tx1"/>
                   </a:solidFill>
                 </a:rPr>
                 <a:t>User Story</a:t>
               </a:r>
-              <a:endParaRPr lang="en-US" sz="800" dirty="0">
-                <a:solidFill>
-                  <a:schemeClr val="tx1"/>
-                </a:solidFill>
-              </a:endParaRPr>
             </a:p>
           </p:txBody>
         </p:sp>
@@ -11658,18 +11803,13 @@
             <a:p>
               <a:pPr algn="ctr"/>
               <a:r>
-                <a:rPr lang="en-US" sz="800" dirty="0" smtClean="0">
+                <a:rPr lang="en-US" sz="800" dirty="0">
                   <a:solidFill>
                     <a:schemeClr val="tx1"/>
                   </a:solidFill>
                 </a:rPr>
                 <a:t>User Story</a:t>
               </a:r>
-              <a:endParaRPr lang="en-US" sz="800" dirty="0">
-                <a:solidFill>
-                  <a:schemeClr val="tx1"/>
-                </a:solidFill>
-              </a:endParaRPr>
             </a:p>
           </p:txBody>
         </p:sp>
@@ -11928,13 +12068,6 @@
       </p:transition>
     </mc:Fallback>
   </mc:AlternateContent>
-  <p:timing>
-    <p:tnLst>
-      <p:par>
-        <p:cTn id="1" dur="indefinite" restart="never" nodeType="tmRoot"/>
-      </p:par>
-    </p:tnLst>
-  </p:timing>
 </p:sld>
 </file>
 
@@ -11976,10 +12109,2175 @@
           <a:lstStyle/>
           <a:p>
             <a:r>
-              <a:rPr lang="en-GB" sz="3200" dirty="0" smtClean="0"/>
+              <a:rPr lang="en-GB" sz="3200" dirty="0"/>
+              <a:t>Continued Research 1: Advanced Communication Tools</a:t>
+            </a:r>
+          </a:p>
+        </p:txBody>
+      </p:sp>
+      <p:sp>
+        <p:nvSpPr>
+          <p:cNvPr id="7" name="Rectangle 2"/>
+          <p:cNvSpPr>
+            <a:spLocks noChangeArrowheads="1"/>
+          </p:cNvSpPr>
+          <p:nvPr/>
+        </p:nvSpPr>
+        <p:spPr bwMode="auto">
+          <a:xfrm>
+            <a:off x="13487400" y="2087880"/>
+            <a:ext cx="12188825" cy="0"/>
+          </a:xfrm>
+          <a:prstGeom prst="rect">
+            <a:avLst/>
+          </a:prstGeom>
+          <a:solidFill>
+            <a:schemeClr val="bg1"/>
+          </a:solidFill>
+          <a:ln>
+            <a:noFill/>
+          </a:ln>
+          <a:effectLst/>
+        </p:spPr>
+        <p:txBody>
+          <a:bodyPr vert="horz" wrap="none" lIns="91440" tIns="45720" rIns="91440" bIns="45720" numCol="1" anchor="ctr" anchorCtr="0" compatLnSpc="1">
+            <a:prstTxWarp prst="textNoShape">
+              <a:avLst/>
+            </a:prstTxWarp>
+            <a:spAutoFit/>
+          </a:bodyPr>
+          <a:lstStyle/>
+          <a:p>
+            <a:endParaRPr lang="en-US"/>
+          </a:p>
+        </p:txBody>
+      </p:sp>
+      <p:sp>
+        <p:nvSpPr>
+          <p:cNvPr id="11" name="Text Placeholder 2"/>
+          <p:cNvSpPr>
+            <a:spLocks noGrp="1"/>
+          </p:cNvSpPr>
+          <p:nvPr>
+            <p:ph type="body" sz="quarter" idx="12"/>
+          </p:nvPr>
+        </p:nvSpPr>
+        <p:spPr>
+          <a:xfrm>
+            <a:off x="448055" y="917917"/>
+            <a:ext cx="11311128" cy="323165"/>
+          </a:xfrm>
+        </p:spPr>
+        <p:txBody>
+          <a:bodyPr/>
+          <a:lstStyle/>
+          <a:p>
+            <a:r>
+              <a:rPr lang="en-US" dirty="0">
+                <a:solidFill>
+                  <a:schemeClr val="bg1">
+                    <a:lumMod val="50000"/>
+                  </a:schemeClr>
+                </a:solidFill>
+              </a:rPr>
+              <a:t>Agile for Model-Based-Standards Development</a:t>
+            </a:r>
+          </a:p>
+        </p:txBody>
+      </p:sp>
+      <p:sp>
+        <p:nvSpPr>
+          <p:cNvPr id="51" name="TextBox 50"/>
+          <p:cNvSpPr txBox="1"/>
+          <p:nvPr/>
+        </p:nvSpPr>
+        <p:spPr>
+          <a:xfrm>
+            <a:off x="9859106" y="1347373"/>
+            <a:ext cx="589713" cy="338554"/>
+          </a:xfrm>
+          <a:prstGeom prst="rect">
+            <a:avLst/>
+          </a:prstGeom>
+          <a:noFill/>
+        </p:spPr>
+        <p:txBody>
+          <a:bodyPr wrap="none" rtlCol="0">
+            <a:spAutoFit/>
+          </a:bodyPr>
+          <a:lstStyle/>
+          <a:p>
+            <a:r>
+              <a:rPr lang="en-US" sz="1600" dirty="0">
+                <a:solidFill>
+                  <a:schemeClr val="bg1"/>
+                </a:solidFill>
+              </a:rPr>
+              <a:t>ART</a:t>
+            </a:r>
+          </a:p>
+        </p:txBody>
+      </p:sp>
+      <p:sp>
+        <p:nvSpPr>
+          <p:cNvPr id="3" name="Content Placeholder 2"/>
+          <p:cNvSpPr>
+            <a:spLocks noGrp="1"/>
+          </p:cNvSpPr>
+          <p:nvPr>
+            <p:ph sz="quarter" idx="16"/>
+          </p:nvPr>
+        </p:nvSpPr>
+        <p:spPr>
+          <a:xfrm>
+            <a:off x="405383" y="1283208"/>
+            <a:ext cx="11311128" cy="4191917"/>
+          </a:xfrm>
+        </p:spPr>
+        <p:txBody>
+          <a:bodyPr/>
+          <a:lstStyle/>
+          <a:p>
+            <a:pPr>
+              <a:buNone/>
+            </a:pPr>
+            <a:endParaRPr lang="en-US" b="0" dirty="0"/>
+          </a:p>
+          <a:p>
+            <a:pPr marL="342900" indent="-342900">
+              <a:buFont typeface="Arial" panose="020B0604020202020204" pitchFamily="34" charset="0"/>
+              <a:buChar char="•"/>
+            </a:pPr>
+            <a:r>
+              <a:rPr lang="en-US" b="0" dirty="0"/>
+              <a:t>Requirements traceability</a:t>
+            </a:r>
+          </a:p>
+          <a:p>
+            <a:pPr marL="631825" lvl="1" indent="-342900"/>
+            <a:r>
+              <a:rPr lang="en-US" sz="1600" dirty="0"/>
+              <a:t>Requirements:</a:t>
+            </a:r>
+          </a:p>
+          <a:p>
+            <a:pPr marL="850900" lvl="2" indent="-342900"/>
+            <a:r>
+              <a:rPr lang="en-US" sz="1400" dirty="0"/>
+              <a:t> come from different sources: users, implementers, domain experts, …</a:t>
+            </a:r>
+          </a:p>
+          <a:p>
+            <a:pPr marL="850900" lvl="2" indent="-342900"/>
+            <a:r>
+              <a:rPr lang="en-US" sz="1400" dirty="0"/>
+              <a:t> in different forms: email, spreadsheet, word document, meetings, …</a:t>
+            </a:r>
+          </a:p>
+          <a:p>
+            <a:pPr marL="850900" lvl="2" indent="-342900"/>
+            <a:r>
+              <a:rPr lang="en-US" sz="1400" dirty="0"/>
+              <a:t> </a:t>
+            </a:r>
+            <a:r>
+              <a:rPr lang="en-US" sz="1400" b="0" dirty="0"/>
+              <a:t>change during the development cycle</a:t>
+            </a:r>
+          </a:p>
+          <a:p>
+            <a:pPr marL="631825" lvl="1" indent="-342900"/>
+            <a:endParaRPr lang="en-US" sz="1600" b="0" dirty="0"/>
+          </a:p>
+          <a:p>
+            <a:pPr marL="631825" lvl="1" indent="-342900"/>
+            <a:r>
+              <a:rPr lang="en-US" sz="1600" b="0" dirty="0"/>
+              <a:t>Agile offers methods for requirements traceability</a:t>
+            </a:r>
+          </a:p>
+          <a:p>
+            <a:pPr marL="850900" lvl="2" indent="-342900"/>
+            <a:r>
+              <a:rPr lang="en-US" sz="1400" dirty="0"/>
+              <a:t>These methods need tools to be implemented</a:t>
+            </a:r>
+          </a:p>
+          <a:p>
+            <a:pPr marL="850900" lvl="2" indent="-342900"/>
+            <a:r>
+              <a:rPr lang="en-US" sz="1400" dirty="0"/>
+              <a:t>Existing tools do not share a common requirement representation and management strategy</a:t>
+            </a:r>
+          </a:p>
+          <a:p>
+            <a:pPr marL="850900" lvl="2" indent="-342900"/>
+            <a:r>
+              <a:rPr lang="en-US" sz="1400" dirty="0"/>
+              <a:t>Because of that inconsistency, there is limited integration between the tools involved</a:t>
+            </a:r>
+            <a:endParaRPr lang="en-US" sz="1200" dirty="0"/>
+          </a:p>
+          <a:p>
+            <a:pPr lvl="2" indent="0">
+              <a:buNone/>
+            </a:pPr>
+            <a:endParaRPr lang="en-US" sz="1600" b="0" dirty="0"/>
+          </a:p>
+          <a:p>
+            <a:pPr marL="631825" lvl="1" indent="-342900"/>
+            <a:r>
+              <a:rPr lang="en-US" sz="1600" dirty="0"/>
+              <a:t>Develop and implement a requirement model and management strategy</a:t>
+            </a:r>
+          </a:p>
+          <a:p>
+            <a:pPr marL="850900" lvl="2" indent="-342900"/>
+            <a:r>
+              <a:rPr lang="en-US" sz="1400" dirty="0"/>
+              <a:t>To ensure consistent definition, management and validation of the requirements</a:t>
+            </a:r>
+            <a:endParaRPr lang="en-US" sz="1400" b="0" dirty="0"/>
+          </a:p>
+          <a:p>
+            <a:pPr lvl="1" indent="0">
+              <a:buNone/>
+            </a:pPr>
+            <a:endParaRPr lang="en-US" sz="1400" b="0" dirty="0"/>
+          </a:p>
+        </p:txBody>
+      </p:sp>
+    </p:spTree>
+    <p:extLst>
+      <p:ext uri="{BB962C8B-B14F-4D97-AF65-F5344CB8AC3E}">
+        <p14:creationId xmlns:p14="http://schemas.microsoft.com/office/powerpoint/2010/main" val="992928965"/>
+      </p:ext>
+    </p:extLst>
+  </p:cSld>
+  <p:clrMapOvr>
+    <a:masterClrMapping/>
+  </p:clrMapOvr>
+  <mc:AlternateContent xmlns:mc="http://schemas.openxmlformats.org/markup-compatibility/2006" xmlns:p14="http://schemas.microsoft.com/office/powerpoint/2010/main">
+    <mc:Choice Requires="p14">
+      <p:transition spd="med" p14:dur="700">
+        <p:fade/>
+      </p:transition>
+    </mc:Choice>
+    <mc:Fallback xmlns="">
+      <p:transition spd="med">
+        <p:fade/>
+      </p:transition>
+    </mc:Fallback>
+  </mc:AlternateContent>
+</p:sld>
+</file>
+
+<file path=ppt/slides/slide12.xml><?xml version="1.0" encoding="utf-8"?>
+<p:sld xmlns:a="http://schemas.openxmlformats.org/drawingml/2006/main" xmlns:r="http://schemas.openxmlformats.org/officeDocument/2006/relationships" xmlns:p="http://schemas.openxmlformats.org/presentationml/2006/main">
+  <p:cSld>
+    <p:spTree>
+      <p:nvGrpSpPr>
+        <p:cNvPr id="1" name=""/>
+        <p:cNvGrpSpPr/>
+        <p:nvPr/>
+      </p:nvGrpSpPr>
+      <p:grpSpPr>
+        <a:xfrm>
+          <a:off x="0" y="0"/>
+          <a:ext cx="0" cy="0"/>
+          <a:chOff x="0" y="0"/>
+          <a:chExt cx="0" cy="0"/>
+        </a:xfrm>
+      </p:grpSpPr>
+      <p:sp>
+        <p:nvSpPr>
+          <p:cNvPr id="2" name="Title 1"/>
+          <p:cNvSpPr>
+            <a:spLocks noGrp="1"/>
+          </p:cNvSpPr>
+          <p:nvPr>
+            <p:ph type="title"/>
+          </p:nvPr>
+        </p:nvSpPr>
+        <p:spPr>
+          <a:xfrm>
+            <a:off x="448055" y="457200"/>
+            <a:ext cx="11311128" cy="489365"/>
+          </a:xfrm>
+        </p:spPr>
+        <p:txBody>
+          <a:bodyPr/>
+          <a:lstStyle/>
+          <a:p>
+            <a:r>
+              <a:rPr lang="en-GB" sz="3200" dirty="0"/>
+              <a:t>Continued Research 2: Advanced Communication Tools</a:t>
+            </a:r>
+          </a:p>
+        </p:txBody>
+      </p:sp>
+      <p:sp>
+        <p:nvSpPr>
+          <p:cNvPr id="7" name="Rectangle 2"/>
+          <p:cNvSpPr>
+            <a:spLocks noChangeArrowheads="1"/>
+          </p:cNvSpPr>
+          <p:nvPr/>
+        </p:nvSpPr>
+        <p:spPr bwMode="auto">
+          <a:xfrm>
+            <a:off x="13487400" y="2087880"/>
+            <a:ext cx="12188825" cy="0"/>
+          </a:xfrm>
+          <a:prstGeom prst="rect">
+            <a:avLst/>
+          </a:prstGeom>
+          <a:solidFill>
+            <a:schemeClr val="bg1"/>
+          </a:solidFill>
+          <a:ln>
+            <a:noFill/>
+          </a:ln>
+          <a:effectLst/>
+        </p:spPr>
+        <p:txBody>
+          <a:bodyPr vert="horz" wrap="none" lIns="91440" tIns="45720" rIns="91440" bIns="45720" numCol="1" anchor="ctr" anchorCtr="0" compatLnSpc="1">
+            <a:prstTxWarp prst="textNoShape">
+              <a:avLst/>
+            </a:prstTxWarp>
+            <a:spAutoFit/>
+          </a:bodyPr>
+          <a:lstStyle/>
+          <a:p>
+            <a:endParaRPr lang="en-US"/>
+          </a:p>
+        </p:txBody>
+      </p:sp>
+      <p:sp>
+        <p:nvSpPr>
+          <p:cNvPr id="11" name="Text Placeholder 2"/>
+          <p:cNvSpPr>
+            <a:spLocks noGrp="1"/>
+          </p:cNvSpPr>
+          <p:nvPr>
+            <p:ph type="body" sz="quarter" idx="12"/>
+          </p:nvPr>
+        </p:nvSpPr>
+        <p:spPr>
+          <a:xfrm>
+            <a:off x="448055" y="917917"/>
+            <a:ext cx="11311128" cy="323165"/>
+          </a:xfrm>
+        </p:spPr>
+        <p:txBody>
+          <a:bodyPr/>
+          <a:lstStyle/>
+          <a:p>
+            <a:r>
+              <a:rPr lang="en-US" dirty="0">
+                <a:solidFill>
+                  <a:schemeClr val="bg1">
+                    <a:lumMod val="50000"/>
+                  </a:schemeClr>
+                </a:solidFill>
+              </a:rPr>
+              <a:t>Agile for Model-Based-Standards Development</a:t>
+            </a:r>
+          </a:p>
+        </p:txBody>
+      </p:sp>
+      <p:sp>
+        <p:nvSpPr>
+          <p:cNvPr id="51" name="TextBox 50"/>
+          <p:cNvSpPr txBox="1"/>
+          <p:nvPr/>
+        </p:nvSpPr>
+        <p:spPr>
+          <a:xfrm>
+            <a:off x="9859106" y="1347373"/>
+            <a:ext cx="589713" cy="338554"/>
+          </a:xfrm>
+          <a:prstGeom prst="rect">
+            <a:avLst/>
+          </a:prstGeom>
+          <a:noFill/>
+        </p:spPr>
+        <p:txBody>
+          <a:bodyPr wrap="none" rtlCol="0">
+            <a:spAutoFit/>
+          </a:bodyPr>
+          <a:lstStyle/>
+          <a:p>
+            <a:r>
+              <a:rPr lang="en-US" sz="1600" dirty="0">
+                <a:solidFill>
+                  <a:schemeClr val="bg1"/>
+                </a:solidFill>
+              </a:rPr>
+              <a:t>ART</a:t>
+            </a:r>
+          </a:p>
+        </p:txBody>
+      </p:sp>
+      <p:sp>
+        <p:nvSpPr>
+          <p:cNvPr id="3" name="Content Placeholder 2"/>
+          <p:cNvSpPr>
+            <a:spLocks noGrp="1"/>
+          </p:cNvSpPr>
+          <p:nvPr>
+            <p:ph sz="quarter" idx="16"/>
+          </p:nvPr>
+        </p:nvSpPr>
+        <p:spPr>
+          <a:xfrm>
+            <a:off x="405383" y="1283208"/>
+            <a:ext cx="11311128" cy="4736681"/>
+          </a:xfrm>
+        </p:spPr>
+        <p:txBody>
+          <a:bodyPr/>
+          <a:lstStyle/>
+          <a:p>
+            <a:pPr lvl="1" indent="0">
+              <a:buNone/>
+            </a:pPr>
+            <a:endParaRPr lang="en-US" sz="1400" b="0" dirty="0"/>
+          </a:p>
+          <a:p>
+            <a:pPr marL="342900" indent="-342900">
+              <a:buFont typeface="Arial" panose="020B0604020202020204" pitchFamily="34" charset="0"/>
+              <a:buChar char="•"/>
+            </a:pPr>
+            <a:r>
+              <a:rPr lang="en-US" b="0" dirty="0"/>
+              <a:t>Consensus management </a:t>
+            </a:r>
+          </a:p>
+          <a:p>
+            <a:pPr marL="631825" lvl="1" indent="-342900"/>
+            <a:r>
+              <a:rPr lang="en-US" sz="1600" b="0" dirty="0"/>
+              <a:t>STEP experts:</a:t>
+            </a:r>
+          </a:p>
+          <a:p>
+            <a:pPr marL="850900" lvl="2" indent="-342900"/>
+            <a:r>
+              <a:rPr lang="en-US" sz="1400" dirty="0"/>
+              <a:t>A</a:t>
+            </a:r>
+            <a:r>
+              <a:rPr lang="en-US" sz="1400" b="0" dirty="0"/>
+              <a:t>re geographical dispersed</a:t>
+            </a:r>
+          </a:p>
+          <a:p>
+            <a:pPr marL="850900" lvl="2" indent="-342900"/>
+            <a:r>
+              <a:rPr lang="en-US" sz="1400" dirty="0"/>
+              <a:t>Can’t always attend all the meetings</a:t>
+            </a:r>
+          </a:p>
+          <a:p>
+            <a:pPr marL="850900" lvl="2" indent="-342900"/>
+            <a:r>
+              <a:rPr lang="en-US" sz="1400" dirty="0"/>
+              <a:t>Cannot always be dedicated</a:t>
+            </a:r>
+          </a:p>
+          <a:p>
+            <a:pPr lvl="2" indent="0">
+              <a:buNone/>
+            </a:pPr>
+            <a:endParaRPr lang="en-US" sz="1600" dirty="0"/>
+          </a:p>
+          <a:p>
+            <a:pPr marL="631825" lvl="1" indent="-342900"/>
+            <a:r>
+              <a:rPr lang="en-US" sz="1600" dirty="0"/>
+              <a:t>Importance of keeping track of and documenting all the activities and decisions during the different meetings</a:t>
+            </a:r>
+          </a:p>
+          <a:p>
+            <a:pPr marL="850900" lvl="2" indent="-342900"/>
+            <a:r>
+              <a:rPr lang="en-US" sz="1400" dirty="0"/>
+              <a:t>Decisions can be achievements, new tasks, bugs, bug resolutions, requirements, assignments, …</a:t>
+            </a:r>
+          </a:p>
+          <a:p>
+            <a:pPr marL="631825" lvl="1" indent="-342900"/>
+            <a:endParaRPr lang="en-US" sz="1600" dirty="0"/>
+          </a:p>
+          <a:p>
+            <a:pPr marL="631825" lvl="1" indent="-342900"/>
+            <a:r>
+              <a:rPr lang="en-US" sz="1600" dirty="0"/>
+              <a:t>Meeting minutes are not necessarily very detailed, formalized, and accessible</a:t>
+            </a:r>
+          </a:p>
+          <a:p>
+            <a:pPr marL="850900" lvl="2" indent="-342900"/>
+            <a:r>
+              <a:rPr lang="en-US" sz="1400" dirty="0"/>
+              <a:t>Who, When, Where, What, Why, How </a:t>
+            </a:r>
+          </a:p>
+          <a:p>
+            <a:pPr marL="631825" lvl="1" indent="-342900"/>
+            <a:endParaRPr lang="en-US" sz="1600" dirty="0"/>
+          </a:p>
+          <a:p>
+            <a:pPr marL="631825" lvl="1" indent="-342900"/>
+            <a:r>
+              <a:rPr lang="en-US" sz="1600" dirty="0"/>
+              <a:t>Develop and implement a formal meeting minutes model and strategy</a:t>
+            </a:r>
+          </a:p>
+          <a:p>
+            <a:pPr marL="850900" lvl="2" indent="-342900"/>
+            <a:r>
+              <a:rPr lang="en-US" sz="1400" b="0" dirty="0"/>
+              <a:t>Easier access to the minutes</a:t>
+            </a:r>
+          </a:p>
+          <a:p>
+            <a:pPr marL="850900" lvl="2" indent="-342900"/>
+            <a:r>
+              <a:rPr lang="en-US" sz="1400" dirty="0"/>
+              <a:t>Minutes traceability to requirements and tasks</a:t>
+            </a:r>
+            <a:endParaRPr lang="en-US" sz="1200" dirty="0"/>
+          </a:p>
+          <a:p>
+            <a:pPr marL="850900" lvl="2" indent="-342900"/>
+            <a:endParaRPr lang="en-US" sz="1400" dirty="0"/>
+          </a:p>
+        </p:txBody>
+      </p:sp>
+    </p:spTree>
+    <p:extLst>
+      <p:ext uri="{BB962C8B-B14F-4D97-AF65-F5344CB8AC3E}">
+        <p14:creationId xmlns:p14="http://schemas.microsoft.com/office/powerpoint/2010/main" val="1343705657"/>
+      </p:ext>
+    </p:extLst>
+  </p:cSld>
+  <p:clrMapOvr>
+    <a:masterClrMapping/>
+  </p:clrMapOvr>
+  <mc:AlternateContent xmlns:mc="http://schemas.openxmlformats.org/markup-compatibility/2006" xmlns:p14="http://schemas.microsoft.com/office/powerpoint/2010/main">
+    <mc:Choice Requires="p14">
+      <p:transition spd="med" p14:dur="700">
+        <p:fade/>
+      </p:transition>
+    </mc:Choice>
+    <mc:Fallback xmlns="">
+      <p:transition spd="med">
+        <p:fade/>
+      </p:transition>
+    </mc:Fallback>
+  </mc:AlternateContent>
+</p:sld>
+</file>
+
+<file path=ppt/slides/slide13.xml><?xml version="1.0" encoding="utf-8"?>
+<p:sld xmlns:a="http://schemas.openxmlformats.org/drawingml/2006/main" xmlns:r="http://schemas.openxmlformats.org/officeDocument/2006/relationships" xmlns:p="http://schemas.openxmlformats.org/presentationml/2006/main">
+  <p:cSld>
+    <p:spTree>
+      <p:nvGrpSpPr>
+        <p:cNvPr id="1" name=""/>
+        <p:cNvGrpSpPr/>
+        <p:nvPr/>
+      </p:nvGrpSpPr>
+      <p:grpSpPr>
+        <a:xfrm>
+          <a:off x="0" y="0"/>
+          <a:ext cx="0" cy="0"/>
+          <a:chOff x="0" y="0"/>
+          <a:chExt cx="0" cy="0"/>
+        </a:xfrm>
+      </p:grpSpPr>
+      <p:sp>
+        <p:nvSpPr>
+          <p:cNvPr id="2" name="Title 1"/>
+          <p:cNvSpPr>
+            <a:spLocks noGrp="1"/>
+          </p:cNvSpPr>
+          <p:nvPr>
+            <p:ph type="title"/>
+          </p:nvPr>
+        </p:nvSpPr>
+        <p:spPr>
+          <a:xfrm>
+            <a:off x="448055" y="457200"/>
+            <a:ext cx="11311128" cy="489365"/>
+          </a:xfrm>
+        </p:spPr>
+        <p:txBody>
+          <a:bodyPr/>
+          <a:lstStyle/>
+          <a:p>
+            <a:r>
+              <a:rPr lang="en-GB" sz="3200" dirty="0"/>
+              <a:t>Continued Research 3: Continuous Integration</a:t>
+            </a:r>
+          </a:p>
+        </p:txBody>
+      </p:sp>
+      <p:sp>
+        <p:nvSpPr>
+          <p:cNvPr id="7" name="Rectangle 2"/>
+          <p:cNvSpPr>
+            <a:spLocks noChangeArrowheads="1"/>
+          </p:cNvSpPr>
+          <p:nvPr/>
+        </p:nvSpPr>
+        <p:spPr bwMode="auto">
+          <a:xfrm>
+            <a:off x="13487400" y="2087880"/>
+            <a:ext cx="12188825" cy="0"/>
+          </a:xfrm>
+          <a:prstGeom prst="rect">
+            <a:avLst/>
+          </a:prstGeom>
+          <a:solidFill>
+            <a:schemeClr val="bg1"/>
+          </a:solidFill>
+          <a:ln>
+            <a:noFill/>
+          </a:ln>
+          <a:effectLst/>
+        </p:spPr>
+        <p:txBody>
+          <a:bodyPr vert="horz" wrap="none" lIns="91440" tIns="45720" rIns="91440" bIns="45720" numCol="1" anchor="ctr" anchorCtr="0" compatLnSpc="1">
+            <a:prstTxWarp prst="textNoShape">
+              <a:avLst/>
+            </a:prstTxWarp>
+            <a:spAutoFit/>
+          </a:bodyPr>
+          <a:lstStyle/>
+          <a:p>
+            <a:endParaRPr lang="en-US"/>
+          </a:p>
+        </p:txBody>
+      </p:sp>
+      <p:sp>
+        <p:nvSpPr>
+          <p:cNvPr id="11" name="Text Placeholder 2"/>
+          <p:cNvSpPr>
+            <a:spLocks noGrp="1"/>
+          </p:cNvSpPr>
+          <p:nvPr>
+            <p:ph type="body" sz="quarter" idx="12"/>
+          </p:nvPr>
+        </p:nvSpPr>
+        <p:spPr>
+          <a:xfrm>
+            <a:off x="448055" y="917917"/>
+            <a:ext cx="11311128" cy="323165"/>
+          </a:xfrm>
+        </p:spPr>
+        <p:txBody>
+          <a:bodyPr/>
+          <a:lstStyle/>
+          <a:p>
+            <a:r>
+              <a:rPr lang="en-US" dirty="0">
+                <a:solidFill>
+                  <a:schemeClr val="bg1">
+                    <a:lumMod val="50000"/>
+                  </a:schemeClr>
+                </a:solidFill>
+              </a:rPr>
+              <a:t>Agile for Model-Based-Standards Development</a:t>
+            </a:r>
+          </a:p>
+        </p:txBody>
+      </p:sp>
+      <p:sp>
+        <p:nvSpPr>
+          <p:cNvPr id="51" name="TextBox 50"/>
+          <p:cNvSpPr txBox="1"/>
+          <p:nvPr/>
+        </p:nvSpPr>
+        <p:spPr>
+          <a:xfrm>
+            <a:off x="9859106" y="1347373"/>
+            <a:ext cx="589713" cy="338554"/>
+          </a:xfrm>
+          <a:prstGeom prst="rect">
+            <a:avLst/>
+          </a:prstGeom>
+          <a:noFill/>
+        </p:spPr>
+        <p:txBody>
+          <a:bodyPr wrap="none" rtlCol="0">
+            <a:spAutoFit/>
+          </a:bodyPr>
+          <a:lstStyle/>
+          <a:p>
+            <a:r>
+              <a:rPr lang="en-US" sz="1600" dirty="0">
+                <a:solidFill>
+                  <a:schemeClr val="bg1"/>
+                </a:solidFill>
+              </a:rPr>
+              <a:t>ART</a:t>
+            </a:r>
+          </a:p>
+        </p:txBody>
+      </p:sp>
+      <p:sp>
+        <p:nvSpPr>
+          <p:cNvPr id="3" name="Content Placeholder 2"/>
+          <p:cNvSpPr>
+            <a:spLocks noGrp="1"/>
+          </p:cNvSpPr>
+          <p:nvPr>
+            <p:ph sz="quarter" idx="16"/>
+          </p:nvPr>
+        </p:nvSpPr>
+        <p:spPr>
+          <a:xfrm>
+            <a:off x="405383" y="1283208"/>
+            <a:ext cx="11311128" cy="4967514"/>
+          </a:xfrm>
+        </p:spPr>
+        <p:txBody>
+          <a:bodyPr/>
+          <a:lstStyle/>
+          <a:p>
+            <a:pPr marL="342900" indent="-342900">
+              <a:buFont typeface="Arial" panose="020B0604020202020204" pitchFamily="34" charset="0"/>
+              <a:buChar char="•"/>
+            </a:pPr>
+            <a:r>
+              <a:rPr lang="en-US" b="0" dirty="0"/>
+              <a:t>Continuous integration</a:t>
+            </a:r>
+          </a:p>
+          <a:p>
+            <a:pPr marL="631825" lvl="1" indent="-342900"/>
+            <a:r>
+              <a:rPr lang="en-US" sz="1600" dirty="0"/>
+              <a:t>STEP development process:</a:t>
+            </a:r>
+          </a:p>
+          <a:p>
+            <a:pPr marL="850900" lvl="2" indent="-342900"/>
+            <a:r>
+              <a:rPr lang="en-US" sz="1400" dirty="0"/>
+              <a:t>currently involves a set of bespoken tools (validation, documentation, packaging, …)</a:t>
+            </a:r>
+          </a:p>
+          <a:p>
+            <a:pPr marL="850900" lvl="2" indent="-342900"/>
+            <a:r>
+              <a:rPr lang="en-US" sz="1400" dirty="0"/>
+              <a:t>Will involve new tools after transitioning to Agile</a:t>
+            </a:r>
+          </a:p>
+          <a:p>
+            <a:pPr marL="631825" lvl="1" indent="-342900"/>
+            <a:endParaRPr lang="en-US" sz="1600" dirty="0"/>
+          </a:p>
+          <a:p>
+            <a:pPr marL="574675" lvl="1" indent="-285750"/>
+            <a:r>
+              <a:rPr lang="en-US" sz="1600" dirty="0"/>
+              <a:t>These tools need to be integrated into a global management system to ensure consistency across and integration of their data objects</a:t>
+            </a:r>
+          </a:p>
+          <a:p>
+            <a:pPr marL="574675" lvl="1" indent="-285750"/>
+            <a:r>
+              <a:rPr lang="en-US" sz="1600" dirty="0"/>
+              <a:t>Tool integration will:</a:t>
+            </a:r>
+          </a:p>
+          <a:p>
+            <a:pPr marL="793750" lvl="2" indent="-285750"/>
+            <a:r>
+              <a:rPr lang="en-US" sz="1400" dirty="0"/>
+              <a:t>Enable the creation of an automation pipeline</a:t>
+            </a:r>
+          </a:p>
+          <a:p>
+            <a:pPr marL="793750" lvl="2" indent="-285750"/>
+            <a:r>
+              <a:rPr lang="en-US" sz="1400" dirty="0"/>
+              <a:t>Enable automated testing and validation of models and derived parts (documentation, publication, …)</a:t>
+            </a:r>
+          </a:p>
+          <a:p>
+            <a:pPr marL="793750" lvl="2" indent="-285750"/>
+            <a:r>
+              <a:rPr lang="en-US" sz="1400" dirty="0"/>
+              <a:t>Improve the quality of the standard by detecting errors earlier in the workflow</a:t>
+            </a:r>
+          </a:p>
+          <a:p>
+            <a:pPr marL="793750" lvl="2" indent="-285750"/>
+            <a:r>
+              <a:rPr lang="en-US" sz="1400" dirty="0"/>
+              <a:t>Ensure that requirements are properly met</a:t>
+            </a:r>
+          </a:p>
+          <a:p>
+            <a:pPr marL="793750" lvl="2" indent="-285750"/>
+            <a:r>
+              <a:rPr lang="en-US" sz="1400" dirty="0"/>
+              <a:t>Reduce development and maintenance cost through automation</a:t>
+            </a:r>
+          </a:p>
+          <a:p>
+            <a:pPr marL="631825" lvl="1" indent="-342900"/>
+            <a:endParaRPr lang="en-US" sz="1600" dirty="0"/>
+          </a:p>
+          <a:p>
+            <a:pPr lvl="1" indent="0">
+              <a:buNone/>
+            </a:pPr>
+            <a:endParaRPr lang="en-US" sz="1600" b="0" dirty="0"/>
+          </a:p>
+          <a:p>
+            <a:pPr marL="631825" lvl="1" indent="-342900"/>
+            <a:endParaRPr lang="en-US" sz="1600" dirty="0"/>
+          </a:p>
+          <a:p>
+            <a:pPr lvl="1" indent="0">
+              <a:buNone/>
+            </a:pPr>
+            <a:endParaRPr lang="en-US" sz="1600" dirty="0"/>
+          </a:p>
+          <a:p>
+            <a:pPr lvl="1" indent="0">
+              <a:buNone/>
+            </a:pPr>
+            <a:endParaRPr lang="en-US" sz="1600" dirty="0"/>
+          </a:p>
+        </p:txBody>
+      </p:sp>
+    </p:spTree>
+    <p:extLst>
+      <p:ext uri="{BB962C8B-B14F-4D97-AF65-F5344CB8AC3E}">
+        <p14:creationId xmlns:p14="http://schemas.microsoft.com/office/powerpoint/2010/main" val="879070622"/>
+      </p:ext>
+    </p:extLst>
+  </p:cSld>
+  <p:clrMapOvr>
+    <a:masterClrMapping/>
+  </p:clrMapOvr>
+  <mc:AlternateContent xmlns:mc="http://schemas.openxmlformats.org/markup-compatibility/2006" xmlns:p14="http://schemas.microsoft.com/office/powerpoint/2010/main">
+    <mc:Choice Requires="p14">
+      <p:transition spd="med" p14:dur="700">
+        <p:fade/>
+      </p:transition>
+    </mc:Choice>
+    <mc:Fallback xmlns="">
+      <p:transition spd="med">
+        <p:fade/>
+      </p:transition>
+    </mc:Fallback>
+  </mc:AlternateContent>
+</p:sld>
+</file>
+
+<file path=ppt/slides/slide14.xml><?xml version="1.0" encoding="utf-8"?>
+<p:sld xmlns:a="http://schemas.openxmlformats.org/drawingml/2006/main" xmlns:r="http://schemas.openxmlformats.org/officeDocument/2006/relationships" xmlns:p="http://schemas.openxmlformats.org/presentationml/2006/main">
+  <p:cSld>
+    <p:spTree>
+      <p:nvGrpSpPr>
+        <p:cNvPr id="1" name=""/>
+        <p:cNvGrpSpPr/>
+        <p:nvPr/>
+      </p:nvGrpSpPr>
+      <p:grpSpPr>
+        <a:xfrm>
+          <a:off x="0" y="0"/>
+          <a:ext cx="0" cy="0"/>
+          <a:chOff x="0" y="0"/>
+          <a:chExt cx="0" cy="0"/>
+        </a:xfrm>
+      </p:grpSpPr>
+      <p:sp>
+        <p:nvSpPr>
+          <p:cNvPr id="2" name="Title 1"/>
+          <p:cNvSpPr>
+            <a:spLocks noGrp="1"/>
+          </p:cNvSpPr>
+          <p:nvPr>
+            <p:ph type="title"/>
+          </p:nvPr>
+        </p:nvSpPr>
+        <p:spPr>
+          <a:xfrm>
+            <a:off x="448055" y="457200"/>
+            <a:ext cx="11311128" cy="489365"/>
+          </a:xfrm>
+        </p:spPr>
+        <p:txBody>
+          <a:bodyPr/>
+          <a:lstStyle/>
+          <a:p>
+            <a:r>
+              <a:rPr lang="en-GB" sz="3200" dirty="0"/>
+              <a:t>Benefits &amp; Impacts</a:t>
+            </a:r>
+          </a:p>
+        </p:txBody>
+      </p:sp>
+      <p:sp>
+        <p:nvSpPr>
+          <p:cNvPr id="6" name="Content Placeholder 3"/>
+          <p:cNvSpPr>
+            <a:spLocks noGrp="1"/>
+          </p:cNvSpPr>
+          <p:nvPr>
+            <p:ph sz="quarter" idx="16"/>
+          </p:nvPr>
+        </p:nvSpPr>
+        <p:spPr>
+          <a:xfrm>
+            <a:off x="405383" y="1400438"/>
+            <a:ext cx="5601407" cy="276999"/>
+          </a:xfrm>
+        </p:spPr>
+        <p:txBody>
+          <a:bodyPr/>
+          <a:lstStyle/>
+          <a:p>
+            <a:r>
+              <a:rPr lang="en-US" dirty="0"/>
+              <a:t>Benefits to MBS Developer</a:t>
+            </a:r>
+          </a:p>
+        </p:txBody>
+      </p:sp>
+      <p:sp>
+        <p:nvSpPr>
+          <p:cNvPr id="7" name="Content Placeholder 3"/>
+          <p:cNvSpPr txBox="1">
+            <a:spLocks/>
+          </p:cNvSpPr>
+          <p:nvPr/>
+        </p:nvSpPr>
+        <p:spPr bwMode="auto">
+          <a:xfrm>
+            <a:off x="6204017" y="1400438"/>
+            <a:ext cx="5601407" cy="276999"/>
+          </a:xfrm>
+          <a:prstGeom prst="rect">
+            <a:avLst/>
+          </a:prstGeom>
+          <a:solidFill>
+            <a:schemeClr val="tx1">
+              <a:lumMod val="75000"/>
+              <a:lumOff val="25000"/>
+            </a:schemeClr>
+          </a:solidFill>
+          <a:ln w="9525">
+            <a:noFill/>
+            <a:miter lim="800000"/>
+            <a:headEnd/>
+            <a:tailEnd/>
+          </a:ln>
+          <a:effectLst/>
+        </p:spPr>
+        <p:txBody>
+          <a:bodyPr vert="horz" wrap="square" lIns="0" tIns="0" rIns="0" bIns="0" numCol="1" anchor="t" anchorCtr="0" compatLnSpc="1">
+            <a:prstTxWarp prst="textNoShape">
+              <a:avLst/>
+            </a:prstTxWarp>
+            <a:spAutoFit/>
+          </a:bodyPr>
+          <a:lstStyle>
+            <a:lvl1pPr marL="0" indent="0" algn="l" defTabSz="820738" rtl="0" eaLnBrk="1" fontAlgn="base" hangingPunct="1">
+              <a:lnSpc>
+                <a:spcPct val="90000"/>
+              </a:lnSpc>
+              <a:spcBef>
+                <a:spcPct val="30000"/>
+              </a:spcBef>
+              <a:spcAft>
+                <a:spcPct val="0"/>
+              </a:spcAft>
+              <a:buClr>
+                <a:schemeClr val="tx2"/>
+              </a:buClr>
+              <a:buFont typeface="Symbol" panose="05050102010706020507" pitchFamily="18" charset="2"/>
+              <a:buChar char=""/>
+              <a:defRPr sz="2000" b="1">
+                <a:solidFill>
+                  <a:schemeClr val="bg1"/>
+                </a:solidFill>
+                <a:latin typeface="+mn-lt"/>
+                <a:ea typeface="+mn-ea"/>
+                <a:cs typeface="+mn-cs"/>
+              </a:defRPr>
+            </a:lvl1pPr>
+            <a:lvl2pPr marL="288925" indent="-173038" algn="l" defTabSz="820738" rtl="0" eaLnBrk="1" fontAlgn="base" hangingPunct="1">
+              <a:lnSpc>
+                <a:spcPct val="90000"/>
+              </a:lnSpc>
+              <a:spcBef>
+                <a:spcPct val="30000"/>
+              </a:spcBef>
+              <a:spcAft>
+                <a:spcPct val="0"/>
+              </a:spcAft>
+              <a:buClr>
+                <a:schemeClr val="bg1"/>
+              </a:buClr>
+              <a:buFont typeface="Arial" panose="020B0604020202020204" pitchFamily="34" charset="0"/>
+              <a:buChar char="•"/>
+              <a:defRPr sz="2000">
+                <a:solidFill>
+                  <a:schemeClr val="bg1"/>
+                </a:solidFill>
+                <a:latin typeface="+mn-lt"/>
+              </a:defRPr>
+            </a:lvl2pPr>
+            <a:lvl3pPr marL="508000" indent="-184150" algn="l" defTabSz="820738" rtl="0" eaLnBrk="1" fontAlgn="base" hangingPunct="1">
+              <a:lnSpc>
+                <a:spcPct val="90000"/>
+              </a:lnSpc>
+              <a:spcBef>
+                <a:spcPct val="30000"/>
+              </a:spcBef>
+              <a:spcAft>
+                <a:spcPct val="0"/>
+              </a:spcAft>
+              <a:buClr>
+                <a:schemeClr val="bg1"/>
+              </a:buClr>
+              <a:buFont typeface="Arial" panose="020B0604020202020204" pitchFamily="34" charset="0"/>
+              <a:buChar char="•"/>
+              <a:defRPr>
+                <a:solidFill>
+                  <a:schemeClr val="bg1"/>
+                </a:solidFill>
+                <a:latin typeface="+mn-lt"/>
+              </a:defRPr>
+            </a:lvl3pPr>
+            <a:lvl4pPr marL="803275" indent="-225425" algn="l" defTabSz="820738" rtl="0" eaLnBrk="1" fontAlgn="base" hangingPunct="1">
+              <a:lnSpc>
+                <a:spcPct val="90000"/>
+              </a:lnSpc>
+              <a:spcBef>
+                <a:spcPct val="30000"/>
+              </a:spcBef>
+              <a:spcAft>
+                <a:spcPct val="0"/>
+              </a:spcAft>
+              <a:buClr>
+                <a:schemeClr val="bg1"/>
+              </a:buClr>
+              <a:buFont typeface="Arial" panose="020B0604020202020204" pitchFamily="34" charset="0"/>
+              <a:buChar char="•"/>
+              <a:defRPr sz="1600">
+                <a:solidFill>
+                  <a:schemeClr val="bg1"/>
+                </a:solidFill>
+                <a:latin typeface="+mn-lt"/>
+              </a:defRPr>
+            </a:lvl4pPr>
+            <a:lvl5pPr marL="957263" indent="-163513" algn="l" defTabSz="820738" rtl="0" eaLnBrk="1" fontAlgn="base" hangingPunct="1">
+              <a:lnSpc>
+                <a:spcPct val="90000"/>
+              </a:lnSpc>
+              <a:spcBef>
+                <a:spcPct val="30000"/>
+              </a:spcBef>
+              <a:spcAft>
+                <a:spcPct val="0"/>
+              </a:spcAft>
+              <a:buClr>
+                <a:schemeClr val="tx2"/>
+              </a:buClr>
+              <a:buFont typeface="Arial" charset="0"/>
+              <a:buChar char="–"/>
+              <a:defRPr sz="1600">
+                <a:solidFill>
+                  <a:schemeClr val="tx1">
+                    <a:lumMod val="75000"/>
+                    <a:lumOff val="25000"/>
+                  </a:schemeClr>
+                </a:solidFill>
+                <a:latin typeface="+mn-lt"/>
+              </a:defRPr>
+            </a:lvl5pPr>
+            <a:lvl6pPr marL="1414463" indent="-163513" algn="l" defTabSz="820738" rtl="0" eaLnBrk="1" fontAlgn="base" hangingPunct="1">
+              <a:lnSpc>
+                <a:spcPct val="90000"/>
+              </a:lnSpc>
+              <a:spcBef>
+                <a:spcPct val="30000"/>
+              </a:spcBef>
+              <a:spcAft>
+                <a:spcPct val="0"/>
+              </a:spcAft>
+              <a:buClr>
+                <a:schemeClr val="tx2"/>
+              </a:buClr>
+              <a:buFont typeface="Arial" charset="0"/>
+              <a:buChar char="–"/>
+              <a:defRPr sz="1600">
+                <a:solidFill>
+                  <a:schemeClr val="tx1"/>
+                </a:solidFill>
+                <a:latin typeface="+mn-lt"/>
+              </a:defRPr>
+            </a:lvl6pPr>
+            <a:lvl7pPr marL="1871663" indent="-163513" algn="l" defTabSz="820738" rtl="0" eaLnBrk="1" fontAlgn="base" hangingPunct="1">
+              <a:lnSpc>
+                <a:spcPct val="90000"/>
+              </a:lnSpc>
+              <a:spcBef>
+                <a:spcPct val="30000"/>
+              </a:spcBef>
+              <a:spcAft>
+                <a:spcPct val="0"/>
+              </a:spcAft>
+              <a:buClr>
+                <a:schemeClr val="tx2"/>
+              </a:buClr>
+              <a:buFont typeface="Arial" charset="0"/>
+              <a:buChar char="–"/>
+              <a:defRPr sz="1600">
+                <a:solidFill>
+                  <a:schemeClr val="tx1"/>
+                </a:solidFill>
+                <a:latin typeface="+mn-lt"/>
+              </a:defRPr>
+            </a:lvl7pPr>
+            <a:lvl8pPr marL="2328863" indent="-163513" algn="l" defTabSz="820738" rtl="0" eaLnBrk="1" fontAlgn="base" hangingPunct="1">
+              <a:lnSpc>
+                <a:spcPct val="90000"/>
+              </a:lnSpc>
+              <a:spcBef>
+                <a:spcPct val="30000"/>
+              </a:spcBef>
+              <a:spcAft>
+                <a:spcPct val="0"/>
+              </a:spcAft>
+              <a:buClr>
+                <a:schemeClr val="tx2"/>
+              </a:buClr>
+              <a:buFont typeface="Arial" charset="0"/>
+              <a:buChar char="–"/>
+              <a:defRPr sz="1600">
+                <a:solidFill>
+                  <a:schemeClr val="tx1"/>
+                </a:solidFill>
+                <a:latin typeface="+mn-lt"/>
+              </a:defRPr>
+            </a:lvl8pPr>
+            <a:lvl9pPr marL="2786063" indent="-163513" algn="l" defTabSz="820738" rtl="0" eaLnBrk="1" fontAlgn="base" hangingPunct="1">
+              <a:lnSpc>
+                <a:spcPct val="90000"/>
+              </a:lnSpc>
+              <a:spcBef>
+                <a:spcPct val="30000"/>
+              </a:spcBef>
+              <a:spcAft>
+                <a:spcPct val="0"/>
+              </a:spcAft>
+              <a:buClr>
+                <a:schemeClr val="tx2"/>
+              </a:buClr>
+              <a:buFont typeface="Arial" charset="0"/>
+              <a:buChar char="–"/>
+              <a:defRPr sz="1600">
+                <a:solidFill>
+                  <a:schemeClr val="tx1"/>
+                </a:solidFill>
+                <a:latin typeface="+mn-lt"/>
+              </a:defRPr>
+            </a:lvl9pPr>
+          </a:lstStyle>
+          <a:p>
+            <a:r>
+              <a:rPr lang="en-US" kern="0" dirty="0"/>
+              <a:t>Benefits to Industry/Enterprise</a:t>
+            </a:r>
+          </a:p>
+        </p:txBody>
+      </p:sp>
+      <p:sp>
+        <p:nvSpPr>
+          <p:cNvPr id="9" name="Text Placeholder 2"/>
+          <p:cNvSpPr>
+            <a:spLocks noGrp="1"/>
+          </p:cNvSpPr>
+          <p:nvPr>
+            <p:ph type="body" sz="quarter" idx="12"/>
+          </p:nvPr>
+        </p:nvSpPr>
+        <p:spPr>
+          <a:xfrm>
+            <a:off x="448055" y="917917"/>
+            <a:ext cx="11311128" cy="323165"/>
+          </a:xfrm>
+        </p:spPr>
+        <p:txBody>
+          <a:bodyPr/>
+          <a:lstStyle/>
+          <a:p>
+            <a:r>
+              <a:rPr lang="en-US" dirty="0">
+                <a:solidFill>
+                  <a:schemeClr val="bg1">
+                    <a:lumMod val="50000"/>
+                  </a:schemeClr>
+                </a:solidFill>
+              </a:rPr>
+              <a:t>Agile for Model-Based-Standards Development</a:t>
+            </a:r>
+          </a:p>
+        </p:txBody>
+      </p:sp>
+      <p:sp>
+        <p:nvSpPr>
+          <p:cNvPr id="3" name="Rectangle 2">
+            <a:extLst>
+              <a:ext uri="{FF2B5EF4-FFF2-40B4-BE49-F238E27FC236}">
+                <a16:creationId xmlns:a16="http://schemas.microsoft.com/office/drawing/2014/main" id="{14DCAA50-2BFF-4021-8C1D-055AD6B9520A}"/>
+              </a:ext>
+            </a:extLst>
+          </p:cNvPr>
+          <p:cNvSpPr/>
+          <p:nvPr/>
+        </p:nvSpPr>
+        <p:spPr>
+          <a:xfrm>
+            <a:off x="1632859" y="4152808"/>
+            <a:ext cx="2772228" cy="910660"/>
+          </a:xfrm>
+          <a:prstGeom prst="rect">
+            <a:avLst/>
+          </a:prstGeom>
+        </p:spPr>
+        <p:style>
+          <a:lnRef idx="3">
+            <a:schemeClr val="lt1"/>
+          </a:lnRef>
+          <a:fillRef idx="1">
+            <a:schemeClr val="accent4"/>
+          </a:fillRef>
+          <a:effectRef idx="1">
+            <a:schemeClr val="accent4"/>
+          </a:effectRef>
+          <a:fontRef idx="minor">
+            <a:schemeClr val="lt1"/>
+          </a:fontRef>
+        </p:style>
+        <p:txBody>
+          <a:bodyPr rtlCol="0" anchor="ctr"/>
+          <a:lstStyle/>
+          <a:p>
+            <a:pPr algn="ctr"/>
+            <a:r>
+              <a:rPr lang="en-US" sz="1600" dirty="0"/>
+              <a:t>Immediate feedback loop to detect and fix issues early</a:t>
+            </a:r>
+          </a:p>
+        </p:txBody>
+      </p:sp>
+      <p:sp>
+        <p:nvSpPr>
+          <p:cNvPr id="10" name="Rectangle 9">
+            <a:extLst>
+              <a:ext uri="{FF2B5EF4-FFF2-40B4-BE49-F238E27FC236}">
+                <a16:creationId xmlns:a16="http://schemas.microsoft.com/office/drawing/2014/main" id="{FF7BB725-8815-4BAB-A9BB-00F31830F564}"/>
+              </a:ext>
+            </a:extLst>
+          </p:cNvPr>
+          <p:cNvSpPr/>
+          <p:nvPr/>
+        </p:nvSpPr>
+        <p:spPr>
+          <a:xfrm>
+            <a:off x="1632859" y="5493657"/>
+            <a:ext cx="2772228" cy="907143"/>
+          </a:xfrm>
+          <a:prstGeom prst="rect">
+            <a:avLst/>
+          </a:prstGeom>
+        </p:spPr>
+        <p:style>
+          <a:lnRef idx="3">
+            <a:schemeClr val="lt1"/>
+          </a:lnRef>
+          <a:fillRef idx="1">
+            <a:schemeClr val="accent4"/>
+          </a:fillRef>
+          <a:effectRef idx="1">
+            <a:schemeClr val="accent4"/>
+          </a:effectRef>
+          <a:fontRef idx="minor">
+            <a:schemeClr val="lt1"/>
+          </a:fontRef>
+        </p:style>
+        <p:txBody>
+          <a:bodyPr rtlCol="0" anchor="ctr"/>
+          <a:lstStyle/>
+          <a:p>
+            <a:pPr algn="ctr"/>
+            <a:r>
+              <a:rPr lang="en-US" sz="1600" dirty="0"/>
+              <a:t>Increased transparency and visibility across developers and team members</a:t>
+            </a:r>
+          </a:p>
+        </p:txBody>
+      </p:sp>
+      <p:sp>
+        <p:nvSpPr>
+          <p:cNvPr id="11" name="Rectangle 10">
+            <a:extLst>
+              <a:ext uri="{FF2B5EF4-FFF2-40B4-BE49-F238E27FC236}">
+                <a16:creationId xmlns:a16="http://schemas.microsoft.com/office/drawing/2014/main" id="{1AFEF8A2-9B6B-4C6E-89AB-FFEEFBFFA870}"/>
+              </a:ext>
+            </a:extLst>
+          </p:cNvPr>
+          <p:cNvSpPr/>
+          <p:nvPr/>
+        </p:nvSpPr>
+        <p:spPr>
+          <a:xfrm>
+            <a:off x="1632859" y="2075185"/>
+            <a:ext cx="2772228" cy="681427"/>
+          </a:xfrm>
+          <a:prstGeom prst="rect">
+            <a:avLst/>
+          </a:prstGeom>
+        </p:spPr>
+        <p:style>
+          <a:lnRef idx="3">
+            <a:schemeClr val="lt1"/>
+          </a:lnRef>
+          <a:fillRef idx="1">
+            <a:schemeClr val="accent4"/>
+          </a:fillRef>
+          <a:effectRef idx="1">
+            <a:schemeClr val="accent4"/>
+          </a:effectRef>
+          <a:fontRef idx="minor">
+            <a:schemeClr val="lt1"/>
+          </a:fontRef>
+        </p:style>
+        <p:txBody>
+          <a:bodyPr rtlCol="0" anchor="ctr"/>
+          <a:lstStyle/>
+          <a:p>
+            <a:pPr algn="ctr"/>
+            <a:r>
+              <a:rPr lang="en-US" sz="1600" dirty="0"/>
+              <a:t>Avoid “integration hell”</a:t>
+            </a:r>
+          </a:p>
+        </p:txBody>
+      </p:sp>
+      <p:sp>
+        <p:nvSpPr>
+          <p:cNvPr id="13" name="Rectangle 12">
+            <a:extLst>
+              <a:ext uri="{FF2B5EF4-FFF2-40B4-BE49-F238E27FC236}">
+                <a16:creationId xmlns:a16="http://schemas.microsoft.com/office/drawing/2014/main" id="{5FCBAFB8-D71A-48C5-A85F-6D56D0EEDFEE}"/>
+              </a:ext>
+            </a:extLst>
+          </p:cNvPr>
+          <p:cNvSpPr/>
+          <p:nvPr/>
+        </p:nvSpPr>
+        <p:spPr>
+          <a:xfrm>
+            <a:off x="1632859" y="3154361"/>
+            <a:ext cx="2772228" cy="681427"/>
+          </a:xfrm>
+          <a:prstGeom prst="rect">
+            <a:avLst/>
+          </a:prstGeom>
+        </p:spPr>
+        <p:style>
+          <a:lnRef idx="3">
+            <a:schemeClr val="lt1"/>
+          </a:lnRef>
+          <a:fillRef idx="1">
+            <a:schemeClr val="accent4"/>
+          </a:fillRef>
+          <a:effectRef idx="1">
+            <a:schemeClr val="accent4"/>
+          </a:effectRef>
+          <a:fontRef idx="minor">
+            <a:schemeClr val="lt1"/>
+          </a:fontRef>
+        </p:style>
+        <p:txBody>
+          <a:bodyPr rtlCol="0" anchor="ctr"/>
+          <a:lstStyle/>
+          <a:p>
+            <a:pPr algn="ctr"/>
+            <a:r>
+              <a:rPr lang="en-US" sz="1600" dirty="0"/>
+              <a:t>Improve quality and testability</a:t>
+            </a:r>
+          </a:p>
+        </p:txBody>
+      </p:sp>
+      <p:cxnSp>
+        <p:nvCxnSpPr>
+          <p:cNvPr id="14" name="Straight Arrow Connector 13">
+            <a:extLst>
+              <a:ext uri="{FF2B5EF4-FFF2-40B4-BE49-F238E27FC236}">
+                <a16:creationId xmlns:a16="http://schemas.microsoft.com/office/drawing/2014/main" id="{38E8BE6A-525B-4790-954B-63C9A20241ED}"/>
+              </a:ext>
+            </a:extLst>
+          </p:cNvPr>
+          <p:cNvCxnSpPr>
+            <a:cxnSpLocks/>
+            <a:stCxn id="11" idx="2"/>
+            <a:endCxn id="13" idx="0"/>
+          </p:cNvCxnSpPr>
+          <p:nvPr/>
+        </p:nvCxnSpPr>
+        <p:spPr>
+          <a:xfrm>
+            <a:off x="3018973" y="2756612"/>
+            <a:ext cx="0" cy="397749"/>
+          </a:xfrm>
+          <a:prstGeom prst="straightConnector1">
+            <a:avLst/>
+          </a:prstGeom>
+          <a:ln w="19050">
+            <a:solidFill>
+              <a:schemeClr val="accent4"/>
+            </a:solidFill>
+            <a:tailEnd type="triangle"/>
+          </a:ln>
+        </p:spPr>
+        <p:style>
+          <a:lnRef idx="1">
+            <a:schemeClr val="accent1"/>
+          </a:lnRef>
+          <a:fillRef idx="0">
+            <a:schemeClr val="accent1"/>
+          </a:fillRef>
+          <a:effectRef idx="0">
+            <a:schemeClr val="accent1"/>
+          </a:effectRef>
+          <a:fontRef idx="minor">
+            <a:schemeClr val="tx1"/>
+          </a:fontRef>
+        </p:style>
+      </p:cxnSp>
+      <p:cxnSp>
+        <p:nvCxnSpPr>
+          <p:cNvPr id="16" name="Straight Arrow Connector 15">
+            <a:extLst>
+              <a:ext uri="{FF2B5EF4-FFF2-40B4-BE49-F238E27FC236}">
+                <a16:creationId xmlns:a16="http://schemas.microsoft.com/office/drawing/2014/main" id="{43E4E629-C192-4BAB-9292-D170CA9C6B31}"/>
+              </a:ext>
+            </a:extLst>
+          </p:cNvPr>
+          <p:cNvCxnSpPr>
+            <a:cxnSpLocks/>
+            <a:stCxn id="13" idx="2"/>
+            <a:endCxn id="3" idx="0"/>
+          </p:cNvCxnSpPr>
+          <p:nvPr/>
+        </p:nvCxnSpPr>
+        <p:spPr>
+          <a:xfrm>
+            <a:off x="3018973" y="3835788"/>
+            <a:ext cx="0" cy="317020"/>
+          </a:xfrm>
+          <a:prstGeom prst="straightConnector1">
+            <a:avLst/>
+          </a:prstGeom>
+          <a:ln w="19050">
+            <a:solidFill>
+              <a:schemeClr val="accent4"/>
+            </a:solidFill>
+            <a:tailEnd type="triangle"/>
+          </a:ln>
+        </p:spPr>
+        <p:style>
+          <a:lnRef idx="1">
+            <a:schemeClr val="accent1"/>
+          </a:lnRef>
+          <a:fillRef idx="0">
+            <a:schemeClr val="accent1"/>
+          </a:fillRef>
+          <a:effectRef idx="0">
+            <a:schemeClr val="accent1"/>
+          </a:effectRef>
+          <a:fontRef idx="minor">
+            <a:schemeClr val="tx1"/>
+          </a:fontRef>
+        </p:style>
+      </p:cxnSp>
+      <p:sp>
+        <p:nvSpPr>
+          <p:cNvPr id="17" name="Rectangle 16">
+            <a:extLst>
+              <a:ext uri="{FF2B5EF4-FFF2-40B4-BE49-F238E27FC236}">
+                <a16:creationId xmlns:a16="http://schemas.microsoft.com/office/drawing/2014/main" id="{07649075-15C4-4627-8914-6BA54B526FED}"/>
+              </a:ext>
+            </a:extLst>
+          </p:cNvPr>
+          <p:cNvSpPr/>
+          <p:nvPr/>
+        </p:nvSpPr>
+        <p:spPr>
+          <a:xfrm>
+            <a:off x="6535663" y="2644757"/>
+            <a:ext cx="2772228" cy="681427"/>
+          </a:xfrm>
+          <a:prstGeom prst="rect">
+            <a:avLst/>
+          </a:prstGeom>
+        </p:spPr>
+        <p:style>
+          <a:lnRef idx="3">
+            <a:schemeClr val="lt1"/>
+          </a:lnRef>
+          <a:fillRef idx="1">
+            <a:schemeClr val="accent3"/>
+          </a:fillRef>
+          <a:effectRef idx="1">
+            <a:schemeClr val="accent3"/>
+          </a:effectRef>
+          <a:fontRef idx="minor">
+            <a:schemeClr val="lt1"/>
+          </a:fontRef>
+        </p:style>
+        <p:txBody>
+          <a:bodyPr rtlCol="0" anchor="ctr"/>
+          <a:lstStyle/>
+          <a:p>
+            <a:pPr algn="ctr"/>
+            <a:r>
+              <a:rPr lang="en-US" sz="1600" dirty="0"/>
+              <a:t>Increased standards coverage and quality</a:t>
+            </a:r>
+          </a:p>
+        </p:txBody>
+      </p:sp>
+      <p:sp>
+        <p:nvSpPr>
+          <p:cNvPr id="18" name="Rectangle 17">
+            <a:extLst>
+              <a:ext uri="{FF2B5EF4-FFF2-40B4-BE49-F238E27FC236}">
+                <a16:creationId xmlns:a16="http://schemas.microsoft.com/office/drawing/2014/main" id="{71528368-F886-44EC-9BB1-673A09C7FB51}"/>
+              </a:ext>
+            </a:extLst>
+          </p:cNvPr>
+          <p:cNvSpPr/>
+          <p:nvPr/>
+        </p:nvSpPr>
+        <p:spPr>
+          <a:xfrm>
+            <a:off x="6535662" y="4401998"/>
+            <a:ext cx="2772228" cy="668575"/>
+          </a:xfrm>
+          <a:prstGeom prst="rect">
+            <a:avLst/>
+          </a:prstGeom>
+        </p:spPr>
+        <p:style>
+          <a:lnRef idx="3">
+            <a:schemeClr val="lt1"/>
+          </a:lnRef>
+          <a:fillRef idx="1">
+            <a:schemeClr val="accent3"/>
+          </a:fillRef>
+          <a:effectRef idx="1">
+            <a:schemeClr val="accent3"/>
+          </a:effectRef>
+          <a:fontRef idx="minor">
+            <a:schemeClr val="lt1"/>
+          </a:fontRef>
+        </p:style>
+        <p:txBody>
+          <a:bodyPr rtlCol="0" anchor="ctr"/>
+          <a:lstStyle/>
+          <a:p>
+            <a:pPr algn="ctr"/>
+            <a:r>
+              <a:rPr lang="en-US" sz="1600" dirty="0"/>
+              <a:t>Reduction in interoperability costs</a:t>
+            </a:r>
+          </a:p>
+        </p:txBody>
+      </p:sp>
+      <p:cxnSp>
+        <p:nvCxnSpPr>
+          <p:cNvPr id="25" name="Connector: Elbow 24">
+            <a:extLst>
+              <a:ext uri="{FF2B5EF4-FFF2-40B4-BE49-F238E27FC236}">
+                <a16:creationId xmlns:a16="http://schemas.microsoft.com/office/drawing/2014/main" id="{F376FA18-8D5B-42BD-A25F-53AD72E11A08}"/>
+              </a:ext>
+            </a:extLst>
+          </p:cNvPr>
+          <p:cNvCxnSpPr>
+            <a:stCxn id="3" idx="1"/>
+            <a:endCxn id="13" idx="1"/>
+          </p:cNvCxnSpPr>
+          <p:nvPr/>
+        </p:nvCxnSpPr>
+        <p:spPr>
+          <a:xfrm rot="10800000">
+            <a:off x="1632859" y="3495076"/>
+            <a:ext cx="12700" cy="1113063"/>
+          </a:xfrm>
+          <a:prstGeom prst="bentConnector3">
+            <a:avLst>
+              <a:gd name="adj1" fmla="val 1800000"/>
+            </a:avLst>
+          </a:prstGeom>
+          <a:ln w="19050">
+            <a:solidFill>
+              <a:schemeClr val="accent4"/>
+            </a:solidFill>
+            <a:tailEnd type="triangle"/>
+          </a:ln>
+        </p:spPr>
+        <p:style>
+          <a:lnRef idx="1">
+            <a:schemeClr val="accent1"/>
+          </a:lnRef>
+          <a:fillRef idx="0">
+            <a:schemeClr val="accent1"/>
+          </a:fillRef>
+          <a:effectRef idx="0">
+            <a:schemeClr val="accent1"/>
+          </a:effectRef>
+          <a:fontRef idx="minor">
+            <a:schemeClr val="tx1"/>
+          </a:fontRef>
+        </p:style>
+      </p:cxnSp>
+      <p:cxnSp>
+        <p:nvCxnSpPr>
+          <p:cNvPr id="30" name="Connector: Elbow 29">
+            <a:extLst>
+              <a:ext uri="{FF2B5EF4-FFF2-40B4-BE49-F238E27FC236}">
+                <a16:creationId xmlns:a16="http://schemas.microsoft.com/office/drawing/2014/main" id="{E66AA38A-3459-4465-9D46-A9D418081779}"/>
+              </a:ext>
+            </a:extLst>
+          </p:cNvPr>
+          <p:cNvCxnSpPr>
+            <a:stCxn id="3" idx="3"/>
+            <a:endCxn id="17" idx="1"/>
+          </p:cNvCxnSpPr>
+          <p:nvPr/>
+        </p:nvCxnSpPr>
+        <p:spPr>
+          <a:xfrm flipV="1">
+            <a:off x="4405087" y="2985471"/>
+            <a:ext cx="2130576" cy="1622667"/>
+          </a:xfrm>
+          <a:prstGeom prst="bentConnector3">
+            <a:avLst/>
+          </a:prstGeom>
+          <a:ln w="19050">
+            <a:solidFill>
+              <a:schemeClr val="accent3"/>
+            </a:solidFill>
+            <a:tailEnd type="triangle"/>
+          </a:ln>
+        </p:spPr>
+        <p:style>
+          <a:lnRef idx="1">
+            <a:schemeClr val="accent1"/>
+          </a:lnRef>
+          <a:fillRef idx="0">
+            <a:schemeClr val="accent1"/>
+          </a:fillRef>
+          <a:effectRef idx="0">
+            <a:schemeClr val="accent1"/>
+          </a:effectRef>
+          <a:fontRef idx="minor">
+            <a:schemeClr val="tx1"/>
+          </a:fontRef>
+        </p:style>
+      </p:cxnSp>
+      <p:cxnSp>
+        <p:nvCxnSpPr>
+          <p:cNvPr id="32" name="Connector: Elbow 31">
+            <a:extLst>
+              <a:ext uri="{FF2B5EF4-FFF2-40B4-BE49-F238E27FC236}">
+                <a16:creationId xmlns:a16="http://schemas.microsoft.com/office/drawing/2014/main" id="{0B184277-E4A3-4BD5-80AD-4D83115D3348}"/>
+              </a:ext>
+            </a:extLst>
+          </p:cNvPr>
+          <p:cNvCxnSpPr>
+            <a:stCxn id="11" idx="3"/>
+            <a:endCxn id="18" idx="1"/>
+          </p:cNvCxnSpPr>
+          <p:nvPr/>
+        </p:nvCxnSpPr>
+        <p:spPr>
+          <a:xfrm>
+            <a:off x="4405087" y="2415899"/>
+            <a:ext cx="2130575" cy="2320387"/>
+          </a:xfrm>
+          <a:prstGeom prst="bentConnector3">
+            <a:avLst>
+              <a:gd name="adj1" fmla="val 67672"/>
+            </a:avLst>
+          </a:prstGeom>
+          <a:ln w="19050">
+            <a:solidFill>
+              <a:schemeClr val="accent3"/>
+            </a:solidFill>
+            <a:tailEnd type="triangle"/>
+          </a:ln>
+        </p:spPr>
+        <p:style>
+          <a:lnRef idx="1">
+            <a:schemeClr val="accent1"/>
+          </a:lnRef>
+          <a:fillRef idx="0">
+            <a:schemeClr val="accent1"/>
+          </a:fillRef>
+          <a:effectRef idx="0">
+            <a:schemeClr val="accent1"/>
+          </a:effectRef>
+          <a:fontRef idx="minor">
+            <a:schemeClr val="tx1"/>
+          </a:fontRef>
+        </p:style>
+      </p:cxnSp>
+      <p:cxnSp>
+        <p:nvCxnSpPr>
+          <p:cNvPr id="35" name="Connector: Elbow 34">
+            <a:extLst>
+              <a:ext uri="{FF2B5EF4-FFF2-40B4-BE49-F238E27FC236}">
+                <a16:creationId xmlns:a16="http://schemas.microsoft.com/office/drawing/2014/main" id="{85DCA9EA-7EFD-47CD-B4F2-6D4327688AB6}"/>
+              </a:ext>
+            </a:extLst>
+          </p:cNvPr>
+          <p:cNvCxnSpPr>
+            <a:cxnSpLocks/>
+            <a:stCxn id="10" idx="3"/>
+            <a:endCxn id="18" idx="1"/>
+          </p:cNvCxnSpPr>
+          <p:nvPr/>
+        </p:nvCxnSpPr>
+        <p:spPr>
+          <a:xfrm flipV="1">
+            <a:off x="4405087" y="4736286"/>
+            <a:ext cx="2130575" cy="1210943"/>
+          </a:xfrm>
+          <a:prstGeom prst="bentConnector3">
+            <a:avLst>
+              <a:gd name="adj1" fmla="val 67443"/>
+            </a:avLst>
+          </a:prstGeom>
+          <a:ln w="19050">
+            <a:solidFill>
+              <a:schemeClr val="accent3"/>
+            </a:solidFill>
+            <a:tailEnd type="triangle"/>
+          </a:ln>
+        </p:spPr>
+        <p:style>
+          <a:lnRef idx="1">
+            <a:schemeClr val="accent1"/>
+          </a:lnRef>
+          <a:fillRef idx="0">
+            <a:schemeClr val="accent1"/>
+          </a:fillRef>
+          <a:effectRef idx="0">
+            <a:schemeClr val="accent1"/>
+          </a:effectRef>
+          <a:fontRef idx="minor">
+            <a:schemeClr val="tx1"/>
+          </a:fontRef>
+        </p:style>
+      </p:cxnSp>
+      <p:cxnSp>
+        <p:nvCxnSpPr>
+          <p:cNvPr id="42" name="Connector: Elbow 41">
+            <a:extLst>
+              <a:ext uri="{FF2B5EF4-FFF2-40B4-BE49-F238E27FC236}">
+                <a16:creationId xmlns:a16="http://schemas.microsoft.com/office/drawing/2014/main" id="{4B5E6E55-3EB5-4CC6-992F-2F6D4538C720}"/>
+              </a:ext>
+            </a:extLst>
+          </p:cNvPr>
+          <p:cNvCxnSpPr>
+            <a:stCxn id="13" idx="3"/>
+            <a:endCxn id="17" idx="1"/>
+          </p:cNvCxnSpPr>
+          <p:nvPr/>
+        </p:nvCxnSpPr>
+        <p:spPr>
+          <a:xfrm flipV="1">
+            <a:off x="4405087" y="2985471"/>
+            <a:ext cx="2130576" cy="509604"/>
+          </a:xfrm>
+          <a:prstGeom prst="bentConnector3">
+            <a:avLst/>
+          </a:prstGeom>
+          <a:ln w="22225">
+            <a:solidFill>
+              <a:schemeClr val="accent3"/>
+            </a:solidFill>
+            <a:tailEnd type="triangle"/>
+          </a:ln>
+        </p:spPr>
+        <p:style>
+          <a:lnRef idx="1">
+            <a:schemeClr val="accent1"/>
+          </a:lnRef>
+          <a:fillRef idx="0">
+            <a:schemeClr val="accent1"/>
+          </a:fillRef>
+          <a:effectRef idx="0">
+            <a:schemeClr val="accent1"/>
+          </a:effectRef>
+          <a:fontRef idx="minor">
+            <a:schemeClr val="tx1"/>
+          </a:fontRef>
+        </p:style>
+      </p:cxnSp>
+      <p:sp>
+        <p:nvSpPr>
+          <p:cNvPr id="47" name="Rectangle 46">
+            <a:extLst>
+              <a:ext uri="{FF2B5EF4-FFF2-40B4-BE49-F238E27FC236}">
+                <a16:creationId xmlns:a16="http://schemas.microsoft.com/office/drawing/2014/main" id="{F04E6082-57F4-4E91-AAD7-CD569552E62F}"/>
+              </a:ext>
+            </a:extLst>
+          </p:cNvPr>
+          <p:cNvSpPr/>
+          <p:nvPr/>
+        </p:nvSpPr>
+        <p:spPr>
+          <a:xfrm>
+            <a:off x="6535662" y="3564589"/>
+            <a:ext cx="2772228" cy="569572"/>
+          </a:xfrm>
+          <a:prstGeom prst="rect">
+            <a:avLst/>
+          </a:prstGeom>
+        </p:spPr>
+        <p:style>
+          <a:lnRef idx="3">
+            <a:schemeClr val="lt1"/>
+          </a:lnRef>
+          <a:fillRef idx="1">
+            <a:schemeClr val="accent3"/>
+          </a:fillRef>
+          <a:effectRef idx="1">
+            <a:schemeClr val="accent3"/>
+          </a:effectRef>
+          <a:fontRef idx="minor">
+            <a:schemeClr val="lt1"/>
+          </a:fontRef>
+        </p:style>
+        <p:txBody>
+          <a:bodyPr rtlCol="0" anchor="ctr"/>
+          <a:lstStyle/>
+          <a:p>
+            <a:pPr algn="ctr"/>
+            <a:r>
+              <a:rPr lang="en-US" sz="1600" dirty="0"/>
+              <a:t>Faster delivery</a:t>
+            </a:r>
+          </a:p>
+        </p:txBody>
+      </p:sp>
+      <p:cxnSp>
+        <p:nvCxnSpPr>
+          <p:cNvPr id="49" name="Connector: Elbow 48">
+            <a:extLst>
+              <a:ext uri="{FF2B5EF4-FFF2-40B4-BE49-F238E27FC236}">
+                <a16:creationId xmlns:a16="http://schemas.microsoft.com/office/drawing/2014/main" id="{14AB8B05-AC98-40E4-A48B-6F34DD38F43A}"/>
+              </a:ext>
+            </a:extLst>
+          </p:cNvPr>
+          <p:cNvCxnSpPr>
+            <a:stCxn id="3" idx="3"/>
+            <a:endCxn id="47" idx="1"/>
+          </p:cNvCxnSpPr>
+          <p:nvPr/>
+        </p:nvCxnSpPr>
+        <p:spPr>
+          <a:xfrm flipV="1">
+            <a:off x="4405087" y="3849375"/>
+            <a:ext cx="2130575" cy="758763"/>
+          </a:xfrm>
+          <a:prstGeom prst="bentConnector3">
+            <a:avLst/>
+          </a:prstGeom>
+          <a:ln w="19050">
+            <a:solidFill>
+              <a:schemeClr val="accent3"/>
+            </a:solidFill>
+            <a:tailEnd type="triangle"/>
+          </a:ln>
+        </p:spPr>
+        <p:style>
+          <a:lnRef idx="1">
+            <a:schemeClr val="accent1"/>
+          </a:lnRef>
+          <a:fillRef idx="0">
+            <a:schemeClr val="accent1"/>
+          </a:fillRef>
+          <a:effectRef idx="0">
+            <a:schemeClr val="accent1"/>
+          </a:effectRef>
+          <a:fontRef idx="minor">
+            <a:schemeClr val="tx1"/>
+          </a:fontRef>
+        </p:style>
+      </p:cxnSp>
+      <p:cxnSp>
+        <p:nvCxnSpPr>
+          <p:cNvPr id="51" name="Connector: Elbow 50">
+            <a:extLst>
+              <a:ext uri="{FF2B5EF4-FFF2-40B4-BE49-F238E27FC236}">
+                <a16:creationId xmlns:a16="http://schemas.microsoft.com/office/drawing/2014/main" id="{DEC09744-5105-45BE-B41A-F3D0DAC198E7}"/>
+              </a:ext>
+            </a:extLst>
+          </p:cNvPr>
+          <p:cNvCxnSpPr>
+            <a:stCxn id="17" idx="3"/>
+            <a:endCxn id="18" idx="3"/>
+          </p:cNvCxnSpPr>
+          <p:nvPr/>
+        </p:nvCxnSpPr>
+        <p:spPr>
+          <a:xfrm flipH="1">
+            <a:off x="9307890" y="2985471"/>
+            <a:ext cx="1" cy="1750815"/>
+          </a:xfrm>
+          <a:prstGeom prst="bentConnector3">
+            <a:avLst>
+              <a:gd name="adj1" fmla="val -22860000000"/>
+            </a:avLst>
+          </a:prstGeom>
+          <a:ln>
+            <a:tailEnd type="triangle"/>
+          </a:ln>
+        </p:spPr>
+        <p:style>
+          <a:lnRef idx="1">
+            <a:schemeClr val="accent1"/>
+          </a:lnRef>
+          <a:fillRef idx="0">
+            <a:schemeClr val="accent1"/>
+          </a:fillRef>
+          <a:effectRef idx="0">
+            <a:schemeClr val="accent1"/>
+          </a:effectRef>
+          <a:fontRef idx="minor">
+            <a:schemeClr val="tx1"/>
+          </a:fontRef>
+        </p:style>
+      </p:cxnSp>
+      <p:cxnSp>
+        <p:nvCxnSpPr>
+          <p:cNvPr id="53" name="Connector: Elbow 52">
+            <a:extLst>
+              <a:ext uri="{FF2B5EF4-FFF2-40B4-BE49-F238E27FC236}">
+                <a16:creationId xmlns:a16="http://schemas.microsoft.com/office/drawing/2014/main" id="{4B24F02D-E93F-4228-A5DC-002ED5CDBD22}"/>
+              </a:ext>
+            </a:extLst>
+          </p:cNvPr>
+          <p:cNvCxnSpPr>
+            <a:stCxn id="47" idx="3"/>
+            <a:endCxn id="18" idx="3"/>
+          </p:cNvCxnSpPr>
+          <p:nvPr/>
+        </p:nvCxnSpPr>
+        <p:spPr>
+          <a:xfrm>
+            <a:off x="9307890" y="3849375"/>
+            <a:ext cx="12700" cy="886911"/>
+          </a:xfrm>
+          <a:prstGeom prst="bentConnector3">
+            <a:avLst>
+              <a:gd name="adj1" fmla="val 1800000"/>
+            </a:avLst>
+          </a:prstGeom>
+          <a:ln>
+            <a:tailEnd type="triangle"/>
+          </a:ln>
+        </p:spPr>
+        <p:style>
+          <a:lnRef idx="1">
+            <a:schemeClr val="accent1"/>
+          </a:lnRef>
+          <a:fillRef idx="0">
+            <a:schemeClr val="accent1"/>
+          </a:fillRef>
+          <a:effectRef idx="0">
+            <a:schemeClr val="accent1"/>
+          </a:effectRef>
+          <a:fontRef idx="minor">
+            <a:schemeClr val="tx1"/>
+          </a:fontRef>
+        </p:style>
+      </p:cxnSp>
+      <p:cxnSp>
+        <p:nvCxnSpPr>
+          <p:cNvPr id="54" name="Connector: Elbow 53">
+            <a:extLst>
+              <a:ext uri="{FF2B5EF4-FFF2-40B4-BE49-F238E27FC236}">
+                <a16:creationId xmlns:a16="http://schemas.microsoft.com/office/drawing/2014/main" id="{B69CE710-F651-4FBD-A368-4B40A498E630}"/>
+              </a:ext>
+            </a:extLst>
+          </p:cNvPr>
+          <p:cNvCxnSpPr/>
+          <p:nvPr/>
+        </p:nvCxnSpPr>
+        <p:spPr>
+          <a:xfrm flipH="1">
+            <a:off x="9307890" y="2985470"/>
+            <a:ext cx="1" cy="1750815"/>
+          </a:xfrm>
+          <a:prstGeom prst="bentConnector3">
+            <a:avLst>
+              <a:gd name="adj1" fmla="val -22860000000"/>
+            </a:avLst>
+          </a:prstGeom>
+          <a:ln w="19050">
+            <a:solidFill>
+              <a:schemeClr val="accent3"/>
+            </a:solidFill>
+            <a:tailEnd type="triangle"/>
+          </a:ln>
+        </p:spPr>
+        <p:style>
+          <a:lnRef idx="1">
+            <a:schemeClr val="accent1"/>
+          </a:lnRef>
+          <a:fillRef idx="0">
+            <a:schemeClr val="accent1"/>
+          </a:fillRef>
+          <a:effectRef idx="0">
+            <a:schemeClr val="accent1"/>
+          </a:effectRef>
+          <a:fontRef idx="minor">
+            <a:schemeClr val="tx1"/>
+          </a:fontRef>
+        </p:style>
+      </p:cxnSp>
+      <p:cxnSp>
+        <p:nvCxnSpPr>
+          <p:cNvPr id="55" name="Connector: Elbow 54">
+            <a:extLst>
+              <a:ext uri="{FF2B5EF4-FFF2-40B4-BE49-F238E27FC236}">
+                <a16:creationId xmlns:a16="http://schemas.microsoft.com/office/drawing/2014/main" id="{E7B39C58-556C-4AF5-B63D-A18866C4FCA7}"/>
+              </a:ext>
+            </a:extLst>
+          </p:cNvPr>
+          <p:cNvCxnSpPr/>
+          <p:nvPr/>
+        </p:nvCxnSpPr>
+        <p:spPr>
+          <a:xfrm>
+            <a:off x="9307890" y="3849374"/>
+            <a:ext cx="12700" cy="886911"/>
+          </a:xfrm>
+          <a:prstGeom prst="bentConnector3">
+            <a:avLst>
+              <a:gd name="adj1" fmla="val 1800000"/>
+            </a:avLst>
+          </a:prstGeom>
+          <a:ln w="19050">
+            <a:solidFill>
+              <a:schemeClr val="accent3"/>
+            </a:solidFill>
+            <a:tailEnd type="triangle"/>
+          </a:ln>
+        </p:spPr>
+        <p:style>
+          <a:lnRef idx="1">
+            <a:schemeClr val="accent1"/>
+          </a:lnRef>
+          <a:fillRef idx="0">
+            <a:schemeClr val="accent1"/>
+          </a:fillRef>
+          <a:effectRef idx="0">
+            <a:schemeClr val="accent1"/>
+          </a:effectRef>
+          <a:fontRef idx="minor">
+            <a:schemeClr val="tx1"/>
+          </a:fontRef>
+        </p:style>
+      </p:cxnSp>
+    </p:spTree>
+    <p:extLst>
+      <p:ext uri="{BB962C8B-B14F-4D97-AF65-F5344CB8AC3E}">
+        <p14:creationId xmlns:p14="http://schemas.microsoft.com/office/powerpoint/2010/main" val="100233218"/>
+      </p:ext>
+    </p:extLst>
+  </p:cSld>
+  <p:clrMapOvr>
+    <a:masterClrMapping/>
+  </p:clrMapOvr>
+  <mc:AlternateContent xmlns:mc="http://schemas.openxmlformats.org/markup-compatibility/2006" xmlns:p14="http://schemas.microsoft.com/office/powerpoint/2010/main">
+    <mc:Choice Requires="p14">
+      <p:transition spd="med" p14:dur="700">
+        <p:fade/>
+      </p:transition>
+    </mc:Choice>
+    <mc:Fallback xmlns="">
+      <p:transition spd="med">
+        <p:fade/>
+      </p:transition>
+    </mc:Fallback>
+  </mc:AlternateContent>
+</p:sld>
+</file>
+
+<file path=ppt/slides/slide15.xml><?xml version="1.0" encoding="utf-8"?>
+<p:sld xmlns:a="http://schemas.openxmlformats.org/drawingml/2006/main" xmlns:r="http://schemas.openxmlformats.org/officeDocument/2006/relationships" xmlns:p="http://schemas.openxmlformats.org/presentationml/2006/main">
+  <p:cSld>
+    <p:spTree>
+      <p:nvGrpSpPr>
+        <p:cNvPr id="1" name=""/>
+        <p:cNvGrpSpPr/>
+        <p:nvPr/>
+      </p:nvGrpSpPr>
+      <p:grpSpPr>
+        <a:xfrm>
+          <a:off x="0" y="0"/>
+          <a:ext cx="0" cy="0"/>
+          <a:chOff x="0" y="0"/>
+          <a:chExt cx="0" cy="0"/>
+        </a:xfrm>
+      </p:grpSpPr>
+      <p:sp>
+        <p:nvSpPr>
+          <p:cNvPr id="2" name="Title 1"/>
+          <p:cNvSpPr>
+            <a:spLocks noGrp="1"/>
+          </p:cNvSpPr>
+          <p:nvPr>
+            <p:ph type="title"/>
+          </p:nvPr>
+        </p:nvSpPr>
+        <p:spPr>
+          <a:xfrm>
+            <a:off x="448055" y="457200"/>
+            <a:ext cx="11311128" cy="489365"/>
+          </a:xfrm>
+        </p:spPr>
+        <p:txBody>
+          <a:bodyPr/>
+          <a:lstStyle/>
+          <a:p>
+            <a:r>
+              <a:rPr lang="en-GB" sz="3200" dirty="0"/>
               <a:t>Next Steps</a:t>
             </a:r>
-            <a:endParaRPr lang="en-GB" sz="3200" dirty="0"/>
           </a:p>
         </p:txBody>
       </p:sp>
@@ -12011,25 +14309,8 @@
                   </a:schemeClr>
                 </a:solidFill>
               </a:rPr>
-              <a:t>Agile for Model-Based-Standards </a:t>
-            </a:r>
-            <a:r>
-              <a:rPr lang="en-US" dirty="0" smtClean="0">
-                <a:solidFill>
-                  <a:schemeClr val="bg1">
-                    <a:lumMod val="50000"/>
-                  </a:schemeClr>
-                </a:solidFill>
-              </a:rPr>
-              <a:t>Development</a:t>
-            </a:r>
-            <a:endParaRPr lang="en-US" dirty="0">
-              <a:solidFill>
-                <a:schemeClr val="bg1">
-                  <a:lumMod val="50000"/>
-                </a:schemeClr>
-              </a:solidFill>
-            </a:endParaRPr>
+              <a:t>Agile for Model-Based-Standards Development</a:t>
+            </a:r>
           </a:p>
         </p:txBody>
       </p:sp>
@@ -12059,7 +14340,7 @@
               </a:buClr>
             </a:pPr>
             <a:r>
-              <a:rPr lang="en-GB" sz="2800" u="sng" dirty="0" smtClean="0"/>
+              <a:rPr lang="en-GB" sz="2800" u="sng" dirty="0"/>
               <a:t>Implement:</a:t>
             </a:r>
           </a:p>
@@ -12071,7 +14352,7 @@
               <a:buNone/>
             </a:pPr>
             <a:r>
-              <a:rPr lang="en-GB" b="0" dirty="0" smtClean="0"/>
+              <a:rPr lang="en-GB" b="0" dirty="0"/>
               <a:t>Backlog Management</a:t>
             </a:r>
           </a:p>
@@ -12081,7 +14362,7 @@
               <a:buChar char="§"/>
             </a:pPr>
             <a:r>
-              <a:rPr lang="en-GB" dirty="0" smtClean="0"/>
+              <a:rPr lang="en-GB" dirty="0"/>
               <a:t>JIRA or GIT KANBANs</a:t>
             </a:r>
           </a:p>
@@ -12093,7 +14374,7 @@
               <a:buNone/>
             </a:pPr>
             <a:r>
-              <a:rPr lang="en-GB" b="0" dirty="0" smtClean="0"/>
+              <a:rPr lang="en-GB" b="0" dirty="0"/>
               <a:t>Agile Release Train</a:t>
             </a:r>
           </a:p>
@@ -12103,10 +14384,10 @@
               <a:buChar char="§"/>
             </a:pPr>
             <a:r>
-              <a:rPr lang="en-GB" dirty="0" smtClean="0"/>
+              <a:rPr lang="en-GB" dirty="0"/>
               <a:t>JIRA Workflow Management</a:t>
             </a:r>
-            <a:endParaRPr lang="en-GB" b="0" dirty="0" smtClean="0"/>
+            <a:endParaRPr lang="en-GB" b="0" dirty="0"/>
           </a:p>
           <a:p>
             <a:pPr>
@@ -12116,7 +14397,7 @@
               <a:buNone/>
             </a:pPr>
             <a:r>
-              <a:rPr lang="en-GB" b="0" dirty="0" smtClean="0"/>
+              <a:rPr lang="en-GB" b="0" dirty="0"/>
               <a:t>Program Increment Planning</a:t>
             </a:r>
           </a:p>
@@ -12127,11 +14408,7 @@
             </a:pPr>
             <a:r>
               <a:rPr lang="en-GB" b="0" dirty="0"/>
-              <a:t>JIRA Workflow </a:t>
-            </a:r>
-            <a:r>
-              <a:rPr lang="en-GB" b="0" dirty="0" smtClean="0"/>
-              <a:t>Management</a:t>
+              <a:t>JIRA Workflow Management</a:t>
             </a:r>
           </a:p>
           <a:p>
@@ -12162,7 +14439,7 @@
               </a:buClr>
             </a:pPr>
             <a:r>
-              <a:rPr lang="en-GB" sz="2800" u="sng" dirty="0" smtClean="0"/>
+              <a:rPr lang="en-GB" sz="2800" u="sng" dirty="0"/>
               <a:t>Continued Research:</a:t>
             </a:r>
           </a:p>
@@ -12175,7 +14452,7 @@
               <a:buChar char="§"/>
             </a:pPr>
             <a:r>
-              <a:rPr lang="en-GB" b="0" dirty="0" smtClean="0"/>
+              <a:rPr lang="en-GB" b="0" dirty="0"/>
               <a:t>Advanced Communication Tools </a:t>
             </a:r>
             <a:r>
@@ -12192,11 +14469,11 @@
               <a:buChar char="§"/>
             </a:pPr>
             <a:r>
-              <a:rPr lang="en-GB" b="0" dirty="0" smtClean="0"/>
+              <a:rPr lang="en-GB" b="0" dirty="0"/>
               <a:t>Continuous Integration Tools &amp; Automation </a:t>
             </a:r>
             <a:r>
-              <a:rPr lang="en-GB" sz="1600" b="0" dirty="0" smtClean="0"/>
+              <a:rPr lang="en-GB" sz="1600" b="0" dirty="0"/>
               <a:t>(</a:t>
             </a:r>
             <a:r>
@@ -12216,14 +14493,14 @@
               <a:t>, and </a:t>
             </a:r>
             <a:r>
-              <a:rPr lang="en-US" sz="1600" b="0" dirty="0" err="1" smtClean="0"/>
+              <a:rPr lang="en-US" sz="1600" b="0" dirty="0" err="1"/>
               <a:t>Gitlab</a:t>
             </a:r>
             <a:r>
-              <a:rPr lang="en-US" sz="1600" b="0" dirty="0" smtClean="0"/>
+              <a:rPr lang="en-US" sz="1600" b="0" dirty="0"/>
               <a:t>)</a:t>
             </a:r>
-            <a:endParaRPr lang="en-US" b="0" dirty="0" smtClean="0"/>
+            <a:endParaRPr lang="en-US" b="0" dirty="0"/>
           </a:p>
           <a:p>
             <a:pPr marL="631825" lvl="1" indent="-342900">
@@ -12270,7 +14547,7 @@
           <a:graphicData uri="http://schemas.openxmlformats.org/presentationml/2006/ole">
             <mc:AlternateContent xmlns:mc="http://schemas.openxmlformats.org/markup-compatibility/2006">
               <mc:Choice xmlns:v="urn:schemas-microsoft-com:vml" Requires="v">
-                <p:oleObj spid="_x0000_s2076" name="Visio" r:id="rId3" imgW="5467350" imgH="3819396" progId="Visio.Drawing.15">
+                <p:oleObj spid="_x0000_s2080" name="Visio" r:id="rId3" imgW="5467350" imgH="3819396" progId="Visio.Drawing.15">
                   <p:embed/>
                 </p:oleObj>
               </mc:Choice>
@@ -12337,13 +14614,6 @@
       </p:transition>
     </mc:Fallback>
   </mc:AlternateContent>
-  <p:timing>
-    <p:tnLst>
-      <p:par>
-        <p:cTn id="1" dur="indefinite" restart="never" nodeType="tmRoot"/>
-      </p:par>
-    </p:tnLst>
-  </p:timing>
 </p:sld>
 </file>
 
@@ -12385,7 +14655,7 @@
           <a:lstStyle/>
           <a:p>
             <a:r>
-              <a:rPr lang="en-US" sz="3200" dirty="0" smtClean="0"/>
+              <a:rPr lang="en-US" sz="3200" dirty="0"/>
               <a:t>Presentation Overview</a:t>
             </a:r>
             <a:endParaRPr lang="en-GB" sz="3200" dirty="0"/>
@@ -12416,72 +14686,62 @@
               <a:buNone/>
             </a:pPr>
             <a:r>
-              <a:rPr lang="en-US" dirty="0" smtClean="0"/>
+              <a:rPr lang="en-US" dirty="0"/>
               <a:t>Agile:</a:t>
             </a:r>
           </a:p>
           <a:p>
             <a:pPr marL="342900" indent="-342900"/>
             <a:r>
-              <a:rPr lang="en-US" dirty="0" smtClean="0"/>
+              <a:rPr lang="en-US" dirty="0"/>
               <a:t>Program Increment/Iteration </a:t>
             </a:r>
           </a:p>
           <a:p>
             <a:pPr marL="342900" indent="-342900"/>
             <a:r>
-              <a:rPr lang="en-US" dirty="0" smtClean="0"/>
-              <a:t>Agile </a:t>
-            </a:r>
-            <a:r>
               <a:rPr lang="en-US" dirty="0"/>
-              <a:t>Release </a:t>
-            </a:r>
-            <a:r>
-              <a:rPr lang="en-US" dirty="0" smtClean="0"/>
-              <a:t>Train/Agile Team and Velocity/Estimation</a:t>
-            </a:r>
+              <a:t>Agile Release Train/Agile Team and Velocity/Estimation</a:t>
+            </a:r>
+          </a:p>
+          <a:p>
+            <a:pPr marL="342900" indent="-342900"/>
+            <a:r>
+              <a:rPr lang="en-US" dirty="0"/>
+              <a:t>Requirements Management</a:t>
+            </a:r>
+          </a:p>
+          <a:p>
+            <a:pPr marL="342900" indent="-342900"/>
+            <a:r>
+              <a:rPr lang="en-US" dirty="0"/>
+              <a:t>Continuous Integration</a:t>
+            </a:r>
+          </a:p>
+          <a:p>
+            <a:pPr marL="342900" indent="-342900"/>
             <a:endParaRPr lang="en-US" dirty="0"/>
-          </a:p>
-          <a:p>
-            <a:pPr marL="342900" indent="-342900"/>
-            <a:r>
-              <a:rPr lang="en-US" dirty="0" smtClean="0"/>
-              <a:t>Requirements Management</a:t>
-            </a:r>
-          </a:p>
-          <a:p>
-            <a:pPr marL="342900" indent="-342900"/>
-            <a:r>
-              <a:rPr lang="en-US" dirty="0" smtClean="0"/>
-              <a:t>Continuous Integration</a:t>
-            </a:r>
-            <a:endParaRPr lang="en-US" dirty="0" smtClean="0"/>
-          </a:p>
-          <a:p>
-            <a:pPr marL="342900" indent="-342900"/>
-            <a:endParaRPr lang="en-US" dirty="0" smtClean="0"/>
           </a:p>
           <a:p>
             <a:pPr>
               <a:buNone/>
             </a:pPr>
             <a:r>
-              <a:rPr lang="en-US" dirty="0" smtClean="0"/>
+              <a:rPr lang="en-US" dirty="0"/>
               <a:t>Living Lab:</a:t>
             </a:r>
           </a:p>
           <a:p>
             <a:pPr marL="342900" indent="-342900"/>
             <a:r>
-              <a:rPr lang="en-US" dirty="0" smtClean="0"/>
+              <a:rPr lang="en-US" dirty="0"/>
               <a:t>Bugzilla to JIRA</a:t>
             </a:r>
           </a:p>
           <a:p>
             <a:pPr marL="342900" indent="-342900"/>
             <a:r>
-              <a:rPr lang="en-US" dirty="0" smtClean="0"/>
+              <a:rPr lang="en-US" dirty="0"/>
               <a:t>STEPMOD to STEPDEV [CVS to GIT] Proof of Concept</a:t>
             </a:r>
             <a:endParaRPr lang="en-GB" dirty="0"/>
@@ -12510,13 +14770,6 @@
       </p:transition>
     </mc:Fallback>
   </mc:AlternateContent>
-  <p:timing>
-    <p:tnLst>
-      <p:par>
-        <p:cTn id="1" dur="indefinite" restart="never" nodeType="tmRoot"/>
-      </p:par>
-    </p:tnLst>
-  </p:timing>
 </p:sld>
 </file>
 
@@ -12553,7 +14806,7 @@
           <a:lstStyle/>
           <a:p>
             <a:r>
-              <a:rPr lang="en-US" dirty="0" smtClean="0"/>
+              <a:rPr lang="en-US" dirty="0"/>
               <a:t>SAFe Framework Mapping Proposed by Jean Brange</a:t>
             </a:r>
             <a:endParaRPr lang="en-GB" dirty="0"/>
@@ -12846,13 +15099,6 @@
       </p:transition>
     </mc:Fallback>
   </mc:AlternateContent>
-  <p:timing>
-    <p:tnLst>
-      <p:par>
-        <p:cTn id="1" dur="indefinite" restart="never" nodeType="tmRoot"/>
-      </p:par>
-    </p:tnLst>
-  </p:timing>
 </p:sld>
 </file>
 
@@ -12889,7 +15135,7 @@
           <a:lstStyle/>
           <a:p>
             <a:r>
-              <a:rPr lang="en-US" dirty="0" smtClean="0"/>
+              <a:rPr lang="en-US" dirty="0"/>
               <a:t>Agile Release Train</a:t>
             </a:r>
             <a:endParaRPr lang="en-GB" dirty="0"/>
@@ -12969,13 +15215,6 @@
       </p:transition>
     </mc:Fallback>
   </mc:AlternateContent>
-  <p:timing>
-    <p:tnLst>
-      <p:par>
-        <p:cTn id="1" dur="indefinite" restart="never" nodeType="tmRoot"/>
-      </p:par>
-    </p:tnLst>
-  </p:timing>
 </p:sld>
 </file>
 
@@ -13012,7 +15251,7 @@
           <a:lstStyle/>
           <a:p>
             <a:r>
-              <a:rPr lang="en-US" dirty="0" smtClean="0"/>
+              <a:rPr lang="en-US" dirty="0"/>
               <a:t>Agile Release Train Works Together</a:t>
             </a:r>
             <a:endParaRPr lang="en-GB" dirty="0"/>
@@ -13128,13 +15367,6 @@
       </p:transition>
     </mc:Fallback>
   </mc:AlternateContent>
-  <p:timing>
-    <p:tnLst>
-      <p:par>
-        <p:cTn id="1" dur="indefinite" restart="never" nodeType="tmRoot"/>
-      </p:par>
-    </p:tnLst>
-  </p:timing>
 </p:sld>
 </file>
 
@@ -13171,7 +15403,7 @@
           <a:lstStyle/>
           <a:p>
             <a:r>
-              <a:rPr lang="en-US" dirty="0" smtClean="0"/>
+              <a:rPr lang="en-US" dirty="0"/>
               <a:t>Requirements Management</a:t>
             </a:r>
             <a:endParaRPr lang="en-GB" dirty="0"/>
@@ -13199,64 +15431,64 @@
           <a:lstStyle/>
           <a:p>
             <a:r>
-              <a:rPr lang="en-US" sz="1600" b="0" dirty="0" smtClean="0"/>
+              <a:rPr lang="en-US" sz="1600" b="0" dirty="0"/>
               <a:t>EPIC [New Work Item] : AP242e3</a:t>
             </a:r>
           </a:p>
           <a:p>
             <a:pPr lvl="1"/>
             <a:r>
-              <a:rPr lang="en-US" sz="1600" dirty="0" smtClean="0"/>
+              <a:rPr lang="en-US" sz="1600" dirty="0"/>
               <a:t>Capability: Installation PMI</a:t>
             </a:r>
           </a:p>
           <a:p>
             <a:pPr lvl="2"/>
             <a:r>
-              <a:rPr lang="en-US" sz="1600" dirty="0" smtClean="0"/>
+              <a:rPr lang="en-US" sz="1600" dirty="0"/>
               <a:t>Feature: Installation Holes</a:t>
             </a:r>
           </a:p>
           <a:p>
             <a:pPr lvl="3"/>
             <a:r>
-              <a:rPr lang="en-US" dirty="0" smtClean="0"/>
+              <a:rPr lang="en-US" dirty="0"/>
               <a:t>Story: Implicit/Simplified </a:t>
             </a:r>
             <a:r>
-              <a:rPr lang="en-US" dirty="0" err="1" smtClean="0"/>
+              <a:rPr lang="en-US" dirty="0" err="1"/>
               <a:t>Counterdrill</a:t>
             </a:r>
             <a:r>
-              <a:rPr lang="en-US" dirty="0" smtClean="0"/>
+              <a:rPr lang="en-US" dirty="0"/>
               <a:t> Hole</a:t>
             </a:r>
           </a:p>
           <a:p>
             <a:pPr lvl="3"/>
             <a:r>
-              <a:rPr lang="en-US" dirty="0" smtClean="0"/>
+              <a:rPr lang="en-US" dirty="0"/>
               <a:t>Story: Implicit/Simplified Countersunk Hole</a:t>
             </a:r>
           </a:p>
           <a:p>
             <a:pPr lvl="2"/>
             <a:r>
-              <a:rPr lang="en-US" sz="1600" dirty="0" smtClean="0"/>
+              <a:rPr lang="en-US" sz="1600" dirty="0"/>
               <a:t>Feature: Installation Fastening Hardware</a:t>
             </a:r>
           </a:p>
           <a:p>
             <a:pPr lvl="3"/>
             <a:r>
-              <a:rPr lang="en-US" dirty="0" smtClean="0"/>
+              <a:rPr lang="en-US" dirty="0"/>
               <a:t>Story: Implicit/Simplified Rivets</a:t>
             </a:r>
           </a:p>
           <a:p>
             <a:pPr lvl="3"/>
             <a:r>
-              <a:rPr lang="en-US" dirty="0" smtClean="0"/>
+              <a:rPr lang="en-US" dirty="0"/>
               <a:t>Story: Implicit/Simplified Bolts/Nuts</a:t>
             </a:r>
           </a:p>
@@ -13266,22 +15498,22 @@
           </a:p>
           <a:p>
             <a:pPr lvl="3"/>
-            <a:endParaRPr lang="en-US" dirty="0" smtClean="0"/>
+            <a:endParaRPr lang="en-US" dirty="0"/>
           </a:p>
           <a:p>
             <a:pPr marL="115887" lvl="1" indent="0">
               <a:buNone/>
             </a:pPr>
             <a:r>
-              <a:rPr lang="en-US" sz="1600" dirty="0" smtClean="0"/>
+              <a:rPr lang="en-US" sz="1600" dirty="0"/>
               <a:t>EPIC [New Work Item] : </a:t>
             </a:r>
             <a:r>
-              <a:rPr lang="en-US" sz="1600" dirty="0" err="1" smtClean="0"/>
+              <a:rPr lang="en-US" sz="1600" dirty="0" err="1"/>
               <a:t>Isogeometric</a:t>
             </a:r>
             <a:r>
-              <a:rPr lang="en-US" sz="1600" dirty="0" smtClean="0"/>
+              <a:rPr lang="en-US" sz="1600" dirty="0"/>
               <a:t> Analysis</a:t>
             </a:r>
           </a:p>
@@ -13290,7 +15522,7 @@
               <a:buNone/>
             </a:pPr>
             <a:r>
-              <a:rPr lang="en-US" sz="1600" dirty="0" smtClean="0"/>
+              <a:rPr lang="en-US" sz="1600" dirty="0"/>
               <a:t>EPIC [New Work Item] : xxx</a:t>
             </a:r>
             <a:endParaRPr lang="en-GB" sz="1600" dirty="0"/>
@@ -13318,7 +15550,7 @@
           <a:lstStyle/>
           <a:p>
             <a:r>
-              <a:rPr lang="en-US" sz="1400" i="1" dirty="0" smtClean="0"/>
+              <a:rPr lang="en-US" sz="1400" i="1" dirty="0"/>
               <a:t>SAFe Requirement Model</a:t>
             </a:r>
             <a:endParaRPr lang="en-GB" sz="1400" i="1" dirty="0"/>
@@ -13420,13 +15652,6 @@
       </p:transition>
     </mc:Fallback>
   </mc:AlternateContent>
-  <p:timing>
-    <p:tnLst>
-      <p:par>
-        <p:cTn id="1" dur="indefinite" restart="never" nodeType="tmRoot"/>
-      </p:par>
-    </p:tnLst>
-  </p:timing>
 </p:sld>
 </file>
 
@@ -13463,7 +15688,7 @@
           <a:lstStyle/>
           <a:p>
             <a:r>
-              <a:rPr lang="en-US" dirty="0" smtClean="0"/>
+              <a:rPr lang="en-US" dirty="0"/>
               <a:t>TERM Definitions</a:t>
             </a:r>
             <a:endParaRPr lang="en-GB" dirty="0"/>
@@ -13494,11 +15719,11 @@
               <a:buNone/>
             </a:pPr>
             <a:r>
-              <a:rPr lang="en-US" sz="1600" b="0" u="sng" dirty="0" smtClean="0"/>
+              <a:rPr lang="en-US" sz="1600" b="0" u="sng" dirty="0"/>
               <a:t>Program Increment</a:t>
             </a:r>
             <a:r>
-              <a:rPr lang="en-US" sz="1600" b="0" dirty="0" smtClean="0"/>
+              <a:rPr lang="en-US" sz="1600" b="0" dirty="0"/>
               <a:t>: A Program Increment [PI]] is a time box which an Agile Release Train [ART] delivers incremental value tin the form of a working, tested software and systems. The most common pattern for a PI is four development iterations, followed by one Innovation and Planning Iteration.</a:t>
             </a:r>
           </a:p>
@@ -13513,11 +15738,11 @@
               <a:buNone/>
             </a:pPr>
             <a:r>
-              <a:rPr lang="en-US" sz="1600" b="0" u="sng" dirty="0" smtClean="0"/>
+              <a:rPr lang="en-US" sz="1600" b="0" u="sng" dirty="0"/>
               <a:t>Iterations</a:t>
             </a:r>
             <a:r>
-              <a:rPr lang="en-US" sz="1600" b="0" dirty="0" smtClean="0"/>
+              <a:rPr lang="en-US" sz="1600" b="0" dirty="0"/>
               <a:t>: Iterations are the basic building block of Agile development. Each iteration is a standard, fixed-length time box, where Agile Teams deliver incremental value in the form of working, tested software and system. The recommended time box is two weeks. However, one to four weeks is acceptable, depending on the business context.</a:t>
             </a:r>
           </a:p>
@@ -13532,11 +15757,11 @@
               <a:buNone/>
             </a:pPr>
             <a:r>
-              <a:rPr lang="en-US" sz="1600" b="0" u="sng" dirty="0" smtClean="0"/>
+              <a:rPr lang="en-US" sz="1600" b="0" u="sng" dirty="0"/>
               <a:t>Agile Release Train: </a:t>
             </a:r>
             <a:r>
-              <a:rPr lang="en-US" sz="1600" b="0" dirty="0" smtClean="0"/>
+              <a:rPr lang="en-US" sz="1600" b="0" dirty="0"/>
               <a:t>The Agile Release Train [ART] is a long-lived team of Agile Teams, which, along with stakeholders, incrementally develops, delivers, and where applicable operates, one or more solutions in a value stream.</a:t>
             </a:r>
           </a:p>
@@ -13551,10 +15776,9 @@
               <a:buNone/>
             </a:pPr>
             <a:r>
-              <a:rPr lang="en-US" sz="1600" b="0" dirty="0" smtClean="0"/>
+              <a:rPr lang="en-US" sz="1600" b="0" dirty="0"/>
               <a:t>Agile Team: An Agile Team is a cross-functional group of 5 to 11 people who have the responsibility to define, build, test, and where applicable deploy, some element of the Solution all in a short iteration time box. Includes Developers, Scrum Master and Product Owner roles.</a:t>
             </a:r>
-            <a:endParaRPr lang="en-US" sz="1600" b="0" dirty="0"/>
           </a:p>
         </p:txBody>
       </p:sp>
@@ -13580,13 +15804,6 @@
       </p:transition>
     </mc:Fallback>
   </mc:AlternateContent>
-  <p:timing>
-    <p:tnLst>
-      <p:par>
-        <p:cTn id="1" dur="indefinite" restart="never" nodeType="tmRoot"/>
-      </p:par>
-    </p:tnLst>
-  </p:timing>
 </p:sld>
 </file>
 
@@ -13623,7 +15840,7 @@
           <a:lstStyle/>
           <a:p>
             <a:r>
-              <a:rPr lang="en-US" dirty="0" smtClean="0"/>
+              <a:rPr lang="en-US" dirty="0"/>
               <a:t>TERM Definitions</a:t>
             </a:r>
             <a:endParaRPr lang="en-GB" dirty="0"/>
@@ -13654,7 +15871,7 @@
               <a:buNone/>
             </a:pPr>
             <a:r>
-              <a:rPr lang="en-US" sz="1600" b="0" dirty="0" smtClean="0"/>
+              <a:rPr lang="en-US" sz="1600" b="0" dirty="0"/>
               <a:t>EPIC: An EPIC is a container for a Solution [Product, Service or System delivered to the customer] development initiative large enough to requirement analysis and financial approval.</a:t>
             </a:r>
           </a:p>
@@ -13667,11 +15884,7 @@
             </a:pPr>
             <a:r>
               <a:rPr lang="en-US" sz="1600" b="0" dirty="0"/>
-              <a:t>Capability: A Capability is a higher-level solution behavior that typically spans multiple ARTs. Capabilities are sized into multiple features to facilitate their implementation in a single Program Increment [PI</a:t>
-            </a:r>
-            <a:r>
-              <a:rPr lang="en-US" sz="1600" b="0" dirty="0" smtClean="0"/>
-              <a:t>]</a:t>
+              <a:t>Capability: A Capability is a higher-level solution behavior that typically spans multiple ARTs. Capabilities are sized into multiple features to facilitate their implementation in a single Program Increment [PI]</a:t>
             </a:r>
           </a:p>
           <a:p>
@@ -13685,7 +15898,7 @@
               <a:buNone/>
             </a:pPr>
             <a:r>
-              <a:rPr lang="en-US" sz="1600" b="0" dirty="0" smtClean="0"/>
+              <a:rPr lang="en-US" sz="1600" b="0" dirty="0"/>
               <a:t>Feature: A Feature is a service that fulfills a stakeholder need. Each feature includes a benefit hypothesis and acceptance criteria, and is sized or split as necessary to be delivered by a single Agile Release Train in a Program Increment [PI]</a:t>
             </a:r>
           </a:p>
@@ -13700,7 +15913,7 @@
               <a:buNone/>
             </a:pPr>
             <a:r>
-              <a:rPr lang="en-US" sz="1600" b="0" dirty="0" smtClean="0"/>
+              <a:rPr lang="en-US" sz="1600" b="0" dirty="0"/>
               <a:t>Story: Stories are short descriptions of a small piece of desired functionality, written in the user’s language. Agile Teams implement small, vertical slices of a system functionality and are sized so they can be completed in a single iteration.</a:t>
             </a:r>
           </a:p>
@@ -13734,13 +15947,6 @@
       </p:transition>
     </mc:Fallback>
   </mc:AlternateContent>
-  <p:timing>
-    <p:tnLst>
-      <p:par>
-        <p:cTn id="1" dur="indefinite" restart="never" nodeType="tmRoot"/>
-      </p:par>
-    </p:tnLst>
-  </p:timing>
 </p:sld>
 </file>
 
@@ -13831,10 +16037,9 @@
           <a:lstStyle/>
           <a:p>
             <a:r>
-              <a:rPr lang="en-GB" sz="3200" dirty="0" smtClean="0"/>
+              <a:rPr lang="en-GB" sz="3200" dirty="0"/>
               <a:t>Proposed Solution 2: Agile Release Train</a:t>
             </a:r>
-            <a:endParaRPr lang="en-GB" sz="3200" dirty="0"/>
           </a:p>
         </p:txBody>
       </p:sp>
@@ -13903,25 +16108,8 @@
                   </a:schemeClr>
                 </a:solidFill>
               </a:rPr>
-              <a:t>Agile for Model-Based-Standards </a:t>
-            </a:r>
-            <a:r>
-              <a:rPr lang="en-US" dirty="0" smtClean="0">
-                <a:solidFill>
-                  <a:schemeClr val="bg1">
-                    <a:lumMod val="50000"/>
-                  </a:schemeClr>
-                </a:solidFill>
-              </a:rPr>
-              <a:t>Development</a:t>
-            </a:r>
-            <a:endParaRPr lang="en-US" dirty="0">
-              <a:solidFill>
-                <a:schemeClr val="bg1">
-                  <a:lumMod val="50000"/>
-                </a:schemeClr>
-              </a:solidFill>
-            </a:endParaRPr>
+              <a:t>Agile for Model-Based-Standards Development</a:t>
+            </a:r>
           </a:p>
         </p:txBody>
       </p:sp>
@@ -13962,25 +16150,20 @@
           <a:p>
             <a:pPr algn="ctr"/>
             <a:r>
-              <a:rPr lang="en-US" sz="1100" dirty="0" smtClean="0"/>
+              <a:rPr lang="en-US" sz="1100" dirty="0"/>
               <a:t>AP242e3</a:t>
             </a:r>
           </a:p>
           <a:p>
             <a:pPr algn="ctr"/>
             <a:r>
-              <a:rPr lang="en-US" sz="1100" dirty="0" smtClean="0">
+              <a:rPr lang="en-US" sz="1100" dirty="0">
                 <a:solidFill>
                   <a:schemeClr val="accent3"/>
                 </a:solidFill>
               </a:rPr>
               <a:t>(ART/EPIC)</a:t>
             </a:r>
-            <a:endParaRPr lang="en-US" sz="1100" dirty="0">
-              <a:solidFill>
-                <a:schemeClr val="accent3"/>
-              </a:solidFill>
-            </a:endParaRPr>
           </a:p>
         </p:txBody>
       </p:sp>
@@ -14681,10 +16864,9 @@
           <a:p>
             <a:pPr algn="ctr"/>
             <a:r>
-              <a:rPr lang="en-US" sz="1050" dirty="0" smtClean="0"/>
+              <a:rPr lang="en-US" sz="1050" dirty="0"/>
               <a:t>PMI Team</a:t>
             </a:r>
-            <a:endParaRPr lang="en-US" sz="1050" dirty="0"/>
           </a:p>
         </p:txBody>
       </p:sp>
@@ -14758,17 +16940,16 @@
           <a:p>
             <a:pPr algn="ctr"/>
             <a:r>
-              <a:rPr lang="en-US" sz="1050" dirty="0" smtClean="0"/>
+              <a:rPr lang="en-US" sz="1050" dirty="0"/>
               <a:t>EWH </a:t>
             </a:r>
           </a:p>
           <a:p>
             <a:pPr algn="ctr"/>
             <a:r>
-              <a:rPr lang="en-US" sz="1050" dirty="0" smtClean="0"/>
+              <a:rPr lang="en-US" sz="1050" dirty="0"/>
               <a:t>Team</a:t>
             </a:r>
-            <a:endParaRPr lang="en-US" sz="1050" dirty="0"/>
           </a:p>
         </p:txBody>
       </p:sp>
@@ -14796,7 +16977,7 @@
           <a:p>
             <a:pPr algn="ctr"/>
             <a:r>
-              <a:rPr lang="en-US" sz="900" dirty="0" smtClean="0"/>
+              <a:rPr lang="en-US" sz="900" dirty="0"/>
               <a:t>Define</a:t>
             </a:r>
           </a:p>
@@ -14826,7 +17007,7 @@
           <a:p>
             <a:pPr algn="ctr"/>
             <a:r>
-              <a:rPr lang="en-US" sz="900" dirty="0" smtClean="0"/>
+              <a:rPr lang="en-US" sz="900" dirty="0"/>
               <a:t>Build</a:t>
             </a:r>
           </a:p>
@@ -14856,7 +17037,7 @@
           <a:p>
             <a:pPr algn="ctr"/>
             <a:r>
-              <a:rPr lang="en-US" sz="900" dirty="0" smtClean="0"/>
+              <a:rPr lang="en-US" sz="900" dirty="0"/>
               <a:t>Test</a:t>
             </a:r>
           </a:p>
@@ -14886,7 +17067,7 @@
           <a:p>
             <a:pPr algn="ctr"/>
             <a:r>
-              <a:rPr lang="en-US" sz="900" dirty="0" smtClean="0"/>
+              <a:rPr lang="en-US" sz="900" dirty="0"/>
               <a:t>Deploy</a:t>
             </a:r>
           </a:p>
@@ -15224,10 +17405,9 @@
           <a:p>
             <a:pPr algn="ctr"/>
             <a:r>
-              <a:rPr lang="en-US" sz="1050" dirty="0" smtClean="0"/>
+              <a:rPr lang="en-US" sz="1050" dirty="0"/>
               <a:t>AM Team</a:t>
             </a:r>
-            <a:endParaRPr lang="en-US" sz="1050" dirty="0"/>
           </a:p>
         </p:txBody>
       </p:sp>
@@ -15499,7 +17679,7 @@
           <a:p>
             <a:pPr algn="ctr"/>
             <a:r>
-              <a:rPr lang="en-US" sz="900" dirty="0" smtClean="0"/>
+              <a:rPr lang="en-US" sz="900" dirty="0"/>
               <a:t>Define</a:t>
             </a:r>
           </a:p>
@@ -15529,7 +17709,7 @@
           <a:p>
             <a:pPr algn="ctr"/>
             <a:r>
-              <a:rPr lang="en-US" sz="900" dirty="0" smtClean="0"/>
+              <a:rPr lang="en-US" sz="900" dirty="0"/>
               <a:t>Build</a:t>
             </a:r>
           </a:p>
@@ -15559,7 +17739,7 @@
           <a:p>
             <a:pPr algn="ctr"/>
             <a:r>
-              <a:rPr lang="en-US" sz="900" dirty="0" smtClean="0"/>
+              <a:rPr lang="en-US" sz="900" dirty="0"/>
               <a:t>Test</a:t>
             </a:r>
           </a:p>
@@ -15589,7 +17769,7 @@
           <a:p>
             <a:pPr algn="ctr"/>
             <a:r>
-              <a:rPr lang="en-US" sz="900" dirty="0" smtClean="0"/>
+              <a:rPr lang="en-US" sz="900" dirty="0"/>
               <a:t>Deploy</a:t>
             </a:r>
           </a:p>
@@ -15619,7 +17799,7 @@
           <a:p>
             <a:pPr algn="ctr"/>
             <a:r>
-              <a:rPr lang="en-US" sz="1050" dirty="0" smtClean="0">
+              <a:rPr lang="en-US" sz="1050" dirty="0">
                 <a:solidFill>
                   <a:schemeClr val="bg1"/>
                 </a:solidFill>
@@ -15627,7 +17807,7 @@
               <a:t>Scrum Master     </a:t>
             </a:r>
             <a:r>
-              <a:rPr lang="en-US" sz="1050" dirty="0" smtClean="0">
+              <a:rPr lang="en-US" sz="1050" dirty="0">
                 <a:solidFill>
                   <a:schemeClr val="accent3"/>
                 </a:solidFill>
@@ -15635,18 +17815,13 @@
               <a:t>Product Owner     </a:t>
             </a:r>
             <a:r>
-              <a:rPr lang="en-US" sz="1050" dirty="0" smtClean="0">
+              <a:rPr lang="en-US" sz="1050" dirty="0">
                 <a:solidFill>
                   <a:schemeClr val="bg1"/>
                 </a:solidFill>
               </a:rPr>
               <a:t>Development Team</a:t>
             </a:r>
-            <a:endParaRPr lang="en-US" sz="1050" dirty="0">
-              <a:solidFill>
-                <a:schemeClr val="bg1"/>
-              </a:solidFill>
-            </a:endParaRPr>
           </a:p>
         </p:txBody>
       </p:sp>
@@ -15837,18 +18012,13 @@
           <a:p>
             <a:pPr algn="ctr"/>
             <a:r>
-              <a:rPr lang="en-US" sz="1050" dirty="0" smtClean="0">
+              <a:rPr lang="en-US" sz="1050" dirty="0">
                 <a:solidFill>
                   <a:schemeClr val="accent3"/>
                 </a:solidFill>
               </a:rPr>
               <a:t>Agile Teams</a:t>
             </a:r>
-            <a:endParaRPr lang="en-US" sz="1050" dirty="0">
-              <a:solidFill>
-                <a:schemeClr val="accent3"/>
-              </a:solidFill>
-            </a:endParaRPr>
           </a:p>
         </p:txBody>
       </p:sp>
@@ -15928,22 +18098,17 @@
           <a:p>
             <a:pPr algn="ctr"/>
             <a:r>
-              <a:rPr lang="en-US" sz="1100" dirty="0" smtClean="0"/>
+              <a:rPr lang="en-US" sz="1100" dirty="0"/>
               <a:t>AP243e1 </a:t>
             </a:r>
             <a:r>
-              <a:rPr lang="en-US" sz="1100" dirty="0" smtClean="0">
+              <a:rPr lang="en-US" sz="1100" dirty="0">
                 <a:solidFill>
                   <a:srgbClr val="0096DB"/>
                 </a:solidFill>
               </a:rPr>
               <a:t>(ART/EPIC)</a:t>
             </a:r>
-            <a:endParaRPr lang="en-US" sz="1100" dirty="0">
-              <a:solidFill>
-                <a:srgbClr val="0096DB"/>
-              </a:solidFill>
-            </a:endParaRPr>
           </a:p>
         </p:txBody>
       </p:sp>
@@ -15984,11 +18149,11 @@
           <a:p>
             <a:pPr algn="ctr"/>
             <a:r>
-              <a:rPr lang="en-US" sz="1100" dirty="0" smtClean="0"/>
+              <a:rPr lang="en-US" sz="1100" dirty="0"/>
               <a:t>AP239e4 </a:t>
             </a:r>
             <a:r>
-              <a:rPr lang="en-US" sz="1100" dirty="0" smtClean="0">
+              <a:rPr lang="en-US" sz="1100" dirty="0">
                 <a:solidFill>
                   <a:srgbClr val="0096DB"/>
                 </a:solidFill>
@@ -16020,13 +18185,6 @@
       </p:transition>
     </mc:Fallback>
   </mc:AlternateContent>
-  <p:timing>
-    <p:tnLst>
-      <p:par>
-        <p:cTn id="1" dur="indefinite" restart="never" nodeType="tmRoot"/>
-      </p:par>
-    </p:tnLst>
-  </p:timing>
 </p:sld>
 </file>
 
@@ -17020,12 +19178,6 @@
 </file>
 
 <file path=customXml/item1.xml><?xml version="1.0" encoding="utf-8"?>
-<p:properties xmlns:p="http://schemas.microsoft.com/office/2006/metadata/properties" xmlns:xsi="http://www.w3.org/2001/XMLSchema-instance" xmlns:pc="http://schemas.microsoft.com/office/infopath/2007/PartnerControls">
-  <documentManagement/>
-</p:properties>
-</file>
-
-<file path=customXml/item2.xml><?xml version="1.0" encoding="utf-8"?>
 <ct:contentTypeSchema xmlns:ct="http://schemas.microsoft.com/office/2006/metadata/contentType" xmlns:ma="http://schemas.microsoft.com/office/2006/metadata/properties/metaAttributes" ct:_="" ma:_="" ma:contentTypeName="Document" ma:contentTypeID="0x010100B928359CC7305D47809A6E4D09895B12" ma:contentTypeVersion="0" ma:contentTypeDescription="Create a new document." ma:contentTypeScope="" ma:versionID="58734b0d5d00aaa9ecfcecd44c708e1b">
   <xsd:schema xmlns:xsd="http://www.w3.org/2001/XMLSchema" xmlns:xs="http://www.w3.org/2001/XMLSchema" xmlns:p="http://schemas.microsoft.com/office/2006/metadata/properties" targetNamespace="http://schemas.microsoft.com/office/2006/metadata/properties" ma:root="true" ma:fieldsID="1b05d82d297216baf5b26c55225140df">
     <xsd:element name="properties">
@@ -17139,6 +19291,12 @@
 </ct:contentTypeSchema>
 </file>
 
+<file path=customXml/item2.xml><?xml version="1.0" encoding="utf-8"?>
+<p:properties xmlns:p="http://schemas.microsoft.com/office/2006/metadata/properties" xmlns:xsi="http://www.w3.org/2001/XMLSchema-instance" xmlns:pc="http://schemas.microsoft.com/office/infopath/2007/PartnerControls">
+  <documentManagement/>
+</p:properties>
+</file>
+
 <file path=customXml/item3.xml><?xml version="1.0" encoding="utf-8"?>
 <?mso-contentType ?>
 <FormTemplates xmlns="http://schemas.microsoft.com/sharepoint/v3/contenttype/forms">
@@ -17149,21 +19307,6 @@
 </file>
 
 <file path=customXml/itemProps1.xml><?xml version="1.0" encoding="utf-8"?>
-<ds:datastoreItem xmlns:ds="http://schemas.openxmlformats.org/officeDocument/2006/customXml" ds:itemID="{C691D66D-CA73-4591-BA35-882D4C096123}">
-  <ds:schemaRefs>
-    <ds:schemaRef ds:uri="http://purl.org/dc/terms/"/>
-    <ds:schemaRef ds:uri="http://schemas.openxmlformats.org/package/2006/metadata/core-properties"/>
-    <ds:schemaRef ds:uri="http://purl.org/dc/dcmitype/"/>
-    <ds:schemaRef ds:uri="http://schemas.microsoft.com/office/2006/documentManagement/types"/>
-    <ds:schemaRef ds:uri="http://purl.org/dc/elements/1.1/"/>
-    <ds:schemaRef ds:uri="http://schemas.microsoft.com/office/2006/metadata/properties"/>
-    <ds:schemaRef ds:uri="http://schemas.microsoft.com/office/infopath/2007/PartnerControls"/>
-    <ds:schemaRef ds:uri="http://www.w3.org/XML/1998/namespace"/>
-  </ds:schemaRefs>
-</ds:datastoreItem>
-</file>
-
-<file path=customXml/itemProps2.xml><?xml version="1.0" encoding="utf-8"?>
 <ds:datastoreItem xmlns:ds="http://schemas.openxmlformats.org/officeDocument/2006/customXml" ds:itemID="{FFB024C0-3292-4B7C-9F10-F14F1C85528A}">
   <ds:schemaRefs>
     <ds:schemaRef ds:uri="http://schemas.microsoft.com/office/2006/metadata/contentType"/>
@@ -17179,6 +19322,21 @@
 </ds:datastoreItem>
 </file>
 
+<file path=customXml/itemProps2.xml><?xml version="1.0" encoding="utf-8"?>
+<ds:datastoreItem xmlns:ds="http://schemas.openxmlformats.org/officeDocument/2006/customXml" ds:itemID="{C691D66D-CA73-4591-BA35-882D4C096123}">
+  <ds:schemaRefs>
+    <ds:schemaRef ds:uri="http://purl.org/dc/terms/"/>
+    <ds:schemaRef ds:uri="http://schemas.openxmlformats.org/package/2006/metadata/core-properties"/>
+    <ds:schemaRef ds:uri="http://purl.org/dc/dcmitype/"/>
+    <ds:schemaRef ds:uri="http://schemas.microsoft.com/office/2006/documentManagement/types"/>
+    <ds:schemaRef ds:uri="http://purl.org/dc/elements/1.1/"/>
+    <ds:schemaRef ds:uri="http://schemas.microsoft.com/office/2006/metadata/properties"/>
+    <ds:schemaRef ds:uri="http://schemas.microsoft.com/office/infopath/2007/PartnerControls"/>
+    <ds:schemaRef ds:uri="http://www.w3.org/XML/1998/namespace"/>
+  </ds:schemaRefs>
+</ds:datastoreItem>
+</file>
+
 <file path=customXml/itemProps3.xml><?xml version="1.0" encoding="utf-8"?>
 <ds:datastoreItem xmlns:ds="http://schemas.openxmlformats.org/officeDocument/2006/customXml" ds:itemID="{16D4C100-0EDD-4DD2-914D-A957225F12B9}">
   <ds:schemaRefs>

--- a/01 - Agile for Model-Based Standards Development/D - Presentations/PDES.Presentation.pptx
+++ b/01 - Agile for Model-Based Standards Development/D - Presentations/PDES.Presentation.pptx
@@ -293,7 +293,7 @@
             <a:fld id="{BE4E05A4-29A6-45AB-82C9-31FC81F0251A}" type="datetimeFigureOut">
               <a:rPr lang="en-US" smtClean="0"/>
               <a:pPr/>
-              <a:t>9/5/19</a:t>
+              <a:t>9/5/2019</a:t>
             </a:fld>
             <a:endParaRPr lang="en-US" dirty="0"/>
           </a:p>
@@ -12231,7 +12231,7 @@
         <p:spPr>
           <a:xfrm>
             <a:off x="405383" y="1283208"/>
-            <a:ext cx="11311128" cy="4191917"/>
+            <a:ext cx="11311128" cy="4450449"/>
           </a:xfrm>
         </p:spPr>
         <p:txBody>
@@ -12282,8 +12282,28 @@
             </a:r>
             <a:r>
               <a:rPr lang="en-US" sz="1400" b="0" dirty="0"/>
-              <a:t>change during the development cycle</a:t>
-            </a:r>
+              <a:t>change during the development </a:t>
+            </a:r>
+            <a:r>
+              <a:rPr lang="en-US" sz="1400" b="0" dirty="0" smtClean="0"/>
+              <a:t>cycle</a:t>
+            </a:r>
+          </a:p>
+          <a:p>
+            <a:pPr marL="850900" lvl="2" indent="-342900"/>
+            <a:r>
+              <a:rPr lang="en-US" sz="1400" dirty="0" smtClean="0"/>
+              <a:t>Requirement to be structured/semantic and computer interpretable for automation optimization (i.e. </a:t>
+            </a:r>
+            <a:r>
+              <a:rPr lang="en-US" sz="1400" dirty="0" err="1" smtClean="0"/>
+              <a:t>Req</a:t>
+            </a:r>
+            <a:r>
+              <a:rPr lang="en-US" sz="1400" dirty="0" smtClean="0"/>
+              <a:t>-IF)</a:t>
+            </a:r>
+            <a:endParaRPr lang="en-US" sz="1400" b="0" dirty="0"/>
           </a:p>
           <a:p>
             <a:pPr marL="631825" lvl="1" indent="-342900"/>
@@ -12532,7 +12552,7 @@
         <p:spPr>
           <a:xfrm>
             <a:off x="405383" y="1283208"/>
-            <a:ext cx="11311128" cy="4736681"/>
+            <a:ext cx="11311128" cy="4921347"/>
           </a:xfrm>
         </p:spPr>
         <p:txBody>
@@ -12646,7 +12666,18 @@
             <a:pPr marL="850900" lvl="2" indent="-342900"/>
             <a:r>
               <a:rPr lang="en-US" sz="1400" dirty="0"/>
-              <a:t>Minutes traceability to requirements and tasks</a:t>
+              <a:t>Minutes traceability to requirements and </a:t>
+            </a:r>
+            <a:r>
+              <a:rPr lang="en-US" sz="1400" dirty="0" smtClean="0"/>
+              <a:t>tasks</a:t>
+            </a:r>
+          </a:p>
+          <a:p>
+            <a:pPr marL="850900" lvl="2" indent="-342900"/>
+            <a:r>
+              <a:rPr lang="en-US" sz="1400" dirty="0" smtClean="0"/>
+              <a:t>Supports report generation, automation, and single source of truth</a:t>
             </a:r>
             <a:endParaRPr lang="en-US" sz="1200" dirty="0"/>
           </a:p>
@@ -12849,6 +12880,9 @@
           <a:lstStyle/>
           <a:p>
             <a:pPr marL="342900" indent="-342900">
+              <a:buClr>
+                <a:schemeClr val="bg1"/>
+              </a:buClr>
               <a:buFont typeface="Arial" panose="020B0604020202020204" pitchFamily="34" charset="0"/>
               <a:buChar char="•"/>
             </a:pPr>
@@ -14327,7 +14361,7 @@
         <p:spPr>
           <a:xfrm>
             <a:off x="405383" y="1400438"/>
-            <a:ext cx="11311128" cy="5336846"/>
+            <a:ext cx="11311128" cy="5244513"/>
           </a:xfrm>
         </p:spPr>
         <p:txBody>
@@ -14340,7 +14374,7 @@
               </a:buClr>
             </a:pPr>
             <a:r>
-              <a:rPr lang="en-GB" sz="2800" u="sng" dirty="0"/>
+              <a:rPr lang="en-GB" sz="2400" u="sng" dirty="0"/>
               <a:t>Implement:</a:t>
             </a:r>
           </a:p>
@@ -14352,7 +14386,7 @@
               <a:buNone/>
             </a:pPr>
             <a:r>
-              <a:rPr lang="en-GB" b="0" dirty="0"/>
+              <a:rPr lang="en-GB" sz="1800" b="0" dirty="0"/>
               <a:t>Backlog Management</a:t>
             </a:r>
           </a:p>
@@ -14362,7 +14396,7 @@
               <a:buChar char="§"/>
             </a:pPr>
             <a:r>
-              <a:rPr lang="en-GB" dirty="0"/>
+              <a:rPr lang="en-GB" sz="1800" dirty="0"/>
               <a:t>JIRA or GIT KANBANs</a:t>
             </a:r>
           </a:p>
@@ -14374,7 +14408,7 @@
               <a:buNone/>
             </a:pPr>
             <a:r>
-              <a:rPr lang="en-GB" b="0" dirty="0"/>
+              <a:rPr lang="en-GB" sz="1800" b="0" dirty="0"/>
               <a:t>Agile Release Train</a:t>
             </a:r>
           </a:p>
@@ -14384,10 +14418,10 @@
               <a:buChar char="§"/>
             </a:pPr>
             <a:r>
-              <a:rPr lang="en-GB" dirty="0"/>
+              <a:rPr lang="en-GB" sz="1800" dirty="0"/>
               <a:t>JIRA Workflow Management</a:t>
             </a:r>
-            <a:endParaRPr lang="en-GB" b="0" dirty="0"/>
+            <a:endParaRPr lang="en-GB" sz="1800" b="0" dirty="0"/>
           </a:p>
           <a:p>
             <a:pPr>
@@ -14397,7 +14431,7 @@
               <a:buNone/>
             </a:pPr>
             <a:r>
-              <a:rPr lang="en-GB" b="0" dirty="0"/>
+              <a:rPr lang="en-GB" sz="1800" b="0" dirty="0"/>
               <a:t>Program Increment Planning</a:t>
             </a:r>
           </a:p>
@@ -14407,7 +14441,7 @@
               <a:buChar char="§"/>
             </a:pPr>
             <a:r>
-              <a:rPr lang="en-GB" b="0" dirty="0"/>
+              <a:rPr lang="en-GB" sz="1800" b="0" dirty="0"/>
               <a:t>JIRA Workflow Management</a:t>
             </a:r>
           </a:p>
@@ -14417,10 +14451,10 @@
               <a:buChar char="§"/>
             </a:pPr>
             <a:r>
-              <a:rPr lang="en-US" dirty="0"/>
+              <a:rPr lang="en-US" sz="1800" dirty="0"/>
               <a:t>Planning Poker, T-Shirt Sizes, Dot Voting </a:t>
             </a:r>
-            <a:endParaRPr lang="en-GB" b="0" dirty="0"/>
+            <a:endParaRPr lang="en-GB" sz="1800" b="0" dirty="0"/>
           </a:p>
           <a:p>
             <a:pPr marL="342900" indent="-342900">
@@ -14430,7 +14464,7 @@
               <a:buFont typeface="Wingdings" panose="05000000000000000000" pitchFamily="2" charset="2"/>
               <a:buChar char="§"/>
             </a:pPr>
-            <a:endParaRPr lang="en-GB" dirty="0"/>
+            <a:endParaRPr lang="en-GB" sz="1800" dirty="0"/>
           </a:p>
           <a:p>
             <a:pPr>
@@ -14439,7 +14473,7 @@
               </a:buClr>
             </a:pPr>
             <a:r>
-              <a:rPr lang="en-GB" sz="2800" u="sng" dirty="0"/>
+              <a:rPr lang="en-GB" sz="2400" u="sng" dirty="0"/>
               <a:t>Continued Research:</a:t>
             </a:r>
           </a:p>
@@ -14452,11 +14486,11 @@
               <a:buChar char="§"/>
             </a:pPr>
             <a:r>
-              <a:rPr lang="en-GB" b="0" dirty="0"/>
+              <a:rPr lang="en-GB" sz="1800" b="0" dirty="0"/>
               <a:t>Advanced Communication Tools </a:t>
             </a:r>
             <a:r>
-              <a:rPr lang="en-GB" sz="1600" b="0" dirty="0"/>
+              <a:rPr lang="en-GB" sz="1400" b="0" dirty="0"/>
               <a:t>(for consensus management; requirements traceability)</a:t>
             </a:r>
           </a:p>
@@ -14469,38 +14503,38 @@
               <a:buChar char="§"/>
             </a:pPr>
             <a:r>
-              <a:rPr lang="en-GB" b="0" dirty="0"/>
+              <a:rPr lang="en-GB" sz="1800" b="0" dirty="0"/>
               <a:t>Continuous Integration Tools &amp; Automation </a:t>
             </a:r>
             <a:r>
-              <a:rPr lang="en-GB" sz="1600" b="0" dirty="0"/>
+              <a:rPr lang="en-GB" sz="1400" b="0" dirty="0"/>
               <a:t>(</a:t>
             </a:r>
             <a:r>
-              <a:rPr lang="en-US" sz="1600" b="0" dirty="0" err="1"/>
+              <a:rPr lang="en-US" sz="1400" b="0" dirty="0" err="1"/>
               <a:t>Bitbucket</a:t>
             </a:r>
             <a:r>
-              <a:rPr lang="en-US" sz="1600" b="0" dirty="0"/>
+              <a:rPr lang="en-US" sz="1400" b="0" dirty="0"/>
               <a:t>/Bamboo, Jenkins, AWS </a:t>
             </a:r>
             <a:r>
-              <a:rPr lang="en-US" sz="1600" b="0" dirty="0" err="1"/>
+              <a:rPr lang="en-US" sz="1400" b="0" dirty="0" err="1"/>
               <a:t>CodePipeline</a:t>
             </a:r>
             <a:r>
-              <a:rPr lang="en-US" sz="1600" b="0" dirty="0"/>
+              <a:rPr lang="en-US" sz="1400" b="0" dirty="0"/>
               <a:t>, and </a:t>
             </a:r>
             <a:r>
-              <a:rPr lang="en-US" sz="1600" b="0" dirty="0" err="1"/>
+              <a:rPr lang="en-US" sz="1400" b="0" dirty="0" err="1"/>
               <a:t>Gitlab</a:t>
             </a:r>
             <a:r>
-              <a:rPr lang="en-US" sz="1600" b="0" dirty="0"/>
+              <a:rPr lang="en-US" sz="1400" b="0" dirty="0"/>
               <a:t>)</a:t>
             </a:r>
-            <a:endParaRPr lang="en-US" b="0" dirty="0"/>
+            <a:endParaRPr lang="en-US" sz="1800" b="0" dirty="0"/>
           </a:p>
           <a:p>
             <a:pPr marL="631825" lvl="1" indent="-342900">
@@ -14508,10 +14542,27 @@
               <a:buChar char="§"/>
             </a:pPr>
             <a:r>
-              <a:rPr lang="en-US" dirty="0"/>
-              <a:t>EXPRESS Engine, JSDAI Compiles, Python scripts or ANT Builds</a:t>
-            </a:r>
-            <a:endParaRPr lang="en-GB" b="0" dirty="0"/>
+              <a:rPr lang="en-US" sz="1800" dirty="0"/>
+              <a:t>EXPRESS Engine, JSDAI Compiles, Python scripts or ANT </a:t>
+            </a:r>
+            <a:r>
+              <a:rPr lang="en-US" sz="1800" dirty="0" smtClean="0"/>
+              <a:t>Builds</a:t>
+            </a:r>
+          </a:p>
+          <a:p>
+            <a:pPr marL="342900" indent="-342900">
+              <a:buClr>
+                <a:schemeClr val="bg1"/>
+              </a:buClr>
+              <a:buFont typeface="Wingdings" panose="05000000000000000000" pitchFamily="2" charset="2"/>
+              <a:buChar char="§"/>
+            </a:pPr>
+            <a:r>
+              <a:rPr lang="en-US" sz="1800" b="0" dirty="0" smtClean="0"/>
+              <a:t>Draft presentation distributed end of September</a:t>
+            </a:r>
+            <a:endParaRPr lang="en-GB" sz="1800" b="0" dirty="0"/>
           </a:p>
           <a:p>
             <a:pPr marL="342900" indent="-342900">
@@ -14547,7 +14598,7 @@
           <a:graphicData uri="http://schemas.openxmlformats.org/presentationml/2006/ole">
             <mc:AlternateContent xmlns:mc="http://schemas.openxmlformats.org/markup-compatibility/2006">
               <mc:Choice xmlns:v="urn:schemas-microsoft-com:vml" Requires="v">
-                <p:oleObj spid="_x0000_s2080" name="Visio" r:id="rId3" imgW="5467350" imgH="3819396" progId="Visio.Drawing.15">
+                <p:oleObj spid="_x0000_s2083" name="Visio" r:id="rId3" imgW="5467350" imgH="3819396" progId="Visio.Drawing.15">
                   <p:embed/>
                 </p:oleObj>
               </mc:Choice>
@@ -15453,15 +15504,7 @@
             <a:pPr lvl="3"/>
             <a:r>
               <a:rPr lang="en-US" dirty="0"/>
-              <a:t>Story: Implicit/Simplified </a:t>
-            </a:r>
-            <a:r>
-              <a:rPr lang="en-US" dirty="0" err="1"/>
-              <a:t>Counterdrill</a:t>
-            </a:r>
-            <a:r>
-              <a:rPr lang="en-US" dirty="0"/>
-              <a:t> Hole</a:t>
+              <a:t>Story: Implicit/Simplified Counterdrill Hole</a:t>
             </a:r>
           </a:p>
           <a:p>
@@ -15566,7 +15609,7 @@
           <p:nvPr/>
         </p:nvPicPr>
         <p:blipFill>
-          <a:blip r:embed="rId2">
+          <a:blip r:embed="rId2" cstate="print">
             <a:extLst>
               <a:ext uri="{28A0092B-C50C-407E-A947-70E740481C1C}">
                 <a14:useLocalDpi xmlns:a14="http://schemas.microsoft.com/office/drawing/2010/main" val="0"/>
@@ -19178,6 +19221,12 @@
 </file>
 
 <file path=customXml/item1.xml><?xml version="1.0" encoding="utf-8"?>
+<p:properties xmlns:p="http://schemas.microsoft.com/office/2006/metadata/properties" xmlns:xsi="http://www.w3.org/2001/XMLSchema-instance" xmlns:pc="http://schemas.microsoft.com/office/infopath/2007/PartnerControls">
+  <documentManagement/>
+</p:properties>
+</file>
+
+<file path=customXml/item2.xml><?xml version="1.0" encoding="utf-8"?>
 <ct:contentTypeSchema xmlns:ct="http://schemas.microsoft.com/office/2006/metadata/contentType" xmlns:ma="http://schemas.microsoft.com/office/2006/metadata/properties/metaAttributes" ct:_="" ma:_="" ma:contentTypeName="Document" ma:contentTypeID="0x010100B928359CC7305D47809A6E4D09895B12" ma:contentTypeVersion="0" ma:contentTypeDescription="Create a new document." ma:contentTypeScope="" ma:versionID="58734b0d5d00aaa9ecfcecd44c708e1b">
   <xsd:schema xmlns:xsd="http://www.w3.org/2001/XMLSchema" xmlns:xs="http://www.w3.org/2001/XMLSchema" xmlns:p="http://schemas.microsoft.com/office/2006/metadata/properties" targetNamespace="http://schemas.microsoft.com/office/2006/metadata/properties" ma:root="true" ma:fieldsID="1b05d82d297216baf5b26c55225140df">
     <xsd:element name="properties">
@@ -19291,12 +19340,6 @@
 </ct:contentTypeSchema>
 </file>
 
-<file path=customXml/item2.xml><?xml version="1.0" encoding="utf-8"?>
-<p:properties xmlns:p="http://schemas.microsoft.com/office/2006/metadata/properties" xmlns:xsi="http://www.w3.org/2001/XMLSchema-instance" xmlns:pc="http://schemas.microsoft.com/office/infopath/2007/PartnerControls">
-  <documentManagement/>
-</p:properties>
-</file>
-
 <file path=customXml/item3.xml><?xml version="1.0" encoding="utf-8"?>
 <?mso-contentType ?>
 <FormTemplates xmlns="http://schemas.microsoft.com/sharepoint/v3/contenttype/forms">
@@ -19307,6 +19350,21 @@
 </file>
 
 <file path=customXml/itemProps1.xml><?xml version="1.0" encoding="utf-8"?>
+<ds:datastoreItem xmlns:ds="http://schemas.openxmlformats.org/officeDocument/2006/customXml" ds:itemID="{C691D66D-CA73-4591-BA35-882D4C096123}">
+  <ds:schemaRefs>
+    <ds:schemaRef ds:uri="http://purl.org/dc/elements/1.1/"/>
+    <ds:schemaRef ds:uri="http://schemas.microsoft.com/office/2006/metadata/properties"/>
+    <ds:schemaRef ds:uri="http://schemas.microsoft.com/office/2006/documentManagement/types"/>
+    <ds:schemaRef ds:uri="http://purl.org/dc/terms/"/>
+    <ds:schemaRef ds:uri="http://schemas.openxmlformats.org/package/2006/metadata/core-properties"/>
+    <ds:schemaRef ds:uri="http://purl.org/dc/dcmitype/"/>
+    <ds:schemaRef ds:uri="http://schemas.microsoft.com/office/infopath/2007/PartnerControls"/>
+    <ds:schemaRef ds:uri="http://www.w3.org/XML/1998/namespace"/>
+  </ds:schemaRefs>
+</ds:datastoreItem>
+</file>
+
+<file path=customXml/itemProps2.xml><?xml version="1.0" encoding="utf-8"?>
 <ds:datastoreItem xmlns:ds="http://schemas.openxmlformats.org/officeDocument/2006/customXml" ds:itemID="{FFB024C0-3292-4B7C-9F10-F14F1C85528A}">
   <ds:schemaRefs>
     <ds:schemaRef ds:uri="http://schemas.microsoft.com/office/2006/metadata/contentType"/>
@@ -19322,21 +19380,6 @@
 </ds:datastoreItem>
 </file>
 
-<file path=customXml/itemProps2.xml><?xml version="1.0" encoding="utf-8"?>
-<ds:datastoreItem xmlns:ds="http://schemas.openxmlformats.org/officeDocument/2006/customXml" ds:itemID="{C691D66D-CA73-4591-BA35-882D4C096123}">
-  <ds:schemaRefs>
-    <ds:schemaRef ds:uri="http://purl.org/dc/terms/"/>
-    <ds:schemaRef ds:uri="http://schemas.openxmlformats.org/package/2006/metadata/core-properties"/>
-    <ds:schemaRef ds:uri="http://purl.org/dc/dcmitype/"/>
-    <ds:schemaRef ds:uri="http://schemas.microsoft.com/office/2006/documentManagement/types"/>
-    <ds:schemaRef ds:uri="http://purl.org/dc/elements/1.1/"/>
-    <ds:schemaRef ds:uri="http://schemas.microsoft.com/office/2006/metadata/properties"/>
-    <ds:schemaRef ds:uri="http://schemas.microsoft.com/office/infopath/2007/PartnerControls"/>
-    <ds:schemaRef ds:uri="http://www.w3.org/XML/1998/namespace"/>
-  </ds:schemaRefs>
-</ds:datastoreItem>
-</file>
-
 <file path=customXml/itemProps3.xml><?xml version="1.0" encoding="utf-8"?>
 <ds:datastoreItem xmlns:ds="http://schemas.openxmlformats.org/officeDocument/2006/customXml" ds:itemID="{16D4C100-0EDD-4DD2-914D-A957225F12B9}">
   <ds:schemaRefs>

--- a/01 - Agile for Model-Based Standards Development/D - Presentations/PDES.Presentation.pptx
+++ b/01 - Agile for Model-Based Standards Development/D - Presentations/PDES.Presentation.pptx
@@ -5,10 +5,10 @@
     <p:sldMasterId id="2147483685" r:id="rId4"/>
   </p:sldMasterIdLst>
   <p:notesMasterIdLst>
-    <p:notesMasterId r:id="rId20"/>
+    <p:notesMasterId r:id="rId19"/>
   </p:notesMasterIdLst>
   <p:handoutMasterIdLst>
-    <p:handoutMasterId r:id="rId21"/>
+    <p:handoutMasterId r:id="rId20"/>
   </p:handoutMasterIdLst>
   <p:sldIdLst>
     <p:sldId id="256" r:id="rId5"/>
@@ -19,18 +19,17 @@
     <p:sldId id="266" r:id="rId10"/>
     <p:sldId id="268" r:id="rId11"/>
     <p:sldId id="267" r:id="rId12"/>
-    <p:sldId id="265" r:id="rId13"/>
-    <p:sldId id="264" r:id="rId14"/>
-    <p:sldId id="274" r:id="rId15"/>
-    <p:sldId id="272" r:id="rId16"/>
-    <p:sldId id="273" r:id="rId17"/>
-    <p:sldId id="275" r:id="rId18"/>
-    <p:sldId id="261" r:id="rId19"/>
+    <p:sldId id="274" r:id="rId13"/>
+    <p:sldId id="272" r:id="rId14"/>
+    <p:sldId id="273" r:id="rId15"/>
+    <p:sldId id="276" r:id="rId16"/>
+    <p:sldId id="275" r:id="rId17"/>
+    <p:sldId id="277" r:id="rId18"/>
   </p:sldIdLst>
   <p:sldSz cx="12188825" cy="6858000"/>
   <p:notesSz cx="7023100" cy="9309100"/>
   <p:custDataLst>
-    <p:tags r:id="rId22"/>
+    <p:tags r:id="rId21"/>
   </p:custDataLst>
   <p:defaultTextStyle>
     <a:defPPr>
@@ -158,6 +157,36 @@
     </a:lvl9pPr>
   </p:defaultTextStyle>
   <p:extLst>
+    <p:ext uri="{521415D9-36F7-43E2-AB2F-B90AF26B5E84}">
+      <p14:sectionLst xmlns:p14="http://schemas.microsoft.com/office/powerpoint/2010/main">
+        <p14:section name="Default Section" id="{E95DB3DB-8B6B-46D8-9E97-9E62337C706D}">
+          <p14:sldIdLst>
+            <p14:sldId id="256"/>
+            <p14:sldId id="257"/>
+          </p14:sldIdLst>
+        </p14:section>
+        <p14:section name="Agile" id="{FD1426D8-54AF-442B-AE19-078E523D2C71}">
+          <p14:sldIdLst>
+            <p14:sldId id="271"/>
+            <p14:sldId id="270"/>
+            <p14:sldId id="269"/>
+            <p14:sldId id="266"/>
+            <p14:sldId id="268"/>
+            <p14:sldId id="267"/>
+            <p14:sldId id="274"/>
+            <p14:sldId id="272"/>
+            <p14:sldId id="273"/>
+            <p14:sldId id="276"/>
+            <p14:sldId id="275"/>
+          </p14:sldIdLst>
+        </p14:section>
+        <p14:section name="ISO Living Lab" id="{D2E08E04-3E19-4E91-A07E-A82955C4FDCE}">
+          <p14:sldIdLst>
+            <p14:sldId id="277"/>
+          </p14:sldIdLst>
+        </p14:section>
+      </p14:sectionLst>
+    </p:ext>
     <p:ext uri="{EFAFB233-063F-42B5-8137-9DF3F51BA10A}">
       <p15:sldGuideLst xmlns:p15="http://schemas.microsoft.com/office/powerpoint/2012/main">
         <p15:guide id="1" orient="horz">
@@ -293,7 +322,7 @@
             <a:fld id="{BE4E05A4-29A6-45AB-82C9-31FC81F0251A}" type="datetimeFigureOut">
               <a:rPr lang="en-US" smtClean="0"/>
               <a:pPr/>
-              <a:t>9/5/19</a:t>
+              <a:t>9/9/2019</a:t>
             </a:fld>
             <a:endParaRPr lang="en-US" dirty="0"/>
           </a:p>
@@ -857,321 +886,7 @@
           <a:bodyPr/>
           <a:lstStyle/>
           <a:p>
-            <a:r>
-              <a:rPr lang="en-US" b="1" dirty="0"/>
-              <a:t>Problem with traditional development</a:t>
-            </a:r>
-            <a:r>
-              <a:rPr lang="en-US" b="1" baseline="0" dirty="0"/>
-              <a:t> methods leads to long project phases for:</a:t>
-            </a:r>
-          </a:p>
-          <a:p>
-            <a:pPr marL="171450" indent="-171450">
-              <a:buFont typeface="Arial" panose="020B0604020202020204" pitchFamily="34" charset="0"/>
-              <a:buChar char="•"/>
-            </a:pPr>
-            <a:r>
-              <a:rPr lang="en-US" sz="1200" kern="1200" dirty="0">
-                <a:solidFill>
-                  <a:schemeClr val="tx1"/>
-                </a:solidFill>
-                <a:effectLst/>
-                <a:latin typeface="Arial" charset="0"/>
-                <a:ea typeface="+mn-ea"/>
-                <a:cs typeface="+mn-cs"/>
-              </a:rPr>
-              <a:t>requirements documentation</a:t>
-            </a:r>
-          </a:p>
-          <a:p>
-            <a:pPr marL="171450" indent="-171450">
-              <a:buFont typeface="Arial" panose="020B0604020202020204" pitchFamily="34" charset="0"/>
-              <a:buChar char="•"/>
-            </a:pPr>
-            <a:r>
-              <a:rPr lang="en-US" sz="1200" kern="1200" dirty="0">
-                <a:solidFill>
-                  <a:schemeClr val="tx1"/>
-                </a:solidFill>
-                <a:effectLst/>
-                <a:latin typeface="Arial" charset="0"/>
-                <a:ea typeface="+mn-ea"/>
-                <a:cs typeface="+mn-cs"/>
-              </a:rPr>
-              <a:t>product development</a:t>
-            </a:r>
-          </a:p>
-          <a:p>
-            <a:pPr marL="171450" indent="-171450">
-              <a:buFont typeface="Arial" panose="020B0604020202020204" pitchFamily="34" charset="0"/>
-              <a:buChar char="•"/>
-            </a:pPr>
-            <a:r>
-              <a:rPr lang="en-US" sz="1200" kern="1200" dirty="0">
-                <a:solidFill>
-                  <a:schemeClr val="tx1"/>
-                </a:solidFill>
-                <a:effectLst/>
-                <a:latin typeface="Arial" charset="0"/>
-                <a:ea typeface="+mn-ea"/>
-                <a:cs typeface="+mn-cs"/>
-              </a:rPr>
-              <a:t>integration</a:t>
-            </a:r>
-          </a:p>
-          <a:p>
-            <a:pPr marL="171450" indent="-171450">
-              <a:buFont typeface="Arial" panose="020B0604020202020204" pitchFamily="34" charset="0"/>
-              <a:buChar char="•"/>
-            </a:pPr>
-            <a:r>
-              <a:rPr lang="en-US" sz="1200" kern="1200" dirty="0">
-                <a:solidFill>
-                  <a:schemeClr val="tx1"/>
-                </a:solidFill>
-                <a:effectLst/>
-                <a:latin typeface="Arial" charset="0"/>
-                <a:ea typeface="+mn-ea"/>
-                <a:cs typeface="+mn-cs"/>
-              </a:rPr>
-              <a:t>Review</a:t>
-            </a:r>
-          </a:p>
-          <a:p>
-            <a:pPr marL="171450" indent="-171450">
-              <a:buFont typeface="Arial" panose="020B0604020202020204" pitchFamily="34" charset="0"/>
-              <a:buChar char="•"/>
-            </a:pPr>
-            <a:r>
-              <a:rPr lang="en-US" sz="1200" kern="1200" dirty="0">
-                <a:solidFill>
-                  <a:schemeClr val="tx1"/>
-                </a:solidFill>
-                <a:effectLst/>
-                <a:latin typeface="Arial" charset="0"/>
-                <a:ea typeface="+mn-ea"/>
-                <a:cs typeface="+mn-cs"/>
-              </a:rPr>
-              <a:t>Publication</a:t>
-            </a:r>
-          </a:p>
-          <a:p>
-            <a:pPr marL="0" indent="0">
-              <a:buFont typeface="Arial" panose="020B0604020202020204" pitchFamily="34" charset="0"/>
-              <a:buNone/>
-            </a:pPr>
-            <a:r>
-              <a:rPr lang="en-US" sz="1200" b="1" kern="1200" dirty="0">
-                <a:solidFill>
-                  <a:schemeClr val="tx1"/>
-                </a:solidFill>
-                <a:effectLst/>
-                <a:latin typeface="Arial" charset="0"/>
-                <a:ea typeface="+mn-ea"/>
-                <a:cs typeface="+mn-cs"/>
-              </a:rPr>
-              <a:t>Agile</a:t>
-            </a:r>
-            <a:r>
-              <a:rPr lang="en-US" sz="1200" b="1" kern="1200" baseline="0" dirty="0">
-                <a:solidFill>
-                  <a:schemeClr val="tx1"/>
-                </a:solidFill>
-                <a:effectLst/>
-                <a:latin typeface="Arial" charset="0"/>
-                <a:ea typeface="+mn-ea"/>
-                <a:cs typeface="+mn-cs"/>
-              </a:rPr>
-              <a:t> represents an opportunity to </a:t>
-            </a:r>
-          </a:p>
-          <a:p>
-            <a:pPr marL="171450" indent="-171450">
-              <a:buFont typeface="Arial" panose="020B0604020202020204" pitchFamily="34" charset="0"/>
-              <a:buChar char="•"/>
-            </a:pPr>
-            <a:r>
-              <a:rPr lang="en-US" sz="1200" kern="1200" baseline="0" dirty="0">
-                <a:solidFill>
-                  <a:schemeClr val="tx1"/>
-                </a:solidFill>
-                <a:effectLst/>
-                <a:latin typeface="Arial" charset="0"/>
-                <a:ea typeface="+mn-ea"/>
-                <a:cs typeface="+mn-cs"/>
-              </a:rPr>
-              <a:t>shorten the development</a:t>
-            </a:r>
-          </a:p>
-          <a:p>
-            <a:pPr marL="171450" indent="-171450">
-              <a:buFont typeface="Arial" panose="020B0604020202020204" pitchFamily="34" charset="0"/>
-              <a:buChar char="•"/>
-            </a:pPr>
-            <a:r>
-              <a:rPr lang="en-US" sz="1200" kern="1200" baseline="0" dirty="0">
-                <a:solidFill>
-                  <a:schemeClr val="tx1"/>
-                </a:solidFill>
-                <a:effectLst/>
-                <a:latin typeface="Arial" charset="0"/>
-                <a:ea typeface="+mn-ea"/>
-                <a:cs typeface="+mn-cs"/>
-              </a:rPr>
-              <a:t>Provide usable products to the user faster</a:t>
-            </a:r>
-          </a:p>
-          <a:p>
-            <a:pPr marL="0" indent="0">
-              <a:buFont typeface="Arial" panose="020B0604020202020204" pitchFamily="34" charset="0"/>
-              <a:buNone/>
-            </a:pPr>
-            <a:r>
-              <a:rPr lang="en-US" sz="1200" b="1" kern="1200" baseline="0" dirty="0">
-                <a:solidFill>
-                  <a:schemeClr val="tx1"/>
-                </a:solidFill>
-                <a:effectLst/>
-                <a:latin typeface="Arial" charset="0"/>
-                <a:ea typeface="+mn-ea"/>
-                <a:cs typeface="+mn-cs"/>
-              </a:rPr>
-              <a:t>Applicable Manifesto:</a:t>
-            </a:r>
-          </a:p>
-          <a:p>
-            <a:pPr marL="171450" indent="-171450">
-              <a:buFont typeface="Arial" panose="020B0604020202020204" pitchFamily="34" charset="0"/>
-              <a:buChar char="•"/>
-            </a:pPr>
-            <a:r>
-              <a:rPr lang="en-US" sz="1200" kern="1200" dirty="0">
-                <a:solidFill>
-                  <a:schemeClr val="tx1"/>
-                </a:solidFill>
-                <a:effectLst/>
-                <a:latin typeface="Arial" charset="0"/>
-                <a:ea typeface="+mn-ea"/>
-                <a:cs typeface="+mn-cs"/>
-              </a:rPr>
-              <a:t>“Deliver working software frequently.”</a:t>
-            </a:r>
-            <a:r>
-              <a:rPr lang="en-US" sz="1200" kern="1200" baseline="0" dirty="0">
-                <a:solidFill>
-                  <a:schemeClr val="tx1"/>
-                </a:solidFill>
-                <a:effectLst/>
-                <a:latin typeface="Arial" charset="0"/>
-                <a:ea typeface="+mn-ea"/>
-                <a:cs typeface="+mn-cs"/>
-              </a:rPr>
-              <a:t> </a:t>
-            </a:r>
-          </a:p>
-          <a:p>
-            <a:pPr marL="171450" indent="-171450">
-              <a:buFont typeface="Arial" panose="020B0604020202020204" pitchFamily="34" charset="0"/>
-              <a:buChar char="•"/>
-            </a:pPr>
-            <a:r>
-              <a:rPr lang="en-US" sz="1200" kern="1200" dirty="0">
-                <a:solidFill>
-                  <a:schemeClr val="tx1"/>
-                </a:solidFill>
-                <a:effectLst/>
-                <a:latin typeface="Arial" charset="0"/>
-                <a:ea typeface="+mn-ea"/>
-                <a:cs typeface="+mn-cs"/>
-              </a:rPr>
-              <a:t>“Working software is the primary measure of progress.“</a:t>
-            </a:r>
-          </a:p>
-          <a:p>
-            <a:pPr marL="171450" indent="-171450">
-              <a:buFont typeface="Arial" panose="020B0604020202020204" pitchFamily="34" charset="0"/>
-              <a:buChar char="•"/>
-            </a:pPr>
-            <a:r>
-              <a:rPr lang="en-US" sz="1200" kern="1200" dirty="0">
-                <a:solidFill>
-                  <a:schemeClr val="tx1"/>
-                </a:solidFill>
-                <a:effectLst/>
-                <a:latin typeface="Arial" charset="0"/>
-                <a:ea typeface="+mn-ea"/>
-                <a:cs typeface="+mn-cs"/>
-              </a:rPr>
-              <a:t>“At regular intervals, the team reflects on how to become more effective, then tunes and adjust its behavior accordingly.” </a:t>
-            </a:r>
-          </a:p>
-          <a:p>
-            <a:pPr marL="0" indent="0">
-              <a:buFont typeface="Arial" panose="020B0604020202020204" pitchFamily="34" charset="0"/>
-              <a:buNone/>
-            </a:pPr>
-            <a:endParaRPr lang="en-US" sz="1200" b="1" kern="1200" dirty="0">
-              <a:solidFill>
-                <a:schemeClr val="tx1"/>
-              </a:solidFill>
-              <a:effectLst/>
-              <a:latin typeface="Arial" charset="0"/>
-              <a:ea typeface="+mn-ea"/>
-              <a:cs typeface="+mn-cs"/>
-            </a:endParaRPr>
-          </a:p>
-          <a:p>
-            <a:pPr marL="0" indent="0">
-              <a:buFont typeface="Arial" panose="020B0604020202020204" pitchFamily="34" charset="0"/>
-              <a:buNone/>
-            </a:pPr>
-            <a:r>
-              <a:rPr lang="en-US" sz="1200" b="1" kern="1200" dirty="0">
-                <a:solidFill>
-                  <a:schemeClr val="tx1"/>
-                </a:solidFill>
-                <a:effectLst/>
-                <a:latin typeface="Arial" charset="0"/>
-                <a:ea typeface="+mn-ea"/>
-                <a:cs typeface="+mn-cs"/>
-              </a:rPr>
-              <a:t>Recently integration issues with AP242 e2 teams could have been avoided with synchronized and integrated development iterations</a:t>
-            </a:r>
-          </a:p>
-          <a:p>
-            <a:pPr marL="0" indent="0">
-              <a:buFont typeface="Arial" panose="020B0604020202020204" pitchFamily="34" charset="0"/>
-              <a:buNone/>
-            </a:pPr>
-            <a:endParaRPr lang="en-US" sz="1200" b="1" kern="1200" dirty="0">
-              <a:solidFill>
-                <a:schemeClr val="tx1"/>
-              </a:solidFill>
-              <a:effectLst/>
-              <a:latin typeface="Arial" charset="0"/>
-              <a:ea typeface="+mn-ea"/>
-              <a:cs typeface="+mn-cs"/>
-            </a:endParaRPr>
-          </a:p>
-          <a:p>
-            <a:pPr marL="0" indent="0">
-              <a:buFont typeface="Arial" panose="020B0604020202020204" pitchFamily="34" charset="0"/>
-              <a:buNone/>
-            </a:pPr>
-            <a:r>
-              <a:rPr lang="en-US" sz="1200" b="1" kern="1200" dirty="0">
-                <a:solidFill>
-                  <a:schemeClr val="tx1"/>
-                </a:solidFill>
-                <a:effectLst/>
-                <a:latin typeface="Arial" charset="0"/>
-                <a:ea typeface="+mn-ea"/>
-                <a:cs typeface="+mn-cs"/>
-              </a:rPr>
-              <a:t>employing systems thinking and applying an operating cadence and synchronization that enables all the teams to sprint together while integrating</a:t>
-            </a:r>
-            <a:endParaRPr lang="en-US" b="1" dirty="0"/>
+            <a:endParaRPr lang="en-US" dirty="0"/>
           </a:p>
         </p:txBody>
       </p:sp>
@@ -1202,7 +917,7 @@
     </p:spTree>
     <p:extLst>
       <p:ext uri="{BB962C8B-B14F-4D97-AF65-F5344CB8AC3E}">
-        <p14:creationId xmlns:p14="http://schemas.microsoft.com/office/powerpoint/2010/main" val="2493210088"/>
+        <p14:creationId xmlns:p14="http://schemas.microsoft.com/office/powerpoint/2010/main" val="2165089036"/>
       </p:ext>
     </p:extLst>
   </p:cSld>
@@ -1287,7 +1002,7 @@
     </p:spTree>
     <p:extLst>
       <p:ext uri="{BB962C8B-B14F-4D97-AF65-F5344CB8AC3E}">
-        <p14:creationId xmlns:p14="http://schemas.microsoft.com/office/powerpoint/2010/main" val="521656160"/>
+        <p14:creationId xmlns:p14="http://schemas.microsoft.com/office/powerpoint/2010/main" val="1232374971"/>
       </p:ext>
     </p:extLst>
   </p:cSld>
@@ -1364,176 +1079,6 @@
               <a:rPr lang="en-US" smtClean="0"/>
               <a:pPr/>
               <a:t>11</a:t>
-            </a:fld>
-            <a:endParaRPr lang="en-US" dirty="0"/>
-          </a:p>
-        </p:txBody>
-      </p:sp>
-    </p:spTree>
-    <p:extLst>
-      <p:ext uri="{BB962C8B-B14F-4D97-AF65-F5344CB8AC3E}">
-        <p14:creationId xmlns:p14="http://schemas.microsoft.com/office/powerpoint/2010/main" val="2165089036"/>
-      </p:ext>
-    </p:extLst>
-  </p:cSld>
-  <p:clrMapOvr>
-    <a:masterClrMapping/>
-  </p:clrMapOvr>
-</p:notes>
-</file>
-
-<file path=ppt/notesSlides/notesSlide4.xml><?xml version="1.0" encoding="utf-8"?>
-<p:notes xmlns:a="http://schemas.openxmlformats.org/drawingml/2006/main" xmlns:r="http://schemas.openxmlformats.org/officeDocument/2006/relationships" xmlns:p="http://schemas.openxmlformats.org/presentationml/2006/main">
-  <p:cSld>
-    <p:spTree>
-      <p:nvGrpSpPr>
-        <p:cNvPr id="1" name=""/>
-        <p:cNvGrpSpPr/>
-        <p:nvPr/>
-      </p:nvGrpSpPr>
-      <p:grpSpPr>
-        <a:xfrm>
-          <a:off x="0" y="0"/>
-          <a:ext cx="0" cy="0"/>
-          <a:chOff x="0" y="0"/>
-          <a:chExt cx="0" cy="0"/>
-        </a:xfrm>
-      </p:grpSpPr>
-      <p:sp>
-        <p:nvSpPr>
-          <p:cNvPr id="2" name="Slide Image Placeholder 1"/>
-          <p:cNvSpPr>
-            <a:spLocks noGrp="1" noRot="1" noChangeAspect="1"/>
-          </p:cNvSpPr>
-          <p:nvPr>
-            <p:ph type="sldImg"/>
-          </p:nvPr>
-        </p:nvSpPr>
-        <p:spPr/>
-      </p:sp>
-      <p:sp>
-        <p:nvSpPr>
-          <p:cNvPr id="3" name="Notes Placeholder 2"/>
-          <p:cNvSpPr>
-            <a:spLocks noGrp="1"/>
-          </p:cNvSpPr>
-          <p:nvPr>
-            <p:ph type="body" idx="1"/>
-          </p:nvPr>
-        </p:nvSpPr>
-        <p:spPr/>
-        <p:txBody>
-          <a:bodyPr/>
-          <a:lstStyle/>
-          <a:p>
-            <a:endParaRPr lang="en-US" dirty="0"/>
-          </a:p>
-        </p:txBody>
-      </p:sp>
-      <p:sp>
-        <p:nvSpPr>
-          <p:cNvPr id="4" name="Slide Number Placeholder 3"/>
-          <p:cNvSpPr>
-            <a:spLocks noGrp="1"/>
-          </p:cNvSpPr>
-          <p:nvPr>
-            <p:ph type="sldNum" sz="quarter" idx="10"/>
-          </p:nvPr>
-        </p:nvSpPr>
-        <p:spPr/>
-        <p:txBody>
-          <a:bodyPr/>
-          <a:lstStyle/>
-          <a:p>
-            <a:fld id="{739F009B-AA83-4291-81BE-194F11CE1901}" type="slidenum">
-              <a:rPr lang="en-US" smtClean="0"/>
-              <a:pPr/>
-              <a:t>12</a:t>
-            </a:fld>
-            <a:endParaRPr lang="en-US" dirty="0"/>
-          </a:p>
-        </p:txBody>
-      </p:sp>
-    </p:spTree>
-    <p:extLst>
-      <p:ext uri="{BB962C8B-B14F-4D97-AF65-F5344CB8AC3E}">
-        <p14:creationId xmlns:p14="http://schemas.microsoft.com/office/powerpoint/2010/main" val="1232374971"/>
-      </p:ext>
-    </p:extLst>
-  </p:cSld>
-  <p:clrMapOvr>
-    <a:masterClrMapping/>
-  </p:clrMapOvr>
-</p:notes>
-</file>
-
-<file path=ppt/notesSlides/notesSlide5.xml><?xml version="1.0" encoding="utf-8"?>
-<p:notes xmlns:a="http://schemas.openxmlformats.org/drawingml/2006/main" xmlns:r="http://schemas.openxmlformats.org/officeDocument/2006/relationships" xmlns:p="http://schemas.openxmlformats.org/presentationml/2006/main">
-  <p:cSld>
-    <p:spTree>
-      <p:nvGrpSpPr>
-        <p:cNvPr id="1" name=""/>
-        <p:cNvGrpSpPr/>
-        <p:nvPr/>
-      </p:nvGrpSpPr>
-      <p:grpSpPr>
-        <a:xfrm>
-          <a:off x="0" y="0"/>
-          <a:ext cx="0" cy="0"/>
-          <a:chOff x="0" y="0"/>
-          <a:chExt cx="0" cy="0"/>
-        </a:xfrm>
-      </p:grpSpPr>
-      <p:sp>
-        <p:nvSpPr>
-          <p:cNvPr id="2" name="Slide Image Placeholder 1"/>
-          <p:cNvSpPr>
-            <a:spLocks noGrp="1" noRot="1" noChangeAspect="1"/>
-          </p:cNvSpPr>
-          <p:nvPr>
-            <p:ph type="sldImg"/>
-          </p:nvPr>
-        </p:nvSpPr>
-        <p:spPr/>
-      </p:sp>
-      <p:sp>
-        <p:nvSpPr>
-          <p:cNvPr id="3" name="Notes Placeholder 2"/>
-          <p:cNvSpPr>
-            <a:spLocks noGrp="1"/>
-          </p:cNvSpPr>
-          <p:nvPr>
-            <p:ph type="body" idx="1"/>
-          </p:nvPr>
-        </p:nvSpPr>
-        <p:spPr/>
-        <p:txBody>
-          <a:bodyPr/>
-          <a:lstStyle/>
-          <a:p>
-            <a:endParaRPr lang="en-US" dirty="0"/>
-          </a:p>
-        </p:txBody>
-      </p:sp>
-      <p:sp>
-        <p:nvSpPr>
-          <p:cNvPr id="4" name="Slide Number Placeholder 3"/>
-          <p:cNvSpPr>
-            <a:spLocks noGrp="1"/>
-          </p:cNvSpPr>
-          <p:nvPr>
-            <p:ph type="sldNum" sz="quarter" idx="10"/>
-          </p:nvPr>
-        </p:nvSpPr>
-        <p:spPr/>
-        <p:txBody>
-          <a:bodyPr/>
-          <a:lstStyle/>
-          <a:p>
-            <a:fld id="{739F009B-AA83-4291-81BE-194F11CE1901}" type="slidenum">
-              <a:rPr lang="en-US" smtClean="0"/>
-              <a:pPr/>
-              <a:t>13</a:t>
             </a:fld>
             <a:endParaRPr lang="en-US" dirty="0"/>
           </a:p>
@@ -8914,7 +8459,7 @@
           <a:p>
             <a:r>
               <a:rPr lang="en-GB" sz="3200" dirty="0"/>
-              <a:t>Proposed Solution 3: Program Increment Planning</a:t>
+              <a:t>Continued Research 2: Advanced Communication Tools</a:t>
             </a:r>
           </a:p>
         </p:txBody>
@@ -8991,790 +8536,14 @@
       </p:sp>
       <p:sp>
         <p:nvSpPr>
-          <p:cNvPr id="12" name="Rectangle 11"/>
-          <p:cNvSpPr/>
-          <p:nvPr/>
-        </p:nvSpPr>
-        <p:spPr>
-          <a:xfrm>
-            <a:off x="2783840" y="6263640"/>
-            <a:ext cx="6797040" cy="594360"/>
-          </a:xfrm>
-          <a:prstGeom prst="rect">
-            <a:avLst/>
-          </a:prstGeom>
-          <a:solidFill>
-            <a:schemeClr val="tx1">
-              <a:lumMod val="75000"/>
-              <a:lumOff val="25000"/>
-            </a:schemeClr>
-          </a:solidFill>
-          <a:ln>
-            <a:noFill/>
-          </a:ln>
-        </p:spPr>
-        <p:style>
-          <a:lnRef idx="2">
-            <a:schemeClr val="accent1">
-              <a:shade val="50000"/>
-            </a:schemeClr>
-          </a:lnRef>
-          <a:fillRef idx="1">
-            <a:schemeClr val="accent1"/>
-          </a:fillRef>
-          <a:effectRef idx="0">
-            <a:schemeClr val="accent1"/>
-          </a:effectRef>
-          <a:fontRef idx="minor">
-            <a:schemeClr val="lt1"/>
-          </a:fontRef>
-        </p:style>
-        <p:txBody>
-          <a:bodyPr rtlCol="0" anchor="ctr"/>
-          <a:lstStyle/>
-          <a:p>
-            <a:pPr algn="ctr"/>
-            <a:endParaRPr lang="en-US"/>
-          </a:p>
-        </p:txBody>
-      </p:sp>
-      <p:sp>
-        <p:nvSpPr>
-          <p:cNvPr id="13" name="Rounded Rectangle 12"/>
-          <p:cNvSpPr/>
-          <p:nvPr/>
-        </p:nvSpPr>
-        <p:spPr>
-          <a:xfrm>
-            <a:off x="1432749" y="1450514"/>
-            <a:ext cx="4289871" cy="436567"/>
-          </a:xfrm>
-          <a:prstGeom prst="roundRect">
-            <a:avLst/>
-          </a:prstGeom>
-        </p:spPr>
-        <p:style>
-          <a:lnRef idx="2">
-            <a:schemeClr val="accent1">
-              <a:shade val="50000"/>
-            </a:schemeClr>
-          </a:lnRef>
-          <a:fillRef idx="1">
-            <a:schemeClr val="accent1"/>
-          </a:fillRef>
-          <a:effectRef idx="0">
-            <a:schemeClr val="accent1"/>
-          </a:effectRef>
-          <a:fontRef idx="minor">
-            <a:schemeClr val="lt1"/>
-          </a:fontRef>
-        </p:style>
-        <p:txBody>
-          <a:bodyPr rtlCol="0" anchor="ctr"/>
-          <a:lstStyle/>
-          <a:p>
-            <a:pPr algn="ctr"/>
-            <a:r>
-              <a:rPr lang="en-US" sz="1100" dirty="0"/>
-              <a:t>AP242e3</a:t>
-            </a:r>
-          </a:p>
-          <a:p>
-            <a:pPr algn="ctr"/>
-            <a:r>
-              <a:rPr lang="en-US" sz="1100" dirty="0">
-                <a:solidFill>
-                  <a:schemeClr val="accent3"/>
-                </a:solidFill>
-              </a:rPr>
-              <a:t>(ART/EPIC)</a:t>
-            </a:r>
-          </a:p>
-        </p:txBody>
-      </p:sp>
-      <p:sp>
-        <p:nvSpPr>
-          <p:cNvPr id="14" name="Flowchart: Delay 13"/>
-          <p:cNvSpPr/>
-          <p:nvPr/>
-        </p:nvSpPr>
-        <p:spPr>
-          <a:xfrm rot="16200000">
-            <a:off x="2103924" y="2076557"/>
-            <a:ext cx="804499" cy="842226"/>
-          </a:xfrm>
-          <a:prstGeom prst="flowChartDelay">
-            <a:avLst/>
-          </a:prstGeom>
-          <a:solidFill>
-            <a:schemeClr val="tx2">
-              <a:lumMod val="20000"/>
-              <a:lumOff val="80000"/>
-            </a:schemeClr>
-          </a:solidFill>
-          <a:ln>
-            <a:noFill/>
-          </a:ln>
-        </p:spPr>
-        <p:style>
-          <a:lnRef idx="2">
-            <a:schemeClr val="accent1">
-              <a:shade val="50000"/>
-            </a:schemeClr>
-          </a:lnRef>
-          <a:fillRef idx="1">
-            <a:schemeClr val="accent1"/>
-          </a:fillRef>
-          <a:effectRef idx="0">
-            <a:schemeClr val="accent1"/>
-          </a:effectRef>
-          <a:fontRef idx="minor">
-            <a:schemeClr val="lt1"/>
-          </a:fontRef>
-        </p:style>
-        <p:txBody>
-          <a:bodyPr rtlCol="0" anchor="ctr"/>
-          <a:lstStyle/>
-          <a:p>
-            <a:pPr algn="ctr"/>
-            <a:endParaRPr lang="en-US" sz="1100"/>
-          </a:p>
-        </p:txBody>
-      </p:sp>
-      <p:sp>
-        <p:nvSpPr>
-          <p:cNvPr id="15" name="Rectangle 14"/>
-          <p:cNvSpPr/>
-          <p:nvPr/>
-        </p:nvSpPr>
-        <p:spPr>
-          <a:xfrm>
-            <a:off x="2081767" y="2894484"/>
-            <a:ext cx="842226" cy="3177735"/>
-          </a:xfrm>
-          <a:prstGeom prst="rect">
-            <a:avLst/>
-          </a:prstGeom>
-          <a:solidFill>
-            <a:schemeClr val="tx2">
-              <a:lumMod val="20000"/>
-              <a:lumOff val="80000"/>
-            </a:schemeClr>
-          </a:solidFill>
-          <a:ln>
-            <a:noFill/>
-          </a:ln>
-        </p:spPr>
-        <p:style>
-          <a:lnRef idx="2">
-            <a:schemeClr val="accent1">
-              <a:shade val="50000"/>
-            </a:schemeClr>
-          </a:lnRef>
-          <a:fillRef idx="1">
-            <a:schemeClr val="accent1"/>
-          </a:fillRef>
-          <a:effectRef idx="0">
-            <a:schemeClr val="accent1"/>
-          </a:effectRef>
-          <a:fontRef idx="minor">
-            <a:schemeClr val="lt1"/>
-          </a:fontRef>
-        </p:style>
-        <p:txBody>
-          <a:bodyPr rtlCol="0" anchor="ctr"/>
-          <a:lstStyle/>
-          <a:p>
-            <a:pPr algn="ctr"/>
-            <a:endParaRPr lang="en-US" sz="1100"/>
-          </a:p>
-        </p:txBody>
-      </p:sp>
-      <p:sp>
-        <p:nvSpPr>
-          <p:cNvPr id="16" name="Flowchart: Delay 15"/>
-          <p:cNvSpPr/>
-          <p:nvPr/>
-        </p:nvSpPr>
-        <p:spPr>
-          <a:xfrm rot="16200000">
-            <a:off x="3040598" y="2076557"/>
-            <a:ext cx="804499" cy="842226"/>
-          </a:xfrm>
-          <a:prstGeom prst="flowChartDelay">
-            <a:avLst/>
-          </a:prstGeom>
-          <a:solidFill>
-            <a:schemeClr val="accent4">
-              <a:lumMod val="40000"/>
-              <a:lumOff val="60000"/>
-            </a:schemeClr>
-          </a:solidFill>
-          <a:ln>
-            <a:noFill/>
-          </a:ln>
-        </p:spPr>
-        <p:style>
-          <a:lnRef idx="2">
-            <a:schemeClr val="accent1">
-              <a:shade val="50000"/>
-            </a:schemeClr>
-          </a:lnRef>
-          <a:fillRef idx="1">
-            <a:schemeClr val="accent1"/>
-          </a:fillRef>
-          <a:effectRef idx="0">
-            <a:schemeClr val="accent1"/>
-          </a:effectRef>
-          <a:fontRef idx="minor">
-            <a:schemeClr val="lt1"/>
-          </a:fontRef>
-        </p:style>
-        <p:txBody>
-          <a:bodyPr rtlCol="0" anchor="ctr"/>
-          <a:lstStyle/>
-          <a:p>
-            <a:pPr algn="ctr"/>
-            <a:endParaRPr lang="en-US" sz="1100"/>
-          </a:p>
-        </p:txBody>
-      </p:sp>
-      <p:sp>
-        <p:nvSpPr>
-          <p:cNvPr id="17" name="Rectangle 16"/>
-          <p:cNvSpPr/>
-          <p:nvPr/>
-        </p:nvSpPr>
-        <p:spPr>
-          <a:xfrm>
-            <a:off x="3018438" y="2894484"/>
-            <a:ext cx="842226" cy="3177735"/>
-          </a:xfrm>
-          <a:prstGeom prst="rect">
-            <a:avLst/>
-          </a:prstGeom>
-          <a:solidFill>
-            <a:schemeClr val="accent4">
-              <a:lumMod val="40000"/>
-              <a:lumOff val="60000"/>
-            </a:schemeClr>
-          </a:solidFill>
-          <a:ln>
-            <a:noFill/>
-          </a:ln>
-        </p:spPr>
-        <p:style>
-          <a:lnRef idx="2">
-            <a:schemeClr val="accent1">
-              <a:shade val="50000"/>
-            </a:schemeClr>
-          </a:lnRef>
-          <a:fillRef idx="1">
-            <a:schemeClr val="accent1"/>
-          </a:fillRef>
-          <a:effectRef idx="0">
-            <a:schemeClr val="accent1"/>
-          </a:effectRef>
-          <a:fontRef idx="minor">
-            <a:schemeClr val="lt1"/>
-          </a:fontRef>
-        </p:style>
-        <p:txBody>
-          <a:bodyPr rtlCol="0" anchor="ctr"/>
-          <a:lstStyle/>
-          <a:p>
-            <a:pPr algn="ctr"/>
-            <a:endParaRPr lang="en-US" sz="1100"/>
-          </a:p>
-        </p:txBody>
-      </p:sp>
-      <p:sp>
-        <p:nvSpPr>
-          <p:cNvPr id="18" name="Flowchart: Delay 17"/>
-          <p:cNvSpPr/>
-          <p:nvPr/>
-        </p:nvSpPr>
-        <p:spPr>
-          <a:xfrm rot="16200000">
-            <a:off x="3973169" y="2076557"/>
-            <a:ext cx="804499" cy="842226"/>
-          </a:xfrm>
-          <a:prstGeom prst="flowChartDelay">
-            <a:avLst/>
-          </a:prstGeom>
-          <a:solidFill>
-            <a:schemeClr val="accent6">
-              <a:lumMod val="60000"/>
-              <a:lumOff val="40000"/>
-            </a:schemeClr>
-          </a:solidFill>
-          <a:ln>
-            <a:noFill/>
-          </a:ln>
-        </p:spPr>
-        <p:style>
-          <a:lnRef idx="2">
-            <a:schemeClr val="accent1">
-              <a:shade val="50000"/>
-            </a:schemeClr>
-          </a:lnRef>
-          <a:fillRef idx="1">
-            <a:schemeClr val="accent1"/>
-          </a:fillRef>
-          <a:effectRef idx="0">
-            <a:schemeClr val="accent1"/>
-          </a:effectRef>
-          <a:fontRef idx="minor">
-            <a:schemeClr val="lt1"/>
-          </a:fontRef>
-        </p:style>
-        <p:txBody>
-          <a:bodyPr rtlCol="0" anchor="ctr"/>
-          <a:lstStyle/>
-          <a:p>
-            <a:pPr algn="ctr"/>
-            <a:endParaRPr lang="en-US" sz="1100"/>
-          </a:p>
-        </p:txBody>
-      </p:sp>
-      <p:sp>
-        <p:nvSpPr>
-          <p:cNvPr id="19" name="Rectangle 18"/>
-          <p:cNvSpPr/>
-          <p:nvPr/>
-        </p:nvSpPr>
-        <p:spPr>
-          <a:xfrm>
-            <a:off x="3951009" y="2894484"/>
-            <a:ext cx="842226" cy="3177735"/>
-          </a:xfrm>
-          <a:prstGeom prst="rect">
-            <a:avLst/>
-          </a:prstGeom>
-          <a:solidFill>
-            <a:schemeClr val="accent6">
-              <a:lumMod val="60000"/>
-              <a:lumOff val="40000"/>
-            </a:schemeClr>
-          </a:solidFill>
-          <a:ln>
-            <a:noFill/>
-          </a:ln>
-        </p:spPr>
-        <p:style>
-          <a:lnRef idx="2">
-            <a:schemeClr val="accent1">
-              <a:shade val="50000"/>
-            </a:schemeClr>
-          </a:lnRef>
-          <a:fillRef idx="1">
-            <a:schemeClr val="accent1"/>
-          </a:fillRef>
-          <a:effectRef idx="0">
-            <a:schemeClr val="accent1"/>
-          </a:effectRef>
-          <a:fontRef idx="minor">
-            <a:schemeClr val="lt1"/>
-          </a:fontRef>
-        </p:style>
-        <p:txBody>
-          <a:bodyPr rtlCol="0" anchor="ctr"/>
-          <a:lstStyle/>
-          <a:p>
-            <a:pPr algn="ctr"/>
-            <a:endParaRPr lang="en-US" sz="1100"/>
-          </a:p>
-        </p:txBody>
-      </p:sp>
-      <p:sp>
-        <p:nvSpPr>
-          <p:cNvPr id="20" name="Flowchart: Delay 19"/>
-          <p:cNvSpPr/>
-          <p:nvPr/>
-        </p:nvSpPr>
-        <p:spPr>
-          <a:xfrm rot="16200000">
-            <a:off x="4872328" y="2076557"/>
-            <a:ext cx="804499" cy="842226"/>
-          </a:xfrm>
-          <a:prstGeom prst="flowChartDelay">
-            <a:avLst/>
-          </a:prstGeom>
-          <a:solidFill>
-            <a:schemeClr val="bg1">
-              <a:lumMod val="75000"/>
-            </a:schemeClr>
-          </a:solidFill>
-          <a:ln>
-            <a:noFill/>
-          </a:ln>
-        </p:spPr>
-        <p:style>
-          <a:lnRef idx="2">
-            <a:schemeClr val="accent1">
-              <a:shade val="50000"/>
-            </a:schemeClr>
-          </a:lnRef>
-          <a:fillRef idx="1">
-            <a:schemeClr val="accent1"/>
-          </a:fillRef>
-          <a:effectRef idx="0">
-            <a:schemeClr val="accent1"/>
-          </a:effectRef>
-          <a:fontRef idx="minor">
-            <a:schemeClr val="lt1"/>
-          </a:fontRef>
-        </p:style>
-        <p:txBody>
-          <a:bodyPr rtlCol="0" anchor="ctr"/>
-          <a:lstStyle/>
-          <a:p>
-            <a:pPr algn="ctr"/>
-            <a:endParaRPr lang="en-US" sz="1100"/>
-          </a:p>
-        </p:txBody>
-      </p:sp>
-      <p:sp>
-        <p:nvSpPr>
-          <p:cNvPr id="21" name="Rectangle 20"/>
-          <p:cNvSpPr/>
-          <p:nvPr/>
-        </p:nvSpPr>
-        <p:spPr>
-          <a:xfrm>
-            <a:off x="4850168" y="2894484"/>
-            <a:ext cx="842226" cy="3177735"/>
-          </a:xfrm>
-          <a:prstGeom prst="rect">
-            <a:avLst/>
-          </a:prstGeom>
-          <a:solidFill>
-            <a:schemeClr val="bg1">
-              <a:lumMod val="75000"/>
-            </a:schemeClr>
-          </a:solidFill>
-          <a:ln>
-            <a:noFill/>
-          </a:ln>
-        </p:spPr>
-        <p:style>
-          <a:lnRef idx="2">
-            <a:schemeClr val="accent1">
-              <a:shade val="50000"/>
-            </a:schemeClr>
-          </a:lnRef>
-          <a:fillRef idx="1">
-            <a:schemeClr val="accent1"/>
-          </a:fillRef>
-          <a:effectRef idx="0">
-            <a:schemeClr val="accent1"/>
-          </a:effectRef>
-          <a:fontRef idx="minor">
-            <a:schemeClr val="lt1"/>
-          </a:fontRef>
-        </p:style>
-        <p:txBody>
-          <a:bodyPr rtlCol="0" anchor="ctr"/>
-          <a:lstStyle/>
-          <a:p>
-            <a:pPr algn="ctr"/>
-            <a:endParaRPr lang="en-US" sz="1100"/>
-          </a:p>
-        </p:txBody>
-      </p:sp>
-      <p:pic>
-        <p:nvPicPr>
-          <p:cNvPr id="22" name="Content Placeholder 24"/>
-          <p:cNvPicPr>
-            <a:picLocks noGrp="1" noChangeAspect="1"/>
-          </p:cNvPicPr>
-          <p:nvPr>
-            <p:ph sz="quarter" idx="16"/>
-          </p:nvPr>
-        </p:nvPicPr>
-        <p:blipFill>
-          <a:blip r:embed="rId3" cstate="print">
-            <a:extLst>
-              <a:ext uri="{28A0092B-C50C-407E-A947-70E740481C1C}">
-                <a14:useLocalDpi xmlns:a14="http://schemas.microsoft.com/office/drawing/2010/main" val="0"/>
-              </a:ext>
-            </a:extLst>
-          </a:blip>
-          <a:stretch>
-            <a:fillRect/>
-          </a:stretch>
-        </p:blipFill>
-        <p:spPr>
-          <a:xfrm>
-            <a:off x="2217850" y="2744652"/>
-            <a:ext cx="467590" cy="564278"/>
-          </a:xfrm>
-          <a:prstGeom prst="ellipse">
-            <a:avLst/>
-          </a:prstGeom>
-          <a:ln w="6350" cap="rnd">
-            <a:solidFill>
-              <a:srgbClr val="333333"/>
-            </a:solidFill>
-          </a:ln>
-          <a:effectLst>
-            <a:outerShdw blurRad="381000" dist="292100" dir="5400000" sx="-80000" sy="-18000" rotWithShape="0">
-              <a:srgbClr val="000000">
-                <a:alpha val="22000"/>
-              </a:srgbClr>
-            </a:outerShdw>
-          </a:effectLst>
-          <a:scene3d>
-            <a:camera prst="orthographicFront"/>
-            <a:lightRig rig="contrasting" dir="t">
-              <a:rot lat="0" lon="0" rev="3000000"/>
-            </a:lightRig>
-          </a:scene3d>
-          <a:sp3d contourW="7620">
-            <a:bevelT w="95250" h="31750"/>
-            <a:contourClr>
-              <a:srgbClr val="333333"/>
-            </a:contourClr>
-          </a:sp3d>
-        </p:spPr>
-      </p:pic>
-      <p:pic>
-        <p:nvPicPr>
-          <p:cNvPr id="23" name="Picture 22"/>
-          <p:cNvPicPr>
-            <a:picLocks noChangeAspect="1"/>
-          </p:cNvPicPr>
-          <p:nvPr/>
-        </p:nvPicPr>
-        <p:blipFill>
-          <a:blip r:embed="rId4" cstate="print">
-            <a:extLst>
-              <a:ext uri="{BEBA8EAE-BF5A-486C-A8C5-ECC9F3942E4B}">
-                <a14:imgProps xmlns:a14="http://schemas.microsoft.com/office/drawing/2010/main">
-                  <a14:imgLayer r:embed="rId5">
-                    <a14:imgEffect>
-                      <a14:brightnessContrast bright="20000"/>
-                    </a14:imgEffect>
-                  </a14:imgLayer>
-                </a14:imgProps>
-              </a:ext>
-              <a:ext uri="{28A0092B-C50C-407E-A947-70E740481C1C}">
-                <a14:useLocalDpi xmlns:a14="http://schemas.microsoft.com/office/drawing/2010/main" val="0"/>
-              </a:ext>
-            </a:extLst>
-          </a:blip>
-          <a:stretch>
-            <a:fillRect/>
-          </a:stretch>
-        </p:blipFill>
-        <p:spPr>
-          <a:xfrm>
-            <a:off x="3164954" y="2743233"/>
-            <a:ext cx="491069" cy="562338"/>
-          </a:xfrm>
-          <a:prstGeom prst="ellipse">
-            <a:avLst/>
-          </a:prstGeom>
-          <a:ln w="6350" cap="rnd">
-            <a:solidFill>
-              <a:srgbClr val="333333"/>
-            </a:solidFill>
-          </a:ln>
-          <a:effectLst>
-            <a:outerShdw blurRad="381000" dist="292100" dir="5400000" sx="-80000" sy="-18000" rotWithShape="0">
-              <a:srgbClr val="000000">
-                <a:alpha val="22000"/>
-              </a:srgbClr>
-            </a:outerShdw>
-          </a:effectLst>
-          <a:scene3d>
-            <a:camera prst="orthographicFront"/>
-            <a:lightRig rig="contrasting" dir="t">
-              <a:rot lat="0" lon="0" rev="3000000"/>
-            </a:lightRig>
-          </a:scene3d>
-          <a:sp3d contourW="7620">
-            <a:bevelT w="95250" h="31750"/>
-            <a:contourClr>
-              <a:srgbClr val="333333"/>
-            </a:contourClr>
-          </a:sp3d>
-        </p:spPr>
-      </p:pic>
-      <p:pic>
-        <p:nvPicPr>
-          <p:cNvPr id="24" name="Picture 23"/>
-          <p:cNvPicPr>
-            <a:picLocks noChangeAspect="1"/>
-          </p:cNvPicPr>
-          <p:nvPr/>
-        </p:nvPicPr>
-        <p:blipFill>
-          <a:blip r:embed="rId6" cstate="print">
-            <a:lum bright="70000" contrast="-70000"/>
-            <a:extLst>
-              <a:ext uri="{28A0092B-C50C-407E-A947-70E740481C1C}">
-                <a14:useLocalDpi xmlns:a14="http://schemas.microsoft.com/office/drawing/2010/main" val="0"/>
-              </a:ext>
-            </a:extLst>
-          </a:blip>
-          <a:stretch>
-            <a:fillRect/>
-          </a:stretch>
-        </p:blipFill>
-        <p:spPr>
-          <a:xfrm>
-            <a:off x="4085833" y="2738921"/>
-            <a:ext cx="493528" cy="554927"/>
-          </a:xfrm>
-          <a:prstGeom prst="ellipse">
-            <a:avLst/>
-          </a:prstGeom>
-          <a:ln w="6350" cap="rnd">
-            <a:solidFill>
-              <a:srgbClr val="333333"/>
-            </a:solidFill>
-          </a:ln>
-          <a:effectLst>
-            <a:outerShdw blurRad="381000" dist="292100" dir="5400000" sx="-80000" sy="-18000" rotWithShape="0">
-              <a:srgbClr val="000000">
-                <a:alpha val="22000"/>
-              </a:srgbClr>
-            </a:outerShdw>
-          </a:effectLst>
-          <a:scene3d>
-            <a:camera prst="orthographicFront"/>
-            <a:lightRig rig="contrasting" dir="t">
-              <a:rot lat="0" lon="0" rev="3000000"/>
-            </a:lightRig>
-          </a:scene3d>
-          <a:sp3d contourW="7620">
-            <a:bevelT w="95250" h="31750"/>
-            <a:contourClr>
-              <a:srgbClr val="333333"/>
-            </a:contourClr>
-          </a:sp3d>
-        </p:spPr>
-      </p:pic>
-      <p:pic>
-        <p:nvPicPr>
-          <p:cNvPr id="25" name="Content Placeholder 24"/>
-          <p:cNvPicPr>
-            <a:picLocks noChangeAspect="1"/>
-          </p:cNvPicPr>
-          <p:nvPr/>
-        </p:nvPicPr>
-        <p:blipFill>
-          <a:blip r:embed="rId3" cstate="print">
-            <a:extLst>
-              <a:ext uri="{28A0092B-C50C-407E-A947-70E740481C1C}">
-                <a14:useLocalDpi xmlns:a14="http://schemas.microsoft.com/office/drawing/2010/main" val="0"/>
-              </a:ext>
-            </a:extLst>
-          </a:blip>
-          <a:stretch>
-            <a:fillRect/>
-          </a:stretch>
-        </p:blipFill>
-        <p:spPr bwMode="auto">
-          <a:xfrm>
-            <a:off x="5021423" y="2744652"/>
-            <a:ext cx="467590" cy="564278"/>
-          </a:xfrm>
-          <a:prstGeom prst="ellipse">
-            <a:avLst/>
-          </a:prstGeom>
-          <a:solidFill>
-            <a:schemeClr val="tx1">
-              <a:lumMod val="75000"/>
-              <a:lumOff val="25000"/>
-            </a:schemeClr>
-          </a:solidFill>
-          <a:ln w="6350" cap="rnd">
-            <a:solidFill>
-              <a:srgbClr val="333333"/>
-            </a:solidFill>
-            <a:miter lim="800000"/>
-            <a:headEnd/>
-            <a:tailEnd/>
-          </a:ln>
-          <a:effectLst>
-            <a:outerShdw blurRad="381000" dist="292100" dir="5400000" sx="-80000" sy="-18000" rotWithShape="0">
-              <a:srgbClr val="000000">
-                <a:alpha val="22000"/>
-              </a:srgbClr>
-            </a:outerShdw>
-          </a:effectLst>
-          <a:scene3d>
-            <a:camera prst="orthographicFront"/>
-            <a:lightRig rig="contrasting" dir="t">
-              <a:rot lat="0" lon="0" rev="3000000"/>
-            </a:lightRig>
-          </a:scene3d>
-          <a:sp3d contourW="7620">
-            <a:bevelT w="95250" h="31750"/>
-            <a:contourClr>
-              <a:srgbClr val="333333"/>
-            </a:contourClr>
-          </a:sp3d>
-        </p:spPr>
-      </p:pic>
-      <p:sp>
-        <p:nvSpPr>
-          <p:cNvPr id="26" name="Rounded Rectangle 25"/>
-          <p:cNvSpPr/>
-          <p:nvPr/>
-        </p:nvSpPr>
-        <p:spPr>
-          <a:xfrm>
-            <a:off x="1505807" y="2727468"/>
-            <a:ext cx="4262534" cy="613274"/>
-          </a:xfrm>
-          <a:prstGeom prst="roundRect">
-            <a:avLst/>
-          </a:prstGeom>
-          <a:noFill/>
-          <a:ln>
-            <a:solidFill>
-              <a:schemeClr val="tx1"/>
-            </a:solidFill>
-          </a:ln>
-        </p:spPr>
-        <p:style>
-          <a:lnRef idx="2">
-            <a:schemeClr val="accent1">
-              <a:shade val="50000"/>
-            </a:schemeClr>
-          </a:lnRef>
-          <a:fillRef idx="1">
-            <a:schemeClr val="accent1"/>
-          </a:fillRef>
-          <a:effectRef idx="0">
-            <a:schemeClr val="accent1"/>
-          </a:effectRef>
-          <a:fontRef idx="minor">
-            <a:schemeClr val="lt1"/>
-          </a:fontRef>
-        </p:style>
-        <p:txBody>
-          <a:bodyPr rtlCol="0" anchor="ctr"/>
-          <a:lstStyle/>
-          <a:p>
-            <a:pPr algn="ctr"/>
-            <a:endParaRPr lang="en-US" sz="1100"/>
-          </a:p>
-        </p:txBody>
-      </p:sp>
-      <p:sp>
-        <p:nvSpPr>
-          <p:cNvPr id="27" name="TextBox 26"/>
+          <p:cNvPr id="51" name="TextBox 50"/>
           <p:cNvSpPr txBox="1"/>
           <p:nvPr/>
         </p:nvSpPr>
         <p:spPr>
           <a:xfrm>
-            <a:off x="1485900" y="2839850"/>
-            <a:ext cx="640080" cy="415498"/>
+            <a:off x="9859106" y="1347373"/>
+            <a:ext cx="589713" cy="338554"/>
           </a:xfrm>
           <a:prstGeom prst="rect">
             <a:avLst/>
@@ -9782,2274 +8551,163 @@
           <a:noFill/>
         </p:spPr>
         <p:txBody>
-          <a:bodyPr wrap="square" rtlCol="0">
+          <a:bodyPr wrap="none" rtlCol="0">
             <a:spAutoFit/>
           </a:bodyPr>
           <a:lstStyle/>
           <a:p>
-            <a:pPr algn="ctr"/>
             <a:r>
-              <a:rPr lang="en-US" sz="1050" dirty="0"/>
-              <a:t>PMI Team</a:t>
+              <a:rPr lang="en-US" sz="1600" dirty="0">
+                <a:solidFill>
+                  <a:schemeClr val="bg1"/>
+                </a:solidFill>
+              </a:rPr>
+              <a:t>ART</a:t>
             </a:r>
           </a:p>
         </p:txBody>
       </p:sp>
       <p:sp>
         <p:nvSpPr>
-          <p:cNvPr id="28" name="Rounded Rectangle 27"/>
-          <p:cNvSpPr/>
-          <p:nvPr/>
+          <p:cNvPr id="3" name="Content Placeholder 2"/>
+          <p:cNvSpPr>
+            <a:spLocks noGrp="1"/>
+          </p:cNvSpPr>
+          <p:nvPr>
+            <p:ph sz="quarter" idx="16"/>
+          </p:nvPr>
         </p:nvSpPr>
         <p:spPr>
           <a:xfrm>
-            <a:off x="1505807" y="4087345"/>
-            <a:ext cx="4262534" cy="613274"/>
+            <a:off x="405383" y="1283208"/>
+            <a:ext cx="11311128" cy="4736681"/>
           </a:xfrm>
-          <a:prstGeom prst="roundRect">
-            <a:avLst/>
-          </a:prstGeom>
-          <a:noFill/>
-          <a:ln>
-            <a:solidFill>
-              <a:schemeClr val="tx1"/>
-            </a:solidFill>
-          </a:ln>
         </p:spPr>
-        <p:style>
-          <a:lnRef idx="2">
-            <a:schemeClr val="accent1">
-              <a:shade val="50000"/>
-            </a:schemeClr>
-          </a:lnRef>
-          <a:fillRef idx="1">
-            <a:schemeClr val="accent1"/>
-          </a:fillRef>
-          <a:effectRef idx="0">
-            <a:schemeClr val="accent1"/>
-          </a:effectRef>
-          <a:fontRef idx="minor">
-            <a:schemeClr val="lt1"/>
-          </a:fontRef>
-        </p:style>
         <p:txBody>
-          <a:bodyPr rtlCol="0" anchor="ctr"/>
+          <a:bodyPr/>
           <a:lstStyle/>
           <a:p>
-            <a:pPr algn="ctr"/>
-            <a:endParaRPr lang="en-US" sz="1100"/>
+            <a:pPr lvl="1" indent="0">
+              <a:buNone/>
+            </a:pPr>
+            <a:endParaRPr lang="en-US" sz="1400" b="0" dirty="0"/>
+          </a:p>
+          <a:p>
+            <a:pPr marL="342900" indent="-342900">
+              <a:buFont typeface="Arial" panose="020B0604020202020204" pitchFamily="34" charset="0"/>
+              <a:buChar char="•"/>
+            </a:pPr>
+            <a:r>
+              <a:rPr lang="en-US" b="0" dirty="0"/>
+              <a:t>Consensus management </a:t>
+            </a:r>
+          </a:p>
+          <a:p>
+            <a:pPr marL="631825" lvl="1" indent="-342900"/>
+            <a:r>
+              <a:rPr lang="en-US" sz="1600" b="0" dirty="0"/>
+              <a:t>STEP experts:</a:t>
+            </a:r>
+          </a:p>
+          <a:p>
+            <a:pPr marL="850900" lvl="2" indent="-342900"/>
+            <a:r>
+              <a:rPr lang="en-US" sz="1400" dirty="0"/>
+              <a:t>A</a:t>
+            </a:r>
+            <a:r>
+              <a:rPr lang="en-US" sz="1400" b="0" dirty="0"/>
+              <a:t>re geographical dispersed</a:t>
+            </a:r>
+          </a:p>
+          <a:p>
+            <a:pPr marL="850900" lvl="2" indent="-342900"/>
+            <a:r>
+              <a:rPr lang="en-US" sz="1400" dirty="0"/>
+              <a:t>Can’t always attend all the meetings</a:t>
+            </a:r>
+          </a:p>
+          <a:p>
+            <a:pPr marL="850900" lvl="2" indent="-342900"/>
+            <a:r>
+              <a:rPr lang="en-US" sz="1400" dirty="0"/>
+              <a:t>Cannot always be dedicated</a:t>
+            </a:r>
+          </a:p>
+          <a:p>
+            <a:pPr lvl="2" indent="0">
+              <a:buNone/>
+            </a:pPr>
+            <a:endParaRPr lang="en-US" sz="1600" dirty="0"/>
+          </a:p>
+          <a:p>
+            <a:pPr marL="631825" lvl="1" indent="-342900"/>
+            <a:r>
+              <a:rPr lang="en-US" sz="1600" dirty="0"/>
+              <a:t>Importance of keeping track of and documenting all the activities and decisions during the different meetings</a:t>
+            </a:r>
+          </a:p>
+          <a:p>
+            <a:pPr marL="850900" lvl="2" indent="-342900"/>
+            <a:r>
+              <a:rPr lang="en-US" sz="1400" dirty="0"/>
+              <a:t>Decisions can be achievements, new tasks, bugs, bug resolutions, requirements, assignments, …</a:t>
+            </a:r>
+          </a:p>
+          <a:p>
+            <a:pPr marL="631825" lvl="1" indent="-342900"/>
+            <a:endParaRPr lang="en-US" sz="1600" dirty="0"/>
+          </a:p>
+          <a:p>
+            <a:pPr marL="631825" lvl="1" indent="-342900"/>
+            <a:r>
+              <a:rPr lang="en-US" sz="1600" dirty="0"/>
+              <a:t>Meeting minutes are not necessarily very detailed, formalized, and accessible</a:t>
+            </a:r>
+          </a:p>
+          <a:p>
+            <a:pPr marL="850900" lvl="2" indent="-342900"/>
+            <a:r>
+              <a:rPr lang="en-US" sz="1400" dirty="0"/>
+              <a:t>Who, When, Where, What, Why, How </a:t>
+            </a:r>
+          </a:p>
+          <a:p>
+            <a:pPr marL="631825" lvl="1" indent="-342900"/>
+            <a:endParaRPr lang="en-US" sz="1600" dirty="0"/>
+          </a:p>
+          <a:p>
+            <a:pPr marL="631825" lvl="1" indent="-342900"/>
+            <a:r>
+              <a:rPr lang="en-US" sz="1600" dirty="0"/>
+              <a:t>Develop and implement a formal meeting minutes model and strategy</a:t>
+            </a:r>
+          </a:p>
+          <a:p>
+            <a:pPr marL="850900" lvl="2" indent="-342900"/>
+            <a:r>
+              <a:rPr lang="en-US" sz="1400" b="0" dirty="0"/>
+              <a:t>Easier access to the minutes</a:t>
+            </a:r>
+          </a:p>
+          <a:p>
+            <a:pPr marL="850900" lvl="2" indent="-342900"/>
+            <a:r>
+              <a:rPr lang="en-US" sz="1400" dirty="0"/>
+              <a:t>Minutes traceability to requirements and tasks</a:t>
+            </a:r>
+            <a:endParaRPr lang="en-US" sz="1200" dirty="0"/>
+          </a:p>
+          <a:p>
+            <a:pPr marL="850900" lvl="2" indent="-342900"/>
+            <a:endParaRPr lang="en-US" sz="1400" dirty="0"/>
           </a:p>
         </p:txBody>
       </p:sp>
-      <p:sp>
-        <p:nvSpPr>
-          <p:cNvPr id="29" name="TextBox 28"/>
-          <p:cNvSpPr txBox="1"/>
-          <p:nvPr/>
-        </p:nvSpPr>
-        <p:spPr>
-          <a:xfrm>
-            <a:off x="1496439" y="4184487"/>
-            <a:ext cx="629542" cy="415498"/>
-          </a:xfrm>
-          <a:prstGeom prst="rect">
-            <a:avLst/>
-          </a:prstGeom>
-          <a:noFill/>
-        </p:spPr>
-        <p:txBody>
-          <a:bodyPr wrap="square" rtlCol="0">
-            <a:spAutoFit/>
-          </a:bodyPr>
-          <a:lstStyle/>
-          <a:p>
-            <a:pPr algn="ctr"/>
-            <a:r>
-              <a:rPr lang="en-US" sz="1050" dirty="0"/>
-              <a:t>EWH </a:t>
-            </a:r>
-          </a:p>
-          <a:p>
-            <a:pPr algn="ctr"/>
-            <a:r>
-              <a:rPr lang="en-US" sz="1050" dirty="0"/>
-              <a:t>Team</a:t>
-            </a:r>
-          </a:p>
-        </p:txBody>
-      </p:sp>
-      <p:sp>
-        <p:nvSpPr>
-          <p:cNvPr id="30" name="TextBox 29"/>
-          <p:cNvSpPr txBox="1"/>
-          <p:nvPr/>
-        </p:nvSpPr>
-        <p:spPr>
-          <a:xfrm>
-            <a:off x="2087882" y="3524534"/>
-            <a:ext cx="845820" cy="230832"/>
-          </a:xfrm>
-          <a:prstGeom prst="rect">
-            <a:avLst/>
-          </a:prstGeom>
-          <a:noFill/>
-        </p:spPr>
-        <p:txBody>
-          <a:bodyPr wrap="square" rtlCol="0">
-            <a:spAutoFit/>
-          </a:bodyPr>
-          <a:lstStyle/>
-          <a:p>
-            <a:pPr algn="ctr"/>
-            <a:r>
-              <a:rPr lang="en-US" sz="900" dirty="0"/>
-              <a:t>Define</a:t>
-            </a:r>
-          </a:p>
-        </p:txBody>
-      </p:sp>
-      <p:sp>
-        <p:nvSpPr>
-          <p:cNvPr id="31" name="TextBox 30"/>
-          <p:cNvSpPr txBox="1"/>
-          <p:nvPr/>
-        </p:nvSpPr>
-        <p:spPr>
-          <a:xfrm>
-            <a:off x="3009901" y="3524534"/>
-            <a:ext cx="861060" cy="230832"/>
-          </a:xfrm>
-          <a:prstGeom prst="rect">
-            <a:avLst/>
-          </a:prstGeom>
-          <a:noFill/>
-        </p:spPr>
-        <p:txBody>
-          <a:bodyPr wrap="square" rtlCol="0">
-            <a:spAutoFit/>
-          </a:bodyPr>
-          <a:lstStyle/>
-          <a:p>
-            <a:pPr algn="ctr"/>
-            <a:r>
-              <a:rPr lang="en-US" sz="900" dirty="0"/>
-              <a:t>Build</a:t>
-            </a:r>
-          </a:p>
-        </p:txBody>
-      </p:sp>
-      <p:sp>
-        <p:nvSpPr>
-          <p:cNvPr id="32" name="TextBox 31"/>
-          <p:cNvSpPr txBox="1"/>
-          <p:nvPr/>
-        </p:nvSpPr>
-        <p:spPr>
-          <a:xfrm>
-            <a:off x="3954781" y="3524534"/>
-            <a:ext cx="838200" cy="230832"/>
-          </a:xfrm>
-          <a:prstGeom prst="rect">
-            <a:avLst/>
-          </a:prstGeom>
-          <a:noFill/>
-        </p:spPr>
-        <p:txBody>
-          <a:bodyPr wrap="square" rtlCol="0">
-            <a:spAutoFit/>
-          </a:bodyPr>
-          <a:lstStyle/>
-          <a:p>
-            <a:pPr algn="ctr"/>
-            <a:r>
-              <a:rPr lang="en-US" sz="900" dirty="0"/>
-              <a:t>Test</a:t>
-            </a:r>
-          </a:p>
-        </p:txBody>
-      </p:sp>
-      <p:sp>
-        <p:nvSpPr>
-          <p:cNvPr id="33" name="TextBox 32"/>
-          <p:cNvSpPr txBox="1"/>
-          <p:nvPr/>
-        </p:nvSpPr>
-        <p:spPr>
-          <a:xfrm>
-            <a:off x="4853940" y="3524534"/>
-            <a:ext cx="838200" cy="230832"/>
-          </a:xfrm>
-          <a:prstGeom prst="rect">
-            <a:avLst/>
-          </a:prstGeom>
-          <a:noFill/>
-        </p:spPr>
-        <p:txBody>
-          <a:bodyPr wrap="square" rtlCol="0">
-            <a:spAutoFit/>
-          </a:bodyPr>
-          <a:lstStyle/>
-          <a:p>
-            <a:pPr algn="ctr"/>
-            <a:r>
-              <a:rPr lang="en-US" sz="900" dirty="0"/>
-              <a:t>Deploy</a:t>
-            </a:r>
-          </a:p>
-        </p:txBody>
-      </p:sp>
-      <p:pic>
-        <p:nvPicPr>
-          <p:cNvPr id="34" name="Content Placeholder 24"/>
-          <p:cNvPicPr>
-            <a:picLocks noChangeAspect="1"/>
-          </p:cNvPicPr>
-          <p:nvPr/>
-        </p:nvPicPr>
-        <p:blipFill>
-          <a:blip r:embed="rId3" cstate="print">
-            <a:extLst>
-              <a:ext uri="{BEBA8EAE-BF5A-486C-A8C5-ECC9F3942E4B}">
-                <a14:imgProps xmlns:a14="http://schemas.microsoft.com/office/drawing/2010/main">
-                  <a14:imgLayer r:embed="rId7">
-                    <a14:imgEffect>
-                      <a14:brightnessContrast bright="20000" contrast="-40000"/>
-                    </a14:imgEffect>
-                  </a14:imgLayer>
-                </a14:imgProps>
-              </a:ext>
-              <a:ext uri="{28A0092B-C50C-407E-A947-70E740481C1C}">
-                <a14:useLocalDpi xmlns:a14="http://schemas.microsoft.com/office/drawing/2010/main" val="0"/>
-              </a:ext>
-            </a:extLst>
-          </a:blip>
-          <a:stretch>
-            <a:fillRect/>
-          </a:stretch>
-        </p:blipFill>
-        <p:spPr bwMode="auto">
-          <a:xfrm>
-            <a:off x="2217850" y="4104529"/>
-            <a:ext cx="467590" cy="564278"/>
-          </a:xfrm>
-          <a:prstGeom prst="ellipse">
-            <a:avLst/>
-          </a:prstGeom>
-          <a:solidFill>
-            <a:schemeClr val="tx1">
-              <a:lumMod val="75000"/>
-              <a:lumOff val="25000"/>
-            </a:schemeClr>
-          </a:solidFill>
-          <a:ln w="6350" cap="rnd">
-            <a:solidFill>
-              <a:srgbClr val="333333"/>
-            </a:solidFill>
-            <a:miter lim="800000"/>
-            <a:headEnd/>
-            <a:tailEnd/>
-          </a:ln>
-          <a:effectLst>
-            <a:outerShdw blurRad="381000" dist="292100" dir="5400000" sx="-80000" sy="-18000" rotWithShape="0">
-              <a:srgbClr val="000000">
-                <a:alpha val="22000"/>
-              </a:srgbClr>
-            </a:outerShdw>
-          </a:effectLst>
-          <a:scene3d>
-            <a:camera prst="orthographicFront"/>
-            <a:lightRig rig="contrasting" dir="t">
-              <a:rot lat="0" lon="0" rev="3000000"/>
-            </a:lightRig>
-          </a:scene3d>
-          <a:sp3d contourW="7620">
-            <a:bevelT w="95250" h="31750"/>
-            <a:contourClr>
-              <a:srgbClr val="333333"/>
-            </a:contourClr>
-          </a:sp3d>
-        </p:spPr>
-      </p:pic>
-      <p:pic>
-        <p:nvPicPr>
-          <p:cNvPr id="35" name="Picture 34"/>
-          <p:cNvPicPr>
-            <a:picLocks noChangeAspect="1"/>
-          </p:cNvPicPr>
-          <p:nvPr/>
-        </p:nvPicPr>
-        <p:blipFill>
-          <a:blip r:embed="rId4" cstate="print">
-            <a:extLst>
-              <a:ext uri="{BEBA8EAE-BF5A-486C-A8C5-ECC9F3942E4B}">
-                <a14:imgProps xmlns:a14="http://schemas.microsoft.com/office/drawing/2010/main">
-                  <a14:imgLayer r:embed="rId5">
-                    <a14:imgEffect>
-                      <a14:brightnessContrast bright="20000"/>
-                    </a14:imgEffect>
-                  </a14:imgLayer>
-                </a14:imgProps>
-              </a:ext>
-              <a:ext uri="{28A0092B-C50C-407E-A947-70E740481C1C}">
-                <a14:useLocalDpi xmlns:a14="http://schemas.microsoft.com/office/drawing/2010/main" val="0"/>
-              </a:ext>
-            </a:extLst>
-          </a:blip>
-          <a:stretch>
-            <a:fillRect/>
-          </a:stretch>
-        </p:blipFill>
-        <p:spPr>
-          <a:xfrm>
-            <a:off x="3164954" y="4103110"/>
-            <a:ext cx="491069" cy="562338"/>
-          </a:xfrm>
-          <a:prstGeom prst="ellipse">
-            <a:avLst/>
-          </a:prstGeom>
-          <a:ln w="6350" cap="rnd">
-            <a:solidFill>
-              <a:srgbClr val="333333"/>
-            </a:solidFill>
-          </a:ln>
-          <a:effectLst>
-            <a:outerShdw blurRad="381000" dist="292100" dir="5400000" sx="-80000" sy="-18000" rotWithShape="0">
-              <a:srgbClr val="000000">
-                <a:alpha val="22000"/>
-              </a:srgbClr>
-            </a:outerShdw>
-          </a:effectLst>
-          <a:scene3d>
-            <a:camera prst="orthographicFront"/>
-            <a:lightRig rig="contrasting" dir="t">
-              <a:rot lat="0" lon="0" rev="3000000"/>
-            </a:lightRig>
-          </a:scene3d>
-          <a:sp3d contourW="7620">
-            <a:bevelT w="95250" h="31750"/>
-            <a:contourClr>
-              <a:srgbClr val="333333"/>
-            </a:contourClr>
-          </a:sp3d>
-        </p:spPr>
-      </p:pic>
-      <p:pic>
-        <p:nvPicPr>
-          <p:cNvPr id="36" name="Picture 35"/>
-          <p:cNvPicPr>
-            <a:picLocks noChangeAspect="1"/>
-          </p:cNvPicPr>
-          <p:nvPr/>
-        </p:nvPicPr>
-        <p:blipFill>
-          <a:blip r:embed="rId8" cstate="print">
-            <a:lum bright="70000" contrast="-70000"/>
-            <a:extLst>
-              <a:ext uri="{BEBA8EAE-BF5A-486C-A8C5-ECC9F3942E4B}">
-                <a14:imgProps xmlns:a14="http://schemas.microsoft.com/office/drawing/2010/main">
-                  <a14:imgLayer r:embed="rId9">
-                    <a14:imgEffect>
-                      <a14:brightnessContrast bright="-20000"/>
-                    </a14:imgEffect>
-                  </a14:imgLayer>
-                </a14:imgProps>
-              </a:ext>
-              <a:ext uri="{28A0092B-C50C-407E-A947-70E740481C1C}">
-                <a14:useLocalDpi xmlns:a14="http://schemas.microsoft.com/office/drawing/2010/main" val="0"/>
-              </a:ext>
-            </a:extLst>
-          </a:blip>
-          <a:stretch>
-            <a:fillRect/>
-          </a:stretch>
-        </p:blipFill>
-        <p:spPr>
-          <a:xfrm>
-            <a:off x="4085833" y="4098798"/>
-            <a:ext cx="493528" cy="554927"/>
-          </a:xfrm>
-          <a:prstGeom prst="ellipse">
-            <a:avLst/>
-          </a:prstGeom>
-          <a:ln w="6350" cap="rnd">
-            <a:solidFill>
-              <a:srgbClr val="333333"/>
-            </a:solidFill>
-          </a:ln>
-          <a:effectLst>
-            <a:outerShdw blurRad="381000" dist="292100" dir="5400000" sx="-80000" sy="-18000" rotWithShape="0">
-              <a:srgbClr val="000000">
-                <a:alpha val="22000"/>
-              </a:srgbClr>
-            </a:outerShdw>
-          </a:effectLst>
-          <a:scene3d>
-            <a:camera prst="orthographicFront"/>
-            <a:lightRig rig="contrasting" dir="t">
-              <a:rot lat="0" lon="0" rev="3000000"/>
-            </a:lightRig>
-          </a:scene3d>
-          <a:sp3d contourW="7620">
-            <a:bevelT w="95250" h="31750"/>
-            <a:contourClr>
-              <a:srgbClr val="333333"/>
-            </a:contourClr>
-          </a:sp3d>
-        </p:spPr>
-      </p:pic>
-      <p:pic>
-        <p:nvPicPr>
-          <p:cNvPr id="37" name="Content Placeholder 24"/>
-          <p:cNvPicPr>
-            <a:picLocks noChangeAspect="1"/>
-          </p:cNvPicPr>
-          <p:nvPr/>
-        </p:nvPicPr>
-        <p:blipFill>
-          <a:blip r:embed="rId3" cstate="print">
-            <a:extLst>
-              <a:ext uri="{28A0092B-C50C-407E-A947-70E740481C1C}">
-                <a14:useLocalDpi xmlns:a14="http://schemas.microsoft.com/office/drawing/2010/main" val="0"/>
-              </a:ext>
-            </a:extLst>
-          </a:blip>
-          <a:stretch>
-            <a:fillRect/>
-          </a:stretch>
-        </p:blipFill>
-        <p:spPr bwMode="auto">
-          <a:xfrm>
-            <a:off x="5021423" y="4104529"/>
-            <a:ext cx="467590" cy="564278"/>
-          </a:xfrm>
-          <a:prstGeom prst="ellipse">
-            <a:avLst/>
-          </a:prstGeom>
-          <a:solidFill>
-            <a:schemeClr val="tx1">
-              <a:lumMod val="75000"/>
-              <a:lumOff val="25000"/>
-            </a:schemeClr>
-          </a:solidFill>
-          <a:ln w="6350" cap="rnd">
-            <a:solidFill>
-              <a:srgbClr val="333333"/>
-            </a:solidFill>
-            <a:miter lim="800000"/>
-            <a:headEnd/>
-            <a:tailEnd/>
-          </a:ln>
-          <a:effectLst>
-            <a:outerShdw blurRad="381000" dist="292100" dir="5400000" sx="-80000" sy="-18000" rotWithShape="0">
-              <a:srgbClr val="000000">
-                <a:alpha val="22000"/>
-              </a:srgbClr>
-            </a:outerShdw>
-          </a:effectLst>
-          <a:scene3d>
-            <a:camera prst="orthographicFront"/>
-            <a:lightRig rig="contrasting" dir="t">
-              <a:rot lat="0" lon="0" rev="3000000"/>
-            </a:lightRig>
-          </a:scene3d>
-          <a:sp3d contourW="7620">
-            <a:bevelT w="95250" h="31750"/>
-            <a:contourClr>
-              <a:srgbClr val="333333"/>
-            </a:contourClr>
-          </a:sp3d>
-        </p:spPr>
-      </p:pic>
-      <p:sp>
-        <p:nvSpPr>
-          <p:cNvPr id="38" name="Rounded Rectangle 37"/>
-          <p:cNvSpPr/>
-          <p:nvPr/>
-        </p:nvSpPr>
-        <p:spPr>
-          <a:xfrm>
-            <a:off x="1505807" y="5388606"/>
-            <a:ext cx="4262534" cy="613274"/>
-          </a:xfrm>
-          <a:prstGeom prst="roundRect">
-            <a:avLst/>
-          </a:prstGeom>
-          <a:noFill/>
-          <a:ln>
-            <a:solidFill>
-              <a:schemeClr val="tx1"/>
-            </a:solidFill>
-          </a:ln>
-        </p:spPr>
-        <p:style>
-          <a:lnRef idx="2">
-            <a:schemeClr val="accent1">
-              <a:shade val="50000"/>
-            </a:schemeClr>
-          </a:lnRef>
-          <a:fillRef idx="1">
-            <a:schemeClr val="accent1"/>
-          </a:fillRef>
-          <a:effectRef idx="0">
-            <a:schemeClr val="accent1"/>
-          </a:effectRef>
-          <a:fontRef idx="minor">
-            <a:schemeClr val="lt1"/>
-          </a:fontRef>
-        </p:style>
-        <p:txBody>
-          <a:bodyPr rtlCol="0" anchor="ctr"/>
-          <a:lstStyle/>
-          <a:p>
-            <a:pPr algn="ctr"/>
-            <a:endParaRPr lang="en-US" sz="1100"/>
-          </a:p>
-        </p:txBody>
-      </p:sp>
-      <p:sp>
-        <p:nvSpPr>
-          <p:cNvPr id="39" name="TextBox 38"/>
-          <p:cNvSpPr txBox="1"/>
-          <p:nvPr/>
-        </p:nvSpPr>
-        <p:spPr>
-          <a:xfrm>
-            <a:off x="1473952" y="5500988"/>
-            <a:ext cx="613928" cy="415498"/>
-          </a:xfrm>
-          <a:prstGeom prst="rect">
-            <a:avLst/>
-          </a:prstGeom>
-          <a:noFill/>
-        </p:spPr>
-        <p:txBody>
-          <a:bodyPr wrap="square" rtlCol="0">
-            <a:spAutoFit/>
-          </a:bodyPr>
-          <a:lstStyle/>
-          <a:p>
-            <a:pPr algn="ctr"/>
-            <a:r>
-              <a:rPr lang="en-US" sz="1050" dirty="0"/>
-              <a:t>AM Team</a:t>
-            </a:r>
-          </a:p>
-        </p:txBody>
-      </p:sp>
-      <p:pic>
-        <p:nvPicPr>
-          <p:cNvPr id="40" name="Content Placeholder 24"/>
-          <p:cNvPicPr>
-            <a:picLocks noChangeAspect="1"/>
-          </p:cNvPicPr>
-          <p:nvPr/>
-        </p:nvPicPr>
-        <p:blipFill>
-          <a:blip r:embed="rId3" cstate="print">
-            <a:extLst>
-              <a:ext uri="{28A0092B-C50C-407E-A947-70E740481C1C}">
-                <a14:useLocalDpi xmlns:a14="http://schemas.microsoft.com/office/drawing/2010/main" val="0"/>
-              </a:ext>
-            </a:extLst>
-          </a:blip>
-          <a:stretch>
-            <a:fillRect/>
-          </a:stretch>
-        </p:blipFill>
-        <p:spPr bwMode="auto">
-          <a:xfrm>
-            <a:off x="2217850" y="5405790"/>
-            <a:ext cx="467590" cy="564278"/>
-          </a:xfrm>
-          <a:prstGeom prst="ellipse">
-            <a:avLst/>
-          </a:prstGeom>
-          <a:solidFill>
-            <a:schemeClr val="tx1">
-              <a:lumMod val="75000"/>
-              <a:lumOff val="25000"/>
-            </a:schemeClr>
-          </a:solidFill>
-          <a:ln w="6350" cap="rnd">
-            <a:solidFill>
-              <a:srgbClr val="333333"/>
-            </a:solidFill>
-            <a:miter lim="800000"/>
-            <a:headEnd/>
-            <a:tailEnd/>
-          </a:ln>
-          <a:effectLst>
-            <a:outerShdw blurRad="381000" dist="292100" dir="5400000" sx="-80000" sy="-18000" rotWithShape="0">
-              <a:srgbClr val="000000">
-                <a:alpha val="22000"/>
-              </a:srgbClr>
-            </a:outerShdw>
-          </a:effectLst>
-          <a:scene3d>
-            <a:camera prst="orthographicFront"/>
-            <a:lightRig rig="contrasting" dir="t">
-              <a:rot lat="0" lon="0" rev="3000000"/>
-            </a:lightRig>
-          </a:scene3d>
-          <a:sp3d contourW="7620">
-            <a:bevelT w="95250" h="31750"/>
-            <a:contourClr>
-              <a:srgbClr val="333333"/>
-            </a:contourClr>
-          </a:sp3d>
-        </p:spPr>
-      </p:pic>
-      <p:pic>
-        <p:nvPicPr>
-          <p:cNvPr id="41" name="Picture 40"/>
-          <p:cNvPicPr>
-            <a:picLocks noChangeAspect="1"/>
-          </p:cNvPicPr>
-          <p:nvPr/>
-        </p:nvPicPr>
-        <p:blipFill>
-          <a:blip r:embed="rId4" cstate="print">
-            <a:extLst>
-              <a:ext uri="{BEBA8EAE-BF5A-486C-A8C5-ECC9F3942E4B}">
-                <a14:imgProps xmlns:a14="http://schemas.microsoft.com/office/drawing/2010/main">
-                  <a14:imgLayer r:embed="rId5">
-                    <a14:imgEffect>
-                      <a14:brightnessContrast bright="20000"/>
-                    </a14:imgEffect>
-                  </a14:imgLayer>
-                </a14:imgProps>
-              </a:ext>
-              <a:ext uri="{28A0092B-C50C-407E-A947-70E740481C1C}">
-                <a14:useLocalDpi xmlns:a14="http://schemas.microsoft.com/office/drawing/2010/main" val="0"/>
-              </a:ext>
-            </a:extLst>
-          </a:blip>
-          <a:stretch>
-            <a:fillRect/>
-          </a:stretch>
-        </p:blipFill>
-        <p:spPr>
-          <a:xfrm>
-            <a:off x="3164954" y="5404371"/>
-            <a:ext cx="491069" cy="562338"/>
-          </a:xfrm>
-          <a:prstGeom prst="ellipse">
-            <a:avLst/>
-          </a:prstGeom>
-          <a:ln w="6350" cap="rnd">
-            <a:solidFill>
-              <a:srgbClr val="333333"/>
-            </a:solidFill>
-          </a:ln>
-          <a:effectLst>
-            <a:outerShdw blurRad="381000" dist="292100" dir="5400000" sx="-80000" sy="-18000" rotWithShape="0">
-              <a:srgbClr val="000000">
-                <a:alpha val="22000"/>
-              </a:srgbClr>
-            </a:outerShdw>
-          </a:effectLst>
-          <a:scene3d>
-            <a:camera prst="orthographicFront"/>
-            <a:lightRig rig="contrasting" dir="t">
-              <a:rot lat="0" lon="0" rev="3000000"/>
-            </a:lightRig>
-          </a:scene3d>
-          <a:sp3d contourW="7620">
-            <a:bevelT w="95250" h="31750"/>
-            <a:contourClr>
-              <a:srgbClr val="333333"/>
-            </a:contourClr>
-          </a:sp3d>
-        </p:spPr>
-      </p:pic>
-      <p:pic>
-        <p:nvPicPr>
-          <p:cNvPr id="42" name="Picture 41"/>
-          <p:cNvPicPr>
-            <a:picLocks noChangeAspect="1"/>
-          </p:cNvPicPr>
-          <p:nvPr/>
-        </p:nvPicPr>
-        <p:blipFill>
-          <a:blip r:embed="rId6" cstate="print">
-            <a:lum bright="70000" contrast="-70000"/>
-            <a:extLst>
-              <a:ext uri="{28A0092B-C50C-407E-A947-70E740481C1C}">
-                <a14:useLocalDpi xmlns:a14="http://schemas.microsoft.com/office/drawing/2010/main" val="0"/>
-              </a:ext>
-            </a:extLst>
-          </a:blip>
-          <a:stretch>
-            <a:fillRect/>
-          </a:stretch>
-        </p:blipFill>
-        <p:spPr>
-          <a:xfrm>
-            <a:off x="4085833" y="5400059"/>
-            <a:ext cx="493528" cy="554927"/>
-          </a:xfrm>
-          <a:prstGeom prst="ellipse">
-            <a:avLst/>
-          </a:prstGeom>
-          <a:ln w="6350" cap="rnd">
-            <a:solidFill>
-              <a:srgbClr val="333333"/>
-            </a:solidFill>
-          </a:ln>
-          <a:effectLst>
-            <a:outerShdw blurRad="381000" dist="292100" dir="5400000" sx="-80000" sy="-18000" rotWithShape="0">
-              <a:srgbClr val="000000">
-                <a:alpha val="22000"/>
-              </a:srgbClr>
-            </a:outerShdw>
-          </a:effectLst>
-          <a:scene3d>
-            <a:camera prst="orthographicFront"/>
-            <a:lightRig rig="contrasting" dir="t">
-              <a:rot lat="0" lon="0" rev="3000000"/>
-            </a:lightRig>
-          </a:scene3d>
-          <a:sp3d contourW="7620">
-            <a:bevelT w="95250" h="31750"/>
-            <a:contourClr>
-              <a:srgbClr val="333333"/>
-            </a:contourClr>
-          </a:sp3d>
-        </p:spPr>
-      </p:pic>
-      <p:pic>
-        <p:nvPicPr>
-          <p:cNvPr id="43" name="Content Placeholder 24"/>
-          <p:cNvPicPr>
-            <a:picLocks noChangeAspect="1"/>
-          </p:cNvPicPr>
-          <p:nvPr/>
-        </p:nvPicPr>
-        <p:blipFill>
-          <a:blip r:embed="rId3" cstate="print">
-            <a:extLst>
-              <a:ext uri="{28A0092B-C50C-407E-A947-70E740481C1C}">
-                <a14:useLocalDpi xmlns:a14="http://schemas.microsoft.com/office/drawing/2010/main" val="0"/>
-              </a:ext>
-            </a:extLst>
-          </a:blip>
-          <a:stretch>
-            <a:fillRect/>
-          </a:stretch>
-        </p:blipFill>
-        <p:spPr bwMode="auto">
-          <a:xfrm>
-            <a:off x="5021423" y="5405790"/>
-            <a:ext cx="467590" cy="564278"/>
-          </a:xfrm>
-          <a:prstGeom prst="ellipse">
-            <a:avLst/>
-          </a:prstGeom>
-          <a:solidFill>
-            <a:schemeClr val="tx1">
-              <a:lumMod val="75000"/>
-              <a:lumOff val="25000"/>
-            </a:schemeClr>
-          </a:solidFill>
-          <a:ln w="6350" cap="rnd">
-            <a:solidFill>
-              <a:srgbClr val="333333"/>
-            </a:solidFill>
-            <a:miter lim="800000"/>
-            <a:headEnd/>
-            <a:tailEnd/>
-          </a:ln>
-          <a:effectLst>
-            <a:outerShdw blurRad="381000" dist="292100" dir="5400000" sx="-80000" sy="-18000" rotWithShape="0">
-              <a:srgbClr val="000000">
-                <a:alpha val="22000"/>
-              </a:srgbClr>
-            </a:outerShdw>
-          </a:effectLst>
-          <a:scene3d>
-            <a:camera prst="orthographicFront"/>
-            <a:lightRig rig="contrasting" dir="t">
-              <a:rot lat="0" lon="0" rev="3000000"/>
-            </a:lightRig>
-          </a:scene3d>
-          <a:sp3d contourW="7620">
-            <a:bevelT w="95250" h="31750"/>
-            <a:contourClr>
-              <a:srgbClr val="333333"/>
-            </a:contourClr>
-          </a:sp3d>
-        </p:spPr>
-      </p:pic>
-      <p:sp>
-        <p:nvSpPr>
-          <p:cNvPr id="44" name="TextBox 43"/>
-          <p:cNvSpPr txBox="1"/>
-          <p:nvPr/>
-        </p:nvSpPr>
-        <p:spPr>
-          <a:xfrm>
-            <a:off x="2080262" y="4837518"/>
-            <a:ext cx="845820" cy="230832"/>
-          </a:xfrm>
-          <a:prstGeom prst="rect">
-            <a:avLst/>
-          </a:prstGeom>
-          <a:noFill/>
-        </p:spPr>
-        <p:txBody>
-          <a:bodyPr wrap="square" rtlCol="0">
-            <a:spAutoFit/>
-          </a:bodyPr>
-          <a:lstStyle/>
-          <a:p>
-            <a:pPr algn="ctr"/>
-            <a:r>
-              <a:rPr lang="en-US" sz="900" dirty="0"/>
-              <a:t>Define</a:t>
-            </a:r>
-          </a:p>
-        </p:txBody>
-      </p:sp>
-      <p:sp>
-        <p:nvSpPr>
-          <p:cNvPr id="45" name="TextBox 44"/>
-          <p:cNvSpPr txBox="1"/>
-          <p:nvPr/>
-        </p:nvSpPr>
-        <p:spPr>
-          <a:xfrm>
-            <a:off x="3017521" y="4837518"/>
-            <a:ext cx="861060" cy="230832"/>
-          </a:xfrm>
-          <a:prstGeom prst="rect">
-            <a:avLst/>
-          </a:prstGeom>
-          <a:noFill/>
-        </p:spPr>
-        <p:txBody>
-          <a:bodyPr wrap="square" rtlCol="0">
-            <a:spAutoFit/>
-          </a:bodyPr>
-          <a:lstStyle/>
-          <a:p>
-            <a:pPr algn="ctr"/>
-            <a:r>
-              <a:rPr lang="en-US" sz="900" dirty="0"/>
-              <a:t>Build</a:t>
-            </a:r>
-          </a:p>
-        </p:txBody>
-      </p:sp>
-      <p:sp>
-        <p:nvSpPr>
-          <p:cNvPr id="46" name="TextBox 45"/>
-          <p:cNvSpPr txBox="1"/>
-          <p:nvPr/>
-        </p:nvSpPr>
-        <p:spPr>
-          <a:xfrm>
-            <a:off x="3947161" y="4837518"/>
-            <a:ext cx="853440" cy="230832"/>
-          </a:xfrm>
-          <a:prstGeom prst="rect">
-            <a:avLst/>
-          </a:prstGeom>
-          <a:noFill/>
-        </p:spPr>
-        <p:txBody>
-          <a:bodyPr wrap="square" rtlCol="0">
-            <a:spAutoFit/>
-          </a:bodyPr>
-          <a:lstStyle/>
-          <a:p>
-            <a:pPr algn="ctr"/>
-            <a:r>
-              <a:rPr lang="en-US" sz="900" dirty="0"/>
-              <a:t>Test</a:t>
-            </a:r>
-          </a:p>
-        </p:txBody>
-      </p:sp>
-      <p:sp>
-        <p:nvSpPr>
-          <p:cNvPr id="47" name="TextBox 46"/>
-          <p:cNvSpPr txBox="1"/>
-          <p:nvPr/>
-        </p:nvSpPr>
-        <p:spPr>
-          <a:xfrm>
-            <a:off x="4861560" y="4837518"/>
-            <a:ext cx="838200" cy="230832"/>
-          </a:xfrm>
-          <a:prstGeom prst="rect">
-            <a:avLst/>
-          </a:prstGeom>
-          <a:noFill/>
-        </p:spPr>
-        <p:txBody>
-          <a:bodyPr wrap="square" rtlCol="0">
-            <a:spAutoFit/>
-          </a:bodyPr>
-          <a:lstStyle/>
-          <a:p>
-            <a:pPr algn="ctr"/>
-            <a:r>
-              <a:rPr lang="en-US" sz="900" dirty="0"/>
-              <a:t>Deploy</a:t>
-            </a:r>
-          </a:p>
-        </p:txBody>
-      </p:sp>
-      <p:sp>
-        <p:nvSpPr>
-          <p:cNvPr id="48" name="TextBox 47"/>
-          <p:cNvSpPr txBox="1"/>
-          <p:nvPr/>
-        </p:nvSpPr>
-        <p:spPr>
-          <a:xfrm>
-            <a:off x="2049780" y="6604084"/>
-            <a:ext cx="3718560" cy="253916"/>
-          </a:xfrm>
-          <a:prstGeom prst="rect">
-            <a:avLst/>
-          </a:prstGeom>
-          <a:noFill/>
-        </p:spPr>
-        <p:txBody>
-          <a:bodyPr wrap="square" rtlCol="0">
-            <a:spAutoFit/>
-          </a:bodyPr>
-          <a:lstStyle/>
-          <a:p>
-            <a:pPr algn="ctr"/>
-            <a:r>
-              <a:rPr lang="en-US" sz="1050" dirty="0">
-                <a:solidFill>
-                  <a:schemeClr val="bg1"/>
-                </a:solidFill>
-              </a:rPr>
-              <a:t>Scrum Master     </a:t>
-            </a:r>
-            <a:r>
-              <a:rPr lang="en-US" sz="1050" dirty="0">
-                <a:solidFill>
-                  <a:schemeClr val="accent3"/>
-                </a:solidFill>
-              </a:rPr>
-              <a:t>Product Owner     </a:t>
-            </a:r>
-            <a:r>
-              <a:rPr lang="en-US" sz="1050" dirty="0">
-                <a:solidFill>
-                  <a:schemeClr val="bg1"/>
-                </a:solidFill>
-              </a:rPr>
-              <a:t>Development Team</a:t>
-            </a:r>
-          </a:p>
-        </p:txBody>
-      </p:sp>
-      <p:cxnSp>
-        <p:nvCxnSpPr>
-          <p:cNvPr id="49" name="Straight Arrow Connector 48"/>
-          <p:cNvCxnSpPr>
-            <a:stCxn id="48" idx="0"/>
-            <a:endCxn id="40" idx="4"/>
-          </p:cNvCxnSpPr>
-          <p:nvPr/>
-        </p:nvCxnSpPr>
-        <p:spPr>
-          <a:xfrm flipH="1" flipV="1">
-            <a:off x="2451645" y="5970068"/>
-            <a:ext cx="1457415" cy="634016"/>
-          </a:xfrm>
-          <a:prstGeom prst="straightConnector1">
-            <a:avLst/>
-          </a:prstGeom>
-          <a:ln w="28575">
-            <a:solidFill>
-              <a:schemeClr val="bg1"/>
-            </a:solidFill>
-            <a:tailEnd type="triangle"/>
-          </a:ln>
-        </p:spPr>
-        <p:style>
-          <a:lnRef idx="1">
-            <a:schemeClr val="accent1"/>
-          </a:lnRef>
-          <a:fillRef idx="0">
-            <a:schemeClr val="accent1"/>
-          </a:fillRef>
-          <a:effectRef idx="0">
-            <a:schemeClr val="accent1"/>
-          </a:effectRef>
-          <a:fontRef idx="minor">
-            <a:schemeClr val="tx1"/>
-          </a:fontRef>
-        </p:style>
-      </p:cxnSp>
-      <p:cxnSp>
-        <p:nvCxnSpPr>
-          <p:cNvPr id="50" name="Straight Arrow Connector 49"/>
-          <p:cNvCxnSpPr>
-            <a:stCxn id="48" idx="0"/>
-          </p:cNvCxnSpPr>
-          <p:nvPr/>
-        </p:nvCxnSpPr>
-        <p:spPr>
-          <a:xfrm flipV="1">
-            <a:off x="3909060" y="6012180"/>
-            <a:ext cx="0" cy="591904"/>
-          </a:xfrm>
-          <a:prstGeom prst="straightConnector1">
-            <a:avLst/>
-          </a:prstGeom>
-          <a:ln w="28575">
-            <a:solidFill>
-              <a:schemeClr val="bg1"/>
-            </a:solidFill>
-            <a:tailEnd type="triangle"/>
-          </a:ln>
-        </p:spPr>
-        <p:style>
-          <a:lnRef idx="1">
-            <a:schemeClr val="accent1"/>
-          </a:lnRef>
-          <a:fillRef idx="0">
-            <a:schemeClr val="accent1"/>
-          </a:fillRef>
-          <a:effectRef idx="0">
-            <a:schemeClr val="accent1"/>
-          </a:effectRef>
-          <a:fontRef idx="minor">
-            <a:schemeClr val="tx1"/>
-          </a:fontRef>
-        </p:style>
-      </p:cxnSp>
-      <p:cxnSp>
-        <p:nvCxnSpPr>
-          <p:cNvPr id="52" name="Straight Arrow Connector 51"/>
-          <p:cNvCxnSpPr>
-            <a:stCxn id="48" idx="0"/>
-            <a:endCxn id="43" idx="4"/>
-          </p:cNvCxnSpPr>
-          <p:nvPr/>
-        </p:nvCxnSpPr>
-        <p:spPr>
-          <a:xfrm flipV="1">
-            <a:off x="3909060" y="5970068"/>
-            <a:ext cx="1346158" cy="634016"/>
-          </a:xfrm>
-          <a:prstGeom prst="straightConnector1">
-            <a:avLst/>
-          </a:prstGeom>
-          <a:ln w="28575">
-            <a:solidFill>
-              <a:schemeClr val="bg1"/>
-            </a:solidFill>
-            <a:tailEnd type="triangle"/>
-          </a:ln>
-        </p:spPr>
-        <p:style>
-          <a:lnRef idx="1">
-            <a:schemeClr val="accent1"/>
-          </a:lnRef>
-          <a:fillRef idx="0">
-            <a:schemeClr val="accent1"/>
-          </a:fillRef>
-          <a:effectRef idx="0">
-            <a:schemeClr val="accent1"/>
-          </a:effectRef>
-          <a:fontRef idx="minor">
-            <a:schemeClr val="tx1"/>
-          </a:fontRef>
-        </p:style>
-      </p:cxnSp>
-      <p:sp>
-        <p:nvSpPr>
-          <p:cNvPr id="53" name="Rounded Rectangle 52"/>
-          <p:cNvSpPr/>
-          <p:nvPr/>
-        </p:nvSpPr>
-        <p:spPr>
-          <a:xfrm>
-            <a:off x="1485900" y="2453640"/>
-            <a:ext cx="647700" cy="3733800"/>
-          </a:xfrm>
-          <a:prstGeom prst="roundRect">
-            <a:avLst/>
-          </a:prstGeom>
-          <a:noFill/>
-          <a:ln>
-            <a:solidFill>
-              <a:schemeClr val="bg1"/>
-            </a:solidFill>
-            <a:prstDash val="dash"/>
-          </a:ln>
-        </p:spPr>
-        <p:style>
-          <a:lnRef idx="2">
-            <a:schemeClr val="accent1">
-              <a:shade val="50000"/>
-            </a:schemeClr>
-          </a:lnRef>
-          <a:fillRef idx="1">
-            <a:schemeClr val="accent1"/>
-          </a:fillRef>
-          <a:effectRef idx="0">
-            <a:schemeClr val="accent1"/>
-          </a:effectRef>
-          <a:fontRef idx="minor">
-            <a:schemeClr val="lt1"/>
-          </a:fontRef>
-        </p:style>
-        <p:txBody>
-          <a:bodyPr rtlCol="0" anchor="ctr"/>
-          <a:lstStyle/>
-          <a:p>
-            <a:pPr algn="ctr"/>
-            <a:endParaRPr lang="en-US"/>
-          </a:p>
-        </p:txBody>
-      </p:sp>
-      <p:sp>
-        <p:nvSpPr>
-          <p:cNvPr id="54" name="TextBox 53"/>
-          <p:cNvSpPr txBox="1"/>
-          <p:nvPr/>
-        </p:nvSpPr>
-        <p:spPr>
-          <a:xfrm>
-            <a:off x="1348740" y="6450122"/>
-            <a:ext cx="914400" cy="415498"/>
-          </a:xfrm>
-          <a:prstGeom prst="rect">
-            <a:avLst/>
-          </a:prstGeom>
-          <a:noFill/>
-        </p:spPr>
-        <p:txBody>
-          <a:bodyPr wrap="square" rtlCol="0">
-            <a:spAutoFit/>
-          </a:bodyPr>
-          <a:lstStyle/>
-          <a:p>
-            <a:pPr algn="ctr"/>
-            <a:r>
-              <a:rPr lang="en-US" sz="1050" dirty="0">
-                <a:solidFill>
-                  <a:schemeClr val="accent3"/>
-                </a:solidFill>
-              </a:rPr>
-              <a:t>Agile Teams</a:t>
-            </a:r>
-          </a:p>
-        </p:txBody>
-      </p:sp>
-      <p:cxnSp>
-        <p:nvCxnSpPr>
-          <p:cNvPr id="55" name="Straight Arrow Connector 54"/>
-          <p:cNvCxnSpPr>
-            <a:stCxn id="54" idx="0"/>
-            <a:endCxn id="53" idx="2"/>
-          </p:cNvCxnSpPr>
-          <p:nvPr/>
-        </p:nvCxnSpPr>
-        <p:spPr>
-          <a:xfrm flipV="1">
-            <a:off x="1805940" y="6187440"/>
-            <a:ext cx="3810" cy="262682"/>
-          </a:xfrm>
-          <a:prstGeom prst="straightConnector1">
-            <a:avLst/>
-          </a:prstGeom>
-          <a:ln w="28575">
-            <a:solidFill>
-              <a:schemeClr val="bg1"/>
-            </a:solidFill>
-            <a:tailEnd type="triangle"/>
-          </a:ln>
-        </p:spPr>
-        <p:style>
-          <a:lnRef idx="1">
-            <a:schemeClr val="accent1"/>
-          </a:lnRef>
-          <a:fillRef idx="0">
-            <a:schemeClr val="accent1"/>
-          </a:fillRef>
-          <a:effectRef idx="0">
-            <a:schemeClr val="accent1"/>
-          </a:effectRef>
-          <a:fontRef idx="minor">
-            <a:schemeClr val="tx1"/>
-          </a:fontRef>
-        </p:style>
-      </p:cxnSp>
-      <p:cxnSp>
-        <p:nvCxnSpPr>
-          <p:cNvPr id="61" name="Straight Arrow Connector 60"/>
-          <p:cNvCxnSpPr>
-            <a:stCxn id="26" idx="3"/>
-            <a:endCxn id="63" idx="1"/>
-          </p:cNvCxnSpPr>
-          <p:nvPr/>
-        </p:nvCxnSpPr>
-        <p:spPr>
-          <a:xfrm>
-            <a:off x="5768341" y="3034105"/>
-            <a:ext cx="861059" cy="13895"/>
-          </a:xfrm>
-          <a:prstGeom prst="straightConnector1">
-            <a:avLst/>
-          </a:prstGeom>
-          <a:ln w="19050">
-            <a:solidFill>
-              <a:schemeClr val="tx1"/>
-            </a:solidFill>
-            <a:tailEnd type="triangle"/>
-          </a:ln>
-        </p:spPr>
-        <p:style>
-          <a:lnRef idx="1">
-            <a:schemeClr val="accent1"/>
-          </a:lnRef>
-          <a:fillRef idx="0">
-            <a:schemeClr val="accent1"/>
-          </a:fillRef>
-          <a:effectRef idx="0">
-            <a:schemeClr val="accent1"/>
-          </a:effectRef>
-          <a:fontRef idx="minor">
-            <a:schemeClr val="tx1"/>
-          </a:fontRef>
-        </p:style>
-      </p:cxnSp>
-      <p:grpSp>
-        <p:nvGrpSpPr>
-          <p:cNvPr id="62" name="Group 61"/>
-          <p:cNvGrpSpPr/>
-          <p:nvPr/>
-        </p:nvGrpSpPr>
-        <p:grpSpPr>
-          <a:xfrm>
-            <a:off x="6629400" y="2072640"/>
-            <a:ext cx="3794760" cy="1950720"/>
-            <a:chOff x="5212080" y="2072640"/>
-            <a:chExt cx="3794760" cy="1950720"/>
-          </a:xfrm>
-        </p:grpSpPr>
-        <p:sp>
-          <p:nvSpPr>
-            <p:cNvPr id="63" name="Rounded Rectangle 62"/>
-            <p:cNvSpPr/>
-            <p:nvPr/>
-          </p:nvSpPr>
-          <p:spPr>
-            <a:xfrm>
-              <a:off x="5212080" y="2072640"/>
-              <a:ext cx="3794760" cy="1950720"/>
-            </a:xfrm>
-            <a:prstGeom prst="roundRect">
-              <a:avLst/>
-            </a:prstGeom>
-            <a:solidFill>
-              <a:srgbClr val="FBDE81"/>
-            </a:solidFill>
-            <a:ln>
-              <a:solidFill>
-                <a:schemeClr val="tx1"/>
-              </a:solidFill>
-            </a:ln>
-          </p:spPr>
-          <p:style>
-            <a:lnRef idx="2">
-              <a:schemeClr val="accent1">
-                <a:shade val="50000"/>
-              </a:schemeClr>
-            </a:lnRef>
-            <a:fillRef idx="1">
-              <a:schemeClr val="accent1"/>
-            </a:fillRef>
-            <a:effectRef idx="0">
-              <a:schemeClr val="accent1"/>
-            </a:effectRef>
-            <a:fontRef idx="minor">
-              <a:schemeClr val="lt1"/>
-            </a:fontRef>
-          </p:style>
-          <p:txBody>
-            <a:bodyPr rtlCol="0" anchor="t"/>
-            <a:lstStyle/>
-            <a:p>
-              <a:pPr algn="ctr"/>
-              <a:r>
-                <a:rPr lang="en-US" sz="1100" dirty="0">
-                  <a:solidFill>
-                    <a:schemeClr val="tx1"/>
-                  </a:solidFill>
-                </a:rPr>
-                <a:t>Hole &amp; Fastener Extension</a:t>
-              </a:r>
-            </a:p>
-            <a:p>
-              <a:pPr algn="ctr"/>
-              <a:r>
-                <a:rPr lang="en-US" sz="1100" dirty="0">
-                  <a:solidFill>
-                    <a:schemeClr val="tx1"/>
-                  </a:solidFill>
-                </a:rPr>
-                <a:t>(Features, Improvements, Tasks)</a:t>
-              </a:r>
-            </a:p>
-            <a:p>
-              <a:pPr algn="ctr"/>
-              <a:endParaRPr lang="en-US" sz="1100" dirty="0">
-                <a:solidFill>
-                  <a:schemeClr val="tx1"/>
-                </a:solidFill>
-              </a:endParaRPr>
-            </a:p>
-          </p:txBody>
-        </p:sp>
-        <p:sp>
-          <p:nvSpPr>
-            <p:cNvPr id="64" name="Flowchart: Multidocument 63"/>
-            <p:cNvSpPr/>
-            <p:nvPr/>
-          </p:nvSpPr>
-          <p:spPr>
-            <a:xfrm>
-              <a:off x="5433060" y="2994660"/>
-              <a:ext cx="822960" cy="758952"/>
-            </a:xfrm>
-            <a:prstGeom prst="flowChartMultidocument">
-              <a:avLst/>
-            </a:prstGeom>
-            <a:solidFill>
-              <a:srgbClr val="97C5EB"/>
-            </a:solidFill>
-            <a:ln>
-              <a:solidFill>
-                <a:schemeClr val="tx1"/>
-              </a:solidFill>
-            </a:ln>
-          </p:spPr>
-          <p:style>
-            <a:lnRef idx="2">
-              <a:schemeClr val="accent1">
-                <a:shade val="50000"/>
-              </a:schemeClr>
-            </a:lnRef>
-            <a:fillRef idx="1">
-              <a:schemeClr val="accent1"/>
-            </a:fillRef>
-            <a:effectRef idx="0">
-              <a:schemeClr val="accent1"/>
-            </a:effectRef>
-            <a:fontRef idx="minor">
-              <a:schemeClr val="lt1"/>
-            </a:fontRef>
-          </p:style>
-          <p:txBody>
-            <a:bodyPr rtlCol="0" anchor="ctr"/>
-            <a:lstStyle/>
-            <a:p>
-              <a:pPr algn="ctr"/>
-              <a:r>
-                <a:rPr lang="en-US" sz="800" dirty="0">
-                  <a:solidFill>
-                    <a:schemeClr val="tx1"/>
-                  </a:solidFill>
-                </a:rPr>
-                <a:t>Implicit Holes</a:t>
-              </a:r>
-            </a:p>
-          </p:txBody>
-        </p:sp>
-        <p:sp>
-          <p:nvSpPr>
-            <p:cNvPr id="65" name="Flowchart: Multidocument 64"/>
-            <p:cNvSpPr/>
-            <p:nvPr/>
-          </p:nvSpPr>
-          <p:spPr>
-            <a:xfrm>
-              <a:off x="6294120" y="2994660"/>
-              <a:ext cx="784860" cy="758952"/>
-            </a:xfrm>
-            <a:prstGeom prst="flowChartMultidocument">
-              <a:avLst/>
-            </a:prstGeom>
-            <a:solidFill>
-              <a:srgbClr val="97C5EB"/>
-            </a:solidFill>
-            <a:ln>
-              <a:solidFill>
-                <a:schemeClr val="tx1"/>
-              </a:solidFill>
-            </a:ln>
-          </p:spPr>
-          <p:style>
-            <a:lnRef idx="2">
-              <a:schemeClr val="accent1">
-                <a:shade val="50000"/>
-              </a:schemeClr>
-            </a:lnRef>
-            <a:fillRef idx="1">
-              <a:schemeClr val="accent1"/>
-            </a:fillRef>
-            <a:effectRef idx="0">
-              <a:schemeClr val="accent1"/>
-            </a:effectRef>
-            <a:fontRef idx="minor">
-              <a:schemeClr val="lt1"/>
-            </a:fontRef>
-          </p:style>
-          <p:txBody>
-            <a:bodyPr rtlCol="0" anchor="ctr"/>
-            <a:lstStyle/>
-            <a:p>
-              <a:pPr algn="ctr"/>
-              <a:r>
-                <a:rPr lang="en-US" sz="800" dirty="0">
-                  <a:solidFill>
-                    <a:schemeClr val="tx1"/>
-                  </a:solidFill>
-                </a:rPr>
-                <a:t>Implicit Fasteners</a:t>
-              </a:r>
-            </a:p>
-          </p:txBody>
-        </p:sp>
-        <p:sp>
-          <p:nvSpPr>
-            <p:cNvPr id="66" name="Flowchart: Multidocument 65"/>
-            <p:cNvSpPr/>
-            <p:nvPr/>
-          </p:nvSpPr>
-          <p:spPr>
-            <a:xfrm>
-              <a:off x="7239000" y="2994660"/>
-              <a:ext cx="754380" cy="758952"/>
-            </a:xfrm>
-            <a:prstGeom prst="flowChartMultidocument">
-              <a:avLst/>
-            </a:prstGeom>
-            <a:solidFill>
-              <a:srgbClr val="97C5EB"/>
-            </a:solidFill>
-            <a:ln>
-              <a:solidFill>
-                <a:schemeClr val="tx1"/>
-              </a:solidFill>
-            </a:ln>
-          </p:spPr>
-          <p:style>
-            <a:lnRef idx="2">
-              <a:schemeClr val="accent1">
-                <a:shade val="50000"/>
-              </a:schemeClr>
-            </a:lnRef>
-            <a:fillRef idx="1">
-              <a:schemeClr val="accent1"/>
-            </a:fillRef>
-            <a:effectRef idx="0">
-              <a:schemeClr val="accent1"/>
-            </a:effectRef>
-            <a:fontRef idx="minor">
-              <a:schemeClr val="lt1"/>
-            </a:fontRef>
-          </p:style>
-          <p:txBody>
-            <a:bodyPr rtlCol="0" anchor="ctr"/>
-            <a:lstStyle/>
-            <a:p>
-              <a:pPr algn="ctr"/>
-              <a:r>
-                <a:rPr lang="en-US" sz="800" dirty="0">
-                  <a:solidFill>
-                    <a:schemeClr val="tx1"/>
-                  </a:solidFill>
-                </a:rPr>
-                <a:t>Explicit Holes</a:t>
-              </a:r>
-            </a:p>
-          </p:txBody>
-        </p:sp>
-        <p:sp>
-          <p:nvSpPr>
-            <p:cNvPr id="67" name="Flowchart: Multidocument 66"/>
-            <p:cNvSpPr/>
-            <p:nvPr/>
-          </p:nvSpPr>
-          <p:spPr>
-            <a:xfrm>
-              <a:off x="8031480" y="2994660"/>
-              <a:ext cx="754380" cy="758952"/>
-            </a:xfrm>
-            <a:prstGeom prst="flowChartMultidocument">
-              <a:avLst/>
-            </a:prstGeom>
-            <a:solidFill>
-              <a:srgbClr val="97C5EB"/>
-            </a:solidFill>
-            <a:ln>
-              <a:solidFill>
-                <a:schemeClr val="tx1"/>
-              </a:solidFill>
-            </a:ln>
-          </p:spPr>
-          <p:style>
-            <a:lnRef idx="2">
-              <a:schemeClr val="accent1">
-                <a:shade val="50000"/>
-              </a:schemeClr>
-            </a:lnRef>
-            <a:fillRef idx="1">
-              <a:schemeClr val="accent1"/>
-            </a:fillRef>
-            <a:effectRef idx="0">
-              <a:schemeClr val="accent1"/>
-            </a:effectRef>
-            <a:fontRef idx="minor">
-              <a:schemeClr val="lt1"/>
-            </a:fontRef>
-          </p:style>
-          <p:txBody>
-            <a:bodyPr rtlCol="0" anchor="ctr"/>
-            <a:lstStyle/>
-            <a:p>
-              <a:pPr algn="ctr"/>
-              <a:r>
-                <a:rPr lang="en-US" sz="800" dirty="0">
-                  <a:solidFill>
-                    <a:schemeClr val="tx1"/>
-                  </a:solidFill>
-                </a:rPr>
-                <a:t>Explicit Fasteners</a:t>
-              </a:r>
-            </a:p>
-          </p:txBody>
-        </p:sp>
-        <p:sp>
-          <p:nvSpPr>
-            <p:cNvPr id="68" name="Rounded Rectangle 67"/>
-            <p:cNvSpPr/>
-            <p:nvPr/>
-          </p:nvSpPr>
-          <p:spPr>
-            <a:xfrm>
-              <a:off x="5334000" y="2590800"/>
-              <a:ext cx="1790700" cy="1211580"/>
-            </a:xfrm>
-            <a:prstGeom prst="roundRect">
-              <a:avLst/>
-            </a:prstGeom>
-            <a:noFill/>
-            <a:ln>
-              <a:solidFill>
-                <a:schemeClr val="bg1"/>
-              </a:solidFill>
-              <a:prstDash val="dash"/>
-            </a:ln>
-          </p:spPr>
-          <p:style>
-            <a:lnRef idx="2">
-              <a:schemeClr val="accent1">
-                <a:shade val="50000"/>
-              </a:schemeClr>
-            </a:lnRef>
-            <a:fillRef idx="1">
-              <a:schemeClr val="accent1"/>
-            </a:fillRef>
-            <a:effectRef idx="0">
-              <a:schemeClr val="accent1"/>
-            </a:effectRef>
-            <a:fontRef idx="minor">
-              <a:schemeClr val="lt1"/>
-            </a:fontRef>
-          </p:style>
-          <p:txBody>
-            <a:bodyPr rtlCol="0" anchor="ctr"/>
-            <a:lstStyle/>
-            <a:p>
-              <a:pPr algn="ctr"/>
-              <a:endParaRPr lang="en-US"/>
-            </a:p>
-          </p:txBody>
-        </p:sp>
-        <p:sp>
-          <p:nvSpPr>
-            <p:cNvPr id="69" name="Rounded Rectangle 68"/>
-            <p:cNvSpPr/>
-            <p:nvPr/>
-          </p:nvSpPr>
-          <p:spPr>
-            <a:xfrm>
-              <a:off x="7185660" y="2590800"/>
-              <a:ext cx="1676400" cy="1211580"/>
-            </a:xfrm>
-            <a:prstGeom prst="roundRect">
-              <a:avLst/>
-            </a:prstGeom>
-            <a:noFill/>
-            <a:ln>
-              <a:solidFill>
-                <a:schemeClr val="bg1"/>
-              </a:solidFill>
-              <a:prstDash val="dash"/>
-            </a:ln>
-          </p:spPr>
-          <p:style>
-            <a:lnRef idx="2">
-              <a:schemeClr val="accent1">
-                <a:shade val="50000"/>
-              </a:schemeClr>
-            </a:lnRef>
-            <a:fillRef idx="1">
-              <a:schemeClr val="accent1"/>
-            </a:fillRef>
-            <a:effectRef idx="0">
-              <a:schemeClr val="accent1"/>
-            </a:effectRef>
-            <a:fontRef idx="minor">
-              <a:schemeClr val="lt1"/>
-            </a:fontRef>
-          </p:style>
-          <p:txBody>
-            <a:bodyPr rtlCol="0" anchor="ctr"/>
-            <a:lstStyle/>
-            <a:p>
-              <a:pPr algn="ctr"/>
-              <a:endParaRPr lang="en-US"/>
-            </a:p>
-          </p:txBody>
-        </p:sp>
-        <p:sp>
-          <p:nvSpPr>
-            <p:cNvPr id="70" name="Rectangle 69"/>
-            <p:cNvSpPr/>
-            <p:nvPr/>
-          </p:nvSpPr>
-          <p:spPr>
-            <a:xfrm>
-              <a:off x="5394961" y="2589014"/>
-              <a:ext cx="1665182" cy="400110"/>
-            </a:xfrm>
-            <a:prstGeom prst="rect">
-              <a:avLst/>
-            </a:prstGeom>
-          </p:spPr>
-          <p:txBody>
-            <a:bodyPr wrap="square">
-              <a:spAutoFit/>
-            </a:bodyPr>
-            <a:lstStyle/>
-            <a:p>
-              <a:pPr algn="ctr"/>
-              <a:r>
-                <a:rPr lang="en-US" sz="1000" dirty="0"/>
-                <a:t>program increment</a:t>
-              </a:r>
-            </a:p>
-            <a:p>
-              <a:pPr algn="ctr"/>
-              <a:r>
-                <a:rPr lang="en-US" sz="1000" dirty="0"/>
-                <a:t>(1-4 </a:t>
-              </a:r>
-              <a:r>
-                <a:rPr lang="en-US" sz="1000" dirty="0" err="1"/>
-                <a:t>wks</a:t>
-              </a:r>
-              <a:r>
-                <a:rPr lang="en-US" sz="1000" dirty="0"/>
-                <a:t> work) </a:t>
-              </a:r>
-            </a:p>
-          </p:txBody>
-        </p:sp>
-        <p:sp>
-          <p:nvSpPr>
-            <p:cNvPr id="71" name="Rectangle 70"/>
-            <p:cNvSpPr/>
-            <p:nvPr/>
-          </p:nvSpPr>
-          <p:spPr>
-            <a:xfrm>
-              <a:off x="7288967" y="2589014"/>
-              <a:ext cx="1504513" cy="400110"/>
-            </a:xfrm>
-            <a:prstGeom prst="rect">
-              <a:avLst/>
-            </a:prstGeom>
-          </p:spPr>
-          <p:txBody>
-            <a:bodyPr wrap="square">
-              <a:spAutoFit/>
-            </a:bodyPr>
-            <a:lstStyle/>
-            <a:p>
-              <a:pPr algn="ctr"/>
-              <a:r>
-                <a:rPr lang="en-US" sz="1000" dirty="0"/>
-                <a:t>program increment</a:t>
-              </a:r>
-            </a:p>
-            <a:p>
-              <a:pPr algn="ctr"/>
-              <a:r>
-                <a:rPr lang="en-US" sz="1000" dirty="0"/>
-                <a:t>(1-4 </a:t>
-              </a:r>
-              <a:r>
-                <a:rPr lang="en-US" sz="1000" dirty="0" err="1"/>
-                <a:t>wks</a:t>
-              </a:r>
-              <a:r>
-                <a:rPr lang="en-US" sz="1000" dirty="0"/>
-                <a:t> work) </a:t>
-              </a:r>
-            </a:p>
-          </p:txBody>
-        </p:sp>
-      </p:grpSp>
-      <p:grpSp>
-        <p:nvGrpSpPr>
-          <p:cNvPr id="72" name="Group 71"/>
-          <p:cNvGrpSpPr/>
-          <p:nvPr/>
-        </p:nvGrpSpPr>
-        <p:grpSpPr>
-          <a:xfrm>
-            <a:off x="6629400" y="4114800"/>
-            <a:ext cx="3794760" cy="1950720"/>
-            <a:chOff x="5212080" y="4686300"/>
-            <a:chExt cx="3794760" cy="1950720"/>
-          </a:xfrm>
-        </p:grpSpPr>
-        <p:sp>
-          <p:nvSpPr>
-            <p:cNvPr id="73" name="Rounded Rectangle 72"/>
-            <p:cNvSpPr/>
-            <p:nvPr/>
-          </p:nvSpPr>
-          <p:spPr>
-            <a:xfrm>
-              <a:off x="5212080" y="4686300"/>
-              <a:ext cx="3794760" cy="1950720"/>
-            </a:xfrm>
-            <a:prstGeom prst="roundRect">
-              <a:avLst/>
-            </a:prstGeom>
-            <a:solidFill>
-              <a:srgbClr val="FBDE81"/>
-            </a:solidFill>
-            <a:ln>
-              <a:solidFill>
-                <a:schemeClr val="tx1"/>
-              </a:solidFill>
-            </a:ln>
-          </p:spPr>
-          <p:style>
-            <a:lnRef idx="2">
-              <a:schemeClr val="accent1">
-                <a:shade val="50000"/>
-              </a:schemeClr>
-            </a:lnRef>
-            <a:fillRef idx="1">
-              <a:schemeClr val="accent1"/>
-            </a:fillRef>
-            <a:effectRef idx="0">
-              <a:schemeClr val="accent1"/>
-            </a:effectRef>
-            <a:fontRef idx="minor">
-              <a:schemeClr val="lt1"/>
-            </a:fontRef>
-          </p:style>
-          <p:txBody>
-            <a:bodyPr rtlCol="0" anchor="t"/>
-            <a:lstStyle/>
-            <a:p>
-              <a:pPr algn="ctr"/>
-              <a:r>
-                <a:rPr lang="en-US" sz="1100" dirty="0">
-                  <a:solidFill>
-                    <a:schemeClr val="tx1"/>
-                  </a:solidFill>
-                </a:rPr>
-                <a:t>Features, Improvements, Tasks</a:t>
-              </a:r>
-            </a:p>
-            <a:p>
-              <a:pPr algn="ctr"/>
-              <a:endParaRPr lang="en-US" sz="1100" dirty="0">
-                <a:solidFill>
-                  <a:schemeClr val="tx1"/>
-                </a:solidFill>
-              </a:endParaRPr>
-            </a:p>
-          </p:txBody>
-        </p:sp>
-        <p:sp>
-          <p:nvSpPr>
-            <p:cNvPr id="74" name="Flowchart: Multidocument 73"/>
-            <p:cNvSpPr/>
-            <p:nvPr/>
-          </p:nvSpPr>
-          <p:spPr>
-            <a:xfrm>
-              <a:off x="5730240" y="5478780"/>
-              <a:ext cx="601980" cy="758952"/>
-            </a:xfrm>
-            <a:prstGeom prst="flowChartMultidocument">
-              <a:avLst/>
-            </a:prstGeom>
-            <a:solidFill>
-              <a:srgbClr val="97C5EB"/>
-            </a:solidFill>
-            <a:ln>
-              <a:solidFill>
-                <a:schemeClr val="tx1"/>
-              </a:solidFill>
-            </a:ln>
-          </p:spPr>
-          <p:style>
-            <a:lnRef idx="2">
-              <a:schemeClr val="accent1">
-                <a:shade val="50000"/>
-              </a:schemeClr>
-            </a:lnRef>
-            <a:fillRef idx="1">
-              <a:schemeClr val="accent1"/>
-            </a:fillRef>
-            <a:effectRef idx="0">
-              <a:schemeClr val="accent1"/>
-            </a:effectRef>
-            <a:fontRef idx="minor">
-              <a:schemeClr val="lt1"/>
-            </a:fontRef>
-          </p:style>
-          <p:txBody>
-            <a:bodyPr rtlCol="0" anchor="ctr"/>
-            <a:lstStyle/>
-            <a:p>
-              <a:pPr algn="ctr"/>
-              <a:r>
-                <a:rPr lang="en-US" sz="800" dirty="0">
-                  <a:solidFill>
-                    <a:schemeClr val="tx1"/>
-                  </a:solidFill>
-                </a:rPr>
-                <a:t>User Story</a:t>
-              </a:r>
-            </a:p>
-          </p:txBody>
-        </p:sp>
-        <p:sp>
-          <p:nvSpPr>
-            <p:cNvPr id="76" name="Flowchart: Multidocument 75"/>
-            <p:cNvSpPr/>
-            <p:nvPr/>
-          </p:nvSpPr>
-          <p:spPr>
-            <a:xfrm>
-              <a:off x="6477000" y="5478780"/>
-              <a:ext cx="601980" cy="758952"/>
-            </a:xfrm>
-            <a:prstGeom prst="flowChartMultidocument">
-              <a:avLst/>
-            </a:prstGeom>
-            <a:solidFill>
-              <a:srgbClr val="97C5EB"/>
-            </a:solidFill>
-            <a:ln>
-              <a:solidFill>
-                <a:schemeClr val="tx1"/>
-              </a:solidFill>
-            </a:ln>
-          </p:spPr>
-          <p:style>
-            <a:lnRef idx="2">
-              <a:schemeClr val="accent1">
-                <a:shade val="50000"/>
-              </a:schemeClr>
-            </a:lnRef>
-            <a:fillRef idx="1">
-              <a:schemeClr val="accent1"/>
-            </a:fillRef>
-            <a:effectRef idx="0">
-              <a:schemeClr val="accent1"/>
-            </a:effectRef>
-            <a:fontRef idx="minor">
-              <a:schemeClr val="lt1"/>
-            </a:fontRef>
-          </p:style>
-          <p:txBody>
-            <a:bodyPr rtlCol="0" anchor="ctr"/>
-            <a:lstStyle/>
-            <a:p>
-              <a:pPr algn="ctr"/>
-              <a:r>
-                <a:rPr lang="en-US" sz="800" dirty="0">
-                  <a:solidFill>
-                    <a:schemeClr val="tx1"/>
-                  </a:solidFill>
-                </a:rPr>
-                <a:t>User Story</a:t>
-              </a:r>
-            </a:p>
-          </p:txBody>
-        </p:sp>
-        <p:sp>
-          <p:nvSpPr>
-            <p:cNvPr id="77" name="Flowchart: Multidocument 76"/>
-            <p:cNvSpPr/>
-            <p:nvPr/>
-          </p:nvSpPr>
-          <p:spPr>
-            <a:xfrm>
-              <a:off x="7193280" y="5478780"/>
-              <a:ext cx="601980" cy="758952"/>
-            </a:xfrm>
-            <a:prstGeom prst="flowChartMultidocument">
-              <a:avLst/>
-            </a:prstGeom>
-            <a:solidFill>
-              <a:srgbClr val="97C5EB"/>
-            </a:solidFill>
-            <a:ln>
-              <a:solidFill>
-                <a:schemeClr val="tx1"/>
-              </a:solidFill>
-            </a:ln>
-          </p:spPr>
-          <p:style>
-            <a:lnRef idx="2">
-              <a:schemeClr val="accent1">
-                <a:shade val="50000"/>
-              </a:schemeClr>
-            </a:lnRef>
-            <a:fillRef idx="1">
-              <a:schemeClr val="accent1"/>
-            </a:fillRef>
-            <a:effectRef idx="0">
-              <a:schemeClr val="accent1"/>
-            </a:effectRef>
-            <a:fontRef idx="minor">
-              <a:schemeClr val="lt1"/>
-            </a:fontRef>
-          </p:style>
-          <p:txBody>
-            <a:bodyPr rtlCol="0" anchor="ctr"/>
-            <a:lstStyle/>
-            <a:p>
-              <a:pPr algn="ctr"/>
-              <a:r>
-                <a:rPr lang="en-US" sz="800" dirty="0">
-                  <a:solidFill>
-                    <a:schemeClr val="tx1"/>
-                  </a:solidFill>
-                </a:rPr>
-                <a:t>User Story</a:t>
-              </a:r>
-            </a:p>
-          </p:txBody>
-        </p:sp>
-        <p:sp>
-          <p:nvSpPr>
-            <p:cNvPr id="78" name="Flowchart: Multidocument 77"/>
-            <p:cNvSpPr/>
-            <p:nvPr/>
-          </p:nvSpPr>
-          <p:spPr>
-            <a:xfrm>
-              <a:off x="7909560" y="5478780"/>
-              <a:ext cx="601980" cy="758952"/>
-            </a:xfrm>
-            <a:prstGeom prst="flowChartMultidocument">
-              <a:avLst/>
-            </a:prstGeom>
-            <a:solidFill>
-              <a:srgbClr val="97C5EB"/>
-            </a:solidFill>
-            <a:ln>
-              <a:solidFill>
-                <a:schemeClr val="tx1"/>
-              </a:solidFill>
-            </a:ln>
-          </p:spPr>
-          <p:style>
-            <a:lnRef idx="2">
-              <a:schemeClr val="accent1">
-                <a:shade val="50000"/>
-              </a:schemeClr>
-            </a:lnRef>
-            <a:fillRef idx="1">
-              <a:schemeClr val="accent1"/>
-            </a:fillRef>
-            <a:effectRef idx="0">
-              <a:schemeClr val="accent1"/>
-            </a:effectRef>
-            <a:fontRef idx="minor">
-              <a:schemeClr val="lt1"/>
-            </a:fontRef>
-          </p:style>
-          <p:txBody>
-            <a:bodyPr rtlCol="0" anchor="ctr"/>
-            <a:lstStyle/>
-            <a:p>
-              <a:pPr algn="ctr"/>
-              <a:r>
-                <a:rPr lang="en-US" sz="800" dirty="0">
-                  <a:solidFill>
-                    <a:schemeClr val="tx1"/>
-                  </a:solidFill>
-                </a:rPr>
-                <a:t>User Story</a:t>
-              </a:r>
-            </a:p>
-          </p:txBody>
-        </p:sp>
-        <p:sp>
-          <p:nvSpPr>
-            <p:cNvPr id="79" name="Rounded Rectangle 78"/>
-            <p:cNvSpPr/>
-            <p:nvPr/>
-          </p:nvSpPr>
-          <p:spPr>
-            <a:xfrm>
-              <a:off x="5684520" y="5257800"/>
-              <a:ext cx="1440180" cy="1158240"/>
-            </a:xfrm>
-            <a:prstGeom prst="roundRect">
-              <a:avLst/>
-            </a:prstGeom>
-            <a:noFill/>
-            <a:ln>
-              <a:solidFill>
-                <a:schemeClr val="bg1"/>
-              </a:solidFill>
-              <a:prstDash val="dash"/>
-            </a:ln>
-          </p:spPr>
-          <p:style>
-            <a:lnRef idx="2">
-              <a:schemeClr val="accent1">
-                <a:shade val="50000"/>
-              </a:schemeClr>
-            </a:lnRef>
-            <a:fillRef idx="1">
-              <a:schemeClr val="accent1"/>
-            </a:fillRef>
-            <a:effectRef idx="0">
-              <a:schemeClr val="accent1"/>
-            </a:effectRef>
-            <a:fontRef idx="minor">
-              <a:schemeClr val="lt1"/>
-            </a:fontRef>
-          </p:style>
-          <p:txBody>
-            <a:bodyPr rtlCol="0" anchor="ctr"/>
-            <a:lstStyle/>
-            <a:p>
-              <a:pPr algn="ctr"/>
-              <a:endParaRPr lang="en-US"/>
-            </a:p>
-          </p:txBody>
-        </p:sp>
-        <p:sp>
-          <p:nvSpPr>
-            <p:cNvPr id="80" name="Rounded Rectangle 79"/>
-            <p:cNvSpPr/>
-            <p:nvPr/>
-          </p:nvSpPr>
-          <p:spPr>
-            <a:xfrm>
-              <a:off x="7185660" y="5257800"/>
-              <a:ext cx="1440180" cy="1158240"/>
-            </a:xfrm>
-            <a:prstGeom prst="roundRect">
-              <a:avLst/>
-            </a:prstGeom>
-            <a:noFill/>
-            <a:ln>
-              <a:solidFill>
-                <a:schemeClr val="bg1"/>
-              </a:solidFill>
-              <a:prstDash val="dash"/>
-            </a:ln>
-          </p:spPr>
-          <p:style>
-            <a:lnRef idx="2">
-              <a:schemeClr val="accent1">
-                <a:shade val="50000"/>
-              </a:schemeClr>
-            </a:lnRef>
-            <a:fillRef idx="1">
-              <a:schemeClr val="accent1"/>
-            </a:fillRef>
-            <a:effectRef idx="0">
-              <a:schemeClr val="accent1"/>
-            </a:effectRef>
-            <a:fontRef idx="minor">
-              <a:schemeClr val="lt1"/>
-            </a:fontRef>
-          </p:style>
-          <p:txBody>
-            <a:bodyPr rtlCol="0" anchor="ctr"/>
-            <a:lstStyle/>
-            <a:p>
-              <a:pPr algn="ctr"/>
-              <a:endParaRPr lang="en-US"/>
-            </a:p>
-          </p:txBody>
-        </p:sp>
-        <p:sp>
-          <p:nvSpPr>
-            <p:cNvPr id="81" name="Rectangle 80"/>
-            <p:cNvSpPr/>
-            <p:nvPr/>
-          </p:nvSpPr>
-          <p:spPr>
-            <a:xfrm>
-              <a:off x="5748565" y="5248394"/>
-              <a:ext cx="1292341" cy="246221"/>
-            </a:xfrm>
-            <a:prstGeom prst="rect">
-              <a:avLst/>
-            </a:prstGeom>
-          </p:spPr>
-          <p:txBody>
-            <a:bodyPr wrap="none">
-              <a:spAutoFit/>
-            </a:bodyPr>
-            <a:lstStyle/>
-            <a:p>
-              <a:r>
-                <a:rPr lang="en-US" sz="1000" dirty="0"/>
-                <a:t>program increment </a:t>
-              </a:r>
-            </a:p>
-          </p:txBody>
-        </p:sp>
-        <p:sp>
-          <p:nvSpPr>
-            <p:cNvPr id="82" name="Rectangle 81"/>
-            <p:cNvSpPr/>
-            <p:nvPr/>
-          </p:nvSpPr>
-          <p:spPr>
-            <a:xfrm>
-              <a:off x="7234465" y="5248394"/>
-              <a:ext cx="1292341" cy="246221"/>
-            </a:xfrm>
-            <a:prstGeom prst="rect">
-              <a:avLst/>
-            </a:prstGeom>
-          </p:spPr>
-          <p:txBody>
-            <a:bodyPr wrap="none">
-              <a:spAutoFit/>
-            </a:bodyPr>
-            <a:lstStyle/>
-            <a:p>
-              <a:r>
-                <a:rPr lang="en-US" sz="1000" dirty="0"/>
-                <a:t>program increment </a:t>
-              </a:r>
-            </a:p>
-          </p:txBody>
-        </p:sp>
-      </p:grpSp>
-      <p:cxnSp>
-        <p:nvCxnSpPr>
-          <p:cNvPr id="83" name="Elbow Connector 82"/>
-          <p:cNvCxnSpPr>
-            <a:stCxn id="28" idx="3"/>
-            <a:endCxn id="73" idx="1"/>
-          </p:cNvCxnSpPr>
-          <p:nvPr/>
-        </p:nvCxnSpPr>
-        <p:spPr>
-          <a:xfrm>
-            <a:off x="5768341" y="4393982"/>
-            <a:ext cx="861059" cy="696178"/>
-          </a:xfrm>
-          <a:prstGeom prst="bentConnector3">
-            <a:avLst>
-              <a:gd name="adj1" fmla="val 49115"/>
-            </a:avLst>
-          </a:prstGeom>
-          <a:ln w="19050">
-            <a:solidFill>
-              <a:schemeClr val="tx1"/>
-            </a:solidFill>
-            <a:tailEnd type="triangle"/>
-          </a:ln>
-        </p:spPr>
-        <p:style>
-          <a:lnRef idx="1">
-            <a:schemeClr val="accent1"/>
-          </a:lnRef>
-          <a:fillRef idx="0">
-            <a:schemeClr val="accent1"/>
-          </a:fillRef>
-          <a:effectRef idx="0">
-            <a:schemeClr val="accent1"/>
-          </a:effectRef>
-          <a:fontRef idx="minor">
-            <a:schemeClr val="tx1"/>
-          </a:fontRef>
-        </p:style>
-      </p:cxnSp>
-      <p:cxnSp>
-        <p:nvCxnSpPr>
-          <p:cNvPr id="84" name="Elbow Connector 83"/>
-          <p:cNvCxnSpPr>
-            <a:stCxn id="38" idx="3"/>
-            <a:endCxn id="73" idx="1"/>
-          </p:cNvCxnSpPr>
-          <p:nvPr/>
-        </p:nvCxnSpPr>
-        <p:spPr>
-          <a:xfrm flipV="1">
-            <a:off x="5768341" y="5090160"/>
-            <a:ext cx="861059" cy="605083"/>
-          </a:xfrm>
-          <a:prstGeom prst="bentConnector3">
-            <a:avLst>
-              <a:gd name="adj1" fmla="val 50000"/>
-            </a:avLst>
-          </a:prstGeom>
-          <a:ln w="19050">
-            <a:solidFill>
-              <a:schemeClr val="tx1"/>
-            </a:solidFill>
-            <a:tailEnd type="triangle"/>
-          </a:ln>
-        </p:spPr>
-        <p:style>
-          <a:lnRef idx="1">
-            <a:schemeClr val="accent1"/>
-          </a:lnRef>
-          <a:fillRef idx="0">
-            <a:schemeClr val="accent1"/>
-          </a:fillRef>
-          <a:effectRef idx="0">
-            <a:schemeClr val="accent1"/>
-          </a:effectRef>
-          <a:fontRef idx="minor">
-            <a:schemeClr val="tx1"/>
-          </a:fontRef>
-        </p:style>
-      </p:cxnSp>
     </p:spTree>
     <p:extLst>
       <p:ext uri="{BB962C8B-B14F-4D97-AF65-F5344CB8AC3E}">
-        <p14:creationId xmlns:p14="http://schemas.microsoft.com/office/powerpoint/2010/main" val="2676938144"/>
+        <p14:creationId xmlns:p14="http://schemas.microsoft.com/office/powerpoint/2010/main" val="1343705657"/>
       </p:ext>
     </p:extLst>
   </p:cSld>
@@ -12110,7 +8768,7 @@
           <a:p>
             <a:r>
               <a:rPr lang="en-GB" sz="3200" dirty="0"/>
-              <a:t>Continued Research 1: Advanced Communication Tools</a:t>
+              <a:t>Continued Research 3: Continuous Integration</a:t>
             </a:r>
           </a:p>
         </p:txBody>
@@ -12231,18 +8889,12 @@
         <p:spPr>
           <a:xfrm>
             <a:off x="405383" y="1283208"/>
-            <a:ext cx="11311128" cy="4191917"/>
+            <a:ext cx="11311128" cy="4967514"/>
           </a:xfrm>
         </p:spPr>
         <p:txBody>
           <a:bodyPr/>
           <a:lstStyle/>
-          <a:p>
-            <a:pPr>
-              <a:buNone/>
-            </a:pPr>
-            <a:endParaRPr lang="en-US" b="0" dirty="0"/>
-          </a:p>
           <a:p>
             <a:pPr marL="342900" indent="-342900">
               <a:buFont typeface="Arial" panose="020B0604020202020204" pitchFamily="34" charset="0"/>
@@ -12250,107 +8902,115 @@
             </a:pPr>
             <a:r>
               <a:rPr lang="en-US" b="0" dirty="0"/>
-              <a:t>Requirements traceability</a:t>
+              <a:t>Continuous integration</a:t>
             </a:r>
           </a:p>
           <a:p>
             <a:pPr marL="631825" lvl="1" indent="-342900"/>
             <a:r>
               <a:rPr lang="en-US" sz="1600" dirty="0"/>
-              <a:t>Requirements:</a:t>
+              <a:t>STEP development process:</a:t>
             </a:r>
           </a:p>
           <a:p>
             <a:pPr marL="850900" lvl="2" indent="-342900"/>
             <a:r>
               <a:rPr lang="en-US" sz="1400" dirty="0"/>
-              <a:t> come from different sources: users, implementers, domain experts, …</a:t>
+              <a:t>currently involves a set of bespoken tools (validation, documentation, packaging, …)</a:t>
             </a:r>
           </a:p>
           <a:p>
             <a:pPr marL="850900" lvl="2" indent="-342900"/>
             <a:r>
               <a:rPr lang="en-US" sz="1400" dirty="0"/>
-              <a:t> in different forms: email, spreadsheet, word document, meetings, …</a:t>
+              <a:t>Will involve new tools after transitioning to Agile</a:t>
             </a:r>
           </a:p>
           <a:p>
-            <a:pPr marL="850900" lvl="2" indent="-342900"/>
+            <a:pPr marL="631825" lvl="1" indent="-342900"/>
+            <a:endParaRPr lang="en-US" sz="1600" dirty="0"/>
+          </a:p>
+          <a:p>
+            <a:pPr marL="574675" lvl="1" indent="-285750"/>
+            <a:r>
+              <a:rPr lang="en-US" sz="1600" dirty="0"/>
+              <a:t>These tools need to be integrated into a global management system to ensure consistency across and integration of their data objects</a:t>
+            </a:r>
+          </a:p>
+          <a:p>
+            <a:pPr marL="574675" lvl="1" indent="-285750"/>
+            <a:r>
+              <a:rPr lang="en-US" sz="1600" dirty="0"/>
+              <a:t>Tool integration will:</a:t>
+            </a:r>
+          </a:p>
+          <a:p>
+            <a:pPr marL="793750" lvl="2" indent="-285750"/>
             <a:r>
               <a:rPr lang="en-US" sz="1400" dirty="0"/>
-              <a:t> </a:t>
+              <a:t>Enable the creation of an automation pipeline</a:t>
             </a:r>
-            <a:r>
-              <a:rPr lang="en-US" sz="1400" b="0" dirty="0"/>
-              <a:t>change during the development cycle</a:t>
-            </a:r>
-          </a:p>
-          <a:p>
-            <a:pPr marL="631825" lvl="1" indent="-342900"/>
-            <a:endParaRPr lang="en-US" sz="1600" b="0" dirty="0"/>
-          </a:p>
-          <a:p>
-            <a:pPr marL="631825" lvl="1" indent="-342900"/>
-            <a:r>
-              <a:rPr lang="en-US" sz="1600" b="0" dirty="0"/>
-              <a:t>Agile offers methods for requirements traceability</a:t>
-            </a:r>
-          </a:p>
-          <a:p>
-            <a:pPr marL="850900" lvl="2" indent="-342900"/>
+          </a:p>
+          <a:p>
+            <a:pPr marL="793750" lvl="2" indent="-285750"/>
             <a:r>
               <a:rPr lang="en-US" sz="1400" dirty="0"/>
-              <a:t>These methods need tools to be implemented</a:t>
+              <a:t>Enable automated testing and validation of models and derived parts (documentation, publication, …)</a:t>
             </a:r>
           </a:p>
           <a:p>
-            <a:pPr marL="850900" lvl="2" indent="-342900"/>
+            <a:pPr marL="793750" lvl="2" indent="-285750"/>
             <a:r>
               <a:rPr lang="en-US" sz="1400" dirty="0"/>
-              <a:t>Existing tools do not share a common requirement representation and management strategy</a:t>
+              <a:t>Improve the quality of the standard by detecting errors earlier in the workflow</a:t>
             </a:r>
           </a:p>
           <a:p>
-            <a:pPr marL="850900" lvl="2" indent="-342900"/>
+            <a:pPr marL="793750" lvl="2" indent="-285750"/>
             <a:r>
               <a:rPr lang="en-US" sz="1400" dirty="0"/>
-              <a:t>Because of that inconsistency, there is limited integration between the tools involved</a:t>
+              <a:t>Ensure that requirements are properly met</a:t>
             </a:r>
-            <a:endParaRPr lang="en-US" sz="1200" dirty="0"/>
-          </a:p>
-          <a:p>
-            <a:pPr lvl="2" indent="0">
+          </a:p>
+          <a:p>
+            <a:pPr marL="793750" lvl="2" indent="-285750"/>
+            <a:r>
+              <a:rPr lang="en-US" sz="1400" dirty="0"/>
+              <a:t>Reduce development and maintenance cost through automation</a:t>
+            </a:r>
+          </a:p>
+          <a:p>
+            <a:pPr marL="631825" lvl="1" indent="-342900"/>
+            <a:endParaRPr lang="en-US" sz="1600" dirty="0"/>
+          </a:p>
+          <a:p>
+            <a:pPr lvl="1" indent="0">
               <a:buNone/>
             </a:pPr>
             <a:endParaRPr lang="en-US" sz="1600" b="0" dirty="0"/>
           </a:p>
           <a:p>
             <a:pPr marL="631825" lvl="1" indent="-342900"/>
-            <a:r>
-              <a:rPr lang="en-US" sz="1600" dirty="0"/>
-              <a:t>Develop and implement a requirement model and management strategy</a:t>
-            </a:r>
-          </a:p>
-          <a:p>
-            <a:pPr marL="850900" lvl="2" indent="-342900"/>
-            <a:r>
-              <a:rPr lang="en-US" sz="1400" dirty="0"/>
-              <a:t>To ensure consistent definition, management and validation of the requirements</a:t>
-            </a:r>
-            <a:endParaRPr lang="en-US" sz="1400" b="0" dirty="0"/>
+            <a:endParaRPr lang="en-US" sz="1600" dirty="0"/>
           </a:p>
           <a:p>
             <a:pPr lvl="1" indent="0">
               <a:buNone/>
             </a:pPr>
-            <a:endParaRPr lang="en-US" sz="1400" b="0" dirty="0"/>
+            <a:endParaRPr lang="en-US" sz="1600" dirty="0"/>
+          </a:p>
+          <a:p>
+            <a:pPr lvl="1" indent="0">
+              <a:buNone/>
+            </a:pPr>
+            <a:endParaRPr lang="en-US" sz="1600" dirty="0"/>
           </a:p>
         </p:txBody>
       </p:sp>
     </p:spTree>
     <p:extLst>
       <p:ext uri="{BB962C8B-B14F-4D97-AF65-F5344CB8AC3E}">
-        <p14:creationId xmlns:p14="http://schemas.microsoft.com/office/powerpoint/2010/main" val="992928965"/>
+        <p14:creationId xmlns:p14="http://schemas.microsoft.com/office/powerpoint/2010/main" val="879070622"/>
       </p:ext>
     </p:extLst>
   </p:cSld>
@@ -12399,63 +9059,18 @@
             <p:ph type="title"/>
           </p:nvPr>
         </p:nvSpPr>
-        <p:spPr>
-          <a:xfrm>
-            <a:off x="448055" y="457200"/>
-            <a:ext cx="11311128" cy="489365"/>
-          </a:xfrm>
-        </p:spPr>
+        <p:spPr/>
         <p:txBody>
           <a:bodyPr/>
           <a:lstStyle/>
           <a:p>
-            <a:r>
-              <a:rPr lang="en-GB" sz="3200" dirty="0"/>
-              <a:t>Continued Research 2: Advanced Communication Tools</a:t>
-            </a:r>
+            <a:endParaRPr lang="en-GB"/>
           </a:p>
         </p:txBody>
       </p:sp>
       <p:sp>
         <p:nvSpPr>
-          <p:cNvPr id="7" name="Rectangle 2"/>
-          <p:cNvSpPr>
-            <a:spLocks noChangeArrowheads="1"/>
-          </p:cNvSpPr>
-          <p:nvPr/>
-        </p:nvSpPr>
-        <p:spPr bwMode="auto">
-          <a:xfrm>
-            <a:off x="13487400" y="2087880"/>
-            <a:ext cx="12188825" cy="0"/>
-          </a:xfrm>
-          <a:prstGeom prst="rect">
-            <a:avLst/>
-          </a:prstGeom>
-          <a:solidFill>
-            <a:schemeClr val="bg1"/>
-          </a:solidFill>
-          <a:ln>
-            <a:noFill/>
-          </a:ln>
-          <a:effectLst/>
-        </p:spPr>
-        <p:txBody>
-          <a:bodyPr vert="horz" wrap="none" lIns="91440" tIns="45720" rIns="91440" bIns="45720" numCol="1" anchor="ctr" anchorCtr="0" compatLnSpc="1">
-            <a:prstTxWarp prst="textNoShape">
-              <a:avLst/>
-            </a:prstTxWarp>
-            <a:spAutoFit/>
-          </a:bodyPr>
-          <a:lstStyle/>
-          <a:p>
-            <a:endParaRPr lang="en-US"/>
-          </a:p>
-        </p:txBody>
-      </p:sp>
-      <p:sp>
-        <p:nvSpPr>
-          <p:cNvPr id="11" name="Text Placeholder 2"/>
+          <p:cNvPr id="3" name="Text Placeholder 2"/>
           <p:cNvSpPr>
             <a:spLocks noGrp="1"/>
           </p:cNvSpPr>
@@ -12463,65 +9078,18 @@
             <p:ph type="body" sz="quarter" idx="12"/>
           </p:nvPr>
         </p:nvSpPr>
-        <p:spPr>
-          <a:xfrm>
-            <a:off x="448055" y="917917"/>
-            <a:ext cx="11311128" cy="323165"/>
-          </a:xfrm>
-        </p:spPr>
+        <p:spPr/>
         <p:txBody>
           <a:bodyPr/>
           <a:lstStyle/>
           <a:p>
-            <a:r>
-              <a:rPr lang="en-US" dirty="0">
-                <a:solidFill>
-                  <a:schemeClr val="bg1">
-                    <a:lumMod val="50000"/>
-                  </a:schemeClr>
-                </a:solidFill>
-              </a:rPr>
-              <a:t>Agile for Model-Based-Standards Development</a:t>
-            </a:r>
+            <a:endParaRPr lang="en-GB"/>
           </a:p>
         </p:txBody>
       </p:sp>
       <p:sp>
         <p:nvSpPr>
-          <p:cNvPr id="51" name="TextBox 50"/>
-          <p:cNvSpPr txBox="1"/>
-          <p:nvPr/>
-        </p:nvSpPr>
-        <p:spPr>
-          <a:xfrm>
-            <a:off x="9859106" y="1347373"/>
-            <a:ext cx="589713" cy="338554"/>
-          </a:xfrm>
-          <a:prstGeom prst="rect">
-            <a:avLst/>
-          </a:prstGeom>
-          <a:noFill/>
-        </p:spPr>
-        <p:txBody>
-          <a:bodyPr wrap="none" rtlCol="0">
-            <a:spAutoFit/>
-          </a:bodyPr>
-          <a:lstStyle/>
-          <a:p>
-            <a:r>
-              <a:rPr lang="en-US" sz="1600" dirty="0">
-                <a:solidFill>
-                  <a:schemeClr val="bg1"/>
-                </a:solidFill>
-              </a:rPr>
-              <a:t>ART</a:t>
-            </a:r>
-          </a:p>
-        </p:txBody>
-      </p:sp>
-      <p:sp>
-        <p:nvSpPr>
-          <p:cNvPr id="3" name="Content Placeholder 2"/>
+          <p:cNvPr id="4" name="Content Placeholder 3"/>
           <p:cNvSpPr>
             <a:spLocks noGrp="1"/>
           </p:cNvSpPr>
@@ -12529,137 +9097,19 @@
             <p:ph sz="quarter" idx="16"/>
           </p:nvPr>
         </p:nvSpPr>
-        <p:spPr>
-          <a:xfrm>
-            <a:off x="405383" y="1283208"/>
-            <a:ext cx="11311128" cy="4736681"/>
-          </a:xfrm>
-        </p:spPr>
+        <p:spPr/>
         <p:txBody>
           <a:bodyPr/>
           <a:lstStyle/>
           <a:p>
-            <a:pPr lvl="1" indent="0">
-              <a:buNone/>
-            </a:pPr>
-            <a:endParaRPr lang="en-US" sz="1400" b="0" dirty="0"/>
-          </a:p>
-          <a:p>
-            <a:pPr marL="342900" indent="-342900">
-              <a:buFont typeface="Arial" panose="020B0604020202020204" pitchFamily="34" charset="0"/>
-              <a:buChar char="•"/>
-            </a:pPr>
-            <a:r>
-              <a:rPr lang="en-US" b="0" dirty="0"/>
-              <a:t>Consensus management </a:t>
-            </a:r>
-          </a:p>
-          <a:p>
-            <a:pPr marL="631825" lvl="1" indent="-342900"/>
-            <a:r>
-              <a:rPr lang="en-US" sz="1600" b="0" dirty="0"/>
-              <a:t>STEP experts:</a:t>
-            </a:r>
-          </a:p>
-          <a:p>
-            <a:pPr marL="850900" lvl="2" indent="-342900"/>
-            <a:r>
-              <a:rPr lang="en-US" sz="1400" dirty="0"/>
-              <a:t>A</a:t>
-            </a:r>
-            <a:r>
-              <a:rPr lang="en-US" sz="1400" b="0" dirty="0"/>
-              <a:t>re geographical dispersed</a:t>
-            </a:r>
-          </a:p>
-          <a:p>
-            <a:pPr marL="850900" lvl="2" indent="-342900"/>
-            <a:r>
-              <a:rPr lang="en-US" sz="1400" dirty="0"/>
-              <a:t>Can’t always attend all the meetings</a:t>
-            </a:r>
-          </a:p>
-          <a:p>
-            <a:pPr marL="850900" lvl="2" indent="-342900"/>
-            <a:r>
-              <a:rPr lang="en-US" sz="1400" dirty="0"/>
-              <a:t>Cannot always be dedicated</a:t>
-            </a:r>
-          </a:p>
-          <a:p>
-            <a:pPr lvl="2" indent="0">
-              <a:buNone/>
-            </a:pPr>
-            <a:endParaRPr lang="en-US" sz="1600" dirty="0"/>
-          </a:p>
-          <a:p>
-            <a:pPr marL="631825" lvl="1" indent="-342900"/>
-            <a:r>
-              <a:rPr lang="en-US" sz="1600" dirty="0"/>
-              <a:t>Importance of keeping track of and documenting all the activities and decisions during the different meetings</a:t>
-            </a:r>
-          </a:p>
-          <a:p>
-            <a:pPr marL="850900" lvl="2" indent="-342900"/>
-            <a:r>
-              <a:rPr lang="en-US" sz="1400" dirty="0"/>
-              <a:t>Decisions can be achievements, new tasks, bugs, bug resolutions, requirements, assignments, …</a:t>
-            </a:r>
-          </a:p>
-          <a:p>
-            <a:pPr marL="631825" lvl="1" indent="-342900"/>
-            <a:endParaRPr lang="en-US" sz="1600" dirty="0"/>
-          </a:p>
-          <a:p>
-            <a:pPr marL="631825" lvl="1" indent="-342900"/>
-            <a:r>
-              <a:rPr lang="en-US" sz="1600" dirty="0"/>
-              <a:t>Meeting minutes are not necessarily very detailed, formalized, and accessible</a:t>
-            </a:r>
-          </a:p>
-          <a:p>
-            <a:pPr marL="850900" lvl="2" indent="-342900"/>
-            <a:r>
-              <a:rPr lang="en-US" sz="1400" dirty="0"/>
-              <a:t>Who, When, Where, What, Why, How </a:t>
-            </a:r>
-          </a:p>
-          <a:p>
-            <a:pPr marL="631825" lvl="1" indent="-342900"/>
-            <a:endParaRPr lang="en-US" sz="1600" dirty="0"/>
-          </a:p>
-          <a:p>
-            <a:pPr marL="631825" lvl="1" indent="-342900"/>
-            <a:r>
-              <a:rPr lang="en-US" sz="1600" dirty="0"/>
-              <a:t>Develop and implement a formal meeting minutes model and strategy</a:t>
-            </a:r>
-          </a:p>
-          <a:p>
-            <a:pPr marL="850900" lvl="2" indent="-342900"/>
-            <a:r>
-              <a:rPr lang="en-US" sz="1400" b="0" dirty="0"/>
-              <a:t>Easier access to the minutes</a:t>
-            </a:r>
-          </a:p>
-          <a:p>
-            <a:pPr marL="850900" lvl="2" indent="-342900"/>
-            <a:r>
-              <a:rPr lang="en-US" sz="1400" dirty="0"/>
-              <a:t>Minutes traceability to requirements and tasks</a:t>
-            </a:r>
-            <a:endParaRPr lang="en-US" sz="1200" dirty="0"/>
-          </a:p>
-          <a:p>
-            <a:pPr marL="850900" lvl="2" indent="-342900"/>
-            <a:endParaRPr lang="en-US" sz="1400" dirty="0"/>
+            <a:endParaRPr lang="en-GB"/>
           </a:p>
         </p:txBody>
       </p:sp>
     </p:spTree>
     <p:extLst>
       <p:ext uri="{BB962C8B-B14F-4D97-AF65-F5344CB8AC3E}">
-        <p14:creationId xmlns:p14="http://schemas.microsoft.com/office/powerpoint/2010/main" val="1343705657"/>
+        <p14:creationId xmlns:p14="http://schemas.microsoft.com/office/powerpoint/2010/main" val="3028726330"/>
       </p:ext>
     </p:extLst>
   </p:cSld>
@@ -12682,310 +9132,7 @@
 </file>
 
 <file path=ppt/slides/slide13.xml><?xml version="1.0" encoding="utf-8"?>
-<p:sld xmlns:a="http://schemas.openxmlformats.org/drawingml/2006/main" xmlns:r="http://schemas.openxmlformats.org/officeDocument/2006/relationships" xmlns:p="http://schemas.openxmlformats.org/presentationml/2006/main">
-  <p:cSld>
-    <p:spTree>
-      <p:nvGrpSpPr>
-        <p:cNvPr id="1" name=""/>
-        <p:cNvGrpSpPr/>
-        <p:nvPr/>
-      </p:nvGrpSpPr>
-      <p:grpSpPr>
-        <a:xfrm>
-          <a:off x="0" y="0"/>
-          <a:ext cx="0" cy="0"/>
-          <a:chOff x="0" y="0"/>
-          <a:chExt cx="0" cy="0"/>
-        </a:xfrm>
-      </p:grpSpPr>
-      <p:sp>
-        <p:nvSpPr>
-          <p:cNvPr id="2" name="Title 1"/>
-          <p:cNvSpPr>
-            <a:spLocks noGrp="1"/>
-          </p:cNvSpPr>
-          <p:nvPr>
-            <p:ph type="title"/>
-          </p:nvPr>
-        </p:nvSpPr>
-        <p:spPr>
-          <a:xfrm>
-            <a:off x="448055" y="457200"/>
-            <a:ext cx="11311128" cy="489365"/>
-          </a:xfrm>
-        </p:spPr>
-        <p:txBody>
-          <a:bodyPr/>
-          <a:lstStyle/>
-          <a:p>
-            <a:r>
-              <a:rPr lang="en-GB" sz="3200" dirty="0"/>
-              <a:t>Continued Research 3: Continuous Integration</a:t>
-            </a:r>
-          </a:p>
-        </p:txBody>
-      </p:sp>
-      <p:sp>
-        <p:nvSpPr>
-          <p:cNvPr id="7" name="Rectangle 2"/>
-          <p:cNvSpPr>
-            <a:spLocks noChangeArrowheads="1"/>
-          </p:cNvSpPr>
-          <p:nvPr/>
-        </p:nvSpPr>
-        <p:spPr bwMode="auto">
-          <a:xfrm>
-            <a:off x="13487400" y="2087880"/>
-            <a:ext cx="12188825" cy="0"/>
-          </a:xfrm>
-          <a:prstGeom prst="rect">
-            <a:avLst/>
-          </a:prstGeom>
-          <a:solidFill>
-            <a:schemeClr val="bg1"/>
-          </a:solidFill>
-          <a:ln>
-            <a:noFill/>
-          </a:ln>
-          <a:effectLst/>
-        </p:spPr>
-        <p:txBody>
-          <a:bodyPr vert="horz" wrap="none" lIns="91440" tIns="45720" rIns="91440" bIns="45720" numCol="1" anchor="ctr" anchorCtr="0" compatLnSpc="1">
-            <a:prstTxWarp prst="textNoShape">
-              <a:avLst/>
-            </a:prstTxWarp>
-            <a:spAutoFit/>
-          </a:bodyPr>
-          <a:lstStyle/>
-          <a:p>
-            <a:endParaRPr lang="en-US"/>
-          </a:p>
-        </p:txBody>
-      </p:sp>
-      <p:sp>
-        <p:nvSpPr>
-          <p:cNvPr id="11" name="Text Placeholder 2"/>
-          <p:cNvSpPr>
-            <a:spLocks noGrp="1"/>
-          </p:cNvSpPr>
-          <p:nvPr>
-            <p:ph type="body" sz="quarter" idx="12"/>
-          </p:nvPr>
-        </p:nvSpPr>
-        <p:spPr>
-          <a:xfrm>
-            <a:off x="448055" y="917917"/>
-            <a:ext cx="11311128" cy="323165"/>
-          </a:xfrm>
-        </p:spPr>
-        <p:txBody>
-          <a:bodyPr/>
-          <a:lstStyle/>
-          <a:p>
-            <a:r>
-              <a:rPr lang="en-US" dirty="0">
-                <a:solidFill>
-                  <a:schemeClr val="bg1">
-                    <a:lumMod val="50000"/>
-                  </a:schemeClr>
-                </a:solidFill>
-              </a:rPr>
-              <a:t>Agile for Model-Based-Standards Development</a:t>
-            </a:r>
-          </a:p>
-        </p:txBody>
-      </p:sp>
-      <p:sp>
-        <p:nvSpPr>
-          <p:cNvPr id="51" name="TextBox 50"/>
-          <p:cNvSpPr txBox="1"/>
-          <p:nvPr/>
-        </p:nvSpPr>
-        <p:spPr>
-          <a:xfrm>
-            <a:off x="9859106" y="1347373"/>
-            <a:ext cx="589713" cy="338554"/>
-          </a:xfrm>
-          <a:prstGeom prst="rect">
-            <a:avLst/>
-          </a:prstGeom>
-          <a:noFill/>
-        </p:spPr>
-        <p:txBody>
-          <a:bodyPr wrap="none" rtlCol="0">
-            <a:spAutoFit/>
-          </a:bodyPr>
-          <a:lstStyle/>
-          <a:p>
-            <a:r>
-              <a:rPr lang="en-US" sz="1600" dirty="0">
-                <a:solidFill>
-                  <a:schemeClr val="bg1"/>
-                </a:solidFill>
-              </a:rPr>
-              <a:t>ART</a:t>
-            </a:r>
-          </a:p>
-        </p:txBody>
-      </p:sp>
-      <p:sp>
-        <p:nvSpPr>
-          <p:cNvPr id="3" name="Content Placeholder 2"/>
-          <p:cNvSpPr>
-            <a:spLocks noGrp="1"/>
-          </p:cNvSpPr>
-          <p:nvPr>
-            <p:ph sz="quarter" idx="16"/>
-          </p:nvPr>
-        </p:nvSpPr>
-        <p:spPr>
-          <a:xfrm>
-            <a:off x="405383" y="1283208"/>
-            <a:ext cx="11311128" cy="4967514"/>
-          </a:xfrm>
-        </p:spPr>
-        <p:txBody>
-          <a:bodyPr/>
-          <a:lstStyle/>
-          <a:p>
-            <a:pPr marL="342900" indent="-342900">
-              <a:buFont typeface="Arial" panose="020B0604020202020204" pitchFamily="34" charset="0"/>
-              <a:buChar char="•"/>
-            </a:pPr>
-            <a:r>
-              <a:rPr lang="en-US" b="0" dirty="0"/>
-              <a:t>Continuous integration</a:t>
-            </a:r>
-          </a:p>
-          <a:p>
-            <a:pPr marL="631825" lvl="1" indent="-342900"/>
-            <a:r>
-              <a:rPr lang="en-US" sz="1600" dirty="0"/>
-              <a:t>STEP development process:</a:t>
-            </a:r>
-          </a:p>
-          <a:p>
-            <a:pPr marL="850900" lvl="2" indent="-342900"/>
-            <a:r>
-              <a:rPr lang="en-US" sz="1400" dirty="0"/>
-              <a:t>currently involves a set of bespoken tools (validation, documentation, packaging, …)</a:t>
-            </a:r>
-          </a:p>
-          <a:p>
-            <a:pPr marL="850900" lvl="2" indent="-342900"/>
-            <a:r>
-              <a:rPr lang="en-US" sz="1400" dirty="0"/>
-              <a:t>Will involve new tools after transitioning to Agile</a:t>
-            </a:r>
-          </a:p>
-          <a:p>
-            <a:pPr marL="631825" lvl="1" indent="-342900"/>
-            <a:endParaRPr lang="en-US" sz="1600" dirty="0"/>
-          </a:p>
-          <a:p>
-            <a:pPr marL="574675" lvl="1" indent="-285750"/>
-            <a:r>
-              <a:rPr lang="en-US" sz="1600" dirty="0"/>
-              <a:t>These tools need to be integrated into a global management system to ensure consistency across and integration of their data objects</a:t>
-            </a:r>
-          </a:p>
-          <a:p>
-            <a:pPr marL="574675" lvl="1" indent="-285750"/>
-            <a:r>
-              <a:rPr lang="en-US" sz="1600" dirty="0"/>
-              <a:t>Tool integration will:</a:t>
-            </a:r>
-          </a:p>
-          <a:p>
-            <a:pPr marL="793750" lvl="2" indent="-285750"/>
-            <a:r>
-              <a:rPr lang="en-US" sz="1400" dirty="0"/>
-              <a:t>Enable the creation of an automation pipeline</a:t>
-            </a:r>
-          </a:p>
-          <a:p>
-            <a:pPr marL="793750" lvl="2" indent="-285750"/>
-            <a:r>
-              <a:rPr lang="en-US" sz="1400" dirty="0"/>
-              <a:t>Enable automated testing and validation of models and derived parts (documentation, publication, …)</a:t>
-            </a:r>
-          </a:p>
-          <a:p>
-            <a:pPr marL="793750" lvl="2" indent="-285750"/>
-            <a:r>
-              <a:rPr lang="en-US" sz="1400" dirty="0"/>
-              <a:t>Improve the quality of the standard by detecting errors earlier in the workflow</a:t>
-            </a:r>
-          </a:p>
-          <a:p>
-            <a:pPr marL="793750" lvl="2" indent="-285750"/>
-            <a:r>
-              <a:rPr lang="en-US" sz="1400" dirty="0"/>
-              <a:t>Ensure that requirements are properly met</a:t>
-            </a:r>
-          </a:p>
-          <a:p>
-            <a:pPr marL="793750" lvl="2" indent="-285750"/>
-            <a:r>
-              <a:rPr lang="en-US" sz="1400" dirty="0"/>
-              <a:t>Reduce development and maintenance cost through automation</a:t>
-            </a:r>
-          </a:p>
-          <a:p>
-            <a:pPr marL="631825" lvl="1" indent="-342900"/>
-            <a:endParaRPr lang="en-US" sz="1600" dirty="0"/>
-          </a:p>
-          <a:p>
-            <a:pPr lvl="1" indent="0">
-              <a:buNone/>
-            </a:pPr>
-            <a:endParaRPr lang="en-US" sz="1600" b="0" dirty="0"/>
-          </a:p>
-          <a:p>
-            <a:pPr marL="631825" lvl="1" indent="-342900"/>
-            <a:endParaRPr lang="en-US" sz="1600" dirty="0"/>
-          </a:p>
-          <a:p>
-            <a:pPr lvl="1" indent="0">
-              <a:buNone/>
-            </a:pPr>
-            <a:endParaRPr lang="en-US" sz="1600" dirty="0"/>
-          </a:p>
-          <a:p>
-            <a:pPr lvl="1" indent="0">
-              <a:buNone/>
-            </a:pPr>
-            <a:endParaRPr lang="en-US" sz="1600" dirty="0"/>
-          </a:p>
-        </p:txBody>
-      </p:sp>
-    </p:spTree>
-    <p:extLst>
-      <p:ext uri="{BB962C8B-B14F-4D97-AF65-F5344CB8AC3E}">
-        <p14:creationId xmlns:p14="http://schemas.microsoft.com/office/powerpoint/2010/main" val="879070622"/>
-      </p:ext>
-    </p:extLst>
-  </p:cSld>
-  <p:clrMapOvr>
-    <a:masterClrMapping/>
-  </p:clrMapOvr>
-  <mc:AlternateContent xmlns:mc="http://schemas.openxmlformats.org/markup-compatibility/2006" xmlns:p14="http://schemas.microsoft.com/office/powerpoint/2010/main">
-    <mc:Choice Requires="p14">
-      <p:transition spd="med" p14:dur="700">
-        <p:fade/>
-      </p:transition>
-    </mc:Choice>
-    <mc:Fallback xmlns="">
-      <p:transition spd="med">
-        <p:fade/>
-      </p:transition>
-    </mc:Fallback>
-  </mc:AlternateContent>
-</p:sld>
-</file>
-
-<file path=ppt/slides/slide14.xml><?xml version="1.0" encoding="utf-8"?>
-<p:sld xmlns:a="http://schemas.openxmlformats.org/drawingml/2006/main" xmlns:r="http://schemas.openxmlformats.org/officeDocument/2006/relationships" xmlns:p="http://schemas.openxmlformats.org/presentationml/2006/main">
+<p:sld xmlns:a="http://schemas.openxmlformats.org/drawingml/2006/main" xmlns:r="http://schemas.openxmlformats.org/officeDocument/2006/relationships" xmlns:p="http://schemas.openxmlformats.org/presentationml/2006/main" show="0">
   <p:cSld>
     <p:spTree>
       <p:nvGrpSpPr>
@@ -14222,13 +10369,13 @@
   <p:clrMapOvr>
     <a:masterClrMapping/>
   </p:clrMapOvr>
-  <mc:AlternateContent xmlns:mc="http://schemas.openxmlformats.org/markup-compatibility/2006" xmlns:p14="http://schemas.microsoft.com/office/powerpoint/2010/main">
-    <mc:Choice Requires="p14">
+  <mc:AlternateContent xmlns:mc="http://schemas.openxmlformats.org/markup-compatibility/2006">
+    <mc:Choice xmlns:p14="http://schemas.microsoft.com/office/powerpoint/2010/main" Requires="p14">
       <p:transition spd="med" p14:dur="700">
         <p:fade/>
       </p:transition>
     </mc:Choice>
-    <mc:Fallback xmlns="">
+    <mc:Fallback>
       <p:transition spd="med">
         <p:fade/>
       </p:transition>
@@ -14237,7 +10384,7 @@
 </p:sld>
 </file>
 
-<file path=ppt/slides/slide15.xml><?xml version="1.0" encoding="utf-8"?>
+<file path=ppt/slides/slide14.xml><?xml version="1.0" encoding="utf-8"?>
 <p:sld xmlns:a="http://schemas.openxmlformats.org/drawingml/2006/main" xmlns:r="http://schemas.openxmlformats.org/officeDocument/2006/relationships" xmlns:p="http://schemas.openxmlformats.org/presentationml/2006/main">
   <p:cSld>
     <p:spTree>
@@ -14264,20 +10411,12 @@
             <p:ph type="title"/>
           </p:nvPr>
         </p:nvSpPr>
-        <p:spPr>
-          <a:xfrm>
-            <a:off x="448055" y="457200"/>
-            <a:ext cx="11311128" cy="489365"/>
-          </a:xfrm>
-        </p:spPr>
+        <p:spPr/>
         <p:txBody>
           <a:bodyPr/>
           <a:lstStyle/>
           <a:p>
-            <a:r>
-              <a:rPr lang="en-GB" sz="3200" dirty="0"/>
-              <a:t>Next Steps</a:t>
-            </a:r>
+            <a:endParaRPr lang="en-GB"/>
           </a:p>
         </p:txBody>
       </p:sp>
@@ -14291,26 +10430,12 @@
             <p:ph type="body" sz="quarter" idx="12"/>
           </p:nvPr>
         </p:nvSpPr>
-        <p:spPr>
-          <a:xfrm>
-            <a:off x="448055" y="917917"/>
-            <a:ext cx="11311128" cy="323165"/>
-          </a:xfrm>
-        </p:spPr>
+        <p:spPr/>
         <p:txBody>
           <a:bodyPr/>
           <a:lstStyle/>
           <a:p>
-            <a:r>
-              <a:rPr lang="en-US" dirty="0">
-                <a:solidFill>
-                  <a:schemeClr val="bg1">
-                    <a:lumMod val="50000"/>
-                  </a:schemeClr>
-                </a:solidFill>
-              </a:rPr>
-              <a:t>Agile for Model-Based-Standards Development</a:t>
-            </a:r>
+            <a:endParaRPr lang="en-GB"/>
           </a:p>
         </p:txBody>
       </p:sp>
@@ -14324,278 +10449,19 @@
             <p:ph sz="quarter" idx="16"/>
           </p:nvPr>
         </p:nvSpPr>
-        <p:spPr>
-          <a:xfrm>
-            <a:off x="405383" y="1400438"/>
-            <a:ext cx="11311128" cy="5336846"/>
-          </a:xfrm>
-        </p:spPr>
+        <p:spPr/>
         <p:txBody>
           <a:bodyPr/>
           <a:lstStyle/>
           <a:p>
-            <a:pPr>
-              <a:buClr>
-                <a:schemeClr val="bg1"/>
-              </a:buClr>
-            </a:pPr>
-            <a:r>
-              <a:rPr lang="en-GB" sz="2800" u="sng" dirty="0"/>
-              <a:t>Implement:</a:t>
-            </a:r>
-          </a:p>
-          <a:p>
-            <a:pPr>
-              <a:buClr>
-                <a:schemeClr val="bg1"/>
-              </a:buClr>
-              <a:buNone/>
-            </a:pPr>
-            <a:r>
-              <a:rPr lang="en-GB" b="0" dirty="0"/>
-              <a:t>Backlog Management</a:t>
-            </a:r>
-          </a:p>
-          <a:p>
-            <a:pPr marL="631825" lvl="1" indent="-342900">
-              <a:buFont typeface="Wingdings" panose="05000000000000000000" pitchFamily="2" charset="2"/>
-              <a:buChar char="§"/>
-            </a:pPr>
-            <a:r>
-              <a:rPr lang="en-GB" dirty="0"/>
-              <a:t>JIRA or GIT KANBANs</a:t>
-            </a:r>
-          </a:p>
-          <a:p>
-            <a:pPr>
-              <a:buClr>
-                <a:schemeClr val="bg1"/>
-              </a:buClr>
-              <a:buNone/>
-            </a:pPr>
-            <a:r>
-              <a:rPr lang="en-GB" b="0" dirty="0"/>
-              <a:t>Agile Release Train</a:t>
-            </a:r>
-          </a:p>
-          <a:p>
-            <a:pPr marL="631825" lvl="1" indent="-342900">
-              <a:buFont typeface="Wingdings" panose="05000000000000000000" pitchFamily="2" charset="2"/>
-              <a:buChar char="§"/>
-            </a:pPr>
-            <a:r>
-              <a:rPr lang="en-GB" dirty="0"/>
-              <a:t>JIRA Workflow Management</a:t>
-            </a:r>
-            <a:endParaRPr lang="en-GB" b="0" dirty="0"/>
-          </a:p>
-          <a:p>
-            <a:pPr>
-              <a:buClr>
-                <a:schemeClr val="bg1"/>
-              </a:buClr>
-              <a:buNone/>
-            </a:pPr>
-            <a:r>
-              <a:rPr lang="en-GB" b="0" dirty="0"/>
-              <a:t>Program Increment Planning</a:t>
-            </a:r>
-          </a:p>
-          <a:p>
-            <a:pPr marL="631825" lvl="1" indent="-342900">
-              <a:buFont typeface="Wingdings" panose="05000000000000000000" pitchFamily="2" charset="2"/>
-              <a:buChar char="§"/>
-            </a:pPr>
-            <a:r>
-              <a:rPr lang="en-GB" b="0" dirty="0"/>
-              <a:t>JIRA Workflow Management</a:t>
-            </a:r>
-          </a:p>
-          <a:p>
-            <a:pPr marL="631825" lvl="1" indent="-342900">
-              <a:buFont typeface="Wingdings" panose="05000000000000000000" pitchFamily="2" charset="2"/>
-              <a:buChar char="§"/>
-            </a:pPr>
-            <a:r>
-              <a:rPr lang="en-US" dirty="0"/>
-              <a:t>Planning Poker, T-Shirt Sizes, Dot Voting </a:t>
-            </a:r>
-            <a:endParaRPr lang="en-GB" b="0" dirty="0"/>
-          </a:p>
-          <a:p>
-            <a:pPr marL="342900" indent="-342900">
-              <a:buClr>
-                <a:schemeClr val="bg1"/>
-              </a:buClr>
-              <a:buFont typeface="Wingdings" panose="05000000000000000000" pitchFamily="2" charset="2"/>
-              <a:buChar char="§"/>
-            </a:pPr>
-            <a:endParaRPr lang="en-GB" dirty="0"/>
-          </a:p>
-          <a:p>
-            <a:pPr>
-              <a:buClr>
-                <a:schemeClr val="bg1"/>
-              </a:buClr>
-            </a:pPr>
-            <a:r>
-              <a:rPr lang="en-GB" sz="2800" u="sng" dirty="0"/>
-              <a:t>Continued Research:</a:t>
-            </a:r>
-          </a:p>
-          <a:p>
-            <a:pPr marL="342900" indent="-342900">
-              <a:buClr>
-                <a:schemeClr val="bg1"/>
-              </a:buClr>
-              <a:buFont typeface="Wingdings" panose="05000000000000000000" pitchFamily="2" charset="2"/>
-              <a:buChar char="§"/>
-            </a:pPr>
-            <a:r>
-              <a:rPr lang="en-GB" b="0" dirty="0"/>
-              <a:t>Advanced Communication Tools </a:t>
-            </a:r>
-            <a:r>
-              <a:rPr lang="en-GB" sz="1600" b="0" dirty="0"/>
-              <a:t>(for consensus management; requirements traceability)</a:t>
-            </a:r>
-          </a:p>
-          <a:p>
-            <a:pPr marL="342900" indent="-342900">
-              <a:buClr>
-                <a:schemeClr val="bg1"/>
-              </a:buClr>
-              <a:buFont typeface="Wingdings" panose="05000000000000000000" pitchFamily="2" charset="2"/>
-              <a:buChar char="§"/>
-            </a:pPr>
-            <a:r>
-              <a:rPr lang="en-GB" b="0" dirty="0"/>
-              <a:t>Continuous Integration Tools &amp; Automation </a:t>
-            </a:r>
-            <a:r>
-              <a:rPr lang="en-GB" sz="1600" b="0" dirty="0"/>
-              <a:t>(</a:t>
-            </a:r>
-            <a:r>
-              <a:rPr lang="en-US" sz="1600" b="0" dirty="0" err="1"/>
-              <a:t>Bitbucket</a:t>
-            </a:r>
-            <a:r>
-              <a:rPr lang="en-US" sz="1600" b="0" dirty="0"/>
-              <a:t>/Bamboo, Jenkins, AWS </a:t>
-            </a:r>
-            <a:r>
-              <a:rPr lang="en-US" sz="1600" b="0" dirty="0" err="1"/>
-              <a:t>CodePipeline</a:t>
-            </a:r>
-            <a:r>
-              <a:rPr lang="en-US" sz="1600" b="0" dirty="0"/>
-              <a:t>, and </a:t>
-            </a:r>
-            <a:r>
-              <a:rPr lang="en-US" sz="1600" b="0" dirty="0" err="1"/>
-              <a:t>Gitlab</a:t>
-            </a:r>
-            <a:r>
-              <a:rPr lang="en-US" sz="1600" b="0" dirty="0"/>
-              <a:t>)</a:t>
-            </a:r>
-            <a:endParaRPr lang="en-US" b="0" dirty="0"/>
-          </a:p>
-          <a:p>
-            <a:pPr marL="631825" lvl="1" indent="-342900">
-              <a:buFont typeface="Wingdings" panose="05000000000000000000" pitchFamily="2" charset="2"/>
-              <a:buChar char="§"/>
-            </a:pPr>
-            <a:r>
-              <a:rPr lang="en-US" dirty="0"/>
-              <a:t>EXPRESS Engine, JSDAI Compiles, Python scripts or ANT Builds</a:t>
-            </a:r>
-            <a:endParaRPr lang="en-GB" b="0" dirty="0"/>
-          </a:p>
-          <a:p>
-            <a:pPr marL="342900" indent="-342900">
-              <a:buClr>
-                <a:schemeClr val="bg1"/>
-              </a:buClr>
-              <a:buFont typeface="Wingdings" panose="05000000000000000000" pitchFamily="2" charset="2"/>
-              <a:buChar char="§"/>
-            </a:pPr>
-            <a:endParaRPr lang="en-GB" b="0" dirty="0"/>
+            <a:endParaRPr lang="en-GB"/>
           </a:p>
         </p:txBody>
       </p:sp>
-      <p:graphicFrame>
-        <p:nvGraphicFramePr>
-          <p:cNvPr id="6" name="Object 5"/>
-          <p:cNvGraphicFramePr>
-            <a:graphicFrameLocks noChangeAspect="1"/>
-          </p:cNvGraphicFramePr>
-          <p:nvPr>
-            <p:extLst>
-              <p:ext uri="{D42A27DB-BD31-4B8C-83A1-F6EECF244321}">
-                <p14:modId xmlns:p14="http://schemas.microsoft.com/office/powerpoint/2010/main" val="3534968585"/>
-              </p:ext>
-            </p:extLst>
-          </p:nvPr>
-        </p:nvGraphicFramePr>
-        <p:xfrm>
-          <a:off x="7256585" y="1606060"/>
-          <a:ext cx="3552092" cy="2466731"/>
-        </p:xfrm>
-        <a:graphic>
-          <a:graphicData uri="http://schemas.openxmlformats.org/presentationml/2006/ole">
-            <mc:AlternateContent xmlns:mc="http://schemas.openxmlformats.org/markup-compatibility/2006">
-              <mc:Choice xmlns:v="urn:schemas-microsoft-com:vml" Requires="v">
-                <p:oleObj spid="_x0000_s2080" name="Visio" r:id="rId3" imgW="5467350" imgH="3819396" progId="Visio.Drawing.15">
-                  <p:embed/>
-                </p:oleObj>
-              </mc:Choice>
-              <mc:Fallback>
-                <p:oleObj name="Visio" r:id="rId3" imgW="5467350" imgH="3819396" progId="Visio.Drawing.15">
-                  <p:embed/>
-                  <p:pic>
-                    <p:nvPicPr>
-                      <p:cNvPr id="0" name="Object 1"/>
-                      <p:cNvPicPr>
-                        <a:picLocks noChangeAspect="1" noChangeArrowheads="1"/>
-                      </p:cNvPicPr>
-                      <p:nvPr/>
-                    </p:nvPicPr>
-                    <p:blipFill>
-                      <a:blip r:embed="rId4">
-                        <a:extLst>
-                          <a:ext uri="{28A0092B-C50C-407E-A947-70E740481C1C}">
-                            <a14:useLocalDpi xmlns:a14="http://schemas.microsoft.com/office/drawing/2010/main" val="0"/>
-                          </a:ext>
-                        </a:extLst>
-                      </a:blip>
-                      <a:srcRect/>
-                      <a:stretch>
-                        <a:fillRect/>
-                      </a:stretch>
-                    </p:blipFill>
-                    <p:spPr bwMode="auto">
-                      <a:xfrm>
-                        <a:off x="7256585" y="1606060"/>
-                        <a:ext cx="3552092" cy="2466731"/>
-                      </a:xfrm>
-                      <a:prstGeom prst="rect">
-                        <a:avLst/>
-                      </a:prstGeom>
-                      <a:noFill/>
-                    </p:spPr>
-                  </p:pic>
-                </p:oleObj>
-              </mc:Fallback>
-            </mc:AlternateContent>
-          </a:graphicData>
-        </a:graphic>
-      </p:graphicFrame>
     </p:spTree>
     <p:extLst>
       <p:ext uri="{BB962C8B-B14F-4D97-AF65-F5344CB8AC3E}">
-        <p14:creationId xmlns:p14="http://schemas.microsoft.com/office/powerpoint/2010/main" val="3607805654"/>
+        <p14:creationId xmlns:p14="http://schemas.microsoft.com/office/powerpoint/2010/main" val="3769244806"/>
       </p:ext>
     </p:extLst>
   </p:cSld>
@@ -14708,15 +10574,20 @@
             <a:pPr marL="342900" indent="-342900"/>
             <a:r>
               <a:rPr lang="en-US" dirty="0"/>
-              <a:t>Requirements Management</a:t>
+              <a:t>Requirements </a:t>
+            </a:r>
+            <a:r>
+              <a:rPr lang="en-US" dirty="0" smtClean="0"/>
+              <a:t>Management</a:t>
             </a:r>
           </a:p>
           <a:p>
             <a:pPr marL="342900" indent="-342900"/>
             <a:r>
-              <a:rPr lang="en-US" dirty="0"/>
-              <a:t>Continuous Integration</a:t>
+              <a:rPr lang="en-US" dirty="0" smtClean="0"/>
+              <a:t>NIST – Continued Research</a:t>
             </a:r>
+            <a:endParaRPr lang="en-US" dirty="0"/>
           </a:p>
           <a:p>
             <a:pPr marL="342900" indent="-342900"/>
@@ -15969,55 +11840,6 @@
       </p:grpSpPr>
       <p:sp>
         <p:nvSpPr>
-          <p:cNvPr id="75" name="Rectangle 74"/>
-          <p:cNvSpPr/>
-          <p:nvPr/>
-        </p:nvSpPr>
-        <p:spPr>
-          <a:xfrm>
-            <a:off x="2783840" y="6263640"/>
-            <a:ext cx="6797040" cy="594360"/>
-          </a:xfrm>
-          <a:prstGeom prst="rect">
-            <a:avLst/>
-          </a:prstGeom>
-          <a:solidFill>
-            <a:schemeClr val="tx1">
-              <a:lumMod val="75000"/>
-              <a:lumOff val="25000"/>
-            </a:schemeClr>
-          </a:solidFill>
-          <a:ln>
-            <a:noFill/>
-          </a:ln>
-        </p:spPr>
-        <p:style>
-          <a:lnRef idx="2">
-            <a:schemeClr val="accent1">
-              <a:shade val="50000"/>
-            </a:schemeClr>
-          </a:lnRef>
-          <a:fillRef idx="1">
-            <a:schemeClr val="accent1"/>
-          </a:fillRef>
-          <a:effectRef idx="0">
-            <a:schemeClr val="accent1"/>
-          </a:effectRef>
-          <a:fontRef idx="minor">
-            <a:schemeClr val="lt1"/>
-          </a:fontRef>
-        </p:style>
-        <p:txBody>
-          <a:bodyPr rtlCol="0" anchor="ctr"/>
-          <a:lstStyle/>
-          <a:p>
-            <a:pPr algn="ctr"/>
-            <a:endParaRPr lang="en-US"/>
-          </a:p>
-        </p:txBody>
-      </p:sp>
-      <p:sp>
-        <p:nvSpPr>
           <p:cNvPr id="2" name="Title 1"/>
           <p:cNvSpPr>
             <a:spLocks noGrp="1"/>
@@ -16038,7 +11860,7 @@
           <a:p>
             <a:r>
               <a:rPr lang="en-GB" sz="3200" dirty="0"/>
-              <a:t>Proposed Solution 2: Agile Release Train</a:t>
+              <a:t>Continued Research 1: Advanced Communication Tools</a:t>
             </a:r>
           </a:p>
         </p:txBody>
@@ -16115,741 +11937,14 @@
       </p:sp>
       <p:sp>
         <p:nvSpPr>
-          <p:cNvPr id="10" name="Rounded Rectangle 9"/>
-          <p:cNvSpPr/>
-          <p:nvPr/>
-        </p:nvSpPr>
-        <p:spPr>
-          <a:xfrm>
-            <a:off x="3916869" y="1927736"/>
-            <a:ext cx="4289871" cy="436567"/>
-          </a:xfrm>
-          <a:prstGeom prst="roundRect">
-            <a:avLst/>
-          </a:prstGeom>
-        </p:spPr>
-        <p:style>
-          <a:lnRef idx="2">
-            <a:schemeClr val="accent1">
-              <a:shade val="50000"/>
-            </a:schemeClr>
-          </a:lnRef>
-          <a:fillRef idx="1">
-            <a:schemeClr val="accent1"/>
-          </a:fillRef>
-          <a:effectRef idx="0">
-            <a:schemeClr val="accent1"/>
-          </a:effectRef>
-          <a:fontRef idx="minor">
-            <a:schemeClr val="lt1"/>
-          </a:fontRef>
-        </p:style>
-        <p:txBody>
-          <a:bodyPr rtlCol="0" anchor="ctr"/>
-          <a:lstStyle/>
-          <a:p>
-            <a:pPr algn="ctr"/>
-            <a:r>
-              <a:rPr lang="en-US" sz="1100" dirty="0"/>
-              <a:t>AP242e3</a:t>
-            </a:r>
-          </a:p>
-          <a:p>
-            <a:pPr algn="ctr"/>
-            <a:r>
-              <a:rPr lang="en-US" sz="1100" dirty="0">
-                <a:solidFill>
-                  <a:schemeClr val="accent3"/>
-                </a:solidFill>
-              </a:rPr>
-              <a:t>(ART/EPIC)</a:t>
-            </a:r>
-          </a:p>
-        </p:txBody>
-      </p:sp>
-      <p:sp>
-        <p:nvSpPr>
-          <p:cNvPr id="13" name="Flowchart: Delay 12"/>
-          <p:cNvSpPr/>
-          <p:nvPr/>
-        </p:nvSpPr>
-        <p:spPr>
-          <a:xfrm rot="16200000">
-            <a:off x="4588044" y="2424239"/>
-            <a:ext cx="804499" cy="842226"/>
-          </a:xfrm>
-          <a:prstGeom prst="flowChartDelay">
-            <a:avLst/>
-          </a:prstGeom>
-          <a:solidFill>
-            <a:schemeClr val="tx2">
-              <a:lumMod val="20000"/>
-              <a:lumOff val="80000"/>
-            </a:schemeClr>
-          </a:solidFill>
-          <a:ln>
-            <a:noFill/>
-          </a:ln>
-        </p:spPr>
-        <p:style>
-          <a:lnRef idx="2">
-            <a:schemeClr val="accent1">
-              <a:shade val="50000"/>
-            </a:schemeClr>
-          </a:lnRef>
-          <a:fillRef idx="1">
-            <a:schemeClr val="accent1"/>
-          </a:fillRef>
-          <a:effectRef idx="0">
-            <a:schemeClr val="accent1"/>
-          </a:effectRef>
-          <a:fontRef idx="minor">
-            <a:schemeClr val="lt1"/>
-          </a:fontRef>
-        </p:style>
-        <p:txBody>
-          <a:bodyPr rtlCol="0" anchor="ctr"/>
-          <a:lstStyle/>
-          <a:p>
-            <a:pPr algn="ctr"/>
-            <a:endParaRPr lang="en-US" sz="1100"/>
-          </a:p>
-        </p:txBody>
-      </p:sp>
-      <p:sp>
-        <p:nvSpPr>
-          <p:cNvPr id="14" name="Rectangle 13"/>
-          <p:cNvSpPr/>
-          <p:nvPr/>
-        </p:nvSpPr>
-        <p:spPr>
-          <a:xfrm>
-            <a:off x="4565887" y="3242166"/>
-            <a:ext cx="842226" cy="3177735"/>
-          </a:xfrm>
-          <a:prstGeom prst="rect">
-            <a:avLst/>
-          </a:prstGeom>
-          <a:solidFill>
-            <a:schemeClr val="tx2">
-              <a:lumMod val="20000"/>
-              <a:lumOff val="80000"/>
-            </a:schemeClr>
-          </a:solidFill>
-          <a:ln>
-            <a:noFill/>
-          </a:ln>
-        </p:spPr>
-        <p:style>
-          <a:lnRef idx="2">
-            <a:schemeClr val="accent1">
-              <a:shade val="50000"/>
-            </a:schemeClr>
-          </a:lnRef>
-          <a:fillRef idx="1">
-            <a:schemeClr val="accent1"/>
-          </a:fillRef>
-          <a:effectRef idx="0">
-            <a:schemeClr val="accent1"/>
-          </a:effectRef>
-          <a:fontRef idx="minor">
-            <a:schemeClr val="lt1"/>
-          </a:fontRef>
-        </p:style>
-        <p:txBody>
-          <a:bodyPr rtlCol="0" anchor="ctr"/>
-          <a:lstStyle/>
-          <a:p>
-            <a:pPr algn="ctr"/>
-            <a:endParaRPr lang="en-US" sz="1100"/>
-          </a:p>
-        </p:txBody>
-      </p:sp>
-      <p:sp>
-        <p:nvSpPr>
-          <p:cNvPr id="17" name="Flowchart: Delay 16"/>
-          <p:cNvSpPr/>
-          <p:nvPr/>
-        </p:nvSpPr>
-        <p:spPr>
-          <a:xfrm rot="16200000">
-            <a:off x="5524718" y="2424239"/>
-            <a:ext cx="804499" cy="842226"/>
-          </a:xfrm>
-          <a:prstGeom prst="flowChartDelay">
-            <a:avLst/>
-          </a:prstGeom>
-          <a:solidFill>
-            <a:schemeClr val="accent4">
-              <a:lumMod val="40000"/>
-              <a:lumOff val="60000"/>
-            </a:schemeClr>
-          </a:solidFill>
-          <a:ln>
-            <a:noFill/>
-          </a:ln>
-        </p:spPr>
-        <p:style>
-          <a:lnRef idx="2">
-            <a:schemeClr val="accent1">
-              <a:shade val="50000"/>
-            </a:schemeClr>
-          </a:lnRef>
-          <a:fillRef idx="1">
-            <a:schemeClr val="accent1"/>
-          </a:fillRef>
-          <a:effectRef idx="0">
-            <a:schemeClr val="accent1"/>
-          </a:effectRef>
-          <a:fontRef idx="minor">
-            <a:schemeClr val="lt1"/>
-          </a:fontRef>
-        </p:style>
-        <p:txBody>
-          <a:bodyPr rtlCol="0" anchor="ctr"/>
-          <a:lstStyle/>
-          <a:p>
-            <a:pPr algn="ctr"/>
-            <a:endParaRPr lang="en-US" sz="1100"/>
-          </a:p>
-        </p:txBody>
-      </p:sp>
-      <p:sp>
-        <p:nvSpPr>
-          <p:cNvPr id="18" name="Rectangle 17"/>
-          <p:cNvSpPr/>
-          <p:nvPr/>
-        </p:nvSpPr>
-        <p:spPr>
-          <a:xfrm>
-            <a:off x="5502558" y="3242166"/>
-            <a:ext cx="842226" cy="3177735"/>
-          </a:xfrm>
-          <a:prstGeom prst="rect">
-            <a:avLst/>
-          </a:prstGeom>
-          <a:solidFill>
-            <a:schemeClr val="accent4">
-              <a:lumMod val="40000"/>
-              <a:lumOff val="60000"/>
-            </a:schemeClr>
-          </a:solidFill>
-          <a:ln>
-            <a:noFill/>
-          </a:ln>
-        </p:spPr>
-        <p:style>
-          <a:lnRef idx="2">
-            <a:schemeClr val="accent1">
-              <a:shade val="50000"/>
-            </a:schemeClr>
-          </a:lnRef>
-          <a:fillRef idx="1">
-            <a:schemeClr val="accent1"/>
-          </a:fillRef>
-          <a:effectRef idx="0">
-            <a:schemeClr val="accent1"/>
-          </a:effectRef>
-          <a:fontRef idx="minor">
-            <a:schemeClr val="lt1"/>
-          </a:fontRef>
-        </p:style>
-        <p:txBody>
-          <a:bodyPr rtlCol="0" anchor="ctr"/>
-          <a:lstStyle/>
-          <a:p>
-            <a:pPr algn="ctr"/>
-            <a:endParaRPr lang="en-US" sz="1100"/>
-          </a:p>
-        </p:txBody>
-      </p:sp>
-      <p:sp>
-        <p:nvSpPr>
-          <p:cNvPr id="20" name="Flowchart: Delay 19"/>
-          <p:cNvSpPr/>
-          <p:nvPr/>
-        </p:nvSpPr>
-        <p:spPr>
-          <a:xfrm rot="16200000">
-            <a:off x="6457289" y="2424239"/>
-            <a:ext cx="804499" cy="842226"/>
-          </a:xfrm>
-          <a:prstGeom prst="flowChartDelay">
-            <a:avLst/>
-          </a:prstGeom>
-          <a:solidFill>
-            <a:schemeClr val="accent6">
-              <a:lumMod val="60000"/>
-              <a:lumOff val="40000"/>
-            </a:schemeClr>
-          </a:solidFill>
-          <a:ln>
-            <a:noFill/>
-          </a:ln>
-        </p:spPr>
-        <p:style>
-          <a:lnRef idx="2">
-            <a:schemeClr val="accent1">
-              <a:shade val="50000"/>
-            </a:schemeClr>
-          </a:lnRef>
-          <a:fillRef idx="1">
-            <a:schemeClr val="accent1"/>
-          </a:fillRef>
-          <a:effectRef idx="0">
-            <a:schemeClr val="accent1"/>
-          </a:effectRef>
-          <a:fontRef idx="minor">
-            <a:schemeClr val="lt1"/>
-          </a:fontRef>
-        </p:style>
-        <p:txBody>
-          <a:bodyPr rtlCol="0" anchor="ctr"/>
-          <a:lstStyle/>
-          <a:p>
-            <a:pPr algn="ctr"/>
-            <a:endParaRPr lang="en-US" sz="1100"/>
-          </a:p>
-        </p:txBody>
-      </p:sp>
-      <p:sp>
-        <p:nvSpPr>
-          <p:cNvPr id="21" name="Rectangle 20"/>
-          <p:cNvSpPr/>
-          <p:nvPr/>
-        </p:nvSpPr>
-        <p:spPr>
-          <a:xfrm>
-            <a:off x="6435129" y="3242166"/>
-            <a:ext cx="842226" cy="3177735"/>
-          </a:xfrm>
-          <a:prstGeom prst="rect">
-            <a:avLst/>
-          </a:prstGeom>
-          <a:solidFill>
-            <a:schemeClr val="accent6">
-              <a:lumMod val="60000"/>
-              <a:lumOff val="40000"/>
-            </a:schemeClr>
-          </a:solidFill>
-          <a:ln>
-            <a:noFill/>
-          </a:ln>
-        </p:spPr>
-        <p:style>
-          <a:lnRef idx="2">
-            <a:schemeClr val="accent1">
-              <a:shade val="50000"/>
-            </a:schemeClr>
-          </a:lnRef>
-          <a:fillRef idx="1">
-            <a:schemeClr val="accent1"/>
-          </a:fillRef>
-          <a:effectRef idx="0">
-            <a:schemeClr val="accent1"/>
-          </a:effectRef>
-          <a:fontRef idx="minor">
-            <a:schemeClr val="lt1"/>
-          </a:fontRef>
-        </p:style>
-        <p:txBody>
-          <a:bodyPr rtlCol="0" anchor="ctr"/>
-          <a:lstStyle/>
-          <a:p>
-            <a:pPr algn="ctr"/>
-            <a:endParaRPr lang="en-US" sz="1100"/>
-          </a:p>
-        </p:txBody>
-      </p:sp>
-      <p:sp>
-        <p:nvSpPr>
-          <p:cNvPr id="23" name="Flowchart: Delay 22"/>
-          <p:cNvSpPr/>
-          <p:nvPr/>
-        </p:nvSpPr>
-        <p:spPr>
-          <a:xfrm rot="16200000">
-            <a:off x="7356448" y="2424239"/>
-            <a:ext cx="804499" cy="842226"/>
-          </a:xfrm>
-          <a:prstGeom prst="flowChartDelay">
-            <a:avLst/>
-          </a:prstGeom>
-          <a:solidFill>
-            <a:schemeClr val="bg1">
-              <a:lumMod val="75000"/>
-            </a:schemeClr>
-          </a:solidFill>
-          <a:ln>
-            <a:noFill/>
-          </a:ln>
-        </p:spPr>
-        <p:style>
-          <a:lnRef idx="2">
-            <a:schemeClr val="accent1">
-              <a:shade val="50000"/>
-            </a:schemeClr>
-          </a:lnRef>
-          <a:fillRef idx="1">
-            <a:schemeClr val="accent1"/>
-          </a:fillRef>
-          <a:effectRef idx="0">
-            <a:schemeClr val="accent1"/>
-          </a:effectRef>
-          <a:fontRef idx="minor">
-            <a:schemeClr val="lt1"/>
-          </a:fontRef>
-        </p:style>
-        <p:txBody>
-          <a:bodyPr rtlCol="0" anchor="ctr"/>
-          <a:lstStyle/>
-          <a:p>
-            <a:pPr algn="ctr"/>
-            <a:endParaRPr lang="en-US" sz="1100"/>
-          </a:p>
-        </p:txBody>
-      </p:sp>
-      <p:sp>
-        <p:nvSpPr>
-          <p:cNvPr id="24" name="Rectangle 23"/>
-          <p:cNvSpPr/>
-          <p:nvPr/>
-        </p:nvSpPr>
-        <p:spPr>
-          <a:xfrm>
-            <a:off x="7334288" y="3242166"/>
-            <a:ext cx="842226" cy="3177735"/>
-          </a:xfrm>
-          <a:prstGeom prst="rect">
-            <a:avLst/>
-          </a:prstGeom>
-          <a:solidFill>
-            <a:schemeClr val="bg1">
-              <a:lumMod val="75000"/>
-            </a:schemeClr>
-          </a:solidFill>
-          <a:ln>
-            <a:noFill/>
-          </a:ln>
-        </p:spPr>
-        <p:style>
-          <a:lnRef idx="2">
-            <a:schemeClr val="accent1">
-              <a:shade val="50000"/>
-            </a:schemeClr>
-          </a:lnRef>
-          <a:fillRef idx="1">
-            <a:schemeClr val="accent1"/>
-          </a:fillRef>
-          <a:effectRef idx="0">
-            <a:schemeClr val="accent1"/>
-          </a:effectRef>
-          <a:fontRef idx="minor">
-            <a:schemeClr val="lt1"/>
-          </a:fontRef>
-        </p:style>
-        <p:txBody>
-          <a:bodyPr rtlCol="0" anchor="ctr"/>
-          <a:lstStyle/>
-          <a:p>
-            <a:pPr algn="ctr"/>
-            <a:endParaRPr lang="en-US" sz="1100"/>
-          </a:p>
-        </p:txBody>
-      </p:sp>
-      <p:pic>
-        <p:nvPicPr>
-          <p:cNvPr id="25" name="Content Placeholder 24"/>
-          <p:cNvPicPr>
-            <a:picLocks noGrp="1" noChangeAspect="1"/>
-          </p:cNvPicPr>
-          <p:nvPr>
-            <p:ph sz="quarter" idx="16"/>
-          </p:nvPr>
-        </p:nvPicPr>
-        <p:blipFill>
-          <a:blip r:embed="rId3" cstate="print">
-            <a:extLst>
-              <a:ext uri="{28A0092B-C50C-407E-A947-70E740481C1C}">
-                <a14:useLocalDpi xmlns:a14="http://schemas.microsoft.com/office/drawing/2010/main" val="0"/>
-              </a:ext>
-            </a:extLst>
-          </a:blip>
-          <a:stretch>
-            <a:fillRect/>
-          </a:stretch>
-        </p:blipFill>
-        <p:spPr>
-          <a:xfrm>
-            <a:off x="4701970" y="3092334"/>
-            <a:ext cx="467590" cy="564278"/>
-          </a:xfrm>
-          <a:prstGeom prst="ellipse">
-            <a:avLst/>
-          </a:prstGeom>
-          <a:ln w="6350" cap="rnd">
-            <a:solidFill>
-              <a:srgbClr val="333333"/>
-            </a:solidFill>
-          </a:ln>
-          <a:effectLst>
-            <a:outerShdw blurRad="381000" dist="292100" dir="5400000" sx="-80000" sy="-18000" rotWithShape="0">
-              <a:srgbClr val="000000">
-                <a:alpha val="22000"/>
-              </a:srgbClr>
-            </a:outerShdw>
-          </a:effectLst>
-          <a:scene3d>
-            <a:camera prst="orthographicFront"/>
-            <a:lightRig rig="contrasting" dir="t">
-              <a:rot lat="0" lon="0" rev="3000000"/>
-            </a:lightRig>
-          </a:scene3d>
-          <a:sp3d contourW="7620">
-            <a:bevelT w="95250" h="31750"/>
-            <a:contourClr>
-              <a:srgbClr val="333333"/>
-            </a:contourClr>
-          </a:sp3d>
-        </p:spPr>
-      </p:pic>
-      <p:pic>
-        <p:nvPicPr>
-          <p:cNvPr id="26" name="Picture 25"/>
-          <p:cNvPicPr>
-            <a:picLocks noChangeAspect="1"/>
-          </p:cNvPicPr>
-          <p:nvPr/>
-        </p:nvPicPr>
-        <p:blipFill>
-          <a:blip r:embed="rId4" cstate="print">
-            <a:extLst>
-              <a:ext uri="{BEBA8EAE-BF5A-486C-A8C5-ECC9F3942E4B}">
-                <a14:imgProps xmlns:a14="http://schemas.microsoft.com/office/drawing/2010/main">
-                  <a14:imgLayer r:embed="rId5">
-                    <a14:imgEffect>
-                      <a14:brightnessContrast bright="20000"/>
-                    </a14:imgEffect>
-                  </a14:imgLayer>
-                </a14:imgProps>
-              </a:ext>
-              <a:ext uri="{28A0092B-C50C-407E-A947-70E740481C1C}">
-                <a14:useLocalDpi xmlns:a14="http://schemas.microsoft.com/office/drawing/2010/main" val="0"/>
-              </a:ext>
-            </a:extLst>
-          </a:blip>
-          <a:stretch>
-            <a:fillRect/>
-          </a:stretch>
-        </p:blipFill>
-        <p:spPr>
-          <a:xfrm>
-            <a:off x="5649074" y="3090915"/>
-            <a:ext cx="491069" cy="562338"/>
-          </a:xfrm>
-          <a:prstGeom prst="ellipse">
-            <a:avLst/>
-          </a:prstGeom>
-          <a:ln w="6350" cap="rnd">
-            <a:solidFill>
-              <a:srgbClr val="333333"/>
-            </a:solidFill>
-          </a:ln>
-          <a:effectLst>
-            <a:outerShdw blurRad="381000" dist="292100" dir="5400000" sx="-80000" sy="-18000" rotWithShape="0">
-              <a:srgbClr val="000000">
-                <a:alpha val="22000"/>
-              </a:srgbClr>
-            </a:outerShdw>
-          </a:effectLst>
-          <a:scene3d>
-            <a:camera prst="orthographicFront"/>
-            <a:lightRig rig="contrasting" dir="t">
-              <a:rot lat="0" lon="0" rev="3000000"/>
-            </a:lightRig>
-          </a:scene3d>
-          <a:sp3d contourW="7620">
-            <a:bevelT w="95250" h="31750"/>
-            <a:contourClr>
-              <a:srgbClr val="333333"/>
-            </a:contourClr>
-          </a:sp3d>
-        </p:spPr>
-      </p:pic>
-      <p:pic>
-        <p:nvPicPr>
-          <p:cNvPr id="27" name="Picture 26"/>
-          <p:cNvPicPr>
-            <a:picLocks noChangeAspect="1"/>
-          </p:cNvPicPr>
-          <p:nvPr/>
-        </p:nvPicPr>
-        <p:blipFill>
-          <a:blip r:embed="rId6" cstate="print">
-            <a:lum bright="70000" contrast="-70000"/>
-            <a:extLst>
-              <a:ext uri="{28A0092B-C50C-407E-A947-70E740481C1C}">
-                <a14:useLocalDpi xmlns:a14="http://schemas.microsoft.com/office/drawing/2010/main" val="0"/>
-              </a:ext>
-            </a:extLst>
-          </a:blip>
-          <a:stretch>
-            <a:fillRect/>
-          </a:stretch>
-        </p:blipFill>
-        <p:spPr>
-          <a:xfrm>
-            <a:off x="6569953" y="3086603"/>
-            <a:ext cx="493528" cy="554927"/>
-          </a:xfrm>
-          <a:prstGeom prst="ellipse">
-            <a:avLst/>
-          </a:prstGeom>
-          <a:ln w="6350" cap="rnd">
-            <a:solidFill>
-              <a:srgbClr val="333333"/>
-            </a:solidFill>
-          </a:ln>
-          <a:effectLst>
-            <a:outerShdw blurRad="381000" dist="292100" dir="5400000" sx="-80000" sy="-18000" rotWithShape="0">
-              <a:srgbClr val="000000">
-                <a:alpha val="22000"/>
-              </a:srgbClr>
-            </a:outerShdw>
-          </a:effectLst>
-          <a:scene3d>
-            <a:camera prst="orthographicFront"/>
-            <a:lightRig rig="contrasting" dir="t">
-              <a:rot lat="0" lon="0" rev="3000000"/>
-            </a:lightRig>
-          </a:scene3d>
-          <a:sp3d contourW="7620">
-            <a:bevelT w="95250" h="31750"/>
-            <a:contourClr>
-              <a:srgbClr val="333333"/>
-            </a:contourClr>
-          </a:sp3d>
-        </p:spPr>
-      </p:pic>
-      <p:pic>
-        <p:nvPicPr>
-          <p:cNvPr id="28" name="Content Placeholder 24"/>
-          <p:cNvPicPr>
-            <a:picLocks noChangeAspect="1"/>
-          </p:cNvPicPr>
-          <p:nvPr/>
-        </p:nvPicPr>
-        <p:blipFill>
-          <a:blip r:embed="rId3" cstate="print">
-            <a:extLst>
-              <a:ext uri="{28A0092B-C50C-407E-A947-70E740481C1C}">
-                <a14:useLocalDpi xmlns:a14="http://schemas.microsoft.com/office/drawing/2010/main" val="0"/>
-              </a:ext>
-            </a:extLst>
-          </a:blip>
-          <a:stretch>
-            <a:fillRect/>
-          </a:stretch>
-        </p:blipFill>
-        <p:spPr bwMode="auto">
-          <a:xfrm>
-            <a:off x="7505543" y="3092334"/>
-            <a:ext cx="467590" cy="564278"/>
-          </a:xfrm>
-          <a:prstGeom prst="ellipse">
-            <a:avLst/>
-          </a:prstGeom>
-          <a:solidFill>
-            <a:schemeClr val="tx1">
-              <a:lumMod val="75000"/>
-              <a:lumOff val="25000"/>
-            </a:schemeClr>
-          </a:solidFill>
-          <a:ln w="6350" cap="rnd">
-            <a:solidFill>
-              <a:srgbClr val="333333"/>
-            </a:solidFill>
-            <a:miter lim="800000"/>
-            <a:headEnd/>
-            <a:tailEnd/>
-          </a:ln>
-          <a:effectLst>
-            <a:outerShdw blurRad="381000" dist="292100" dir="5400000" sx="-80000" sy="-18000" rotWithShape="0">
-              <a:srgbClr val="000000">
-                <a:alpha val="22000"/>
-              </a:srgbClr>
-            </a:outerShdw>
-          </a:effectLst>
-          <a:scene3d>
-            <a:camera prst="orthographicFront"/>
-            <a:lightRig rig="contrasting" dir="t">
-              <a:rot lat="0" lon="0" rev="3000000"/>
-            </a:lightRig>
-          </a:scene3d>
-          <a:sp3d contourW="7620">
-            <a:bevelT w="95250" h="31750"/>
-            <a:contourClr>
-              <a:srgbClr val="333333"/>
-            </a:contourClr>
-          </a:sp3d>
-        </p:spPr>
-      </p:pic>
-      <p:sp>
-        <p:nvSpPr>
-          <p:cNvPr id="29" name="Rounded Rectangle 28"/>
-          <p:cNvSpPr/>
-          <p:nvPr/>
-        </p:nvSpPr>
-        <p:spPr>
-          <a:xfrm>
-            <a:off x="3989927" y="3075150"/>
-            <a:ext cx="4262534" cy="613274"/>
-          </a:xfrm>
-          <a:prstGeom prst="roundRect">
-            <a:avLst/>
-          </a:prstGeom>
-          <a:noFill/>
-          <a:ln>
-            <a:solidFill>
-              <a:schemeClr val="tx1"/>
-            </a:solidFill>
-          </a:ln>
-        </p:spPr>
-        <p:style>
-          <a:lnRef idx="2">
-            <a:schemeClr val="accent1">
-              <a:shade val="50000"/>
-            </a:schemeClr>
-          </a:lnRef>
-          <a:fillRef idx="1">
-            <a:schemeClr val="accent1"/>
-          </a:fillRef>
-          <a:effectRef idx="0">
-            <a:schemeClr val="accent1"/>
-          </a:effectRef>
-          <a:fontRef idx="minor">
-            <a:schemeClr val="lt1"/>
-          </a:fontRef>
-        </p:style>
-        <p:txBody>
-          <a:bodyPr rtlCol="0" anchor="ctr"/>
-          <a:lstStyle/>
-          <a:p>
-            <a:pPr algn="ctr"/>
-            <a:endParaRPr lang="en-US" sz="1100"/>
-          </a:p>
-        </p:txBody>
-      </p:sp>
-      <p:sp>
-        <p:nvSpPr>
-          <p:cNvPr id="30" name="TextBox 29"/>
+          <p:cNvPr id="51" name="TextBox 50"/>
           <p:cNvSpPr txBox="1"/>
           <p:nvPr/>
         </p:nvSpPr>
         <p:spPr>
           <a:xfrm>
-            <a:off x="3970020" y="3187532"/>
-            <a:ext cx="640080" cy="415498"/>
+            <a:off x="9859106" y="1347373"/>
+            <a:ext cx="589713" cy="338554"/>
           </a:xfrm>
           <a:prstGeom prst="rect">
             <a:avLst/>
@@ -16857,1316 +11952,155 @@
           <a:noFill/>
         </p:spPr>
         <p:txBody>
-          <a:bodyPr wrap="square" rtlCol="0">
+          <a:bodyPr wrap="none" rtlCol="0">
             <a:spAutoFit/>
           </a:bodyPr>
           <a:lstStyle/>
           <a:p>
-            <a:pPr algn="ctr"/>
             <a:r>
-              <a:rPr lang="en-US" sz="1050" dirty="0"/>
-              <a:t>PMI Team</a:t>
+              <a:rPr lang="en-US" sz="1600" dirty="0">
+                <a:solidFill>
+                  <a:schemeClr val="bg1"/>
+                </a:solidFill>
+              </a:rPr>
+              <a:t>ART</a:t>
             </a:r>
           </a:p>
         </p:txBody>
       </p:sp>
       <p:sp>
         <p:nvSpPr>
-          <p:cNvPr id="31" name="Rounded Rectangle 30"/>
-          <p:cNvSpPr/>
-          <p:nvPr/>
+          <p:cNvPr id="3" name="Content Placeholder 2"/>
+          <p:cNvSpPr>
+            <a:spLocks noGrp="1"/>
+          </p:cNvSpPr>
+          <p:nvPr>
+            <p:ph sz="quarter" idx="16"/>
+          </p:nvPr>
         </p:nvSpPr>
         <p:spPr>
           <a:xfrm>
-            <a:off x="3989927" y="4435027"/>
-            <a:ext cx="4262534" cy="613274"/>
+            <a:off x="405383" y="1283208"/>
+            <a:ext cx="11311128" cy="4191917"/>
           </a:xfrm>
-          <a:prstGeom prst="roundRect">
-            <a:avLst/>
-          </a:prstGeom>
-          <a:noFill/>
-          <a:ln>
-            <a:solidFill>
-              <a:schemeClr val="tx1"/>
-            </a:solidFill>
-          </a:ln>
-        </p:spPr>
-        <p:style>
-          <a:lnRef idx="2">
-            <a:schemeClr val="accent1">
-              <a:shade val="50000"/>
-            </a:schemeClr>
-          </a:lnRef>
-          <a:fillRef idx="1">
-            <a:schemeClr val="accent1"/>
-          </a:fillRef>
-          <a:effectRef idx="0">
-            <a:schemeClr val="accent1"/>
-          </a:effectRef>
-          <a:fontRef idx="minor">
-            <a:schemeClr val="lt1"/>
-          </a:fontRef>
-        </p:style>
-        <p:txBody>
-          <a:bodyPr rtlCol="0" anchor="ctr"/>
-          <a:lstStyle/>
-          <a:p>
-            <a:pPr algn="ctr"/>
-            <a:endParaRPr lang="en-US" sz="1100"/>
-          </a:p>
-        </p:txBody>
-      </p:sp>
-      <p:sp>
-        <p:nvSpPr>
-          <p:cNvPr id="32" name="TextBox 31"/>
-          <p:cNvSpPr txBox="1"/>
-          <p:nvPr/>
-        </p:nvSpPr>
-        <p:spPr>
-          <a:xfrm>
-            <a:off x="3980559" y="4532169"/>
-            <a:ext cx="629542" cy="415498"/>
-          </a:xfrm>
-          <a:prstGeom prst="rect">
-            <a:avLst/>
-          </a:prstGeom>
-          <a:noFill/>
         </p:spPr>
         <p:txBody>
-          <a:bodyPr wrap="square" rtlCol="0">
-            <a:spAutoFit/>
-          </a:bodyPr>
+          <a:bodyPr/>
           <a:lstStyle/>
           <a:p>
-            <a:pPr algn="ctr"/>
+            <a:pPr>
+              <a:buNone/>
+            </a:pPr>
+            <a:endParaRPr lang="en-US" b="0" dirty="0"/>
+          </a:p>
+          <a:p>
+            <a:pPr marL="342900" indent="-342900">
+              <a:buFont typeface="Arial" panose="020B0604020202020204" pitchFamily="34" charset="0"/>
+              <a:buChar char="•"/>
+            </a:pPr>
             <a:r>
-              <a:rPr lang="en-US" sz="1050" dirty="0"/>
-              <a:t>EWH </a:t>
+              <a:rPr lang="en-US" b="0" dirty="0"/>
+              <a:t>Requirements traceability</a:t>
             </a:r>
           </a:p>
           <a:p>
-            <a:pPr algn="ctr"/>
+            <a:pPr marL="631825" lvl="1" indent="-342900"/>
             <a:r>
-              <a:rPr lang="en-US" sz="1050" dirty="0"/>
-              <a:t>Team</a:t>
+              <a:rPr lang="en-US" sz="1600" dirty="0"/>
+              <a:t>Requirements:</a:t>
             </a:r>
           </a:p>
-        </p:txBody>
-      </p:sp>
-      <p:sp>
-        <p:nvSpPr>
-          <p:cNvPr id="33" name="TextBox 32"/>
-          <p:cNvSpPr txBox="1"/>
-          <p:nvPr/>
-        </p:nvSpPr>
-        <p:spPr>
-          <a:xfrm>
-            <a:off x="4572002" y="3872216"/>
-            <a:ext cx="845820" cy="230832"/>
-          </a:xfrm>
-          <a:prstGeom prst="rect">
-            <a:avLst/>
-          </a:prstGeom>
-          <a:noFill/>
-        </p:spPr>
-        <p:txBody>
-          <a:bodyPr wrap="square" rtlCol="0">
-            <a:spAutoFit/>
-          </a:bodyPr>
-          <a:lstStyle/>
-          <a:p>
-            <a:pPr algn="ctr"/>
+          <a:p>
+            <a:pPr marL="850900" lvl="2" indent="-342900"/>
             <a:r>
-              <a:rPr lang="en-US" sz="900" dirty="0"/>
-              <a:t>Define</a:t>
+              <a:rPr lang="en-US" sz="1400" dirty="0"/>
+              <a:t> come from different sources: users, implementers, domain experts, …</a:t>
             </a:r>
           </a:p>
-        </p:txBody>
-      </p:sp>
-      <p:sp>
-        <p:nvSpPr>
-          <p:cNvPr id="34" name="TextBox 33"/>
-          <p:cNvSpPr txBox="1"/>
-          <p:nvPr/>
-        </p:nvSpPr>
-        <p:spPr>
-          <a:xfrm>
-            <a:off x="5494021" y="3872216"/>
-            <a:ext cx="861060" cy="230832"/>
-          </a:xfrm>
-          <a:prstGeom prst="rect">
-            <a:avLst/>
-          </a:prstGeom>
-          <a:noFill/>
-        </p:spPr>
-        <p:txBody>
-          <a:bodyPr wrap="square" rtlCol="0">
-            <a:spAutoFit/>
-          </a:bodyPr>
-          <a:lstStyle/>
-          <a:p>
-            <a:pPr algn="ctr"/>
+          <a:p>
+            <a:pPr marL="850900" lvl="2" indent="-342900"/>
             <a:r>
-              <a:rPr lang="en-US" sz="900" dirty="0"/>
-              <a:t>Build</a:t>
+              <a:rPr lang="en-US" sz="1400" dirty="0"/>
+              <a:t> in different forms: email, spreadsheet, word document, meetings, …</a:t>
             </a:r>
           </a:p>
-        </p:txBody>
-      </p:sp>
-      <p:sp>
-        <p:nvSpPr>
-          <p:cNvPr id="35" name="TextBox 34"/>
-          <p:cNvSpPr txBox="1"/>
-          <p:nvPr/>
-        </p:nvSpPr>
-        <p:spPr>
-          <a:xfrm>
-            <a:off x="6438901" y="3872216"/>
-            <a:ext cx="838200" cy="230832"/>
-          </a:xfrm>
-          <a:prstGeom prst="rect">
-            <a:avLst/>
-          </a:prstGeom>
-          <a:noFill/>
-        </p:spPr>
-        <p:txBody>
-          <a:bodyPr wrap="square" rtlCol="0">
-            <a:spAutoFit/>
-          </a:bodyPr>
-          <a:lstStyle/>
-          <a:p>
-            <a:pPr algn="ctr"/>
+          <a:p>
+            <a:pPr marL="850900" lvl="2" indent="-342900"/>
             <a:r>
-              <a:rPr lang="en-US" sz="900" dirty="0"/>
-              <a:t>Test</a:t>
-            </a:r>
-          </a:p>
-        </p:txBody>
-      </p:sp>
-      <p:sp>
-        <p:nvSpPr>
-          <p:cNvPr id="36" name="TextBox 35"/>
-          <p:cNvSpPr txBox="1"/>
-          <p:nvPr/>
-        </p:nvSpPr>
-        <p:spPr>
-          <a:xfrm>
-            <a:off x="7338060" y="3872216"/>
-            <a:ext cx="838200" cy="230832"/>
-          </a:xfrm>
-          <a:prstGeom prst="rect">
-            <a:avLst/>
-          </a:prstGeom>
-          <a:noFill/>
-        </p:spPr>
-        <p:txBody>
-          <a:bodyPr wrap="square" rtlCol="0">
-            <a:spAutoFit/>
-          </a:bodyPr>
-          <a:lstStyle/>
-          <a:p>
-            <a:pPr algn="ctr"/>
-            <a:r>
-              <a:rPr lang="en-US" sz="900" dirty="0"/>
-              <a:t>Deploy</a:t>
-            </a:r>
-          </a:p>
-        </p:txBody>
-      </p:sp>
-      <p:pic>
-        <p:nvPicPr>
-          <p:cNvPr id="37" name="Content Placeholder 24"/>
-          <p:cNvPicPr>
-            <a:picLocks noChangeAspect="1"/>
-          </p:cNvPicPr>
-          <p:nvPr/>
-        </p:nvPicPr>
-        <p:blipFill>
-          <a:blip r:embed="rId3" cstate="print">
-            <a:extLst>
-              <a:ext uri="{BEBA8EAE-BF5A-486C-A8C5-ECC9F3942E4B}">
-                <a14:imgProps xmlns:a14="http://schemas.microsoft.com/office/drawing/2010/main">
-                  <a14:imgLayer r:embed="rId7">
-                    <a14:imgEffect>
-                      <a14:brightnessContrast bright="20000" contrast="-40000"/>
-                    </a14:imgEffect>
-                  </a14:imgLayer>
-                </a14:imgProps>
-              </a:ext>
-              <a:ext uri="{28A0092B-C50C-407E-A947-70E740481C1C}">
-                <a14:useLocalDpi xmlns:a14="http://schemas.microsoft.com/office/drawing/2010/main" val="0"/>
-              </a:ext>
-            </a:extLst>
-          </a:blip>
-          <a:stretch>
-            <a:fillRect/>
-          </a:stretch>
-        </p:blipFill>
-        <p:spPr bwMode="auto">
-          <a:xfrm>
-            <a:off x="4701970" y="4452211"/>
-            <a:ext cx="467590" cy="564278"/>
-          </a:xfrm>
-          <a:prstGeom prst="ellipse">
-            <a:avLst/>
-          </a:prstGeom>
-          <a:solidFill>
-            <a:schemeClr val="tx1">
-              <a:lumMod val="75000"/>
-              <a:lumOff val="25000"/>
-            </a:schemeClr>
-          </a:solidFill>
-          <a:ln w="6350" cap="rnd">
-            <a:solidFill>
-              <a:srgbClr val="333333"/>
-            </a:solidFill>
-            <a:miter lim="800000"/>
-            <a:headEnd/>
-            <a:tailEnd/>
-          </a:ln>
-          <a:effectLst>
-            <a:outerShdw blurRad="381000" dist="292100" dir="5400000" sx="-80000" sy="-18000" rotWithShape="0">
-              <a:srgbClr val="000000">
-                <a:alpha val="22000"/>
-              </a:srgbClr>
-            </a:outerShdw>
-          </a:effectLst>
-          <a:scene3d>
-            <a:camera prst="orthographicFront"/>
-            <a:lightRig rig="contrasting" dir="t">
-              <a:rot lat="0" lon="0" rev="3000000"/>
-            </a:lightRig>
-          </a:scene3d>
-          <a:sp3d contourW="7620">
-            <a:bevelT w="95250" h="31750"/>
-            <a:contourClr>
-              <a:srgbClr val="333333"/>
-            </a:contourClr>
-          </a:sp3d>
-        </p:spPr>
-      </p:pic>
-      <p:pic>
-        <p:nvPicPr>
-          <p:cNvPr id="38" name="Picture 37"/>
-          <p:cNvPicPr>
-            <a:picLocks noChangeAspect="1"/>
-          </p:cNvPicPr>
-          <p:nvPr/>
-        </p:nvPicPr>
-        <p:blipFill>
-          <a:blip r:embed="rId4" cstate="print">
-            <a:extLst>
-              <a:ext uri="{BEBA8EAE-BF5A-486C-A8C5-ECC9F3942E4B}">
-                <a14:imgProps xmlns:a14="http://schemas.microsoft.com/office/drawing/2010/main">
-                  <a14:imgLayer r:embed="rId5">
-                    <a14:imgEffect>
-                      <a14:brightnessContrast bright="20000"/>
-                    </a14:imgEffect>
-                  </a14:imgLayer>
-                </a14:imgProps>
-              </a:ext>
-              <a:ext uri="{28A0092B-C50C-407E-A947-70E740481C1C}">
-                <a14:useLocalDpi xmlns:a14="http://schemas.microsoft.com/office/drawing/2010/main" val="0"/>
-              </a:ext>
-            </a:extLst>
-          </a:blip>
-          <a:stretch>
-            <a:fillRect/>
-          </a:stretch>
-        </p:blipFill>
-        <p:spPr>
-          <a:xfrm>
-            <a:off x="5649074" y="4450792"/>
-            <a:ext cx="491069" cy="562338"/>
-          </a:xfrm>
-          <a:prstGeom prst="ellipse">
-            <a:avLst/>
-          </a:prstGeom>
-          <a:ln w="6350" cap="rnd">
-            <a:solidFill>
-              <a:srgbClr val="333333"/>
-            </a:solidFill>
-          </a:ln>
-          <a:effectLst>
-            <a:outerShdw blurRad="381000" dist="292100" dir="5400000" sx="-80000" sy="-18000" rotWithShape="0">
-              <a:srgbClr val="000000">
-                <a:alpha val="22000"/>
-              </a:srgbClr>
-            </a:outerShdw>
-          </a:effectLst>
-          <a:scene3d>
-            <a:camera prst="orthographicFront"/>
-            <a:lightRig rig="contrasting" dir="t">
-              <a:rot lat="0" lon="0" rev="3000000"/>
-            </a:lightRig>
-          </a:scene3d>
-          <a:sp3d contourW="7620">
-            <a:bevelT w="95250" h="31750"/>
-            <a:contourClr>
-              <a:srgbClr val="333333"/>
-            </a:contourClr>
-          </a:sp3d>
-        </p:spPr>
-      </p:pic>
-      <p:pic>
-        <p:nvPicPr>
-          <p:cNvPr id="39" name="Picture 38"/>
-          <p:cNvPicPr>
-            <a:picLocks noChangeAspect="1"/>
-          </p:cNvPicPr>
-          <p:nvPr/>
-        </p:nvPicPr>
-        <p:blipFill>
-          <a:blip r:embed="rId8" cstate="print">
-            <a:lum bright="70000" contrast="-70000"/>
-            <a:extLst>
-              <a:ext uri="{BEBA8EAE-BF5A-486C-A8C5-ECC9F3942E4B}">
-                <a14:imgProps xmlns:a14="http://schemas.microsoft.com/office/drawing/2010/main">
-                  <a14:imgLayer r:embed="rId9">
-                    <a14:imgEffect>
-                      <a14:brightnessContrast bright="-20000"/>
-                    </a14:imgEffect>
-                  </a14:imgLayer>
-                </a14:imgProps>
-              </a:ext>
-              <a:ext uri="{28A0092B-C50C-407E-A947-70E740481C1C}">
-                <a14:useLocalDpi xmlns:a14="http://schemas.microsoft.com/office/drawing/2010/main" val="0"/>
-              </a:ext>
-            </a:extLst>
-          </a:blip>
-          <a:stretch>
-            <a:fillRect/>
-          </a:stretch>
-        </p:blipFill>
-        <p:spPr>
-          <a:xfrm>
-            <a:off x="6569953" y="4446480"/>
-            <a:ext cx="493528" cy="554927"/>
-          </a:xfrm>
-          <a:prstGeom prst="ellipse">
-            <a:avLst/>
-          </a:prstGeom>
-          <a:ln w="6350" cap="rnd">
-            <a:solidFill>
-              <a:srgbClr val="333333"/>
-            </a:solidFill>
-          </a:ln>
-          <a:effectLst>
-            <a:outerShdw blurRad="381000" dist="292100" dir="5400000" sx="-80000" sy="-18000" rotWithShape="0">
-              <a:srgbClr val="000000">
-                <a:alpha val="22000"/>
-              </a:srgbClr>
-            </a:outerShdw>
-          </a:effectLst>
-          <a:scene3d>
-            <a:camera prst="orthographicFront"/>
-            <a:lightRig rig="contrasting" dir="t">
-              <a:rot lat="0" lon="0" rev="3000000"/>
-            </a:lightRig>
-          </a:scene3d>
-          <a:sp3d contourW="7620">
-            <a:bevelT w="95250" h="31750"/>
-            <a:contourClr>
-              <a:srgbClr val="333333"/>
-            </a:contourClr>
-          </a:sp3d>
-        </p:spPr>
-      </p:pic>
-      <p:pic>
-        <p:nvPicPr>
-          <p:cNvPr id="40" name="Content Placeholder 24"/>
-          <p:cNvPicPr>
-            <a:picLocks noChangeAspect="1"/>
-          </p:cNvPicPr>
-          <p:nvPr/>
-        </p:nvPicPr>
-        <p:blipFill>
-          <a:blip r:embed="rId3" cstate="print">
-            <a:extLst>
-              <a:ext uri="{28A0092B-C50C-407E-A947-70E740481C1C}">
-                <a14:useLocalDpi xmlns:a14="http://schemas.microsoft.com/office/drawing/2010/main" val="0"/>
-              </a:ext>
-            </a:extLst>
-          </a:blip>
-          <a:stretch>
-            <a:fillRect/>
-          </a:stretch>
-        </p:blipFill>
-        <p:spPr bwMode="auto">
-          <a:xfrm>
-            <a:off x="7505543" y="4452211"/>
-            <a:ext cx="467590" cy="564278"/>
-          </a:xfrm>
-          <a:prstGeom prst="ellipse">
-            <a:avLst/>
-          </a:prstGeom>
-          <a:solidFill>
-            <a:schemeClr val="tx1">
-              <a:lumMod val="75000"/>
-              <a:lumOff val="25000"/>
-            </a:schemeClr>
-          </a:solidFill>
-          <a:ln w="6350" cap="rnd">
-            <a:solidFill>
-              <a:srgbClr val="333333"/>
-            </a:solidFill>
-            <a:miter lim="800000"/>
-            <a:headEnd/>
-            <a:tailEnd/>
-          </a:ln>
-          <a:effectLst>
-            <a:outerShdw blurRad="381000" dist="292100" dir="5400000" sx="-80000" sy="-18000" rotWithShape="0">
-              <a:srgbClr val="000000">
-                <a:alpha val="22000"/>
-              </a:srgbClr>
-            </a:outerShdw>
-          </a:effectLst>
-          <a:scene3d>
-            <a:camera prst="orthographicFront"/>
-            <a:lightRig rig="contrasting" dir="t">
-              <a:rot lat="0" lon="0" rev="3000000"/>
-            </a:lightRig>
-          </a:scene3d>
-          <a:sp3d contourW="7620">
-            <a:bevelT w="95250" h="31750"/>
-            <a:contourClr>
-              <a:srgbClr val="333333"/>
-            </a:contourClr>
-          </a:sp3d>
-        </p:spPr>
-      </p:pic>
-      <p:sp>
-        <p:nvSpPr>
-          <p:cNvPr id="41" name="Rounded Rectangle 40"/>
-          <p:cNvSpPr/>
-          <p:nvPr/>
-        </p:nvSpPr>
-        <p:spPr>
-          <a:xfrm>
-            <a:off x="3989927" y="5736288"/>
-            <a:ext cx="4262534" cy="613274"/>
-          </a:xfrm>
-          <a:prstGeom prst="roundRect">
-            <a:avLst/>
-          </a:prstGeom>
-          <a:noFill/>
-          <a:ln>
-            <a:solidFill>
-              <a:schemeClr val="tx1"/>
-            </a:solidFill>
-          </a:ln>
-        </p:spPr>
-        <p:style>
-          <a:lnRef idx="2">
-            <a:schemeClr val="accent1">
-              <a:shade val="50000"/>
-            </a:schemeClr>
-          </a:lnRef>
-          <a:fillRef idx="1">
-            <a:schemeClr val="accent1"/>
-          </a:fillRef>
-          <a:effectRef idx="0">
-            <a:schemeClr val="accent1"/>
-          </a:effectRef>
-          <a:fontRef idx="minor">
-            <a:schemeClr val="lt1"/>
-          </a:fontRef>
-        </p:style>
-        <p:txBody>
-          <a:bodyPr rtlCol="0" anchor="ctr"/>
-          <a:lstStyle/>
-          <a:p>
-            <a:pPr algn="ctr"/>
-            <a:endParaRPr lang="en-US" sz="1100"/>
-          </a:p>
-        </p:txBody>
-      </p:sp>
-      <p:sp>
-        <p:nvSpPr>
-          <p:cNvPr id="42" name="TextBox 41"/>
-          <p:cNvSpPr txBox="1"/>
-          <p:nvPr/>
-        </p:nvSpPr>
-        <p:spPr>
-          <a:xfrm>
-            <a:off x="3958072" y="5848670"/>
-            <a:ext cx="613928" cy="415498"/>
-          </a:xfrm>
-          <a:prstGeom prst="rect">
-            <a:avLst/>
-          </a:prstGeom>
-          <a:noFill/>
-        </p:spPr>
-        <p:txBody>
-          <a:bodyPr wrap="square" rtlCol="0">
-            <a:spAutoFit/>
-          </a:bodyPr>
-          <a:lstStyle/>
-          <a:p>
-            <a:pPr algn="ctr"/>
-            <a:r>
-              <a:rPr lang="en-US" sz="1050" dirty="0"/>
-              <a:t>AM Team</a:t>
-            </a:r>
-          </a:p>
-        </p:txBody>
-      </p:sp>
-      <p:pic>
-        <p:nvPicPr>
-          <p:cNvPr id="43" name="Content Placeholder 24"/>
-          <p:cNvPicPr>
-            <a:picLocks noChangeAspect="1"/>
-          </p:cNvPicPr>
-          <p:nvPr/>
-        </p:nvPicPr>
-        <p:blipFill>
-          <a:blip r:embed="rId3" cstate="print">
-            <a:extLst>
-              <a:ext uri="{28A0092B-C50C-407E-A947-70E740481C1C}">
-                <a14:useLocalDpi xmlns:a14="http://schemas.microsoft.com/office/drawing/2010/main" val="0"/>
-              </a:ext>
-            </a:extLst>
-          </a:blip>
-          <a:stretch>
-            <a:fillRect/>
-          </a:stretch>
-        </p:blipFill>
-        <p:spPr bwMode="auto">
-          <a:xfrm>
-            <a:off x="4701970" y="5753472"/>
-            <a:ext cx="467590" cy="564278"/>
-          </a:xfrm>
-          <a:prstGeom prst="ellipse">
-            <a:avLst/>
-          </a:prstGeom>
-          <a:solidFill>
-            <a:schemeClr val="tx1">
-              <a:lumMod val="75000"/>
-              <a:lumOff val="25000"/>
-            </a:schemeClr>
-          </a:solidFill>
-          <a:ln w="6350" cap="rnd">
-            <a:solidFill>
-              <a:srgbClr val="333333"/>
-            </a:solidFill>
-            <a:miter lim="800000"/>
-            <a:headEnd/>
-            <a:tailEnd/>
-          </a:ln>
-          <a:effectLst>
-            <a:outerShdw blurRad="381000" dist="292100" dir="5400000" sx="-80000" sy="-18000" rotWithShape="0">
-              <a:srgbClr val="000000">
-                <a:alpha val="22000"/>
-              </a:srgbClr>
-            </a:outerShdw>
-          </a:effectLst>
-          <a:scene3d>
-            <a:camera prst="orthographicFront"/>
-            <a:lightRig rig="contrasting" dir="t">
-              <a:rot lat="0" lon="0" rev="3000000"/>
-            </a:lightRig>
-          </a:scene3d>
-          <a:sp3d contourW="7620">
-            <a:bevelT w="95250" h="31750"/>
-            <a:contourClr>
-              <a:srgbClr val="333333"/>
-            </a:contourClr>
-          </a:sp3d>
-        </p:spPr>
-      </p:pic>
-      <p:pic>
-        <p:nvPicPr>
-          <p:cNvPr id="44" name="Picture 43"/>
-          <p:cNvPicPr>
-            <a:picLocks noChangeAspect="1"/>
-          </p:cNvPicPr>
-          <p:nvPr/>
-        </p:nvPicPr>
-        <p:blipFill>
-          <a:blip r:embed="rId4" cstate="print">
-            <a:extLst>
-              <a:ext uri="{BEBA8EAE-BF5A-486C-A8C5-ECC9F3942E4B}">
-                <a14:imgProps xmlns:a14="http://schemas.microsoft.com/office/drawing/2010/main">
-                  <a14:imgLayer r:embed="rId5">
-                    <a14:imgEffect>
-                      <a14:brightnessContrast bright="20000"/>
-                    </a14:imgEffect>
-                  </a14:imgLayer>
-                </a14:imgProps>
-              </a:ext>
-              <a:ext uri="{28A0092B-C50C-407E-A947-70E740481C1C}">
-                <a14:useLocalDpi xmlns:a14="http://schemas.microsoft.com/office/drawing/2010/main" val="0"/>
-              </a:ext>
-            </a:extLst>
-          </a:blip>
-          <a:stretch>
-            <a:fillRect/>
-          </a:stretch>
-        </p:blipFill>
-        <p:spPr>
-          <a:xfrm>
-            <a:off x="5649074" y="5752053"/>
-            <a:ext cx="491069" cy="562338"/>
-          </a:xfrm>
-          <a:prstGeom prst="ellipse">
-            <a:avLst/>
-          </a:prstGeom>
-          <a:ln w="6350" cap="rnd">
-            <a:solidFill>
-              <a:srgbClr val="333333"/>
-            </a:solidFill>
-          </a:ln>
-          <a:effectLst>
-            <a:outerShdw blurRad="381000" dist="292100" dir="5400000" sx="-80000" sy="-18000" rotWithShape="0">
-              <a:srgbClr val="000000">
-                <a:alpha val="22000"/>
-              </a:srgbClr>
-            </a:outerShdw>
-          </a:effectLst>
-          <a:scene3d>
-            <a:camera prst="orthographicFront"/>
-            <a:lightRig rig="contrasting" dir="t">
-              <a:rot lat="0" lon="0" rev="3000000"/>
-            </a:lightRig>
-          </a:scene3d>
-          <a:sp3d contourW="7620">
-            <a:bevelT w="95250" h="31750"/>
-            <a:contourClr>
-              <a:srgbClr val="333333"/>
-            </a:contourClr>
-          </a:sp3d>
-        </p:spPr>
-      </p:pic>
-      <p:pic>
-        <p:nvPicPr>
-          <p:cNvPr id="45" name="Picture 44"/>
-          <p:cNvPicPr>
-            <a:picLocks noChangeAspect="1"/>
-          </p:cNvPicPr>
-          <p:nvPr/>
-        </p:nvPicPr>
-        <p:blipFill>
-          <a:blip r:embed="rId6" cstate="print">
-            <a:lum bright="70000" contrast="-70000"/>
-            <a:extLst>
-              <a:ext uri="{28A0092B-C50C-407E-A947-70E740481C1C}">
-                <a14:useLocalDpi xmlns:a14="http://schemas.microsoft.com/office/drawing/2010/main" val="0"/>
-              </a:ext>
-            </a:extLst>
-          </a:blip>
-          <a:stretch>
-            <a:fillRect/>
-          </a:stretch>
-        </p:blipFill>
-        <p:spPr>
-          <a:xfrm>
-            <a:off x="6569953" y="5747741"/>
-            <a:ext cx="493528" cy="554927"/>
-          </a:xfrm>
-          <a:prstGeom prst="ellipse">
-            <a:avLst/>
-          </a:prstGeom>
-          <a:ln w="6350" cap="rnd">
-            <a:solidFill>
-              <a:srgbClr val="333333"/>
-            </a:solidFill>
-          </a:ln>
-          <a:effectLst>
-            <a:outerShdw blurRad="381000" dist="292100" dir="5400000" sx="-80000" sy="-18000" rotWithShape="0">
-              <a:srgbClr val="000000">
-                <a:alpha val="22000"/>
-              </a:srgbClr>
-            </a:outerShdw>
-          </a:effectLst>
-          <a:scene3d>
-            <a:camera prst="orthographicFront"/>
-            <a:lightRig rig="contrasting" dir="t">
-              <a:rot lat="0" lon="0" rev="3000000"/>
-            </a:lightRig>
-          </a:scene3d>
-          <a:sp3d contourW="7620">
-            <a:bevelT w="95250" h="31750"/>
-            <a:contourClr>
-              <a:srgbClr val="333333"/>
-            </a:contourClr>
-          </a:sp3d>
-        </p:spPr>
-      </p:pic>
-      <p:pic>
-        <p:nvPicPr>
-          <p:cNvPr id="46" name="Content Placeholder 24"/>
-          <p:cNvPicPr>
-            <a:picLocks noChangeAspect="1"/>
-          </p:cNvPicPr>
-          <p:nvPr/>
-        </p:nvPicPr>
-        <p:blipFill>
-          <a:blip r:embed="rId3" cstate="print">
-            <a:extLst>
-              <a:ext uri="{28A0092B-C50C-407E-A947-70E740481C1C}">
-                <a14:useLocalDpi xmlns:a14="http://schemas.microsoft.com/office/drawing/2010/main" val="0"/>
-              </a:ext>
-            </a:extLst>
-          </a:blip>
-          <a:stretch>
-            <a:fillRect/>
-          </a:stretch>
-        </p:blipFill>
-        <p:spPr bwMode="auto">
-          <a:xfrm>
-            <a:off x="7505543" y="5753472"/>
-            <a:ext cx="467590" cy="564278"/>
-          </a:xfrm>
-          <a:prstGeom prst="ellipse">
-            <a:avLst/>
-          </a:prstGeom>
-          <a:solidFill>
-            <a:schemeClr val="tx1">
-              <a:lumMod val="75000"/>
-              <a:lumOff val="25000"/>
-            </a:schemeClr>
-          </a:solidFill>
-          <a:ln w="6350" cap="rnd">
-            <a:solidFill>
-              <a:srgbClr val="333333"/>
-            </a:solidFill>
-            <a:miter lim="800000"/>
-            <a:headEnd/>
-            <a:tailEnd/>
-          </a:ln>
-          <a:effectLst>
-            <a:outerShdw blurRad="381000" dist="292100" dir="5400000" sx="-80000" sy="-18000" rotWithShape="0">
-              <a:srgbClr val="000000">
-                <a:alpha val="22000"/>
-              </a:srgbClr>
-            </a:outerShdw>
-          </a:effectLst>
-          <a:scene3d>
-            <a:camera prst="orthographicFront"/>
-            <a:lightRig rig="contrasting" dir="t">
-              <a:rot lat="0" lon="0" rev="3000000"/>
-            </a:lightRig>
-          </a:scene3d>
-          <a:sp3d contourW="7620">
-            <a:bevelT w="95250" h="31750"/>
-            <a:contourClr>
-              <a:srgbClr val="333333"/>
-            </a:contourClr>
-          </a:sp3d>
-        </p:spPr>
-      </p:pic>
-      <p:sp>
-        <p:nvSpPr>
-          <p:cNvPr id="47" name="TextBox 46"/>
-          <p:cNvSpPr txBox="1"/>
-          <p:nvPr/>
-        </p:nvSpPr>
-        <p:spPr>
-          <a:xfrm>
-            <a:off x="4564382" y="5185200"/>
-            <a:ext cx="845820" cy="230832"/>
-          </a:xfrm>
-          <a:prstGeom prst="rect">
-            <a:avLst/>
-          </a:prstGeom>
-          <a:noFill/>
-        </p:spPr>
-        <p:txBody>
-          <a:bodyPr wrap="square" rtlCol="0">
-            <a:spAutoFit/>
-          </a:bodyPr>
-          <a:lstStyle/>
-          <a:p>
-            <a:pPr algn="ctr"/>
-            <a:r>
-              <a:rPr lang="en-US" sz="900" dirty="0"/>
-              <a:t>Define</a:t>
-            </a:r>
-          </a:p>
-        </p:txBody>
-      </p:sp>
-      <p:sp>
-        <p:nvSpPr>
-          <p:cNvPr id="48" name="TextBox 47"/>
-          <p:cNvSpPr txBox="1"/>
-          <p:nvPr/>
-        </p:nvSpPr>
-        <p:spPr>
-          <a:xfrm>
-            <a:off x="5501641" y="5185200"/>
-            <a:ext cx="861060" cy="230832"/>
-          </a:xfrm>
-          <a:prstGeom prst="rect">
-            <a:avLst/>
-          </a:prstGeom>
-          <a:noFill/>
-        </p:spPr>
-        <p:txBody>
-          <a:bodyPr wrap="square" rtlCol="0">
-            <a:spAutoFit/>
-          </a:bodyPr>
-          <a:lstStyle/>
-          <a:p>
-            <a:pPr algn="ctr"/>
-            <a:r>
-              <a:rPr lang="en-US" sz="900" dirty="0"/>
-              <a:t>Build</a:t>
-            </a:r>
-          </a:p>
-        </p:txBody>
-      </p:sp>
-      <p:sp>
-        <p:nvSpPr>
-          <p:cNvPr id="49" name="TextBox 48"/>
-          <p:cNvSpPr txBox="1"/>
-          <p:nvPr/>
-        </p:nvSpPr>
-        <p:spPr>
-          <a:xfrm>
-            <a:off x="6431281" y="5185200"/>
-            <a:ext cx="853440" cy="230832"/>
-          </a:xfrm>
-          <a:prstGeom prst="rect">
-            <a:avLst/>
-          </a:prstGeom>
-          <a:noFill/>
-        </p:spPr>
-        <p:txBody>
-          <a:bodyPr wrap="square" rtlCol="0">
-            <a:spAutoFit/>
-          </a:bodyPr>
-          <a:lstStyle/>
-          <a:p>
-            <a:pPr algn="ctr"/>
-            <a:r>
-              <a:rPr lang="en-US" sz="900" dirty="0"/>
-              <a:t>Test</a:t>
-            </a:r>
-          </a:p>
-        </p:txBody>
-      </p:sp>
-      <p:sp>
-        <p:nvSpPr>
-          <p:cNvPr id="50" name="TextBox 49"/>
-          <p:cNvSpPr txBox="1"/>
-          <p:nvPr/>
-        </p:nvSpPr>
-        <p:spPr>
-          <a:xfrm>
-            <a:off x="7345680" y="5185200"/>
-            <a:ext cx="838200" cy="230832"/>
-          </a:xfrm>
-          <a:prstGeom prst="rect">
-            <a:avLst/>
-          </a:prstGeom>
-          <a:noFill/>
-        </p:spPr>
-        <p:txBody>
-          <a:bodyPr wrap="square" rtlCol="0">
-            <a:spAutoFit/>
-          </a:bodyPr>
-          <a:lstStyle/>
-          <a:p>
-            <a:pPr algn="ctr"/>
-            <a:r>
-              <a:rPr lang="en-US" sz="900" dirty="0"/>
-              <a:t>Deploy</a:t>
-            </a:r>
-          </a:p>
-        </p:txBody>
-      </p:sp>
-      <p:sp>
-        <p:nvSpPr>
-          <p:cNvPr id="65" name="TextBox 64"/>
-          <p:cNvSpPr txBox="1"/>
-          <p:nvPr/>
-        </p:nvSpPr>
-        <p:spPr>
-          <a:xfrm>
-            <a:off x="4533900" y="6540286"/>
-            <a:ext cx="3718560" cy="253916"/>
-          </a:xfrm>
-          <a:prstGeom prst="rect">
-            <a:avLst/>
-          </a:prstGeom>
-          <a:noFill/>
-        </p:spPr>
-        <p:txBody>
-          <a:bodyPr wrap="square" rtlCol="0">
-            <a:spAutoFit/>
-          </a:bodyPr>
-          <a:lstStyle/>
-          <a:p>
-            <a:pPr algn="ctr"/>
-            <a:r>
-              <a:rPr lang="en-US" sz="1050" dirty="0">
-                <a:solidFill>
-                  <a:schemeClr val="bg1"/>
-                </a:solidFill>
-              </a:rPr>
-              <a:t>Scrum Master     </a:t>
+              <a:rPr lang="en-US" sz="1400" dirty="0"/>
+              <a:t> </a:t>
             </a:r>
             <a:r>
-              <a:rPr lang="en-US" sz="1050" dirty="0">
-                <a:solidFill>
-                  <a:schemeClr val="accent3"/>
-                </a:solidFill>
-              </a:rPr>
-              <a:t>Product Owner     </a:t>
+              <a:rPr lang="en-US" sz="1400" b="0" dirty="0"/>
+              <a:t>change during the development cycle</a:t>
             </a:r>
+          </a:p>
+          <a:p>
+            <a:pPr marL="631825" lvl="1" indent="-342900"/>
+            <a:endParaRPr lang="en-US" sz="1600" b="0" dirty="0"/>
+          </a:p>
+          <a:p>
+            <a:pPr marL="631825" lvl="1" indent="-342900"/>
             <a:r>
-              <a:rPr lang="en-US" sz="1050" dirty="0">
-                <a:solidFill>
-                  <a:schemeClr val="bg1"/>
-                </a:solidFill>
-              </a:rPr>
-              <a:t>Development Team</a:t>
+              <a:rPr lang="en-US" sz="1600" b="0" dirty="0"/>
+              <a:t>Agile offers methods for requirements traceability</a:t>
             </a:r>
           </a:p>
-        </p:txBody>
-      </p:sp>
-      <p:cxnSp>
-        <p:nvCxnSpPr>
-          <p:cNvPr id="66" name="Straight Arrow Connector 65"/>
-          <p:cNvCxnSpPr>
-            <a:stCxn id="65" idx="0"/>
-            <a:endCxn id="43" idx="4"/>
-          </p:cNvCxnSpPr>
-          <p:nvPr/>
-        </p:nvCxnSpPr>
-        <p:spPr>
-          <a:xfrm flipH="1" flipV="1">
-            <a:off x="4935765" y="6317750"/>
-            <a:ext cx="1457415" cy="222536"/>
-          </a:xfrm>
-          <a:prstGeom prst="straightConnector1">
-            <a:avLst/>
-          </a:prstGeom>
-          <a:ln w="28575">
-            <a:solidFill>
-              <a:schemeClr val="bg1"/>
-            </a:solidFill>
-            <a:tailEnd type="triangle"/>
-          </a:ln>
-        </p:spPr>
-        <p:style>
-          <a:lnRef idx="1">
-            <a:schemeClr val="accent1"/>
-          </a:lnRef>
-          <a:fillRef idx="0">
-            <a:schemeClr val="accent1"/>
-          </a:fillRef>
-          <a:effectRef idx="0">
-            <a:schemeClr val="accent1"/>
-          </a:effectRef>
-          <a:fontRef idx="minor">
-            <a:schemeClr val="tx1"/>
-          </a:fontRef>
-        </p:style>
-      </p:cxnSp>
-      <p:cxnSp>
-        <p:nvCxnSpPr>
-          <p:cNvPr id="69" name="Straight Arrow Connector 68"/>
-          <p:cNvCxnSpPr>
-            <a:stCxn id="65" idx="0"/>
-          </p:cNvCxnSpPr>
-          <p:nvPr/>
-        </p:nvCxnSpPr>
-        <p:spPr>
-          <a:xfrm flipV="1">
-            <a:off x="6393180" y="6344622"/>
-            <a:ext cx="0" cy="195664"/>
-          </a:xfrm>
-          <a:prstGeom prst="straightConnector1">
-            <a:avLst/>
-          </a:prstGeom>
-          <a:ln w="28575">
-            <a:solidFill>
-              <a:schemeClr val="bg1"/>
-            </a:solidFill>
-            <a:tailEnd type="triangle"/>
-          </a:ln>
-        </p:spPr>
-        <p:style>
-          <a:lnRef idx="1">
-            <a:schemeClr val="accent1"/>
-          </a:lnRef>
-          <a:fillRef idx="0">
-            <a:schemeClr val="accent1"/>
-          </a:fillRef>
-          <a:effectRef idx="0">
-            <a:schemeClr val="accent1"/>
-          </a:effectRef>
-          <a:fontRef idx="minor">
-            <a:schemeClr val="tx1"/>
-          </a:fontRef>
-        </p:style>
-      </p:cxnSp>
-      <p:cxnSp>
-        <p:nvCxnSpPr>
-          <p:cNvPr id="72" name="Straight Arrow Connector 71"/>
-          <p:cNvCxnSpPr>
-            <a:stCxn id="65" idx="0"/>
-            <a:endCxn id="46" idx="4"/>
-          </p:cNvCxnSpPr>
-          <p:nvPr/>
-        </p:nvCxnSpPr>
-        <p:spPr>
-          <a:xfrm flipV="1">
-            <a:off x="6393180" y="6317750"/>
-            <a:ext cx="1346158" cy="222536"/>
-          </a:xfrm>
-          <a:prstGeom prst="straightConnector1">
-            <a:avLst/>
-          </a:prstGeom>
-          <a:ln w="28575">
-            <a:solidFill>
-              <a:schemeClr val="bg1"/>
-            </a:solidFill>
-            <a:tailEnd type="triangle"/>
-          </a:ln>
-        </p:spPr>
-        <p:style>
-          <a:lnRef idx="1">
-            <a:schemeClr val="accent1"/>
-          </a:lnRef>
-          <a:fillRef idx="0">
-            <a:schemeClr val="accent1"/>
-          </a:fillRef>
-          <a:effectRef idx="0">
-            <a:schemeClr val="accent1"/>
-          </a:effectRef>
-          <a:fontRef idx="minor">
-            <a:schemeClr val="tx1"/>
-          </a:fontRef>
-        </p:style>
-      </p:cxnSp>
-      <p:sp>
-        <p:nvSpPr>
-          <p:cNvPr id="299" name="Rounded Rectangle 298"/>
-          <p:cNvSpPr/>
-          <p:nvPr/>
-        </p:nvSpPr>
-        <p:spPr>
-          <a:xfrm>
-            <a:off x="3970020" y="2801322"/>
-            <a:ext cx="647700" cy="3733800"/>
-          </a:xfrm>
-          <a:prstGeom prst="roundRect">
-            <a:avLst/>
-          </a:prstGeom>
-          <a:noFill/>
-          <a:ln>
-            <a:solidFill>
-              <a:schemeClr val="bg1"/>
-            </a:solidFill>
-            <a:prstDash val="dash"/>
-          </a:ln>
-        </p:spPr>
-        <p:style>
-          <a:lnRef idx="2">
-            <a:schemeClr val="accent1">
-              <a:shade val="50000"/>
-            </a:schemeClr>
-          </a:lnRef>
-          <a:fillRef idx="1">
-            <a:schemeClr val="accent1"/>
-          </a:fillRef>
-          <a:effectRef idx="0">
-            <a:schemeClr val="accent1"/>
-          </a:effectRef>
-          <a:fontRef idx="minor">
-            <a:schemeClr val="lt1"/>
-          </a:fontRef>
-        </p:style>
-        <p:txBody>
-          <a:bodyPr rtlCol="0" anchor="ctr"/>
-          <a:lstStyle/>
-          <a:p>
-            <a:pPr algn="ctr"/>
-            <a:endParaRPr lang="en-US"/>
-          </a:p>
-        </p:txBody>
-      </p:sp>
-      <p:sp>
-        <p:nvSpPr>
-          <p:cNvPr id="300" name="TextBox 299"/>
-          <p:cNvSpPr txBox="1"/>
-          <p:nvPr/>
-        </p:nvSpPr>
-        <p:spPr>
-          <a:xfrm>
-            <a:off x="2697480" y="4527044"/>
-            <a:ext cx="914400" cy="415498"/>
-          </a:xfrm>
-          <a:prstGeom prst="rect">
-            <a:avLst/>
-          </a:prstGeom>
-          <a:noFill/>
-        </p:spPr>
-        <p:txBody>
-          <a:bodyPr wrap="square" rtlCol="0">
-            <a:spAutoFit/>
-          </a:bodyPr>
-          <a:lstStyle/>
-          <a:p>
-            <a:pPr algn="ctr"/>
+          <a:p>
+            <a:pPr marL="850900" lvl="2" indent="-342900"/>
             <a:r>
-              <a:rPr lang="en-US" sz="1050" dirty="0">
-                <a:solidFill>
-                  <a:schemeClr val="accent3"/>
-                </a:solidFill>
-              </a:rPr>
-              <a:t>Agile Teams</a:t>
+              <a:rPr lang="en-US" sz="1400" dirty="0"/>
+              <a:t>These methods need tools to be implemented</a:t>
             </a:r>
           </a:p>
-        </p:txBody>
-      </p:sp>
-      <p:cxnSp>
-        <p:nvCxnSpPr>
-          <p:cNvPr id="301" name="Straight Arrow Connector 300"/>
-          <p:cNvCxnSpPr>
-            <a:stCxn id="300" idx="3"/>
-            <a:endCxn id="32" idx="1"/>
-          </p:cNvCxnSpPr>
-          <p:nvPr/>
-        </p:nvCxnSpPr>
-        <p:spPr>
-          <a:xfrm>
-            <a:off x="3611880" y="4734793"/>
-            <a:ext cx="368679" cy="5125"/>
-          </a:xfrm>
-          <a:prstGeom prst="straightConnector1">
-            <a:avLst/>
-          </a:prstGeom>
-          <a:ln w="28575">
-            <a:solidFill>
-              <a:schemeClr val="bg1"/>
-            </a:solidFill>
-            <a:tailEnd type="triangle"/>
-          </a:ln>
-        </p:spPr>
-        <p:style>
-          <a:lnRef idx="1">
-            <a:schemeClr val="accent1"/>
-          </a:lnRef>
-          <a:fillRef idx="0">
-            <a:schemeClr val="accent1"/>
-          </a:fillRef>
-          <a:effectRef idx="0">
-            <a:schemeClr val="accent1"/>
-          </a:effectRef>
-          <a:fontRef idx="minor">
-            <a:schemeClr val="tx1"/>
-          </a:fontRef>
-        </p:style>
-      </p:cxnSp>
-      <p:sp>
-        <p:nvSpPr>
-          <p:cNvPr id="327" name="Rounded Rectangle 326"/>
-          <p:cNvSpPr/>
-          <p:nvPr/>
-        </p:nvSpPr>
-        <p:spPr>
-          <a:xfrm>
-            <a:off x="3931920" y="1627842"/>
-            <a:ext cx="4267199" cy="251460"/>
-          </a:xfrm>
-          <a:prstGeom prst="roundRect">
-            <a:avLst/>
-          </a:prstGeom>
-        </p:spPr>
-        <p:style>
-          <a:lnRef idx="2">
-            <a:schemeClr val="accent1">
-              <a:shade val="50000"/>
-            </a:schemeClr>
-          </a:lnRef>
-          <a:fillRef idx="1">
-            <a:schemeClr val="accent1"/>
-          </a:fillRef>
-          <a:effectRef idx="0">
-            <a:schemeClr val="accent1"/>
-          </a:effectRef>
-          <a:fontRef idx="minor">
-            <a:schemeClr val="lt1"/>
-          </a:fontRef>
-        </p:style>
-        <p:txBody>
-          <a:bodyPr rtlCol="0" anchor="ctr"/>
-          <a:lstStyle/>
-          <a:p>
-            <a:pPr algn="ctr"/>
+          <a:p>
+            <a:pPr marL="850900" lvl="2" indent="-342900"/>
             <a:r>
-              <a:rPr lang="en-US" sz="1100" dirty="0"/>
-              <a:t>AP243e1 </a:t>
+              <a:rPr lang="en-US" sz="1400" dirty="0"/>
+              <a:t>Existing tools do not share a common requirement representation and management strategy</a:t>
             </a:r>
+          </a:p>
+          <a:p>
+            <a:pPr marL="850900" lvl="2" indent="-342900"/>
             <a:r>
-              <a:rPr lang="en-US" sz="1100" dirty="0">
-                <a:solidFill>
-                  <a:srgbClr val="0096DB"/>
-                </a:solidFill>
-              </a:rPr>
-              <a:t>(ART/EPIC)</a:t>
+              <a:rPr lang="en-US" sz="1400" dirty="0"/>
+              <a:t>Because of that inconsistency, there is limited integration between the tools involved</a:t>
             </a:r>
-          </a:p>
-        </p:txBody>
-      </p:sp>
-      <p:sp>
-        <p:nvSpPr>
-          <p:cNvPr id="223" name="Rounded Rectangle 222"/>
-          <p:cNvSpPr/>
-          <p:nvPr/>
-        </p:nvSpPr>
-        <p:spPr>
-          <a:xfrm>
-            <a:off x="3924300" y="1323042"/>
-            <a:ext cx="4267199" cy="259080"/>
-          </a:xfrm>
-          <a:prstGeom prst="roundRect">
-            <a:avLst/>
-          </a:prstGeom>
-        </p:spPr>
-        <p:style>
-          <a:lnRef idx="2">
-            <a:schemeClr val="accent1">
-              <a:shade val="50000"/>
-            </a:schemeClr>
-          </a:lnRef>
-          <a:fillRef idx="1">
-            <a:schemeClr val="accent1"/>
-          </a:fillRef>
-          <a:effectRef idx="0">
-            <a:schemeClr val="accent1"/>
-          </a:effectRef>
-          <a:fontRef idx="minor">
-            <a:schemeClr val="lt1"/>
-          </a:fontRef>
-        </p:style>
-        <p:txBody>
-          <a:bodyPr rtlCol="0" anchor="ctr"/>
-          <a:lstStyle/>
-          <a:p>
-            <a:pPr algn="ctr"/>
+            <a:endParaRPr lang="en-US" sz="1200" dirty="0"/>
+          </a:p>
+          <a:p>
+            <a:pPr lvl="2" indent="0">
+              <a:buNone/>
+            </a:pPr>
+            <a:endParaRPr lang="en-US" sz="1600" b="0" dirty="0"/>
+          </a:p>
+          <a:p>
+            <a:pPr marL="631825" lvl="1" indent="-342900"/>
             <a:r>
-              <a:rPr lang="en-US" sz="1100" dirty="0"/>
-              <a:t>AP239e4 </a:t>
+              <a:rPr lang="en-US" sz="1600" dirty="0"/>
+              <a:t>Develop and implement a requirement model and management strategy</a:t>
             </a:r>
+          </a:p>
+          <a:p>
+            <a:pPr marL="850900" lvl="2" indent="-342900"/>
             <a:r>
-              <a:rPr lang="en-US" sz="1100" dirty="0">
-                <a:solidFill>
-                  <a:srgbClr val="0096DB"/>
-                </a:solidFill>
-              </a:rPr>
-              <a:t>(ART/EPIC)</a:t>
+              <a:rPr lang="en-US" sz="1400" dirty="0"/>
+              <a:t>To ensure consistent definition, management and validation of the requirements</a:t>
             </a:r>
+            <a:endParaRPr lang="en-US" sz="1400" b="0" dirty="0"/>
+          </a:p>
+          <a:p>
+            <a:pPr lvl="1" indent="0">
+              <a:buNone/>
+            </a:pPr>
+            <a:endParaRPr lang="en-US" sz="1400" b="0" dirty="0"/>
           </a:p>
         </p:txBody>
       </p:sp>
     </p:spTree>
     <p:extLst>
       <p:ext uri="{BB962C8B-B14F-4D97-AF65-F5344CB8AC3E}">
-        <p14:creationId xmlns:p14="http://schemas.microsoft.com/office/powerpoint/2010/main" val="3829985097"/>
+        <p14:creationId xmlns:p14="http://schemas.microsoft.com/office/powerpoint/2010/main" val="992928965"/>
       </p:ext>
     </p:extLst>
   </p:cSld>
@@ -19178,6 +13112,21 @@
 </file>
 
 <file path=customXml/item1.xml><?xml version="1.0" encoding="utf-8"?>
+<p:properties xmlns:p="http://schemas.microsoft.com/office/2006/metadata/properties" xmlns:xsi="http://www.w3.org/2001/XMLSchema-instance" xmlns:pc="http://schemas.microsoft.com/office/infopath/2007/PartnerControls">
+  <documentManagement/>
+</p:properties>
+</file>
+
+<file path=customXml/item2.xml><?xml version="1.0" encoding="utf-8"?>
+<?mso-contentType ?>
+<FormTemplates xmlns="http://schemas.microsoft.com/sharepoint/v3/contenttype/forms">
+  <Display>DocumentLibraryForm</Display>
+  <Edit>DocumentLibraryForm</Edit>
+  <New>DocumentLibraryForm</New>
+</FormTemplates>
+</file>
+
+<file path=customXml/item3.xml><?xml version="1.0" encoding="utf-8"?>
 <ct:contentTypeSchema xmlns:ct="http://schemas.microsoft.com/office/2006/metadata/contentType" xmlns:ma="http://schemas.microsoft.com/office/2006/metadata/properties/metaAttributes" ct:_="" ma:_="" ma:contentTypeName="Document" ma:contentTypeID="0x010100B928359CC7305D47809A6E4D09895B12" ma:contentTypeVersion="0" ma:contentTypeDescription="Create a new document." ma:contentTypeScope="" ma:versionID="58734b0d5d00aaa9ecfcecd44c708e1b">
   <xsd:schema xmlns:xsd="http://www.w3.org/2001/XMLSchema" xmlns:xs="http://www.w3.org/2001/XMLSchema" xmlns:p="http://schemas.microsoft.com/office/2006/metadata/properties" targetNamespace="http://schemas.microsoft.com/office/2006/metadata/properties" ma:root="true" ma:fieldsID="1b05d82d297216baf5b26c55225140df">
     <xsd:element name="properties">
@@ -19291,38 +13240,7 @@
 </ct:contentTypeSchema>
 </file>
 
-<file path=customXml/item2.xml><?xml version="1.0" encoding="utf-8"?>
-<p:properties xmlns:p="http://schemas.microsoft.com/office/2006/metadata/properties" xmlns:xsi="http://www.w3.org/2001/XMLSchema-instance" xmlns:pc="http://schemas.microsoft.com/office/infopath/2007/PartnerControls">
-  <documentManagement/>
-</p:properties>
-</file>
-
-<file path=customXml/item3.xml><?xml version="1.0" encoding="utf-8"?>
-<?mso-contentType ?>
-<FormTemplates xmlns="http://schemas.microsoft.com/sharepoint/v3/contenttype/forms">
-  <Display>DocumentLibraryForm</Display>
-  <Edit>DocumentLibraryForm</Edit>
-  <New>DocumentLibraryForm</New>
-</FormTemplates>
-</file>
-
 <file path=customXml/itemProps1.xml><?xml version="1.0" encoding="utf-8"?>
-<ds:datastoreItem xmlns:ds="http://schemas.openxmlformats.org/officeDocument/2006/customXml" ds:itemID="{FFB024C0-3292-4B7C-9F10-F14F1C85528A}">
-  <ds:schemaRefs>
-    <ds:schemaRef ds:uri="http://schemas.microsoft.com/office/2006/metadata/contentType"/>
-    <ds:schemaRef ds:uri="http://schemas.microsoft.com/office/2006/metadata/properties/metaAttributes"/>
-    <ds:schemaRef ds:uri="http://www.w3.org/2001/XMLSchema"/>
-    <ds:schemaRef ds:uri="http://schemas.microsoft.com/office/2006/metadata/properties"/>
-    <ds:schemaRef ds:uri="http://schemas.openxmlformats.org/package/2006/metadata/core-properties"/>
-    <ds:schemaRef ds:uri="http://purl.org/dc/elements/1.1/"/>
-    <ds:schemaRef ds:uri="http://purl.org/dc/terms/"/>
-    <ds:schemaRef ds:uri="http://schemas.microsoft.com/internal/obd"/>
-    <ds:schemaRef ds:uri="http://schemas.microsoft.com/office/infopath/2007/PartnerControls"/>
-  </ds:schemaRefs>
-</ds:datastoreItem>
-</file>
-
-<file path=customXml/itemProps2.xml><?xml version="1.0" encoding="utf-8"?>
 <ds:datastoreItem xmlns:ds="http://schemas.openxmlformats.org/officeDocument/2006/customXml" ds:itemID="{C691D66D-CA73-4591-BA35-882D4C096123}">
   <ds:schemaRefs>
     <ds:schemaRef ds:uri="http://purl.org/dc/terms/"/>
@@ -19337,10 +13255,26 @@
 </ds:datastoreItem>
 </file>
 
-<file path=customXml/itemProps3.xml><?xml version="1.0" encoding="utf-8"?>
+<file path=customXml/itemProps2.xml><?xml version="1.0" encoding="utf-8"?>
 <ds:datastoreItem xmlns:ds="http://schemas.openxmlformats.org/officeDocument/2006/customXml" ds:itemID="{16D4C100-0EDD-4DD2-914D-A957225F12B9}">
   <ds:schemaRefs>
     <ds:schemaRef ds:uri="http://schemas.microsoft.com/sharepoint/v3/contenttype/forms"/>
   </ds:schemaRefs>
 </ds:datastoreItem>
+</file>
+
+<file path=customXml/itemProps3.xml><?xml version="1.0" encoding="utf-8"?>
+<ds:datastoreItem xmlns:ds="http://schemas.openxmlformats.org/officeDocument/2006/customXml" ds:itemID="{FFB024C0-3292-4B7C-9F10-F14F1C85528A}">
+  <ds:schemaRefs>
+    <ds:schemaRef ds:uri="http://schemas.microsoft.com/office/2006/metadata/contentType"/>
+    <ds:schemaRef ds:uri="http://schemas.microsoft.com/office/2006/metadata/properties/metaAttributes"/>
+    <ds:schemaRef ds:uri="http://www.w3.org/2001/XMLSchema"/>
+    <ds:schemaRef ds:uri="http://schemas.microsoft.com/office/2006/metadata/properties"/>
+    <ds:schemaRef ds:uri="http://schemas.openxmlformats.org/package/2006/metadata/core-properties"/>
+    <ds:schemaRef ds:uri="http://purl.org/dc/elements/1.1/"/>
+    <ds:schemaRef ds:uri="http://purl.org/dc/terms/"/>
+    <ds:schemaRef ds:uri="http://schemas.microsoft.com/internal/obd"/>
+    <ds:schemaRef ds:uri="http://schemas.microsoft.com/office/infopath/2007/PartnerControls"/>
+  </ds:schemaRefs>
+</ds:datastoreItem>
 </file>
--- a/01 - Agile for Model-Based Standards Development/D - Presentations/PDES.Presentation.pptx
+++ b/01 - Agile for Model-Based Standards Development/D - Presentations/PDES.Presentation.pptx
@@ -5,10 +5,10 @@
     <p:sldMasterId id="2147483685" r:id="rId4"/>
   </p:sldMasterIdLst>
   <p:notesMasterIdLst>
-    <p:notesMasterId r:id="rId20"/>
+    <p:notesMasterId r:id="rId18"/>
   </p:notesMasterIdLst>
   <p:handoutMasterIdLst>
-    <p:handoutMasterId r:id="rId21"/>
+    <p:handoutMasterId r:id="rId19"/>
   </p:handoutMasterIdLst>
   <p:sldIdLst>
     <p:sldId id="256" r:id="rId5"/>
@@ -19,18 +19,16 @@
     <p:sldId id="266" r:id="rId10"/>
     <p:sldId id="268" r:id="rId11"/>
     <p:sldId id="267" r:id="rId12"/>
-    <p:sldId id="265" r:id="rId13"/>
-    <p:sldId id="264" r:id="rId14"/>
-    <p:sldId id="274" r:id="rId15"/>
-    <p:sldId id="272" r:id="rId16"/>
-    <p:sldId id="273" r:id="rId17"/>
-    <p:sldId id="275" r:id="rId18"/>
-    <p:sldId id="261" r:id="rId19"/>
+    <p:sldId id="274" r:id="rId13"/>
+    <p:sldId id="272" r:id="rId14"/>
+    <p:sldId id="273" r:id="rId15"/>
+    <p:sldId id="275" r:id="rId16"/>
+    <p:sldId id="276" r:id="rId17"/>
   </p:sldIdLst>
   <p:sldSz cx="12188825" cy="6858000"/>
   <p:notesSz cx="7023100" cy="9309100"/>
   <p:custDataLst>
-    <p:tags r:id="rId22"/>
+    <p:tags r:id="rId20"/>
   </p:custDataLst>
   <p:defaultTextStyle>
     <a:defPPr>
@@ -158,6 +156,35 @@
     </a:lvl9pPr>
   </p:defaultTextStyle>
   <p:extLst>
+    <p:ext uri="{521415D9-36F7-43E2-AB2F-B90AF26B5E84}">
+      <p14:sectionLst xmlns:p14="http://schemas.microsoft.com/office/powerpoint/2010/main">
+        <p14:section name="Default Section" id="{2C547B95-4D14-41C2-AB53-7C48A72CE963}">
+          <p14:sldIdLst>
+            <p14:sldId id="256"/>
+            <p14:sldId id="257"/>
+          </p14:sldIdLst>
+        </p14:section>
+        <p14:section name="Agile" id="{256DC1E6-E825-4062-8B80-19478AAF3716}">
+          <p14:sldIdLst>
+            <p14:sldId id="271"/>
+            <p14:sldId id="270"/>
+            <p14:sldId id="269"/>
+            <p14:sldId id="266"/>
+            <p14:sldId id="268"/>
+            <p14:sldId id="267"/>
+            <p14:sldId id="274"/>
+            <p14:sldId id="272"/>
+            <p14:sldId id="273"/>
+            <p14:sldId id="275"/>
+          </p14:sldIdLst>
+        </p14:section>
+        <p14:section name="ISO Living Lab" id="{6484AC7A-B04A-4CAF-AC3B-12C62C27C0B9}">
+          <p14:sldIdLst>
+            <p14:sldId id="276"/>
+          </p14:sldIdLst>
+        </p14:section>
+      </p14:sectionLst>
+    </p:ext>
     <p:ext uri="{EFAFB233-063F-42B5-8137-9DF3F51BA10A}">
       <p15:sldGuideLst xmlns:p15="http://schemas.microsoft.com/office/powerpoint/2012/main">
         <p15:guide id="1" orient="horz">
@@ -293,7 +320,7 @@
             <a:fld id="{BE4E05A4-29A6-45AB-82C9-31FC81F0251A}" type="datetimeFigureOut">
               <a:rPr lang="en-US" smtClean="0"/>
               <a:pPr/>
-              <a:t>9/5/2019</a:t>
+              <a:t>9/9/2019</a:t>
             </a:fld>
             <a:endParaRPr lang="en-US" dirty="0"/>
           </a:p>
@@ -857,321 +884,7 @@
           <a:bodyPr/>
           <a:lstStyle/>
           <a:p>
-            <a:r>
-              <a:rPr lang="en-US" b="1" dirty="0"/>
-              <a:t>Problem with traditional development</a:t>
-            </a:r>
-            <a:r>
-              <a:rPr lang="en-US" b="1" baseline="0" dirty="0"/>
-              <a:t> methods leads to long project phases for:</a:t>
-            </a:r>
-          </a:p>
-          <a:p>
-            <a:pPr marL="171450" indent="-171450">
-              <a:buFont typeface="Arial" panose="020B0604020202020204" pitchFamily="34" charset="0"/>
-              <a:buChar char="•"/>
-            </a:pPr>
-            <a:r>
-              <a:rPr lang="en-US" sz="1200" kern="1200" dirty="0">
-                <a:solidFill>
-                  <a:schemeClr val="tx1"/>
-                </a:solidFill>
-                <a:effectLst/>
-                <a:latin typeface="Arial" charset="0"/>
-                <a:ea typeface="+mn-ea"/>
-                <a:cs typeface="+mn-cs"/>
-              </a:rPr>
-              <a:t>requirements documentation</a:t>
-            </a:r>
-          </a:p>
-          <a:p>
-            <a:pPr marL="171450" indent="-171450">
-              <a:buFont typeface="Arial" panose="020B0604020202020204" pitchFamily="34" charset="0"/>
-              <a:buChar char="•"/>
-            </a:pPr>
-            <a:r>
-              <a:rPr lang="en-US" sz="1200" kern="1200" dirty="0">
-                <a:solidFill>
-                  <a:schemeClr val="tx1"/>
-                </a:solidFill>
-                <a:effectLst/>
-                <a:latin typeface="Arial" charset="0"/>
-                <a:ea typeface="+mn-ea"/>
-                <a:cs typeface="+mn-cs"/>
-              </a:rPr>
-              <a:t>product development</a:t>
-            </a:r>
-          </a:p>
-          <a:p>
-            <a:pPr marL="171450" indent="-171450">
-              <a:buFont typeface="Arial" panose="020B0604020202020204" pitchFamily="34" charset="0"/>
-              <a:buChar char="•"/>
-            </a:pPr>
-            <a:r>
-              <a:rPr lang="en-US" sz="1200" kern="1200" dirty="0">
-                <a:solidFill>
-                  <a:schemeClr val="tx1"/>
-                </a:solidFill>
-                <a:effectLst/>
-                <a:latin typeface="Arial" charset="0"/>
-                <a:ea typeface="+mn-ea"/>
-                <a:cs typeface="+mn-cs"/>
-              </a:rPr>
-              <a:t>integration</a:t>
-            </a:r>
-          </a:p>
-          <a:p>
-            <a:pPr marL="171450" indent="-171450">
-              <a:buFont typeface="Arial" panose="020B0604020202020204" pitchFamily="34" charset="0"/>
-              <a:buChar char="•"/>
-            </a:pPr>
-            <a:r>
-              <a:rPr lang="en-US" sz="1200" kern="1200" dirty="0">
-                <a:solidFill>
-                  <a:schemeClr val="tx1"/>
-                </a:solidFill>
-                <a:effectLst/>
-                <a:latin typeface="Arial" charset="0"/>
-                <a:ea typeface="+mn-ea"/>
-                <a:cs typeface="+mn-cs"/>
-              </a:rPr>
-              <a:t>Review</a:t>
-            </a:r>
-          </a:p>
-          <a:p>
-            <a:pPr marL="171450" indent="-171450">
-              <a:buFont typeface="Arial" panose="020B0604020202020204" pitchFamily="34" charset="0"/>
-              <a:buChar char="•"/>
-            </a:pPr>
-            <a:r>
-              <a:rPr lang="en-US" sz="1200" kern="1200" dirty="0">
-                <a:solidFill>
-                  <a:schemeClr val="tx1"/>
-                </a:solidFill>
-                <a:effectLst/>
-                <a:latin typeface="Arial" charset="0"/>
-                <a:ea typeface="+mn-ea"/>
-                <a:cs typeface="+mn-cs"/>
-              </a:rPr>
-              <a:t>Publication</a:t>
-            </a:r>
-          </a:p>
-          <a:p>
-            <a:pPr marL="0" indent="0">
-              <a:buFont typeface="Arial" panose="020B0604020202020204" pitchFamily="34" charset="0"/>
-              <a:buNone/>
-            </a:pPr>
-            <a:r>
-              <a:rPr lang="en-US" sz="1200" b="1" kern="1200" dirty="0">
-                <a:solidFill>
-                  <a:schemeClr val="tx1"/>
-                </a:solidFill>
-                <a:effectLst/>
-                <a:latin typeface="Arial" charset="0"/>
-                <a:ea typeface="+mn-ea"/>
-                <a:cs typeface="+mn-cs"/>
-              </a:rPr>
-              <a:t>Agile</a:t>
-            </a:r>
-            <a:r>
-              <a:rPr lang="en-US" sz="1200" b="1" kern="1200" baseline="0" dirty="0">
-                <a:solidFill>
-                  <a:schemeClr val="tx1"/>
-                </a:solidFill>
-                <a:effectLst/>
-                <a:latin typeface="Arial" charset="0"/>
-                <a:ea typeface="+mn-ea"/>
-                <a:cs typeface="+mn-cs"/>
-              </a:rPr>
-              <a:t> represents an opportunity to </a:t>
-            </a:r>
-          </a:p>
-          <a:p>
-            <a:pPr marL="171450" indent="-171450">
-              <a:buFont typeface="Arial" panose="020B0604020202020204" pitchFamily="34" charset="0"/>
-              <a:buChar char="•"/>
-            </a:pPr>
-            <a:r>
-              <a:rPr lang="en-US" sz="1200" kern="1200" baseline="0" dirty="0">
-                <a:solidFill>
-                  <a:schemeClr val="tx1"/>
-                </a:solidFill>
-                <a:effectLst/>
-                <a:latin typeface="Arial" charset="0"/>
-                <a:ea typeface="+mn-ea"/>
-                <a:cs typeface="+mn-cs"/>
-              </a:rPr>
-              <a:t>shorten the development</a:t>
-            </a:r>
-          </a:p>
-          <a:p>
-            <a:pPr marL="171450" indent="-171450">
-              <a:buFont typeface="Arial" panose="020B0604020202020204" pitchFamily="34" charset="0"/>
-              <a:buChar char="•"/>
-            </a:pPr>
-            <a:r>
-              <a:rPr lang="en-US" sz="1200" kern="1200" baseline="0" dirty="0">
-                <a:solidFill>
-                  <a:schemeClr val="tx1"/>
-                </a:solidFill>
-                <a:effectLst/>
-                <a:latin typeface="Arial" charset="0"/>
-                <a:ea typeface="+mn-ea"/>
-                <a:cs typeface="+mn-cs"/>
-              </a:rPr>
-              <a:t>Provide usable products to the user faster</a:t>
-            </a:r>
-          </a:p>
-          <a:p>
-            <a:pPr marL="0" indent="0">
-              <a:buFont typeface="Arial" panose="020B0604020202020204" pitchFamily="34" charset="0"/>
-              <a:buNone/>
-            </a:pPr>
-            <a:r>
-              <a:rPr lang="en-US" sz="1200" b="1" kern="1200" baseline="0" dirty="0">
-                <a:solidFill>
-                  <a:schemeClr val="tx1"/>
-                </a:solidFill>
-                <a:effectLst/>
-                <a:latin typeface="Arial" charset="0"/>
-                <a:ea typeface="+mn-ea"/>
-                <a:cs typeface="+mn-cs"/>
-              </a:rPr>
-              <a:t>Applicable Manifesto:</a:t>
-            </a:r>
-          </a:p>
-          <a:p>
-            <a:pPr marL="171450" indent="-171450">
-              <a:buFont typeface="Arial" panose="020B0604020202020204" pitchFamily="34" charset="0"/>
-              <a:buChar char="•"/>
-            </a:pPr>
-            <a:r>
-              <a:rPr lang="en-US" sz="1200" kern="1200" dirty="0">
-                <a:solidFill>
-                  <a:schemeClr val="tx1"/>
-                </a:solidFill>
-                <a:effectLst/>
-                <a:latin typeface="Arial" charset="0"/>
-                <a:ea typeface="+mn-ea"/>
-                <a:cs typeface="+mn-cs"/>
-              </a:rPr>
-              <a:t>“Deliver working software frequently.”</a:t>
-            </a:r>
-            <a:r>
-              <a:rPr lang="en-US" sz="1200" kern="1200" baseline="0" dirty="0">
-                <a:solidFill>
-                  <a:schemeClr val="tx1"/>
-                </a:solidFill>
-                <a:effectLst/>
-                <a:latin typeface="Arial" charset="0"/>
-                <a:ea typeface="+mn-ea"/>
-                <a:cs typeface="+mn-cs"/>
-              </a:rPr>
-              <a:t> </a:t>
-            </a:r>
-          </a:p>
-          <a:p>
-            <a:pPr marL="171450" indent="-171450">
-              <a:buFont typeface="Arial" panose="020B0604020202020204" pitchFamily="34" charset="0"/>
-              <a:buChar char="•"/>
-            </a:pPr>
-            <a:r>
-              <a:rPr lang="en-US" sz="1200" kern="1200" dirty="0">
-                <a:solidFill>
-                  <a:schemeClr val="tx1"/>
-                </a:solidFill>
-                <a:effectLst/>
-                <a:latin typeface="Arial" charset="0"/>
-                <a:ea typeface="+mn-ea"/>
-                <a:cs typeface="+mn-cs"/>
-              </a:rPr>
-              <a:t>“Working software is the primary measure of progress.“</a:t>
-            </a:r>
-          </a:p>
-          <a:p>
-            <a:pPr marL="171450" indent="-171450">
-              <a:buFont typeface="Arial" panose="020B0604020202020204" pitchFamily="34" charset="0"/>
-              <a:buChar char="•"/>
-            </a:pPr>
-            <a:r>
-              <a:rPr lang="en-US" sz="1200" kern="1200" dirty="0">
-                <a:solidFill>
-                  <a:schemeClr val="tx1"/>
-                </a:solidFill>
-                <a:effectLst/>
-                <a:latin typeface="Arial" charset="0"/>
-                <a:ea typeface="+mn-ea"/>
-                <a:cs typeface="+mn-cs"/>
-              </a:rPr>
-              <a:t>“At regular intervals, the team reflects on how to become more effective, then tunes and adjust its behavior accordingly.” </a:t>
-            </a:r>
-          </a:p>
-          <a:p>
-            <a:pPr marL="0" indent="0">
-              <a:buFont typeface="Arial" panose="020B0604020202020204" pitchFamily="34" charset="0"/>
-              <a:buNone/>
-            </a:pPr>
-            <a:endParaRPr lang="en-US" sz="1200" b="1" kern="1200" dirty="0">
-              <a:solidFill>
-                <a:schemeClr val="tx1"/>
-              </a:solidFill>
-              <a:effectLst/>
-              <a:latin typeface="Arial" charset="0"/>
-              <a:ea typeface="+mn-ea"/>
-              <a:cs typeface="+mn-cs"/>
-            </a:endParaRPr>
-          </a:p>
-          <a:p>
-            <a:pPr marL="0" indent="0">
-              <a:buFont typeface="Arial" panose="020B0604020202020204" pitchFamily="34" charset="0"/>
-              <a:buNone/>
-            </a:pPr>
-            <a:r>
-              <a:rPr lang="en-US" sz="1200" b="1" kern="1200" dirty="0">
-                <a:solidFill>
-                  <a:schemeClr val="tx1"/>
-                </a:solidFill>
-                <a:effectLst/>
-                <a:latin typeface="Arial" charset="0"/>
-                <a:ea typeface="+mn-ea"/>
-                <a:cs typeface="+mn-cs"/>
-              </a:rPr>
-              <a:t>Recently integration issues with AP242 e2 teams could have been avoided with synchronized and integrated development iterations</a:t>
-            </a:r>
-          </a:p>
-          <a:p>
-            <a:pPr marL="0" indent="0">
-              <a:buFont typeface="Arial" panose="020B0604020202020204" pitchFamily="34" charset="0"/>
-              <a:buNone/>
-            </a:pPr>
-            <a:endParaRPr lang="en-US" sz="1200" b="1" kern="1200" dirty="0">
-              <a:solidFill>
-                <a:schemeClr val="tx1"/>
-              </a:solidFill>
-              <a:effectLst/>
-              <a:latin typeface="Arial" charset="0"/>
-              <a:ea typeface="+mn-ea"/>
-              <a:cs typeface="+mn-cs"/>
-            </a:endParaRPr>
-          </a:p>
-          <a:p>
-            <a:pPr marL="0" indent="0">
-              <a:buFont typeface="Arial" panose="020B0604020202020204" pitchFamily="34" charset="0"/>
-              <a:buNone/>
-            </a:pPr>
-            <a:r>
-              <a:rPr lang="en-US" sz="1200" b="1" kern="1200" dirty="0">
-                <a:solidFill>
-                  <a:schemeClr val="tx1"/>
-                </a:solidFill>
-                <a:effectLst/>
-                <a:latin typeface="Arial" charset="0"/>
-                <a:ea typeface="+mn-ea"/>
-                <a:cs typeface="+mn-cs"/>
-              </a:rPr>
-              <a:t>employing systems thinking and applying an operating cadence and synchronization that enables all the teams to sprint together while integrating</a:t>
-            </a:r>
-            <a:endParaRPr lang="en-US" b="1" dirty="0"/>
+            <a:endParaRPr lang="en-US" dirty="0"/>
           </a:p>
         </p:txBody>
       </p:sp>
@@ -1202,7 +915,7 @@
     </p:spTree>
     <p:extLst>
       <p:ext uri="{BB962C8B-B14F-4D97-AF65-F5344CB8AC3E}">
-        <p14:creationId xmlns:p14="http://schemas.microsoft.com/office/powerpoint/2010/main" val="2493210088"/>
+        <p14:creationId xmlns:p14="http://schemas.microsoft.com/office/powerpoint/2010/main" val="2165089036"/>
       </p:ext>
     </p:extLst>
   </p:cSld>
@@ -1287,7 +1000,7 @@
     </p:spTree>
     <p:extLst>
       <p:ext uri="{BB962C8B-B14F-4D97-AF65-F5344CB8AC3E}">
-        <p14:creationId xmlns:p14="http://schemas.microsoft.com/office/powerpoint/2010/main" val="521656160"/>
+        <p14:creationId xmlns:p14="http://schemas.microsoft.com/office/powerpoint/2010/main" val="1232374971"/>
       </p:ext>
     </p:extLst>
   </p:cSld>
@@ -1364,176 +1077,6 @@
               <a:rPr lang="en-US" smtClean="0"/>
               <a:pPr/>
               <a:t>11</a:t>
-            </a:fld>
-            <a:endParaRPr lang="en-US" dirty="0"/>
-          </a:p>
-        </p:txBody>
-      </p:sp>
-    </p:spTree>
-    <p:extLst>
-      <p:ext uri="{BB962C8B-B14F-4D97-AF65-F5344CB8AC3E}">
-        <p14:creationId xmlns:p14="http://schemas.microsoft.com/office/powerpoint/2010/main" val="2165089036"/>
-      </p:ext>
-    </p:extLst>
-  </p:cSld>
-  <p:clrMapOvr>
-    <a:masterClrMapping/>
-  </p:clrMapOvr>
-</p:notes>
-</file>
-
-<file path=ppt/notesSlides/notesSlide4.xml><?xml version="1.0" encoding="utf-8"?>
-<p:notes xmlns:a="http://schemas.openxmlformats.org/drawingml/2006/main" xmlns:r="http://schemas.openxmlformats.org/officeDocument/2006/relationships" xmlns:p="http://schemas.openxmlformats.org/presentationml/2006/main">
-  <p:cSld>
-    <p:spTree>
-      <p:nvGrpSpPr>
-        <p:cNvPr id="1" name=""/>
-        <p:cNvGrpSpPr/>
-        <p:nvPr/>
-      </p:nvGrpSpPr>
-      <p:grpSpPr>
-        <a:xfrm>
-          <a:off x="0" y="0"/>
-          <a:ext cx="0" cy="0"/>
-          <a:chOff x="0" y="0"/>
-          <a:chExt cx="0" cy="0"/>
-        </a:xfrm>
-      </p:grpSpPr>
-      <p:sp>
-        <p:nvSpPr>
-          <p:cNvPr id="2" name="Slide Image Placeholder 1"/>
-          <p:cNvSpPr>
-            <a:spLocks noGrp="1" noRot="1" noChangeAspect="1"/>
-          </p:cNvSpPr>
-          <p:nvPr>
-            <p:ph type="sldImg"/>
-          </p:nvPr>
-        </p:nvSpPr>
-        <p:spPr/>
-      </p:sp>
-      <p:sp>
-        <p:nvSpPr>
-          <p:cNvPr id="3" name="Notes Placeholder 2"/>
-          <p:cNvSpPr>
-            <a:spLocks noGrp="1"/>
-          </p:cNvSpPr>
-          <p:nvPr>
-            <p:ph type="body" idx="1"/>
-          </p:nvPr>
-        </p:nvSpPr>
-        <p:spPr/>
-        <p:txBody>
-          <a:bodyPr/>
-          <a:lstStyle/>
-          <a:p>
-            <a:endParaRPr lang="en-US" dirty="0"/>
-          </a:p>
-        </p:txBody>
-      </p:sp>
-      <p:sp>
-        <p:nvSpPr>
-          <p:cNvPr id="4" name="Slide Number Placeholder 3"/>
-          <p:cNvSpPr>
-            <a:spLocks noGrp="1"/>
-          </p:cNvSpPr>
-          <p:nvPr>
-            <p:ph type="sldNum" sz="quarter" idx="10"/>
-          </p:nvPr>
-        </p:nvSpPr>
-        <p:spPr/>
-        <p:txBody>
-          <a:bodyPr/>
-          <a:lstStyle/>
-          <a:p>
-            <a:fld id="{739F009B-AA83-4291-81BE-194F11CE1901}" type="slidenum">
-              <a:rPr lang="en-US" smtClean="0"/>
-              <a:pPr/>
-              <a:t>12</a:t>
-            </a:fld>
-            <a:endParaRPr lang="en-US" dirty="0"/>
-          </a:p>
-        </p:txBody>
-      </p:sp>
-    </p:spTree>
-    <p:extLst>
-      <p:ext uri="{BB962C8B-B14F-4D97-AF65-F5344CB8AC3E}">
-        <p14:creationId xmlns:p14="http://schemas.microsoft.com/office/powerpoint/2010/main" val="1232374971"/>
-      </p:ext>
-    </p:extLst>
-  </p:cSld>
-  <p:clrMapOvr>
-    <a:masterClrMapping/>
-  </p:clrMapOvr>
-</p:notes>
-</file>
-
-<file path=ppt/notesSlides/notesSlide5.xml><?xml version="1.0" encoding="utf-8"?>
-<p:notes xmlns:a="http://schemas.openxmlformats.org/drawingml/2006/main" xmlns:r="http://schemas.openxmlformats.org/officeDocument/2006/relationships" xmlns:p="http://schemas.openxmlformats.org/presentationml/2006/main">
-  <p:cSld>
-    <p:spTree>
-      <p:nvGrpSpPr>
-        <p:cNvPr id="1" name=""/>
-        <p:cNvGrpSpPr/>
-        <p:nvPr/>
-      </p:nvGrpSpPr>
-      <p:grpSpPr>
-        <a:xfrm>
-          <a:off x="0" y="0"/>
-          <a:ext cx="0" cy="0"/>
-          <a:chOff x="0" y="0"/>
-          <a:chExt cx="0" cy="0"/>
-        </a:xfrm>
-      </p:grpSpPr>
-      <p:sp>
-        <p:nvSpPr>
-          <p:cNvPr id="2" name="Slide Image Placeholder 1"/>
-          <p:cNvSpPr>
-            <a:spLocks noGrp="1" noRot="1" noChangeAspect="1"/>
-          </p:cNvSpPr>
-          <p:nvPr>
-            <p:ph type="sldImg"/>
-          </p:nvPr>
-        </p:nvSpPr>
-        <p:spPr/>
-      </p:sp>
-      <p:sp>
-        <p:nvSpPr>
-          <p:cNvPr id="3" name="Notes Placeholder 2"/>
-          <p:cNvSpPr>
-            <a:spLocks noGrp="1"/>
-          </p:cNvSpPr>
-          <p:nvPr>
-            <p:ph type="body" idx="1"/>
-          </p:nvPr>
-        </p:nvSpPr>
-        <p:spPr/>
-        <p:txBody>
-          <a:bodyPr/>
-          <a:lstStyle/>
-          <a:p>
-            <a:endParaRPr lang="en-US" dirty="0"/>
-          </a:p>
-        </p:txBody>
-      </p:sp>
-      <p:sp>
-        <p:nvSpPr>
-          <p:cNvPr id="4" name="Slide Number Placeholder 3"/>
-          <p:cNvSpPr>
-            <a:spLocks noGrp="1"/>
-          </p:cNvSpPr>
-          <p:nvPr>
-            <p:ph type="sldNum" sz="quarter" idx="10"/>
-          </p:nvPr>
-        </p:nvSpPr>
-        <p:spPr/>
-        <p:txBody>
-          <a:bodyPr/>
-          <a:lstStyle/>
-          <a:p>
-            <a:fld id="{739F009B-AA83-4291-81BE-194F11CE1901}" type="slidenum">
-              <a:rPr lang="en-US" smtClean="0"/>
-              <a:pPr/>
-              <a:t>13</a:t>
             </a:fld>
             <a:endParaRPr lang="en-US" dirty="0"/>
           </a:p>
@@ -8914,7 +8457,7 @@
           <a:p>
             <a:r>
               <a:rPr lang="en-GB" sz="3200" dirty="0"/>
-              <a:t>Proposed Solution 3: Program Increment Planning</a:t>
+              <a:t>Continued Research 2: Advanced Communication Tools</a:t>
             </a:r>
           </a:p>
         </p:txBody>
@@ -8991,790 +8534,14 @@
       </p:sp>
       <p:sp>
         <p:nvSpPr>
-          <p:cNvPr id="12" name="Rectangle 11"/>
-          <p:cNvSpPr/>
-          <p:nvPr/>
-        </p:nvSpPr>
-        <p:spPr>
-          <a:xfrm>
-            <a:off x="2783840" y="6263640"/>
-            <a:ext cx="6797040" cy="594360"/>
-          </a:xfrm>
-          <a:prstGeom prst="rect">
-            <a:avLst/>
-          </a:prstGeom>
-          <a:solidFill>
-            <a:schemeClr val="tx1">
-              <a:lumMod val="75000"/>
-              <a:lumOff val="25000"/>
-            </a:schemeClr>
-          </a:solidFill>
-          <a:ln>
-            <a:noFill/>
-          </a:ln>
-        </p:spPr>
-        <p:style>
-          <a:lnRef idx="2">
-            <a:schemeClr val="accent1">
-              <a:shade val="50000"/>
-            </a:schemeClr>
-          </a:lnRef>
-          <a:fillRef idx="1">
-            <a:schemeClr val="accent1"/>
-          </a:fillRef>
-          <a:effectRef idx="0">
-            <a:schemeClr val="accent1"/>
-          </a:effectRef>
-          <a:fontRef idx="minor">
-            <a:schemeClr val="lt1"/>
-          </a:fontRef>
-        </p:style>
-        <p:txBody>
-          <a:bodyPr rtlCol="0" anchor="ctr"/>
-          <a:lstStyle/>
-          <a:p>
-            <a:pPr algn="ctr"/>
-            <a:endParaRPr lang="en-US"/>
-          </a:p>
-        </p:txBody>
-      </p:sp>
-      <p:sp>
-        <p:nvSpPr>
-          <p:cNvPr id="13" name="Rounded Rectangle 12"/>
-          <p:cNvSpPr/>
-          <p:nvPr/>
-        </p:nvSpPr>
-        <p:spPr>
-          <a:xfrm>
-            <a:off x="1432749" y="1450514"/>
-            <a:ext cx="4289871" cy="436567"/>
-          </a:xfrm>
-          <a:prstGeom prst="roundRect">
-            <a:avLst/>
-          </a:prstGeom>
-        </p:spPr>
-        <p:style>
-          <a:lnRef idx="2">
-            <a:schemeClr val="accent1">
-              <a:shade val="50000"/>
-            </a:schemeClr>
-          </a:lnRef>
-          <a:fillRef idx="1">
-            <a:schemeClr val="accent1"/>
-          </a:fillRef>
-          <a:effectRef idx="0">
-            <a:schemeClr val="accent1"/>
-          </a:effectRef>
-          <a:fontRef idx="minor">
-            <a:schemeClr val="lt1"/>
-          </a:fontRef>
-        </p:style>
-        <p:txBody>
-          <a:bodyPr rtlCol="0" anchor="ctr"/>
-          <a:lstStyle/>
-          <a:p>
-            <a:pPr algn="ctr"/>
-            <a:r>
-              <a:rPr lang="en-US" sz="1100" dirty="0"/>
-              <a:t>AP242e3</a:t>
-            </a:r>
-          </a:p>
-          <a:p>
-            <a:pPr algn="ctr"/>
-            <a:r>
-              <a:rPr lang="en-US" sz="1100" dirty="0">
-                <a:solidFill>
-                  <a:schemeClr val="accent3"/>
-                </a:solidFill>
-              </a:rPr>
-              <a:t>(ART/EPIC)</a:t>
-            </a:r>
-          </a:p>
-        </p:txBody>
-      </p:sp>
-      <p:sp>
-        <p:nvSpPr>
-          <p:cNvPr id="14" name="Flowchart: Delay 13"/>
-          <p:cNvSpPr/>
-          <p:nvPr/>
-        </p:nvSpPr>
-        <p:spPr>
-          <a:xfrm rot="16200000">
-            <a:off x="2103924" y="2076557"/>
-            <a:ext cx="804499" cy="842226"/>
-          </a:xfrm>
-          <a:prstGeom prst="flowChartDelay">
-            <a:avLst/>
-          </a:prstGeom>
-          <a:solidFill>
-            <a:schemeClr val="tx2">
-              <a:lumMod val="20000"/>
-              <a:lumOff val="80000"/>
-            </a:schemeClr>
-          </a:solidFill>
-          <a:ln>
-            <a:noFill/>
-          </a:ln>
-        </p:spPr>
-        <p:style>
-          <a:lnRef idx="2">
-            <a:schemeClr val="accent1">
-              <a:shade val="50000"/>
-            </a:schemeClr>
-          </a:lnRef>
-          <a:fillRef idx="1">
-            <a:schemeClr val="accent1"/>
-          </a:fillRef>
-          <a:effectRef idx="0">
-            <a:schemeClr val="accent1"/>
-          </a:effectRef>
-          <a:fontRef idx="minor">
-            <a:schemeClr val="lt1"/>
-          </a:fontRef>
-        </p:style>
-        <p:txBody>
-          <a:bodyPr rtlCol="0" anchor="ctr"/>
-          <a:lstStyle/>
-          <a:p>
-            <a:pPr algn="ctr"/>
-            <a:endParaRPr lang="en-US" sz="1100"/>
-          </a:p>
-        </p:txBody>
-      </p:sp>
-      <p:sp>
-        <p:nvSpPr>
-          <p:cNvPr id="15" name="Rectangle 14"/>
-          <p:cNvSpPr/>
-          <p:nvPr/>
-        </p:nvSpPr>
-        <p:spPr>
-          <a:xfrm>
-            <a:off x="2081767" y="2894484"/>
-            <a:ext cx="842226" cy="3177735"/>
-          </a:xfrm>
-          <a:prstGeom prst="rect">
-            <a:avLst/>
-          </a:prstGeom>
-          <a:solidFill>
-            <a:schemeClr val="tx2">
-              <a:lumMod val="20000"/>
-              <a:lumOff val="80000"/>
-            </a:schemeClr>
-          </a:solidFill>
-          <a:ln>
-            <a:noFill/>
-          </a:ln>
-        </p:spPr>
-        <p:style>
-          <a:lnRef idx="2">
-            <a:schemeClr val="accent1">
-              <a:shade val="50000"/>
-            </a:schemeClr>
-          </a:lnRef>
-          <a:fillRef idx="1">
-            <a:schemeClr val="accent1"/>
-          </a:fillRef>
-          <a:effectRef idx="0">
-            <a:schemeClr val="accent1"/>
-          </a:effectRef>
-          <a:fontRef idx="minor">
-            <a:schemeClr val="lt1"/>
-          </a:fontRef>
-        </p:style>
-        <p:txBody>
-          <a:bodyPr rtlCol="0" anchor="ctr"/>
-          <a:lstStyle/>
-          <a:p>
-            <a:pPr algn="ctr"/>
-            <a:endParaRPr lang="en-US" sz="1100"/>
-          </a:p>
-        </p:txBody>
-      </p:sp>
-      <p:sp>
-        <p:nvSpPr>
-          <p:cNvPr id="16" name="Flowchart: Delay 15"/>
-          <p:cNvSpPr/>
-          <p:nvPr/>
-        </p:nvSpPr>
-        <p:spPr>
-          <a:xfrm rot="16200000">
-            <a:off x="3040598" y="2076557"/>
-            <a:ext cx="804499" cy="842226"/>
-          </a:xfrm>
-          <a:prstGeom prst="flowChartDelay">
-            <a:avLst/>
-          </a:prstGeom>
-          <a:solidFill>
-            <a:schemeClr val="accent4">
-              <a:lumMod val="40000"/>
-              <a:lumOff val="60000"/>
-            </a:schemeClr>
-          </a:solidFill>
-          <a:ln>
-            <a:noFill/>
-          </a:ln>
-        </p:spPr>
-        <p:style>
-          <a:lnRef idx="2">
-            <a:schemeClr val="accent1">
-              <a:shade val="50000"/>
-            </a:schemeClr>
-          </a:lnRef>
-          <a:fillRef idx="1">
-            <a:schemeClr val="accent1"/>
-          </a:fillRef>
-          <a:effectRef idx="0">
-            <a:schemeClr val="accent1"/>
-          </a:effectRef>
-          <a:fontRef idx="minor">
-            <a:schemeClr val="lt1"/>
-          </a:fontRef>
-        </p:style>
-        <p:txBody>
-          <a:bodyPr rtlCol="0" anchor="ctr"/>
-          <a:lstStyle/>
-          <a:p>
-            <a:pPr algn="ctr"/>
-            <a:endParaRPr lang="en-US" sz="1100"/>
-          </a:p>
-        </p:txBody>
-      </p:sp>
-      <p:sp>
-        <p:nvSpPr>
-          <p:cNvPr id="17" name="Rectangle 16"/>
-          <p:cNvSpPr/>
-          <p:nvPr/>
-        </p:nvSpPr>
-        <p:spPr>
-          <a:xfrm>
-            <a:off x="3018438" y="2894484"/>
-            <a:ext cx="842226" cy="3177735"/>
-          </a:xfrm>
-          <a:prstGeom prst="rect">
-            <a:avLst/>
-          </a:prstGeom>
-          <a:solidFill>
-            <a:schemeClr val="accent4">
-              <a:lumMod val="40000"/>
-              <a:lumOff val="60000"/>
-            </a:schemeClr>
-          </a:solidFill>
-          <a:ln>
-            <a:noFill/>
-          </a:ln>
-        </p:spPr>
-        <p:style>
-          <a:lnRef idx="2">
-            <a:schemeClr val="accent1">
-              <a:shade val="50000"/>
-            </a:schemeClr>
-          </a:lnRef>
-          <a:fillRef idx="1">
-            <a:schemeClr val="accent1"/>
-          </a:fillRef>
-          <a:effectRef idx="0">
-            <a:schemeClr val="accent1"/>
-          </a:effectRef>
-          <a:fontRef idx="minor">
-            <a:schemeClr val="lt1"/>
-          </a:fontRef>
-        </p:style>
-        <p:txBody>
-          <a:bodyPr rtlCol="0" anchor="ctr"/>
-          <a:lstStyle/>
-          <a:p>
-            <a:pPr algn="ctr"/>
-            <a:endParaRPr lang="en-US" sz="1100"/>
-          </a:p>
-        </p:txBody>
-      </p:sp>
-      <p:sp>
-        <p:nvSpPr>
-          <p:cNvPr id="18" name="Flowchart: Delay 17"/>
-          <p:cNvSpPr/>
-          <p:nvPr/>
-        </p:nvSpPr>
-        <p:spPr>
-          <a:xfrm rot="16200000">
-            <a:off x="3973169" y="2076557"/>
-            <a:ext cx="804499" cy="842226"/>
-          </a:xfrm>
-          <a:prstGeom prst="flowChartDelay">
-            <a:avLst/>
-          </a:prstGeom>
-          <a:solidFill>
-            <a:schemeClr val="accent6">
-              <a:lumMod val="60000"/>
-              <a:lumOff val="40000"/>
-            </a:schemeClr>
-          </a:solidFill>
-          <a:ln>
-            <a:noFill/>
-          </a:ln>
-        </p:spPr>
-        <p:style>
-          <a:lnRef idx="2">
-            <a:schemeClr val="accent1">
-              <a:shade val="50000"/>
-            </a:schemeClr>
-          </a:lnRef>
-          <a:fillRef idx="1">
-            <a:schemeClr val="accent1"/>
-          </a:fillRef>
-          <a:effectRef idx="0">
-            <a:schemeClr val="accent1"/>
-          </a:effectRef>
-          <a:fontRef idx="minor">
-            <a:schemeClr val="lt1"/>
-          </a:fontRef>
-        </p:style>
-        <p:txBody>
-          <a:bodyPr rtlCol="0" anchor="ctr"/>
-          <a:lstStyle/>
-          <a:p>
-            <a:pPr algn="ctr"/>
-            <a:endParaRPr lang="en-US" sz="1100"/>
-          </a:p>
-        </p:txBody>
-      </p:sp>
-      <p:sp>
-        <p:nvSpPr>
-          <p:cNvPr id="19" name="Rectangle 18"/>
-          <p:cNvSpPr/>
-          <p:nvPr/>
-        </p:nvSpPr>
-        <p:spPr>
-          <a:xfrm>
-            <a:off x="3951009" y="2894484"/>
-            <a:ext cx="842226" cy="3177735"/>
-          </a:xfrm>
-          <a:prstGeom prst="rect">
-            <a:avLst/>
-          </a:prstGeom>
-          <a:solidFill>
-            <a:schemeClr val="accent6">
-              <a:lumMod val="60000"/>
-              <a:lumOff val="40000"/>
-            </a:schemeClr>
-          </a:solidFill>
-          <a:ln>
-            <a:noFill/>
-          </a:ln>
-        </p:spPr>
-        <p:style>
-          <a:lnRef idx="2">
-            <a:schemeClr val="accent1">
-              <a:shade val="50000"/>
-            </a:schemeClr>
-          </a:lnRef>
-          <a:fillRef idx="1">
-            <a:schemeClr val="accent1"/>
-          </a:fillRef>
-          <a:effectRef idx="0">
-            <a:schemeClr val="accent1"/>
-          </a:effectRef>
-          <a:fontRef idx="minor">
-            <a:schemeClr val="lt1"/>
-          </a:fontRef>
-        </p:style>
-        <p:txBody>
-          <a:bodyPr rtlCol="0" anchor="ctr"/>
-          <a:lstStyle/>
-          <a:p>
-            <a:pPr algn="ctr"/>
-            <a:endParaRPr lang="en-US" sz="1100"/>
-          </a:p>
-        </p:txBody>
-      </p:sp>
-      <p:sp>
-        <p:nvSpPr>
-          <p:cNvPr id="20" name="Flowchart: Delay 19"/>
-          <p:cNvSpPr/>
-          <p:nvPr/>
-        </p:nvSpPr>
-        <p:spPr>
-          <a:xfrm rot="16200000">
-            <a:off x="4872328" y="2076557"/>
-            <a:ext cx="804499" cy="842226"/>
-          </a:xfrm>
-          <a:prstGeom prst="flowChartDelay">
-            <a:avLst/>
-          </a:prstGeom>
-          <a:solidFill>
-            <a:schemeClr val="bg1">
-              <a:lumMod val="75000"/>
-            </a:schemeClr>
-          </a:solidFill>
-          <a:ln>
-            <a:noFill/>
-          </a:ln>
-        </p:spPr>
-        <p:style>
-          <a:lnRef idx="2">
-            <a:schemeClr val="accent1">
-              <a:shade val="50000"/>
-            </a:schemeClr>
-          </a:lnRef>
-          <a:fillRef idx="1">
-            <a:schemeClr val="accent1"/>
-          </a:fillRef>
-          <a:effectRef idx="0">
-            <a:schemeClr val="accent1"/>
-          </a:effectRef>
-          <a:fontRef idx="minor">
-            <a:schemeClr val="lt1"/>
-          </a:fontRef>
-        </p:style>
-        <p:txBody>
-          <a:bodyPr rtlCol="0" anchor="ctr"/>
-          <a:lstStyle/>
-          <a:p>
-            <a:pPr algn="ctr"/>
-            <a:endParaRPr lang="en-US" sz="1100"/>
-          </a:p>
-        </p:txBody>
-      </p:sp>
-      <p:sp>
-        <p:nvSpPr>
-          <p:cNvPr id="21" name="Rectangle 20"/>
-          <p:cNvSpPr/>
-          <p:nvPr/>
-        </p:nvSpPr>
-        <p:spPr>
-          <a:xfrm>
-            <a:off x="4850168" y="2894484"/>
-            <a:ext cx="842226" cy="3177735"/>
-          </a:xfrm>
-          <a:prstGeom prst="rect">
-            <a:avLst/>
-          </a:prstGeom>
-          <a:solidFill>
-            <a:schemeClr val="bg1">
-              <a:lumMod val="75000"/>
-            </a:schemeClr>
-          </a:solidFill>
-          <a:ln>
-            <a:noFill/>
-          </a:ln>
-        </p:spPr>
-        <p:style>
-          <a:lnRef idx="2">
-            <a:schemeClr val="accent1">
-              <a:shade val="50000"/>
-            </a:schemeClr>
-          </a:lnRef>
-          <a:fillRef idx="1">
-            <a:schemeClr val="accent1"/>
-          </a:fillRef>
-          <a:effectRef idx="0">
-            <a:schemeClr val="accent1"/>
-          </a:effectRef>
-          <a:fontRef idx="minor">
-            <a:schemeClr val="lt1"/>
-          </a:fontRef>
-        </p:style>
-        <p:txBody>
-          <a:bodyPr rtlCol="0" anchor="ctr"/>
-          <a:lstStyle/>
-          <a:p>
-            <a:pPr algn="ctr"/>
-            <a:endParaRPr lang="en-US" sz="1100"/>
-          </a:p>
-        </p:txBody>
-      </p:sp>
-      <p:pic>
-        <p:nvPicPr>
-          <p:cNvPr id="22" name="Content Placeholder 24"/>
-          <p:cNvPicPr>
-            <a:picLocks noGrp="1" noChangeAspect="1"/>
-          </p:cNvPicPr>
-          <p:nvPr>
-            <p:ph sz="quarter" idx="16"/>
-          </p:nvPr>
-        </p:nvPicPr>
-        <p:blipFill>
-          <a:blip r:embed="rId3" cstate="print">
-            <a:extLst>
-              <a:ext uri="{28A0092B-C50C-407E-A947-70E740481C1C}">
-                <a14:useLocalDpi xmlns:a14="http://schemas.microsoft.com/office/drawing/2010/main" val="0"/>
-              </a:ext>
-            </a:extLst>
-          </a:blip>
-          <a:stretch>
-            <a:fillRect/>
-          </a:stretch>
-        </p:blipFill>
-        <p:spPr>
-          <a:xfrm>
-            <a:off x="2217850" y="2744652"/>
-            <a:ext cx="467590" cy="564278"/>
-          </a:xfrm>
-          <a:prstGeom prst="ellipse">
-            <a:avLst/>
-          </a:prstGeom>
-          <a:ln w="6350" cap="rnd">
-            <a:solidFill>
-              <a:srgbClr val="333333"/>
-            </a:solidFill>
-          </a:ln>
-          <a:effectLst>
-            <a:outerShdw blurRad="381000" dist="292100" dir="5400000" sx="-80000" sy="-18000" rotWithShape="0">
-              <a:srgbClr val="000000">
-                <a:alpha val="22000"/>
-              </a:srgbClr>
-            </a:outerShdw>
-          </a:effectLst>
-          <a:scene3d>
-            <a:camera prst="orthographicFront"/>
-            <a:lightRig rig="contrasting" dir="t">
-              <a:rot lat="0" lon="0" rev="3000000"/>
-            </a:lightRig>
-          </a:scene3d>
-          <a:sp3d contourW="7620">
-            <a:bevelT w="95250" h="31750"/>
-            <a:contourClr>
-              <a:srgbClr val="333333"/>
-            </a:contourClr>
-          </a:sp3d>
-        </p:spPr>
-      </p:pic>
-      <p:pic>
-        <p:nvPicPr>
-          <p:cNvPr id="23" name="Picture 22"/>
-          <p:cNvPicPr>
-            <a:picLocks noChangeAspect="1"/>
-          </p:cNvPicPr>
-          <p:nvPr/>
-        </p:nvPicPr>
-        <p:blipFill>
-          <a:blip r:embed="rId4" cstate="print">
-            <a:extLst>
-              <a:ext uri="{BEBA8EAE-BF5A-486C-A8C5-ECC9F3942E4B}">
-                <a14:imgProps xmlns:a14="http://schemas.microsoft.com/office/drawing/2010/main">
-                  <a14:imgLayer r:embed="rId5">
-                    <a14:imgEffect>
-                      <a14:brightnessContrast bright="20000"/>
-                    </a14:imgEffect>
-                  </a14:imgLayer>
-                </a14:imgProps>
-              </a:ext>
-              <a:ext uri="{28A0092B-C50C-407E-A947-70E740481C1C}">
-                <a14:useLocalDpi xmlns:a14="http://schemas.microsoft.com/office/drawing/2010/main" val="0"/>
-              </a:ext>
-            </a:extLst>
-          </a:blip>
-          <a:stretch>
-            <a:fillRect/>
-          </a:stretch>
-        </p:blipFill>
-        <p:spPr>
-          <a:xfrm>
-            <a:off x="3164954" y="2743233"/>
-            <a:ext cx="491069" cy="562338"/>
-          </a:xfrm>
-          <a:prstGeom prst="ellipse">
-            <a:avLst/>
-          </a:prstGeom>
-          <a:ln w="6350" cap="rnd">
-            <a:solidFill>
-              <a:srgbClr val="333333"/>
-            </a:solidFill>
-          </a:ln>
-          <a:effectLst>
-            <a:outerShdw blurRad="381000" dist="292100" dir="5400000" sx="-80000" sy="-18000" rotWithShape="0">
-              <a:srgbClr val="000000">
-                <a:alpha val="22000"/>
-              </a:srgbClr>
-            </a:outerShdw>
-          </a:effectLst>
-          <a:scene3d>
-            <a:camera prst="orthographicFront"/>
-            <a:lightRig rig="contrasting" dir="t">
-              <a:rot lat="0" lon="0" rev="3000000"/>
-            </a:lightRig>
-          </a:scene3d>
-          <a:sp3d contourW="7620">
-            <a:bevelT w="95250" h="31750"/>
-            <a:contourClr>
-              <a:srgbClr val="333333"/>
-            </a:contourClr>
-          </a:sp3d>
-        </p:spPr>
-      </p:pic>
-      <p:pic>
-        <p:nvPicPr>
-          <p:cNvPr id="24" name="Picture 23"/>
-          <p:cNvPicPr>
-            <a:picLocks noChangeAspect="1"/>
-          </p:cNvPicPr>
-          <p:nvPr/>
-        </p:nvPicPr>
-        <p:blipFill>
-          <a:blip r:embed="rId6" cstate="print">
-            <a:lum bright="70000" contrast="-70000"/>
-            <a:extLst>
-              <a:ext uri="{28A0092B-C50C-407E-A947-70E740481C1C}">
-                <a14:useLocalDpi xmlns:a14="http://schemas.microsoft.com/office/drawing/2010/main" val="0"/>
-              </a:ext>
-            </a:extLst>
-          </a:blip>
-          <a:stretch>
-            <a:fillRect/>
-          </a:stretch>
-        </p:blipFill>
-        <p:spPr>
-          <a:xfrm>
-            <a:off x="4085833" y="2738921"/>
-            <a:ext cx="493528" cy="554927"/>
-          </a:xfrm>
-          <a:prstGeom prst="ellipse">
-            <a:avLst/>
-          </a:prstGeom>
-          <a:ln w="6350" cap="rnd">
-            <a:solidFill>
-              <a:srgbClr val="333333"/>
-            </a:solidFill>
-          </a:ln>
-          <a:effectLst>
-            <a:outerShdw blurRad="381000" dist="292100" dir="5400000" sx="-80000" sy="-18000" rotWithShape="0">
-              <a:srgbClr val="000000">
-                <a:alpha val="22000"/>
-              </a:srgbClr>
-            </a:outerShdw>
-          </a:effectLst>
-          <a:scene3d>
-            <a:camera prst="orthographicFront"/>
-            <a:lightRig rig="contrasting" dir="t">
-              <a:rot lat="0" lon="0" rev="3000000"/>
-            </a:lightRig>
-          </a:scene3d>
-          <a:sp3d contourW="7620">
-            <a:bevelT w="95250" h="31750"/>
-            <a:contourClr>
-              <a:srgbClr val="333333"/>
-            </a:contourClr>
-          </a:sp3d>
-        </p:spPr>
-      </p:pic>
-      <p:pic>
-        <p:nvPicPr>
-          <p:cNvPr id="25" name="Content Placeholder 24"/>
-          <p:cNvPicPr>
-            <a:picLocks noChangeAspect="1"/>
-          </p:cNvPicPr>
-          <p:nvPr/>
-        </p:nvPicPr>
-        <p:blipFill>
-          <a:blip r:embed="rId3" cstate="print">
-            <a:extLst>
-              <a:ext uri="{28A0092B-C50C-407E-A947-70E740481C1C}">
-                <a14:useLocalDpi xmlns:a14="http://schemas.microsoft.com/office/drawing/2010/main" val="0"/>
-              </a:ext>
-            </a:extLst>
-          </a:blip>
-          <a:stretch>
-            <a:fillRect/>
-          </a:stretch>
-        </p:blipFill>
-        <p:spPr bwMode="auto">
-          <a:xfrm>
-            <a:off x="5021423" y="2744652"/>
-            <a:ext cx="467590" cy="564278"/>
-          </a:xfrm>
-          <a:prstGeom prst="ellipse">
-            <a:avLst/>
-          </a:prstGeom>
-          <a:solidFill>
-            <a:schemeClr val="tx1">
-              <a:lumMod val="75000"/>
-              <a:lumOff val="25000"/>
-            </a:schemeClr>
-          </a:solidFill>
-          <a:ln w="6350" cap="rnd">
-            <a:solidFill>
-              <a:srgbClr val="333333"/>
-            </a:solidFill>
-            <a:miter lim="800000"/>
-            <a:headEnd/>
-            <a:tailEnd/>
-          </a:ln>
-          <a:effectLst>
-            <a:outerShdw blurRad="381000" dist="292100" dir="5400000" sx="-80000" sy="-18000" rotWithShape="0">
-              <a:srgbClr val="000000">
-                <a:alpha val="22000"/>
-              </a:srgbClr>
-            </a:outerShdw>
-          </a:effectLst>
-          <a:scene3d>
-            <a:camera prst="orthographicFront"/>
-            <a:lightRig rig="contrasting" dir="t">
-              <a:rot lat="0" lon="0" rev="3000000"/>
-            </a:lightRig>
-          </a:scene3d>
-          <a:sp3d contourW="7620">
-            <a:bevelT w="95250" h="31750"/>
-            <a:contourClr>
-              <a:srgbClr val="333333"/>
-            </a:contourClr>
-          </a:sp3d>
-        </p:spPr>
-      </p:pic>
-      <p:sp>
-        <p:nvSpPr>
-          <p:cNvPr id="26" name="Rounded Rectangle 25"/>
-          <p:cNvSpPr/>
-          <p:nvPr/>
-        </p:nvSpPr>
-        <p:spPr>
-          <a:xfrm>
-            <a:off x="1505807" y="2727468"/>
-            <a:ext cx="4262534" cy="613274"/>
-          </a:xfrm>
-          <a:prstGeom prst="roundRect">
-            <a:avLst/>
-          </a:prstGeom>
-          <a:noFill/>
-          <a:ln>
-            <a:solidFill>
-              <a:schemeClr val="tx1"/>
-            </a:solidFill>
-          </a:ln>
-        </p:spPr>
-        <p:style>
-          <a:lnRef idx="2">
-            <a:schemeClr val="accent1">
-              <a:shade val="50000"/>
-            </a:schemeClr>
-          </a:lnRef>
-          <a:fillRef idx="1">
-            <a:schemeClr val="accent1"/>
-          </a:fillRef>
-          <a:effectRef idx="0">
-            <a:schemeClr val="accent1"/>
-          </a:effectRef>
-          <a:fontRef idx="minor">
-            <a:schemeClr val="lt1"/>
-          </a:fontRef>
-        </p:style>
-        <p:txBody>
-          <a:bodyPr rtlCol="0" anchor="ctr"/>
-          <a:lstStyle/>
-          <a:p>
-            <a:pPr algn="ctr"/>
-            <a:endParaRPr lang="en-US" sz="1100"/>
-          </a:p>
-        </p:txBody>
-      </p:sp>
-      <p:sp>
-        <p:nvSpPr>
-          <p:cNvPr id="27" name="TextBox 26"/>
+          <p:cNvPr id="51" name="TextBox 50"/>
           <p:cNvSpPr txBox="1"/>
           <p:nvPr/>
         </p:nvSpPr>
         <p:spPr>
           <a:xfrm>
-            <a:off x="1485900" y="2839850"/>
-            <a:ext cx="640080" cy="415498"/>
+            <a:off x="9859106" y="1347373"/>
+            <a:ext cx="589713" cy="338554"/>
           </a:xfrm>
           <a:prstGeom prst="rect">
             <a:avLst/>
@@ -9782,2274 +8549,174 @@
           <a:noFill/>
         </p:spPr>
         <p:txBody>
-          <a:bodyPr wrap="square" rtlCol="0">
+          <a:bodyPr wrap="none" rtlCol="0">
             <a:spAutoFit/>
           </a:bodyPr>
           <a:lstStyle/>
           <a:p>
-            <a:pPr algn="ctr"/>
-            <a:r>
-              <a:rPr lang="en-US" sz="1050" dirty="0"/>
-              <a:t>PMI Team</a:t>
+            <a:r>
+              <a:rPr lang="en-US" sz="1600" dirty="0">
+                <a:solidFill>
+                  <a:schemeClr val="bg1"/>
+                </a:solidFill>
+              </a:rPr>
+              <a:t>ART</a:t>
             </a:r>
           </a:p>
         </p:txBody>
       </p:sp>
       <p:sp>
         <p:nvSpPr>
-          <p:cNvPr id="28" name="Rounded Rectangle 27"/>
-          <p:cNvSpPr/>
-          <p:nvPr/>
+          <p:cNvPr id="3" name="Content Placeholder 2"/>
+          <p:cNvSpPr>
+            <a:spLocks noGrp="1"/>
+          </p:cNvSpPr>
+          <p:nvPr>
+            <p:ph sz="quarter" idx="16"/>
+          </p:nvPr>
         </p:nvSpPr>
         <p:spPr>
           <a:xfrm>
-            <a:off x="1505807" y="4087345"/>
-            <a:ext cx="4262534" cy="613274"/>
+            <a:off x="405383" y="1283208"/>
+            <a:ext cx="11311128" cy="4921347"/>
           </a:xfrm>
-          <a:prstGeom prst="roundRect">
-            <a:avLst/>
-          </a:prstGeom>
-          <a:noFill/>
-          <a:ln>
-            <a:solidFill>
-              <a:schemeClr val="tx1"/>
-            </a:solidFill>
-          </a:ln>
         </p:spPr>
-        <p:style>
-          <a:lnRef idx="2">
-            <a:schemeClr val="accent1">
-              <a:shade val="50000"/>
-            </a:schemeClr>
-          </a:lnRef>
-          <a:fillRef idx="1">
-            <a:schemeClr val="accent1"/>
-          </a:fillRef>
-          <a:effectRef idx="0">
-            <a:schemeClr val="accent1"/>
-          </a:effectRef>
-          <a:fontRef idx="minor">
-            <a:schemeClr val="lt1"/>
-          </a:fontRef>
-        </p:style>
         <p:txBody>
-          <a:bodyPr rtlCol="0" anchor="ctr"/>
+          <a:bodyPr/>
           <a:lstStyle/>
           <a:p>
-            <a:pPr algn="ctr"/>
-            <a:endParaRPr lang="en-US" sz="1100"/>
+            <a:pPr lvl="1" indent="0">
+              <a:buNone/>
+            </a:pPr>
+            <a:endParaRPr lang="en-US" sz="1400" b="0" dirty="0"/>
+          </a:p>
+          <a:p>
+            <a:pPr marL="342900" indent="-342900">
+              <a:buFont typeface="Arial" panose="020B0604020202020204" pitchFamily="34" charset="0"/>
+              <a:buChar char="•"/>
+            </a:pPr>
+            <a:r>
+              <a:rPr lang="en-US" b="0" dirty="0"/>
+              <a:t>Consensus management </a:t>
+            </a:r>
+          </a:p>
+          <a:p>
+            <a:pPr marL="631825" lvl="1" indent="-342900"/>
+            <a:r>
+              <a:rPr lang="en-US" sz="1600" b="0" dirty="0"/>
+              <a:t>STEP experts:</a:t>
+            </a:r>
+          </a:p>
+          <a:p>
+            <a:pPr marL="850900" lvl="2" indent="-342900"/>
+            <a:r>
+              <a:rPr lang="en-US" sz="1400" dirty="0"/>
+              <a:t>A</a:t>
+            </a:r>
+            <a:r>
+              <a:rPr lang="en-US" sz="1400" b="0" dirty="0"/>
+              <a:t>re geographical dispersed</a:t>
+            </a:r>
+          </a:p>
+          <a:p>
+            <a:pPr marL="850900" lvl="2" indent="-342900"/>
+            <a:r>
+              <a:rPr lang="en-US" sz="1400" dirty="0"/>
+              <a:t>Can’t always attend all the meetings</a:t>
+            </a:r>
+          </a:p>
+          <a:p>
+            <a:pPr marL="850900" lvl="2" indent="-342900"/>
+            <a:r>
+              <a:rPr lang="en-US" sz="1400" dirty="0"/>
+              <a:t>Cannot always be dedicated</a:t>
+            </a:r>
+          </a:p>
+          <a:p>
+            <a:pPr lvl="2" indent="0">
+              <a:buNone/>
+            </a:pPr>
+            <a:endParaRPr lang="en-US" sz="1600" dirty="0"/>
+          </a:p>
+          <a:p>
+            <a:pPr marL="631825" lvl="1" indent="-342900"/>
+            <a:r>
+              <a:rPr lang="en-US" sz="1600" dirty="0"/>
+              <a:t>Importance of keeping track of and documenting all the activities and decisions during the different meetings</a:t>
+            </a:r>
+          </a:p>
+          <a:p>
+            <a:pPr marL="850900" lvl="2" indent="-342900"/>
+            <a:r>
+              <a:rPr lang="en-US" sz="1400" dirty="0"/>
+              <a:t>Decisions can be achievements, new tasks, bugs, bug resolutions, requirements, assignments, …</a:t>
+            </a:r>
+          </a:p>
+          <a:p>
+            <a:pPr marL="631825" lvl="1" indent="-342900"/>
+            <a:endParaRPr lang="en-US" sz="1600" dirty="0"/>
+          </a:p>
+          <a:p>
+            <a:pPr marL="631825" lvl="1" indent="-342900"/>
+            <a:r>
+              <a:rPr lang="en-US" sz="1600" dirty="0"/>
+              <a:t>Meeting minutes are not necessarily very detailed, formalized, and accessible</a:t>
+            </a:r>
+          </a:p>
+          <a:p>
+            <a:pPr marL="850900" lvl="2" indent="-342900"/>
+            <a:r>
+              <a:rPr lang="en-US" sz="1400" dirty="0"/>
+              <a:t>Who, When, Where, What, Why, How </a:t>
+            </a:r>
+          </a:p>
+          <a:p>
+            <a:pPr marL="631825" lvl="1" indent="-342900"/>
+            <a:endParaRPr lang="en-US" sz="1600" dirty="0"/>
+          </a:p>
+          <a:p>
+            <a:pPr marL="631825" lvl="1" indent="-342900"/>
+            <a:r>
+              <a:rPr lang="en-US" sz="1600" dirty="0"/>
+              <a:t>Develop and implement a formal meeting minutes model and strategy</a:t>
+            </a:r>
+          </a:p>
+          <a:p>
+            <a:pPr marL="850900" lvl="2" indent="-342900"/>
+            <a:r>
+              <a:rPr lang="en-US" sz="1400" b="0" dirty="0"/>
+              <a:t>Easier access to the minutes</a:t>
+            </a:r>
+          </a:p>
+          <a:p>
+            <a:pPr marL="850900" lvl="2" indent="-342900"/>
+            <a:r>
+              <a:rPr lang="en-US" sz="1400" dirty="0"/>
+              <a:t>Minutes traceability to requirements and </a:t>
+            </a:r>
+            <a:r>
+              <a:rPr lang="en-US" sz="1400" dirty="0" smtClean="0"/>
+              <a:t>tasks</a:t>
+            </a:r>
+          </a:p>
+          <a:p>
+            <a:pPr marL="850900" lvl="2" indent="-342900"/>
+            <a:r>
+              <a:rPr lang="en-US" sz="1400" dirty="0" smtClean="0"/>
+              <a:t>Supports report generation, automation, and single source of truth</a:t>
+            </a:r>
+            <a:endParaRPr lang="en-US" sz="1200" dirty="0"/>
+          </a:p>
+          <a:p>
+            <a:pPr marL="850900" lvl="2" indent="-342900"/>
+            <a:endParaRPr lang="en-US" sz="1400" dirty="0"/>
           </a:p>
         </p:txBody>
       </p:sp>
-      <p:sp>
-        <p:nvSpPr>
-          <p:cNvPr id="29" name="TextBox 28"/>
-          <p:cNvSpPr txBox="1"/>
-          <p:nvPr/>
-        </p:nvSpPr>
-        <p:spPr>
-          <a:xfrm>
-            <a:off x="1496439" y="4184487"/>
-            <a:ext cx="629542" cy="415498"/>
-          </a:xfrm>
-          <a:prstGeom prst="rect">
-            <a:avLst/>
-          </a:prstGeom>
-          <a:noFill/>
-        </p:spPr>
-        <p:txBody>
-          <a:bodyPr wrap="square" rtlCol="0">
-            <a:spAutoFit/>
-          </a:bodyPr>
-          <a:lstStyle/>
-          <a:p>
-            <a:pPr algn="ctr"/>
-            <a:r>
-              <a:rPr lang="en-US" sz="1050" dirty="0"/>
-              <a:t>EWH </a:t>
-            </a:r>
-          </a:p>
-          <a:p>
-            <a:pPr algn="ctr"/>
-            <a:r>
-              <a:rPr lang="en-US" sz="1050" dirty="0"/>
-              <a:t>Team</a:t>
-            </a:r>
-          </a:p>
-        </p:txBody>
-      </p:sp>
-      <p:sp>
-        <p:nvSpPr>
-          <p:cNvPr id="30" name="TextBox 29"/>
-          <p:cNvSpPr txBox="1"/>
-          <p:nvPr/>
-        </p:nvSpPr>
-        <p:spPr>
-          <a:xfrm>
-            <a:off x="2087882" y="3524534"/>
-            <a:ext cx="845820" cy="230832"/>
-          </a:xfrm>
-          <a:prstGeom prst="rect">
-            <a:avLst/>
-          </a:prstGeom>
-          <a:noFill/>
-        </p:spPr>
-        <p:txBody>
-          <a:bodyPr wrap="square" rtlCol="0">
-            <a:spAutoFit/>
-          </a:bodyPr>
-          <a:lstStyle/>
-          <a:p>
-            <a:pPr algn="ctr"/>
-            <a:r>
-              <a:rPr lang="en-US" sz="900" dirty="0"/>
-              <a:t>Define</a:t>
-            </a:r>
-          </a:p>
-        </p:txBody>
-      </p:sp>
-      <p:sp>
-        <p:nvSpPr>
-          <p:cNvPr id="31" name="TextBox 30"/>
-          <p:cNvSpPr txBox="1"/>
-          <p:nvPr/>
-        </p:nvSpPr>
-        <p:spPr>
-          <a:xfrm>
-            <a:off x="3009901" y="3524534"/>
-            <a:ext cx="861060" cy="230832"/>
-          </a:xfrm>
-          <a:prstGeom prst="rect">
-            <a:avLst/>
-          </a:prstGeom>
-          <a:noFill/>
-        </p:spPr>
-        <p:txBody>
-          <a:bodyPr wrap="square" rtlCol="0">
-            <a:spAutoFit/>
-          </a:bodyPr>
-          <a:lstStyle/>
-          <a:p>
-            <a:pPr algn="ctr"/>
-            <a:r>
-              <a:rPr lang="en-US" sz="900" dirty="0"/>
-              <a:t>Build</a:t>
-            </a:r>
-          </a:p>
-        </p:txBody>
-      </p:sp>
-      <p:sp>
-        <p:nvSpPr>
-          <p:cNvPr id="32" name="TextBox 31"/>
-          <p:cNvSpPr txBox="1"/>
-          <p:nvPr/>
-        </p:nvSpPr>
-        <p:spPr>
-          <a:xfrm>
-            <a:off x="3954781" y="3524534"/>
-            <a:ext cx="838200" cy="230832"/>
-          </a:xfrm>
-          <a:prstGeom prst="rect">
-            <a:avLst/>
-          </a:prstGeom>
-          <a:noFill/>
-        </p:spPr>
-        <p:txBody>
-          <a:bodyPr wrap="square" rtlCol="0">
-            <a:spAutoFit/>
-          </a:bodyPr>
-          <a:lstStyle/>
-          <a:p>
-            <a:pPr algn="ctr"/>
-            <a:r>
-              <a:rPr lang="en-US" sz="900" dirty="0"/>
-              <a:t>Test</a:t>
-            </a:r>
-          </a:p>
-        </p:txBody>
-      </p:sp>
-      <p:sp>
-        <p:nvSpPr>
-          <p:cNvPr id="33" name="TextBox 32"/>
-          <p:cNvSpPr txBox="1"/>
-          <p:nvPr/>
-        </p:nvSpPr>
-        <p:spPr>
-          <a:xfrm>
-            <a:off x="4853940" y="3524534"/>
-            <a:ext cx="838200" cy="230832"/>
-          </a:xfrm>
-          <a:prstGeom prst="rect">
-            <a:avLst/>
-          </a:prstGeom>
-          <a:noFill/>
-        </p:spPr>
-        <p:txBody>
-          <a:bodyPr wrap="square" rtlCol="0">
-            <a:spAutoFit/>
-          </a:bodyPr>
-          <a:lstStyle/>
-          <a:p>
-            <a:pPr algn="ctr"/>
-            <a:r>
-              <a:rPr lang="en-US" sz="900" dirty="0"/>
-              <a:t>Deploy</a:t>
-            </a:r>
-          </a:p>
-        </p:txBody>
-      </p:sp>
-      <p:pic>
-        <p:nvPicPr>
-          <p:cNvPr id="34" name="Content Placeholder 24"/>
-          <p:cNvPicPr>
-            <a:picLocks noChangeAspect="1"/>
-          </p:cNvPicPr>
-          <p:nvPr/>
-        </p:nvPicPr>
-        <p:blipFill>
-          <a:blip r:embed="rId3" cstate="print">
-            <a:extLst>
-              <a:ext uri="{BEBA8EAE-BF5A-486C-A8C5-ECC9F3942E4B}">
-                <a14:imgProps xmlns:a14="http://schemas.microsoft.com/office/drawing/2010/main">
-                  <a14:imgLayer r:embed="rId7">
-                    <a14:imgEffect>
-                      <a14:brightnessContrast bright="20000" contrast="-40000"/>
-                    </a14:imgEffect>
-                  </a14:imgLayer>
-                </a14:imgProps>
-              </a:ext>
-              <a:ext uri="{28A0092B-C50C-407E-A947-70E740481C1C}">
-                <a14:useLocalDpi xmlns:a14="http://schemas.microsoft.com/office/drawing/2010/main" val="0"/>
-              </a:ext>
-            </a:extLst>
-          </a:blip>
-          <a:stretch>
-            <a:fillRect/>
-          </a:stretch>
-        </p:blipFill>
-        <p:spPr bwMode="auto">
-          <a:xfrm>
-            <a:off x="2217850" y="4104529"/>
-            <a:ext cx="467590" cy="564278"/>
-          </a:xfrm>
-          <a:prstGeom prst="ellipse">
-            <a:avLst/>
-          </a:prstGeom>
-          <a:solidFill>
-            <a:schemeClr val="tx1">
-              <a:lumMod val="75000"/>
-              <a:lumOff val="25000"/>
-            </a:schemeClr>
-          </a:solidFill>
-          <a:ln w="6350" cap="rnd">
-            <a:solidFill>
-              <a:srgbClr val="333333"/>
-            </a:solidFill>
-            <a:miter lim="800000"/>
-            <a:headEnd/>
-            <a:tailEnd/>
-          </a:ln>
-          <a:effectLst>
-            <a:outerShdw blurRad="381000" dist="292100" dir="5400000" sx="-80000" sy="-18000" rotWithShape="0">
-              <a:srgbClr val="000000">
-                <a:alpha val="22000"/>
-              </a:srgbClr>
-            </a:outerShdw>
-          </a:effectLst>
-          <a:scene3d>
-            <a:camera prst="orthographicFront"/>
-            <a:lightRig rig="contrasting" dir="t">
-              <a:rot lat="0" lon="0" rev="3000000"/>
-            </a:lightRig>
-          </a:scene3d>
-          <a:sp3d contourW="7620">
-            <a:bevelT w="95250" h="31750"/>
-            <a:contourClr>
-              <a:srgbClr val="333333"/>
-            </a:contourClr>
-          </a:sp3d>
-        </p:spPr>
-      </p:pic>
-      <p:pic>
-        <p:nvPicPr>
-          <p:cNvPr id="35" name="Picture 34"/>
-          <p:cNvPicPr>
-            <a:picLocks noChangeAspect="1"/>
-          </p:cNvPicPr>
-          <p:nvPr/>
-        </p:nvPicPr>
-        <p:blipFill>
-          <a:blip r:embed="rId4" cstate="print">
-            <a:extLst>
-              <a:ext uri="{BEBA8EAE-BF5A-486C-A8C5-ECC9F3942E4B}">
-                <a14:imgProps xmlns:a14="http://schemas.microsoft.com/office/drawing/2010/main">
-                  <a14:imgLayer r:embed="rId5">
-                    <a14:imgEffect>
-                      <a14:brightnessContrast bright="20000"/>
-                    </a14:imgEffect>
-                  </a14:imgLayer>
-                </a14:imgProps>
-              </a:ext>
-              <a:ext uri="{28A0092B-C50C-407E-A947-70E740481C1C}">
-                <a14:useLocalDpi xmlns:a14="http://schemas.microsoft.com/office/drawing/2010/main" val="0"/>
-              </a:ext>
-            </a:extLst>
-          </a:blip>
-          <a:stretch>
-            <a:fillRect/>
-          </a:stretch>
-        </p:blipFill>
-        <p:spPr>
-          <a:xfrm>
-            <a:off x="3164954" y="4103110"/>
-            <a:ext cx="491069" cy="562338"/>
-          </a:xfrm>
-          <a:prstGeom prst="ellipse">
-            <a:avLst/>
-          </a:prstGeom>
-          <a:ln w="6350" cap="rnd">
-            <a:solidFill>
-              <a:srgbClr val="333333"/>
-            </a:solidFill>
-          </a:ln>
-          <a:effectLst>
-            <a:outerShdw blurRad="381000" dist="292100" dir="5400000" sx="-80000" sy="-18000" rotWithShape="0">
-              <a:srgbClr val="000000">
-                <a:alpha val="22000"/>
-              </a:srgbClr>
-            </a:outerShdw>
-          </a:effectLst>
-          <a:scene3d>
-            <a:camera prst="orthographicFront"/>
-            <a:lightRig rig="contrasting" dir="t">
-              <a:rot lat="0" lon="0" rev="3000000"/>
-            </a:lightRig>
-          </a:scene3d>
-          <a:sp3d contourW="7620">
-            <a:bevelT w="95250" h="31750"/>
-            <a:contourClr>
-              <a:srgbClr val="333333"/>
-            </a:contourClr>
-          </a:sp3d>
-        </p:spPr>
-      </p:pic>
-      <p:pic>
-        <p:nvPicPr>
-          <p:cNvPr id="36" name="Picture 35"/>
-          <p:cNvPicPr>
-            <a:picLocks noChangeAspect="1"/>
-          </p:cNvPicPr>
-          <p:nvPr/>
-        </p:nvPicPr>
-        <p:blipFill>
-          <a:blip r:embed="rId8" cstate="print">
-            <a:lum bright="70000" contrast="-70000"/>
-            <a:extLst>
-              <a:ext uri="{BEBA8EAE-BF5A-486C-A8C5-ECC9F3942E4B}">
-                <a14:imgProps xmlns:a14="http://schemas.microsoft.com/office/drawing/2010/main">
-                  <a14:imgLayer r:embed="rId9">
-                    <a14:imgEffect>
-                      <a14:brightnessContrast bright="-20000"/>
-                    </a14:imgEffect>
-                  </a14:imgLayer>
-                </a14:imgProps>
-              </a:ext>
-              <a:ext uri="{28A0092B-C50C-407E-A947-70E740481C1C}">
-                <a14:useLocalDpi xmlns:a14="http://schemas.microsoft.com/office/drawing/2010/main" val="0"/>
-              </a:ext>
-            </a:extLst>
-          </a:blip>
-          <a:stretch>
-            <a:fillRect/>
-          </a:stretch>
-        </p:blipFill>
-        <p:spPr>
-          <a:xfrm>
-            <a:off x="4085833" y="4098798"/>
-            <a:ext cx="493528" cy="554927"/>
-          </a:xfrm>
-          <a:prstGeom prst="ellipse">
-            <a:avLst/>
-          </a:prstGeom>
-          <a:ln w="6350" cap="rnd">
-            <a:solidFill>
-              <a:srgbClr val="333333"/>
-            </a:solidFill>
-          </a:ln>
-          <a:effectLst>
-            <a:outerShdw blurRad="381000" dist="292100" dir="5400000" sx="-80000" sy="-18000" rotWithShape="0">
-              <a:srgbClr val="000000">
-                <a:alpha val="22000"/>
-              </a:srgbClr>
-            </a:outerShdw>
-          </a:effectLst>
-          <a:scene3d>
-            <a:camera prst="orthographicFront"/>
-            <a:lightRig rig="contrasting" dir="t">
-              <a:rot lat="0" lon="0" rev="3000000"/>
-            </a:lightRig>
-          </a:scene3d>
-          <a:sp3d contourW="7620">
-            <a:bevelT w="95250" h="31750"/>
-            <a:contourClr>
-              <a:srgbClr val="333333"/>
-            </a:contourClr>
-          </a:sp3d>
-        </p:spPr>
-      </p:pic>
-      <p:pic>
-        <p:nvPicPr>
-          <p:cNvPr id="37" name="Content Placeholder 24"/>
-          <p:cNvPicPr>
-            <a:picLocks noChangeAspect="1"/>
-          </p:cNvPicPr>
-          <p:nvPr/>
-        </p:nvPicPr>
-        <p:blipFill>
-          <a:blip r:embed="rId3" cstate="print">
-            <a:extLst>
-              <a:ext uri="{28A0092B-C50C-407E-A947-70E740481C1C}">
-                <a14:useLocalDpi xmlns:a14="http://schemas.microsoft.com/office/drawing/2010/main" val="0"/>
-              </a:ext>
-            </a:extLst>
-          </a:blip>
-          <a:stretch>
-            <a:fillRect/>
-          </a:stretch>
-        </p:blipFill>
-        <p:spPr bwMode="auto">
-          <a:xfrm>
-            <a:off x="5021423" y="4104529"/>
-            <a:ext cx="467590" cy="564278"/>
-          </a:xfrm>
-          <a:prstGeom prst="ellipse">
-            <a:avLst/>
-          </a:prstGeom>
-          <a:solidFill>
-            <a:schemeClr val="tx1">
-              <a:lumMod val="75000"/>
-              <a:lumOff val="25000"/>
-            </a:schemeClr>
-          </a:solidFill>
-          <a:ln w="6350" cap="rnd">
-            <a:solidFill>
-              <a:srgbClr val="333333"/>
-            </a:solidFill>
-            <a:miter lim="800000"/>
-            <a:headEnd/>
-            <a:tailEnd/>
-          </a:ln>
-          <a:effectLst>
-            <a:outerShdw blurRad="381000" dist="292100" dir="5400000" sx="-80000" sy="-18000" rotWithShape="0">
-              <a:srgbClr val="000000">
-                <a:alpha val="22000"/>
-              </a:srgbClr>
-            </a:outerShdw>
-          </a:effectLst>
-          <a:scene3d>
-            <a:camera prst="orthographicFront"/>
-            <a:lightRig rig="contrasting" dir="t">
-              <a:rot lat="0" lon="0" rev="3000000"/>
-            </a:lightRig>
-          </a:scene3d>
-          <a:sp3d contourW="7620">
-            <a:bevelT w="95250" h="31750"/>
-            <a:contourClr>
-              <a:srgbClr val="333333"/>
-            </a:contourClr>
-          </a:sp3d>
-        </p:spPr>
-      </p:pic>
-      <p:sp>
-        <p:nvSpPr>
-          <p:cNvPr id="38" name="Rounded Rectangle 37"/>
-          <p:cNvSpPr/>
-          <p:nvPr/>
-        </p:nvSpPr>
-        <p:spPr>
-          <a:xfrm>
-            <a:off x="1505807" y="5388606"/>
-            <a:ext cx="4262534" cy="613274"/>
-          </a:xfrm>
-          <a:prstGeom prst="roundRect">
-            <a:avLst/>
-          </a:prstGeom>
-          <a:noFill/>
-          <a:ln>
-            <a:solidFill>
-              <a:schemeClr val="tx1"/>
-            </a:solidFill>
-          </a:ln>
-        </p:spPr>
-        <p:style>
-          <a:lnRef idx="2">
-            <a:schemeClr val="accent1">
-              <a:shade val="50000"/>
-            </a:schemeClr>
-          </a:lnRef>
-          <a:fillRef idx="1">
-            <a:schemeClr val="accent1"/>
-          </a:fillRef>
-          <a:effectRef idx="0">
-            <a:schemeClr val="accent1"/>
-          </a:effectRef>
-          <a:fontRef idx="minor">
-            <a:schemeClr val="lt1"/>
-          </a:fontRef>
-        </p:style>
-        <p:txBody>
-          <a:bodyPr rtlCol="0" anchor="ctr"/>
-          <a:lstStyle/>
-          <a:p>
-            <a:pPr algn="ctr"/>
-            <a:endParaRPr lang="en-US" sz="1100"/>
-          </a:p>
-        </p:txBody>
-      </p:sp>
-      <p:sp>
-        <p:nvSpPr>
-          <p:cNvPr id="39" name="TextBox 38"/>
-          <p:cNvSpPr txBox="1"/>
-          <p:nvPr/>
-        </p:nvSpPr>
-        <p:spPr>
-          <a:xfrm>
-            <a:off x="1473952" y="5500988"/>
-            <a:ext cx="613928" cy="415498"/>
-          </a:xfrm>
-          <a:prstGeom prst="rect">
-            <a:avLst/>
-          </a:prstGeom>
-          <a:noFill/>
-        </p:spPr>
-        <p:txBody>
-          <a:bodyPr wrap="square" rtlCol="0">
-            <a:spAutoFit/>
-          </a:bodyPr>
-          <a:lstStyle/>
-          <a:p>
-            <a:pPr algn="ctr"/>
-            <a:r>
-              <a:rPr lang="en-US" sz="1050" dirty="0"/>
-              <a:t>AM Team</a:t>
-            </a:r>
-          </a:p>
-        </p:txBody>
-      </p:sp>
-      <p:pic>
-        <p:nvPicPr>
-          <p:cNvPr id="40" name="Content Placeholder 24"/>
-          <p:cNvPicPr>
-            <a:picLocks noChangeAspect="1"/>
-          </p:cNvPicPr>
-          <p:nvPr/>
-        </p:nvPicPr>
-        <p:blipFill>
-          <a:blip r:embed="rId3" cstate="print">
-            <a:extLst>
-              <a:ext uri="{28A0092B-C50C-407E-A947-70E740481C1C}">
-                <a14:useLocalDpi xmlns:a14="http://schemas.microsoft.com/office/drawing/2010/main" val="0"/>
-              </a:ext>
-            </a:extLst>
-          </a:blip>
-          <a:stretch>
-            <a:fillRect/>
-          </a:stretch>
-        </p:blipFill>
-        <p:spPr bwMode="auto">
-          <a:xfrm>
-            <a:off x="2217850" y="5405790"/>
-            <a:ext cx="467590" cy="564278"/>
-          </a:xfrm>
-          <a:prstGeom prst="ellipse">
-            <a:avLst/>
-          </a:prstGeom>
-          <a:solidFill>
-            <a:schemeClr val="tx1">
-              <a:lumMod val="75000"/>
-              <a:lumOff val="25000"/>
-            </a:schemeClr>
-          </a:solidFill>
-          <a:ln w="6350" cap="rnd">
-            <a:solidFill>
-              <a:srgbClr val="333333"/>
-            </a:solidFill>
-            <a:miter lim="800000"/>
-            <a:headEnd/>
-            <a:tailEnd/>
-          </a:ln>
-          <a:effectLst>
-            <a:outerShdw blurRad="381000" dist="292100" dir="5400000" sx="-80000" sy="-18000" rotWithShape="0">
-              <a:srgbClr val="000000">
-                <a:alpha val="22000"/>
-              </a:srgbClr>
-            </a:outerShdw>
-          </a:effectLst>
-          <a:scene3d>
-            <a:camera prst="orthographicFront"/>
-            <a:lightRig rig="contrasting" dir="t">
-              <a:rot lat="0" lon="0" rev="3000000"/>
-            </a:lightRig>
-          </a:scene3d>
-          <a:sp3d contourW="7620">
-            <a:bevelT w="95250" h="31750"/>
-            <a:contourClr>
-              <a:srgbClr val="333333"/>
-            </a:contourClr>
-          </a:sp3d>
-        </p:spPr>
-      </p:pic>
-      <p:pic>
-        <p:nvPicPr>
-          <p:cNvPr id="41" name="Picture 40"/>
-          <p:cNvPicPr>
-            <a:picLocks noChangeAspect="1"/>
-          </p:cNvPicPr>
-          <p:nvPr/>
-        </p:nvPicPr>
-        <p:blipFill>
-          <a:blip r:embed="rId4" cstate="print">
-            <a:extLst>
-              <a:ext uri="{BEBA8EAE-BF5A-486C-A8C5-ECC9F3942E4B}">
-                <a14:imgProps xmlns:a14="http://schemas.microsoft.com/office/drawing/2010/main">
-                  <a14:imgLayer r:embed="rId5">
-                    <a14:imgEffect>
-                      <a14:brightnessContrast bright="20000"/>
-                    </a14:imgEffect>
-                  </a14:imgLayer>
-                </a14:imgProps>
-              </a:ext>
-              <a:ext uri="{28A0092B-C50C-407E-A947-70E740481C1C}">
-                <a14:useLocalDpi xmlns:a14="http://schemas.microsoft.com/office/drawing/2010/main" val="0"/>
-              </a:ext>
-            </a:extLst>
-          </a:blip>
-          <a:stretch>
-            <a:fillRect/>
-          </a:stretch>
-        </p:blipFill>
-        <p:spPr>
-          <a:xfrm>
-            <a:off x="3164954" y="5404371"/>
-            <a:ext cx="491069" cy="562338"/>
-          </a:xfrm>
-          <a:prstGeom prst="ellipse">
-            <a:avLst/>
-          </a:prstGeom>
-          <a:ln w="6350" cap="rnd">
-            <a:solidFill>
-              <a:srgbClr val="333333"/>
-            </a:solidFill>
-          </a:ln>
-          <a:effectLst>
-            <a:outerShdw blurRad="381000" dist="292100" dir="5400000" sx="-80000" sy="-18000" rotWithShape="0">
-              <a:srgbClr val="000000">
-                <a:alpha val="22000"/>
-              </a:srgbClr>
-            </a:outerShdw>
-          </a:effectLst>
-          <a:scene3d>
-            <a:camera prst="orthographicFront"/>
-            <a:lightRig rig="contrasting" dir="t">
-              <a:rot lat="0" lon="0" rev="3000000"/>
-            </a:lightRig>
-          </a:scene3d>
-          <a:sp3d contourW="7620">
-            <a:bevelT w="95250" h="31750"/>
-            <a:contourClr>
-              <a:srgbClr val="333333"/>
-            </a:contourClr>
-          </a:sp3d>
-        </p:spPr>
-      </p:pic>
-      <p:pic>
-        <p:nvPicPr>
-          <p:cNvPr id="42" name="Picture 41"/>
-          <p:cNvPicPr>
-            <a:picLocks noChangeAspect="1"/>
-          </p:cNvPicPr>
-          <p:nvPr/>
-        </p:nvPicPr>
-        <p:blipFill>
-          <a:blip r:embed="rId6" cstate="print">
-            <a:lum bright="70000" contrast="-70000"/>
-            <a:extLst>
-              <a:ext uri="{28A0092B-C50C-407E-A947-70E740481C1C}">
-                <a14:useLocalDpi xmlns:a14="http://schemas.microsoft.com/office/drawing/2010/main" val="0"/>
-              </a:ext>
-            </a:extLst>
-          </a:blip>
-          <a:stretch>
-            <a:fillRect/>
-          </a:stretch>
-        </p:blipFill>
-        <p:spPr>
-          <a:xfrm>
-            <a:off x="4085833" y="5400059"/>
-            <a:ext cx="493528" cy="554927"/>
-          </a:xfrm>
-          <a:prstGeom prst="ellipse">
-            <a:avLst/>
-          </a:prstGeom>
-          <a:ln w="6350" cap="rnd">
-            <a:solidFill>
-              <a:srgbClr val="333333"/>
-            </a:solidFill>
-          </a:ln>
-          <a:effectLst>
-            <a:outerShdw blurRad="381000" dist="292100" dir="5400000" sx="-80000" sy="-18000" rotWithShape="0">
-              <a:srgbClr val="000000">
-                <a:alpha val="22000"/>
-              </a:srgbClr>
-            </a:outerShdw>
-          </a:effectLst>
-          <a:scene3d>
-            <a:camera prst="orthographicFront"/>
-            <a:lightRig rig="contrasting" dir="t">
-              <a:rot lat="0" lon="0" rev="3000000"/>
-            </a:lightRig>
-          </a:scene3d>
-          <a:sp3d contourW="7620">
-            <a:bevelT w="95250" h="31750"/>
-            <a:contourClr>
-              <a:srgbClr val="333333"/>
-            </a:contourClr>
-          </a:sp3d>
-        </p:spPr>
-      </p:pic>
-      <p:pic>
-        <p:nvPicPr>
-          <p:cNvPr id="43" name="Content Placeholder 24"/>
-          <p:cNvPicPr>
-            <a:picLocks noChangeAspect="1"/>
-          </p:cNvPicPr>
-          <p:nvPr/>
-        </p:nvPicPr>
-        <p:blipFill>
-          <a:blip r:embed="rId3" cstate="print">
-            <a:extLst>
-              <a:ext uri="{28A0092B-C50C-407E-A947-70E740481C1C}">
-                <a14:useLocalDpi xmlns:a14="http://schemas.microsoft.com/office/drawing/2010/main" val="0"/>
-              </a:ext>
-            </a:extLst>
-          </a:blip>
-          <a:stretch>
-            <a:fillRect/>
-          </a:stretch>
-        </p:blipFill>
-        <p:spPr bwMode="auto">
-          <a:xfrm>
-            <a:off x="5021423" y="5405790"/>
-            <a:ext cx="467590" cy="564278"/>
-          </a:xfrm>
-          <a:prstGeom prst="ellipse">
-            <a:avLst/>
-          </a:prstGeom>
-          <a:solidFill>
-            <a:schemeClr val="tx1">
-              <a:lumMod val="75000"/>
-              <a:lumOff val="25000"/>
-            </a:schemeClr>
-          </a:solidFill>
-          <a:ln w="6350" cap="rnd">
-            <a:solidFill>
-              <a:srgbClr val="333333"/>
-            </a:solidFill>
-            <a:miter lim="800000"/>
-            <a:headEnd/>
-            <a:tailEnd/>
-          </a:ln>
-          <a:effectLst>
-            <a:outerShdw blurRad="381000" dist="292100" dir="5400000" sx="-80000" sy="-18000" rotWithShape="0">
-              <a:srgbClr val="000000">
-                <a:alpha val="22000"/>
-              </a:srgbClr>
-            </a:outerShdw>
-          </a:effectLst>
-          <a:scene3d>
-            <a:camera prst="orthographicFront"/>
-            <a:lightRig rig="contrasting" dir="t">
-              <a:rot lat="0" lon="0" rev="3000000"/>
-            </a:lightRig>
-          </a:scene3d>
-          <a:sp3d contourW="7620">
-            <a:bevelT w="95250" h="31750"/>
-            <a:contourClr>
-              <a:srgbClr val="333333"/>
-            </a:contourClr>
-          </a:sp3d>
-        </p:spPr>
-      </p:pic>
-      <p:sp>
-        <p:nvSpPr>
-          <p:cNvPr id="44" name="TextBox 43"/>
-          <p:cNvSpPr txBox="1"/>
-          <p:nvPr/>
-        </p:nvSpPr>
-        <p:spPr>
-          <a:xfrm>
-            <a:off x="2080262" y="4837518"/>
-            <a:ext cx="845820" cy="230832"/>
-          </a:xfrm>
-          <a:prstGeom prst="rect">
-            <a:avLst/>
-          </a:prstGeom>
-          <a:noFill/>
-        </p:spPr>
-        <p:txBody>
-          <a:bodyPr wrap="square" rtlCol="0">
-            <a:spAutoFit/>
-          </a:bodyPr>
-          <a:lstStyle/>
-          <a:p>
-            <a:pPr algn="ctr"/>
-            <a:r>
-              <a:rPr lang="en-US" sz="900" dirty="0"/>
-              <a:t>Define</a:t>
-            </a:r>
-          </a:p>
-        </p:txBody>
-      </p:sp>
-      <p:sp>
-        <p:nvSpPr>
-          <p:cNvPr id="45" name="TextBox 44"/>
-          <p:cNvSpPr txBox="1"/>
-          <p:nvPr/>
-        </p:nvSpPr>
-        <p:spPr>
-          <a:xfrm>
-            <a:off x="3017521" y="4837518"/>
-            <a:ext cx="861060" cy="230832"/>
-          </a:xfrm>
-          <a:prstGeom prst="rect">
-            <a:avLst/>
-          </a:prstGeom>
-          <a:noFill/>
-        </p:spPr>
-        <p:txBody>
-          <a:bodyPr wrap="square" rtlCol="0">
-            <a:spAutoFit/>
-          </a:bodyPr>
-          <a:lstStyle/>
-          <a:p>
-            <a:pPr algn="ctr"/>
-            <a:r>
-              <a:rPr lang="en-US" sz="900" dirty="0"/>
-              <a:t>Build</a:t>
-            </a:r>
-          </a:p>
-        </p:txBody>
-      </p:sp>
-      <p:sp>
-        <p:nvSpPr>
-          <p:cNvPr id="46" name="TextBox 45"/>
-          <p:cNvSpPr txBox="1"/>
-          <p:nvPr/>
-        </p:nvSpPr>
-        <p:spPr>
-          <a:xfrm>
-            <a:off x="3947161" y="4837518"/>
-            <a:ext cx="853440" cy="230832"/>
-          </a:xfrm>
-          <a:prstGeom prst="rect">
-            <a:avLst/>
-          </a:prstGeom>
-          <a:noFill/>
-        </p:spPr>
-        <p:txBody>
-          <a:bodyPr wrap="square" rtlCol="0">
-            <a:spAutoFit/>
-          </a:bodyPr>
-          <a:lstStyle/>
-          <a:p>
-            <a:pPr algn="ctr"/>
-            <a:r>
-              <a:rPr lang="en-US" sz="900" dirty="0"/>
-              <a:t>Test</a:t>
-            </a:r>
-          </a:p>
-        </p:txBody>
-      </p:sp>
-      <p:sp>
-        <p:nvSpPr>
-          <p:cNvPr id="47" name="TextBox 46"/>
-          <p:cNvSpPr txBox="1"/>
-          <p:nvPr/>
-        </p:nvSpPr>
-        <p:spPr>
-          <a:xfrm>
-            <a:off x="4861560" y="4837518"/>
-            <a:ext cx="838200" cy="230832"/>
-          </a:xfrm>
-          <a:prstGeom prst="rect">
-            <a:avLst/>
-          </a:prstGeom>
-          <a:noFill/>
-        </p:spPr>
-        <p:txBody>
-          <a:bodyPr wrap="square" rtlCol="0">
-            <a:spAutoFit/>
-          </a:bodyPr>
-          <a:lstStyle/>
-          <a:p>
-            <a:pPr algn="ctr"/>
-            <a:r>
-              <a:rPr lang="en-US" sz="900" dirty="0"/>
-              <a:t>Deploy</a:t>
-            </a:r>
-          </a:p>
-        </p:txBody>
-      </p:sp>
-      <p:sp>
-        <p:nvSpPr>
-          <p:cNvPr id="48" name="TextBox 47"/>
-          <p:cNvSpPr txBox="1"/>
-          <p:nvPr/>
-        </p:nvSpPr>
-        <p:spPr>
-          <a:xfrm>
-            <a:off x="2049780" y="6604084"/>
-            <a:ext cx="3718560" cy="253916"/>
-          </a:xfrm>
-          <a:prstGeom prst="rect">
-            <a:avLst/>
-          </a:prstGeom>
-          <a:noFill/>
-        </p:spPr>
-        <p:txBody>
-          <a:bodyPr wrap="square" rtlCol="0">
-            <a:spAutoFit/>
-          </a:bodyPr>
-          <a:lstStyle/>
-          <a:p>
-            <a:pPr algn="ctr"/>
-            <a:r>
-              <a:rPr lang="en-US" sz="1050" dirty="0">
-                <a:solidFill>
-                  <a:schemeClr val="bg1"/>
-                </a:solidFill>
-              </a:rPr>
-              <a:t>Scrum Master     </a:t>
-            </a:r>
-            <a:r>
-              <a:rPr lang="en-US" sz="1050" dirty="0">
-                <a:solidFill>
-                  <a:schemeClr val="accent3"/>
-                </a:solidFill>
-              </a:rPr>
-              <a:t>Product Owner     </a:t>
-            </a:r>
-            <a:r>
-              <a:rPr lang="en-US" sz="1050" dirty="0">
-                <a:solidFill>
-                  <a:schemeClr val="bg1"/>
-                </a:solidFill>
-              </a:rPr>
-              <a:t>Development Team</a:t>
-            </a:r>
-          </a:p>
-        </p:txBody>
-      </p:sp>
-      <p:cxnSp>
-        <p:nvCxnSpPr>
-          <p:cNvPr id="49" name="Straight Arrow Connector 48"/>
-          <p:cNvCxnSpPr>
-            <a:stCxn id="48" idx="0"/>
-            <a:endCxn id="40" idx="4"/>
-          </p:cNvCxnSpPr>
-          <p:nvPr/>
-        </p:nvCxnSpPr>
-        <p:spPr>
-          <a:xfrm flipH="1" flipV="1">
-            <a:off x="2451645" y="5970068"/>
-            <a:ext cx="1457415" cy="634016"/>
-          </a:xfrm>
-          <a:prstGeom prst="straightConnector1">
-            <a:avLst/>
-          </a:prstGeom>
-          <a:ln w="28575">
-            <a:solidFill>
-              <a:schemeClr val="bg1"/>
-            </a:solidFill>
-            <a:tailEnd type="triangle"/>
-          </a:ln>
-        </p:spPr>
-        <p:style>
-          <a:lnRef idx="1">
-            <a:schemeClr val="accent1"/>
-          </a:lnRef>
-          <a:fillRef idx="0">
-            <a:schemeClr val="accent1"/>
-          </a:fillRef>
-          <a:effectRef idx="0">
-            <a:schemeClr val="accent1"/>
-          </a:effectRef>
-          <a:fontRef idx="minor">
-            <a:schemeClr val="tx1"/>
-          </a:fontRef>
-        </p:style>
-      </p:cxnSp>
-      <p:cxnSp>
-        <p:nvCxnSpPr>
-          <p:cNvPr id="50" name="Straight Arrow Connector 49"/>
-          <p:cNvCxnSpPr>
-            <a:stCxn id="48" idx="0"/>
-          </p:cNvCxnSpPr>
-          <p:nvPr/>
-        </p:nvCxnSpPr>
-        <p:spPr>
-          <a:xfrm flipV="1">
-            <a:off x="3909060" y="6012180"/>
-            <a:ext cx="0" cy="591904"/>
-          </a:xfrm>
-          <a:prstGeom prst="straightConnector1">
-            <a:avLst/>
-          </a:prstGeom>
-          <a:ln w="28575">
-            <a:solidFill>
-              <a:schemeClr val="bg1"/>
-            </a:solidFill>
-            <a:tailEnd type="triangle"/>
-          </a:ln>
-        </p:spPr>
-        <p:style>
-          <a:lnRef idx="1">
-            <a:schemeClr val="accent1"/>
-          </a:lnRef>
-          <a:fillRef idx="0">
-            <a:schemeClr val="accent1"/>
-          </a:fillRef>
-          <a:effectRef idx="0">
-            <a:schemeClr val="accent1"/>
-          </a:effectRef>
-          <a:fontRef idx="minor">
-            <a:schemeClr val="tx1"/>
-          </a:fontRef>
-        </p:style>
-      </p:cxnSp>
-      <p:cxnSp>
-        <p:nvCxnSpPr>
-          <p:cNvPr id="52" name="Straight Arrow Connector 51"/>
-          <p:cNvCxnSpPr>
-            <a:stCxn id="48" idx="0"/>
-            <a:endCxn id="43" idx="4"/>
-          </p:cNvCxnSpPr>
-          <p:nvPr/>
-        </p:nvCxnSpPr>
-        <p:spPr>
-          <a:xfrm flipV="1">
-            <a:off x="3909060" y="5970068"/>
-            <a:ext cx="1346158" cy="634016"/>
-          </a:xfrm>
-          <a:prstGeom prst="straightConnector1">
-            <a:avLst/>
-          </a:prstGeom>
-          <a:ln w="28575">
-            <a:solidFill>
-              <a:schemeClr val="bg1"/>
-            </a:solidFill>
-            <a:tailEnd type="triangle"/>
-          </a:ln>
-        </p:spPr>
-        <p:style>
-          <a:lnRef idx="1">
-            <a:schemeClr val="accent1"/>
-          </a:lnRef>
-          <a:fillRef idx="0">
-            <a:schemeClr val="accent1"/>
-          </a:fillRef>
-          <a:effectRef idx="0">
-            <a:schemeClr val="accent1"/>
-          </a:effectRef>
-          <a:fontRef idx="minor">
-            <a:schemeClr val="tx1"/>
-          </a:fontRef>
-        </p:style>
-      </p:cxnSp>
-      <p:sp>
-        <p:nvSpPr>
-          <p:cNvPr id="53" name="Rounded Rectangle 52"/>
-          <p:cNvSpPr/>
-          <p:nvPr/>
-        </p:nvSpPr>
-        <p:spPr>
-          <a:xfrm>
-            <a:off x="1485900" y="2453640"/>
-            <a:ext cx="647700" cy="3733800"/>
-          </a:xfrm>
-          <a:prstGeom prst="roundRect">
-            <a:avLst/>
-          </a:prstGeom>
-          <a:noFill/>
-          <a:ln>
-            <a:solidFill>
-              <a:schemeClr val="bg1"/>
-            </a:solidFill>
-            <a:prstDash val="dash"/>
-          </a:ln>
-        </p:spPr>
-        <p:style>
-          <a:lnRef idx="2">
-            <a:schemeClr val="accent1">
-              <a:shade val="50000"/>
-            </a:schemeClr>
-          </a:lnRef>
-          <a:fillRef idx="1">
-            <a:schemeClr val="accent1"/>
-          </a:fillRef>
-          <a:effectRef idx="0">
-            <a:schemeClr val="accent1"/>
-          </a:effectRef>
-          <a:fontRef idx="minor">
-            <a:schemeClr val="lt1"/>
-          </a:fontRef>
-        </p:style>
-        <p:txBody>
-          <a:bodyPr rtlCol="0" anchor="ctr"/>
-          <a:lstStyle/>
-          <a:p>
-            <a:pPr algn="ctr"/>
-            <a:endParaRPr lang="en-US"/>
-          </a:p>
-        </p:txBody>
-      </p:sp>
-      <p:sp>
-        <p:nvSpPr>
-          <p:cNvPr id="54" name="TextBox 53"/>
-          <p:cNvSpPr txBox="1"/>
-          <p:nvPr/>
-        </p:nvSpPr>
-        <p:spPr>
-          <a:xfrm>
-            <a:off x="1348740" y="6450122"/>
-            <a:ext cx="914400" cy="415498"/>
-          </a:xfrm>
-          <a:prstGeom prst="rect">
-            <a:avLst/>
-          </a:prstGeom>
-          <a:noFill/>
-        </p:spPr>
-        <p:txBody>
-          <a:bodyPr wrap="square" rtlCol="0">
-            <a:spAutoFit/>
-          </a:bodyPr>
-          <a:lstStyle/>
-          <a:p>
-            <a:pPr algn="ctr"/>
-            <a:r>
-              <a:rPr lang="en-US" sz="1050" dirty="0">
-                <a:solidFill>
-                  <a:schemeClr val="accent3"/>
-                </a:solidFill>
-              </a:rPr>
-              <a:t>Agile Teams</a:t>
-            </a:r>
-          </a:p>
-        </p:txBody>
-      </p:sp>
-      <p:cxnSp>
-        <p:nvCxnSpPr>
-          <p:cNvPr id="55" name="Straight Arrow Connector 54"/>
-          <p:cNvCxnSpPr>
-            <a:stCxn id="54" idx="0"/>
-            <a:endCxn id="53" idx="2"/>
-          </p:cNvCxnSpPr>
-          <p:nvPr/>
-        </p:nvCxnSpPr>
-        <p:spPr>
-          <a:xfrm flipV="1">
-            <a:off x="1805940" y="6187440"/>
-            <a:ext cx="3810" cy="262682"/>
-          </a:xfrm>
-          <a:prstGeom prst="straightConnector1">
-            <a:avLst/>
-          </a:prstGeom>
-          <a:ln w="28575">
-            <a:solidFill>
-              <a:schemeClr val="bg1"/>
-            </a:solidFill>
-            <a:tailEnd type="triangle"/>
-          </a:ln>
-        </p:spPr>
-        <p:style>
-          <a:lnRef idx="1">
-            <a:schemeClr val="accent1"/>
-          </a:lnRef>
-          <a:fillRef idx="0">
-            <a:schemeClr val="accent1"/>
-          </a:fillRef>
-          <a:effectRef idx="0">
-            <a:schemeClr val="accent1"/>
-          </a:effectRef>
-          <a:fontRef idx="minor">
-            <a:schemeClr val="tx1"/>
-          </a:fontRef>
-        </p:style>
-      </p:cxnSp>
-      <p:cxnSp>
-        <p:nvCxnSpPr>
-          <p:cNvPr id="61" name="Straight Arrow Connector 60"/>
-          <p:cNvCxnSpPr>
-            <a:stCxn id="26" idx="3"/>
-            <a:endCxn id="63" idx="1"/>
-          </p:cNvCxnSpPr>
-          <p:nvPr/>
-        </p:nvCxnSpPr>
-        <p:spPr>
-          <a:xfrm>
-            <a:off x="5768341" y="3034105"/>
-            <a:ext cx="861059" cy="13895"/>
-          </a:xfrm>
-          <a:prstGeom prst="straightConnector1">
-            <a:avLst/>
-          </a:prstGeom>
-          <a:ln w="19050">
-            <a:solidFill>
-              <a:schemeClr val="tx1"/>
-            </a:solidFill>
-            <a:tailEnd type="triangle"/>
-          </a:ln>
-        </p:spPr>
-        <p:style>
-          <a:lnRef idx="1">
-            <a:schemeClr val="accent1"/>
-          </a:lnRef>
-          <a:fillRef idx="0">
-            <a:schemeClr val="accent1"/>
-          </a:fillRef>
-          <a:effectRef idx="0">
-            <a:schemeClr val="accent1"/>
-          </a:effectRef>
-          <a:fontRef idx="minor">
-            <a:schemeClr val="tx1"/>
-          </a:fontRef>
-        </p:style>
-      </p:cxnSp>
-      <p:grpSp>
-        <p:nvGrpSpPr>
-          <p:cNvPr id="62" name="Group 61"/>
-          <p:cNvGrpSpPr/>
-          <p:nvPr/>
-        </p:nvGrpSpPr>
-        <p:grpSpPr>
-          <a:xfrm>
-            <a:off x="6629400" y="2072640"/>
-            <a:ext cx="3794760" cy="1950720"/>
-            <a:chOff x="5212080" y="2072640"/>
-            <a:chExt cx="3794760" cy="1950720"/>
-          </a:xfrm>
-        </p:grpSpPr>
-        <p:sp>
-          <p:nvSpPr>
-            <p:cNvPr id="63" name="Rounded Rectangle 62"/>
-            <p:cNvSpPr/>
-            <p:nvPr/>
-          </p:nvSpPr>
-          <p:spPr>
-            <a:xfrm>
-              <a:off x="5212080" y="2072640"/>
-              <a:ext cx="3794760" cy="1950720"/>
-            </a:xfrm>
-            <a:prstGeom prst="roundRect">
-              <a:avLst/>
-            </a:prstGeom>
-            <a:solidFill>
-              <a:srgbClr val="FBDE81"/>
-            </a:solidFill>
-            <a:ln>
-              <a:solidFill>
-                <a:schemeClr val="tx1"/>
-              </a:solidFill>
-            </a:ln>
-          </p:spPr>
-          <p:style>
-            <a:lnRef idx="2">
-              <a:schemeClr val="accent1">
-                <a:shade val="50000"/>
-              </a:schemeClr>
-            </a:lnRef>
-            <a:fillRef idx="1">
-              <a:schemeClr val="accent1"/>
-            </a:fillRef>
-            <a:effectRef idx="0">
-              <a:schemeClr val="accent1"/>
-            </a:effectRef>
-            <a:fontRef idx="minor">
-              <a:schemeClr val="lt1"/>
-            </a:fontRef>
-          </p:style>
-          <p:txBody>
-            <a:bodyPr rtlCol="0" anchor="t"/>
-            <a:lstStyle/>
-            <a:p>
-              <a:pPr algn="ctr"/>
-              <a:r>
-                <a:rPr lang="en-US" sz="1100" dirty="0">
-                  <a:solidFill>
-                    <a:schemeClr val="tx1"/>
-                  </a:solidFill>
-                </a:rPr>
-                <a:t>Hole &amp; Fastener Extension</a:t>
-              </a:r>
-            </a:p>
-            <a:p>
-              <a:pPr algn="ctr"/>
-              <a:r>
-                <a:rPr lang="en-US" sz="1100" dirty="0">
-                  <a:solidFill>
-                    <a:schemeClr val="tx1"/>
-                  </a:solidFill>
-                </a:rPr>
-                <a:t>(Features, Improvements, Tasks)</a:t>
-              </a:r>
-            </a:p>
-            <a:p>
-              <a:pPr algn="ctr"/>
-              <a:endParaRPr lang="en-US" sz="1100" dirty="0">
-                <a:solidFill>
-                  <a:schemeClr val="tx1"/>
-                </a:solidFill>
-              </a:endParaRPr>
-            </a:p>
-          </p:txBody>
-        </p:sp>
-        <p:sp>
-          <p:nvSpPr>
-            <p:cNvPr id="64" name="Flowchart: Multidocument 63"/>
-            <p:cNvSpPr/>
-            <p:nvPr/>
-          </p:nvSpPr>
-          <p:spPr>
-            <a:xfrm>
-              <a:off x="5433060" y="2994660"/>
-              <a:ext cx="822960" cy="758952"/>
-            </a:xfrm>
-            <a:prstGeom prst="flowChartMultidocument">
-              <a:avLst/>
-            </a:prstGeom>
-            <a:solidFill>
-              <a:srgbClr val="97C5EB"/>
-            </a:solidFill>
-            <a:ln>
-              <a:solidFill>
-                <a:schemeClr val="tx1"/>
-              </a:solidFill>
-            </a:ln>
-          </p:spPr>
-          <p:style>
-            <a:lnRef idx="2">
-              <a:schemeClr val="accent1">
-                <a:shade val="50000"/>
-              </a:schemeClr>
-            </a:lnRef>
-            <a:fillRef idx="1">
-              <a:schemeClr val="accent1"/>
-            </a:fillRef>
-            <a:effectRef idx="0">
-              <a:schemeClr val="accent1"/>
-            </a:effectRef>
-            <a:fontRef idx="minor">
-              <a:schemeClr val="lt1"/>
-            </a:fontRef>
-          </p:style>
-          <p:txBody>
-            <a:bodyPr rtlCol="0" anchor="ctr"/>
-            <a:lstStyle/>
-            <a:p>
-              <a:pPr algn="ctr"/>
-              <a:r>
-                <a:rPr lang="en-US" sz="800" dirty="0">
-                  <a:solidFill>
-                    <a:schemeClr val="tx1"/>
-                  </a:solidFill>
-                </a:rPr>
-                <a:t>Implicit Holes</a:t>
-              </a:r>
-            </a:p>
-          </p:txBody>
-        </p:sp>
-        <p:sp>
-          <p:nvSpPr>
-            <p:cNvPr id="65" name="Flowchart: Multidocument 64"/>
-            <p:cNvSpPr/>
-            <p:nvPr/>
-          </p:nvSpPr>
-          <p:spPr>
-            <a:xfrm>
-              <a:off x="6294120" y="2994660"/>
-              <a:ext cx="784860" cy="758952"/>
-            </a:xfrm>
-            <a:prstGeom prst="flowChartMultidocument">
-              <a:avLst/>
-            </a:prstGeom>
-            <a:solidFill>
-              <a:srgbClr val="97C5EB"/>
-            </a:solidFill>
-            <a:ln>
-              <a:solidFill>
-                <a:schemeClr val="tx1"/>
-              </a:solidFill>
-            </a:ln>
-          </p:spPr>
-          <p:style>
-            <a:lnRef idx="2">
-              <a:schemeClr val="accent1">
-                <a:shade val="50000"/>
-              </a:schemeClr>
-            </a:lnRef>
-            <a:fillRef idx="1">
-              <a:schemeClr val="accent1"/>
-            </a:fillRef>
-            <a:effectRef idx="0">
-              <a:schemeClr val="accent1"/>
-            </a:effectRef>
-            <a:fontRef idx="minor">
-              <a:schemeClr val="lt1"/>
-            </a:fontRef>
-          </p:style>
-          <p:txBody>
-            <a:bodyPr rtlCol="0" anchor="ctr"/>
-            <a:lstStyle/>
-            <a:p>
-              <a:pPr algn="ctr"/>
-              <a:r>
-                <a:rPr lang="en-US" sz="800" dirty="0">
-                  <a:solidFill>
-                    <a:schemeClr val="tx1"/>
-                  </a:solidFill>
-                </a:rPr>
-                <a:t>Implicit Fasteners</a:t>
-              </a:r>
-            </a:p>
-          </p:txBody>
-        </p:sp>
-        <p:sp>
-          <p:nvSpPr>
-            <p:cNvPr id="66" name="Flowchart: Multidocument 65"/>
-            <p:cNvSpPr/>
-            <p:nvPr/>
-          </p:nvSpPr>
-          <p:spPr>
-            <a:xfrm>
-              <a:off x="7239000" y="2994660"/>
-              <a:ext cx="754380" cy="758952"/>
-            </a:xfrm>
-            <a:prstGeom prst="flowChartMultidocument">
-              <a:avLst/>
-            </a:prstGeom>
-            <a:solidFill>
-              <a:srgbClr val="97C5EB"/>
-            </a:solidFill>
-            <a:ln>
-              <a:solidFill>
-                <a:schemeClr val="tx1"/>
-              </a:solidFill>
-            </a:ln>
-          </p:spPr>
-          <p:style>
-            <a:lnRef idx="2">
-              <a:schemeClr val="accent1">
-                <a:shade val="50000"/>
-              </a:schemeClr>
-            </a:lnRef>
-            <a:fillRef idx="1">
-              <a:schemeClr val="accent1"/>
-            </a:fillRef>
-            <a:effectRef idx="0">
-              <a:schemeClr val="accent1"/>
-            </a:effectRef>
-            <a:fontRef idx="minor">
-              <a:schemeClr val="lt1"/>
-            </a:fontRef>
-          </p:style>
-          <p:txBody>
-            <a:bodyPr rtlCol="0" anchor="ctr"/>
-            <a:lstStyle/>
-            <a:p>
-              <a:pPr algn="ctr"/>
-              <a:r>
-                <a:rPr lang="en-US" sz="800" dirty="0">
-                  <a:solidFill>
-                    <a:schemeClr val="tx1"/>
-                  </a:solidFill>
-                </a:rPr>
-                <a:t>Explicit Holes</a:t>
-              </a:r>
-            </a:p>
-          </p:txBody>
-        </p:sp>
-        <p:sp>
-          <p:nvSpPr>
-            <p:cNvPr id="67" name="Flowchart: Multidocument 66"/>
-            <p:cNvSpPr/>
-            <p:nvPr/>
-          </p:nvSpPr>
-          <p:spPr>
-            <a:xfrm>
-              <a:off x="8031480" y="2994660"/>
-              <a:ext cx="754380" cy="758952"/>
-            </a:xfrm>
-            <a:prstGeom prst="flowChartMultidocument">
-              <a:avLst/>
-            </a:prstGeom>
-            <a:solidFill>
-              <a:srgbClr val="97C5EB"/>
-            </a:solidFill>
-            <a:ln>
-              <a:solidFill>
-                <a:schemeClr val="tx1"/>
-              </a:solidFill>
-            </a:ln>
-          </p:spPr>
-          <p:style>
-            <a:lnRef idx="2">
-              <a:schemeClr val="accent1">
-                <a:shade val="50000"/>
-              </a:schemeClr>
-            </a:lnRef>
-            <a:fillRef idx="1">
-              <a:schemeClr val="accent1"/>
-            </a:fillRef>
-            <a:effectRef idx="0">
-              <a:schemeClr val="accent1"/>
-            </a:effectRef>
-            <a:fontRef idx="minor">
-              <a:schemeClr val="lt1"/>
-            </a:fontRef>
-          </p:style>
-          <p:txBody>
-            <a:bodyPr rtlCol="0" anchor="ctr"/>
-            <a:lstStyle/>
-            <a:p>
-              <a:pPr algn="ctr"/>
-              <a:r>
-                <a:rPr lang="en-US" sz="800" dirty="0">
-                  <a:solidFill>
-                    <a:schemeClr val="tx1"/>
-                  </a:solidFill>
-                </a:rPr>
-                <a:t>Explicit Fasteners</a:t>
-              </a:r>
-            </a:p>
-          </p:txBody>
-        </p:sp>
-        <p:sp>
-          <p:nvSpPr>
-            <p:cNvPr id="68" name="Rounded Rectangle 67"/>
-            <p:cNvSpPr/>
-            <p:nvPr/>
-          </p:nvSpPr>
-          <p:spPr>
-            <a:xfrm>
-              <a:off x="5334000" y="2590800"/>
-              <a:ext cx="1790700" cy="1211580"/>
-            </a:xfrm>
-            <a:prstGeom prst="roundRect">
-              <a:avLst/>
-            </a:prstGeom>
-            <a:noFill/>
-            <a:ln>
-              <a:solidFill>
-                <a:schemeClr val="bg1"/>
-              </a:solidFill>
-              <a:prstDash val="dash"/>
-            </a:ln>
-          </p:spPr>
-          <p:style>
-            <a:lnRef idx="2">
-              <a:schemeClr val="accent1">
-                <a:shade val="50000"/>
-              </a:schemeClr>
-            </a:lnRef>
-            <a:fillRef idx="1">
-              <a:schemeClr val="accent1"/>
-            </a:fillRef>
-            <a:effectRef idx="0">
-              <a:schemeClr val="accent1"/>
-            </a:effectRef>
-            <a:fontRef idx="minor">
-              <a:schemeClr val="lt1"/>
-            </a:fontRef>
-          </p:style>
-          <p:txBody>
-            <a:bodyPr rtlCol="0" anchor="ctr"/>
-            <a:lstStyle/>
-            <a:p>
-              <a:pPr algn="ctr"/>
-              <a:endParaRPr lang="en-US"/>
-            </a:p>
-          </p:txBody>
-        </p:sp>
-        <p:sp>
-          <p:nvSpPr>
-            <p:cNvPr id="69" name="Rounded Rectangle 68"/>
-            <p:cNvSpPr/>
-            <p:nvPr/>
-          </p:nvSpPr>
-          <p:spPr>
-            <a:xfrm>
-              <a:off x="7185660" y="2590800"/>
-              <a:ext cx="1676400" cy="1211580"/>
-            </a:xfrm>
-            <a:prstGeom prst="roundRect">
-              <a:avLst/>
-            </a:prstGeom>
-            <a:noFill/>
-            <a:ln>
-              <a:solidFill>
-                <a:schemeClr val="bg1"/>
-              </a:solidFill>
-              <a:prstDash val="dash"/>
-            </a:ln>
-          </p:spPr>
-          <p:style>
-            <a:lnRef idx="2">
-              <a:schemeClr val="accent1">
-                <a:shade val="50000"/>
-              </a:schemeClr>
-            </a:lnRef>
-            <a:fillRef idx="1">
-              <a:schemeClr val="accent1"/>
-            </a:fillRef>
-            <a:effectRef idx="0">
-              <a:schemeClr val="accent1"/>
-            </a:effectRef>
-            <a:fontRef idx="minor">
-              <a:schemeClr val="lt1"/>
-            </a:fontRef>
-          </p:style>
-          <p:txBody>
-            <a:bodyPr rtlCol="0" anchor="ctr"/>
-            <a:lstStyle/>
-            <a:p>
-              <a:pPr algn="ctr"/>
-              <a:endParaRPr lang="en-US"/>
-            </a:p>
-          </p:txBody>
-        </p:sp>
-        <p:sp>
-          <p:nvSpPr>
-            <p:cNvPr id="70" name="Rectangle 69"/>
-            <p:cNvSpPr/>
-            <p:nvPr/>
-          </p:nvSpPr>
-          <p:spPr>
-            <a:xfrm>
-              <a:off x="5394961" y="2589014"/>
-              <a:ext cx="1665182" cy="400110"/>
-            </a:xfrm>
-            <a:prstGeom prst="rect">
-              <a:avLst/>
-            </a:prstGeom>
-          </p:spPr>
-          <p:txBody>
-            <a:bodyPr wrap="square">
-              <a:spAutoFit/>
-            </a:bodyPr>
-            <a:lstStyle/>
-            <a:p>
-              <a:pPr algn="ctr"/>
-              <a:r>
-                <a:rPr lang="en-US" sz="1000" dirty="0"/>
-                <a:t>program increment</a:t>
-              </a:r>
-            </a:p>
-            <a:p>
-              <a:pPr algn="ctr"/>
-              <a:r>
-                <a:rPr lang="en-US" sz="1000" dirty="0"/>
-                <a:t>(1-4 </a:t>
-              </a:r>
-              <a:r>
-                <a:rPr lang="en-US" sz="1000" dirty="0" err="1"/>
-                <a:t>wks</a:t>
-              </a:r>
-              <a:r>
-                <a:rPr lang="en-US" sz="1000" dirty="0"/>
-                <a:t> work) </a:t>
-              </a:r>
-            </a:p>
-          </p:txBody>
-        </p:sp>
-        <p:sp>
-          <p:nvSpPr>
-            <p:cNvPr id="71" name="Rectangle 70"/>
-            <p:cNvSpPr/>
-            <p:nvPr/>
-          </p:nvSpPr>
-          <p:spPr>
-            <a:xfrm>
-              <a:off x="7288967" y="2589014"/>
-              <a:ext cx="1504513" cy="400110"/>
-            </a:xfrm>
-            <a:prstGeom prst="rect">
-              <a:avLst/>
-            </a:prstGeom>
-          </p:spPr>
-          <p:txBody>
-            <a:bodyPr wrap="square">
-              <a:spAutoFit/>
-            </a:bodyPr>
-            <a:lstStyle/>
-            <a:p>
-              <a:pPr algn="ctr"/>
-              <a:r>
-                <a:rPr lang="en-US" sz="1000" dirty="0"/>
-                <a:t>program increment</a:t>
-              </a:r>
-            </a:p>
-            <a:p>
-              <a:pPr algn="ctr"/>
-              <a:r>
-                <a:rPr lang="en-US" sz="1000" dirty="0"/>
-                <a:t>(1-4 </a:t>
-              </a:r>
-              <a:r>
-                <a:rPr lang="en-US" sz="1000" dirty="0" err="1"/>
-                <a:t>wks</a:t>
-              </a:r>
-              <a:r>
-                <a:rPr lang="en-US" sz="1000" dirty="0"/>
-                <a:t> work) </a:t>
-              </a:r>
-            </a:p>
-          </p:txBody>
-        </p:sp>
-      </p:grpSp>
-      <p:grpSp>
-        <p:nvGrpSpPr>
-          <p:cNvPr id="72" name="Group 71"/>
-          <p:cNvGrpSpPr/>
-          <p:nvPr/>
-        </p:nvGrpSpPr>
-        <p:grpSpPr>
-          <a:xfrm>
-            <a:off x="6629400" y="4114800"/>
-            <a:ext cx="3794760" cy="1950720"/>
-            <a:chOff x="5212080" y="4686300"/>
-            <a:chExt cx="3794760" cy="1950720"/>
-          </a:xfrm>
-        </p:grpSpPr>
-        <p:sp>
-          <p:nvSpPr>
-            <p:cNvPr id="73" name="Rounded Rectangle 72"/>
-            <p:cNvSpPr/>
-            <p:nvPr/>
-          </p:nvSpPr>
-          <p:spPr>
-            <a:xfrm>
-              <a:off x="5212080" y="4686300"/>
-              <a:ext cx="3794760" cy="1950720"/>
-            </a:xfrm>
-            <a:prstGeom prst="roundRect">
-              <a:avLst/>
-            </a:prstGeom>
-            <a:solidFill>
-              <a:srgbClr val="FBDE81"/>
-            </a:solidFill>
-            <a:ln>
-              <a:solidFill>
-                <a:schemeClr val="tx1"/>
-              </a:solidFill>
-            </a:ln>
-          </p:spPr>
-          <p:style>
-            <a:lnRef idx="2">
-              <a:schemeClr val="accent1">
-                <a:shade val="50000"/>
-              </a:schemeClr>
-            </a:lnRef>
-            <a:fillRef idx="1">
-              <a:schemeClr val="accent1"/>
-            </a:fillRef>
-            <a:effectRef idx="0">
-              <a:schemeClr val="accent1"/>
-            </a:effectRef>
-            <a:fontRef idx="minor">
-              <a:schemeClr val="lt1"/>
-            </a:fontRef>
-          </p:style>
-          <p:txBody>
-            <a:bodyPr rtlCol="0" anchor="t"/>
-            <a:lstStyle/>
-            <a:p>
-              <a:pPr algn="ctr"/>
-              <a:r>
-                <a:rPr lang="en-US" sz="1100" dirty="0">
-                  <a:solidFill>
-                    <a:schemeClr val="tx1"/>
-                  </a:solidFill>
-                </a:rPr>
-                <a:t>Features, Improvements, Tasks</a:t>
-              </a:r>
-            </a:p>
-            <a:p>
-              <a:pPr algn="ctr"/>
-              <a:endParaRPr lang="en-US" sz="1100" dirty="0">
-                <a:solidFill>
-                  <a:schemeClr val="tx1"/>
-                </a:solidFill>
-              </a:endParaRPr>
-            </a:p>
-          </p:txBody>
-        </p:sp>
-        <p:sp>
-          <p:nvSpPr>
-            <p:cNvPr id="74" name="Flowchart: Multidocument 73"/>
-            <p:cNvSpPr/>
-            <p:nvPr/>
-          </p:nvSpPr>
-          <p:spPr>
-            <a:xfrm>
-              <a:off x="5730240" y="5478780"/>
-              <a:ext cx="601980" cy="758952"/>
-            </a:xfrm>
-            <a:prstGeom prst="flowChartMultidocument">
-              <a:avLst/>
-            </a:prstGeom>
-            <a:solidFill>
-              <a:srgbClr val="97C5EB"/>
-            </a:solidFill>
-            <a:ln>
-              <a:solidFill>
-                <a:schemeClr val="tx1"/>
-              </a:solidFill>
-            </a:ln>
-          </p:spPr>
-          <p:style>
-            <a:lnRef idx="2">
-              <a:schemeClr val="accent1">
-                <a:shade val="50000"/>
-              </a:schemeClr>
-            </a:lnRef>
-            <a:fillRef idx="1">
-              <a:schemeClr val="accent1"/>
-            </a:fillRef>
-            <a:effectRef idx="0">
-              <a:schemeClr val="accent1"/>
-            </a:effectRef>
-            <a:fontRef idx="minor">
-              <a:schemeClr val="lt1"/>
-            </a:fontRef>
-          </p:style>
-          <p:txBody>
-            <a:bodyPr rtlCol="0" anchor="ctr"/>
-            <a:lstStyle/>
-            <a:p>
-              <a:pPr algn="ctr"/>
-              <a:r>
-                <a:rPr lang="en-US" sz="800" dirty="0">
-                  <a:solidFill>
-                    <a:schemeClr val="tx1"/>
-                  </a:solidFill>
-                </a:rPr>
-                <a:t>User Story</a:t>
-              </a:r>
-            </a:p>
-          </p:txBody>
-        </p:sp>
-        <p:sp>
-          <p:nvSpPr>
-            <p:cNvPr id="76" name="Flowchart: Multidocument 75"/>
-            <p:cNvSpPr/>
-            <p:nvPr/>
-          </p:nvSpPr>
-          <p:spPr>
-            <a:xfrm>
-              <a:off x="6477000" y="5478780"/>
-              <a:ext cx="601980" cy="758952"/>
-            </a:xfrm>
-            <a:prstGeom prst="flowChartMultidocument">
-              <a:avLst/>
-            </a:prstGeom>
-            <a:solidFill>
-              <a:srgbClr val="97C5EB"/>
-            </a:solidFill>
-            <a:ln>
-              <a:solidFill>
-                <a:schemeClr val="tx1"/>
-              </a:solidFill>
-            </a:ln>
-          </p:spPr>
-          <p:style>
-            <a:lnRef idx="2">
-              <a:schemeClr val="accent1">
-                <a:shade val="50000"/>
-              </a:schemeClr>
-            </a:lnRef>
-            <a:fillRef idx="1">
-              <a:schemeClr val="accent1"/>
-            </a:fillRef>
-            <a:effectRef idx="0">
-              <a:schemeClr val="accent1"/>
-            </a:effectRef>
-            <a:fontRef idx="minor">
-              <a:schemeClr val="lt1"/>
-            </a:fontRef>
-          </p:style>
-          <p:txBody>
-            <a:bodyPr rtlCol="0" anchor="ctr"/>
-            <a:lstStyle/>
-            <a:p>
-              <a:pPr algn="ctr"/>
-              <a:r>
-                <a:rPr lang="en-US" sz="800" dirty="0">
-                  <a:solidFill>
-                    <a:schemeClr val="tx1"/>
-                  </a:solidFill>
-                </a:rPr>
-                <a:t>User Story</a:t>
-              </a:r>
-            </a:p>
-          </p:txBody>
-        </p:sp>
-        <p:sp>
-          <p:nvSpPr>
-            <p:cNvPr id="77" name="Flowchart: Multidocument 76"/>
-            <p:cNvSpPr/>
-            <p:nvPr/>
-          </p:nvSpPr>
-          <p:spPr>
-            <a:xfrm>
-              <a:off x="7193280" y="5478780"/>
-              <a:ext cx="601980" cy="758952"/>
-            </a:xfrm>
-            <a:prstGeom prst="flowChartMultidocument">
-              <a:avLst/>
-            </a:prstGeom>
-            <a:solidFill>
-              <a:srgbClr val="97C5EB"/>
-            </a:solidFill>
-            <a:ln>
-              <a:solidFill>
-                <a:schemeClr val="tx1"/>
-              </a:solidFill>
-            </a:ln>
-          </p:spPr>
-          <p:style>
-            <a:lnRef idx="2">
-              <a:schemeClr val="accent1">
-                <a:shade val="50000"/>
-              </a:schemeClr>
-            </a:lnRef>
-            <a:fillRef idx="1">
-              <a:schemeClr val="accent1"/>
-            </a:fillRef>
-            <a:effectRef idx="0">
-              <a:schemeClr val="accent1"/>
-            </a:effectRef>
-            <a:fontRef idx="minor">
-              <a:schemeClr val="lt1"/>
-            </a:fontRef>
-          </p:style>
-          <p:txBody>
-            <a:bodyPr rtlCol="0" anchor="ctr"/>
-            <a:lstStyle/>
-            <a:p>
-              <a:pPr algn="ctr"/>
-              <a:r>
-                <a:rPr lang="en-US" sz="800" dirty="0">
-                  <a:solidFill>
-                    <a:schemeClr val="tx1"/>
-                  </a:solidFill>
-                </a:rPr>
-                <a:t>User Story</a:t>
-              </a:r>
-            </a:p>
-          </p:txBody>
-        </p:sp>
-        <p:sp>
-          <p:nvSpPr>
-            <p:cNvPr id="78" name="Flowchart: Multidocument 77"/>
-            <p:cNvSpPr/>
-            <p:nvPr/>
-          </p:nvSpPr>
-          <p:spPr>
-            <a:xfrm>
-              <a:off x="7909560" y="5478780"/>
-              <a:ext cx="601980" cy="758952"/>
-            </a:xfrm>
-            <a:prstGeom prst="flowChartMultidocument">
-              <a:avLst/>
-            </a:prstGeom>
-            <a:solidFill>
-              <a:srgbClr val="97C5EB"/>
-            </a:solidFill>
-            <a:ln>
-              <a:solidFill>
-                <a:schemeClr val="tx1"/>
-              </a:solidFill>
-            </a:ln>
-          </p:spPr>
-          <p:style>
-            <a:lnRef idx="2">
-              <a:schemeClr val="accent1">
-                <a:shade val="50000"/>
-              </a:schemeClr>
-            </a:lnRef>
-            <a:fillRef idx="1">
-              <a:schemeClr val="accent1"/>
-            </a:fillRef>
-            <a:effectRef idx="0">
-              <a:schemeClr val="accent1"/>
-            </a:effectRef>
-            <a:fontRef idx="minor">
-              <a:schemeClr val="lt1"/>
-            </a:fontRef>
-          </p:style>
-          <p:txBody>
-            <a:bodyPr rtlCol="0" anchor="ctr"/>
-            <a:lstStyle/>
-            <a:p>
-              <a:pPr algn="ctr"/>
-              <a:r>
-                <a:rPr lang="en-US" sz="800" dirty="0">
-                  <a:solidFill>
-                    <a:schemeClr val="tx1"/>
-                  </a:solidFill>
-                </a:rPr>
-                <a:t>User Story</a:t>
-              </a:r>
-            </a:p>
-          </p:txBody>
-        </p:sp>
-        <p:sp>
-          <p:nvSpPr>
-            <p:cNvPr id="79" name="Rounded Rectangle 78"/>
-            <p:cNvSpPr/>
-            <p:nvPr/>
-          </p:nvSpPr>
-          <p:spPr>
-            <a:xfrm>
-              <a:off x="5684520" y="5257800"/>
-              <a:ext cx="1440180" cy="1158240"/>
-            </a:xfrm>
-            <a:prstGeom prst="roundRect">
-              <a:avLst/>
-            </a:prstGeom>
-            <a:noFill/>
-            <a:ln>
-              <a:solidFill>
-                <a:schemeClr val="bg1"/>
-              </a:solidFill>
-              <a:prstDash val="dash"/>
-            </a:ln>
-          </p:spPr>
-          <p:style>
-            <a:lnRef idx="2">
-              <a:schemeClr val="accent1">
-                <a:shade val="50000"/>
-              </a:schemeClr>
-            </a:lnRef>
-            <a:fillRef idx="1">
-              <a:schemeClr val="accent1"/>
-            </a:fillRef>
-            <a:effectRef idx="0">
-              <a:schemeClr val="accent1"/>
-            </a:effectRef>
-            <a:fontRef idx="minor">
-              <a:schemeClr val="lt1"/>
-            </a:fontRef>
-          </p:style>
-          <p:txBody>
-            <a:bodyPr rtlCol="0" anchor="ctr"/>
-            <a:lstStyle/>
-            <a:p>
-              <a:pPr algn="ctr"/>
-              <a:endParaRPr lang="en-US"/>
-            </a:p>
-          </p:txBody>
-        </p:sp>
-        <p:sp>
-          <p:nvSpPr>
-            <p:cNvPr id="80" name="Rounded Rectangle 79"/>
-            <p:cNvSpPr/>
-            <p:nvPr/>
-          </p:nvSpPr>
-          <p:spPr>
-            <a:xfrm>
-              <a:off x="7185660" y="5257800"/>
-              <a:ext cx="1440180" cy="1158240"/>
-            </a:xfrm>
-            <a:prstGeom prst="roundRect">
-              <a:avLst/>
-            </a:prstGeom>
-            <a:noFill/>
-            <a:ln>
-              <a:solidFill>
-                <a:schemeClr val="bg1"/>
-              </a:solidFill>
-              <a:prstDash val="dash"/>
-            </a:ln>
-          </p:spPr>
-          <p:style>
-            <a:lnRef idx="2">
-              <a:schemeClr val="accent1">
-                <a:shade val="50000"/>
-              </a:schemeClr>
-            </a:lnRef>
-            <a:fillRef idx="1">
-              <a:schemeClr val="accent1"/>
-            </a:fillRef>
-            <a:effectRef idx="0">
-              <a:schemeClr val="accent1"/>
-            </a:effectRef>
-            <a:fontRef idx="minor">
-              <a:schemeClr val="lt1"/>
-            </a:fontRef>
-          </p:style>
-          <p:txBody>
-            <a:bodyPr rtlCol="0" anchor="ctr"/>
-            <a:lstStyle/>
-            <a:p>
-              <a:pPr algn="ctr"/>
-              <a:endParaRPr lang="en-US"/>
-            </a:p>
-          </p:txBody>
-        </p:sp>
-        <p:sp>
-          <p:nvSpPr>
-            <p:cNvPr id="81" name="Rectangle 80"/>
-            <p:cNvSpPr/>
-            <p:nvPr/>
-          </p:nvSpPr>
-          <p:spPr>
-            <a:xfrm>
-              <a:off x="5748565" y="5248394"/>
-              <a:ext cx="1292341" cy="246221"/>
-            </a:xfrm>
-            <a:prstGeom prst="rect">
-              <a:avLst/>
-            </a:prstGeom>
-          </p:spPr>
-          <p:txBody>
-            <a:bodyPr wrap="none">
-              <a:spAutoFit/>
-            </a:bodyPr>
-            <a:lstStyle/>
-            <a:p>
-              <a:r>
-                <a:rPr lang="en-US" sz="1000" dirty="0"/>
-                <a:t>program increment </a:t>
-              </a:r>
-            </a:p>
-          </p:txBody>
-        </p:sp>
-        <p:sp>
-          <p:nvSpPr>
-            <p:cNvPr id="82" name="Rectangle 81"/>
-            <p:cNvSpPr/>
-            <p:nvPr/>
-          </p:nvSpPr>
-          <p:spPr>
-            <a:xfrm>
-              <a:off x="7234465" y="5248394"/>
-              <a:ext cx="1292341" cy="246221"/>
-            </a:xfrm>
-            <a:prstGeom prst="rect">
-              <a:avLst/>
-            </a:prstGeom>
-          </p:spPr>
-          <p:txBody>
-            <a:bodyPr wrap="none">
-              <a:spAutoFit/>
-            </a:bodyPr>
-            <a:lstStyle/>
-            <a:p>
-              <a:r>
-                <a:rPr lang="en-US" sz="1000" dirty="0"/>
-                <a:t>program increment </a:t>
-              </a:r>
-            </a:p>
-          </p:txBody>
-        </p:sp>
-      </p:grpSp>
-      <p:cxnSp>
-        <p:nvCxnSpPr>
-          <p:cNvPr id="83" name="Elbow Connector 82"/>
-          <p:cNvCxnSpPr>
-            <a:stCxn id="28" idx="3"/>
-            <a:endCxn id="73" idx="1"/>
-          </p:cNvCxnSpPr>
-          <p:nvPr/>
-        </p:nvCxnSpPr>
-        <p:spPr>
-          <a:xfrm>
-            <a:off x="5768341" y="4393982"/>
-            <a:ext cx="861059" cy="696178"/>
-          </a:xfrm>
-          <a:prstGeom prst="bentConnector3">
-            <a:avLst>
-              <a:gd name="adj1" fmla="val 49115"/>
-            </a:avLst>
-          </a:prstGeom>
-          <a:ln w="19050">
-            <a:solidFill>
-              <a:schemeClr val="tx1"/>
-            </a:solidFill>
-            <a:tailEnd type="triangle"/>
-          </a:ln>
-        </p:spPr>
-        <p:style>
-          <a:lnRef idx="1">
-            <a:schemeClr val="accent1"/>
-          </a:lnRef>
-          <a:fillRef idx="0">
-            <a:schemeClr val="accent1"/>
-          </a:fillRef>
-          <a:effectRef idx="0">
-            <a:schemeClr val="accent1"/>
-          </a:effectRef>
-          <a:fontRef idx="minor">
-            <a:schemeClr val="tx1"/>
-          </a:fontRef>
-        </p:style>
-      </p:cxnSp>
-      <p:cxnSp>
-        <p:nvCxnSpPr>
-          <p:cNvPr id="84" name="Elbow Connector 83"/>
-          <p:cNvCxnSpPr>
-            <a:stCxn id="38" idx="3"/>
-            <a:endCxn id="73" idx="1"/>
-          </p:cNvCxnSpPr>
-          <p:nvPr/>
-        </p:nvCxnSpPr>
-        <p:spPr>
-          <a:xfrm flipV="1">
-            <a:off x="5768341" y="5090160"/>
-            <a:ext cx="861059" cy="605083"/>
-          </a:xfrm>
-          <a:prstGeom prst="bentConnector3">
-            <a:avLst>
-              <a:gd name="adj1" fmla="val 50000"/>
-            </a:avLst>
-          </a:prstGeom>
-          <a:ln w="19050">
-            <a:solidFill>
-              <a:schemeClr val="tx1"/>
-            </a:solidFill>
-            <a:tailEnd type="triangle"/>
-          </a:ln>
-        </p:spPr>
-        <p:style>
-          <a:lnRef idx="1">
-            <a:schemeClr val="accent1"/>
-          </a:lnRef>
-          <a:fillRef idx="0">
-            <a:schemeClr val="accent1"/>
-          </a:fillRef>
-          <a:effectRef idx="0">
-            <a:schemeClr val="accent1"/>
-          </a:effectRef>
-          <a:fontRef idx="minor">
-            <a:schemeClr val="tx1"/>
-          </a:fontRef>
-        </p:style>
-      </p:cxnSp>
     </p:spTree>
     <p:extLst>
       <p:ext uri="{BB962C8B-B14F-4D97-AF65-F5344CB8AC3E}">
-        <p14:creationId xmlns:p14="http://schemas.microsoft.com/office/powerpoint/2010/main" val="2676938144"/>
+        <p14:creationId xmlns:p14="http://schemas.microsoft.com/office/powerpoint/2010/main" val="1343705657"/>
       </p:ext>
     </p:extLst>
   </p:cSld>
@@ -12110,7 +8777,7 @@
           <a:p>
             <a:r>
               <a:rPr lang="en-GB" sz="3200" dirty="0"/>
-              <a:t>Continued Research 1: Advanced Communication Tools</a:t>
+              <a:t>Continued Research 3: Continuous Integration</a:t>
             </a:r>
           </a:p>
         </p:txBody>
@@ -12231,647 +8898,6 @@
         <p:spPr>
           <a:xfrm>
             <a:off x="405383" y="1283208"/>
-            <a:ext cx="11311128" cy="4450449"/>
-          </a:xfrm>
-        </p:spPr>
-        <p:txBody>
-          <a:bodyPr/>
-          <a:lstStyle/>
-          <a:p>
-            <a:pPr>
-              <a:buNone/>
-            </a:pPr>
-            <a:endParaRPr lang="en-US" b="0" dirty="0"/>
-          </a:p>
-          <a:p>
-            <a:pPr marL="342900" indent="-342900">
-              <a:buFont typeface="Arial" panose="020B0604020202020204" pitchFamily="34" charset="0"/>
-              <a:buChar char="•"/>
-            </a:pPr>
-            <a:r>
-              <a:rPr lang="en-US" b="0" dirty="0"/>
-              <a:t>Requirements traceability</a:t>
-            </a:r>
-          </a:p>
-          <a:p>
-            <a:pPr marL="631825" lvl="1" indent="-342900"/>
-            <a:r>
-              <a:rPr lang="en-US" sz="1600" dirty="0"/>
-              <a:t>Requirements:</a:t>
-            </a:r>
-          </a:p>
-          <a:p>
-            <a:pPr marL="850900" lvl="2" indent="-342900"/>
-            <a:r>
-              <a:rPr lang="en-US" sz="1400" dirty="0"/>
-              <a:t> come from different sources: users, implementers, domain experts, …</a:t>
-            </a:r>
-          </a:p>
-          <a:p>
-            <a:pPr marL="850900" lvl="2" indent="-342900"/>
-            <a:r>
-              <a:rPr lang="en-US" sz="1400" dirty="0"/>
-              <a:t> in different forms: email, spreadsheet, word document, meetings, …</a:t>
-            </a:r>
-          </a:p>
-          <a:p>
-            <a:pPr marL="850900" lvl="2" indent="-342900"/>
-            <a:r>
-              <a:rPr lang="en-US" sz="1400" dirty="0"/>
-              <a:t> </a:t>
-            </a:r>
-            <a:r>
-              <a:rPr lang="en-US" sz="1400" b="0" dirty="0"/>
-              <a:t>change during the development </a:t>
-            </a:r>
-            <a:r>
-              <a:rPr lang="en-US" sz="1400" b="0" dirty="0" smtClean="0"/>
-              <a:t>cycle</a:t>
-            </a:r>
-          </a:p>
-          <a:p>
-            <a:pPr marL="850900" lvl="2" indent="-342900"/>
-            <a:r>
-              <a:rPr lang="en-US" sz="1400" dirty="0" smtClean="0"/>
-              <a:t>Requirement to be structured/semantic and computer interpretable for automation optimization (i.e. </a:t>
-            </a:r>
-            <a:r>
-              <a:rPr lang="en-US" sz="1400" dirty="0" err="1" smtClean="0"/>
-              <a:t>Req</a:t>
-            </a:r>
-            <a:r>
-              <a:rPr lang="en-US" sz="1400" dirty="0" smtClean="0"/>
-              <a:t>-IF)</a:t>
-            </a:r>
-            <a:endParaRPr lang="en-US" sz="1400" b="0" dirty="0"/>
-          </a:p>
-          <a:p>
-            <a:pPr marL="631825" lvl="1" indent="-342900"/>
-            <a:endParaRPr lang="en-US" sz="1600" b="0" dirty="0"/>
-          </a:p>
-          <a:p>
-            <a:pPr marL="631825" lvl="1" indent="-342900"/>
-            <a:r>
-              <a:rPr lang="en-US" sz="1600" b="0" dirty="0"/>
-              <a:t>Agile offers methods for requirements traceability</a:t>
-            </a:r>
-          </a:p>
-          <a:p>
-            <a:pPr marL="850900" lvl="2" indent="-342900"/>
-            <a:r>
-              <a:rPr lang="en-US" sz="1400" dirty="0"/>
-              <a:t>These methods need tools to be implemented</a:t>
-            </a:r>
-          </a:p>
-          <a:p>
-            <a:pPr marL="850900" lvl="2" indent="-342900"/>
-            <a:r>
-              <a:rPr lang="en-US" sz="1400" dirty="0"/>
-              <a:t>Existing tools do not share a common requirement representation and management strategy</a:t>
-            </a:r>
-          </a:p>
-          <a:p>
-            <a:pPr marL="850900" lvl="2" indent="-342900"/>
-            <a:r>
-              <a:rPr lang="en-US" sz="1400" dirty="0"/>
-              <a:t>Because of that inconsistency, there is limited integration between the tools involved</a:t>
-            </a:r>
-            <a:endParaRPr lang="en-US" sz="1200" dirty="0"/>
-          </a:p>
-          <a:p>
-            <a:pPr lvl="2" indent="0">
-              <a:buNone/>
-            </a:pPr>
-            <a:endParaRPr lang="en-US" sz="1600" b="0" dirty="0"/>
-          </a:p>
-          <a:p>
-            <a:pPr marL="631825" lvl="1" indent="-342900"/>
-            <a:r>
-              <a:rPr lang="en-US" sz="1600" dirty="0"/>
-              <a:t>Develop and implement a requirement model and management strategy</a:t>
-            </a:r>
-          </a:p>
-          <a:p>
-            <a:pPr marL="850900" lvl="2" indent="-342900"/>
-            <a:r>
-              <a:rPr lang="en-US" sz="1400" dirty="0"/>
-              <a:t>To ensure consistent definition, management and validation of the requirements</a:t>
-            </a:r>
-            <a:endParaRPr lang="en-US" sz="1400" b="0" dirty="0"/>
-          </a:p>
-          <a:p>
-            <a:pPr lvl="1" indent="0">
-              <a:buNone/>
-            </a:pPr>
-            <a:endParaRPr lang="en-US" sz="1400" b="0" dirty="0"/>
-          </a:p>
-        </p:txBody>
-      </p:sp>
-    </p:spTree>
-    <p:extLst>
-      <p:ext uri="{BB962C8B-B14F-4D97-AF65-F5344CB8AC3E}">
-        <p14:creationId xmlns:p14="http://schemas.microsoft.com/office/powerpoint/2010/main" val="992928965"/>
-      </p:ext>
-    </p:extLst>
-  </p:cSld>
-  <p:clrMapOvr>
-    <a:masterClrMapping/>
-  </p:clrMapOvr>
-  <mc:AlternateContent xmlns:mc="http://schemas.openxmlformats.org/markup-compatibility/2006" xmlns:p14="http://schemas.microsoft.com/office/powerpoint/2010/main">
-    <mc:Choice Requires="p14">
-      <p:transition spd="med" p14:dur="700">
-        <p:fade/>
-      </p:transition>
-    </mc:Choice>
-    <mc:Fallback xmlns="">
-      <p:transition spd="med">
-        <p:fade/>
-      </p:transition>
-    </mc:Fallback>
-  </mc:AlternateContent>
-</p:sld>
-</file>
-
-<file path=ppt/slides/slide12.xml><?xml version="1.0" encoding="utf-8"?>
-<p:sld xmlns:a="http://schemas.openxmlformats.org/drawingml/2006/main" xmlns:r="http://schemas.openxmlformats.org/officeDocument/2006/relationships" xmlns:p="http://schemas.openxmlformats.org/presentationml/2006/main">
-  <p:cSld>
-    <p:spTree>
-      <p:nvGrpSpPr>
-        <p:cNvPr id="1" name=""/>
-        <p:cNvGrpSpPr/>
-        <p:nvPr/>
-      </p:nvGrpSpPr>
-      <p:grpSpPr>
-        <a:xfrm>
-          <a:off x="0" y="0"/>
-          <a:ext cx="0" cy="0"/>
-          <a:chOff x="0" y="0"/>
-          <a:chExt cx="0" cy="0"/>
-        </a:xfrm>
-      </p:grpSpPr>
-      <p:sp>
-        <p:nvSpPr>
-          <p:cNvPr id="2" name="Title 1"/>
-          <p:cNvSpPr>
-            <a:spLocks noGrp="1"/>
-          </p:cNvSpPr>
-          <p:nvPr>
-            <p:ph type="title"/>
-          </p:nvPr>
-        </p:nvSpPr>
-        <p:spPr>
-          <a:xfrm>
-            <a:off x="448055" y="457200"/>
-            <a:ext cx="11311128" cy="489365"/>
-          </a:xfrm>
-        </p:spPr>
-        <p:txBody>
-          <a:bodyPr/>
-          <a:lstStyle/>
-          <a:p>
-            <a:r>
-              <a:rPr lang="en-GB" sz="3200" dirty="0"/>
-              <a:t>Continued Research 2: Advanced Communication Tools</a:t>
-            </a:r>
-          </a:p>
-        </p:txBody>
-      </p:sp>
-      <p:sp>
-        <p:nvSpPr>
-          <p:cNvPr id="7" name="Rectangle 2"/>
-          <p:cNvSpPr>
-            <a:spLocks noChangeArrowheads="1"/>
-          </p:cNvSpPr>
-          <p:nvPr/>
-        </p:nvSpPr>
-        <p:spPr bwMode="auto">
-          <a:xfrm>
-            <a:off x="13487400" y="2087880"/>
-            <a:ext cx="12188825" cy="0"/>
-          </a:xfrm>
-          <a:prstGeom prst="rect">
-            <a:avLst/>
-          </a:prstGeom>
-          <a:solidFill>
-            <a:schemeClr val="bg1"/>
-          </a:solidFill>
-          <a:ln>
-            <a:noFill/>
-          </a:ln>
-          <a:effectLst/>
-        </p:spPr>
-        <p:txBody>
-          <a:bodyPr vert="horz" wrap="none" lIns="91440" tIns="45720" rIns="91440" bIns="45720" numCol="1" anchor="ctr" anchorCtr="0" compatLnSpc="1">
-            <a:prstTxWarp prst="textNoShape">
-              <a:avLst/>
-            </a:prstTxWarp>
-            <a:spAutoFit/>
-          </a:bodyPr>
-          <a:lstStyle/>
-          <a:p>
-            <a:endParaRPr lang="en-US"/>
-          </a:p>
-        </p:txBody>
-      </p:sp>
-      <p:sp>
-        <p:nvSpPr>
-          <p:cNvPr id="11" name="Text Placeholder 2"/>
-          <p:cNvSpPr>
-            <a:spLocks noGrp="1"/>
-          </p:cNvSpPr>
-          <p:nvPr>
-            <p:ph type="body" sz="quarter" idx="12"/>
-          </p:nvPr>
-        </p:nvSpPr>
-        <p:spPr>
-          <a:xfrm>
-            <a:off x="448055" y="917917"/>
-            <a:ext cx="11311128" cy="323165"/>
-          </a:xfrm>
-        </p:spPr>
-        <p:txBody>
-          <a:bodyPr/>
-          <a:lstStyle/>
-          <a:p>
-            <a:r>
-              <a:rPr lang="en-US" dirty="0">
-                <a:solidFill>
-                  <a:schemeClr val="bg1">
-                    <a:lumMod val="50000"/>
-                  </a:schemeClr>
-                </a:solidFill>
-              </a:rPr>
-              <a:t>Agile for Model-Based-Standards Development</a:t>
-            </a:r>
-          </a:p>
-        </p:txBody>
-      </p:sp>
-      <p:sp>
-        <p:nvSpPr>
-          <p:cNvPr id="51" name="TextBox 50"/>
-          <p:cNvSpPr txBox="1"/>
-          <p:nvPr/>
-        </p:nvSpPr>
-        <p:spPr>
-          <a:xfrm>
-            <a:off x="9859106" y="1347373"/>
-            <a:ext cx="589713" cy="338554"/>
-          </a:xfrm>
-          <a:prstGeom prst="rect">
-            <a:avLst/>
-          </a:prstGeom>
-          <a:noFill/>
-        </p:spPr>
-        <p:txBody>
-          <a:bodyPr wrap="none" rtlCol="0">
-            <a:spAutoFit/>
-          </a:bodyPr>
-          <a:lstStyle/>
-          <a:p>
-            <a:r>
-              <a:rPr lang="en-US" sz="1600" dirty="0">
-                <a:solidFill>
-                  <a:schemeClr val="bg1"/>
-                </a:solidFill>
-              </a:rPr>
-              <a:t>ART</a:t>
-            </a:r>
-          </a:p>
-        </p:txBody>
-      </p:sp>
-      <p:sp>
-        <p:nvSpPr>
-          <p:cNvPr id="3" name="Content Placeholder 2"/>
-          <p:cNvSpPr>
-            <a:spLocks noGrp="1"/>
-          </p:cNvSpPr>
-          <p:nvPr>
-            <p:ph sz="quarter" idx="16"/>
-          </p:nvPr>
-        </p:nvSpPr>
-        <p:spPr>
-          <a:xfrm>
-            <a:off x="405383" y="1283208"/>
-            <a:ext cx="11311128" cy="4921347"/>
-          </a:xfrm>
-        </p:spPr>
-        <p:txBody>
-          <a:bodyPr/>
-          <a:lstStyle/>
-          <a:p>
-            <a:pPr lvl="1" indent="0">
-              <a:buNone/>
-            </a:pPr>
-            <a:endParaRPr lang="en-US" sz="1400" b="0" dirty="0"/>
-          </a:p>
-          <a:p>
-            <a:pPr marL="342900" indent="-342900">
-              <a:buFont typeface="Arial" panose="020B0604020202020204" pitchFamily="34" charset="0"/>
-              <a:buChar char="•"/>
-            </a:pPr>
-            <a:r>
-              <a:rPr lang="en-US" b="0" dirty="0"/>
-              <a:t>Consensus management </a:t>
-            </a:r>
-          </a:p>
-          <a:p>
-            <a:pPr marL="631825" lvl="1" indent="-342900"/>
-            <a:r>
-              <a:rPr lang="en-US" sz="1600" b="0" dirty="0"/>
-              <a:t>STEP experts:</a:t>
-            </a:r>
-          </a:p>
-          <a:p>
-            <a:pPr marL="850900" lvl="2" indent="-342900"/>
-            <a:r>
-              <a:rPr lang="en-US" sz="1400" dirty="0"/>
-              <a:t>A</a:t>
-            </a:r>
-            <a:r>
-              <a:rPr lang="en-US" sz="1400" b="0" dirty="0"/>
-              <a:t>re geographical dispersed</a:t>
-            </a:r>
-          </a:p>
-          <a:p>
-            <a:pPr marL="850900" lvl="2" indent="-342900"/>
-            <a:r>
-              <a:rPr lang="en-US" sz="1400" dirty="0"/>
-              <a:t>Can’t always attend all the meetings</a:t>
-            </a:r>
-          </a:p>
-          <a:p>
-            <a:pPr marL="850900" lvl="2" indent="-342900"/>
-            <a:r>
-              <a:rPr lang="en-US" sz="1400" dirty="0"/>
-              <a:t>Cannot always be dedicated</a:t>
-            </a:r>
-          </a:p>
-          <a:p>
-            <a:pPr lvl="2" indent="0">
-              <a:buNone/>
-            </a:pPr>
-            <a:endParaRPr lang="en-US" sz="1600" dirty="0"/>
-          </a:p>
-          <a:p>
-            <a:pPr marL="631825" lvl="1" indent="-342900"/>
-            <a:r>
-              <a:rPr lang="en-US" sz="1600" dirty="0"/>
-              <a:t>Importance of keeping track of and documenting all the activities and decisions during the different meetings</a:t>
-            </a:r>
-          </a:p>
-          <a:p>
-            <a:pPr marL="850900" lvl="2" indent="-342900"/>
-            <a:r>
-              <a:rPr lang="en-US" sz="1400" dirty="0"/>
-              <a:t>Decisions can be achievements, new tasks, bugs, bug resolutions, requirements, assignments, …</a:t>
-            </a:r>
-          </a:p>
-          <a:p>
-            <a:pPr marL="631825" lvl="1" indent="-342900"/>
-            <a:endParaRPr lang="en-US" sz="1600" dirty="0"/>
-          </a:p>
-          <a:p>
-            <a:pPr marL="631825" lvl="1" indent="-342900"/>
-            <a:r>
-              <a:rPr lang="en-US" sz="1600" dirty="0"/>
-              <a:t>Meeting minutes are not necessarily very detailed, formalized, and accessible</a:t>
-            </a:r>
-          </a:p>
-          <a:p>
-            <a:pPr marL="850900" lvl="2" indent="-342900"/>
-            <a:r>
-              <a:rPr lang="en-US" sz="1400" dirty="0"/>
-              <a:t>Who, When, Where, What, Why, How </a:t>
-            </a:r>
-          </a:p>
-          <a:p>
-            <a:pPr marL="631825" lvl="1" indent="-342900"/>
-            <a:endParaRPr lang="en-US" sz="1600" dirty="0"/>
-          </a:p>
-          <a:p>
-            <a:pPr marL="631825" lvl="1" indent="-342900"/>
-            <a:r>
-              <a:rPr lang="en-US" sz="1600" dirty="0"/>
-              <a:t>Develop and implement a formal meeting minutes model and strategy</a:t>
-            </a:r>
-          </a:p>
-          <a:p>
-            <a:pPr marL="850900" lvl="2" indent="-342900"/>
-            <a:r>
-              <a:rPr lang="en-US" sz="1400" b="0" dirty="0"/>
-              <a:t>Easier access to the minutes</a:t>
-            </a:r>
-          </a:p>
-          <a:p>
-            <a:pPr marL="850900" lvl="2" indent="-342900"/>
-            <a:r>
-              <a:rPr lang="en-US" sz="1400" dirty="0"/>
-              <a:t>Minutes traceability to requirements and </a:t>
-            </a:r>
-            <a:r>
-              <a:rPr lang="en-US" sz="1400" dirty="0" smtClean="0"/>
-              <a:t>tasks</a:t>
-            </a:r>
-          </a:p>
-          <a:p>
-            <a:pPr marL="850900" lvl="2" indent="-342900"/>
-            <a:r>
-              <a:rPr lang="en-US" sz="1400" dirty="0" smtClean="0"/>
-              <a:t>Supports report generation, automation, and single source of truth</a:t>
-            </a:r>
-            <a:endParaRPr lang="en-US" sz="1200" dirty="0"/>
-          </a:p>
-          <a:p>
-            <a:pPr marL="850900" lvl="2" indent="-342900"/>
-            <a:endParaRPr lang="en-US" sz="1400" dirty="0"/>
-          </a:p>
-        </p:txBody>
-      </p:sp>
-    </p:spTree>
-    <p:extLst>
-      <p:ext uri="{BB962C8B-B14F-4D97-AF65-F5344CB8AC3E}">
-        <p14:creationId xmlns:p14="http://schemas.microsoft.com/office/powerpoint/2010/main" val="1343705657"/>
-      </p:ext>
-    </p:extLst>
-  </p:cSld>
-  <p:clrMapOvr>
-    <a:masterClrMapping/>
-  </p:clrMapOvr>
-  <mc:AlternateContent xmlns:mc="http://schemas.openxmlformats.org/markup-compatibility/2006" xmlns:p14="http://schemas.microsoft.com/office/powerpoint/2010/main">
-    <mc:Choice Requires="p14">
-      <p:transition spd="med" p14:dur="700">
-        <p:fade/>
-      </p:transition>
-    </mc:Choice>
-    <mc:Fallback xmlns="">
-      <p:transition spd="med">
-        <p:fade/>
-      </p:transition>
-    </mc:Fallback>
-  </mc:AlternateContent>
-</p:sld>
-</file>
-
-<file path=ppt/slides/slide13.xml><?xml version="1.0" encoding="utf-8"?>
-<p:sld xmlns:a="http://schemas.openxmlformats.org/drawingml/2006/main" xmlns:r="http://schemas.openxmlformats.org/officeDocument/2006/relationships" xmlns:p="http://schemas.openxmlformats.org/presentationml/2006/main">
-  <p:cSld>
-    <p:spTree>
-      <p:nvGrpSpPr>
-        <p:cNvPr id="1" name=""/>
-        <p:cNvGrpSpPr/>
-        <p:nvPr/>
-      </p:nvGrpSpPr>
-      <p:grpSpPr>
-        <a:xfrm>
-          <a:off x="0" y="0"/>
-          <a:ext cx="0" cy="0"/>
-          <a:chOff x="0" y="0"/>
-          <a:chExt cx="0" cy="0"/>
-        </a:xfrm>
-      </p:grpSpPr>
-      <p:sp>
-        <p:nvSpPr>
-          <p:cNvPr id="2" name="Title 1"/>
-          <p:cNvSpPr>
-            <a:spLocks noGrp="1"/>
-          </p:cNvSpPr>
-          <p:nvPr>
-            <p:ph type="title"/>
-          </p:nvPr>
-        </p:nvSpPr>
-        <p:spPr>
-          <a:xfrm>
-            <a:off x="448055" y="457200"/>
-            <a:ext cx="11311128" cy="489365"/>
-          </a:xfrm>
-        </p:spPr>
-        <p:txBody>
-          <a:bodyPr/>
-          <a:lstStyle/>
-          <a:p>
-            <a:r>
-              <a:rPr lang="en-GB" sz="3200" dirty="0"/>
-              <a:t>Continued Research 3: Continuous Integration</a:t>
-            </a:r>
-          </a:p>
-        </p:txBody>
-      </p:sp>
-      <p:sp>
-        <p:nvSpPr>
-          <p:cNvPr id="7" name="Rectangle 2"/>
-          <p:cNvSpPr>
-            <a:spLocks noChangeArrowheads="1"/>
-          </p:cNvSpPr>
-          <p:nvPr/>
-        </p:nvSpPr>
-        <p:spPr bwMode="auto">
-          <a:xfrm>
-            <a:off x="13487400" y="2087880"/>
-            <a:ext cx="12188825" cy="0"/>
-          </a:xfrm>
-          <a:prstGeom prst="rect">
-            <a:avLst/>
-          </a:prstGeom>
-          <a:solidFill>
-            <a:schemeClr val="bg1"/>
-          </a:solidFill>
-          <a:ln>
-            <a:noFill/>
-          </a:ln>
-          <a:effectLst/>
-        </p:spPr>
-        <p:txBody>
-          <a:bodyPr vert="horz" wrap="none" lIns="91440" tIns="45720" rIns="91440" bIns="45720" numCol="1" anchor="ctr" anchorCtr="0" compatLnSpc="1">
-            <a:prstTxWarp prst="textNoShape">
-              <a:avLst/>
-            </a:prstTxWarp>
-            <a:spAutoFit/>
-          </a:bodyPr>
-          <a:lstStyle/>
-          <a:p>
-            <a:endParaRPr lang="en-US"/>
-          </a:p>
-        </p:txBody>
-      </p:sp>
-      <p:sp>
-        <p:nvSpPr>
-          <p:cNvPr id="11" name="Text Placeholder 2"/>
-          <p:cNvSpPr>
-            <a:spLocks noGrp="1"/>
-          </p:cNvSpPr>
-          <p:nvPr>
-            <p:ph type="body" sz="quarter" idx="12"/>
-          </p:nvPr>
-        </p:nvSpPr>
-        <p:spPr>
-          <a:xfrm>
-            <a:off x="448055" y="917917"/>
-            <a:ext cx="11311128" cy="323165"/>
-          </a:xfrm>
-        </p:spPr>
-        <p:txBody>
-          <a:bodyPr/>
-          <a:lstStyle/>
-          <a:p>
-            <a:r>
-              <a:rPr lang="en-US" dirty="0">
-                <a:solidFill>
-                  <a:schemeClr val="bg1">
-                    <a:lumMod val="50000"/>
-                  </a:schemeClr>
-                </a:solidFill>
-              </a:rPr>
-              <a:t>Agile for Model-Based-Standards Development</a:t>
-            </a:r>
-          </a:p>
-        </p:txBody>
-      </p:sp>
-      <p:sp>
-        <p:nvSpPr>
-          <p:cNvPr id="51" name="TextBox 50"/>
-          <p:cNvSpPr txBox="1"/>
-          <p:nvPr/>
-        </p:nvSpPr>
-        <p:spPr>
-          <a:xfrm>
-            <a:off x="9859106" y="1347373"/>
-            <a:ext cx="589713" cy="338554"/>
-          </a:xfrm>
-          <a:prstGeom prst="rect">
-            <a:avLst/>
-          </a:prstGeom>
-          <a:noFill/>
-        </p:spPr>
-        <p:txBody>
-          <a:bodyPr wrap="none" rtlCol="0">
-            <a:spAutoFit/>
-          </a:bodyPr>
-          <a:lstStyle/>
-          <a:p>
-            <a:r>
-              <a:rPr lang="en-US" sz="1600" dirty="0">
-                <a:solidFill>
-                  <a:schemeClr val="bg1"/>
-                </a:solidFill>
-              </a:rPr>
-              <a:t>ART</a:t>
-            </a:r>
-          </a:p>
-        </p:txBody>
-      </p:sp>
-      <p:sp>
-        <p:nvSpPr>
-          <p:cNvPr id="3" name="Content Placeholder 2"/>
-          <p:cNvSpPr>
-            <a:spLocks noGrp="1"/>
-          </p:cNvSpPr>
-          <p:nvPr>
-            <p:ph sz="quarter" idx="16"/>
-          </p:nvPr>
-        </p:nvSpPr>
-        <p:spPr>
-          <a:xfrm>
-            <a:off x="405383" y="1283208"/>
             <a:ext cx="11311128" cy="4967514"/>
           </a:xfrm>
         </p:spPr>
@@ -13018,8 +9044,8 @@
 </p:sld>
 </file>
 
-<file path=ppt/slides/slide14.xml><?xml version="1.0" encoding="utf-8"?>
-<p:sld xmlns:a="http://schemas.openxmlformats.org/drawingml/2006/main" xmlns:r="http://schemas.openxmlformats.org/officeDocument/2006/relationships" xmlns:p="http://schemas.openxmlformats.org/presentationml/2006/main">
+<file path=ppt/slides/slide12.xml><?xml version="1.0" encoding="utf-8"?>
+<p:sld xmlns:a="http://schemas.openxmlformats.org/drawingml/2006/main" xmlns:r="http://schemas.openxmlformats.org/officeDocument/2006/relationships" xmlns:p="http://schemas.openxmlformats.org/presentationml/2006/main" show="0">
   <p:cSld>
     <p:spTree>
       <p:nvGrpSpPr>
@@ -14256,13 +10282,13 @@
   <p:clrMapOvr>
     <a:masterClrMapping/>
   </p:clrMapOvr>
-  <mc:AlternateContent xmlns:mc="http://schemas.openxmlformats.org/markup-compatibility/2006" xmlns:p14="http://schemas.microsoft.com/office/powerpoint/2010/main">
-    <mc:Choice Requires="p14">
+  <mc:AlternateContent xmlns:mc="http://schemas.openxmlformats.org/markup-compatibility/2006">
+    <mc:Choice xmlns:p14="http://schemas.microsoft.com/office/powerpoint/2010/main" Requires="p14">
       <p:transition spd="med" p14:dur="700">
         <p:fade/>
       </p:transition>
     </mc:Choice>
-    <mc:Fallback xmlns="">
+    <mc:Fallback>
       <p:transition spd="med">
         <p:fade/>
       </p:transition>
@@ -14271,7 +10297,7 @@
 </p:sld>
 </file>
 
-<file path=ppt/slides/slide15.xml><?xml version="1.0" encoding="utf-8"?>
+<file path=ppt/slides/slide13.xml><?xml version="1.0" encoding="utf-8"?>
 <p:sld xmlns:a="http://schemas.openxmlformats.org/drawingml/2006/main" xmlns:r="http://schemas.openxmlformats.org/officeDocument/2006/relationships" xmlns:p="http://schemas.openxmlformats.org/presentationml/2006/main">
   <p:cSld>
     <p:spTree>
@@ -14301,7 +10327,7 @@
         <p:spPr>
           <a:xfrm>
             <a:off x="448055" y="457200"/>
-            <a:ext cx="11311128" cy="489365"/>
+            <a:ext cx="11311128" cy="378565"/>
           </a:xfrm>
         </p:spPr>
         <p:txBody>
@@ -14309,42 +10335,10 @@
           <a:lstStyle/>
           <a:p>
             <a:r>
-              <a:rPr lang="en-GB" sz="3200" dirty="0"/>
-              <a:t>Next Steps</a:t>
-            </a:r>
-          </a:p>
-        </p:txBody>
-      </p:sp>
-      <p:sp>
-        <p:nvSpPr>
-          <p:cNvPr id="3" name="Text Placeholder 2"/>
-          <p:cNvSpPr>
-            <a:spLocks noGrp="1"/>
-          </p:cNvSpPr>
-          <p:nvPr>
-            <p:ph type="body" sz="quarter" idx="12"/>
-          </p:nvPr>
-        </p:nvSpPr>
-        <p:spPr>
-          <a:xfrm>
-            <a:off x="448055" y="917917"/>
-            <a:ext cx="11311128" cy="323165"/>
-          </a:xfrm>
-        </p:spPr>
-        <p:txBody>
-          <a:bodyPr/>
-          <a:lstStyle/>
-          <a:p>
-            <a:r>
-              <a:rPr lang="en-US" dirty="0">
-                <a:solidFill>
-                  <a:schemeClr val="bg1">
-                    <a:lumMod val="50000"/>
-                  </a:schemeClr>
-                </a:solidFill>
-              </a:rPr>
-              <a:t>Agile for Model-Based-Standards Development</a:t>
-            </a:r>
+              <a:rPr lang="en-US" dirty="0"/>
+              <a:t>Presentation Overview</a:t>
+            </a:r>
+            <a:endParaRPr lang="en-GB" dirty="0"/>
           </a:p>
         </p:txBody>
       </p:sp>
@@ -14360,8 +10354,8 @@
         </p:nvSpPr>
         <p:spPr>
           <a:xfrm>
-            <a:off x="405383" y="1400438"/>
-            <a:ext cx="11311128" cy="5244513"/>
+            <a:off x="405383" y="1283208"/>
+            <a:ext cx="11311128" cy="1384995"/>
           </a:xfrm>
         </p:spPr>
         <p:txBody>
@@ -14369,284 +10363,37 @@
           <a:lstStyle/>
           <a:p>
             <a:pPr>
-              <a:buClr>
-                <a:schemeClr val="bg1"/>
-              </a:buClr>
-            </a:pPr>
-            <a:r>
-              <a:rPr lang="en-GB" sz="2400" u="sng" dirty="0"/>
-              <a:t>Implement:</a:t>
-            </a:r>
-          </a:p>
-          <a:p>
-            <a:pPr>
-              <a:buClr>
-                <a:schemeClr val="bg1"/>
-              </a:buClr>
               <a:buNone/>
             </a:pPr>
             <a:r>
-              <a:rPr lang="en-GB" sz="1800" b="0" dirty="0"/>
-              <a:t>Backlog Management</a:t>
-            </a:r>
-          </a:p>
-          <a:p>
-            <a:pPr marL="631825" lvl="1" indent="-342900">
-              <a:buFont typeface="Wingdings" panose="05000000000000000000" pitchFamily="2" charset="2"/>
-              <a:buChar char="§"/>
-            </a:pPr>
-            <a:r>
-              <a:rPr lang="en-GB" sz="1800" dirty="0"/>
-              <a:t>JIRA or GIT KANBANs</a:t>
-            </a:r>
-          </a:p>
-          <a:p>
-            <a:pPr>
-              <a:buClr>
-                <a:schemeClr val="bg1"/>
-              </a:buClr>
-              <a:buNone/>
-            </a:pPr>
-            <a:r>
-              <a:rPr lang="en-GB" sz="1800" b="0" dirty="0"/>
-              <a:t>Agile Release Train</a:t>
-            </a:r>
-          </a:p>
-          <a:p>
-            <a:pPr marL="631825" lvl="1" indent="-342900">
-              <a:buFont typeface="Wingdings" panose="05000000000000000000" pitchFamily="2" charset="2"/>
-              <a:buChar char="§"/>
-            </a:pPr>
-            <a:r>
-              <a:rPr lang="en-GB" sz="1800" dirty="0"/>
-              <a:t>JIRA Workflow Management</a:t>
-            </a:r>
-            <a:endParaRPr lang="en-GB" sz="1800" b="0" dirty="0"/>
-          </a:p>
-          <a:p>
-            <a:pPr>
-              <a:buClr>
-                <a:schemeClr val="bg1"/>
-              </a:buClr>
-              <a:buNone/>
-            </a:pPr>
-            <a:r>
-              <a:rPr lang="en-GB" sz="1800" b="0" dirty="0"/>
-              <a:t>Program Increment Planning</a:t>
-            </a:r>
-          </a:p>
-          <a:p>
-            <a:pPr marL="631825" lvl="1" indent="-342900">
-              <a:buFont typeface="Wingdings" panose="05000000000000000000" pitchFamily="2" charset="2"/>
-              <a:buChar char="§"/>
-            </a:pPr>
-            <a:r>
-              <a:rPr lang="en-GB" sz="1800" b="0" dirty="0"/>
-              <a:t>JIRA Workflow Management</a:t>
-            </a:r>
-          </a:p>
-          <a:p>
-            <a:pPr marL="631825" lvl="1" indent="-342900">
-              <a:buFont typeface="Wingdings" panose="05000000000000000000" pitchFamily="2" charset="2"/>
-              <a:buChar char="§"/>
-            </a:pPr>
-            <a:r>
-              <a:rPr lang="en-US" sz="1800" dirty="0"/>
-              <a:t>Planning Poker, T-Shirt Sizes, Dot Voting </a:t>
-            </a:r>
-            <a:endParaRPr lang="en-GB" sz="1800" b="0" dirty="0"/>
-          </a:p>
-          <a:p>
-            <a:pPr marL="342900" indent="-342900">
-              <a:buClr>
-                <a:schemeClr val="bg1"/>
-              </a:buClr>
-              <a:buFont typeface="Wingdings" panose="05000000000000000000" pitchFamily="2" charset="2"/>
-              <a:buChar char="§"/>
-            </a:pPr>
-            <a:endParaRPr lang="en-GB" sz="1800" dirty="0"/>
-          </a:p>
-          <a:p>
-            <a:pPr>
-              <a:buClr>
-                <a:schemeClr val="bg1"/>
-              </a:buClr>
-            </a:pPr>
-            <a:r>
-              <a:rPr lang="en-GB" sz="2400" u="sng" dirty="0"/>
-              <a:t>Continued Research:</a:t>
-            </a:r>
-          </a:p>
-          <a:p>
-            <a:pPr marL="342900" indent="-342900">
-              <a:buClr>
-                <a:schemeClr val="bg1"/>
-              </a:buClr>
-              <a:buFont typeface="Wingdings" panose="05000000000000000000" pitchFamily="2" charset="2"/>
-              <a:buChar char="§"/>
-            </a:pPr>
-            <a:r>
-              <a:rPr lang="en-GB" sz="1800" b="0" dirty="0"/>
-              <a:t>Advanced Communication Tools </a:t>
-            </a:r>
-            <a:r>
-              <a:rPr lang="en-GB" sz="1400" b="0" dirty="0"/>
-              <a:t>(for consensus management; requirements traceability)</a:t>
-            </a:r>
-          </a:p>
-          <a:p>
-            <a:pPr marL="342900" indent="-342900">
-              <a:buClr>
-                <a:schemeClr val="bg1"/>
-              </a:buClr>
-              <a:buFont typeface="Wingdings" panose="05000000000000000000" pitchFamily="2" charset="2"/>
-              <a:buChar char="§"/>
-            </a:pPr>
-            <a:r>
-              <a:rPr lang="en-GB" sz="1800" b="0" dirty="0"/>
-              <a:t>Continuous Integration Tools &amp; Automation </a:t>
-            </a:r>
-            <a:r>
-              <a:rPr lang="en-GB" sz="1400" b="0" dirty="0"/>
-              <a:t>(</a:t>
-            </a:r>
-            <a:r>
-              <a:rPr lang="en-US" sz="1400" b="0" dirty="0" err="1"/>
-              <a:t>Bitbucket</a:t>
-            </a:r>
-            <a:r>
-              <a:rPr lang="en-US" sz="1400" b="0" dirty="0"/>
-              <a:t>/Bamboo, Jenkins, AWS </a:t>
-            </a:r>
-            <a:r>
-              <a:rPr lang="en-US" sz="1400" b="0" dirty="0" err="1"/>
-              <a:t>CodePipeline</a:t>
-            </a:r>
-            <a:r>
-              <a:rPr lang="en-US" sz="1400" b="0" dirty="0"/>
-              <a:t>, and </a:t>
-            </a:r>
-            <a:r>
-              <a:rPr lang="en-US" sz="1400" b="0" dirty="0" err="1"/>
-              <a:t>Gitlab</a:t>
-            </a:r>
-            <a:r>
-              <a:rPr lang="en-US" sz="1400" b="0" dirty="0"/>
-              <a:t>)</a:t>
-            </a:r>
-            <a:endParaRPr lang="en-US" sz="1800" b="0" dirty="0"/>
-          </a:p>
-          <a:p>
-            <a:pPr marL="631825" lvl="1" indent="-342900">
-              <a:buFont typeface="Wingdings" panose="05000000000000000000" pitchFamily="2" charset="2"/>
-              <a:buChar char="§"/>
-            </a:pPr>
-            <a:r>
-              <a:rPr lang="en-US" sz="1800" dirty="0"/>
-              <a:t>EXPRESS Engine, JSDAI Compiles, Python scripts or ANT </a:t>
-            </a:r>
-            <a:r>
-              <a:rPr lang="en-US" sz="1800" dirty="0" smtClean="0"/>
-              <a:t>Builds</a:t>
-            </a:r>
-          </a:p>
-          <a:p>
-            <a:pPr marL="342900" indent="-342900">
-              <a:buClr>
-                <a:schemeClr val="bg1"/>
-              </a:buClr>
-              <a:buFont typeface="Wingdings" panose="05000000000000000000" pitchFamily="2" charset="2"/>
-              <a:buChar char="§"/>
-            </a:pPr>
-            <a:r>
-              <a:rPr lang="en-US" sz="1800" b="0" dirty="0" smtClean="0"/>
-              <a:t>Draft presentation distributed end of September</a:t>
-            </a:r>
-            <a:endParaRPr lang="en-GB" sz="1800" b="0" dirty="0"/>
-          </a:p>
-          <a:p>
-            <a:pPr marL="342900" indent="-342900">
-              <a:buClr>
-                <a:schemeClr val="bg1"/>
-              </a:buClr>
-              <a:buFont typeface="Wingdings" panose="05000000000000000000" pitchFamily="2" charset="2"/>
-              <a:buChar char="§"/>
-            </a:pPr>
-            <a:endParaRPr lang="en-GB" b="0" dirty="0"/>
+              <a:rPr lang="en-US" dirty="0"/>
+              <a:t>Living Lab:</a:t>
+            </a:r>
+          </a:p>
+          <a:p>
+            <a:pPr marL="342900" indent="-342900"/>
+            <a:r>
+              <a:rPr lang="en-US" dirty="0"/>
+              <a:t>Bugzilla to JIRA</a:t>
+            </a:r>
+          </a:p>
+          <a:p>
+            <a:pPr marL="342900" indent="-342900"/>
+            <a:r>
+              <a:rPr lang="en-US" dirty="0"/>
+              <a:t>STEPMOD to STEPDEV [CVS to GIT] Proof of Concept</a:t>
+            </a:r>
+            <a:endParaRPr lang="en-GB" dirty="0"/>
+          </a:p>
+          <a:p>
+            <a:endParaRPr lang="en-GB" dirty="0"/>
           </a:p>
         </p:txBody>
       </p:sp>
-      <p:graphicFrame>
-        <p:nvGraphicFramePr>
-          <p:cNvPr id="6" name="Object 5"/>
-          <p:cNvGraphicFramePr>
-            <a:graphicFrameLocks noChangeAspect="1"/>
-          </p:cNvGraphicFramePr>
-          <p:nvPr>
-            <p:extLst>
-              <p:ext uri="{D42A27DB-BD31-4B8C-83A1-F6EECF244321}">
-                <p14:modId xmlns:p14="http://schemas.microsoft.com/office/powerpoint/2010/main" val="3534968585"/>
-              </p:ext>
-            </p:extLst>
-          </p:nvPr>
-        </p:nvGraphicFramePr>
-        <p:xfrm>
-          <a:off x="7256585" y="1606060"/>
-          <a:ext cx="3552092" cy="2466731"/>
-        </p:xfrm>
-        <a:graphic>
-          <a:graphicData uri="http://schemas.openxmlformats.org/presentationml/2006/ole">
-            <mc:AlternateContent xmlns:mc="http://schemas.openxmlformats.org/markup-compatibility/2006">
-              <mc:Choice xmlns:v="urn:schemas-microsoft-com:vml" Requires="v">
-                <p:oleObj spid="_x0000_s2083" name="Visio" r:id="rId3" imgW="5467350" imgH="3819396" progId="Visio.Drawing.15">
-                  <p:embed/>
-                </p:oleObj>
-              </mc:Choice>
-              <mc:Fallback>
-                <p:oleObj name="Visio" r:id="rId3" imgW="5467350" imgH="3819396" progId="Visio.Drawing.15">
-                  <p:embed/>
-                  <p:pic>
-                    <p:nvPicPr>
-                      <p:cNvPr id="0" name="Object 1"/>
-                      <p:cNvPicPr>
-                        <a:picLocks noChangeAspect="1" noChangeArrowheads="1"/>
-                      </p:cNvPicPr>
-                      <p:nvPr/>
-                    </p:nvPicPr>
-                    <p:blipFill>
-                      <a:blip r:embed="rId4">
-                        <a:extLst>
-                          <a:ext uri="{28A0092B-C50C-407E-A947-70E740481C1C}">
-                            <a14:useLocalDpi xmlns:a14="http://schemas.microsoft.com/office/drawing/2010/main" val="0"/>
-                          </a:ext>
-                        </a:extLst>
-                      </a:blip>
-                      <a:srcRect/>
-                      <a:stretch>
-                        <a:fillRect/>
-                      </a:stretch>
-                    </p:blipFill>
-                    <p:spPr bwMode="auto">
-                      <a:xfrm>
-                        <a:off x="7256585" y="1606060"/>
-                        <a:ext cx="3552092" cy="2466731"/>
-                      </a:xfrm>
-                      <a:prstGeom prst="rect">
-                        <a:avLst/>
-                      </a:prstGeom>
-                      <a:noFill/>
-                    </p:spPr>
-                  </p:pic>
-                </p:oleObj>
-              </mc:Fallback>
-            </mc:AlternateContent>
-          </a:graphicData>
-        </a:graphic>
-      </p:graphicFrame>
     </p:spTree>
     <p:extLst>
       <p:ext uri="{BB962C8B-B14F-4D97-AF65-F5344CB8AC3E}">
-        <p14:creationId xmlns:p14="http://schemas.microsoft.com/office/powerpoint/2010/main" val="3607805654"/>
+        <p14:creationId xmlns:p14="http://schemas.microsoft.com/office/powerpoint/2010/main" val="3998505950"/>
       </p:ext>
     </p:extLst>
   </p:cSld>
@@ -14726,7 +10473,7 @@
         <p:spPr>
           <a:xfrm>
             <a:off x="405383" y="1283208"/>
-            <a:ext cx="11311128" cy="3231654"/>
+            <a:ext cx="11311128" cy="1754326"/>
           </a:xfrm>
         </p:spPr>
         <p:txBody>
@@ -14764,38 +10511,7 @@
           </a:p>
           <a:p>
             <a:pPr marL="342900" indent="-342900"/>
-            <a:r>
-              <a:rPr lang="en-US" dirty="0"/>
-              <a:t>Continuous Integration</a:t>
-            </a:r>
-          </a:p>
-          <a:p>
-            <a:pPr marL="342900" indent="-342900"/>
             <a:endParaRPr lang="en-US" dirty="0"/>
-          </a:p>
-          <a:p>
-            <a:pPr>
-              <a:buNone/>
-            </a:pPr>
-            <a:r>
-              <a:rPr lang="en-US" dirty="0"/>
-              <a:t>Living Lab:</a:t>
-            </a:r>
-          </a:p>
-          <a:p>
-            <a:pPr marL="342900" indent="-342900"/>
-            <a:r>
-              <a:rPr lang="en-US" dirty="0"/>
-              <a:t>Bugzilla to JIRA</a:t>
-            </a:r>
-          </a:p>
-          <a:p>
-            <a:pPr marL="342900" indent="-342900"/>
-            <a:r>
-              <a:rPr lang="en-US" dirty="0"/>
-              <a:t>STEPMOD to STEPDEV [CVS to GIT] Proof of Concept</a:t>
-            </a:r>
-            <a:endParaRPr lang="en-GB" dirty="0"/>
           </a:p>
         </p:txBody>
       </p:sp>
@@ -16012,55 +11728,6 @@
       </p:grpSpPr>
       <p:sp>
         <p:nvSpPr>
-          <p:cNvPr id="75" name="Rectangle 74"/>
-          <p:cNvSpPr/>
-          <p:nvPr/>
-        </p:nvSpPr>
-        <p:spPr>
-          <a:xfrm>
-            <a:off x="2783840" y="6263640"/>
-            <a:ext cx="6797040" cy="594360"/>
-          </a:xfrm>
-          <a:prstGeom prst="rect">
-            <a:avLst/>
-          </a:prstGeom>
-          <a:solidFill>
-            <a:schemeClr val="tx1">
-              <a:lumMod val="75000"/>
-              <a:lumOff val="25000"/>
-            </a:schemeClr>
-          </a:solidFill>
-          <a:ln>
-            <a:noFill/>
-          </a:ln>
-        </p:spPr>
-        <p:style>
-          <a:lnRef idx="2">
-            <a:schemeClr val="accent1">
-              <a:shade val="50000"/>
-            </a:schemeClr>
-          </a:lnRef>
-          <a:fillRef idx="1">
-            <a:schemeClr val="accent1"/>
-          </a:fillRef>
-          <a:effectRef idx="0">
-            <a:schemeClr val="accent1"/>
-          </a:effectRef>
-          <a:fontRef idx="minor">
-            <a:schemeClr val="lt1"/>
-          </a:fontRef>
-        </p:style>
-        <p:txBody>
-          <a:bodyPr rtlCol="0" anchor="ctr"/>
-          <a:lstStyle/>
-          <a:p>
-            <a:pPr algn="ctr"/>
-            <a:endParaRPr lang="en-US"/>
-          </a:p>
-        </p:txBody>
-      </p:sp>
-      <p:sp>
-        <p:nvSpPr>
           <p:cNvPr id="2" name="Title 1"/>
           <p:cNvSpPr>
             <a:spLocks noGrp="1"/>
@@ -16081,7 +11748,7 @@
           <a:p>
             <a:r>
               <a:rPr lang="en-GB" sz="3200" dirty="0"/>
-              <a:t>Proposed Solution 2: Agile Release Train</a:t>
+              <a:t>Continued Research 1: Advanced Communication Tools</a:t>
             </a:r>
           </a:p>
         </p:txBody>
@@ -16158,741 +11825,14 @@
       </p:sp>
       <p:sp>
         <p:nvSpPr>
-          <p:cNvPr id="10" name="Rounded Rectangle 9"/>
-          <p:cNvSpPr/>
-          <p:nvPr/>
-        </p:nvSpPr>
-        <p:spPr>
-          <a:xfrm>
-            <a:off x="3916869" y="1927736"/>
-            <a:ext cx="4289871" cy="436567"/>
-          </a:xfrm>
-          <a:prstGeom prst="roundRect">
-            <a:avLst/>
-          </a:prstGeom>
-        </p:spPr>
-        <p:style>
-          <a:lnRef idx="2">
-            <a:schemeClr val="accent1">
-              <a:shade val="50000"/>
-            </a:schemeClr>
-          </a:lnRef>
-          <a:fillRef idx="1">
-            <a:schemeClr val="accent1"/>
-          </a:fillRef>
-          <a:effectRef idx="0">
-            <a:schemeClr val="accent1"/>
-          </a:effectRef>
-          <a:fontRef idx="minor">
-            <a:schemeClr val="lt1"/>
-          </a:fontRef>
-        </p:style>
-        <p:txBody>
-          <a:bodyPr rtlCol="0" anchor="ctr"/>
-          <a:lstStyle/>
-          <a:p>
-            <a:pPr algn="ctr"/>
-            <a:r>
-              <a:rPr lang="en-US" sz="1100" dirty="0"/>
-              <a:t>AP242e3</a:t>
-            </a:r>
-          </a:p>
-          <a:p>
-            <a:pPr algn="ctr"/>
-            <a:r>
-              <a:rPr lang="en-US" sz="1100" dirty="0">
-                <a:solidFill>
-                  <a:schemeClr val="accent3"/>
-                </a:solidFill>
-              </a:rPr>
-              <a:t>(ART/EPIC)</a:t>
-            </a:r>
-          </a:p>
-        </p:txBody>
-      </p:sp>
-      <p:sp>
-        <p:nvSpPr>
-          <p:cNvPr id="13" name="Flowchart: Delay 12"/>
-          <p:cNvSpPr/>
-          <p:nvPr/>
-        </p:nvSpPr>
-        <p:spPr>
-          <a:xfrm rot="16200000">
-            <a:off x="4588044" y="2424239"/>
-            <a:ext cx="804499" cy="842226"/>
-          </a:xfrm>
-          <a:prstGeom prst="flowChartDelay">
-            <a:avLst/>
-          </a:prstGeom>
-          <a:solidFill>
-            <a:schemeClr val="tx2">
-              <a:lumMod val="20000"/>
-              <a:lumOff val="80000"/>
-            </a:schemeClr>
-          </a:solidFill>
-          <a:ln>
-            <a:noFill/>
-          </a:ln>
-        </p:spPr>
-        <p:style>
-          <a:lnRef idx="2">
-            <a:schemeClr val="accent1">
-              <a:shade val="50000"/>
-            </a:schemeClr>
-          </a:lnRef>
-          <a:fillRef idx="1">
-            <a:schemeClr val="accent1"/>
-          </a:fillRef>
-          <a:effectRef idx="0">
-            <a:schemeClr val="accent1"/>
-          </a:effectRef>
-          <a:fontRef idx="minor">
-            <a:schemeClr val="lt1"/>
-          </a:fontRef>
-        </p:style>
-        <p:txBody>
-          <a:bodyPr rtlCol="0" anchor="ctr"/>
-          <a:lstStyle/>
-          <a:p>
-            <a:pPr algn="ctr"/>
-            <a:endParaRPr lang="en-US" sz="1100"/>
-          </a:p>
-        </p:txBody>
-      </p:sp>
-      <p:sp>
-        <p:nvSpPr>
-          <p:cNvPr id="14" name="Rectangle 13"/>
-          <p:cNvSpPr/>
-          <p:nvPr/>
-        </p:nvSpPr>
-        <p:spPr>
-          <a:xfrm>
-            <a:off x="4565887" y="3242166"/>
-            <a:ext cx="842226" cy="3177735"/>
-          </a:xfrm>
-          <a:prstGeom prst="rect">
-            <a:avLst/>
-          </a:prstGeom>
-          <a:solidFill>
-            <a:schemeClr val="tx2">
-              <a:lumMod val="20000"/>
-              <a:lumOff val="80000"/>
-            </a:schemeClr>
-          </a:solidFill>
-          <a:ln>
-            <a:noFill/>
-          </a:ln>
-        </p:spPr>
-        <p:style>
-          <a:lnRef idx="2">
-            <a:schemeClr val="accent1">
-              <a:shade val="50000"/>
-            </a:schemeClr>
-          </a:lnRef>
-          <a:fillRef idx="1">
-            <a:schemeClr val="accent1"/>
-          </a:fillRef>
-          <a:effectRef idx="0">
-            <a:schemeClr val="accent1"/>
-          </a:effectRef>
-          <a:fontRef idx="minor">
-            <a:schemeClr val="lt1"/>
-          </a:fontRef>
-        </p:style>
-        <p:txBody>
-          <a:bodyPr rtlCol="0" anchor="ctr"/>
-          <a:lstStyle/>
-          <a:p>
-            <a:pPr algn="ctr"/>
-            <a:endParaRPr lang="en-US" sz="1100"/>
-          </a:p>
-        </p:txBody>
-      </p:sp>
-      <p:sp>
-        <p:nvSpPr>
-          <p:cNvPr id="17" name="Flowchart: Delay 16"/>
-          <p:cNvSpPr/>
-          <p:nvPr/>
-        </p:nvSpPr>
-        <p:spPr>
-          <a:xfrm rot="16200000">
-            <a:off x="5524718" y="2424239"/>
-            <a:ext cx="804499" cy="842226"/>
-          </a:xfrm>
-          <a:prstGeom prst="flowChartDelay">
-            <a:avLst/>
-          </a:prstGeom>
-          <a:solidFill>
-            <a:schemeClr val="accent4">
-              <a:lumMod val="40000"/>
-              <a:lumOff val="60000"/>
-            </a:schemeClr>
-          </a:solidFill>
-          <a:ln>
-            <a:noFill/>
-          </a:ln>
-        </p:spPr>
-        <p:style>
-          <a:lnRef idx="2">
-            <a:schemeClr val="accent1">
-              <a:shade val="50000"/>
-            </a:schemeClr>
-          </a:lnRef>
-          <a:fillRef idx="1">
-            <a:schemeClr val="accent1"/>
-          </a:fillRef>
-          <a:effectRef idx="0">
-            <a:schemeClr val="accent1"/>
-          </a:effectRef>
-          <a:fontRef idx="minor">
-            <a:schemeClr val="lt1"/>
-          </a:fontRef>
-        </p:style>
-        <p:txBody>
-          <a:bodyPr rtlCol="0" anchor="ctr"/>
-          <a:lstStyle/>
-          <a:p>
-            <a:pPr algn="ctr"/>
-            <a:endParaRPr lang="en-US" sz="1100"/>
-          </a:p>
-        </p:txBody>
-      </p:sp>
-      <p:sp>
-        <p:nvSpPr>
-          <p:cNvPr id="18" name="Rectangle 17"/>
-          <p:cNvSpPr/>
-          <p:nvPr/>
-        </p:nvSpPr>
-        <p:spPr>
-          <a:xfrm>
-            <a:off x="5502558" y="3242166"/>
-            <a:ext cx="842226" cy="3177735"/>
-          </a:xfrm>
-          <a:prstGeom prst="rect">
-            <a:avLst/>
-          </a:prstGeom>
-          <a:solidFill>
-            <a:schemeClr val="accent4">
-              <a:lumMod val="40000"/>
-              <a:lumOff val="60000"/>
-            </a:schemeClr>
-          </a:solidFill>
-          <a:ln>
-            <a:noFill/>
-          </a:ln>
-        </p:spPr>
-        <p:style>
-          <a:lnRef idx="2">
-            <a:schemeClr val="accent1">
-              <a:shade val="50000"/>
-            </a:schemeClr>
-          </a:lnRef>
-          <a:fillRef idx="1">
-            <a:schemeClr val="accent1"/>
-          </a:fillRef>
-          <a:effectRef idx="0">
-            <a:schemeClr val="accent1"/>
-          </a:effectRef>
-          <a:fontRef idx="minor">
-            <a:schemeClr val="lt1"/>
-          </a:fontRef>
-        </p:style>
-        <p:txBody>
-          <a:bodyPr rtlCol="0" anchor="ctr"/>
-          <a:lstStyle/>
-          <a:p>
-            <a:pPr algn="ctr"/>
-            <a:endParaRPr lang="en-US" sz="1100"/>
-          </a:p>
-        </p:txBody>
-      </p:sp>
-      <p:sp>
-        <p:nvSpPr>
-          <p:cNvPr id="20" name="Flowchart: Delay 19"/>
-          <p:cNvSpPr/>
-          <p:nvPr/>
-        </p:nvSpPr>
-        <p:spPr>
-          <a:xfrm rot="16200000">
-            <a:off x="6457289" y="2424239"/>
-            <a:ext cx="804499" cy="842226"/>
-          </a:xfrm>
-          <a:prstGeom prst="flowChartDelay">
-            <a:avLst/>
-          </a:prstGeom>
-          <a:solidFill>
-            <a:schemeClr val="accent6">
-              <a:lumMod val="60000"/>
-              <a:lumOff val="40000"/>
-            </a:schemeClr>
-          </a:solidFill>
-          <a:ln>
-            <a:noFill/>
-          </a:ln>
-        </p:spPr>
-        <p:style>
-          <a:lnRef idx="2">
-            <a:schemeClr val="accent1">
-              <a:shade val="50000"/>
-            </a:schemeClr>
-          </a:lnRef>
-          <a:fillRef idx="1">
-            <a:schemeClr val="accent1"/>
-          </a:fillRef>
-          <a:effectRef idx="0">
-            <a:schemeClr val="accent1"/>
-          </a:effectRef>
-          <a:fontRef idx="minor">
-            <a:schemeClr val="lt1"/>
-          </a:fontRef>
-        </p:style>
-        <p:txBody>
-          <a:bodyPr rtlCol="0" anchor="ctr"/>
-          <a:lstStyle/>
-          <a:p>
-            <a:pPr algn="ctr"/>
-            <a:endParaRPr lang="en-US" sz="1100"/>
-          </a:p>
-        </p:txBody>
-      </p:sp>
-      <p:sp>
-        <p:nvSpPr>
-          <p:cNvPr id="21" name="Rectangle 20"/>
-          <p:cNvSpPr/>
-          <p:nvPr/>
-        </p:nvSpPr>
-        <p:spPr>
-          <a:xfrm>
-            <a:off x="6435129" y="3242166"/>
-            <a:ext cx="842226" cy="3177735"/>
-          </a:xfrm>
-          <a:prstGeom prst="rect">
-            <a:avLst/>
-          </a:prstGeom>
-          <a:solidFill>
-            <a:schemeClr val="accent6">
-              <a:lumMod val="60000"/>
-              <a:lumOff val="40000"/>
-            </a:schemeClr>
-          </a:solidFill>
-          <a:ln>
-            <a:noFill/>
-          </a:ln>
-        </p:spPr>
-        <p:style>
-          <a:lnRef idx="2">
-            <a:schemeClr val="accent1">
-              <a:shade val="50000"/>
-            </a:schemeClr>
-          </a:lnRef>
-          <a:fillRef idx="1">
-            <a:schemeClr val="accent1"/>
-          </a:fillRef>
-          <a:effectRef idx="0">
-            <a:schemeClr val="accent1"/>
-          </a:effectRef>
-          <a:fontRef idx="minor">
-            <a:schemeClr val="lt1"/>
-          </a:fontRef>
-        </p:style>
-        <p:txBody>
-          <a:bodyPr rtlCol="0" anchor="ctr"/>
-          <a:lstStyle/>
-          <a:p>
-            <a:pPr algn="ctr"/>
-            <a:endParaRPr lang="en-US" sz="1100"/>
-          </a:p>
-        </p:txBody>
-      </p:sp>
-      <p:sp>
-        <p:nvSpPr>
-          <p:cNvPr id="23" name="Flowchart: Delay 22"/>
-          <p:cNvSpPr/>
-          <p:nvPr/>
-        </p:nvSpPr>
-        <p:spPr>
-          <a:xfrm rot="16200000">
-            <a:off x="7356448" y="2424239"/>
-            <a:ext cx="804499" cy="842226"/>
-          </a:xfrm>
-          <a:prstGeom prst="flowChartDelay">
-            <a:avLst/>
-          </a:prstGeom>
-          <a:solidFill>
-            <a:schemeClr val="bg1">
-              <a:lumMod val="75000"/>
-            </a:schemeClr>
-          </a:solidFill>
-          <a:ln>
-            <a:noFill/>
-          </a:ln>
-        </p:spPr>
-        <p:style>
-          <a:lnRef idx="2">
-            <a:schemeClr val="accent1">
-              <a:shade val="50000"/>
-            </a:schemeClr>
-          </a:lnRef>
-          <a:fillRef idx="1">
-            <a:schemeClr val="accent1"/>
-          </a:fillRef>
-          <a:effectRef idx="0">
-            <a:schemeClr val="accent1"/>
-          </a:effectRef>
-          <a:fontRef idx="minor">
-            <a:schemeClr val="lt1"/>
-          </a:fontRef>
-        </p:style>
-        <p:txBody>
-          <a:bodyPr rtlCol="0" anchor="ctr"/>
-          <a:lstStyle/>
-          <a:p>
-            <a:pPr algn="ctr"/>
-            <a:endParaRPr lang="en-US" sz="1100"/>
-          </a:p>
-        </p:txBody>
-      </p:sp>
-      <p:sp>
-        <p:nvSpPr>
-          <p:cNvPr id="24" name="Rectangle 23"/>
-          <p:cNvSpPr/>
-          <p:nvPr/>
-        </p:nvSpPr>
-        <p:spPr>
-          <a:xfrm>
-            <a:off x="7334288" y="3242166"/>
-            <a:ext cx="842226" cy="3177735"/>
-          </a:xfrm>
-          <a:prstGeom prst="rect">
-            <a:avLst/>
-          </a:prstGeom>
-          <a:solidFill>
-            <a:schemeClr val="bg1">
-              <a:lumMod val="75000"/>
-            </a:schemeClr>
-          </a:solidFill>
-          <a:ln>
-            <a:noFill/>
-          </a:ln>
-        </p:spPr>
-        <p:style>
-          <a:lnRef idx="2">
-            <a:schemeClr val="accent1">
-              <a:shade val="50000"/>
-            </a:schemeClr>
-          </a:lnRef>
-          <a:fillRef idx="1">
-            <a:schemeClr val="accent1"/>
-          </a:fillRef>
-          <a:effectRef idx="0">
-            <a:schemeClr val="accent1"/>
-          </a:effectRef>
-          <a:fontRef idx="minor">
-            <a:schemeClr val="lt1"/>
-          </a:fontRef>
-        </p:style>
-        <p:txBody>
-          <a:bodyPr rtlCol="0" anchor="ctr"/>
-          <a:lstStyle/>
-          <a:p>
-            <a:pPr algn="ctr"/>
-            <a:endParaRPr lang="en-US" sz="1100"/>
-          </a:p>
-        </p:txBody>
-      </p:sp>
-      <p:pic>
-        <p:nvPicPr>
-          <p:cNvPr id="25" name="Content Placeholder 24"/>
-          <p:cNvPicPr>
-            <a:picLocks noGrp="1" noChangeAspect="1"/>
-          </p:cNvPicPr>
-          <p:nvPr>
-            <p:ph sz="quarter" idx="16"/>
-          </p:nvPr>
-        </p:nvPicPr>
-        <p:blipFill>
-          <a:blip r:embed="rId3" cstate="print">
-            <a:extLst>
-              <a:ext uri="{28A0092B-C50C-407E-A947-70E740481C1C}">
-                <a14:useLocalDpi xmlns:a14="http://schemas.microsoft.com/office/drawing/2010/main" val="0"/>
-              </a:ext>
-            </a:extLst>
-          </a:blip>
-          <a:stretch>
-            <a:fillRect/>
-          </a:stretch>
-        </p:blipFill>
-        <p:spPr>
-          <a:xfrm>
-            <a:off x="4701970" y="3092334"/>
-            <a:ext cx="467590" cy="564278"/>
-          </a:xfrm>
-          <a:prstGeom prst="ellipse">
-            <a:avLst/>
-          </a:prstGeom>
-          <a:ln w="6350" cap="rnd">
-            <a:solidFill>
-              <a:srgbClr val="333333"/>
-            </a:solidFill>
-          </a:ln>
-          <a:effectLst>
-            <a:outerShdw blurRad="381000" dist="292100" dir="5400000" sx="-80000" sy="-18000" rotWithShape="0">
-              <a:srgbClr val="000000">
-                <a:alpha val="22000"/>
-              </a:srgbClr>
-            </a:outerShdw>
-          </a:effectLst>
-          <a:scene3d>
-            <a:camera prst="orthographicFront"/>
-            <a:lightRig rig="contrasting" dir="t">
-              <a:rot lat="0" lon="0" rev="3000000"/>
-            </a:lightRig>
-          </a:scene3d>
-          <a:sp3d contourW="7620">
-            <a:bevelT w="95250" h="31750"/>
-            <a:contourClr>
-              <a:srgbClr val="333333"/>
-            </a:contourClr>
-          </a:sp3d>
-        </p:spPr>
-      </p:pic>
-      <p:pic>
-        <p:nvPicPr>
-          <p:cNvPr id="26" name="Picture 25"/>
-          <p:cNvPicPr>
-            <a:picLocks noChangeAspect="1"/>
-          </p:cNvPicPr>
-          <p:nvPr/>
-        </p:nvPicPr>
-        <p:blipFill>
-          <a:blip r:embed="rId4" cstate="print">
-            <a:extLst>
-              <a:ext uri="{BEBA8EAE-BF5A-486C-A8C5-ECC9F3942E4B}">
-                <a14:imgProps xmlns:a14="http://schemas.microsoft.com/office/drawing/2010/main">
-                  <a14:imgLayer r:embed="rId5">
-                    <a14:imgEffect>
-                      <a14:brightnessContrast bright="20000"/>
-                    </a14:imgEffect>
-                  </a14:imgLayer>
-                </a14:imgProps>
-              </a:ext>
-              <a:ext uri="{28A0092B-C50C-407E-A947-70E740481C1C}">
-                <a14:useLocalDpi xmlns:a14="http://schemas.microsoft.com/office/drawing/2010/main" val="0"/>
-              </a:ext>
-            </a:extLst>
-          </a:blip>
-          <a:stretch>
-            <a:fillRect/>
-          </a:stretch>
-        </p:blipFill>
-        <p:spPr>
-          <a:xfrm>
-            <a:off x="5649074" y="3090915"/>
-            <a:ext cx="491069" cy="562338"/>
-          </a:xfrm>
-          <a:prstGeom prst="ellipse">
-            <a:avLst/>
-          </a:prstGeom>
-          <a:ln w="6350" cap="rnd">
-            <a:solidFill>
-              <a:srgbClr val="333333"/>
-            </a:solidFill>
-          </a:ln>
-          <a:effectLst>
-            <a:outerShdw blurRad="381000" dist="292100" dir="5400000" sx="-80000" sy="-18000" rotWithShape="0">
-              <a:srgbClr val="000000">
-                <a:alpha val="22000"/>
-              </a:srgbClr>
-            </a:outerShdw>
-          </a:effectLst>
-          <a:scene3d>
-            <a:camera prst="orthographicFront"/>
-            <a:lightRig rig="contrasting" dir="t">
-              <a:rot lat="0" lon="0" rev="3000000"/>
-            </a:lightRig>
-          </a:scene3d>
-          <a:sp3d contourW="7620">
-            <a:bevelT w="95250" h="31750"/>
-            <a:contourClr>
-              <a:srgbClr val="333333"/>
-            </a:contourClr>
-          </a:sp3d>
-        </p:spPr>
-      </p:pic>
-      <p:pic>
-        <p:nvPicPr>
-          <p:cNvPr id="27" name="Picture 26"/>
-          <p:cNvPicPr>
-            <a:picLocks noChangeAspect="1"/>
-          </p:cNvPicPr>
-          <p:nvPr/>
-        </p:nvPicPr>
-        <p:blipFill>
-          <a:blip r:embed="rId6" cstate="print">
-            <a:lum bright="70000" contrast="-70000"/>
-            <a:extLst>
-              <a:ext uri="{28A0092B-C50C-407E-A947-70E740481C1C}">
-                <a14:useLocalDpi xmlns:a14="http://schemas.microsoft.com/office/drawing/2010/main" val="0"/>
-              </a:ext>
-            </a:extLst>
-          </a:blip>
-          <a:stretch>
-            <a:fillRect/>
-          </a:stretch>
-        </p:blipFill>
-        <p:spPr>
-          <a:xfrm>
-            <a:off x="6569953" y="3086603"/>
-            <a:ext cx="493528" cy="554927"/>
-          </a:xfrm>
-          <a:prstGeom prst="ellipse">
-            <a:avLst/>
-          </a:prstGeom>
-          <a:ln w="6350" cap="rnd">
-            <a:solidFill>
-              <a:srgbClr val="333333"/>
-            </a:solidFill>
-          </a:ln>
-          <a:effectLst>
-            <a:outerShdw blurRad="381000" dist="292100" dir="5400000" sx="-80000" sy="-18000" rotWithShape="0">
-              <a:srgbClr val="000000">
-                <a:alpha val="22000"/>
-              </a:srgbClr>
-            </a:outerShdw>
-          </a:effectLst>
-          <a:scene3d>
-            <a:camera prst="orthographicFront"/>
-            <a:lightRig rig="contrasting" dir="t">
-              <a:rot lat="0" lon="0" rev="3000000"/>
-            </a:lightRig>
-          </a:scene3d>
-          <a:sp3d contourW="7620">
-            <a:bevelT w="95250" h="31750"/>
-            <a:contourClr>
-              <a:srgbClr val="333333"/>
-            </a:contourClr>
-          </a:sp3d>
-        </p:spPr>
-      </p:pic>
-      <p:pic>
-        <p:nvPicPr>
-          <p:cNvPr id="28" name="Content Placeholder 24"/>
-          <p:cNvPicPr>
-            <a:picLocks noChangeAspect="1"/>
-          </p:cNvPicPr>
-          <p:nvPr/>
-        </p:nvPicPr>
-        <p:blipFill>
-          <a:blip r:embed="rId3" cstate="print">
-            <a:extLst>
-              <a:ext uri="{28A0092B-C50C-407E-A947-70E740481C1C}">
-                <a14:useLocalDpi xmlns:a14="http://schemas.microsoft.com/office/drawing/2010/main" val="0"/>
-              </a:ext>
-            </a:extLst>
-          </a:blip>
-          <a:stretch>
-            <a:fillRect/>
-          </a:stretch>
-        </p:blipFill>
-        <p:spPr bwMode="auto">
-          <a:xfrm>
-            <a:off x="7505543" y="3092334"/>
-            <a:ext cx="467590" cy="564278"/>
-          </a:xfrm>
-          <a:prstGeom prst="ellipse">
-            <a:avLst/>
-          </a:prstGeom>
-          <a:solidFill>
-            <a:schemeClr val="tx1">
-              <a:lumMod val="75000"/>
-              <a:lumOff val="25000"/>
-            </a:schemeClr>
-          </a:solidFill>
-          <a:ln w="6350" cap="rnd">
-            <a:solidFill>
-              <a:srgbClr val="333333"/>
-            </a:solidFill>
-            <a:miter lim="800000"/>
-            <a:headEnd/>
-            <a:tailEnd/>
-          </a:ln>
-          <a:effectLst>
-            <a:outerShdw blurRad="381000" dist="292100" dir="5400000" sx="-80000" sy="-18000" rotWithShape="0">
-              <a:srgbClr val="000000">
-                <a:alpha val="22000"/>
-              </a:srgbClr>
-            </a:outerShdw>
-          </a:effectLst>
-          <a:scene3d>
-            <a:camera prst="orthographicFront"/>
-            <a:lightRig rig="contrasting" dir="t">
-              <a:rot lat="0" lon="0" rev="3000000"/>
-            </a:lightRig>
-          </a:scene3d>
-          <a:sp3d contourW="7620">
-            <a:bevelT w="95250" h="31750"/>
-            <a:contourClr>
-              <a:srgbClr val="333333"/>
-            </a:contourClr>
-          </a:sp3d>
-        </p:spPr>
-      </p:pic>
-      <p:sp>
-        <p:nvSpPr>
-          <p:cNvPr id="29" name="Rounded Rectangle 28"/>
-          <p:cNvSpPr/>
-          <p:nvPr/>
-        </p:nvSpPr>
-        <p:spPr>
-          <a:xfrm>
-            <a:off x="3989927" y="3075150"/>
-            <a:ext cx="4262534" cy="613274"/>
-          </a:xfrm>
-          <a:prstGeom prst="roundRect">
-            <a:avLst/>
-          </a:prstGeom>
-          <a:noFill/>
-          <a:ln>
-            <a:solidFill>
-              <a:schemeClr val="tx1"/>
-            </a:solidFill>
-          </a:ln>
-        </p:spPr>
-        <p:style>
-          <a:lnRef idx="2">
-            <a:schemeClr val="accent1">
-              <a:shade val="50000"/>
-            </a:schemeClr>
-          </a:lnRef>
-          <a:fillRef idx="1">
-            <a:schemeClr val="accent1"/>
-          </a:fillRef>
-          <a:effectRef idx="0">
-            <a:schemeClr val="accent1"/>
-          </a:effectRef>
-          <a:fontRef idx="minor">
-            <a:schemeClr val="lt1"/>
-          </a:fontRef>
-        </p:style>
-        <p:txBody>
-          <a:bodyPr rtlCol="0" anchor="ctr"/>
-          <a:lstStyle/>
-          <a:p>
-            <a:pPr algn="ctr"/>
-            <a:endParaRPr lang="en-US" sz="1100"/>
-          </a:p>
-        </p:txBody>
-      </p:sp>
-      <p:sp>
-        <p:nvSpPr>
-          <p:cNvPr id="30" name="TextBox 29"/>
+          <p:cNvPr id="51" name="TextBox 50"/>
           <p:cNvSpPr txBox="1"/>
           <p:nvPr/>
         </p:nvSpPr>
         <p:spPr>
           <a:xfrm>
-            <a:off x="3970020" y="3187532"/>
-            <a:ext cx="640080" cy="415498"/>
+            <a:off x="9859106" y="1347373"/>
+            <a:ext cx="589713" cy="338554"/>
           </a:xfrm>
           <a:prstGeom prst="rect">
             <a:avLst/>
@@ -16900,1316 +11840,175 @@
           <a:noFill/>
         </p:spPr>
         <p:txBody>
-          <a:bodyPr wrap="square" rtlCol="0">
+          <a:bodyPr wrap="none" rtlCol="0">
             <a:spAutoFit/>
           </a:bodyPr>
           <a:lstStyle/>
           <a:p>
-            <a:pPr algn="ctr"/>
-            <a:r>
-              <a:rPr lang="en-US" sz="1050" dirty="0"/>
-              <a:t>PMI Team</a:t>
+            <a:r>
+              <a:rPr lang="en-US" sz="1600" dirty="0">
+                <a:solidFill>
+                  <a:schemeClr val="bg1"/>
+                </a:solidFill>
+              </a:rPr>
+              <a:t>ART</a:t>
             </a:r>
           </a:p>
         </p:txBody>
       </p:sp>
       <p:sp>
         <p:nvSpPr>
-          <p:cNvPr id="31" name="Rounded Rectangle 30"/>
-          <p:cNvSpPr/>
-          <p:nvPr/>
+          <p:cNvPr id="3" name="Content Placeholder 2"/>
+          <p:cNvSpPr>
+            <a:spLocks noGrp="1"/>
+          </p:cNvSpPr>
+          <p:nvPr>
+            <p:ph sz="quarter" idx="16"/>
+          </p:nvPr>
         </p:nvSpPr>
         <p:spPr>
           <a:xfrm>
-            <a:off x="3989927" y="4435027"/>
-            <a:ext cx="4262534" cy="613274"/>
+            <a:off x="405383" y="1283208"/>
+            <a:ext cx="11311128" cy="4450449"/>
           </a:xfrm>
-          <a:prstGeom prst="roundRect">
-            <a:avLst/>
-          </a:prstGeom>
-          <a:noFill/>
-          <a:ln>
-            <a:solidFill>
-              <a:schemeClr val="tx1"/>
-            </a:solidFill>
-          </a:ln>
-        </p:spPr>
-        <p:style>
-          <a:lnRef idx="2">
-            <a:schemeClr val="accent1">
-              <a:shade val="50000"/>
-            </a:schemeClr>
-          </a:lnRef>
-          <a:fillRef idx="1">
-            <a:schemeClr val="accent1"/>
-          </a:fillRef>
-          <a:effectRef idx="0">
-            <a:schemeClr val="accent1"/>
-          </a:effectRef>
-          <a:fontRef idx="minor">
-            <a:schemeClr val="lt1"/>
-          </a:fontRef>
-        </p:style>
-        <p:txBody>
-          <a:bodyPr rtlCol="0" anchor="ctr"/>
-          <a:lstStyle/>
-          <a:p>
-            <a:pPr algn="ctr"/>
-            <a:endParaRPr lang="en-US" sz="1100"/>
-          </a:p>
-        </p:txBody>
-      </p:sp>
-      <p:sp>
-        <p:nvSpPr>
-          <p:cNvPr id="32" name="TextBox 31"/>
-          <p:cNvSpPr txBox="1"/>
-          <p:nvPr/>
-        </p:nvSpPr>
-        <p:spPr>
-          <a:xfrm>
-            <a:off x="3980559" y="4532169"/>
-            <a:ext cx="629542" cy="415498"/>
-          </a:xfrm>
-          <a:prstGeom prst="rect">
-            <a:avLst/>
-          </a:prstGeom>
-          <a:noFill/>
         </p:spPr>
         <p:txBody>
-          <a:bodyPr wrap="square" rtlCol="0">
-            <a:spAutoFit/>
-          </a:bodyPr>
+          <a:bodyPr/>
           <a:lstStyle/>
           <a:p>
-            <a:pPr algn="ctr"/>
-            <a:r>
-              <a:rPr lang="en-US" sz="1050" dirty="0"/>
-              <a:t>EWH </a:t>
-            </a:r>
-          </a:p>
-          <a:p>
-            <a:pPr algn="ctr"/>
-            <a:r>
-              <a:rPr lang="en-US" sz="1050" dirty="0"/>
-              <a:t>Team</a:t>
-            </a:r>
-          </a:p>
-        </p:txBody>
-      </p:sp>
-      <p:sp>
-        <p:nvSpPr>
-          <p:cNvPr id="33" name="TextBox 32"/>
-          <p:cNvSpPr txBox="1"/>
-          <p:nvPr/>
-        </p:nvSpPr>
-        <p:spPr>
-          <a:xfrm>
-            <a:off x="4572002" y="3872216"/>
-            <a:ext cx="845820" cy="230832"/>
-          </a:xfrm>
-          <a:prstGeom prst="rect">
-            <a:avLst/>
-          </a:prstGeom>
-          <a:noFill/>
-        </p:spPr>
-        <p:txBody>
-          <a:bodyPr wrap="square" rtlCol="0">
-            <a:spAutoFit/>
-          </a:bodyPr>
-          <a:lstStyle/>
-          <a:p>
-            <a:pPr algn="ctr"/>
-            <a:r>
-              <a:rPr lang="en-US" sz="900" dirty="0"/>
-              <a:t>Define</a:t>
-            </a:r>
-          </a:p>
-        </p:txBody>
-      </p:sp>
-      <p:sp>
-        <p:nvSpPr>
-          <p:cNvPr id="34" name="TextBox 33"/>
-          <p:cNvSpPr txBox="1"/>
-          <p:nvPr/>
-        </p:nvSpPr>
-        <p:spPr>
-          <a:xfrm>
-            <a:off x="5494021" y="3872216"/>
-            <a:ext cx="861060" cy="230832"/>
-          </a:xfrm>
-          <a:prstGeom prst="rect">
-            <a:avLst/>
-          </a:prstGeom>
-          <a:noFill/>
-        </p:spPr>
-        <p:txBody>
-          <a:bodyPr wrap="square" rtlCol="0">
-            <a:spAutoFit/>
-          </a:bodyPr>
-          <a:lstStyle/>
-          <a:p>
-            <a:pPr algn="ctr"/>
-            <a:r>
-              <a:rPr lang="en-US" sz="900" dirty="0"/>
-              <a:t>Build</a:t>
-            </a:r>
-          </a:p>
-        </p:txBody>
-      </p:sp>
-      <p:sp>
-        <p:nvSpPr>
-          <p:cNvPr id="35" name="TextBox 34"/>
-          <p:cNvSpPr txBox="1"/>
-          <p:nvPr/>
-        </p:nvSpPr>
-        <p:spPr>
-          <a:xfrm>
-            <a:off x="6438901" y="3872216"/>
-            <a:ext cx="838200" cy="230832"/>
-          </a:xfrm>
-          <a:prstGeom prst="rect">
-            <a:avLst/>
-          </a:prstGeom>
-          <a:noFill/>
-        </p:spPr>
-        <p:txBody>
-          <a:bodyPr wrap="square" rtlCol="0">
-            <a:spAutoFit/>
-          </a:bodyPr>
-          <a:lstStyle/>
-          <a:p>
-            <a:pPr algn="ctr"/>
-            <a:r>
-              <a:rPr lang="en-US" sz="900" dirty="0"/>
-              <a:t>Test</a:t>
-            </a:r>
-          </a:p>
-        </p:txBody>
-      </p:sp>
-      <p:sp>
-        <p:nvSpPr>
-          <p:cNvPr id="36" name="TextBox 35"/>
-          <p:cNvSpPr txBox="1"/>
-          <p:nvPr/>
-        </p:nvSpPr>
-        <p:spPr>
-          <a:xfrm>
-            <a:off x="7338060" y="3872216"/>
-            <a:ext cx="838200" cy="230832"/>
-          </a:xfrm>
-          <a:prstGeom prst="rect">
-            <a:avLst/>
-          </a:prstGeom>
-          <a:noFill/>
-        </p:spPr>
-        <p:txBody>
-          <a:bodyPr wrap="square" rtlCol="0">
-            <a:spAutoFit/>
-          </a:bodyPr>
-          <a:lstStyle/>
-          <a:p>
-            <a:pPr algn="ctr"/>
-            <a:r>
-              <a:rPr lang="en-US" sz="900" dirty="0"/>
-              <a:t>Deploy</a:t>
-            </a:r>
-          </a:p>
-        </p:txBody>
-      </p:sp>
-      <p:pic>
-        <p:nvPicPr>
-          <p:cNvPr id="37" name="Content Placeholder 24"/>
-          <p:cNvPicPr>
-            <a:picLocks noChangeAspect="1"/>
-          </p:cNvPicPr>
-          <p:nvPr/>
-        </p:nvPicPr>
-        <p:blipFill>
-          <a:blip r:embed="rId3" cstate="print">
-            <a:extLst>
-              <a:ext uri="{BEBA8EAE-BF5A-486C-A8C5-ECC9F3942E4B}">
-                <a14:imgProps xmlns:a14="http://schemas.microsoft.com/office/drawing/2010/main">
-                  <a14:imgLayer r:embed="rId7">
-                    <a14:imgEffect>
-                      <a14:brightnessContrast bright="20000" contrast="-40000"/>
-                    </a14:imgEffect>
-                  </a14:imgLayer>
-                </a14:imgProps>
-              </a:ext>
-              <a:ext uri="{28A0092B-C50C-407E-A947-70E740481C1C}">
-                <a14:useLocalDpi xmlns:a14="http://schemas.microsoft.com/office/drawing/2010/main" val="0"/>
-              </a:ext>
-            </a:extLst>
-          </a:blip>
-          <a:stretch>
-            <a:fillRect/>
-          </a:stretch>
-        </p:blipFill>
-        <p:spPr bwMode="auto">
-          <a:xfrm>
-            <a:off x="4701970" y="4452211"/>
-            <a:ext cx="467590" cy="564278"/>
-          </a:xfrm>
-          <a:prstGeom prst="ellipse">
-            <a:avLst/>
-          </a:prstGeom>
-          <a:solidFill>
-            <a:schemeClr val="tx1">
-              <a:lumMod val="75000"/>
-              <a:lumOff val="25000"/>
-            </a:schemeClr>
-          </a:solidFill>
-          <a:ln w="6350" cap="rnd">
-            <a:solidFill>
-              <a:srgbClr val="333333"/>
-            </a:solidFill>
-            <a:miter lim="800000"/>
-            <a:headEnd/>
-            <a:tailEnd/>
-          </a:ln>
-          <a:effectLst>
-            <a:outerShdw blurRad="381000" dist="292100" dir="5400000" sx="-80000" sy="-18000" rotWithShape="0">
-              <a:srgbClr val="000000">
-                <a:alpha val="22000"/>
-              </a:srgbClr>
-            </a:outerShdw>
-          </a:effectLst>
-          <a:scene3d>
-            <a:camera prst="orthographicFront"/>
-            <a:lightRig rig="contrasting" dir="t">
-              <a:rot lat="0" lon="0" rev="3000000"/>
-            </a:lightRig>
-          </a:scene3d>
-          <a:sp3d contourW="7620">
-            <a:bevelT w="95250" h="31750"/>
-            <a:contourClr>
-              <a:srgbClr val="333333"/>
-            </a:contourClr>
-          </a:sp3d>
-        </p:spPr>
-      </p:pic>
-      <p:pic>
-        <p:nvPicPr>
-          <p:cNvPr id="38" name="Picture 37"/>
-          <p:cNvPicPr>
-            <a:picLocks noChangeAspect="1"/>
-          </p:cNvPicPr>
-          <p:nvPr/>
-        </p:nvPicPr>
-        <p:blipFill>
-          <a:blip r:embed="rId4" cstate="print">
-            <a:extLst>
-              <a:ext uri="{BEBA8EAE-BF5A-486C-A8C5-ECC9F3942E4B}">
-                <a14:imgProps xmlns:a14="http://schemas.microsoft.com/office/drawing/2010/main">
-                  <a14:imgLayer r:embed="rId5">
-                    <a14:imgEffect>
-                      <a14:brightnessContrast bright="20000"/>
-                    </a14:imgEffect>
-                  </a14:imgLayer>
-                </a14:imgProps>
-              </a:ext>
-              <a:ext uri="{28A0092B-C50C-407E-A947-70E740481C1C}">
-                <a14:useLocalDpi xmlns:a14="http://schemas.microsoft.com/office/drawing/2010/main" val="0"/>
-              </a:ext>
-            </a:extLst>
-          </a:blip>
-          <a:stretch>
-            <a:fillRect/>
-          </a:stretch>
-        </p:blipFill>
-        <p:spPr>
-          <a:xfrm>
-            <a:off x="5649074" y="4450792"/>
-            <a:ext cx="491069" cy="562338"/>
-          </a:xfrm>
-          <a:prstGeom prst="ellipse">
-            <a:avLst/>
-          </a:prstGeom>
-          <a:ln w="6350" cap="rnd">
-            <a:solidFill>
-              <a:srgbClr val="333333"/>
-            </a:solidFill>
-          </a:ln>
-          <a:effectLst>
-            <a:outerShdw blurRad="381000" dist="292100" dir="5400000" sx="-80000" sy="-18000" rotWithShape="0">
-              <a:srgbClr val="000000">
-                <a:alpha val="22000"/>
-              </a:srgbClr>
-            </a:outerShdw>
-          </a:effectLst>
-          <a:scene3d>
-            <a:camera prst="orthographicFront"/>
-            <a:lightRig rig="contrasting" dir="t">
-              <a:rot lat="0" lon="0" rev="3000000"/>
-            </a:lightRig>
-          </a:scene3d>
-          <a:sp3d contourW="7620">
-            <a:bevelT w="95250" h="31750"/>
-            <a:contourClr>
-              <a:srgbClr val="333333"/>
-            </a:contourClr>
-          </a:sp3d>
-        </p:spPr>
-      </p:pic>
-      <p:pic>
-        <p:nvPicPr>
-          <p:cNvPr id="39" name="Picture 38"/>
-          <p:cNvPicPr>
-            <a:picLocks noChangeAspect="1"/>
-          </p:cNvPicPr>
-          <p:nvPr/>
-        </p:nvPicPr>
-        <p:blipFill>
-          <a:blip r:embed="rId8" cstate="print">
-            <a:lum bright="70000" contrast="-70000"/>
-            <a:extLst>
-              <a:ext uri="{BEBA8EAE-BF5A-486C-A8C5-ECC9F3942E4B}">
-                <a14:imgProps xmlns:a14="http://schemas.microsoft.com/office/drawing/2010/main">
-                  <a14:imgLayer r:embed="rId9">
-                    <a14:imgEffect>
-                      <a14:brightnessContrast bright="-20000"/>
-                    </a14:imgEffect>
-                  </a14:imgLayer>
-                </a14:imgProps>
-              </a:ext>
-              <a:ext uri="{28A0092B-C50C-407E-A947-70E740481C1C}">
-                <a14:useLocalDpi xmlns:a14="http://schemas.microsoft.com/office/drawing/2010/main" val="0"/>
-              </a:ext>
-            </a:extLst>
-          </a:blip>
-          <a:stretch>
-            <a:fillRect/>
-          </a:stretch>
-        </p:blipFill>
-        <p:spPr>
-          <a:xfrm>
-            <a:off x="6569953" y="4446480"/>
-            <a:ext cx="493528" cy="554927"/>
-          </a:xfrm>
-          <a:prstGeom prst="ellipse">
-            <a:avLst/>
-          </a:prstGeom>
-          <a:ln w="6350" cap="rnd">
-            <a:solidFill>
-              <a:srgbClr val="333333"/>
-            </a:solidFill>
-          </a:ln>
-          <a:effectLst>
-            <a:outerShdw blurRad="381000" dist="292100" dir="5400000" sx="-80000" sy="-18000" rotWithShape="0">
-              <a:srgbClr val="000000">
-                <a:alpha val="22000"/>
-              </a:srgbClr>
-            </a:outerShdw>
-          </a:effectLst>
-          <a:scene3d>
-            <a:camera prst="orthographicFront"/>
-            <a:lightRig rig="contrasting" dir="t">
-              <a:rot lat="0" lon="0" rev="3000000"/>
-            </a:lightRig>
-          </a:scene3d>
-          <a:sp3d contourW="7620">
-            <a:bevelT w="95250" h="31750"/>
-            <a:contourClr>
-              <a:srgbClr val="333333"/>
-            </a:contourClr>
-          </a:sp3d>
-        </p:spPr>
-      </p:pic>
-      <p:pic>
-        <p:nvPicPr>
-          <p:cNvPr id="40" name="Content Placeholder 24"/>
-          <p:cNvPicPr>
-            <a:picLocks noChangeAspect="1"/>
-          </p:cNvPicPr>
-          <p:nvPr/>
-        </p:nvPicPr>
-        <p:blipFill>
-          <a:blip r:embed="rId3" cstate="print">
-            <a:extLst>
-              <a:ext uri="{28A0092B-C50C-407E-A947-70E740481C1C}">
-                <a14:useLocalDpi xmlns:a14="http://schemas.microsoft.com/office/drawing/2010/main" val="0"/>
-              </a:ext>
-            </a:extLst>
-          </a:blip>
-          <a:stretch>
-            <a:fillRect/>
-          </a:stretch>
-        </p:blipFill>
-        <p:spPr bwMode="auto">
-          <a:xfrm>
-            <a:off x="7505543" y="4452211"/>
-            <a:ext cx="467590" cy="564278"/>
-          </a:xfrm>
-          <a:prstGeom prst="ellipse">
-            <a:avLst/>
-          </a:prstGeom>
-          <a:solidFill>
-            <a:schemeClr val="tx1">
-              <a:lumMod val="75000"/>
-              <a:lumOff val="25000"/>
-            </a:schemeClr>
-          </a:solidFill>
-          <a:ln w="6350" cap="rnd">
-            <a:solidFill>
-              <a:srgbClr val="333333"/>
-            </a:solidFill>
-            <a:miter lim="800000"/>
-            <a:headEnd/>
-            <a:tailEnd/>
-          </a:ln>
-          <a:effectLst>
-            <a:outerShdw blurRad="381000" dist="292100" dir="5400000" sx="-80000" sy="-18000" rotWithShape="0">
-              <a:srgbClr val="000000">
-                <a:alpha val="22000"/>
-              </a:srgbClr>
-            </a:outerShdw>
-          </a:effectLst>
-          <a:scene3d>
-            <a:camera prst="orthographicFront"/>
-            <a:lightRig rig="contrasting" dir="t">
-              <a:rot lat="0" lon="0" rev="3000000"/>
-            </a:lightRig>
-          </a:scene3d>
-          <a:sp3d contourW="7620">
-            <a:bevelT w="95250" h="31750"/>
-            <a:contourClr>
-              <a:srgbClr val="333333"/>
-            </a:contourClr>
-          </a:sp3d>
-        </p:spPr>
-      </p:pic>
-      <p:sp>
-        <p:nvSpPr>
-          <p:cNvPr id="41" name="Rounded Rectangle 40"/>
-          <p:cNvSpPr/>
-          <p:nvPr/>
-        </p:nvSpPr>
-        <p:spPr>
-          <a:xfrm>
-            <a:off x="3989927" y="5736288"/>
-            <a:ext cx="4262534" cy="613274"/>
-          </a:xfrm>
-          <a:prstGeom prst="roundRect">
-            <a:avLst/>
-          </a:prstGeom>
-          <a:noFill/>
-          <a:ln>
-            <a:solidFill>
-              <a:schemeClr val="tx1"/>
-            </a:solidFill>
-          </a:ln>
-        </p:spPr>
-        <p:style>
-          <a:lnRef idx="2">
-            <a:schemeClr val="accent1">
-              <a:shade val="50000"/>
-            </a:schemeClr>
-          </a:lnRef>
-          <a:fillRef idx="1">
-            <a:schemeClr val="accent1"/>
-          </a:fillRef>
-          <a:effectRef idx="0">
-            <a:schemeClr val="accent1"/>
-          </a:effectRef>
-          <a:fontRef idx="minor">
-            <a:schemeClr val="lt1"/>
-          </a:fontRef>
-        </p:style>
-        <p:txBody>
-          <a:bodyPr rtlCol="0" anchor="ctr"/>
-          <a:lstStyle/>
-          <a:p>
-            <a:pPr algn="ctr"/>
-            <a:endParaRPr lang="en-US" sz="1100"/>
-          </a:p>
-        </p:txBody>
-      </p:sp>
-      <p:sp>
-        <p:nvSpPr>
-          <p:cNvPr id="42" name="TextBox 41"/>
-          <p:cNvSpPr txBox="1"/>
-          <p:nvPr/>
-        </p:nvSpPr>
-        <p:spPr>
-          <a:xfrm>
-            <a:off x="3958072" y="5848670"/>
-            <a:ext cx="613928" cy="415498"/>
-          </a:xfrm>
-          <a:prstGeom prst="rect">
-            <a:avLst/>
-          </a:prstGeom>
-          <a:noFill/>
-        </p:spPr>
-        <p:txBody>
-          <a:bodyPr wrap="square" rtlCol="0">
-            <a:spAutoFit/>
-          </a:bodyPr>
-          <a:lstStyle/>
-          <a:p>
-            <a:pPr algn="ctr"/>
-            <a:r>
-              <a:rPr lang="en-US" sz="1050" dirty="0"/>
-              <a:t>AM Team</a:t>
-            </a:r>
-          </a:p>
-        </p:txBody>
-      </p:sp>
-      <p:pic>
-        <p:nvPicPr>
-          <p:cNvPr id="43" name="Content Placeholder 24"/>
-          <p:cNvPicPr>
-            <a:picLocks noChangeAspect="1"/>
-          </p:cNvPicPr>
-          <p:nvPr/>
-        </p:nvPicPr>
-        <p:blipFill>
-          <a:blip r:embed="rId3" cstate="print">
-            <a:extLst>
-              <a:ext uri="{28A0092B-C50C-407E-A947-70E740481C1C}">
-                <a14:useLocalDpi xmlns:a14="http://schemas.microsoft.com/office/drawing/2010/main" val="0"/>
-              </a:ext>
-            </a:extLst>
-          </a:blip>
-          <a:stretch>
-            <a:fillRect/>
-          </a:stretch>
-        </p:blipFill>
-        <p:spPr bwMode="auto">
-          <a:xfrm>
-            <a:off x="4701970" y="5753472"/>
-            <a:ext cx="467590" cy="564278"/>
-          </a:xfrm>
-          <a:prstGeom prst="ellipse">
-            <a:avLst/>
-          </a:prstGeom>
-          <a:solidFill>
-            <a:schemeClr val="tx1">
-              <a:lumMod val="75000"/>
-              <a:lumOff val="25000"/>
-            </a:schemeClr>
-          </a:solidFill>
-          <a:ln w="6350" cap="rnd">
-            <a:solidFill>
-              <a:srgbClr val="333333"/>
-            </a:solidFill>
-            <a:miter lim="800000"/>
-            <a:headEnd/>
-            <a:tailEnd/>
-          </a:ln>
-          <a:effectLst>
-            <a:outerShdw blurRad="381000" dist="292100" dir="5400000" sx="-80000" sy="-18000" rotWithShape="0">
-              <a:srgbClr val="000000">
-                <a:alpha val="22000"/>
-              </a:srgbClr>
-            </a:outerShdw>
-          </a:effectLst>
-          <a:scene3d>
-            <a:camera prst="orthographicFront"/>
-            <a:lightRig rig="contrasting" dir="t">
-              <a:rot lat="0" lon="0" rev="3000000"/>
-            </a:lightRig>
-          </a:scene3d>
-          <a:sp3d contourW="7620">
-            <a:bevelT w="95250" h="31750"/>
-            <a:contourClr>
-              <a:srgbClr val="333333"/>
-            </a:contourClr>
-          </a:sp3d>
-        </p:spPr>
-      </p:pic>
-      <p:pic>
-        <p:nvPicPr>
-          <p:cNvPr id="44" name="Picture 43"/>
-          <p:cNvPicPr>
-            <a:picLocks noChangeAspect="1"/>
-          </p:cNvPicPr>
-          <p:nvPr/>
-        </p:nvPicPr>
-        <p:blipFill>
-          <a:blip r:embed="rId4" cstate="print">
-            <a:extLst>
-              <a:ext uri="{BEBA8EAE-BF5A-486C-A8C5-ECC9F3942E4B}">
-                <a14:imgProps xmlns:a14="http://schemas.microsoft.com/office/drawing/2010/main">
-                  <a14:imgLayer r:embed="rId5">
-                    <a14:imgEffect>
-                      <a14:brightnessContrast bright="20000"/>
-                    </a14:imgEffect>
-                  </a14:imgLayer>
-                </a14:imgProps>
-              </a:ext>
-              <a:ext uri="{28A0092B-C50C-407E-A947-70E740481C1C}">
-                <a14:useLocalDpi xmlns:a14="http://schemas.microsoft.com/office/drawing/2010/main" val="0"/>
-              </a:ext>
-            </a:extLst>
-          </a:blip>
-          <a:stretch>
-            <a:fillRect/>
-          </a:stretch>
-        </p:blipFill>
-        <p:spPr>
-          <a:xfrm>
-            <a:off x="5649074" y="5752053"/>
-            <a:ext cx="491069" cy="562338"/>
-          </a:xfrm>
-          <a:prstGeom prst="ellipse">
-            <a:avLst/>
-          </a:prstGeom>
-          <a:ln w="6350" cap="rnd">
-            <a:solidFill>
-              <a:srgbClr val="333333"/>
-            </a:solidFill>
-          </a:ln>
-          <a:effectLst>
-            <a:outerShdw blurRad="381000" dist="292100" dir="5400000" sx="-80000" sy="-18000" rotWithShape="0">
-              <a:srgbClr val="000000">
-                <a:alpha val="22000"/>
-              </a:srgbClr>
-            </a:outerShdw>
-          </a:effectLst>
-          <a:scene3d>
-            <a:camera prst="orthographicFront"/>
-            <a:lightRig rig="contrasting" dir="t">
-              <a:rot lat="0" lon="0" rev="3000000"/>
-            </a:lightRig>
-          </a:scene3d>
-          <a:sp3d contourW="7620">
-            <a:bevelT w="95250" h="31750"/>
-            <a:contourClr>
-              <a:srgbClr val="333333"/>
-            </a:contourClr>
-          </a:sp3d>
-        </p:spPr>
-      </p:pic>
-      <p:pic>
-        <p:nvPicPr>
-          <p:cNvPr id="45" name="Picture 44"/>
-          <p:cNvPicPr>
-            <a:picLocks noChangeAspect="1"/>
-          </p:cNvPicPr>
-          <p:nvPr/>
-        </p:nvPicPr>
-        <p:blipFill>
-          <a:blip r:embed="rId6" cstate="print">
-            <a:lum bright="70000" contrast="-70000"/>
-            <a:extLst>
-              <a:ext uri="{28A0092B-C50C-407E-A947-70E740481C1C}">
-                <a14:useLocalDpi xmlns:a14="http://schemas.microsoft.com/office/drawing/2010/main" val="0"/>
-              </a:ext>
-            </a:extLst>
-          </a:blip>
-          <a:stretch>
-            <a:fillRect/>
-          </a:stretch>
-        </p:blipFill>
-        <p:spPr>
-          <a:xfrm>
-            <a:off x="6569953" y="5747741"/>
-            <a:ext cx="493528" cy="554927"/>
-          </a:xfrm>
-          <a:prstGeom prst="ellipse">
-            <a:avLst/>
-          </a:prstGeom>
-          <a:ln w="6350" cap="rnd">
-            <a:solidFill>
-              <a:srgbClr val="333333"/>
-            </a:solidFill>
-          </a:ln>
-          <a:effectLst>
-            <a:outerShdw blurRad="381000" dist="292100" dir="5400000" sx="-80000" sy="-18000" rotWithShape="0">
-              <a:srgbClr val="000000">
-                <a:alpha val="22000"/>
-              </a:srgbClr>
-            </a:outerShdw>
-          </a:effectLst>
-          <a:scene3d>
-            <a:camera prst="orthographicFront"/>
-            <a:lightRig rig="contrasting" dir="t">
-              <a:rot lat="0" lon="0" rev="3000000"/>
-            </a:lightRig>
-          </a:scene3d>
-          <a:sp3d contourW="7620">
-            <a:bevelT w="95250" h="31750"/>
-            <a:contourClr>
-              <a:srgbClr val="333333"/>
-            </a:contourClr>
-          </a:sp3d>
-        </p:spPr>
-      </p:pic>
-      <p:pic>
-        <p:nvPicPr>
-          <p:cNvPr id="46" name="Content Placeholder 24"/>
-          <p:cNvPicPr>
-            <a:picLocks noChangeAspect="1"/>
-          </p:cNvPicPr>
-          <p:nvPr/>
-        </p:nvPicPr>
-        <p:blipFill>
-          <a:blip r:embed="rId3" cstate="print">
-            <a:extLst>
-              <a:ext uri="{28A0092B-C50C-407E-A947-70E740481C1C}">
-                <a14:useLocalDpi xmlns:a14="http://schemas.microsoft.com/office/drawing/2010/main" val="0"/>
-              </a:ext>
-            </a:extLst>
-          </a:blip>
-          <a:stretch>
-            <a:fillRect/>
-          </a:stretch>
-        </p:blipFill>
-        <p:spPr bwMode="auto">
-          <a:xfrm>
-            <a:off x="7505543" y="5753472"/>
-            <a:ext cx="467590" cy="564278"/>
-          </a:xfrm>
-          <a:prstGeom prst="ellipse">
-            <a:avLst/>
-          </a:prstGeom>
-          <a:solidFill>
-            <a:schemeClr val="tx1">
-              <a:lumMod val="75000"/>
-              <a:lumOff val="25000"/>
-            </a:schemeClr>
-          </a:solidFill>
-          <a:ln w="6350" cap="rnd">
-            <a:solidFill>
-              <a:srgbClr val="333333"/>
-            </a:solidFill>
-            <a:miter lim="800000"/>
-            <a:headEnd/>
-            <a:tailEnd/>
-          </a:ln>
-          <a:effectLst>
-            <a:outerShdw blurRad="381000" dist="292100" dir="5400000" sx="-80000" sy="-18000" rotWithShape="0">
-              <a:srgbClr val="000000">
-                <a:alpha val="22000"/>
-              </a:srgbClr>
-            </a:outerShdw>
-          </a:effectLst>
-          <a:scene3d>
-            <a:camera prst="orthographicFront"/>
-            <a:lightRig rig="contrasting" dir="t">
-              <a:rot lat="0" lon="0" rev="3000000"/>
-            </a:lightRig>
-          </a:scene3d>
-          <a:sp3d contourW="7620">
-            <a:bevelT w="95250" h="31750"/>
-            <a:contourClr>
-              <a:srgbClr val="333333"/>
-            </a:contourClr>
-          </a:sp3d>
-        </p:spPr>
-      </p:pic>
-      <p:sp>
-        <p:nvSpPr>
-          <p:cNvPr id="47" name="TextBox 46"/>
-          <p:cNvSpPr txBox="1"/>
-          <p:nvPr/>
-        </p:nvSpPr>
-        <p:spPr>
-          <a:xfrm>
-            <a:off x="4564382" y="5185200"/>
-            <a:ext cx="845820" cy="230832"/>
-          </a:xfrm>
-          <a:prstGeom prst="rect">
-            <a:avLst/>
-          </a:prstGeom>
-          <a:noFill/>
-        </p:spPr>
-        <p:txBody>
-          <a:bodyPr wrap="square" rtlCol="0">
-            <a:spAutoFit/>
-          </a:bodyPr>
-          <a:lstStyle/>
-          <a:p>
-            <a:pPr algn="ctr"/>
-            <a:r>
-              <a:rPr lang="en-US" sz="900" dirty="0"/>
-              <a:t>Define</a:t>
-            </a:r>
-          </a:p>
-        </p:txBody>
-      </p:sp>
-      <p:sp>
-        <p:nvSpPr>
-          <p:cNvPr id="48" name="TextBox 47"/>
-          <p:cNvSpPr txBox="1"/>
-          <p:nvPr/>
-        </p:nvSpPr>
-        <p:spPr>
-          <a:xfrm>
-            <a:off x="5501641" y="5185200"/>
-            <a:ext cx="861060" cy="230832"/>
-          </a:xfrm>
-          <a:prstGeom prst="rect">
-            <a:avLst/>
-          </a:prstGeom>
-          <a:noFill/>
-        </p:spPr>
-        <p:txBody>
-          <a:bodyPr wrap="square" rtlCol="0">
-            <a:spAutoFit/>
-          </a:bodyPr>
-          <a:lstStyle/>
-          <a:p>
-            <a:pPr algn="ctr"/>
-            <a:r>
-              <a:rPr lang="en-US" sz="900" dirty="0"/>
-              <a:t>Build</a:t>
-            </a:r>
-          </a:p>
-        </p:txBody>
-      </p:sp>
-      <p:sp>
-        <p:nvSpPr>
-          <p:cNvPr id="49" name="TextBox 48"/>
-          <p:cNvSpPr txBox="1"/>
-          <p:nvPr/>
-        </p:nvSpPr>
-        <p:spPr>
-          <a:xfrm>
-            <a:off x="6431281" y="5185200"/>
-            <a:ext cx="853440" cy="230832"/>
-          </a:xfrm>
-          <a:prstGeom prst="rect">
-            <a:avLst/>
-          </a:prstGeom>
-          <a:noFill/>
-        </p:spPr>
-        <p:txBody>
-          <a:bodyPr wrap="square" rtlCol="0">
-            <a:spAutoFit/>
-          </a:bodyPr>
-          <a:lstStyle/>
-          <a:p>
-            <a:pPr algn="ctr"/>
-            <a:r>
-              <a:rPr lang="en-US" sz="900" dirty="0"/>
-              <a:t>Test</a:t>
-            </a:r>
-          </a:p>
-        </p:txBody>
-      </p:sp>
-      <p:sp>
-        <p:nvSpPr>
-          <p:cNvPr id="50" name="TextBox 49"/>
-          <p:cNvSpPr txBox="1"/>
-          <p:nvPr/>
-        </p:nvSpPr>
-        <p:spPr>
-          <a:xfrm>
-            <a:off x="7345680" y="5185200"/>
-            <a:ext cx="838200" cy="230832"/>
-          </a:xfrm>
-          <a:prstGeom prst="rect">
-            <a:avLst/>
-          </a:prstGeom>
-          <a:noFill/>
-        </p:spPr>
-        <p:txBody>
-          <a:bodyPr wrap="square" rtlCol="0">
-            <a:spAutoFit/>
-          </a:bodyPr>
-          <a:lstStyle/>
-          <a:p>
-            <a:pPr algn="ctr"/>
-            <a:r>
-              <a:rPr lang="en-US" sz="900" dirty="0"/>
-              <a:t>Deploy</a:t>
-            </a:r>
-          </a:p>
-        </p:txBody>
-      </p:sp>
-      <p:sp>
-        <p:nvSpPr>
-          <p:cNvPr id="65" name="TextBox 64"/>
-          <p:cNvSpPr txBox="1"/>
-          <p:nvPr/>
-        </p:nvSpPr>
-        <p:spPr>
-          <a:xfrm>
-            <a:off x="4533900" y="6540286"/>
-            <a:ext cx="3718560" cy="253916"/>
-          </a:xfrm>
-          <a:prstGeom prst="rect">
-            <a:avLst/>
-          </a:prstGeom>
-          <a:noFill/>
-        </p:spPr>
-        <p:txBody>
-          <a:bodyPr wrap="square" rtlCol="0">
-            <a:spAutoFit/>
-          </a:bodyPr>
-          <a:lstStyle/>
-          <a:p>
-            <a:pPr algn="ctr"/>
-            <a:r>
-              <a:rPr lang="en-US" sz="1050" dirty="0">
-                <a:solidFill>
-                  <a:schemeClr val="bg1"/>
-                </a:solidFill>
-              </a:rPr>
-              <a:t>Scrum Master     </a:t>
-            </a:r>
-            <a:r>
-              <a:rPr lang="en-US" sz="1050" dirty="0">
-                <a:solidFill>
-                  <a:schemeClr val="accent3"/>
-                </a:solidFill>
-              </a:rPr>
-              <a:t>Product Owner     </a:t>
-            </a:r>
-            <a:r>
-              <a:rPr lang="en-US" sz="1050" dirty="0">
-                <a:solidFill>
-                  <a:schemeClr val="bg1"/>
-                </a:solidFill>
-              </a:rPr>
-              <a:t>Development Team</a:t>
-            </a:r>
-          </a:p>
-        </p:txBody>
-      </p:sp>
-      <p:cxnSp>
-        <p:nvCxnSpPr>
-          <p:cNvPr id="66" name="Straight Arrow Connector 65"/>
-          <p:cNvCxnSpPr>
-            <a:stCxn id="65" idx="0"/>
-            <a:endCxn id="43" idx="4"/>
-          </p:cNvCxnSpPr>
-          <p:nvPr/>
-        </p:nvCxnSpPr>
-        <p:spPr>
-          <a:xfrm flipH="1" flipV="1">
-            <a:off x="4935765" y="6317750"/>
-            <a:ext cx="1457415" cy="222536"/>
-          </a:xfrm>
-          <a:prstGeom prst="straightConnector1">
-            <a:avLst/>
-          </a:prstGeom>
-          <a:ln w="28575">
-            <a:solidFill>
-              <a:schemeClr val="bg1"/>
-            </a:solidFill>
-            <a:tailEnd type="triangle"/>
-          </a:ln>
-        </p:spPr>
-        <p:style>
-          <a:lnRef idx="1">
-            <a:schemeClr val="accent1"/>
-          </a:lnRef>
-          <a:fillRef idx="0">
-            <a:schemeClr val="accent1"/>
-          </a:fillRef>
-          <a:effectRef idx="0">
-            <a:schemeClr val="accent1"/>
-          </a:effectRef>
-          <a:fontRef idx="minor">
-            <a:schemeClr val="tx1"/>
-          </a:fontRef>
-        </p:style>
-      </p:cxnSp>
-      <p:cxnSp>
-        <p:nvCxnSpPr>
-          <p:cNvPr id="69" name="Straight Arrow Connector 68"/>
-          <p:cNvCxnSpPr>
-            <a:stCxn id="65" idx="0"/>
-          </p:cNvCxnSpPr>
-          <p:nvPr/>
-        </p:nvCxnSpPr>
-        <p:spPr>
-          <a:xfrm flipV="1">
-            <a:off x="6393180" y="6344622"/>
-            <a:ext cx="0" cy="195664"/>
-          </a:xfrm>
-          <a:prstGeom prst="straightConnector1">
-            <a:avLst/>
-          </a:prstGeom>
-          <a:ln w="28575">
-            <a:solidFill>
-              <a:schemeClr val="bg1"/>
-            </a:solidFill>
-            <a:tailEnd type="triangle"/>
-          </a:ln>
-        </p:spPr>
-        <p:style>
-          <a:lnRef idx="1">
-            <a:schemeClr val="accent1"/>
-          </a:lnRef>
-          <a:fillRef idx="0">
-            <a:schemeClr val="accent1"/>
-          </a:fillRef>
-          <a:effectRef idx="0">
-            <a:schemeClr val="accent1"/>
-          </a:effectRef>
-          <a:fontRef idx="minor">
-            <a:schemeClr val="tx1"/>
-          </a:fontRef>
-        </p:style>
-      </p:cxnSp>
-      <p:cxnSp>
-        <p:nvCxnSpPr>
-          <p:cNvPr id="72" name="Straight Arrow Connector 71"/>
-          <p:cNvCxnSpPr>
-            <a:stCxn id="65" idx="0"/>
-            <a:endCxn id="46" idx="4"/>
-          </p:cNvCxnSpPr>
-          <p:nvPr/>
-        </p:nvCxnSpPr>
-        <p:spPr>
-          <a:xfrm flipV="1">
-            <a:off x="6393180" y="6317750"/>
-            <a:ext cx="1346158" cy="222536"/>
-          </a:xfrm>
-          <a:prstGeom prst="straightConnector1">
-            <a:avLst/>
-          </a:prstGeom>
-          <a:ln w="28575">
-            <a:solidFill>
-              <a:schemeClr val="bg1"/>
-            </a:solidFill>
-            <a:tailEnd type="triangle"/>
-          </a:ln>
-        </p:spPr>
-        <p:style>
-          <a:lnRef idx="1">
-            <a:schemeClr val="accent1"/>
-          </a:lnRef>
-          <a:fillRef idx="0">
-            <a:schemeClr val="accent1"/>
-          </a:fillRef>
-          <a:effectRef idx="0">
-            <a:schemeClr val="accent1"/>
-          </a:effectRef>
-          <a:fontRef idx="minor">
-            <a:schemeClr val="tx1"/>
-          </a:fontRef>
-        </p:style>
-      </p:cxnSp>
-      <p:sp>
-        <p:nvSpPr>
-          <p:cNvPr id="299" name="Rounded Rectangle 298"/>
-          <p:cNvSpPr/>
-          <p:nvPr/>
-        </p:nvSpPr>
-        <p:spPr>
-          <a:xfrm>
-            <a:off x="3970020" y="2801322"/>
-            <a:ext cx="647700" cy="3733800"/>
-          </a:xfrm>
-          <a:prstGeom prst="roundRect">
-            <a:avLst/>
-          </a:prstGeom>
-          <a:noFill/>
-          <a:ln>
-            <a:solidFill>
-              <a:schemeClr val="bg1"/>
-            </a:solidFill>
-            <a:prstDash val="dash"/>
-          </a:ln>
-        </p:spPr>
-        <p:style>
-          <a:lnRef idx="2">
-            <a:schemeClr val="accent1">
-              <a:shade val="50000"/>
-            </a:schemeClr>
-          </a:lnRef>
-          <a:fillRef idx="1">
-            <a:schemeClr val="accent1"/>
-          </a:fillRef>
-          <a:effectRef idx="0">
-            <a:schemeClr val="accent1"/>
-          </a:effectRef>
-          <a:fontRef idx="minor">
-            <a:schemeClr val="lt1"/>
-          </a:fontRef>
-        </p:style>
-        <p:txBody>
-          <a:bodyPr rtlCol="0" anchor="ctr"/>
-          <a:lstStyle/>
-          <a:p>
-            <a:pPr algn="ctr"/>
-            <a:endParaRPr lang="en-US"/>
-          </a:p>
-        </p:txBody>
-      </p:sp>
-      <p:sp>
-        <p:nvSpPr>
-          <p:cNvPr id="300" name="TextBox 299"/>
-          <p:cNvSpPr txBox="1"/>
-          <p:nvPr/>
-        </p:nvSpPr>
-        <p:spPr>
-          <a:xfrm>
-            <a:off x="2697480" y="4527044"/>
-            <a:ext cx="914400" cy="415498"/>
-          </a:xfrm>
-          <a:prstGeom prst="rect">
-            <a:avLst/>
-          </a:prstGeom>
-          <a:noFill/>
-        </p:spPr>
-        <p:txBody>
-          <a:bodyPr wrap="square" rtlCol="0">
-            <a:spAutoFit/>
-          </a:bodyPr>
-          <a:lstStyle/>
-          <a:p>
-            <a:pPr algn="ctr"/>
-            <a:r>
-              <a:rPr lang="en-US" sz="1050" dirty="0">
-                <a:solidFill>
-                  <a:schemeClr val="accent3"/>
-                </a:solidFill>
-              </a:rPr>
-              <a:t>Agile Teams</a:t>
-            </a:r>
-          </a:p>
-        </p:txBody>
-      </p:sp>
-      <p:cxnSp>
-        <p:nvCxnSpPr>
-          <p:cNvPr id="301" name="Straight Arrow Connector 300"/>
-          <p:cNvCxnSpPr>
-            <a:stCxn id="300" idx="3"/>
-            <a:endCxn id="32" idx="1"/>
-          </p:cNvCxnSpPr>
-          <p:nvPr/>
-        </p:nvCxnSpPr>
-        <p:spPr>
-          <a:xfrm>
-            <a:off x="3611880" y="4734793"/>
-            <a:ext cx="368679" cy="5125"/>
-          </a:xfrm>
-          <a:prstGeom prst="straightConnector1">
-            <a:avLst/>
-          </a:prstGeom>
-          <a:ln w="28575">
-            <a:solidFill>
-              <a:schemeClr val="bg1"/>
-            </a:solidFill>
-            <a:tailEnd type="triangle"/>
-          </a:ln>
-        </p:spPr>
-        <p:style>
-          <a:lnRef idx="1">
-            <a:schemeClr val="accent1"/>
-          </a:lnRef>
-          <a:fillRef idx="0">
-            <a:schemeClr val="accent1"/>
-          </a:fillRef>
-          <a:effectRef idx="0">
-            <a:schemeClr val="accent1"/>
-          </a:effectRef>
-          <a:fontRef idx="minor">
-            <a:schemeClr val="tx1"/>
-          </a:fontRef>
-        </p:style>
-      </p:cxnSp>
-      <p:sp>
-        <p:nvSpPr>
-          <p:cNvPr id="327" name="Rounded Rectangle 326"/>
-          <p:cNvSpPr/>
-          <p:nvPr/>
-        </p:nvSpPr>
-        <p:spPr>
-          <a:xfrm>
-            <a:off x="3931920" y="1627842"/>
-            <a:ext cx="4267199" cy="251460"/>
-          </a:xfrm>
-          <a:prstGeom prst="roundRect">
-            <a:avLst/>
-          </a:prstGeom>
-        </p:spPr>
-        <p:style>
-          <a:lnRef idx="2">
-            <a:schemeClr val="accent1">
-              <a:shade val="50000"/>
-            </a:schemeClr>
-          </a:lnRef>
-          <a:fillRef idx="1">
-            <a:schemeClr val="accent1"/>
-          </a:fillRef>
-          <a:effectRef idx="0">
-            <a:schemeClr val="accent1"/>
-          </a:effectRef>
-          <a:fontRef idx="minor">
-            <a:schemeClr val="lt1"/>
-          </a:fontRef>
-        </p:style>
-        <p:txBody>
-          <a:bodyPr rtlCol="0" anchor="ctr"/>
-          <a:lstStyle/>
-          <a:p>
-            <a:pPr algn="ctr"/>
-            <a:r>
-              <a:rPr lang="en-US" sz="1100" dirty="0"/>
-              <a:t>AP243e1 </a:t>
-            </a:r>
-            <a:r>
-              <a:rPr lang="en-US" sz="1100" dirty="0">
-                <a:solidFill>
-                  <a:srgbClr val="0096DB"/>
-                </a:solidFill>
-              </a:rPr>
-              <a:t>(ART/EPIC)</a:t>
-            </a:r>
-          </a:p>
-        </p:txBody>
-      </p:sp>
-      <p:sp>
-        <p:nvSpPr>
-          <p:cNvPr id="223" name="Rounded Rectangle 222"/>
-          <p:cNvSpPr/>
-          <p:nvPr/>
-        </p:nvSpPr>
-        <p:spPr>
-          <a:xfrm>
-            <a:off x="3924300" y="1323042"/>
-            <a:ext cx="4267199" cy="259080"/>
-          </a:xfrm>
-          <a:prstGeom prst="roundRect">
-            <a:avLst/>
-          </a:prstGeom>
-        </p:spPr>
-        <p:style>
-          <a:lnRef idx="2">
-            <a:schemeClr val="accent1">
-              <a:shade val="50000"/>
-            </a:schemeClr>
-          </a:lnRef>
-          <a:fillRef idx="1">
-            <a:schemeClr val="accent1"/>
-          </a:fillRef>
-          <a:effectRef idx="0">
-            <a:schemeClr val="accent1"/>
-          </a:effectRef>
-          <a:fontRef idx="minor">
-            <a:schemeClr val="lt1"/>
-          </a:fontRef>
-        </p:style>
-        <p:txBody>
-          <a:bodyPr rtlCol="0" anchor="ctr"/>
-          <a:lstStyle/>
-          <a:p>
-            <a:pPr algn="ctr"/>
-            <a:r>
-              <a:rPr lang="en-US" sz="1100" dirty="0"/>
-              <a:t>AP239e4 </a:t>
-            </a:r>
-            <a:r>
-              <a:rPr lang="en-US" sz="1100" dirty="0">
-                <a:solidFill>
-                  <a:srgbClr val="0096DB"/>
-                </a:solidFill>
-              </a:rPr>
-              <a:t>(ART/EPIC)</a:t>
-            </a:r>
+            <a:pPr>
+              <a:buNone/>
+            </a:pPr>
+            <a:endParaRPr lang="en-US" b="0" dirty="0"/>
+          </a:p>
+          <a:p>
+            <a:pPr marL="342900" indent="-342900">
+              <a:buFont typeface="Arial" panose="020B0604020202020204" pitchFamily="34" charset="0"/>
+              <a:buChar char="•"/>
+            </a:pPr>
+            <a:r>
+              <a:rPr lang="en-US" b="0" dirty="0"/>
+              <a:t>Requirements traceability</a:t>
+            </a:r>
+          </a:p>
+          <a:p>
+            <a:pPr marL="631825" lvl="1" indent="-342900"/>
+            <a:r>
+              <a:rPr lang="en-US" sz="1600" dirty="0"/>
+              <a:t>Requirements:</a:t>
+            </a:r>
+          </a:p>
+          <a:p>
+            <a:pPr marL="850900" lvl="2" indent="-342900"/>
+            <a:r>
+              <a:rPr lang="en-US" sz="1400" dirty="0"/>
+              <a:t> come from different sources: users, implementers, domain experts, …</a:t>
+            </a:r>
+          </a:p>
+          <a:p>
+            <a:pPr marL="850900" lvl="2" indent="-342900"/>
+            <a:r>
+              <a:rPr lang="en-US" sz="1400" dirty="0"/>
+              <a:t> in different forms: email, spreadsheet, word document, meetings, …</a:t>
+            </a:r>
+          </a:p>
+          <a:p>
+            <a:pPr marL="850900" lvl="2" indent="-342900"/>
+            <a:r>
+              <a:rPr lang="en-US" sz="1400" dirty="0"/>
+              <a:t> </a:t>
+            </a:r>
+            <a:r>
+              <a:rPr lang="en-US" sz="1400" b="0" dirty="0"/>
+              <a:t>change during the development </a:t>
+            </a:r>
+            <a:r>
+              <a:rPr lang="en-US" sz="1400" b="0" dirty="0" smtClean="0"/>
+              <a:t>cycle</a:t>
+            </a:r>
+          </a:p>
+          <a:p>
+            <a:pPr marL="850900" lvl="2" indent="-342900"/>
+            <a:r>
+              <a:rPr lang="en-US" sz="1400" dirty="0" smtClean="0"/>
+              <a:t>Requirement to be structured/semantic and computer interpretable for automation optimization (i.e. </a:t>
+            </a:r>
+            <a:r>
+              <a:rPr lang="en-US" sz="1400" dirty="0" err="1" smtClean="0"/>
+              <a:t>Req</a:t>
+            </a:r>
+            <a:r>
+              <a:rPr lang="en-US" sz="1400" dirty="0" smtClean="0"/>
+              <a:t>-IF)</a:t>
+            </a:r>
+            <a:endParaRPr lang="en-US" sz="1400" b="0" dirty="0"/>
+          </a:p>
+          <a:p>
+            <a:pPr marL="631825" lvl="1" indent="-342900"/>
+            <a:endParaRPr lang="en-US" sz="1600" b="0" dirty="0"/>
+          </a:p>
+          <a:p>
+            <a:pPr marL="631825" lvl="1" indent="-342900"/>
+            <a:r>
+              <a:rPr lang="en-US" sz="1600" b="0" dirty="0"/>
+              <a:t>Agile offers methods for requirements traceability</a:t>
+            </a:r>
+          </a:p>
+          <a:p>
+            <a:pPr marL="850900" lvl="2" indent="-342900"/>
+            <a:r>
+              <a:rPr lang="en-US" sz="1400" dirty="0"/>
+              <a:t>These methods need tools to be implemented</a:t>
+            </a:r>
+          </a:p>
+          <a:p>
+            <a:pPr marL="850900" lvl="2" indent="-342900"/>
+            <a:r>
+              <a:rPr lang="en-US" sz="1400" dirty="0"/>
+              <a:t>Existing tools do not share a common requirement representation and management strategy</a:t>
+            </a:r>
+          </a:p>
+          <a:p>
+            <a:pPr marL="850900" lvl="2" indent="-342900"/>
+            <a:r>
+              <a:rPr lang="en-US" sz="1400" dirty="0"/>
+              <a:t>Because of that inconsistency, there is limited integration between the tools involved</a:t>
+            </a:r>
+            <a:endParaRPr lang="en-US" sz="1200" dirty="0"/>
+          </a:p>
+          <a:p>
+            <a:pPr lvl="2" indent="0">
+              <a:buNone/>
+            </a:pPr>
+            <a:endParaRPr lang="en-US" sz="1600" b="0" dirty="0"/>
+          </a:p>
+          <a:p>
+            <a:pPr marL="631825" lvl="1" indent="-342900"/>
+            <a:r>
+              <a:rPr lang="en-US" sz="1600" dirty="0"/>
+              <a:t>Develop and implement a requirement model and management strategy</a:t>
+            </a:r>
+          </a:p>
+          <a:p>
+            <a:pPr marL="850900" lvl="2" indent="-342900"/>
+            <a:r>
+              <a:rPr lang="en-US" sz="1400" dirty="0"/>
+              <a:t>To ensure consistent definition, management and validation of the requirements</a:t>
+            </a:r>
+            <a:endParaRPr lang="en-US" sz="1400" b="0" dirty="0"/>
+          </a:p>
+          <a:p>
+            <a:pPr lvl="1" indent="0">
+              <a:buNone/>
+            </a:pPr>
+            <a:endParaRPr lang="en-US" sz="1400" b="0" dirty="0"/>
           </a:p>
         </p:txBody>
       </p:sp>
     </p:spTree>
     <p:extLst>
       <p:ext uri="{BB962C8B-B14F-4D97-AF65-F5344CB8AC3E}">
-        <p14:creationId xmlns:p14="http://schemas.microsoft.com/office/powerpoint/2010/main" val="3829985097"/>
+        <p14:creationId xmlns:p14="http://schemas.microsoft.com/office/powerpoint/2010/main" val="992928965"/>
       </p:ext>
     </p:extLst>
   </p:cSld>
@@ -19221,12 +13020,6 @@
 </file>
 
 <file path=customXml/item1.xml><?xml version="1.0" encoding="utf-8"?>
-<p:properties xmlns:p="http://schemas.microsoft.com/office/2006/metadata/properties" xmlns:xsi="http://www.w3.org/2001/XMLSchema-instance" xmlns:pc="http://schemas.microsoft.com/office/infopath/2007/PartnerControls">
-  <documentManagement/>
-</p:properties>
-</file>
-
-<file path=customXml/item2.xml><?xml version="1.0" encoding="utf-8"?>
 <ct:contentTypeSchema xmlns:ct="http://schemas.microsoft.com/office/2006/metadata/contentType" xmlns:ma="http://schemas.microsoft.com/office/2006/metadata/properties/metaAttributes" ct:_="" ma:_="" ma:contentTypeName="Document" ma:contentTypeID="0x010100B928359CC7305D47809A6E4D09895B12" ma:contentTypeVersion="0" ma:contentTypeDescription="Create a new document." ma:contentTypeScope="" ma:versionID="58734b0d5d00aaa9ecfcecd44c708e1b">
   <xsd:schema xmlns:xsd="http://www.w3.org/2001/XMLSchema" xmlns:xs="http://www.w3.org/2001/XMLSchema" xmlns:p="http://schemas.microsoft.com/office/2006/metadata/properties" targetNamespace="http://schemas.microsoft.com/office/2006/metadata/properties" ma:root="true" ma:fieldsID="1b05d82d297216baf5b26c55225140df">
     <xsd:element name="properties">
@@ -19340,6 +13133,12 @@
 </ct:contentTypeSchema>
 </file>
 
+<file path=customXml/item2.xml><?xml version="1.0" encoding="utf-8"?>
+<p:properties xmlns:p="http://schemas.microsoft.com/office/2006/metadata/properties" xmlns:xsi="http://www.w3.org/2001/XMLSchema-instance" xmlns:pc="http://schemas.microsoft.com/office/infopath/2007/PartnerControls">
+  <documentManagement/>
+</p:properties>
+</file>
+
 <file path=customXml/item3.xml><?xml version="1.0" encoding="utf-8"?>
 <?mso-contentType ?>
 <FormTemplates xmlns="http://schemas.microsoft.com/sharepoint/v3/contenttype/forms">
@@ -19350,21 +13149,6 @@
 </file>
 
 <file path=customXml/itemProps1.xml><?xml version="1.0" encoding="utf-8"?>
-<ds:datastoreItem xmlns:ds="http://schemas.openxmlformats.org/officeDocument/2006/customXml" ds:itemID="{C691D66D-CA73-4591-BA35-882D4C096123}">
-  <ds:schemaRefs>
-    <ds:schemaRef ds:uri="http://purl.org/dc/elements/1.1/"/>
-    <ds:schemaRef ds:uri="http://schemas.microsoft.com/office/2006/metadata/properties"/>
-    <ds:schemaRef ds:uri="http://schemas.microsoft.com/office/2006/documentManagement/types"/>
-    <ds:schemaRef ds:uri="http://purl.org/dc/terms/"/>
-    <ds:schemaRef ds:uri="http://schemas.openxmlformats.org/package/2006/metadata/core-properties"/>
-    <ds:schemaRef ds:uri="http://purl.org/dc/dcmitype/"/>
-    <ds:schemaRef ds:uri="http://schemas.microsoft.com/office/infopath/2007/PartnerControls"/>
-    <ds:schemaRef ds:uri="http://www.w3.org/XML/1998/namespace"/>
-  </ds:schemaRefs>
-</ds:datastoreItem>
-</file>
-
-<file path=customXml/itemProps2.xml><?xml version="1.0" encoding="utf-8"?>
 <ds:datastoreItem xmlns:ds="http://schemas.openxmlformats.org/officeDocument/2006/customXml" ds:itemID="{FFB024C0-3292-4B7C-9F10-F14F1C85528A}">
   <ds:schemaRefs>
     <ds:schemaRef ds:uri="http://schemas.microsoft.com/office/2006/metadata/contentType"/>
@@ -19380,6 +13164,21 @@
 </ds:datastoreItem>
 </file>
 
+<file path=customXml/itemProps2.xml><?xml version="1.0" encoding="utf-8"?>
+<ds:datastoreItem xmlns:ds="http://schemas.openxmlformats.org/officeDocument/2006/customXml" ds:itemID="{C691D66D-CA73-4591-BA35-882D4C096123}">
+  <ds:schemaRefs>
+    <ds:schemaRef ds:uri="http://purl.org/dc/elements/1.1/"/>
+    <ds:schemaRef ds:uri="http://schemas.microsoft.com/office/2006/metadata/properties"/>
+    <ds:schemaRef ds:uri="http://schemas.microsoft.com/office/2006/documentManagement/types"/>
+    <ds:schemaRef ds:uri="http://purl.org/dc/terms/"/>
+    <ds:schemaRef ds:uri="http://schemas.openxmlformats.org/package/2006/metadata/core-properties"/>
+    <ds:schemaRef ds:uri="http://purl.org/dc/dcmitype/"/>
+    <ds:schemaRef ds:uri="http://schemas.microsoft.com/office/infopath/2007/PartnerControls"/>
+    <ds:schemaRef ds:uri="http://www.w3.org/XML/1998/namespace"/>
+  </ds:schemaRefs>
+</ds:datastoreItem>
+</file>
+
 <file path=customXml/itemProps3.xml><?xml version="1.0" encoding="utf-8"?>
 <ds:datastoreItem xmlns:ds="http://schemas.openxmlformats.org/officeDocument/2006/customXml" ds:itemID="{16D4C100-0EDD-4DD2-914D-A957225F12B9}">
   <ds:schemaRefs>

--- a/01 - Agile for Model-Based Standards Development/D - Presentations/PDES.Presentation.pptx
+++ b/01 - Agile for Model-Based Standards Development/D - Presentations/PDES.Presentation.pptx
@@ -5,30 +5,29 @@
     <p:sldMasterId id="2147483685" r:id="rId4"/>
   </p:sldMasterIdLst>
   <p:notesMasterIdLst>
-    <p:notesMasterId r:id="rId18"/>
+    <p:notesMasterId r:id="rId17"/>
   </p:notesMasterIdLst>
   <p:handoutMasterIdLst>
-    <p:handoutMasterId r:id="rId19"/>
+    <p:handoutMasterId r:id="rId18"/>
   </p:handoutMasterIdLst>
   <p:sldIdLst>
     <p:sldId id="256" r:id="rId5"/>
     <p:sldId id="257" r:id="rId6"/>
     <p:sldId id="271" r:id="rId7"/>
-    <p:sldId id="270" r:id="rId8"/>
-    <p:sldId id="269" r:id="rId9"/>
+    <p:sldId id="268" r:id="rId8"/>
+    <p:sldId id="270" r:id="rId9"/>
     <p:sldId id="266" r:id="rId10"/>
-    <p:sldId id="268" r:id="rId11"/>
-    <p:sldId id="267" r:id="rId12"/>
-    <p:sldId id="274" r:id="rId13"/>
-    <p:sldId id="272" r:id="rId14"/>
-    <p:sldId id="273" r:id="rId15"/>
-    <p:sldId id="275" r:id="rId16"/>
-    <p:sldId id="276" r:id="rId17"/>
+    <p:sldId id="267" r:id="rId11"/>
+    <p:sldId id="274" r:id="rId12"/>
+    <p:sldId id="272" r:id="rId13"/>
+    <p:sldId id="273" r:id="rId14"/>
+    <p:sldId id="275" r:id="rId15"/>
+    <p:sldId id="276" r:id="rId16"/>
   </p:sldIdLst>
   <p:sldSz cx="12188825" cy="6858000"/>
   <p:notesSz cx="7023100" cy="9309100"/>
   <p:custDataLst>
-    <p:tags r:id="rId20"/>
+    <p:tags r:id="rId19"/>
   </p:custDataLst>
   <p:defaultTextStyle>
     <a:defPPr>
@@ -167,10 +166,9 @@
         <p14:section name="Agile" id="{256DC1E6-E825-4062-8B80-19478AAF3716}">
           <p14:sldIdLst>
             <p14:sldId id="271"/>
+            <p14:sldId id="268"/>
             <p14:sldId id="270"/>
-            <p14:sldId id="269"/>
             <p14:sldId id="266"/>
-            <p14:sldId id="268"/>
             <p14:sldId id="267"/>
             <p14:sldId id="274"/>
             <p14:sldId id="272"/>
@@ -320,7 +318,7 @@
             <a:fld id="{BE4E05A4-29A6-45AB-82C9-31FC81F0251A}" type="datetimeFigureOut">
               <a:rPr lang="en-US" smtClean="0"/>
               <a:pPr/>
-              <a:t>9/9/2019</a:t>
+              <a:t>9/10/2019</a:t>
             </a:fld>
             <a:endParaRPr lang="en-US" dirty="0"/>
           </a:p>
@@ -906,7 +904,7 @@
             <a:fld id="{739F009B-AA83-4291-81BE-194F11CE1901}" type="slidenum">
               <a:rPr lang="en-US" smtClean="0"/>
               <a:pPr/>
-              <a:t>9</a:t>
+              <a:t>8</a:t>
             </a:fld>
             <a:endParaRPr lang="en-US" dirty="0"/>
           </a:p>
@@ -991,7 +989,7 @@
             <a:fld id="{739F009B-AA83-4291-81BE-194F11CE1901}" type="slidenum">
               <a:rPr lang="en-US" smtClean="0"/>
               <a:pPr/>
-              <a:t>10</a:t>
+              <a:t>9</a:t>
             </a:fld>
             <a:endParaRPr lang="en-US" dirty="0"/>
           </a:p>
@@ -1076,7 +1074,7 @@
             <a:fld id="{739F009B-AA83-4291-81BE-194F11CE1901}" type="slidenum">
               <a:rPr lang="en-US" smtClean="0"/>
               <a:pPr/>
-              <a:t>11</a:t>
+              <a:t>10</a:t>
             </a:fld>
             <a:endParaRPr lang="en-US" dirty="0"/>
           </a:p>
@@ -8457,7 +8455,7 @@
           <a:p>
             <a:r>
               <a:rPr lang="en-GB" sz="3200" dirty="0"/>
-              <a:t>Continued Research 2: Advanced Communication Tools</a:t>
+              <a:t>Continued Research 3: Continuous Integration</a:t>
             </a:r>
           </a:p>
         </p:txBody>
@@ -8578,326 +8576,6 @@
         <p:spPr>
           <a:xfrm>
             <a:off x="405383" y="1283208"/>
-            <a:ext cx="11311128" cy="4921347"/>
-          </a:xfrm>
-        </p:spPr>
-        <p:txBody>
-          <a:bodyPr/>
-          <a:lstStyle/>
-          <a:p>
-            <a:pPr lvl="1" indent="0">
-              <a:buNone/>
-            </a:pPr>
-            <a:endParaRPr lang="en-US" sz="1400" b="0" dirty="0"/>
-          </a:p>
-          <a:p>
-            <a:pPr marL="342900" indent="-342900">
-              <a:buFont typeface="Arial" panose="020B0604020202020204" pitchFamily="34" charset="0"/>
-              <a:buChar char="•"/>
-            </a:pPr>
-            <a:r>
-              <a:rPr lang="en-US" b="0" dirty="0"/>
-              <a:t>Consensus management </a:t>
-            </a:r>
-          </a:p>
-          <a:p>
-            <a:pPr marL="631825" lvl="1" indent="-342900"/>
-            <a:r>
-              <a:rPr lang="en-US" sz="1600" b="0" dirty="0"/>
-              <a:t>STEP experts:</a:t>
-            </a:r>
-          </a:p>
-          <a:p>
-            <a:pPr marL="850900" lvl="2" indent="-342900"/>
-            <a:r>
-              <a:rPr lang="en-US" sz="1400" dirty="0"/>
-              <a:t>A</a:t>
-            </a:r>
-            <a:r>
-              <a:rPr lang="en-US" sz="1400" b="0" dirty="0"/>
-              <a:t>re geographical dispersed</a:t>
-            </a:r>
-          </a:p>
-          <a:p>
-            <a:pPr marL="850900" lvl="2" indent="-342900"/>
-            <a:r>
-              <a:rPr lang="en-US" sz="1400" dirty="0"/>
-              <a:t>Can’t always attend all the meetings</a:t>
-            </a:r>
-          </a:p>
-          <a:p>
-            <a:pPr marL="850900" lvl="2" indent="-342900"/>
-            <a:r>
-              <a:rPr lang="en-US" sz="1400" dirty="0"/>
-              <a:t>Cannot always be dedicated</a:t>
-            </a:r>
-          </a:p>
-          <a:p>
-            <a:pPr lvl="2" indent="0">
-              <a:buNone/>
-            </a:pPr>
-            <a:endParaRPr lang="en-US" sz="1600" dirty="0"/>
-          </a:p>
-          <a:p>
-            <a:pPr marL="631825" lvl="1" indent="-342900"/>
-            <a:r>
-              <a:rPr lang="en-US" sz="1600" dirty="0"/>
-              <a:t>Importance of keeping track of and documenting all the activities and decisions during the different meetings</a:t>
-            </a:r>
-          </a:p>
-          <a:p>
-            <a:pPr marL="850900" lvl="2" indent="-342900"/>
-            <a:r>
-              <a:rPr lang="en-US" sz="1400" dirty="0"/>
-              <a:t>Decisions can be achievements, new tasks, bugs, bug resolutions, requirements, assignments, …</a:t>
-            </a:r>
-          </a:p>
-          <a:p>
-            <a:pPr marL="631825" lvl="1" indent="-342900"/>
-            <a:endParaRPr lang="en-US" sz="1600" dirty="0"/>
-          </a:p>
-          <a:p>
-            <a:pPr marL="631825" lvl="1" indent="-342900"/>
-            <a:r>
-              <a:rPr lang="en-US" sz="1600" dirty="0"/>
-              <a:t>Meeting minutes are not necessarily very detailed, formalized, and accessible</a:t>
-            </a:r>
-          </a:p>
-          <a:p>
-            <a:pPr marL="850900" lvl="2" indent="-342900"/>
-            <a:r>
-              <a:rPr lang="en-US" sz="1400" dirty="0"/>
-              <a:t>Who, When, Where, What, Why, How </a:t>
-            </a:r>
-          </a:p>
-          <a:p>
-            <a:pPr marL="631825" lvl="1" indent="-342900"/>
-            <a:endParaRPr lang="en-US" sz="1600" dirty="0"/>
-          </a:p>
-          <a:p>
-            <a:pPr marL="631825" lvl="1" indent="-342900"/>
-            <a:r>
-              <a:rPr lang="en-US" sz="1600" dirty="0"/>
-              <a:t>Develop and implement a formal meeting minutes model and strategy</a:t>
-            </a:r>
-          </a:p>
-          <a:p>
-            <a:pPr marL="850900" lvl="2" indent="-342900"/>
-            <a:r>
-              <a:rPr lang="en-US" sz="1400" b="0" dirty="0"/>
-              <a:t>Easier access to the minutes</a:t>
-            </a:r>
-          </a:p>
-          <a:p>
-            <a:pPr marL="850900" lvl="2" indent="-342900"/>
-            <a:r>
-              <a:rPr lang="en-US" sz="1400" dirty="0"/>
-              <a:t>Minutes traceability to requirements and </a:t>
-            </a:r>
-            <a:r>
-              <a:rPr lang="en-US" sz="1400" dirty="0" smtClean="0"/>
-              <a:t>tasks</a:t>
-            </a:r>
-          </a:p>
-          <a:p>
-            <a:pPr marL="850900" lvl="2" indent="-342900"/>
-            <a:r>
-              <a:rPr lang="en-US" sz="1400" dirty="0" smtClean="0"/>
-              <a:t>Supports report generation, automation, and single source of truth</a:t>
-            </a:r>
-            <a:endParaRPr lang="en-US" sz="1200" dirty="0"/>
-          </a:p>
-          <a:p>
-            <a:pPr marL="850900" lvl="2" indent="-342900"/>
-            <a:endParaRPr lang="en-US" sz="1400" dirty="0"/>
-          </a:p>
-        </p:txBody>
-      </p:sp>
-    </p:spTree>
-    <p:extLst>
-      <p:ext uri="{BB962C8B-B14F-4D97-AF65-F5344CB8AC3E}">
-        <p14:creationId xmlns:p14="http://schemas.microsoft.com/office/powerpoint/2010/main" val="1343705657"/>
-      </p:ext>
-    </p:extLst>
-  </p:cSld>
-  <p:clrMapOvr>
-    <a:masterClrMapping/>
-  </p:clrMapOvr>
-  <mc:AlternateContent xmlns:mc="http://schemas.openxmlformats.org/markup-compatibility/2006" xmlns:p14="http://schemas.microsoft.com/office/powerpoint/2010/main">
-    <mc:Choice Requires="p14">
-      <p:transition spd="med" p14:dur="700">
-        <p:fade/>
-      </p:transition>
-    </mc:Choice>
-    <mc:Fallback xmlns="">
-      <p:transition spd="med">
-        <p:fade/>
-      </p:transition>
-    </mc:Fallback>
-  </mc:AlternateContent>
-</p:sld>
-</file>
-
-<file path=ppt/slides/slide11.xml><?xml version="1.0" encoding="utf-8"?>
-<p:sld xmlns:a="http://schemas.openxmlformats.org/drawingml/2006/main" xmlns:r="http://schemas.openxmlformats.org/officeDocument/2006/relationships" xmlns:p="http://schemas.openxmlformats.org/presentationml/2006/main">
-  <p:cSld>
-    <p:spTree>
-      <p:nvGrpSpPr>
-        <p:cNvPr id="1" name=""/>
-        <p:cNvGrpSpPr/>
-        <p:nvPr/>
-      </p:nvGrpSpPr>
-      <p:grpSpPr>
-        <a:xfrm>
-          <a:off x="0" y="0"/>
-          <a:ext cx="0" cy="0"/>
-          <a:chOff x="0" y="0"/>
-          <a:chExt cx="0" cy="0"/>
-        </a:xfrm>
-      </p:grpSpPr>
-      <p:sp>
-        <p:nvSpPr>
-          <p:cNvPr id="2" name="Title 1"/>
-          <p:cNvSpPr>
-            <a:spLocks noGrp="1"/>
-          </p:cNvSpPr>
-          <p:nvPr>
-            <p:ph type="title"/>
-          </p:nvPr>
-        </p:nvSpPr>
-        <p:spPr>
-          <a:xfrm>
-            <a:off x="448055" y="457200"/>
-            <a:ext cx="11311128" cy="489365"/>
-          </a:xfrm>
-        </p:spPr>
-        <p:txBody>
-          <a:bodyPr/>
-          <a:lstStyle/>
-          <a:p>
-            <a:r>
-              <a:rPr lang="en-GB" sz="3200" dirty="0"/>
-              <a:t>Continued Research 3: Continuous Integration</a:t>
-            </a:r>
-          </a:p>
-        </p:txBody>
-      </p:sp>
-      <p:sp>
-        <p:nvSpPr>
-          <p:cNvPr id="7" name="Rectangle 2"/>
-          <p:cNvSpPr>
-            <a:spLocks noChangeArrowheads="1"/>
-          </p:cNvSpPr>
-          <p:nvPr/>
-        </p:nvSpPr>
-        <p:spPr bwMode="auto">
-          <a:xfrm>
-            <a:off x="13487400" y="2087880"/>
-            <a:ext cx="12188825" cy="0"/>
-          </a:xfrm>
-          <a:prstGeom prst="rect">
-            <a:avLst/>
-          </a:prstGeom>
-          <a:solidFill>
-            <a:schemeClr val="bg1"/>
-          </a:solidFill>
-          <a:ln>
-            <a:noFill/>
-          </a:ln>
-          <a:effectLst/>
-        </p:spPr>
-        <p:txBody>
-          <a:bodyPr vert="horz" wrap="none" lIns="91440" tIns="45720" rIns="91440" bIns="45720" numCol="1" anchor="ctr" anchorCtr="0" compatLnSpc="1">
-            <a:prstTxWarp prst="textNoShape">
-              <a:avLst/>
-            </a:prstTxWarp>
-            <a:spAutoFit/>
-          </a:bodyPr>
-          <a:lstStyle/>
-          <a:p>
-            <a:endParaRPr lang="en-US"/>
-          </a:p>
-        </p:txBody>
-      </p:sp>
-      <p:sp>
-        <p:nvSpPr>
-          <p:cNvPr id="11" name="Text Placeholder 2"/>
-          <p:cNvSpPr>
-            <a:spLocks noGrp="1"/>
-          </p:cNvSpPr>
-          <p:nvPr>
-            <p:ph type="body" sz="quarter" idx="12"/>
-          </p:nvPr>
-        </p:nvSpPr>
-        <p:spPr>
-          <a:xfrm>
-            <a:off x="448055" y="917917"/>
-            <a:ext cx="11311128" cy="323165"/>
-          </a:xfrm>
-        </p:spPr>
-        <p:txBody>
-          <a:bodyPr/>
-          <a:lstStyle/>
-          <a:p>
-            <a:r>
-              <a:rPr lang="en-US" dirty="0">
-                <a:solidFill>
-                  <a:schemeClr val="bg1">
-                    <a:lumMod val="50000"/>
-                  </a:schemeClr>
-                </a:solidFill>
-              </a:rPr>
-              <a:t>Agile for Model-Based-Standards Development</a:t>
-            </a:r>
-          </a:p>
-        </p:txBody>
-      </p:sp>
-      <p:sp>
-        <p:nvSpPr>
-          <p:cNvPr id="51" name="TextBox 50"/>
-          <p:cNvSpPr txBox="1"/>
-          <p:nvPr/>
-        </p:nvSpPr>
-        <p:spPr>
-          <a:xfrm>
-            <a:off x="9859106" y="1347373"/>
-            <a:ext cx="589713" cy="338554"/>
-          </a:xfrm>
-          <a:prstGeom prst="rect">
-            <a:avLst/>
-          </a:prstGeom>
-          <a:noFill/>
-        </p:spPr>
-        <p:txBody>
-          <a:bodyPr wrap="none" rtlCol="0">
-            <a:spAutoFit/>
-          </a:bodyPr>
-          <a:lstStyle/>
-          <a:p>
-            <a:r>
-              <a:rPr lang="en-US" sz="1600" dirty="0">
-                <a:solidFill>
-                  <a:schemeClr val="bg1"/>
-                </a:solidFill>
-              </a:rPr>
-              <a:t>ART</a:t>
-            </a:r>
-          </a:p>
-        </p:txBody>
-      </p:sp>
-      <p:sp>
-        <p:nvSpPr>
-          <p:cNvPr id="3" name="Content Placeholder 2"/>
-          <p:cNvSpPr>
-            <a:spLocks noGrp="1"/>
-          </p:cNvSpPr>
-          <p:nvPr>
-            <p:ph sz="quarter" idx="16"/>
-          </p:nvPr>
-        </p:nvSpPr>
-        <p:spPr>
-          <a:xfrm>
-            <a:off x="405383" y="1283208"/>
             <a:ext cx="11311128" cy="4967514"/>
           </a:xfrm>
         </p:spPr>
@@ -9041,10 +8719,17 @@
       </p:transition>
     </mc:Fallback>
   </mc:AlternateContent>
+  <p:timing>
+    <p:tnLst>
+      <p:par>
+        <p:cTn id="1" dur="indefinite" restart="never" nodeType="tmRoot"/>
+      </p:par>
+    </p:tnLst>
+  </p:timing>
 </p:sld>
 </file>
 
-<file path=ppt/slides/slide12.xml><?xml version="1.0" encoding="utf-8"?>
+<file path=ppt/slides/slide11.xml><?xml version="1.0" encoding="utf-8"?>
 <p:sld xmlns:a="http://schemas.openxmlformats.org/drawingml/2006/main" xmlns:r="http://schemas.openxmlformats.org/officeDocument/2006/relationships" xmlns:p="http://schemas.openxmlformats.org/presentationml/2006/main" show="0">
   <p:cSld>
     <p:spTree>
@@ -10282,22 +9967,29 @@
   <p:clrMapOvr>
     <a:masterClrMapping/>
   </p:clrMapOvr>
-  <mc:AlternateContent xmlns:mc="http://schemas.openxmlformats.org/markup-compatibility/2006">
-    <mc:Choice xmlns:p14="http://schemas.microsoft.com/office/powerpoint/2010/main" Requires="p14">
+  <mc:AlternateContent xmlns:mc="http://schemas.openxmlformats.org/markup-compatibility/2006" xmlns:p14="http://schemas.microsoft.com/office/powerpoint/2010/main">
+    <mc:Choice Requires="p14">
       <p:transition spd="med" p14:dur="700">
         <p:fade/>
       </p:transition>
     </mc:Choice>
-    <mc:Fallback>
+    <mc:Fallback xmlns="">
       <p:transition spd="med">
         <p:fade/>
       </p:transition>
     </mc:Fallback>
   </mc:AlternateContent>
+  <p:timing>
+    <p:tnLst>
+      <p:par>
+        <p:cTn id="1" dur="indefinite" restart="never" nodeType="tmRoot"/>
+      </p:par>
+    </p:tnLst>
+  </p:timing>
 </p:sld>
 </file>
 
-<file path=ppt/slides/slide13.xml><?xml version="1.0" encoding="utf-8"?>
+<file path=ppt/slides/slide12.xml><?xml version="1.0" encoding="utf-8"?>
 <p:sld xmlns:a="http://schemas.openxmlformats.org/drawingml/2006/main" xmlns:r="http://schemas.openxmlformats.org/officeDocument/2006/relationships" xmlns:p="http://schemas.openxmlformats.org/presentationml/2006/main">
   <p:cSld>
     <p:spTree>
@@ -10537,6 +10229,13 @@
       </p:transition>
     </mc:Fallback>
   </mc:AlternateContent>
+  <p:timing>
+    <p:tnLst>
+      <p:par>
+        <p:cTn id="1" dur="indefinite" restart="never" nodeType="tmRoot"/>
+      </p:par>
+    </p:tnLst>
+  </p:timing>
 </p:sld>
 </file>
 
@@ -10866,10 +10565,176 @@
       </p:transition>
     </mc:Fallback>
   </mc:AlternateContent>
+  <p:timing>
+    <p:tnLst>
+      <p:par>
+        <p:cTn id="1" dur="indefinite" restart="never" nodeType="tmRoot"/>
+      </p:par>
+    </p:tnLst>
+  </p:timing>
 </p:sld>
 </file>
 
 <file path=ppt/slides/slide4.xml><?xml version="1.0" encoding="utf-8"?>
+<p:sld xmlns:a="http://schemas.openxmlformats.org/drawingml/2006/main" xmlns:r="http://schemas.openxmlformats.org/officeDocument/2006/relationships" xmlns:p="http://schemas.openxmlformats.org/presentationml/2006/main">
+  <p:cSld>
+    <p:spTree>
+      <p:nvGrpSpPr>
+        <p:cNvPr id="1" name=""/>
+        <p:cNvGrpSpPr/>
+        <p:nvPr/>
+      </p:nvGrpSpPr>
+      <p:grpSpPr>
+        <a:xfrm>
+          <a:off x="0" y="0"/>
+          <a:ext cx="0" cy="0"/>
+          <a:chOff x="0" y="0"/>
+          <a:chExt cx="0" cy="0"/>
+        </a:xfrm>
+      </p:grpSpPr>
+      <p:sp>
+        <p:nvSpPr>
+          <p:cNvPr id="2" name="Title 1"/>
+          <p:cNvSpPr>
+            <a:spLocks noGrp="1"/>
+          </p:cNvSpPr>
+          <p:nvPr>
+            <p:ph type="title"/>
+          </p:nvPr>
+        </p:nvSpPr>
+        <p:spPr/>
+        <p:txBody>
+          <a:bodyPr/>
+          <a:lstStyle/>
+          <a:p>
+            <a:r>
+              <a:rPr lang="en-US" dirty="0"/>
+              <a:t>TERM Definitions</a:t>
+            </a:r>
+            <a:endParaRPr lang="en-GB" dirty="0"/>
+          </a:p>
+        </p:txBody>
+      </p:sp>
+      <p:sp>
+        <p:nvSpPr>
+          <p:cNvPr id="3" name="Content Placeholder 2"/>
+          <p:cNvSpPr>
+            <a:spLocks noGrp="1"/>
+          </p:cNvSpPr>
+          <p:nvPr>
+            <p:ph sz="quarter" idx="10"/>
+          </p:nvPr>
+        </p:nvSpPr>
+        <p:spPr>
+          <a:xfrm>
+            <a:off x="446088" y="1203325"/>
+            <a:ext cx="11139487" cy="3545586"/>
+          </a:xfrm>
+        </p:spPr>
+        <p:txBody>
+          <a:bodyPr/>
+          <a:lstStyle/>
+          <a:p>
+            <a:pPr>
+              <a:buNone/>
+            </a:pPr>
+            <a:r>
+              <a:rPr lang="en-US" sz="1600" b="0" u="sng" dirty="0"/>
+              <a:t>Program Increment</a:t>
+            </a:r>
+            <a:r>
+              <a:rPr lang="en-US" sz="1600" b="0" dirty="0"/>
+              <a:t>: A Program Increment [PI]] is a time box which an Agile Release Train [ART] delivers incremental value tin the form of a working, tested software and systems. The most common pattern for a PI is four development iterations, followed by one Innovation and Planning Iteration.</a:t>
+            </a:r>
+          </a:p>
+          <a:p>
+            <a:pPr>
+              <a:buNone/>
+            </a:pPr>
+            <a:endParaRPr lang="en-US" sz="1600" b="0" dirty="0"/>
+          </a:p>
+          <a:p>
+            <a:pPr>
+              <a:buNone/>
+            </a:pPr>
+            <a:r>
+              <a:rPr lang="en-US" sz="1600" b="0" u="sng" dirty="0"/>
+              <a:t>Iterations</a:t>
+            </a:r>
+            <a:r>
+              <a:rPr lang="en-US" sz="1600" b="0" dirty="0"/>
+              <a:t>: Iterations are the basic building block of Agile development. Each iteration is a standard, fixed-length time box, where Agile Teams deliver incremental value in the form of working, tested software and system. The recommended time box is two weeks. However, one to four weeks is acceptable, depending on the business context.</a:t>
+            </a:r>
+          </a:p>
+          <a:p>
+            <a:pPr>
+              <a:buNone/>
+            </a:pPr>
+            <a:endParaRPr lang="en-US" sz="1600" b="0" dirty="0"/>
+          </a:p>
+          <a:p>
+            <a:pPr>
+              <a:buNone/>
+            </a:pPr>
+            <a:r>
+              <a:rPr lang="en-US" sz="1600" b="0" u="sng" dirty="0"/>
+              <a:t>Agile Release Train: </a:t>
+            </a:r>
+            <a:r>
+              <a:rPr lang="en-US" sz="1600" b="0" dirty="0"/>
+              <a:t>The Agile Release Train [ART] is a long-lived team of Agile Teams, which, along with stakeholders, incrementally develops, delivers, and where applicable operates, one or more solutions in a value stream.</a:t>
+            </a:r>
+          </a:p>
+          <a:p>
+            <a:pPr>
+              <a:buNone/>
+            </a:pPr>
+            <a:endParaRPr lang="en-US" sz="1600" b="0" dirty="0"/>
+          </a:p>
+          <a:p>
+            <a:pPr>
+              <a:buNone/>
+            </a:pPr>
+            <a:r>
+              <a:rPr lang="en-US" sz="1600" b="0" dirty="0"/>
+              <a:t>Agile Team: An Agile Team is a cross-functional group of 5 to 11 people who have the responsibility to define, build, test, and where applicable deploy, some element of the Solution all in a short iteration time box. Includes Developers, Scrum Master and Product Owner roles.</a:t>
+            </a:r>
+          </a:p>
+        </p:txBody>
+      </p:sp>
+    </p:spTree>
+    <p:extLst>
+      <p:ext uri="{BB962C8B-B14F-4D97-AF65-F5344CB8AC3E}">
+        <p14:creationId xmlns:p14="http://schemas.microsoft.com/office/powerpoint/2010/main" val="3838970934"/>
+      </p:ext>
+    </p:extLst>
+  </p:cSld>
+  <p:clrMapOvr>
+    <a:masterClrMapping/>
+  </p:clrMapOvr>
+  <mc:AlternateContent xmlns:mc="http://schemas.openxmlformats.org/markup-compatibility/2006" xmlns:p14="http://schemas.microsoft.com/office/powerpoint/2010/main">
+    <mc:Choice Requires="p14">
+      <p:transition spd="med" p14:dur="700">
+        <p:fade/>
+      </p:transition>
+    </mc:Choice>
+    <mc:Fallback xmlns="">
+      <p:transition spd="med">
+        <p:fade/>
+      </p:transition>
+    </mc:Fallback>
+  </mc:AlternateContent>
+  <p:timing>
+    <p:tnLst>
+      <p:par>
+        <p:cTn id="1" dur="indefinite" restart="never" nodeType="tmRoot"/>
+      </p:par>
+    </p:tnLst>
+  </p:timing>
+</p:sld>
+</file>
+
+<file path=ppt/slides/slide5.xml><?xml version="1.0" encoding="utf-8"?>
 <p:sld xmlns:a="http://schemas.openxmlformats.org/drawingml/2006/main" xmlns:r="http://schemas.openxmlformats.org/officeDocument/2006/relationships" xmlns:p="http://schemas.openxmlformats.org/presentationml/2006/main">
   <p:cSld>
     <p:spTree>
@@ -10982,158 +10847,13 @@
       </p:transition>
     </mc:Fallback>
   </mc:AlternateContent>
-</p:sld>
-</file>
-
-<file path=ppt/slides/slide5.xml><?xml version="1.0" encoding="utf-8"?>
-<p:sld xmlns:a="http://schemas.openxmlformats.org/drawingml/2006/main" xmlns:r="http://schemas.openxmlformats.org/officeDocument/2006/relationships" xmlns:p="http://schemas.openxmlformats.org/presentationml/2006/main">
-  <p:cSld>
-    <p:spTree>
-      <p:nvGrpSpPr>
-        <p:cNvPr id="1" name=""/>
-        <p:cNvGrpSpPr/>
-        <p:nvPr/>
-      </p:nvGrpSpPr>
-      <p:grpSpPr>
-        <a:xfrm>
-          <a:off x="0" y="0"/>
-          <a:ext cx="0" cy="0"/>
-          <a:chOff x="0" y="0"/>
-          <a:chExt cx="0" cy="0"/>
-        </a:xfrm>
-      </p:grpSpPr>
-      <p:sp>
-        <p:nvSpPr>
-          <p:cNvPr id="2" name="Title 1"/>
-          <p:cNvSpPr>
-            <a:spLocks noGrp="1"/>
-          </p:cNvSpPr>
-          <p:nvPr>
-            <p:ph type="title"/>
-          </p:nvPr>
-        </p:nvSpPr>
-        <p:spPr/>
-        <p:txBody>
-          <a:bodyPr/>
-          <a:lstStyle/>
-          <a:p>
-            <a:r>
-              <a:rPr lang="en-US" dirty="0"/>
-              <a:t>Agile Release Train Works Together</a:t>
-            </a:r>
-            <a:endParaRPr lang="en-GB" dirty="0"/>
-          </a:p>
-        </p:txBody>
-      </p:sp>
-      <p:sp>
-        <p:nvSpPr>
-          <p:cNvPr id="3" name="Text Placeholder 2"/>
-          <p:cNvSpPr>
-            <a:spLocks noGrp="1"/>
-          </p:cNvSpPr>
-          <p:nvPr>
-            <p:ph type="body" sz="quarter" idx="12"/>
-          </p:nvPr>
-        </p:nvSpPr>
-        <p:spPr>
-          <a:xfrm>
-            <a:off x="448055" y="777240"/>
-            <a:ext cx="11311128" cy="267766"/>
-          </a:xfrm>
-        </p:spPr>
-        <p:txBody>
-          <a:bodyPr/>
-          <a:lstStyle/>
-          <a:p>
-            <a:r>
-              <a:rPr lang="en-GB" sz="1600" i="1" dirty="0"/>
-              <a:t>https://www.scaledagileframework.com/agile-release-train/</a:t>
-            </a:r>
-          </a:p>
-        </p:txBody>
-      </p:sp>
-      <p:pic>
-        <p:nvPicPr>
-          <p:cNvPr id="9" name="Picture 8"/>
-          <p:cNvPicPr>
-            <a:picLocks noChangeAspect="1"/>
-          </p:cNvPicPr>
-          <p:nvPr/>
-        </p:nvPicPr>
-        <p:blipFill>
-          <a:blip r:embed="rId2">
-            <a:extLst>
-              <a:ext uri="{28A0092B-C50C-407E-A947-70E740481C1C}">
-                <a14:useLocalDpi xmlns:a14="http://schemas.microsoft.com/office/drawing/2010/main" val="0"/>
-              </a:ext>
-            </a:extLst>
-          </a:blip>
-          <a:stretch>
-            <a:fillRect/>
-          </a:stretch>
-        </p:blipFill>
-        <p:spPr>
-          <a:xfrm>
-            <a:off x="557821" y="1735437"/>
-            <a:ext cx="5355055" cy="3646792"/>
-          </a:xfrm>
-          <a:prstGeom prst="rect">
-            <a:avLst/>
-          </a:prstGeom>
-        </p:spPr>
-      </p:pic>
-      <p:pic>
-        <p:nvPicPr>
-          <p:cNvPr id="10" name="Picture 9"/>
-          <p:cNvPicPr>
-            <a:picLocks noChangeAspect="1"/>
-          </p:cNvPicPr>
-          <p:nvPr/>
-        </p:nvPicPr>
-        <p:blipFill>
-          <a:blip r:embed="rId3">
-            <a:extLst>
-              <a:ext uri="{28A0092B-C50C-407E-A947-70E740481C1C}">
-                <a14:useLocalDpi xmlns:a14="http://schemas.microsoft.com/office/drawing/2010/main" val="0"/>
-              </a:ext>
-            </a:extLst>
-          </a:blip>
-          <a:stretch>
-            <a:fillRect/>
-          </a:stretch>
-        </p:blipFill>
-        <p:spPr>
-          <a:xfrm>
-            <a:off x="6375147" y="1365046"/>
-            <a:ext cx="5278111" cy="4438891"/>
-          </a:xfrm>
-          <a:prstGeom prst="rect">
-            <a:avLst/>
-          </a:prstGeom>
-        </p:spPr>
-      </p:pic>
-    </p:spTree>
-    <p:extLst>
-      <p:ext uri="{BB962C8B-B14F-4D97-AF65-F5344CB8AC3E}">
-        <p14:creationId xmlns:p14="http://schemas.microsoft.com/office/powerpoint/2010/main" val="1006966961"/>
-      </p:ext>
-    </p:extLst>
-  </p:cSld>
-  <p:clrMapOvr>
-    <a:masterClrMapping/>
-  </p:clrMapOvr>
-  <mc:AlternateContent xmlns:mc="http://schemas.openxmlformats.org/markup-compatibility/2006" xmlns:p14="http://schemas.microsoft.com/office/powerpoint/2010/main">
-    <mc:Choice Requires="p14">
-      <p:transition spd="med" p14:dur="700">
-        <p:fade/>
-      </p:transition>
-    </mc:Choice>
-    <mc:Fallback xmlns="">
-      <p:transition spd="med">
-        <p:fade/>
-      </p:transition>
-    </mc:Fallback>
-  </mc:AlternateContent>
+  <p:timing>
+    <p:tnLst>
+      <p:par>
+        <p:cTn id="1" dur="indefinite" restart="never" nodeType="tmRoot"/>
+      </p:par>
+    </p:tnLst>
+  </p:timing>
 </p:sld>
 </file>
 
@@ -11190,7 +10910,7 @@
         <p:spPr>
           <a:xfrm>
             <a:off x="446089" y="1203325"/>
-            <a:ext cx="4808818" cy="3471720"/>
+            <a:ext cx="4808818" cy="3942618"/>
           </a:xfrm>
         </p:spPr>
         <p:txBody>
@@ -11198,54 +10918,74 @@
           <a:lstStyle/>
           <a:p>
             <a:r>
+              <a:rPr lang="en-US" sz="1600" b="0" dirty="0" smtClean="0"/>
+              <a:t>EPIC [ISO Work Item] : </a:t>
+            </a:r>
+            <a:r>
               <a:rPr lang="en-US" sz="1600" b="0" dirty="0"/>
-              <a:t>EPIC [New Work Item] : AP242e3</a:t>
+              <a:t>AP242e3</a:t>
             </a:r>
           </a:p>
           <a:p>
             <a:pPr lvl="1"/>
             <a:r>
+              <a:rPr lang="en-US" sz="1600" dirty="0" smtClean="0"/>
+              <a:t>Capability</a:t>
+            </a:r>
+            <a:r>
               <a:rPr lang="en-US" sz="1600" dirty="0"/>
-              <a:t>Capability: Installation PMI</a:t>
+              <a:t> </a:t>
+            </a:r>
+            <a:r>
+              <a:rPr lang="en-US" sz="1600" dirty="0" smtClean="0"/>
+              <a:t>[if multi ART needed] </a:t>
+            </a:r>
+            <a:r>
+              <a:rPr lang="en-US" sz="1600" dirty="0" smtClean="0"/>
+              <a:t>: </a:t>
+            </a:r>
+            <a:r>
+              <a:rPr lang="en-US" sz="1600" dirty="0"/>
+              <a:t>Installation PMI</a:t>
+            </a:r>
+          </a:p>
+          <a:p>
+            <a:pPr lvl="1"/>
+            <a:r>
+              <a:rPr lang="en-US" sz="1800" dirty="0"/>
+              <a:t>Feature: Installation Holes</a:t>
             </a:r>
           </a:p>
           <a:p>
             <a:pPr lvl="2"/>
-            <a:r>
-              <a:rPr lang="en-US" sz="1600" dirty="0"/>
-              <a:t>Feature: Installation Holes</a:t>
-            </a:r>
-          </a:p>
-          <a:p>
-            <a:pPr lvl="3"/>
             <a:r>
               <a:rPr lang="en-US" dirty="0"/>
               <a:t>Story: Implicit/Simplified Counterdrill Hole</a:t>
             </a:r>
           </a:p>
           <a:p>
-            <a:pPr lvl="3"/>
+            <a:pPr lvl="2"/>
             <a:r>
               <a:rPr lang="en-US" dirty="0"/>
               <a:t>Story: Implicit/Simplified Countersunk Hole</a:t>
             </a:r>
           </a:p>
           <a:p>
+            <a:pPr lvl="1"/>
+            <a:r>
+              <a:rPr lang="en-US" sz="1800" dirty="0"/>
+              <a:t>Feature: Installation Fastening Hardware</a:t>
+            </a:r>
+          </a:p>
+          <a:p>
             <a:pPr lvl="2"/>
-            <a:r>
-              <a:rPr lang="en-US" sz="1600" dirty="0"/>
-              <a:t>Feature: Installation Fastening Hardware</a:t>
-            </a:r>
-          </a:p>
-          <a:p>
-            <a:pPr lvl="3"/>
             <a:r>
               <a:rPr lang="en-US" dirty="0"/>
               <a:t>Story: Implicit/Simplified Rivets</a:t>
             </a:r>
           </a:p>
           <a:p>
-            <a:pPr lvl="3"/>
+            <a:pPr lvl="2"/>
             <a:r>
               <a:rPr lang="en-US" dirty="0"/>
               <a:t>Story: Implicit/Simplified Bolts/Nuts</a:t>
@@ -11411,6 +11151,13 @@
       </p:transition>
     </mc:Fallback>
   </mc:AlternateContent>
+  <p:timing>
+    <p:tnLst>
+      <p:par>
+        <p:cTn id="1" dur="indefinite" restart="never" nodeType="tmRoot"/>
+      </p:par>
+    </p:tnLst>
+  </p:timing>
 </p:sld>
 </file>
 
@@ -11467,7 +11214,7 @@
         <p:spPr>
           <a:xfrm>
             <a:off x="446088" y="1203325"/>
-            <a:ext cx="11139487" cy="3545586"/>
+            <a:ext cx="11139487" cy="3176254"/>
           </a:xfrm>
         </p:spPr>
         <p:txBody>
@@ -11478,12 +11225,35 @@
               <a:buNone/>
             </a:pPr>
             <a:r>
-              <a:rPr lang="en-US" sz="1600" b="0" u="sng" dirty="0"/>
-              <a:t>Program Increment</a:t>
-            </a:r>
-            <a:r>
               <a:rPr lang="en-US" sz="1600" b="0" dirty="0"/>
-              <a:t>: A Program Increment [PI]] is a time box which an Agile Release Train [ART] delivers incremental value tin the form of a working, tested software and systems. The most common pattern for a PI is four development iterations, followed by one Innovation and Planning Iteration.</a:t>
+              <a:t>EPIC: An EPIC is a container for a Solution [Product, Service or System delivered to the customer] development initiative large enough to requirement analysis and financial approval.</a:t>
+            </a:r>
+          </a:p>
+          <a:p>
+            <a:endParaRPr lang="en-US" sz="1600" b="0" dirty="0"/>
+          </a:p>
+          <a:p>
+            <a:pPr>
+              <a:buNone/>
+            </a:pPr>
+            <a:r>
+              <a:rPr lang="en-US" sz="1600" b="0" dirty="0"/>
+              <a:t>Capability: A Capability is a higher-level solution behavior that typically spans multiple ARTs. Capabilities are sized into multiple features to facilitate their implementation in a single Program Increment [PI]</a:t>
+            </a:r>
+          </a:p>
+          <a:p>
+            <a:pPr>
+              <a:buNone/>
+            </a:pPr>
+            <a:endParaRPr lang="en-GB" sz="1600" b="0" dirty="0"/>
+          </a:p>
+          <a:p>
+            <a:pPr>
+              <a:buNone/>
+            </a:pPr>
+            <a:r>
+              <a:rPr lang="en-US" sz="1600" b="0" dirty="0"/>
+              <a:t>Feature: A Feature is a service that fulfills a stakeholder need. Each feature includes a benefit hypothesis and acceptance criteria, and is sized or split as necessary to be delivered by a single Agile Release Train in a Program Increment [PI]</a:t>
             </a:r>
           </a:p>
           <a:p>
@@ -11497,12 +11267,8 @@
               <a:buNone/>
             </a:pPr>
             <a:r>
-              <a:rPr lang="en-US" sz="1600" b="0" u="sng" dirty="0"/>
-              <a:t>Iterations</a:t>
-            </a:r>
-            <a:r>
               <a:rPr lang="en-US" sz="1600" b="0" dirty="0"/>
-              <a:t>: Iterations are the basic building block of Agile development. Each iteration is a standard, fixed-length time box, where Agile Teams deliver incremental value in the form of working, tested software and system. The recommended time box is two weeks. However, one to four weeks is acceptable, depending on the business context.</a:t>
+              <a:t>Story: Stories are short descriptions of a small piece of desired functionality, written in the user’s language. Agile Teams implement small, vertical slices of a system functionality and are sized so they can be completed in a single iteration.</a:t>
             </a:r>
           </a:p>
           <a:p>
@@ -11510,41 +11276,13 @@
               <a:buNone/>
             </a:pPr>
             <a:endParaRPr lang="en-US" sz="1600" b="0" dirty="0"/>
-          </a:p>
-          <a:p>
-            <a:pPr>
-              <a:buNone/>
-            </a:pPr>
-            <a:r>
-              <a:rPr lang="en-US" sz="1600" b="0" u="sng" dirty="0"/>
-              <a:t>Agile Release Train: </a:t>
-            </a:r>
-            <a:r>
-              <a:rPr lang="en-US" sz="1600" b="0" dirty="0"/>
-              <a:t>The Agile Release Train [ART] is a long-lived team of Agile Teams, which, along with stakeholders, incrementally develops, delivers, and where applicable operates, one or more solutions in a value stream.</a:t>
-            </a:r>
-          </a:p>
-          <a:p>
-            <a:pPr>
-              <a:buNone/>
-            </a:pPr>
-            <a:endParaRPr lang="en-US" sz="1600" b="0" dirty="0"/>
-          </a:p>
-          <a:p>
-            <a:pPr>
-              <a:buNone/>
-            </a:pPr>
-            <a:r>
-              <a:rPr lang="en-US" sz="1600" b="0" dirty="0"/>
-              <a:t>Agile Team: An Agile Team is a cross-functional group of 5 to 11 people who have the responsibility to define, build, test, and where applicable deploy, some element of the Solution all in a short iteration time box. Includes Developers, Scrum Master and Product Owner roles.</a:t>
-            </a:r>
           </a:p>
         </p:txBody>
       </p:sp>
     </p:spTree>
     <p:extLst>
       <p:ext uri="{BB962C8B-B14F-4D97-AF65-F5344CB8AC3E}">
-        <p14:creationId xmlns:p14="http://schemas.microsoft.com/office/powerpoint/2010/main" val="3838970934"/>
+        <p14:creationId xmlns:p14="http://schemas.microsoft.com/office/powerpoint/2010/main" val="94146858"/>
       </p:ext>
     </p:extLst>
   </p:cSld>
@@ -11563,6 +11301,13 @@
       </p:transition>
     </mc:Fallback>
   </mc:AlternateContent>
+  <p:timing>
+    <p:tnLst>
+      <p:par>
+        <p:cTn id="1" dur="indefinite" restart="never" nodeType="tmRoot"/>
+      </p:par>
+    </p:tnLst>
+  </p:timing>
 </p:sld>
 </file>
 
@@ -11593,16 +11338,123 @@
             <p:ph type="title"/>
           </p:nvPr>
         </p:nvSpPr>
-        <p:spPr/>
+        <p:spPr>
+          <a:xfrm>
+            <a:off x="448055" y="457200"/>
+            <a:ext cx="11311128" cy="489365"/>
+          </a:xfrm>
+        </p:spPr>
         <p:txBody>
           <a:bodyPr/>
           <a:lstStyle/>
           <a:p>
             <a:r>
-              <a:rPr lang="en-US" dirty="0"/>
-              <a:t>TERM Definitions</a:t>
-            </a:r>
-            <a:endParaRPr lang="en-GB" dirty="0"/>
+              <a:rPr lang="en-GB" sz="3200" dirty="0"/>
+              <a:t>Continued Research 1: Advanced Communication Tools</a:t>
+            </a:r>
+          </a:p>
+        </p:txBody>
+      </p:sp>
+      <p:sp>
+        <p:nvSpPr>
+          <p:cNvPr id="7" name="Rectangle 2"/>
+          <p:cNvSpPr>
+            <a:spLocks noChangeArrowheads="1"/>
+          </p:cNvSpPr>
+          <p:nvPr/>
+        </p:nvSpPr>
+        <p:spPr bwMode="auto">
+          <a:xfrm>
+            <a:off x="13487400" y="2087880"/>
+            <a:ext cx="12188825" cy="0"/>
+          </a:xfrm>
+          <a:prstGeom prst="rect">
+            <a:avLst/>
+          </a:prstGeom>
+          <a:solidFill>
+            <a:schemeClr val="bg1"/>
+          </a:solidFill>
+          <a:ln>
+            <a:noFill/>
+          </a:ln>
+          <a:effectLst/>
+        </p:spPr>
+        <p:txBody>
+          <a:bodyPr vert="horz" wrap="none" lIns="91440" tIns="45720" rIns="91440" bIns="45720" numCol="1" anchor="ctr" anchorCtr="0" compatLnSpc="1">
+            <a:prstTxWarp prst="textNoShape">
+              <a:avLst/>
+            </a:prstTxWarp>
+            <a:spAutoFit/>
+          </a:bodyPr>
+          <a:lstStyle/>
+          <a:p>
+            <a:endParaRPr lang="en-US"/>
+          </a:p>
+        </p:txBody>
+      </p:sp>
+      <p:sp>
+        <p:nvSpPr>
+          <p:cNvPr id="11" name="Text Placeholder 2"/>
+          <p:cNvSpPr>
+            <a:spLocks noGrp="1"/>
+          </p:cNvSpPr>
+          <p:nvPr>
+            <p:ph type="body" sz="quarter" idx="12"/>
+          </p:nvPr>
+        </p:nvSpPr>
+        <p:spPr>
+          <a:xfrm>
+            <a:off x="448055" y="917917"/>
+            <a:ext cx="11311128" cy="323165"/>
+          </a:xfrm>
+        </p:spPr>
+        <p:txBody>
+          <a:bodyPr/>
+          <a:lstStyle/>
+          <a:p>
+            <a:r>
+              <a:rPr lang="en-US" dirty="0">
+                <a:solidFill>
+                  <a:schemeClr val="bg1">
+                    <a:lumMod val="50000"/>
+                  </a:schemeClr>
+                </a:solidFill>
+              </a:rPr>
+              <a:t>Agile for Model-Based-Standards Development</a:t>
+            </a:r>
+          </a:p>
+        </p:txBody>
+      </p:sp>
+      <p:sp>
+        <p:nvSpPr>
+          <p:cNvPr id="51" name="TextBox 50"/>
+          <p:cNvSpPr txBox="1"/>
+          <p:nvPr/>
+        </p:nvSpPr>
+        <p:spPr>
+          <a:xfrm>
+            <a:off x="9859106" y="1347373"/>
+            <a:ext cx="589713" cy="338554"/>
+          </a:xfrm>
+          <a:prstGeom prst="rect">
+            <a:avLst/>
+          </a:prstGeom>
+          <a:noFill/>
+        </p:spPr>
+        <p:txBody>
+          <a:bodyPr wrap="none" rtlCol="0">
+            <a:spAutoFit/>
+          </a:bodyPr>
+          <a:lstStyle/>
+          <a:p>
+            <a:r>
+              <a:rPr lang="en-US" sz="1600" dirty="0">
+                <a:solidFill>
+                  <a:schemeClr val="bg1"/>
+                </a:solidFill>
+              </a:rPr>
+              <a:t>ART</a:t>
+            </a:r>
           </a:p>
         </p:txBody>
       </p:sp>
@@ -11613,13 +11465,13 @@
             <a:spLocks noGrp="1"/>
           </p:cNvSpPr>
           <p:nvPr>
-            <p:ph sz="quarter" idx="10"/>
+            <p:ph sz="quarter" idx="16"/>
           </p:nvPr>
         </p:nvSpPr>
         <p:spPr>
           <a:xfrm>
-            <a:off x="446088" y="1203325"/>
-            <a:ext cx="11139487" cy="3176254"/>
+            <a:off x="405383" y="1283208"/>
+            <a:ext cx="11311128" cy="4450449"/>
           </a:xfrm>
         </p:spPr>
         <p:txBody>
@@ -11629,65 +11481,136 @@
             <a:pPr>
               <a:buNone/>
             </a:pPr>
+            <a:endParaRPr lang="en-US" b="0" dirty="0"/>
+          </a:p>
+          <a:p>
+            <a:pPr marL="342900" indent="-342900">
+              <a:buFont typeface="Arial" panose="020B0604020202020204" pitchFamily="34" charset="0"/>
+              <a:buChar char="•"/>
+            </a:pPr>
+            <a:r>
+              <a:rPr lang="en-US" b="0" dirty="0"/>
+              <a:t>Requirements traceability</a:t>
+            </a:r>
+          </a:p>
+          <a:p>
+            <a:pPr marL="631825" lvl="1" indent="-342900"/>
+            <a:r>
+              <a:rPr lang="en-US" sz="1600" dirty="0"/>
+              <a:t>Requirements:</a:t>
+            </a:r>
+          </a:p>
+          <a:p>
+            <a:pPr marL="850900" lvl="2" indent="-342900"/>
+            <a:r>
+              <a:rPr lang="en-US" sz="1400" dirty="0"/>
+              <a:t> come from different sources: users, implementers, domain experts, …</a:t>
+            </a:r>
+          </a:p>
+          <a:p>
+            <a:pPr marL="850900" lvl="2" indent="-342900"/>
+            <a:r>
+              <a:rPr lang="en-US" sz="1400" dirty="0"/>
+              <a:t> in different forms: email, spreadsheet, word document, meetings, …</a:t>
+            </a:r>
+          </a:p>
+          <a:p>
+            <a:pPr marL="850900" lvl="2" indent="-342900"/>
+            <a:r>
+              <a:rPr lang="en-US" sz="1400" dirty="0"/>
+              <a:t> </a:t>
+            </a:r>
+            <a:r>
+              <a:rPr lang="en-US" sz="1400" b="0" dirty="0"/>
+              <a:t>change during the development </a:t>
+            </a:r>
+            <a:r>
+              <a:rPr lang="en-US" sz="1400" b="0" dirty="0" smtClean="0"/>
+              <a:t>cycle</a:t>
+            </a:r>
+          </a:p>
+          <a:p>
+            <a:pPr marL="850900" lvl="2" indent="-342900"/>
+            <a:r>
+              <a:rPr lang="en-US" sz="1400" dirty="0" smtClean="0"/>
+              <a:t>Requirement to be structured/semantic and computer interpretable for automation optimization (i.e. </a:t>
+            </a:r>
+            <a:r>
+              <a:rPr lang="en-US" sz="1400" dirty="0" err="1" smtClean="0"/>
+              <a:t>Req</a:t>
+            </a:r>
+            <a:r>
+              <a:rPr lang="en-US" sz="1400" dirty="0" smtClean="0"/>
+              <a:t>-IF)</a:t>
+            </a:r>
+            <a:endParaRPr lang="en-US" sz="1400" b="0" dirty="0"/>
+          </a:p>
+          <a:p>
+            <a:pPr marL="631825" lvl="1" indent="-342900"/>
+            <a:endParaRPr lang="en-US" sz="1600" b="0" dirty="0"/>
+          </a:p>
+          <a:p>
+            <a:pPr marL="631825" lvl="1" indent="-342900"/>
             <a:r>
               <a:rPr lang="en-US" sz="1600" b="0" dirty="0"/>
-              <a:t>EPIC: An EPIC is a container for a Solution [Product, Service or System delivered to the customer] development initiative large enough to requirement analysis and financial approval.</a:t>
-            </a:r>
-          </a:p>
-          <a:p>
-            <a:endParaRPr lang="en-US" sz="1600" b="0" dirty="0"/>
-          </a:p>
-          <a:p>
-            <a:pPr>
-              <a:buNone/>
-            </a:pPr>
-            <a:r>
-              <a:rPr lang="en-US" sz="1600" b="0" dirty="0"/>
-              <a:t>Capability: A Capability is a higher-level solution behavior that typically spans multiple ARTs. Capabilities are sized into multiple features to facilitate their implementation in a single Program Increment [PI]</a:t>
-            </a:r>
-          </a:p>
-          <a:p>
-            <a:pPr>
-              <a:buNone/>
-            </a:pPr>
-            <a:endParaRPr lang="en-GB" sz="1600" b="0" dirty="0"/>
-          </a:p>
-          <a:p>
-            <a:pPr>
-              <a:buNone/>
-            </a:pPr>
-            <a:r>
-              <a:rPr lang="en-US" sz="1600" b="0" dirty="0"/>
-              <a:t>Feature: A Feature is a service that fulfills a stakeholder need. Each feature includes a benefit hypothesis and acceptance criteria, and is sized or split as necessary to be delivered by a single Agile Release Train in a Program Increment [PI]</a:t>
-            </a:r>
-          </a:p>
-          <a:p>
-            <a:pPr>
+              <a:t>Agile offers methods for requirements traceability</a:t>
+            </a:r>
+          </a:p>
+          <a:p>
+            <a:pPr marL="850900" lvl="2" indent="-342900"/>
+            <a:r>
+              <a:rPr lang="en-US" sz="1400" dirty="0"/>
+              <a:t>These methods need tools to be implemented</a:t>
+            </a:r>
+          </a:p>
+          <a:p>
+            <a:pPr marL="850900" lvl="2" indent="-342900"/>
+            <a:r>
+              <a:rPr lang="en-US" sz="1400" dirty="0"/>
+              <a:t>Existing tools do not share a common requirement representation and management strategy</a:t>
+            </a:r>
+          </a:p>
+          <a:p>
+            <a:pPr marL="850900" lvl="2" indent="-342900"/>
+            <a:r>
+              <a:rPr lang="en-US" sz="1400" dirty="0"/>
+              <a:t>Because of that inconsistency, there is limited integration between the tools involved</a:t>
+            </a:r>
+            <a:endParaRPr lang="en-US" sz="1200" dirty="0"/>
+          </a:p>
+          <a:p>
+            <a:pPr lvl="2" indent="0">
               <a:buNone/>
             </a:pPr>
             <a:endParaRPr lang="en-US" sz="1600" b="0" dirty="0"/>
           </a:p>
           <a:p>
-            <a:pPr>
+            <a:pPr marL="631825" lvl="1" indent="-342900"/>
+            <a:r>
+              <a:rPr lang="en-US" sz="1600" dirty="0"/>
+              <a:t>Develop and implement a requirement model and management strategy</a:t>
+            </a:r>
+          </a:p>
+          <a:p>
+            <a:pPr marL="850900" lvl="2" indent="-342900"/>
+            <a:r>
+              <a:rPr lang="en-US" sz="1400" dirty="0"/>
+              <a:t>To ensure consistent definition, management and validation of the requirements</a:t>
+            </a:r>
+            <a:endParaRPr lang="en-US" sz="1400" b="0" dirty="0"/>
+          </a:p>
+          <a:p>
+            <a:pPr lvl="1" indent="0">
               <a:buNone/>
             </a:pPr>
-            <a:r>
-              <a:rPr lang="en-US" sz="1600" b="0" dirty="0"/>
-              <a:t>Story: Stories are short descriptions of a small piece of desired functionality, written in the user’s language. Agile Teams implement small, vertical slices of a system functionality and are sized so they can be completed in a single iteration.</a:t>
-            </a:r>
-          </a:p>
-          <a:p>
-            <a:pPr>
-              <a:buNone/>
-            </a:pPr>
-            <a:endParaRPr lang="en-US" sz="1600" b="0" dirty="0"/>
+            <a:endParaRPr lang="en-US" sz="1400" b="0" dirty="0"/>
           </a:p>
         </p:txBody>
       </p:sp>
     </p:spTree>
     <p:extLst>
       <p:ext uri="{BB962C8B-B14F-4D97-AF65-F5344CB8AC3E}">
-        <p14:creationId xmlns:p14="http://schemas.microsoft.com/office/powerpoint/2010/main" val="94146858"/>
+        <p14:creationId xmlns:p14="http://schemas.microsoft.com/office/powerpoint/2010/main" val="992928965"/>
       </p:ext>
     </p:extLst>
   </p:cSld>
@@ -11706,6 +11629,13 @@
       </p:transition>
     </mc:Fallback>
   </mc:AlternateContent>
+  <p:timing>
+    <p:tnLst>
+      <p:par>
+        <p:cTn id="1" dur="indefinite" restart="never" nodeType="tmRoot"/>
+      </p:par>
+    </p:tnLst>
+  </p:timing>
 </p:sld>
 </file>
 
@@ -11748,7 +11678,7 @@
           <a:p>
             <a:r>
               <a:rPr lang="en-GB" sz="3200" dirty="0"/>
-              <a:t>Continued Research 1: Advanced Communication Tools</a:t>
+              <a:t>Continued Research 2: Advanced Communication Tools</a:t>
             </a:r>
           </a:p>
         </p:txBody>
@@ -11869,17 +11799,17 @@
         <p:spPr>
           <a:xfrm>
             <a:off x="405383" y="1283208"/>
-            <a:ext cx="11311128" cy="4450449"/>
+            <a:ext cx="11311128" cy="4921347"/>
           </a:xfrm>
         </p:spPr>
         <p:txBody>
           <a:bodyPr/>
           <a:lstStyle/>
           <a:p>
-            <a:pPr>
+            <a:pPr lvl="1" indent="0">
               <a:buNone/>
             </a:pPr>
-            <a:endParaRPr lang="en-US" b="0" dirty="0"/>
+            <a:endParaRPr lang="en-US" sz="1400" b="0" dirty="0"/>
           </a:p>
           <a:p>
             <a:pPr marL="342900" indent="-342900">
@@ -11888,127 +11818,126 @@
             </a:pPr>
             <a:r>
               <a:rPr lang="en-US" b="0" dirty="0"/>
-              <a:t>Requirements traceability</a:t>
+              <a:t>Consensus management </a:t>
             </a:r>
           </a:p>
           <a:p>
             <a:pPr marL="631825" lvl="1" indent="-342900"/>
             <a:r>
-              <a:rPr lang="en-US" sz="1600" dirty="0"/>
-              <a:t>Requirements:</a:t>
+              <a:rPr lang="en-US" sz="1600" b="0" dirty="0"/>
+              <a:t>STEP experts:</a:t>
             </a:r>
           </a:p>
           <a:p>
             <a:pPr marL="850900" lvl="2" indent="-342900"/>
             <a:r>
               <a:rPr lang="en-US" sz="1400" dirty="0"/>
-              <a:t> come from different sources: users, implementers, domain experts, …</a:t>
+              <a:t>A</a:t>
+            </a:r>
+            <a:r>
+              <a:rPr lang="en-US" sz="1400" b="0" dirty="0"/>
+              <a:t>re geographical dispersed</a:t>
             </a:r>
           </a:p>
           <a:p>
             <a:pPr marL="850900" lvl="2" indent="-342900"/>
             <a:r>
               <a:rPr lang="en-US" sz="1400" dirty="0"/>
-              <a:t> in different forms: email, spreadsheet, word document, meetings, …</a:t>
+              <a:t>Can’t always attend all the meetings</a:t>
             </a:r>
           </a:p>
           <a:p>
             <a:pPr marL="850900" lvl="2" indent="-342900"/>
             <a:r>
               <a:rPr lang="en-US" sz="1400" dirty="0"/>
-              <a:t> </a:t>
-            </a:r>
-            <a:r>
-              <a:rPr lang="en-US" sz="1400" b="0" dirty="0"/>
-              <a:t>change during the development </a:t>
-            </a:r>
-            <a:r>
-              <a:rPr lang="en-US" sz="1400" b="0" dirty="0" smtClean="0"/>
-              <a:t>cycle</a:t>
-            </a:r>
-          </a:p>
-          <a:p>
-            <a:pPr marL="850900" lvl="2" indent="-342900"/>
-            <a:r>
-              <a:rPr lang="en-US" sz="1400" dirty="0" smtClean="0"/>
-              <a:t>Requirement to be structured/semantic and computer interpretable for automation optimization (i.e. </a:t>
-            </a:r>
-            <a:r>
-              <a:rPr lang="en-US" sz="1400" dirty="0" err="1" smtClean="0"/>
-              <a:t>Req</a:t>
-            </a:r>
-            <a:r>
-              <a:rPr lang="en-US" sz="1400" dirty="0" smtClean="0"/>
-              <a:t>-IF)</a:t>
-            </a:r>
-            <a:endParaRPr lang="en-US" sz="1400" b="0" dirty="0"/>
-          </a:p>
-          <a:p>
-            <a:pPr marL="631825" lvl="1" indent="-342900"/>
-            <a:endParaRPr lang="en-US" sz="1600" b="0" dirty="0"/>
-          </a:p>
-          <a:p>
-            <a:pPr marL="631825" lvl="1" indent="-342900"/>
-            <a:r>
-              <a:rPr lang="en-US" sz="1600" b="0" dirty="0"/>
-              <a:t>Agile offers methods for requirements traceability</a:t>
-            </a:r>
-          </a:p>
-          <a:p>
-            <a:pPr marL="850900" lvl="2" indent="-342900"/>
-            <a:r>
-              <a:rPr lang="en-US" sz="1400" dirty="0"/>
-              <a:t>These methods need tools to be implemented</a:t>
-            </a:r>
-          </a:p>
-          <a:p>
-            <a:pPr marL="850900" lvl="2" indent="-342900"/>
-            <a:r>
-              <a:rPr lang="en-US" sz="1400" dirty="0"/>
-              <a:t>Existing tools do not share a common requirement representation and management strategy</a:t>
-            </a:r>
-          </a:p>
-          <a:p>
-            <a:pPr marL="850900" lvl="2" indent="-342900"/>
-            <a:r>
-              <a:rPr lang="en-US" sz="1400" dirty="0"/>
-              <a:t>Because of that inconsistency, there is limited integration between the tools involved</a:t>
-            </a:r>
-            <a:endParaRPr lang="en-US" sz="1200" dirty="0"/>
+              <a:t>Cannot always be dedicated</a:t>
+            </a:r>
           </a:p>
           <a:p>
             <a:pPr lvl="2" indent="0">
               <a:buNone/>
             </a:pPr>
-            <a:endParaRPr lang="en-US" sz="1600" b="0" dirty="0"/>
+            <a:endParaRPr lang="en-US" sz="1600" dirty="0"/>
           </a:p>
           <a:p>
             <a:pPr marL="631825" lvl="1" indent="-342900"/>
             <a:r>
               <a:rPr lang="en-US" sz="1600" dirty="0"/>
-              <a:t>Develop and implement a requirement model and management strategy</a:t>
+              <a:t>Importance of keeping track of and documenting all the activities and decisions during the different meetings</a:t>
             </a:r>
           </a:p>
           <a:p>
             <a:pPr marL="850900" lvl="2" indent="-342900"/>
             <a:r>
               <a:rPr lang="en-US" sz="1400" dirty="0"/>
-              <a:t>To ensure consistent definition, management and validation of the requirements</a:t>
-            </a:r>
-            <a:endParaRPr lang="en-US" sz="1400" b="0" dirty="0"/>
-          </a:p>
-          <a:p>
-            <a:pPr lvl="1" indent="0">
-              <a:buNone/>
-            </a:pPr>
-            <a:endParaRPr lang="en-US" sz="1400" b="0" dirty="0"/>
+              <a:t>Decisions can be achievements, new tasks, bugs, bug resolutions, requirements, assignments, …</a:t>
+            </a:r>
+          </a:p>
+          <a:p>
+            <a:pPr marL="631825" lvl="1" indent="-342900"/>
+            <a:endParaRPr lang="en-US" sz="1600" dirty="0"/>
+          </a:p>
+          <a:p>
+            <a:pPr marL="631825" lvl="1" indent="-342900"/>
+            <a:r>
+              <a:rPr lang="en-US" sz="1600" dirty="0"/>
+              <a:t>Meeting minutes are not necessarily very detailed, formalized, and accessible</a:t>
+            </a:r>
+          </a:p>
+          <a:p>
+            <a:pPr marL="850900" lvl="2" indent="-342900"/>
+            <a:r>
+              <a:rPr lang="en-US" sz="1400" dirty="0"/>
+              <a:t>Who, When, Where, What, Why, How </a:t>
+            </a:r>
+          </a:p>
+          <a:p>
+            <a:pPr marL="631825" lvl="1" indent="-342900"/>
+            <a:endParaRPr lang="en-US" sz="1600" dirty="0"/>
+          </a:p>
+          <a:p>
+            <a:pPr marL="631825" lvl="1" indent="-342900"/>
+            <a:r>
+              <a:rPr lang="en-US" sz="1600" dirty="0"/>
+              <a:t>Develop and implement a formal meeting minutes model and strategy</a:t>
+            </a:r>
+          </a:p>
+          <a:p>
+            <a:pPr marL="850900" lvl="2" indent="-342900"/>
+            <a:r>
+              <a:rPr lang="en-US" sz="1400" b="0" dirty="0"/>
+              <a:t>Easier access to the minutes</a:t>
+            </a:r>
+          </a:p>
+          <a:p>
+            <a:pPr marL="850900" lvl="2" indent="-342900"/>
+            <a:r>
+              <a:rPr lang="en-US" sz="1400" dirty="0"/>
+              <a:t>Minutes traceability to requirements and </a:t>
+            </a:r>
+            <a:r>
+              <a:rPr lang="en-US" sz="1400" dirty="0" smtClean="0"/>
+              <a:t>tasks</a:t>
+            </a:r>
+          </a:p>
+          <a:p>
+            <a:pPr marL="850900" lvl="2" indent="-342900"/>
+            <a:r>
+              <a:rPr lang="en-US" sz="1400" dirty="0" smtClean="0"/>
+              <a:t>Supports report generation, automation, and single source of truth</a:t>
+            </a:r>
+            <a:endParaRPr lang="en-US" sz="1200" dirty="0"/>
+          </a:p>
+          <a:p>
+            <a:pPr marL="850900" lvl="2" indent="-342900"/>
+            <a:endParaRPr lang="en-US" sz="1400" dirty="0"/>
           </a:p>
         </p:txBody>
       </p:sp>
     </p:spTree>
     <p:extLst>
       <p:ext uri="{BB962C8B-B14F-4D97-AF65-F5344CB8AC3E}">
-        <p14:creationId xmlns:p14="http://schemas.microsoft.com/office/powerpoint/2010/main" val="992928965"/>
+        <p14:creationId xmlns:p14="http://schemas.microsoft.com/office/powerpoint/2010/main" val="1343705657"/>
       </p:ext>
     </p:extLst>
   </p:cSld>
@@ -12027,6 +11956,13 @@
       </p:transition>
     </mc:Fallback>
   </mc:AlternateContent>
+  <p:timing>
+    <p:tnLst>
+      <p:par>
+        <p:cTn id="1" dur="indefinite" restart="never" nodeType="tmRoot"/>
+      </p:par>
+    </p:tnLst>
+  </p:timing>
 </p:sld>
 </file>
 
@@ -13020,6 +12956,21 @@
 </file>
 
 <file path=customXml/item1.xml><?xml version="1.0" encoding="utf-8"?>
+<?mso-contentType ?>
+<FormTemplates xmlns="http://schemas.microsoft.com/sharepoint/v3/contenttype/forms">
+  <Display>DocumentLibraryForm</Display>
+  <Edit>DocumentLibraryForm</Edit>
+  <New>DocumentLibraryForm</New>
+</FormTemplates>
+</file>
+
+<file path=customXml/item2.xml><?xml version="1.0" encoding="utf-8"?>
+<p:properties xmlns:p="http://schemas.microsoft.com/office/2006/metadata/properties" xmlns:xsi="http://www.w3.org/2001/XMLSchema-instance" xmlns:pc="http://schemas.microsoft.com/office/infopath/2007/PartnerControls">
+  <documentManagement/>
+</p:properties>
+</file>
+
+<file path=customXml/item3.xml><?xml version="1.0" encoding="utf-8"?>
 <ct:contentTypeSchema xmlns:ct="http://schemas.microsoft.com/office/2006/metadata/contentType" xmlns:ma="http://schemas.microsoft.com/office/2006/metadata/properties/metaAttributes" ct:_="" ma:_="" ma:contentTypeName="Document" ma:contentTypeID="0x010100B928359CC7305D47809A6E4D09895B12" ma:contentTypeVersion="0" ma:contentTypeDescription="Create a new document." ma:contentTypeScope="" ma:versionID="58734b0d5d00aaa9ecfcecd44c708e1b">
   <xsd:schema xmlns:xsd="http://www.w3.org/2001/XMLSchema" xmlns:xs="http://www.w3.org/2001/XMLSchema" xmlns:p="http://schemas.microsoft.com/office/2006/metadata/properties" targetNamespace="http://schemas.microsoft.com/office/2006/metadata/properties" ma:root="true" ma:fieldsID="1b05d82d297216baf5b26c55225140df">
     <xsd:element name="properties">
@@ -13133,33 +13084,10 @@
 </ct:contentTypeSchema>
 </file>
 
-<file path=customXml/item2.xml><?xml version="1.0" encoding="utf-8"?>
-<p:properties xmlns:p="http://schemas.microsoft.com/office/2006/metadata/properties" xmlns:xsi="http://www.w3.org/2001/XMLSchema-instance" xmlns:pc="http://schemas.microsoft.com/office/infopath/2007/PartnerControls">
-  <documentManagement/>
-</p:properties>
-</file>
-
-<file path=customXml/item3.xml><?xml version="1.0" encoding="utf-8"?>
-<?mso-contentType ?>
-<FormTemplates xmlns="http://schemas.microsoft.com/sharepoint/v3/contenttype/forms">
-  <Display>DocumentLibraryForm</Display>
-  <Edit>DocumentLibraryForm</Edit>
-  <New>DocumentLibraryForm</New>
-</FormTemplates>
-</file>
-
 <file path=customXml/itemProps1.xml><?xml version="1.0" encoding="utf-8"?>
-<ds:datastoreItem xmlns:ds="http://schemas.openxmlformats.org/officeDocument/2006/customXml" ds:itemID="{FFB024C0-3292-4B7C-9F10-F14F1C85528A}">
+<ds:datastoreItem xmlns:ds="http://schemas.openxmlformats.org/officeDocument/2006/customXml" ds:itemID="{16D4C100-0EDD-4DD2-914D-A957225F12B9}">
   <ds:schemaRefs>
-    <ds:schemaRef ds:uri="http://schemas.microsoft.com/office/2006/metadata/contentType"/>
-    <ds:schemaRef ds:uri="http://schemas.microsoft.com/office/2006/metadata/properties/metaAttributes"/>
-    <ds:schemaRef ds:uri="http://www.w3.org/2001/XMLSchema"/>
-    <ds:schemaRef ds:uri="http://schemas.microsoft.com/office/2006/metadata/properties"/>
-    <ds:schemaRef ds:uri="http://schemas.openxmlformats.org/package/2006/metadata/core-properties"/>
-    <ds:schemaRef ds:uri="http://purl.org/dc/elements/1.1/"/>
-    <ds:schemaRef ds:uri="http://purl.org/dc/terms/"/>
-    <ds:schemaRef ds:uri="http://schemas.microsoft.com/internal/obd"/>
-    <ds:schemaRef ds:uri="http://schemas.microsoft.com/office/infopath/2007/PartnerControls"/>
+    <ds:schemaRef ds:uri="http://schemas.microsoft.com/sharepoint/v3/contenttype/forms"/>
   </ds:schemaRefs>
 </ds:datastoreItem>
 </file>
@@ -13180,9 +13108,17 @@
 </file>
 
 <file path=customXml/itemProps3.xml><?xml version="1.0" encoding="utf-8"?>
-<ds:datastoreItem xmlns:ds="http://schemas.openxmlformats.org/officeDocument/2006/customXml" ds:itemID="{16D4C100-0EDD-4DD2-914D-A957225F12B9}">
+<ds:datastoreItem xmlns:ds="http://schemas.openxmlformats.org/officeDocument/2006/customXml" ds:itemID="{FFB024C0-3292-4B7C-9F10-F14F1C85528A}">
   <ds:schemaRefs>
-    <ds:schemaRef ds:uri="http://schemas.microsoft.com/sharepoint/v3/contenttype/forms"/>
+    <ds:schemaRef ds:uri="http://schemas.microsoft.com/office/2006/metadata/contentType"/>
+    <ds:schemaRef ds:uri="http://schemas.microsoft.com/office/2006/metadata/properties/metaAttributes"/>
+    <ds:schemaRef ds:uri="http://www.w3.org/2001/XMLSchema"/>
+    <ds:schemaRef ds:uri="http://schemas.microsoft.com/office/2006/metadata/properties"/>
+    <ds:schemaRef ds:uri="http://schemas.openxmlformats.org/package/2006/metadata/core-properties"/>
+    <ds:schemaRef ds:uri="http://purl.org/dc/elements/1.1/"/>
+    <ds:schemaRef ds:uri="http://purl.org/dc/terms/"/>
+    <ds:schemaRef ds:uri="http://schemas.microsoft.com/internal/obd"/>
+    <ds:schemaRef ds:uri="http://schemas.microsoft.com/office/infopath/2007/PartnerControls"/>
   </ds:schemaRefs>
 </ds:datastoreItem>
 </file>